--- a/Button.pptx
+++ b/Button.pptx
@@ -31,9 +31,10 @@
     <p:sldId id="286" r:id="rId25"/>
     <p:sldId id="283" r:id="rId26"/>
     <p:sldId id="284" r:id="rId27"/>
-    <p:sldId id="285" r:id="rId28"/>
-    <p:sldId id="282" r:id="rId29"/>
-    <p:sldId id="260" r:id="rId30"/>
+    <p:sldId id="287" r:id="rId28"/>
+    <p:sldId id="285" r:id="rId29"/>
+    <p:sldId id="282" r:id="rId30"/>
+    <p:sldId id="260" r:id="rId31"/>
   </p:sldIdLst>
   <p:sldSz cx="12192000" cy="6858000"/>
   <p:notesSz cx="6858000" cy="9144000"/>
@@ -3420,7 +3421,7 @@
           <a:p>
             <a:pPr algn="ctr"/>
             <a:r>
-              <a:rPr lang="en-US" altLang="ko-KR" sz="6000" b="1" dirty="0" smtClean="0">
+              <a:rPr lang="en-US" altLang="ko-KR" sz="6000" b="1" dirty="0">
                 <a:ln w="6600">
                   <a:solidFill>
                     <a:schemeClr val="tx1"/>
@@ -3439,7 +3440,7 @@
               <a:t>P</a:t>
             </a:r>
             <a:r>
-              <a:rPr lang="en-US" altLang="ko-KR" sz="6000" b="1" dirty="0" smtClean="0">
+              <a:rPr lang="en-US" altLang="ko-KR" sz="6000" b="1" dirty="0">
                 <a:ln w="6600">
                   <a:solidFill>
                     <a:schemeClr val="tx1"/>
@@ -3458,7 +3459,7 @@
               <a:t>r</a:t>
             </a:r>
             <a:r>
-              <a:rPr lang="en-US" altLang="ko-KR" sz="6000" b="1" dirty="0" smtClean="0">
+              <a:rPr lang="en-US" altLang="ko-KR" sz="6000" b="1" dirty="0">
                 <a:ln w="6600">
                   <a:solidFill>
                     <a:schemeClr val="tx1"/>
@@ -3477,7 +3478,7 @@
               <a:t>o</a:t>
             </a:r>
             <a:r>
-              <a:rPr lang="en-US" altLang="ko-KR" sz="6000" b="1" dirty="0" smtClean="0">
+              <a:rPr lang="en-US" altLang="ko-KR" sz="6000" b="1" dirty="0">
                 <a:ln w="6600">
                   <a:solidFill>
                     <a:schemeClr val="tx1"/>
@@ -3496,7 +3497,7 @@
               <a:t>j</a:t>
             </a:r>
             <a:r>
-              <a:rPr lang="en-US" altLang="ko-KR" sz="6000" b="1" dirty="0" smtClean="0">
+              <a:rPr lang="en-US" altLang="ko-KR" sz="6000" b="1" dirty="0">
                 <a:ln w="6600">
                   <a:solidFill>
                     <a:schemeClr val="tx1"/>
@@ -3515,7 +3516,7 @@
               <a:t>e</a:t>
             </a:r>
             <a:r>
-              <a:rPr lang="en-US" altLang="ko-KR" sz="6000" b="1" dirty="0" smtClean="0">
+              <a:rPr lang="en-US" altLang="ko-KR" sz="6000" b="1" dirty="0">
                 <a:ln w="6600">
                   <a:solidFill>
                     <a:schemeClr val="tx1"/>
@@ -3534,7 +3535,7 @@
               <a:t>c</a:t>
             </a:r>
             <a:r>
-              <a:rPr lang="en-US" altLang="ko-KR" sz="6000" b="1" dirty="0" smtClean="0">
+              <a:rPr lang="en-US" altLang="ko-KR" sz="6000" b="1" dirty="0">
                 <a:ln w="6600">
                   <a:solidFill>
                     <a:schemeClr val="tx1"/>
@@ -3553,7 +3554,7 @@
               <a:t>t</a:t>
             </a:r>
             <a:r>
-              <a:rPr lang="en-US" altLang="ko-KR" sz="6000" b="1" dirty="0" smtClean="0">
+              <a:rPr lang="en-US" altLang="ko-KR" sz="6000" b="1" dirty="0">
                 <a:ln w="6600">
                   <a:solidFill>
                     <a:schemeClr val="tx1"/>
@@ -3572,7 +3573,7 @@
               <a:t> </a:t>
             </a:r>
             <a:r>
-              <a:rPr lang="en-US" altLang="ko-KR" sz="6000" b="1" dirty="0" smtClean="0">
+              <a:rPr lang="en-US" altLang="ko-KR" sz="6000" b="1" dirty="0">
                 <a:ln w="6600">
                   <a:solidFill>
                     <a:schemeClr val="tx1"/>
@@ -3588,7 +3589,7 @@
               <a:t>2</a:t>
             </a:r>
             <a:r>
-              <a:rPr lang="en-US" altLang="ko-KR" sz="6000" b="1" dirty="0" smtClean="0">
+              <a:rPr lang="en-US" altLang="ko-KR" sz="6000" b="1" dirty="0">
                 <a:ln w="6600">
                   <a:solidFill>
                     <a:schemeClr val="tx1"/>
@@ -3606,22 +3607,6 @@
               </a:rPr>
               <a:t> - Button</a:t>
             </a:r>
-            <a:endParaRPr lang="en-US" altLang="ko-KR" sz="6000" b="1" dirty="0">
-              <a:ln w="6600">
-                <a:solidFill>
-                  <a:schemeClr val="tx1"/>
-                </a:solidFill>
-                <a:prstDash val="solid"/>
-              </a:ln>
-              <a:solidFill>
-                <a:srgbClr val="7030A0"/>
-              </a:solidFill>
-              <a:effectLst>
-                <a:outerShdw dist="38100" dir="2700000" algn="tl" rotWithShape="0">
-                  <a:schemeClr val="accent2"/>
-                </a:outerShdw>
-              </a:effectLst>
-            </a:endParaRPr>
           </a:p>
         </p:txBody>
       </p:sp>
@@ -3783,71 +3768,63 @@
           <a:lstStyle/>
           <a:p>
             <a:r>
-              <a:rPr lang="ko-KR" altLang="en-US" dirty="0" smtClean="0"/>
+              <a:rPr lang="ko-KR" altLang="en-US" dirty="0"/>
               <a:t>팀장</a:t>
             </a:r>
             <a:r>
-              <a:rPr lang="en-US" altLang="ko-KR" dirty="0" smtClean="0"/>
+              <a:rPr lang="en-US" altLang="ko-KR" dirty="0"/>
               <a:t>: </a:t>
             </a:r>
             <a:r>
-              <a:rPr lang="ko-KR" altLang="en-US" dirty="0" smtClean="0"/>
+              <a:rPr lang="ko-KR" altLang="en-US" dirty="0"/>
               <a:t>임수진</a:t>
             </a:r>
-            <a:endParaRPr lang="en-US" altLang="ko-KR" dirty="0" smtClean="0"/>
-          </a:p>
-          <a:p>
-            <a:r>
-              <a:rPr lang="ko-KR" altLang="en-US" dirty="0" smtClean="0"/>
+            <a:endParaRPr lang="en-US" altLang="ko-KR" dirty="0"/>
+          </a:p>
+          <a:p>
+            <a:r>
+              <a:rPr lang="ko-KR" altLang="en-US" dirty="0"/>
               <a:t>팀원</a:t>
             </a:r>
             <a:r>
-              <a:rPr lang="en-US" altLang="ko-KR" dirty="0" smtClean="0"/>
+              <a:rPr lang="en-US" altLang="ko-KR" dirty="0"/>
               <a:t>: </a:t>
             </a:r>
             <a:r>
-              <a:rPr lang="ko-KR" altLang="en-US" dirty="0" err="1" smtClean="0"/>
+              <a:rPr lang="ko-KR" altLang="en-US" dirty="0" err="1"/>
               <a:t>엄세영</a:t>
             </a:r>
-            <a:endParaRPr lang="en-US" altLang="ko-KR" dirty="0" smtClean="0"/>
+            <a:endParaRPr lang="en-US" altLang="ko-KR" dirty="0"/>
           </a:p>
           <a:p>
             <a:r>
               <a:rPr lang="en-US" altLang="ko-KR" dirty="0"/>
-              <a:t> </a:t>
-            </a:r>
-            <a:r>
-              <a:rPr lang="en-US" altLang="ko-KR" dirty="0" smtClean="0"/>
-              <a:t>      </a:t>
-            </a:r>
-            <a:r>
-              <a:rPr lang="ko-KR" altLang="en-US" dirty="0" smtClean="0"/>
+              <a:t>       </a:t>
+            </a:r>
+            <a:r>
+              <a:rPr lang="ko-KR" altLang="en-US" dirty="0"/>
               <a:t>이유진</a:t>
             </a:r>
-            <a:endParaRPr lang="en-US" altLang="ko-KR" dirty="0" smtClean="0"/>
-          </a:p>
-          <a:p>
-            <a:r>
-              <a:rPr lang="en-US" altLang="ko-KR" dirty="0" smtClean="0"/>
+            <a:endParaRPr lang="en-US" altLang="ko-KR" dirty="0"/>
+          </a:p>
+          <a:p>
+            <a:r>
+              <a:rPr lang="en-US" altLang="ko-KR" dirty="0"/>
               <a:t>        </a:t>
             </a:r>
             <a:r>
-              <a:rPr lang="ko-KR" altLang="en-US" dirty="0" smtClean="0"/>
+              <a:rPr lang="ko-KR" altLang="en-US" dirty="0"/>
               <a:t>이현준</a:t>
             </a:r>
-            <a:endParaRPr lang="en-US" altLang="ko-KR" dirty="0" smtClean="0"/>
+            <a:endParaRPr lang="en-US" altLang="ko-KR" dirty="0"/>
           </a:p>
           <a:p>
             <a:r>
               <a:rPr lang="en-US" altLang="ko-KR" dirty="0"/>
-              <a:t> </a:t>
-            </a:r>
-            <a:r>
-              <a:rPr lang="en-US" altLang="ko-KR" dirty="0" smtClean="0"/>
-              <a:t>      </a:t>
-            </a:r>
-            <a:r>
-              <a:rPr lang="ko-KR" altLang="en-US" dirty="0" smtClean="0"/>
+              <a:t>       </a:t>
+            </a:r>
+            <a:r>
+              <a:rPr lang="ko-KR" altLang="en-US" dirty="0"/>
               <a:t>최진용</a:t>
             </a:r>
             <a:endParaRPr lang="en-US" altLang="ko-KR" dirty="0"/>
@@ -3867,13 +3844,6 @@
   <p:clrMapOvr>
     <a:masterClrMapping/>
   </p:clrMapOvr>
-  <p:timing>
-    <p:tnLst>
-      <p:par>
-        <p:cTn id="1" dur="indefinite" restart="never" nodeType="tmRoot"/>
-      </p:par>
-    </p:tnLst>
-  </p:timing>
 </p:sld>
 </file>
 
@@ -3954,7 +3924,7 @@
           <a:lstStyle/>
           <a:p>
             <a:r>
-              <a:rPr lang="ko-KR" altLang="en-US" sz="2800" b="1" dirty="0" err="1" smtClean="0">
+              <a:rPr lang="ko-KR" altLang="en-US" sz="2800" b="1" dirty="0" err="1">
                 <a:ln w="6600">
                   <a:solidFill>
                     <a:schemeClr val="tx1"/>
@@ -3973,7 +3943,7 @@
               <a:t>코</a:t>
             </a:r>
             <a:r>
-              <a:rPr lang="ko-KR" altLang="en-US" sz="2800" b="1" dirty="0" err="1" smtClean="0">
+              <a:rPr lang="ko-KR" altLang="en-US" sz="2800" b="1" dirty="0" err="1">
                 <a:ln w="6600">
                   <a:solidFill>
                     <a:schemeClr val="tx1"/>
@@ -3992,7 +3962,7 @@
               <a:t>드</a:t>
             </a:r>
             <a:r>
-              <a:rPr lang="ko-KR" altLang="en-US" sz="2800" b="1" dirty="0" err="1" smtClean="0">
+              <a:rPr lang="ko-KR" altLang="en-US" sz="2800" b="1" dirty="0" err="1">
                 <a:ln w="6600">
                   <a:solidFill>
                     <a:schemeClr val="tx1"/>
@@ -4011,7 +3981,7 @@
               <a:t>리</a:t>
             </a:r>
             <a:r>
-              <a:rPr lang="ko-KR" altLang="en-US" sz="2800" b="1" dirty="0" err="1" smtClean="0">
+              <a:rPr lang="ko-KR" altLang="en-US" sz="2800" b="1" dirty="0" err="1">
                 <a:ln w="6600">
                   <a:solidFill>
                     <a:schemeClr val="tx1"/>
@@ -4030,7 +4000,7 @@
               <a:t>뷰</a:t>
             </a:r>
             <a:r>
-              <a:rPr lang="ko-KR" altLang="en-US" sz="2800" b="1" dirty="0" smtClean="0">
+              <a:rPr lang="ko-KR" altLang="en-US" sz="2800" b="1" dirty="0">
                 <a:ln w="6600">
                   <a:solidFill>
                     <a:schemeClr val="tx1"/>
@@ -4049,7 +4019,7 @@
               <a:t> </a:t>
             </a:r>
             <a:r>
-              <a:rPr lang="en-US" altLang="ko-KR" sz="2800" b="1" dirty="0" smtClean="0">
+              <a:rPr lang="en-US" altLang="ko-KR" sz="2800" b="1" dirty="0">
                 <a:ln w="6600">
                   <a:solidFill>
                     <a:schemeClr val="tx1"/>
@@ -4068,7 +4038,7 @@
               <a:t>– </a:t>
             </a:r>
             <a:r>
-              <a:rPr lang="ko-KR" altLang="en-US" sz="2800" b="1" dirty="0" smtClean="0">
+              <a:rPr lang="ko-KR" altLang="en-US" sz="2800" b="1" dirty="0">
                 <a:ln w="6600">
                   <a:solidFill>
                     <a:schemeClr val="tx1"/>
@@ -4087,7 +4057,7 @@
               <a:t>로그인 페이지 </a:t>
             </a:r>
             <a:r>
-              <a:rPr lang="en-US" altLang="ko-KR" sz="2800" b="1" dirty="0" smtClean="0">
+              <a:rPr lang="en-US" altLang="ko-KR" sz="2800" b="1" dirty="0">
                 <a:ln w="6600">
                   <a:solidFill>
                     <a:schemeClr val="tx1"/>
@@ -4106,7 +4076,7 @@
               <a:t>(</a:t>
             </a:r>
             <a:r>
-              <a:rPr lang="en-US" altLang="ko-KR" sz="2800" b="1" dirty="0" err="1" smtClean="0">
+              <a:rPr lang="en-US" altLang="ko-KR" sz="2800" b="1" dirty="0" err="1">
                 <a:ln w="6600">
                   <a:solidFill>
                     <a:schemeClr val="tx1"/>
@@ -4125,7 +4095,7 @@
               <a:t>login.jsp</a:t>
             </a:r>
             <a:r>
-              <a:rPr lang="en-US" altLang="ko-KR" sz="2800" b="1" dirty="0" smtClean="0">
+              <a:rPr lang="en-US" altLang="ko-KR" sz="2800" b="1" dirty="0">
                 <a:ln w="6600">
                   <a:solidFill>
                     <a:schemeClr val="tx1"/>
@@ -4316,13 +4286,6 @@
   <p:clrMapOvr>
     <a:masterClrMapping/>
   </p:clrMapOvr>
-  <p:timing>
-    <p:tnLst>
-      <p:par>
-        <p:cTn id="1" dur="indefinite" restart="never" nodeType="tmRoot"/>
-      </p:par>
-    </p:tnLst>
-  </p:timing>
 </p:sld>
 </file>
 
@@ -4403,7 +4366,7 @@
           <a:lstStyle/>
           <a:p>
             <a:r>
-              <a:rPr lang="ko-KR" altLang="en-US" sz="2800" b="1" dirty="0" err="1" smtClean="0">
+              <a:rPr lang="ko-KR" altLang="en-US" sz="2800" b="1" dirty="0" err="1">
                 <a:ln w="6600">
                   <a:solidFill>
                     <a:schemeClr val="tx1"/>
@@ -4422,7 +4385,7 @@
               <a:t>코</a:t>
             </a:r>
             <a:r>
-              <a:rPr lang="ko-KR" altLang="en-US" sz="2800" b="1" dirty="0" err="1" smtClean="0">
+              <a:rPr lang="ko-KR" altLang="en-US" sz="2800" b="1" dirty="0" err="1">
                 <a:ln w="6600">
                   <a:solidFill>
                     <a:schemeClr val="tx1"/>
@@ -4441,7 +4404,7 @@
               <a:t>드</a:t>
             </a:r>
             <a:r>
-              <a:rPr lang="ko-KR" altLang="en-US" sz="2800" b="1" dirty="0" err="1" smtClean="0">
+              <a:rPr lang="ko-KR" altLang="en-US" sz="2800" b="1" dirty="0" err="1">
                 <a:ln w="6600">
                   <a:solidFill>
                     <a:schemeClr val="tx1"/>
@@ -4460,7 +4423,7 @@
               <a:t>리</a:t>
             </a:r>
             <a:r>
-              <a:rPr lang="ko-KR" altLang="en-US" sz="2800" b="1" dirty="0" err="1" smtClean="0">
+              <a:rPr lang="ko-KR" altLang="en-US" sz="2800" b="1" dirty="0" err="1">
                 <a:ln w="6600">
                   <a:solidFill>
                     <a:schemeClr val="tx1"/>
@@ -4495,10 +4458,10 @@
                   </a:outerShdw>
                 </a:effectLst>
               </a:rPr>
-              <a:t> </a:t>
-            </a:r>
-            <a:r>
-              <a:rPr lang="en-US" altLang="ko-KR" sz="2800" b="1" dirty="0" smtClean="0">
+              <a:t> – </a:t>
+            </a:r>
+            <a:r>
+              <a:rPr lang="ko-KR" altLang="en-US" sz="2800" b="1" dirty="0">
                 <a:ln w="6600">
                   <a:solidFill>
                     <a:schemeClr val="tx1"/>
@@ -4514,10 +4477,10 @@
                   </a:outerShdw>
                 </a:effectLst>
               </a:rPr>
-              <a:t>– </a:t>
-            </a:r>
-            <a:r>
-              <a:rPr lang="ko-KR" altLang="en-US" sz="2800" b="1" dirty="0" smtClean="0">
+              <a:t>회원가입 페이지 </a:t>
+            </a:r>
+            <a:r>
+              <a:rPr lang="en-US" altLang="ko-KR" sz="2800" b="1" dirty="0">
                 <a:ln w="6600">
                   <a:solidFill>
                     <a:schemeClr val="tx1"/>
@@ -4533,10 +4496,10 @@
                   </a:outerShdw>
                 </a:effectLst>
               </a:rPr>
-              <a:t>회원가입 페이지 </a:t>
-            </a:r>
-            <a:r>
-              <a:rPr lang="en-US" altLang="ko-KR" sz="2800" b="1" dirty="0" smtClean="0">
+              <a:t>(</a:t>
+            </a:r>
+            <a:r>
+              <a:rPr lang="en-US" altLang="ko-KR" sz="2800" b="1" dirty="0" err="1">
                 <a:ln w="6600">
                   <a:solidFill>
                     <a:schemeClr val="tx1"/>
@@ -4552,29 +4515,10 @@
                   </a:outerShdw>
                 </a:effectLst>
               </a:rPr>
-              <a:t>(</a:t>
-            </a:r>
-            <a:r>
-              <a:rPr lang="en-US" altLang="ko-KR" sz="2800" b="1" dirty="0" err="1" smtClean="0">
-                <a:ln w="6600">
-                  <a:solidFill>
-                    <a:schemeClr val="tx1"/>
-                  </a:solidFill>
-                  <a:prstDash val="solid"/>
-                </a:ln>
-                <a:solidFill>
-                  <a:srgbClr val="008DF6"/>
-                </a:solidFill>
-                <a:effectLst>
-                  <a:outerShdw dist="38100" dir="2700000" algn="tl" rotWithShape="0">
-                    <a:schemeClr val="accent2"/>
-                  </a:outerShdw>
-                </a:effectLst>
-              </a:rPr>
               <a:t>join.jsp</a:t>
             </a:r>
             <a:r>
-              <a:rPr lang="en-US" altLang="ko-KR" sz="2800" b="1" dirty="0" smtClean="0">
+              <a:rPr lang="en-US" altLang="ko-KR" sz="2800" b="1" dirty="0">
                 <a:ln w="6600">
                   <a:solidFill>
                     <a:schemeClr val="tx1"/>
@@ -4765,13 +4709,6 @@
   <p:clrMapOvr>
     <a:masterClrMapping/>
   </p:clrMapOvr>
-  <p:timing>
-    <p:tnLst>
-      <p:par>
-        <p:cTn id="1" dur="indefinite" restart="never" nodeType="tmRoot"/>
-      </p:par>
-    </p:tnLst>
-  </p:timing>
 </p:sld>
 </file>
 
@@ -4852,7 +4789,7 @@
           <a:lstStyle/>
           <a:p>
             <a:r>
-              <a:rPr lang="ko-KR" altLang="en-US" sz="2800" b="1" dirty="0" err="1" smtClean="0">
+              <a:rPr lang="ko-KR" altLang="en-US" sz="2800" b="1" dirty="0" err="1">
                 <a:ln w="6600">
                   <a:solidFill>
                     <a:schemeClr val="tx1"/>
@@ -4871,7 +4808,7 @@
               <a:t>코</a:t>
             </a:r>
             <a:r>
-              <a:rPr lang="ko-KR" altLang="en-US" sz="2800" b="1" dirty="0" err="1" smtClean="0">
+              <a:rPr lang="ko-KR" altLang="en-US" sz="2800" b="1" dirty="0" err="1">
                 <a:ln w="6600">
                   <a:solidFill>
                     <a:schemeClr val="tx1"/>
@@ -4890,7 +4827,7 @@
               <a:t>드</a:t>
             </a:r>
             <a:r>
-              <a:rPr lang="ko-KR" altLang="en-US" sz="2800" b="1" dirty="0" err="1" smtClean="0">
+              <a:rPr lang="ko-KR" altLang="en-US" sz="2800" b="1" dirty="0" err="1">
                 <a:ln w="6600">
                   <a:solidFill>
                     <a:schemeClr val="tx1"/>
@@ -4909,7 +4846,7 @@
               <a:t>리</a:t>
             </a:r>
             <a:r>
-              <a:rPr lang="ko-KR" altLang="en-US" sz="2800" b="1" dirty="0" err="1" smtClean="0">
+              <a:rPr lang="ko-KR" altLang="en-US" sz="2800" b="1" dirty="0" err="1">
                 <a:ln w="6600">
                   <a:solidFill>
                     <a:schemeClr val="tx1"/>
@@ -4928,7 +4865,7 @@
               <a:t>뷰</a:t>
             </a:r>
             <a:r>
-              <a:rPr lang="ko-KR" altLang="en-US" sz="2800" b="1" dirty="0" smtClean="0">
+              <a:rPr lang="ko-KR" altLang="en-US" sz="2800" b="1" dirty="0">
                 <a:ln w="6600">
                   <a:solidFill>
                     <a:schemeClr val="tx1"/>
@@ -4947,7 +4884,7 @@
               <a:t> </a:t>
             </a:r>
             <a:r>
-              <a:rPr lang="en-US" altLang="ko-KR" sz="2800" b="1" dirty="0" smtClean="0">
+              <a:rPr lang="en-US" altLang="ko-KR" sz="2800" b="1" dirty="0">
                 <a:ln w="6600">
                   <a:solidFill>
                     <a:schemeClr val="tx1"/>
@@ -4966,7 +4903,7 @@
               <a:t>– </a:t>
             </a:r>
             <a:r>
-              <a:rPr lang="ko-KR" altLang="en-US" sz="2800" b="1" dirty="0" smtClean="0">
+              <a:rPr lang="ko-KR" altLang="en-US" sz="2800" b="1" dirty="0">
                 <a:ln w="6600">
                   <a:solidFill>
                     <a:schemeClr val="tx1"/>
@@ -5001,26 +4938,7 @@
                   </a:outerShdw>
                 </a:effectLst>
               </a:rPr>
-              <a:t> </a:t>
-            </a:r>
-            <a:r>
-              <a:rPr lang="en-US" altLang="ko-KR" sz="2800" b="1" dirty="0" smtClean="0">
-                <a:ln w="6600">
-                  <a:solidFill>
-                    <a:schemeClr val="tx1"/>
-                  </a:solidFill>
-                  <a:prstDash val="solid"/>
-                </a:ln>
-                <a:solidFill>
-                  <a:srgbClr val="008DF6"/>
-                </a:solidFill>
-                <a:effectLst>
-                  <a:outerShdw dist="38100" dir="2700000" algn="tl" rotWithShape="0">
-                    <a:schemeClr val="accent2"/>
-                  </a:outerShdw>
-                </a:effectLst>
-              </a:rPr>
-              <a:t>(joinCheck.js)</a:t>
+              <a:t> (joinCheck.js)</a:t>
             </a:r>
           </a:p>
         </p:txBody>
@@ -5250,14 +5168,13 @@
           <a:lstStyle/>
           <a:p>
             <a:r>
-              <a:rPr lang="ko-KR" altLang="en-US" dirty="0" err="1" smtClean="0"/>
+              <a:rPr lang="ko-KR" altLang="en-US" dirty="0" err="1"/>
               <a:t>입력값이</a:t>
             </a:r>
             <a:r>
-              <a:rPr lang="ko-KR" altLang="en-US" dirty="0" smtClean="0"/>
+              <a:rPr lang="ko-KR" altLang="en-US" dirty="0"/>
               <a:t> 없으면 불가능</a:t>
             </a:r>
-            <a:endParaRPr lang="ko-KR" altLang="en-US" dirty="0"/>
           </a:p>
         </p:txBody>
       </p:sp>
@@ -5271,13 +5188,6 @@
   <p:clrMapOvr>
     <a:masterClrMapping/>
   </p:clrMapOvr>
-  <p:timing>
-    <p:tnLst>
-      <p:par>
-        <p:cTn id="1" dur="indefinite" restart="never" nodeType="tmRoot"/>
-      </p:par>
-    </p:tnLst>
-  </p:timing>
 </p:sld>
 </file>
 
@@ -5343,8 +5253,8 @@
         </p:nvSpPr>
         <p:spPr>
           <a:xfrm>
-            <a:off x="601162" y="166461"/>
-            <a:ext cx="6858000" cy="523220"/>
+            <a:off x="601161" y="166461"/>
+            <a:ext cx="8215667" cy="523220"/>
           </a:xfrm>
           <a:prstGeom prst="rect">
             <a:avLst/>
@@ -5358,7 +5268,7 @@
           <a:lstStyle/>
           <a:p>
             <a:r>
-              <a:rPr lang="ko-KR" altLang="en-US" sz="2800" b="1" dirty="0" err="1" smtClean="0">
+              <a:rPr lang="ko-KR" altLang="en-US" sz="2800" b="1" dirty="0" err="1">
                 <a:ln w="6600">
                   <a:solidFill>
                     <a:schemeClr val="tx1"/>
@@ -5377,7 +5287,7 @@
               <a:t>코</a:t>
             </a:r>
             <a:r>
-              <a:rPr lang="ko-KR" altLang="en-US" sz="2800" b="1" dirty="0" err="1" smtClean="0">
+              <a:rPr lang="ko-KR" altLang="en-US" sz="2800" b="1" dirty="0" err="1">
                 <a:ln w="6600">
                   <a:solidFill>
                     <a:schemeClr val="tx1"/>
@@ -5396,7 +5306,7 @@
               <a:t>드</a:t>
             </a:r>
             <a:r>
-              <a:rPr lang="ko-KR" altLang="en-US" sz="2800" b="1" dirty="0" err="1" smtClean="0">
+              <a:rPr lang="ko-KR" altLang="en-US" sz="2800" b="1" dirty="0" err="1">
                 <a:ln w="6600">
                   <a:solidFill>
                     <a:schemeClr val="tx1"/>
@@ -5415,7 +5325,7 @@
               <a:t>리</a:t>
             </a:r>
             <a:r>
-              <a:rPr lang="ko-KR" altLang="en-US" sz="2800" b="1" dirty="0" err="1" smtClean="0">
+              <a:rPr lang="ko-KR" altLang="en-US" sz="2800" b="1" dirty="0" err="1">
                 <a:ln w="6600">
                   <a:solidFill>
                     <a:schemeClr val="tx1"/>
@@ -5434,7 +5344,7 @@
               <a:t>뷰</a:t>
             </a:r>
             <a:r>
-              <a:rPr lang="ko-KR" altLang="en-US" sz="2800" b="1" dirty="0" smtClean="0">
+              <a:rPr lang="ko-KR" altLang="en-US" sz="2800" b="1" dirty="0">
                 <a:ln w="6600">
                   <a:solidFill>
                     <a:schemeClr val="tx1"/>
@@ -5453,7 +5363,7 @@
               <a:t> </a:t>
             </a:r>
             <a:r>
-              <a:rPr lang="en-US" altLang="ko-KR" sz="2800" b="1" dirty="0" smtClean="0">
+              <a:rPr lang="en-US" altLang="ko-KR" sz="2800" b="1" dirty="0">
                 <a:ln w="6600">
                   <a:solidFill>
                     <a:schemeClr val="tx1"/>
@@ -5472,7 +5382,7 @@
               <a:t>– </a:t>
             </a:r>
             <a:r>
-              <a:rPr lang="ko-KR" altLang="en-US" sz="2800" b="1" dirty="0" smtClean="0">
+              <a:rPr lang="ko-KR" altLang="en-US" sz="2800" b="1" dirty="0">
                 <a:ln w="6600">
                   <a:solidFill>
                     <a:schemeClr val="tx1"/>
@@ -5491,7 +5401,7 @@
               <a:t>로그인 페이지 </a:t>
             </a:r>
             <a:r>
-              <a:rPr lang="en-US" altLang="ko-KR" sz="2800" b="1" dirty="0" smtClean="0">
+              <a:rPr lang="en-US" altLang="ko-KR" sz="2800" b="1" dirty="0">
                 <a:ln w="6600">
                   <a:solidFill>
                     <a:schemeClr val="tx1"/>
@@ -5510,7 +5420,7 @@
               <a:t>(</a:t>
             </a:r>
             <a:r>
-              <a:rPr lang="en-US" altLang="ko-KR" sz="2800" b="1" dirty="0" err="1" smtClean="0">
+              <a:rPr lang="en-US" altLang="ko-KR" sz="2800" b="1" dirty="0" err="1">
                 <a:ln w="6600">
                   <a:solidFill>
                     <a:schemeClr val="tx1"/>
@@ -5526,10 +5436,10 @@
                   </a:outerShdw>
                 </a:effectLst>
               </a:rPr>
-              <a:t>login.jsp</a:t>
-            </a:r>
-            <a:r>
-              <a:rPr lang="en-US" altLang="ko-KR" sz="2800" b="1" dirty="0" smtClean="0">
+              <a:t>logincheck.jsp</a:t>
+            </a:r>
+            <a:r>
+              <a:rPr lang="en-US" altLang="ko-KR" sz="2800" b="1" dirty="0">
                 <a:ln w="6600">
                   <a:solidFill>
                     <a:schemeClr val="tx1"/>
@@ -5723,13 +5633,6 @@
   <p:clrMapOvr>
     <a:masterClrMapping/>
   </p:clrMapOvr>
-  <p:timing>
-    <p:tnLst>
-      <p:par>
-        <p:cTn id="1" dur="indefinite" restart="never" nodeType="tmRoot"/>
-      </p:par>
-    </p:tnLst>
-  </p:timing>
 </p:sld>
 </file>
 
@@ -5810,7 +5713,7 @@
           <a:lstStyle/>
           <a:p>
             <a:r>
-              <a:rPr lang="ko-KR" altLang="en-US" sz="2800" b="1" dirty="0" err="1" smtClean="0">
+              <a:rPr lang="ko-KR" altLang="en-US" sz="2800" b="1" dirty="0" err="1">
                 <a:ln w="6600">
                   <a:solidFill>
                     <a:schemeClr val="tx1"/>
@@ -5829,7 +5732,7 @@
               <a:t>코</a:t>
             </a:r>
             <a:r>
-              <a:rPr lang="ko-KR" altLang="en-US" sz="2800" b="1" dirty="0" err="1" smtClean="0">
+              <a:rPr lang="ko-KR" altLang="en-US" sz="2800" b="1" dirty="0" err="1">
                 <a:ln w="6600">
                   <a:solidFill>
                     <a:schemeClr val="tx1"/>
@@ -5848,7 +5751,7 @@
               <a:t>드</a:t>
             </a:r>
             <a:r>
-              <a:rPr lang="ko-KR" altLang="en-US" sz="2800" b="1" dirty="0" err="1" smtClean="0">
+              <a:rPr lang="ko-KR" altLang="en-US" sz="2800" b="1" dirty="0" err="1">
                 <a:ln w="6600">
                   <a:solidFill>
                     <a:schemeClr val="tx1"/>
@@ -5867,7 +5770,7 @@
               <a:t>리</a:t>
             </a:r>
             <a:r>
-              <a:rPr lang="ko-KR" altLang="en-US" sz="2800" b="1" dirty="0" err="1" smtClean="0">
+              <a:rPr lang="ko-KR" altLang="en-US" sz="2800" b="1" dirty="0" err="1">
                 <a:ln w="6600">
                   <a:solidFill>
                     <a:schemeClr val="tx1"/>
@@ -5886,7 +5789,7 @@
               <a:t>뷰</a:t>
             </a:r>
             <a:r>
-              <a:rPr lang="ko-KR" altLang="en-US" sz="2800" b="1" dirty="0" smtClean="0">
+              <a:rPr lang="ko-KR" altLang="en-US" sz="2800" b="1" dirty="0">
                 <a:ln w="6600">
                   <a:solidFill>
                     <a:schemeClr val="tx1"/>
@@ -5905,7 +5808,7 @@
               <a:t> </a:t>
             </a:r>
             <a:r>
-              <a:rPr lang="en-US" altLang="ko-KR" sz="2800" b="1" dirty="0" smtClean="0">
+              <a:rPr lang="en-US" altLang="ko-KR" sz="2800" b="1" dirty="0">
                 <a:ln w="6600">
                   <a:solidFill>
                     <a:schemeClr val="tx1"/>
@@ -5924,7 +5827,7 @@
               <a:t>– </a:t>
             </a:r>
             <a:r>
-              <a:rPr lang="ko-KR" altLang="en-US" sz="2800" b="1" dirty="0" err="1" smtClean="0">
+              <a:rPr lang="ko-KR" altLang="en-US" sz="2800" b="1" dirty="0" err="1">
                 <a:ln w="6600">
                   <a:solidFill>
                     <a:schemeClr val="tx1"/>
@@ -5943,7 +5846,7 @@
               <a:t>쿼리문</a:t>
             </a:r>
             <a:r>
-              <a:rPr lang="ko-KR" altLang="en-US" sz="2800" b="1" dirty="0" smtClean="0">
+              <a:rPr lang="ko-KR" altLang="en-US" sz="2800" b="1" dirty="0">
                 <a:ln w="6600">
                   <a:solidFill>
                     <a:schemeClr val="tx1"/>
@@ -5962,7 +5865,7 @@
               <a:t> 사용 </a:t>
             </a:r>
             <a:r>
-              <a:rPr lang="en-US" altLang="ko-KR" sz="2800" b="1" dirty="0" smtClean="0">
+              <a:rPr lang="en-US" altLang="ko-KR" sz="2800" b="1" dirty="0">
                 <a:ln w="6600">
                   <a:solidFill>
                     <a:schemeClr val="tx1"/>
@@ -5981,7 +5884,7 @@
               <a:t>(</a:t>
             </a:r>
             <a:r>
-              <a:rPr lang="en-US" altLang="ko-KR" sz="2800" b="1" dirty="0" err="1" smtClean="0">
+              <a:rPr lang="en-US" altLang="ko-KR" sz="2800" b="1" dirty="0" err="1">
                 <a:ln w="6600">
                   <a:solidFill>
                     <a:schemeClr val="tx1"/>
@@ -6000,7 +5903,7 @@
               <a:t>loginCheck.jsp</a:t>
             </a:r>
             <a:r>
-              <a:rPr lang="en-US" altLang="ko-KR" sz="2800" b="1" dirty="0" smtClean="0">
+              <a:rPr lang="en-US" altLang="ko-KR" sz="2800" b="1" dirty="0">
                 <a:ln w="6600">
                   <a:solidFill>
                     <a:schemeClr val="tx1"/>
@@ -6207,7 +6110,7 @@
           <a:lstStyle/>
           <a:p>
             <a:r>
-              <a:rPr lang="ko-KR" altLang="en-US" dirty="0" err="1" smtClean="0">
+              <a:rPr lang="ko-KR" altLang="en-US" dirty="0" err="1">
                 <a:solidFill>
                   <a:srgbClr val="FF0000"/>
                 </a:solidFill>
@@ -6215,7 +6118,7 @@
               <a:t>쿼리문</a:t>
             </a:r>
             <a:r>
-              <a:rPr lang="ko-KR" altLang="en-US" dirty="0" smtClean="0">
+              <a:rPr lang="ko-KR" altLang="en-US" dirty="0">
                 <a:solidFill>
                   <a:srgbClr val="FF0000"/>
                 </a:solidFill>
@@ -6223,7 +6126,7 @@
               <a:t> </a:t>
             </a:r>
             <a:r>
-              <a:rPr lang="en-US" altLang="ko-KR" dirty="0" smtClean="0">
+              <a:rPr lang="en-US" altLang="ko-KR" dirty="0">
                 <a:solidFill>
                   <a:srgbClr val="FF0000"/>
                 </a:solidFill>
@@ -6231,7 +6134,7 @@
               <a:t>? </a:t>
             </a:r>
             <a:r>
-              <a:rPr lang="ko-KR" altLang="en-US" dirty="0" smtClean="0">
+              <a:rPr lang="ko-KR" altLang="en-US" dirty="0">
                 <a:solidFill>
                   <a:srgbClr val="FF0000"/>
                 </a:solidFill>
@@ -6239,7 +6142,7 @@
               <a:t>안에 </a:t>
             </a:r>
             <a:r>
-              <a:rPr lang="ko-KR" altLang="en-US" dirty="0" err="1" smtClean="0">
+              <a:rPr lang="ko-KR" altLang="en-US" dirty="0" err="1">
                 <a:solidFill>
                   <a:srgbClr val="FF0000"/>
                 </a:solidFill>
@@ -6247,18 +6150,13 @@
               <a:t>입력받은</a:t>
             </a:r>
             <a:r>
-              <a:rPr lang="ko-KR" altLang="en-US" dirty="0" smtClean="0">
+              <a:rPr lang="ko-KR" altLang="en-US" dirty="0">
                 <a:solidFill>
                   <a:srgbClr val="FF0000"/>
                 </a:solidFill>
               </a:rPr>
               <a:t> 데이터 사용</a:t>
             </a:r>
-            <a:endParaRPr lang="ko-KR" altLang="en-US" dirty="0">
-              <a:solidFill>
-                <a:srgbClr val="FF0000"/>
-              </a:solidFill>
-            </a:endParaRPr>
           </a:p>
         </p:txBody>
       </p:sp>
@@ -6377,7 +6275,7 @@
           <a:lstStyle/>
           <a:p>
             <a:r>
-              <a:rPr lang="en-US" altLang="ko-KR" dirty="0" err="1" smtClean="0">
+              <a:rPr lang="en-US" altLang="ko-KR" dirty="0" err="1">
                 <a:solidFill>
                   <a:srgbClr val="3FCDFF"/>
                 </a:solidFill>
@@ -6385,14 +6283,14 @@
               <a:t>cnt</a:t>
             </a:r>
             <a:r>
-              <a:rPr lang="ko-KR" altLang="en-US" dirty="0" smtClean="0">
+              <a:rPr lang="ko-KR" altLang="en-US" dirty="0">
                 <a:solidFill>
                   <a:srgbClr val="3FCDFF"/>
                 </a:solidFill>
               </a:rPr>
               <a:t>값이 있을 경우 </a:t>
             </a:r>
-            <a:endParaRPr lang="en-US" altLang="ko-KR" dirty="0" smtClean="0">
+            <a:endParaRPr lang="en-US" altLang="ko-KR" dirty="0">
               <a:solidFill>
                 <a:srgbClr val="3FCDFF"/>
               </a:solidFill>
@@ -6400,7 +6298,7 @@
           </a:p>
           <a:p>
             <a:r>
-              <a:rPr lang="ko-KR" altLang="en-US" dirty="0" smtClean="0">
+              <a:rPr lang="ko-KR" altLang="en-US" dirty="0">
                 <a:solidFill>
                   <a:srgbClr val="3FCDFF"/>
                 </a:solidFill>
@@ -6408,7 +6306,7 @@
               <a:t>로그인 정보를 세션에 저장</a:t>
             </a:r>
             <a:r>
-              <a:rPr lang="en-US" altLang="ko-KR" dirty="0" smtClean="0">
+              <a:rPr lang="en-US" altLang="ko-KR" dirty="0">
                 <a:solidFill>
                   <a:srgbClr val="3FCDFF"/>
                 </a:solidFill>
@@ -6446,27 +6344,27 @@
           <a:lstStyle/>
           <a:p>
             <a:r>
-              <a:rPr lang="en-US" altLang="ko-KR" dirty="0" smtClean="0"/>
+              <a:rPr lang="en-US" altLang="ko-KR" dirty="0"/>
               <a:t>Else : </a:t>
             </a:r>
             <a:r>
-              <a:rPr lang="en-US" altLang="ko-KR" dirty="0" err="1" smtClean="0"/>
+              <a:rPr lang="en-US" altLang="ko-KR" dirty="0" err="1"/>
               <a:t>cnt</a:t>
             </a:r>
             <a:r>
-              <a:rPr lang="ko-KR" altLang="en-US" dirty="0" smtClean="0"/>
+              <a:rPr lang="ko-KR" altLang="en-US" dirty="0"/>
               <a:t>값이 </a:t>
             </a:r>
             <a:r>
-              <a:rPr lang="en-US" altLang="ko-KR" dirty="0" smtClean="0"/>
+              <a:rPr lang="en-US" altLang="ko-KR" dirty="0"/>
               <a:t>0</a:t>
             </a:r>
             <a:r>
-              <a:rPr lang="ko-KR" altLang="en-US" dirty="0" smtClean="0"/>
+              <a:rPr lang="ko-KR" altLang="en-US" dirty="0"/>
               <a:t>이면 로그인 실패</a:t>
             </a:r>
             <a:r>
-              <a:rPr lang="en-US" altLang="ko-KR" dirty="0" smtClean="0"/>
+              <a:rPr lang="en-US" altLang="ko-KR" dirty="0"/>
               <a:t>!</a:t>
             </a:r>
             <a:endParaRPr lang="ko-KR" altLang="en-US" dirty="0"/>
@@ -6483,13 +6381,6 @@
   <p:clrMapOvr>
     <a:masterClrMapping/>
   </p:clrMapOvr>
-  <p:timing>
-    <p:tnLst>
-      <p:par>
-        <p:cTn id="1" dur="indefinite" restart="never" nodeType="tmRoot"/>
-      </p:par>
-    </p:tnLst>
-  </p:timing>
 </p:sld>
 </file>
 
@@ -6570,7 +6461,7 @@
           <a:lstStyle/>
           <a:p>
             <a:r>
-              <a:rPr lang="ko-KR" altLang="en-US" sz="2800" b="1" dirty="0" err="1" smtClean="0">
+              <a:rPr lang="ko-KR" altLang="en-US" sz="2800" b="1" dirty="0" err="1">
                 <a:ln w="6600">
                   <a:solidFill>
                     <a:schemeClr val="tx1"/>
@@ -6589,7 +6480,7 @@
               <a:t>코</a:t>
             </a:r>
             <a:r>
-              <a:rPr lang="ko-KR" altLang="en-US" sz="2800" b="1" dirty="0" err="1" smtClean="0">
+              <a:rPr lang="ko-KR" altLang="en-US" sz="2800" b="1" dirty="0" err="1">
                 <a:ln w="6600">
                   <a:solidFill>
                     <a:schemeClr val="tx1"/>
@@ -6608,7 +6499,7 @@
               <a:t>드</a:t>
             </a:r>
             <a:r>
-              <a:rPr lang="ko-KR" altLang="en-US" sz="2800" b="1" dirty="0" err="1" smtClean="0">
+              <a:rPr lang="ko-KR" altLang="en-US" sz="2800" b="1" dirty="0" err="1">
                 <a:ln w="6600">
                   <a:solidFill>
                     <a:schemeClr val="tx1"/>
@@ -6627,7 +6518,7 @@
               <a:t>리</a:t>
             </a:r>
             <a:r>
-              <a:rPr lang="ko-KR" altLang="en-US" sz="2800" b="1" dirty="0" err="1" smtClean="0">
+              <a:rPr lang="ko-KR" altLang="en-US" sz="2800" b="1" dirty="0" err="1">
                 <a:ln w="6600">
                   <a:solidFill>
                     <a:schemeClr val="tx1"/>
@@ -6646,7 +6537,7 @@
               <a:t>뷰</a:t>
             </a:r>
             <a:r>
-              <a:rPr lang="ko-KR" altLang="en-US" sz="2800" b="1" dirty="0" smtClean="0">
+              <a:rPr lang="ko-KR" altLang="en-US" sz="2800" b="1" dirty="0">
                 <a:ln w="6600">
                   <a:solidFill>
                     <a:schemeClr val="tx1"/>
@@ -6665,7 +6556,7 @@
               <a:t> </a:t>
             </a:r>
             <a:r>
-              <a:rPr lang="en-US" altLang="ko-KR" sz="2800" b="1" dirty="0" smtClean="0">
+              <a:rPr lang="en-US" altLang="ko-KR" sz="2800" b="1" dirty="0">
                 <a:ln w="6600">
                   <a:solidFill>
                     <a:schemeClr val="tx1"/>
@@ -6684,7 +6575,7 @@
               <a:t>- </a:t>
             </a:r>
             <a:r>
-              <a:rPr lang="ko-KR" altLang="en-US" sz="2800" b="1" dirty="0" smtClean="0">
+              <a:rPr lang="ko-KR" altLang="en-US" sz="2800" b="1" dirty="0">
                 <a:ln w="6600">
                   <a:solidFill>
                     <a:schemeClr val="tx1"/>
@@ -6702,7 +6593,7 @@
               </a:rPr>
               <a:t>세션</a:t>
             </a:r>
-            <a:endParaRPr lang="en-US" altLang="ko-KR" sz="2800" b="1" dirty="0" smtClean="0">
+            <a:endParaRPr lang="en-US" altLang="ko-KR" sz="2800" b="1" dirty="0">
               <a:ln w="6600">
                 <a:solidFill>
                   <a:schemeClr val="tx1"/>
@@ -6834,14 +6725,14 @@
           <a:lstStyle/>
           <a:p>
             <a:r>
-              <a:rPr lang="ko-KR" altLang="en-US" sz="4400" dirty="0" smtClean="0">
+              <a:rPr lang="ko-KR" altLang="en-US" sz="4400" dirty="0">
                 <a:latin typeface="휴먼매직체" panose="02030504000101010101" pitchFamily="18" charset="-127"/>
                 <a:ea typeface="휴먼매직체" panose="02030504000101010101" pitchFamily="18" charset="-127"/>
               </a:rPr>
               <a:t>세션</a:t>
             </a:r>
             <a:r>
-              <a:rPr lang="en-US" altLang="ko-KR" sz="4400" dirty="0" smtClean="0">
+              <a:rPr lang="en-US" altLang="ko-KR" sz="4400" dirty="0">
                 <a:latin typeface="휴먼매직체" panose="02030504000101010101" pitchFamily="18" charset="-127"/>
                 <a:ea typeface="휴먼매직체" panose="02030504000101010101" pitchFamily="18" charset="-127"/>
               </a:rPr>
@@ -6850,24 +6741,24 @@
           </a:p>
           <a:p>
             <a:r>
-              <a:rPr lang="ko-KR" altLang="en-US" dirty="0" smtClean="0"/>
+              <a:rPr lang="ko-KR" altLang="en-US" dirty="0"/>
               <a:t>서버와 클라이언트 간의 상태 정보를 유지하기 위해 사용</a:t>
             </a:r>
-            <a:endParaRPr lang="en-US" altLang="ko-KR" dirty="0" smtClean="0"/>
-          </a:p>
-          <a:p>
-            <a:r>
-              <a:rPr lang="ko-KR" altLang="en-US" dirty="0" smtClean="0"/>
+            <a:endParaRPr lang="en-US" altLang="ko-KR" dirty="0"/>
+          </a:p>
+          <a:p>
+            <a:r>
+              <a:rPr lang="ko-KR" altLang="en-US" dirty="0"/>
               <a:t>클라이언트와 연결이 지속되는 동안 클라이언트의 요청이 서버에 전송될 때 마다</a:t>
             </a:r>
-            <a:endParaRPr lang="en-US" altLang="ko-KR" dirty="0" smtClean="0"/>
-          </a:p>
-          <a:p>
-            <a:r>
-              <a:rPr lang="ko-KR" altLang="en-US" dirty="0" smtClean="0"/>
+            <a:endParaRPr lang="en-US" altLang="ko-KR" dirty="0"/>
+          </a:p>
+          <a:p>
+            <a:r>
+              <a:rPr lang="ko-KR" altLang="en-US" dirty="0"/>
               <a:t>세션을 식별하여 해당 세션에 대한 정보를 유지</a:t>
             </a:r>
-            <a:endParaRPr lang="en-US" altLang="ko-KR" dirty="0" smtClean="0"/>
+            <a:endParaRPr lang="en-US" altLang="ko-KR" dirty="0"/>
           </a:p>
           <a:p>
             <a:endParaRPr lang="en-US" altLang="ko-KR" dirty="0"/>
@@ -6924,14 +6815,14 @@
           <a:lstStyle/>
           <a:p>
             <a:r>
-              <a:rPr lang="ko-KR" altLang="en-US" dirty="0" smtClean="0">
+              <a:rPr lang="ko-KR" altLang="en-US" dirty="0">
                 <a:solidFill>
                   <a:srgbClr val="3FCDFF"/>
                 </a:solidFill>
               </a:rPr>
               <a:t>로그인 페이지에서</a:t>
             </a:r>
-            <a:endParaRPr lang="en-US" altLang="ko-KR" dirty="0" smtClean="0">
+            <a:endParaRPr lang="en-US" altLang="ko-KR" dirty="0">
               <a:solidFill>
                 <a:srgbClr val="3FCDFF"/>
               </a:solidFill>
@@ -6939,18 +6830,13 @@
           </a:p>
           <a:p>
             <a:r>
-              <a:rPr lang="ko-KR" altLang="en-US" dirty="0" smtClean="0">
+              <a:rPr lang="ko-KR" altLang="en-US" dirty="0">
                 <a:solidFill>
                   <a:srgbClr val="3FCDFF"/>
                 </a:solidFill>
               </a:rPr>
               <a:t>세션을 생성</a:t>
             </a:r>
-            <a:endParaRPr lang="ko-KR" altLang="en-US" dirty="0">
-              <a:solidFill>
-                <a:srgbClr val="3FCDFF"/>
-              </a:solidFill>
-            </a:endParaRPr>
           </a:p>
         </p:txBody>
       </p:sp>
@@ -6964,13 +6850,6 @@
   <p:clrMapOvr>
     <a:masterClrMapping/>
   </p:clrMapOvr>
-  <p:timing>
-    <p:tnLst>
-      <p:par>
-        <p:cTn id="1" dur="indefinite" restart="never" nodeType="tmRoot"/>
-      </p:par>
-    </p:tnLst>
-  </p:timing>
 </p:sld>
 </file>
 
@@ -7051,7 +6930,7 @@
           <a:lstStyle/>
           <a:p>
             <a:r>
-              <a:rPr lang="ko-KR" altLang="en-US" sz="2800" b="1" dirty="0" err="1" smtClean="0">
+              <a:rPr lang="ko-KR" altLang="en-US" sz="2800" b="1" dirty="0" err="1">
                 <a:ln w="6600">
                   <a:solidFill>
                     <a:schemeClr val="tx1"/>
@@ -7070,7 +6949,7 @@
               <a:t>코</a:t>
             </a:r>
             <a:r>
-              <a:rPr lang="ko-KR" altLang="en-US" sz="2800" b="1" dirty="0" err="1" smtClean="0">
+              <a:rPr lang="ko-KR" altLang="en-US" sz="2800" b="1" dirty="0" err="1">
                 <a:ln w="6600">
                   <a:solidFill>
                     <a:schemeClr val="tx1"/>
@@ -7089,7 +6968,7 @@
               <a:t>드</a:t>
             </a:r>
             <a:r>
-              <a:rPr lang="ko-KR" altLang="en-US" sz="2800" b="1" dirty="0" err="1" smtClean="0">
+              <a:rPr lang="ko-KR" altLang="en-US" sz="2800" b="1" dirty="0" err="1">
                 <a:ln w="6600">
                   <a:solidFill>
                     <a:schemeClr val="tx1"/>
@@ -7108,7 +6987,7 @@
               <a:t>리</a:t>
             </a:r>
             <a:r>
-              <a:rPr lang="ko-KR" altLang="en-US" sz="2800" b="1" dirty="0" err="1" smtClean="0">
+              <a:rPr lang="ko-KR" altLang="en-US" sz="2800" b="1" dirty="0" err="1">
                 <a:ln w="6600">
                   <a:solidFill>
                     <a:schemeClr val="tx1"/>
@@ -7127,7 +7006,7 @@
               <a:t>뷰</a:t>
             </a:r>
             <a:r>
-              <a:rPr lang="ko-KR" altLang="en-US" sz="2800" b="1" dirty="0" smtClean="0">
+              <a:rPr lang="ko-KR" altLang="en-US" sz="2800" b="1" dirty="0">
                 <a:ln w="6600">
                   <a:solidFill>
                     <a:schemeClr val="tx1"/>
@@ -7146,7 +7025,7 @@
               <a:t> </a:t>
             </a:r>
             <a:r>
-              <a:rPr lang="en-US" altLang="ko-KR" sz="2800" b="1" dirty="0" smtClean="0">
+              <a:rPr lang="en-US" altLang="ko-KR" sz="2800" b="1" dirty="0">
                 <a:ln w="6600">
                   <a:solidFill>
                     <a:schemeClr val="tx1"/>
@@ -7165,7 +7044,7 @@
               <a:t>– </a:t>
             </a:r>
             <a:r>
-              <a:rPr lang="ko-KR" altLang="en-US" sz="2800" b="1" dirty="0" smtClean="0">
+              <a:rPr lang="ko-KR" altLang="en-US" sz="2800" b="1" dirty="0">
                 <a:ln w="6600">
                   <a:solidFill>
                     <a:schemeClr val="tx1"/>
@@ -7184,7 +7063,7 @@
               <a:t>세션 사용 </a:t>
             </a:r>
             <a:r>
-              <a:rPr lang="en-US" altLang="ko-KR" sz="2800" b="1" dirty="0" smtClean="0">
+              <a:rPr lang="en-US" altLang="ko-KR" sz="2800" b="1" dirty="0">
                 <a:ln w="6600">
                   <a:solidFill>
                     <a:schemeClr val="tx1"/>
@@ -7203,7 +7082,7 @@
               <a:t>(</a:t>
             </a:r>
             <a:r>
-              <a:rPr lang="en-US" altLang="ko-KR" sz="2800" b="1" dirty="0" err="1" smtClean="0">
+              <a:rPr lang="en-US" altLang="ko-KR" sz="2800" b="1" dirty="0" err="1">
                 <a:ln w="6600">
                   <a:solidFill>
                     <a:schemeClr val="tx1"/>
@@ -7222,7 +7101,7 @@
               <a:t>main.jsp</a:t>
             </a:r>
             <a:r>
-              <a:rPr lang="en-US" altLang="ko-KR" sz="2800" b="1" dirty="0" smtClean="0">
+              <a:rPr lang="en-US" altLang="ko-KR" sz="2800" b="1" dirty="0">
                 <a:ln w="6600">
                   <a:solidFill>
                     <a:schemeClr val="tx1"/>
@@ -7380,19 +7259,19 @@
           <a:lstStyle/>
           <a:p>
             <a:r>
-              <a:rPr lang="ko-KR" altLang="en-US" dirty="0" smtClean="0"/>
+              <a:rPr lang="ko-KR" altLang="en-US" dirty="0"/>
               <a:t>메인 페이지 </a:t>
             </a:r>
             <a:r>
-              <a:rPr lang="en-US" altLang="ko-KR" dirty="0" smtClean="0"/>
+              <a:rPr lang="en-US" altLang="ko-KR" dirty="0"/>
               <a:t>– </a:t>
             </a:r>
             <a:r>
-              <a:rPr lang="ko-KR" altLang="en-US" dirty="0" smtClean="0"/>
+              <a:rPr lang="ko-KR" altLang="en-US" dirty="0"/>
               <a:t>세션 정보를 가져온다</a:t>
             </a:r>
             <a:r>
-              <a:rPr lang="en-US" altLang="ko-KR" dirty="0" smtClean="0"/>
+              <a:rPr lang="en-US" altLang="ko-KR" dirty="0"/>
               <a:t>!</a:t>
             </a:r>
             <a:endParaRPr lang="ko-KR" altLang="en-US" dirty="0"/>
@@ -7446,18 +7325,13 @@
           <a:lstStyle/>
           <a:p>
             <a:r>
-              <a:rPr lang="ko-KR" altLang="en-US" dirty="0" smtClean="0">
+              <a:rPr lang="ko-KR" altLang="en-US" dirty="0">
                 <a:solidFill>
                   <a:srgbClr val="3FCDFF"/>
                 </a:solidFill>
               </a:rPr>
               <a:t>세션이 있어 값을 저장하고 페이지를 볼 수 있다</a:t>
             </a:r>
-            <a:endParaRPr lang="ko-KR" altLang="en-US" dirty="0">
-              <a:solidFill>
-                <a:srgbClr val="3FCDFF"/>
-              </a:solidFill>
-            </a:endParaRPr>
           </a:p>
         </p:txBody>
       </p:sp>
@@ -7484,7 +7358,7 @@
           <a:lstStyle/>
           <a:p>
             <a:r>
-              <a:rPr lang="ko-KR" altLang="en-US" dirty="0" smtClean="0">
+              <a:rPr lang="ko-KR" altLang="en-US" dirty="0">
                 <a:solidFill>
                   <a:schemeClr val="accent2">
                     <a:lumMod val="75000"/>
@@ -7493,13 +7367,6 @@
               </a:rPr>
               <a:t>세션이 없으면 로그인 페이지로 돌아감</a:t>
             </a:r>
-            <a:endParaRPr lang="ko-KR" altLang="en-US" dirty="0">
-              <a:solidFill>
-                <a:schemeClr val="accent2">
-                  <a:lumMod val="75000"/>
-                </a:schemeClr>
-              </a:solidFill>
-            </a:endParaRPr>
           </a:p>
         </p:txBody>
       </p:sp>
@@ -7526,29 +7393,29 @@
           <a:lstStyle/>
           <a:p>
             <a:r>
-              <a:rPr lang="ko-KR" altLang="en-US" dirty="0" err="1" smtClean="0"/>
+              <a:rPr lang="ko-KR" altLang="en-US" dirty="0" err="1"/>
               <a:t>메인에만</a:t>
             </a:r>
             <a:r>
-              <a:rPr lang="ko-KR" altLang="en-US" dirty="0" smtClean="0"/>
+              <a:rPr lang="ko-KR" altLang="en-US" dirty="0"/>
               <a:t> 이 코드 </a:t>
             </a:r>
             <a:r>
-              <a:rPr lang="ko-KR" altLang="en-US" dirty="0" err="1" smtClean="0"/>
+              <a:rPr lang="ko-KR" altLang="en-US" dirty="0" err="1"/>
               <a:t>넣엇습니다</a:t>
             </a:r>
             <a:r>
-              <a:rPr lang="en-US" altLang="ko-KR" dirty="0" smtClean="0"/>
+              <a:rPr lang="en-US" altLang="ko-KR" dirty="0"/>
               <a:t>..</a:t>
             </a:r>
           </a:p>
           <a:p>
             <a:r>
-              <a:rPr lang="ko-KR" altLang="en-US" dirty="0" smtClean="0"/>
+              <a:rPr lang="ko-KR" altLang="en-US" dirty="0"/>
               <a:t>코드 수정할 때 마다 로그인 해야해서 귀찮</a:t>
             </a:r>
             <a:r>
-              <a:rPr lang="en-US" altLang="ko-KR" dirty="0" smtClean="0"/>
+              <a:rPr lang="en-US" altLang="ko-KR" dirty="0"/>
               <a:t>..</a:t>
             </a:r>
             <a:endParaRPr lang="ko-KR" altLang="en-US" dirty="0"/>
@@ -7607,13 +7474,6 @@
   <p:clrMapOvr>
     <a:masterClrMapping/>
   </p:clrMapOvr>
-  <p:timing>
-    <p:tnLst>
-      <p:par>
-        <p:cTn id="1" dur="indefinite" restart="never" nodeType="tmRoot"/>
-      </p:par>
-    </p:tnLst>
-  </p:timing>
 </p:sld>
 </file>
 
@@ -7694,7 +7554,7 @@
           <a:lstStyle/>
           <a:p>
             <a:r>
-              <a:rPr lang="ko-KR" altLang="en-US" sz="2800" b="1" dirty="0" err="1" smtClean="0">
+              <a:rPr lang="ko-KR" altLang="en-US" sz="2800" b="1" dirty="0" err="1">
                 <a:ln w="6600">
                   <a:solidFill>
                     <a:schemeClr val="tx1"/>
@@ -7713,7 +7573,7 @@
               <a:t>코</a:t>
             </a:r>
             <a:r>
-              <a:rPr lang="ko-KR" altLang="en-US" sz="2800" b="1" dirty="0" err="1" smtClean="0">
+              <a:rPr lang="ko-KR" altLang="en-US" sz="2800" b="1" dirty="0" err="1">
                 <a:ln w="6600">
                   <a:solidFill>
                     <a:schemeClr val="tx1"/>
@@ -7732,7 +7592,7 @@
               <a:t>드</a:t>
             </a:r>
             <a:r>
-              <a:rPr lang="ko-KR" altLang="en-US" sz="2800" b="1" dirty="0" err="1" smtClean="0">
+              <a:rPr lang="ko-KR" altLang="en-US" sz="2800" b="1" dirty="0" err="1">
                 <a:ln w="6600">
                   <a:solidFill>
                     <a:schemeClr val="tx1"/>
@@ -7751,7 +7611,7 @@
               <a:t>리</a:t>
             </a:r>
             <a:r>
-              <a:rPr lang="ko-KR" altLang="en-US" sz="2800" b="1" dirty="0" err="1" smtClean="0">
+              <a:rPr lang="ko-KR" altLang="en-US" sz="2800" b="1" dirty="0" err="1">
                 <a:ln w="6600">
                   <a:solidFill>
                     <a:schemeClr val="tx1"/>
@@ -7770,7 +7630,7 @@
               <a:t>뷰</a:t>
             </a:r>
             <a:r>
-              <a:rPr lang="ko-KR" altLang="en-US" sz="2800" b="1" dirty="0" smtClean="0">
+              <a:rPr lang="ko-KR" altLang="en-US" sz="2800" b="1" dirty="0">
                 <a:ln w="6600">
                   <a:solidFill>
                     <a:schemeClr val="tx1"/>
@@ -7789,7 +7649,7 @@
               <a:t> </a:t>
             </a:r>
             <a:r>
-              <a:rPr lang="en-US" altLang="ko-KR" sz="2800" b="1" dirty="0" smtClean="0">
+              <a:rPr lang="en-US" altLang="ko-KR" sz="2800" b="1" dirty="0">
                 <a:ln w="6600">
                   <a:solidFill>
                     <a:schemeClr val="tx1"/>
@@ -7808,7 +7668,7 @@
               <a:t>– </a:t>
             </a:r>
             <a:r>
-              <a:rPr lang="ko-KR" altLang="en-US" sz="2800" b="1" dirty="0" smtClean="0">
+              <a:rPr lang="ko-KR" altLang="en-US" sz="2800" b="1" dirty="0">
                 <a:ln w="6600">
                   <a:solidFill>
                     <a:schemeClr val="tx1"/>
@@ -7827,7 +7687,7 @@
               <a:t>로그아웃</a:t>
             </a:r>
             <a:r>
-              <a:rPr lang="en-US" altLang="ko-KR" sz="2800" b="1" dirty="0" smtClean="0">
+              <a:rPr lang="en-US" altLang="ko-KR" sz="2800" b="1" dirty="0">
                 <a:ln w="6600">
                   <a:solidFill>
                     <a:schemeClr val="tx1"/>
@@ -7846,7 +7706,7 @@
               <a:t>:</a:t>
             </a:r>
             <a:r>
-              <a:rPr lang="ko-KR" altLang="en-US" sz="2800" b="1" dirty="0" smtClean="0">
+              <a:rPr lang="ko-KR" altLang="en-US" sz="2800" b="1" dirty="0">
                 <a:ln w="6600">
                   <a:solidFill>
                     <a:schemeClr val="tx1"/>
@@ -7865,7 +7725,7 @@
               <a:t> 세션 삭제 </a:t>
             </a:r>
             <a:r>
-              <a:rPr lang="en-US" altLang="ko-KR" sz="2800" b="1" dirty="0" smtClean="0">
+              <a:rPr lang="en-US" altLang="ko-KR" sz="2800" b="1" dirty="0">
                 <a:ln w="6600">
                   <a:solidFill>
                     <a:schemeClr val="tx1"/>
@@ -7884,7 +7744,7 @@
               <a:t>(</a:t>
             </a:r>
             <a:r>
-              <a:rPr lang="en-US" altLang="ko-KR" sz="2800" b="1" dirty="0" err="1" smtClean="0">
+              <a:rPr lang="en-US" altLang="ko-KR" sz="2800" b="1" dirty="0" err="1">
                 <a:ln w="6600">
                   <a:solidFill>
                     <a:schemeClr val="tx1"/>
@@ -7903,7 +7763,7 @@
               <a:t>logout.jsp</a:t>
             </a:r>
             <a:r>
-              <a:rPr lang="en-US" altLang="ko-KR" sz="2800" b="1" dirty="0" smtClean="0">
+              <a:rPr lang="en-US" altLang="ko-KR" sz="2800" b="1" dirty="0">
                 <a:ln w="6600">
                   <a:solidFill>
                     <a:schemeClr val="tx1"/>
@@ -8061,7 +7921,7 @@
           <a:lstStyle/>
           <a:p>
             <a:r>
-              <a:rPr lang="ko-KR" altLang="en-US" dirty="0" smtClean="0">
+              <a:rPr lang="ko-KR" altLang="en-US" dirty="0">
                 <a:solidFill>
                   <a:srgbClr val="C00000"/>
                 </a:solidFill>
@@ -8069,7 +7929,7 @@
               <a:t>너무 </a:t>
             </a:r>
             <a:r>
-              <a:rPr lang="ko-KR" altLang="en-US" dirty="0" err="1" smtClean="0">
+              <a:rPr lang="ko-KR" altLang="en-US" dirty="0" err="1">
                 <a:solidFill>
                   <a:srgbClr val="C00000"/>
                 </a:solidFill>
@@ -8077,7 +7937,7 @@
               <a:t>간단헤</a:t>
             </a:r>
             <a:r>
-              <a:rPr lang="en-US" altLang="ko-KR" dirty="0" smtClean="0">
+              <a:rPr lang="en-US" altLang="ko-KR" dirty="0">
                 <a:solidFill>
                   <a:srgbClr val="C00000"/>
                 </a:solidFill>
@@ -8190,13 +8050,6 @@
   <p:clrMapOvr>
     <a:masterClrMapping/>
   </p:clrMapOvr>
-  <p:timing>
-    <p:tnLst>
-      <p:par>
-        <p:cTn id="1" dur="indefinite" restart="never" nodeType="tmRoot"/>
-      </p:par>
-    </p:tnLst>
-  </p:timing>
 </p:sld>
 </file>
 
@@ -8277,7 +8130,7 @@
           <a:lstStyle/>
           <a:p>
             <a:r>
-              <a:rPr lang="ko-KR" altLang="en-US" sz="2800" b="1" dirty="0" err="1" smtClean="0">
+              <a:rPr lang="ko-KR" altLang="en-US" sz="2800" b="1" dirty="0" err="1">
                 <a:ln w="6600">
                   <a:solidFill>
                     <a:schemeClr val="tx1"/>
@@ -8296,7 +8149,7 @@
               <a:t>코</a:t>
             </a:r>
             <a:r>
-              <a:rPr lang="ko-KR" altLang="en-US" sz="2800" b="1" dirty="0" err="1" smtClean="0">
+              <a:rPr lang="ko-KR" altLang="en-US" sz="2800" b="1" dirty="0" err="1">
                 <a:ln w="6600">
                   <a:solidFill>
                     <a:schemeClr val="tx1"/>
@@ -8315,7 +8168,7 @@
               <a:t>드</a:t>
             </a:r>
             <a:r>
-              <a:rPr lang="ko-KR" altLang="en-US" sz="2800" b="1" dirty="0" err="1" smtClean="0">
+              <a:rPr lang="ko-KR" altLang="en-US" sz="2800" b="1" dirty="0" err="1">
                 <a:ln w="6600">
                   <a:solidFill>
                     <a:schemeClr val="tx1"/>
@@ -8334,7 +8187,7 @@
               <a:t>리</a:t>
             </a:r>
             <a:r>
-              <a:rPr lang="ko-KR" altLang="en-US" sz="2800" b="1" dirty="0" err="1" smtClean="0">
+              <a:rPr lang="ko-KR" altLang="en-US" sz="2800" b="1" dirty="0" err="1">
                 <a:ln w="6600">
                   <a:solidFill>
                     <a:schemeClr val="tx1"/>
@@ -8353,7 +8206,7 @@
               <a:t>뷰</a:t>
             </a:r>
             <a:r>
-              <a:rPr lang="ko-KR" altLang="en-US" sz="2800" b="1" dirty="0" smtClean="0">
+              <a:rPr lang="ko-KR" altLang="en-US" sz="2800" b="1" dirty="0">
                 <a:ln w="6600">
                   <a:solidFill>
                     <a:schemeClr val="tx1"/>
@@ -8372,7 +8225,7 @@
               <a:t> </a:t>
             </a:r>
             <a:r>
-              <a:rPr lang="en-US" altLang="ko-KR" sz="2800" b="1" dirty="0" smtClean="0">
+              <a:rPr lang="en-US" altLang="ko-KR" sz="2800" b="1" dirty="0">
                 <a:ln w="6600">
                   <a:solidFill>
                     <a:schemeClr val="tx1"/>
@@ -8391,7 +8244,7 @@
               <a:t>– </a:t>
             </a:r>
             <a:r>
-              <a:rPr lang="ko-KR" altLang="en-US" sz="2800" b="1" dirty="0" smtClean="0">
+              <a:rPr lang="ko-KR" altLang="en-US" sz="2800" b="1" dirty="0">
                 <a:ln w="6600">
                   <a:solidFill>
                     <a:schemeClr val="tx1"/>
@@ -8410,7 +8263,7 @@
               <a:t>내 정보 수정 </a:t>
             </a:r>
             <a:r>
-              <a:rPr lang="en-US" altLang="ko-KR" sz="2800" b="1" dirty="0" smtClean="0">
+              <a:rPr lang="en-US" altLang="ko-KR" sz="2800" b="1" dirty="0">
                 <a:ln w="6600">
                   <a:solidFill>
                     <a:schemeClr val="tx1"/>
@@ -8429,7 +8282,7 @@
               <a:t>(</a:t>
             </a:r>
             <a:r>
-              <a:rPr lang="en-US" altLang="ko-KR" sz="2800" b="1" dirty="0" err="1" smtClean="0">
+              <a:rPr lang="en-US" altLang="ko-KR" sz="2800" b="1" dirty="0" err="1">
                 <a:ln w="6600">
                   <a:solidFill>
                     <a:schemeClr val="tx1"/>
@@ -8448,7 +8301,7 @@
               <a:t>myinfo.jsp</a:t>
             </a:r>
             <a:r>
-              <a:rPr lang="en-US" altLang="ko-KR" sz="2800" b="1" dirty="0" smtClean="0">
+              <a:rPr lang="en-US" altLang="ko-KR" sz="2800" b="1" dirty="0">
                 <a:ln w="6600">
                   <a:solidFill>
                     <a:schemeClr val="tx1"/>
@@ -8683,18 +8536,18 @@
           <a:lstStyle/>
           <a:p>
             <a:r>
-              <a:rPr lang="ko-KR" altLang="en-US" sz="3600" dirty="0" smtClean="0"/>
+              <a:rPr lang="ko-KR" altLang="en-US" sz="3600" dirty="0"/>
               <a:t>내 정보 수정에서 </a:t>
             </a:r>
-            <a:endParaRPr lang="en-US" altLang="ko-KR" sz="3600" dirty="0" smtClean="0"/>
-          </a:p>
-          <a:p>
-            <a:r>
-              <a:rPr lang="ko-KR" altLang="en-US" sz="3600" dirty="0" smtClean="0"/>
+            <a:endParaRPr lang="en-US" altLang="ko-KR" sz="3600" dirty="0"/>
+          </a:p>
+          <a:p>
+            <a:r>
+              <a:rPr lang="ko-KR" altLang="en-US" sz="3600" dirty="0"/>
               <a:t>아이디만 수정할 수 없게 </a:t>
             </a:r>
             <a:r>
-              <a:rPr lang="ko-KR" altLang="en-US" sz="3600" dirty="0" err="1" smtClean="0"/>
+              <a:rPr lang="ko-KR" altLang="en-US" sz="3600" dirty="0" err="1"/>
               <a:t>만듬</a:t>
             </a:r>
             <a:endParaRPr lang="ko-KR" altLang="en-US" sz="3600" dirty="0"/>
@@ -8711,13 +8564,6 @@
   <p:clrMapOvr>
     <a:masterClrMapping/>
   </p:clrMapOvr>
-  <p:timing>
-    <p:tnLst>
-      <p:par>
-        <p:cTn id="1" dur="indefinite" restart="never" nodeType="tmRoot"/>
-      </p:par>
-    </p:tnLst>
-  </p:timing>
 </p:sld>
 </file>
 
@@ -8798,7 +8644,7 @@
           <a:lstStyle/>
           <a:p>
             <a:r>
-              <a:rPr lang="ko-KR" altLang="en-US" sz="2800" b="1" dirty="0" err="1" smtClean="0">
+              <a:rPr lang="ko-KR" altLang="en-US" sz="2800" b="1" dirty="0" err="1">
                 <a:ln w="6600">
                   <a:solidFill>
                     <a:schemeClr val="tx1"/>
@@ -8817,7 +8663,7 @@
               <a:t>코</a:t>
             </a:r>
             <a:r>
-              <a:rPr lang="ko-KR" altLang="en-US" sz="2800" b="1" dirty="0" err="1" smtClean="0">
+              <a:rPr lang="ko-KR" altLang="en-US" sz="2800" b="1" dirty="0" err="1">
                 <a:ln w="6600">
                   <a:solidFill>
                     <a:schemeClr val="tx1"/>
@@ -8836,7 +8682,7 @@
               <a:t>드</a:t>
             </a:r>
             <a:r>
-              <a:rPr lang="ko-KR" altLang="en-US" sz="2800" b="1" dirty="0" err="1" smtClean="0">
+              <a:rPr lang="ko-KR" altLang="en-US" sz="2800" b="1" dirty="0" err="1">
                 <a:ln w="6600">
                   <a:solidFill>
                     <a:schemeClr val="tx1"/>
@@ -8855,7 +8701,7 @@
               <a:t>리</a:t>
             </a:r>
             <a:r>
-              <a:rPr lang="ko-KR" altLang="en-US" sz="2800" b="1" dirty="0" err="1" smtClean="0">
+              <a:rPr lang="ko-KR" altLang="en-US" sz="2800" b="1" dirty="0" err="1">
                 <a:ln w="6600">
                   <a:solidFill>
                     <a:schemeClr val="tx1"/>
@@ -8874,7 +8720,7 @@
               <a:t>뷰</a:t>
             </a:r>
             <a:r>
-              <a:rPr lang="ko-KR" altLang="en-US" sz="2800" b="1" dirty="0" smtClean="0">
+              <a:rPr lang="ko-KR" altLang="en-US" sz="2800" b="1" dirty="0">
                 <a:ln w="6600">
                   <a:solidFill>
                     <a:schemeClr val="tx1"/>
@@ -8893,7 +8739,7 @@
               <a:t> </a:t>
             </a:r>
             <a:r>
-              <a:rPr lang="en-US" altLang="ko-KR" sz="2800" b="1" dirty="0" smtClean="0">
+              <a:rPr lang="en-US" altLang="ko-KR" sz="2800" b="1" dirty="0">
                 <a:ln w="6600">
                   <a:solidFill>
                     <a:schemeClr val="tx1"/>
@@ -8912,7 +8758,7 @@
               <a:t>– </a:t>
             </a:r>
             <a:r>
-              <a:rPr lang="ko-KR" altLang="en-US" sz="2800" b="1" dirty="0" smtClean="0">
+              <a:rPr lang="ko-KR" altLang="en-US" sz="2800" b="1" dirty="0">
                 <a:ln w="6600">
                   <a:solidFill>
                     <a:schemeClr val="tx1"/>
@@ -8931,7 +8777,7 @@
               <a:t>회원정보 수정 처리 </a:t>
             </a:r>
             <a:r>
-              <a:rPr lang="en-US" altLang="ko-KR" sz="2800" b="1" dirty="0" smtClean="0">
+              <a:rPr lang="en-US" altLang="ko-KR" sz="2800" b="1" dirty="0">
                 <a:ln w="6600">
                   <a:solidFill>
                     <a:schemeClr val="tx1"/>
@@ -8950,7 +8796,7 @@
               <a:t>(</a:t>
             </a:r>
             <a:r>
-              <a:rPr lang="en-US" altLang="ko-KR" sz="2800" b="1" dirty="0" err="1" smtClean="0">
+              <a:rPr lang="en-US" altLang="ko-KR" sz="2800" b="1" dirty="0" err="1">
                 <a:ln w="6600">
                   <a:solidFill>
                     <a:schemeClr val="tx1"/>
@@ -8969,7 +8815,7 @@
               <a:t>updateinfo.jsp</a:t>
             </a:r>
             <a:r>
-              <a:rPr lang="en-US" altLang="ko-KR" sz="2800" b="1" dirty="0" smtClean="0">
+              <a:rPr lang="en-US" altLang="ko-KR" sz="2800" b="1" dirty="0">
                 <a:ln w="6600">
                   <a:solidFill>
                     <a:schemeClr val="tx1"/>
@@ -9114,13 +8960,6 @@
   <p:clrMapOvr>
     <a:masterClrMapping/>
   </p:clrMapOvr>
-  <p:timing>
-    <p:tnLst>
-      <p:par>
-        <p:cTn id="1" dur="indefinite" restart="never" nodeType="tmRoot"/>
-      </p:par>
-    </p:tnLst>
-  </p:timing>
 </p:sld>
 </file>
 
@@ -9246,7 +9085,7 @@
           <a:lstStyle/>
           <a:p>
             <a:r>
-              <a:rPr lang="ko-KR" altLang="en-US" sz="2800" b="1" dirty="0" smtClean="0">
+              <a:rPr lang="ko-KR" altLang="en-US" sz="2800" b="1" dirty="0">
                 <a:ln w="6600">
                   <a:solidFill>
                     <a:schemeClr val="tx1"/>
@@ -9447,7 +9286,7 @@
           <a:p>
             <a:pPr algn="ctr"/>
             <a:r>
-              <a:rPr lang="ko-KR" altLang="en-US" sz="2000" dirty="0" smtClean="0">
+              <a:rPr lang="ko-KR" altLang="en-US" sz="2000" dirty="0">
                 <a:solidFill>
                   <a:schemeClr val="tx1"/>
                 </a:solidFill>
@@ -9455,7 +9294,7 @@
               <a:t>서울시 </a:t>
             </a:r>
             <a:r>
-              <a:rPr lang="ko-KR" altLang="en-US" sz="2000" dirty="0" err="1" smtClean="0">
+              <a:rPr lang="ko-KR" altLang="en-US" sz="2000" dirty="0" err="1">
                 <a:solidFill>
                   <a:schemeClr val="tx1"/>
                 </a:solidFill>
@@ -9463,7 +9302,7 @@
               <a:t>공공데이터</a:t>
             </a:r>
             <a:r>
-              <a:rPr lang="ko-KR" altLang="en-US" sz="2000" dirty="0" smtClean="0">
+              <a:rPr lang="ko-KR" altLang="en-US" sz="2000" dirty="0">
                 <a:solidFill>
                   <a:schemeClr val="tx1"/>
                 </a:solidFill>
@@ -9471,7 +9310,7 @@
               <a:t> 활용 </a:t>
             </a:r>
             <a:r>
-              <a:rPr lang="en-US" altLang="ko-KR" sz="2000" dirty="0" smtClean="0">
+              <a:rPr lang="en-US" altLang="ko-KR" sz="2000" dirty="0">
                 <a:solidFill>
                   <a:schemeClr val="tx1"/>
                 </a:solidFill>
@@ -9479,7 +9318,7 @@
               <a:t>– </a:t>
             </a:r>
             <a:r>
-              <a:rPr lang="ko-KR" altLang="en-US" sz="2000" dirty="0" smtClean="0">
+              <a:rPr lang="ko-KR" altLang="en-US" sz="2000" dirty="0">
                 <a:solidFill>
                   <a:schemeClr val="tx1"/>
                 </a:solidFill>
@@ -9487,7 +9326,7 @@
               <a:t>서울 여러 시설물 소개</a:t>
             </a:r>
             <a:r>
-              <a:rPr lang="en-US" altLang="ko-KR" sz="2000" dirty="0" smtClean="0">
+              <a:rPr lang="en-US" altLang="ko-KR" sz="2000" dirty="0">
                 <a:solidFill>
                   <a:schemeClr val="tx1"/>
                 </a:solidFill>
@@ -9641,13 +9480,6 @@
   <p:clrMapOvr>
     <a:masterClrMapping/>
   </p:clrMapOvr>
-  <p:timing>
-    <p:tnLst>
-      <p:par>
-        <p:cTn id="1" dur="indefinite" restart="never" nodeType="tmRoot"/>
-      </p:par>
-    </p:tnLst>
-  </p:timing>
 </p:sld>
 </file>
 
@@ -9728,7 +9560,7 @@
           <a:lstStyle/>
           <a:p>
             <a:r>
-              <a:rPr lang="ko-KR" altLang="en-US" sz="2800" b="1" dirty="0" err="1" smtClean="0">
+              <a:rPr lang="ko-KR" altLang="en-US" sz="2800" b="1" dirty="0" err="1">
                 <a:ln w="6600">
                   <a:solidFill>
                     <a:schemeClr val="tx1"/>
@@ -9747,7 +9579,7 @@
               <a:t>코</a:t>
             </a:r>
             <a:r>
-              <a:rPr lang="ko-KR" altLang="en-US" sz="2800" b="1" dirty="0" err="1" smtClean="0">
+              <a:rPr lang="ko-KR" altLang="en-US" sz="2800" b="1" dirty="0" err="1">
                 <a:ln w="6600">
                   <a:solidFill>
                     <a:schemeClr val="tx1"/>
@@ -9766,7 +9598,7 @@
               <a:t>드</a:t>
             </a:r>
             <a:r>
-              <a:rPr lang="ko-KR" altLang="en-US" sz="2800" b="1" dirty="0" err="1" smtClean="0">
+              <a:rPr lang="ko-KR" altLang="en-US" sz="2800" b="1" dirty="0" err="1">
                 <a:ln w="6600">
                   <a:solidFill>
                     <a:schemeClr val="tx1"/>
@@ -9785,7 +9617,7 @@
               <a:t>리</a:t>
             </a:r>
             <a:r>
-              <a:rPr lang="ko-KR" altLang="en-US" sz="2800" b="1" dirty="0" err="1" smtClean="0">
+              <a:rPr lang="ko-KR" altLang="en-US" sz="2800" b="1" dirty="0" err="1">
                 <a:ln w="6600">
                   <a:solidFill>
                     <a:schemeClr val="tx1"/>
@@ -9804,7 +9636,7 @@
               <a:t>뷰</a:t>
             </a:r>
             <a:r>
-              <a:rPr lang="ko-KR" altLang="en-US" sz="2800" b="1" dirty="0" smtClean="0">
+              <a:rPr lang="ko-KR" altLang="en-US" sz="2800" b="1" dirty="0">
                 <a:ln w="6600">
                   <a:solidFill>
                     <a:schemeClr val="tx1"/>
@@ -9823,7 +9655,7 @@
               <a:t> </a:t>
             </a:r>
             <a:r>
-              <a:rPr lang="en-US" altLang="ko-KR" sz="2800" b="1" dirty="0" smtClean="0">
+              <a:rPr lang="en-US" altLang="ko-KR" sz="2800" b="1" dirty="0">
                 <a:ln w="6600">
                   <a:solidFill>
                     <a:schemeClr val="tx1"/>
@@ -9842,7 +9674,7 @@
               <a:t>– </a:t>
             </a:r>
             <a:r>
-              <a:rPr lang="ko-KR" altLang="en-US" sz="2800" b="1" dirty="0" smtClean="0">
+              <a:rPr lang="ko-KR" altLang="en-US" sz="2800" b="1" dirty="0">
                 <a:ln w="6600">
                   <a:solidFill>
                     <a:schemeClr val="tx1"/>
@@ -9861,7 +9693,7 @@
               <a:t>각 주제마다 </a:t>
             </a:r>
             <a:r>
-              <a:rPr lang="en-US" altLang="ko-KR" sz="2800" b="1" dirty="0" smtClean="0">
+              <a:rPr lang="en-US" altLang="ko-KR" sz="2800" b="1" dirty="0">
                 <a:ln w="6600">
                   <a:solidFill>
                     <a:schemeClr val="tx1"/>
@@ -9880,7 +9712,7 @@
               <a:t>search</a:t>
             </a:r>
             <a:r>
-              <a:rPr lang="ko-KR" altLang="en-US" sz="2800" b="1" dirty="0" smtClean="0">
+              <a:rPr lang="ko-KR" altLang="en-US" sz="2800" b="1" dirty="0">
                 <a:ln w="6600">
                   <a:solidFill>
                     <a:schemeClr val="tx1"/>
@@ -9898,7 +9730,7 @@
               </a:rPr>
               <a:t>하기</a:t>
             </a:r>
-            <a:endParaRPr lang="en-US" altLang="ko-KR" sz="2800" b="1" dirty="0" smtClean="0">
+            <a:endParaRPr lang="en-US" altLang="ko-KR" sz="2800" b="1" dirty="0">
               <a:ln w="6600">
                 <a:solidFill>
                   <a:schemeClr val="tx1"/>
@@ -10219,13 +10051,6 @@
   <p:clrMapOvr>
     <a:masterClrMapping/>
   </p:clrMapOvr>
-  <p:timing>
-    <p:tnLst>
-      <p:par>
-        <p:cTn id="1" dur="indefinite" restart="never" nodeType="tmRoot"/>
-      </p:par>
-    </p:tnLst>
-  </p:timing>
 </p:sld>
 </file>
 
@@ -10306,7 +10131,7 @@
           <a:lstStyle/>
           <a:p>
             <a:r>
-              <a:rPr lang="ko-KR" altLang="en-US" sz="2800" b="1" dirty="0" err="1" smtClean="0">
+              <a:rPr lang="ko-KR" altLang="en-US" sz="2800" b="1" dirty="0" err="1">
                 <a:ln w="6600">
                   <a:solidFill>
                     <a:schemeClr val="tx1"/>
@@ -10325,7 +10150,7 @@
               <a:t>코</a:t>
             </a:r>
             <a:r>
-              <a:rPr lang="ko-KR" altLang="en-US" sz="2800" b="1" dirty="0" err="1" smtClean="0">
+              <a:rPr lang="ko-KR" altLang="en-US" sz="2800" b="1" dirty="0" err="1">
                 <a:ln w="6600">
                   <a:solidFill>
                     <a:schemeClr val="tx1"/>
@@ -10344,7 +10169,7 @@
               <a:t>드</a:t>
             </a:r>
             <a:r>
-              <a:rPr lang="ko-KR" altLang="en-US" sz="2800" b="1" dirty="0" err="1" smtClean="0">
+              <a:rPr lang="ko-KR" altLang="en-US" sz="2800" b="1" dirty="0" err="1">
                 <a:ln w="6600">
                   <a:solidFill>
                     <a:schemeClr val="tx1"/>
@@ -10363,7 +10188,7 @@
               <a:t>리</a:t>
             </a:r>
             <a:r>
-              <a:rPr lang="ko-KR" altLang="en-US" sz="2800" b="1" dirty="0" err="1" smtClean="0">
+              <a:rPr lang="ko-KR" altLang="en-US" sz="2800" b="1" dirty="0" err="1">
                 <a:ln w="6600">
                   <a:solidFill>
                     <a:schemeClr val="tx1"/>
@@ -10382,7 +10207,7 @@
               <a:t>뷰</a:t>
             </a:r>
             <a:r>
-              <a:rPr lang="ko-KR" altLang="en-US" sz="2800" b="1" dirty="0" smtClean="0">
+              <a:rPr lang="ko-KR" altLang="en-US" sz="2800" b="1" dirty="0">
                 <a:ln w="6600">
                   <a:solidFill>
                     <a:schemeClr val="tx1"/>
@@ -10401,7 +10226,7 @@
               <a:t> </a:t>
             </a:r>
             <a:r>
-              <a:rPr lang="en-US" altLang="ko-KR" sz="2800" b="1" dirty="0" smtClean="0">
+              <a:rPr lang="en-US" altLang="ko-KR" sz="2800" b="1" dirty="0">
                 <a:ln w="6600">
                   <a:solidFill>
                     <a:schemeClr val="tx1"/>
@@ -10420,7 +10245,7 @@
               <a:t>– </a:t>
             </a:r>
             <a:r>
-              <a:rPr lang="ko-KR" altLang="en-US" sz="2800" b="1" dirty="0" smtClean="0">
+              <a:rPr lang="ko-KR" altLang="en-US" sz="2800" b="1" dirty="0">
                 <a:ln w="6600">
                   <a:solidFill>
                     <a:schemeClr val="tx1"/>
@@ -10439,7 +10264,7 @@
               <a:t>검색 기능 </a:t>
             </a:r>
             <a:r>
-              <a:rPr lang="en-US" altLang="ko-KR" sz="2800" b="1" dirty="0" smtClean="0">
+              <a:rPr lang="en-US" altLang="ko-KR" sz="2800" b="1" dirty="0">
                 <a:ln w="6600">
                   <a:solidFill>
                     <a:schemeClr val="tx1"/>
@@ -10458,7 +10283,7 @@
               <a:t>(search~~.</a:t>
             </a:r>
             <a:r>
-              <a:rPr lang="en-US" altLang="ko-KR" sz="2800" b="1" dirty="0" err="1" smtClean="0">
+              <a:rPr lang="en-US" altLang="ko-KR" sz="2800" b="1" dirty="0" err="1">
                 <a:ln w="6600">
                   <a:solidFill>
                     <a:schemeClr val="tx1"/>
@@ -10477,7 +10302,7 @@
               <a:t>jsp</a:t>
             </a:r>
             <a:r>
-              <a:rPr lang="en-US" altLang="ko-KR" sz="2800" b="1" dirty="0" smtClean="0">
+              <a:rPr lang="en-US" altLang="ko-KR" sz="2800" b="1" dirty="0">
                 <a:ln w="6600">
                   <a:solidFill>
                     <a:schemeClr val="tx1"/>
@@ -10698,7 +10523,7 @@
         <p:spPr>
           <a:xfrm>
             <a:off x="4554071" y="2698376"/>
-            <a:ext cx="3433482" cy="646331"/>
+            <a:ext cx="3433482" cy="923330"/>
           </a:xfrm>
           <a:prstGeom prst="rect">
             <a:avLst/>
@@ -10712,23 +10537,23 @@
           <a:lstStyle/>
           <a:p>
             <a:r>
-              <a:rPr lang="en-US" altLang="ko-KR" dirty="0" smtClean="0"/>
+              <a:rPr lang="en-US" altLang="ko-KR" dirty="0"/>
               <a:t>? </a:t>
             </a:r>
             <a:r>
-              <a:rPr lang="ko-KR" altLang="en-US" dirty="0" smtClean="0"/>
-              <a:t>에 들어갈 때 </a:t>
-            </a:r>
-            <a:r>
-              <a:rPr lang="en-US" altLang="ko-KR" dirty="0" smtClean="0"/>
-              <a:t>“ “</a:t>
-            </a:r>
-            <a:r>
-              <a:rPr lang="ko-KR" altLang="en-US" dirty="0" smtClean="0"/>
-              <a:t>안에 검색어가 들어가야 하니까</a:t>
-            </a:r>
-            <a:r>
-              <a:rPr lang="en-US" altLang="ko-KR" dirty="0" smtClean="0"/>
+              <a:rPr lang="ko-KR" altLang="en-US" dirty="0"/>
+              <a:t>에 들어갈 때 검색어가 어디에 있을지 모르니 </a:t>
+            </a:r>
+            <a:r>
+              <a:rPr lang="en-US" altLang="ko-KR" dirty="0"/>
+              <a:t>%</a:t>
+            </a:r>
+            <a:r>
+              <a:rPr lang="ko-KR" altLang="en-US" dirty="0"/>
+              <a:t>를 추가하자</a:t>
+            </a:r>
+            <a:r>
+              <a:rPr lang="en-US" altLang="ko-KR" dirty="0"/>
               <a:t>,,</a:t>
             </a:r>
             <a:endParaRPr lang="ko-KR" altLang="en-US" dirty="0"/>
@@ -10745,13 +10570,6 @@
   <p:clrMapOvr>
     <a:masterClrMapping/>
   </p:clrMapOvr>
-  <p:timing>
-    <p:tnLst>
-      <p:par>
-        <p:cTn id="1" dur="indefinite" restart="never" nodeType="tmRoot"/>
-      </p:par>
-    </p:tnLst>
-  </p:timing>
 </p:sld>
 </file>
 
@@ -10832,7 +10650,7 @@
           <a:lstStyle/>
           <a:p>
             <a:r>
-              <a:rPr lang="ko-KR" altLang="en-US" sz="2800" b="1" dirty="0" err="1" smtClean="0">
+              <a:rPr lang="ko-KR" altLang="en-US" sz="2800" b="1" dirty="0" err="1">
                 <a:ln w="6600">
                   <a:solidFill>
                     <a:schemeClr val="tx1"/>
@@ -10851,7 +10669,7 @@
               <a:t>코</a:t>
             </a:r>
             <a:r>
-              <a:rPr lang="ko-KR" altLang="en-US" sz="2800" b="1" dirty="0" err="1" smtClean="0">
+              <a:rPr lang="ko-KR" altLang="en-US" sz="2800" b="1" dirty="0" err="1">
                 <a:ln w="6600">
                   <a:solidFill>
                     <a:schemeClr val="tx1"/>
@@ -10870,7 +10688,7 @@
               <a:t>드</a:t>
             </a:r>
             <a:r>
-              <a:rPr lang="ko-KR" altLang="en-US" sz="2800" b="1" dirty="0" err="1" smtClean="0">
+              <a:rPr lang="ko-KR" altLang="en-US" sz="2800" b="1" dirty="0" err="1">
                 <a:ln w="6600">
                   <a:solidFill>
                     <a:schemeClr val="tx1"/>
@@ -10889,7 +10707,7 @@
               <a:t>리</a:t>
             </a:r>
             <a:r>
-              <a:rPr lang="ko-KR" altLang="en-US" sz="2800" b="1" dirty="0" err="1" smtClean="0">
+              <a:rPr lang="ko-KR" altLang="en-US" sz="2800" b="1" dirty="0" err="1">
                 <a:ln w="6600">
                   <a:solidFill>
                     <a:schemeClr val="tx1"/>
@@ -10908,7 +10726,7 @@
               <a:t>뷰</a:t>
             </a:r>
             <a:r>
-              <a:rPr lang="ko-KR" altLang="en-US" sz="2800" b="1" dirty="0" smtClean="0">
+              <a:rPr lang="ko-KR" altLang="en-US" sz="2800" b="1" dirty="0">
                 <a:ln w="6600">
                   <a:solidFill>
                     <a:schemeClr val="tx1"/>
@@ -10927,7 +10745,7 @@
               <a:t> </a:t>
             </a:r>
             <a:r>
-              <a:rPr lang="en-US" altLang="ko-KR" sz="2800" b="1" dirty="0" smtClean="0">
+              <a:rPr lang="en-US" altLang="ko-KR" sz="2800" b="1" dirty="0">
                 <a:ln w="6600">
                   <a:solidFill>
                     <a:schemeClr val="tx1"/>
@@ -10946,7 +10764,7 @@
               <a:t>- </a:t>
             </a:r>
             <a:r>
-              <a:rPr lang="ko-KR" altLang="en-US" sz="2800" b="1" dirty="0" smtClean="0">
+              <a:rPr lang="ko-KR" altLang="en-US" sz="2800" b="1" dirty="0">
                 <a:ln w="6600">
                   <a:solidFill>
                     <a:schemeClr val="tx1"/>
@@ -10964,7 +10782,7 @@
               </a:rPr>
               <a:t>통합검색</a:t>
             </a:r>
-            <a:endParaRPr lang="en-US" altLang="ko-KR" sz="2800" b="1" dirty="0" smtClean="0">
+            <a:endParaRPr lang="en-US" altLang="ko-KR" sz="2800" b="1" dirty="0">
               <a:ln w="6600">
                 <a:solidFill>
                   <a:schemeClr val="tx1"/>
@@ -11096,49 +10914,41 @@
           <a:lstStyle/>
           <a:p>
             <a:r>
-              <a:rPr lang="en-US" altLang="ko-KR" dirty="0" smtClean="0"/>
+              <a:rPr lang="en-US" altLang="ko-KR" dirty="0"/>
               <a:t>1</a:t>
             </a:r>
             <a:r>
-              <a:rPr lang="ko-KR" altLang="en-US" dirty="0" smtClean="0"/>
+              <a:rPr lang="ko-KR" altLang="en-US" dirty="0"/>
               <a:t>안</a:t>
             </a:r>
             <a:r>
               <a:rPr lang="en-US" altLang="ko-KR" dirty="0"/>
-              <a:t>:</a:t>
-            </a:r>
-            <a:r>
-              <a:rPr lang="en-US" altLang="ko-KR" dirty="0" smtClean="0"/>
-              <a:t> &lt;Select&gt;</a:t>
-            </a:r>
-            <a:r>
-              <a:rPr lang="ko-KR" altLang="en-US" dirty="0" smtClean="0"/>
+              <a:t>: &lt;Select&gt;</a:t>
+            </a:r>
+            <a:r>
+              <a:rPr lang="ko-KR" altLang="en-US" dirty="0"/>
               <a:t>태그로 각 분류를 선택해서 </a:t>
             </a:r>
             <a:r>
-              <a:rPr lang="ko-KR" altLang="en-US" dirty="0" err="1" smtClean="0"/>
+              <a:rPr lang="ko-KR" altLang="en-US" dirty="0" err="1"/>
               <a:t>분류별</a:t>
             </a:r>
             <a:r>
-              <a:rPr lang="ko-KR" altLang="en-US" dirty="0" smtClean="0"/>
+              <a:rPr lang="ko-KR" altLang="en-US" dirty="0"/>
               <a:t> 테이블을 가져와서 검색한다</a:t>
             </a:r>
             <a:r>
-              <a:rPr lang="en-US" altLang="ko-KR" dirty="0" smtClean="0"/>
+              <a:rPr lang="en-US" altLang="ko-KR" dirty="0"/>
               <a:t>.</a:t>
             </a:r>
           </a:p>
           <a:p>
             <a:r>
               <a:rPr lang="en-US" altLang="ko-KR" dirty="0"/>
-              <a:t> </a:t>
-            </a:r>
-            <a:r>
-              <a:rPr lang="en-US" altLang="ko-KR" dirty="0" smtClean="0"/>
-              <a:t>            </a:t>
-            </a:r>
-            <a:r>
-              <a:rPr lang="en-US" altLang="ko-KR" sz="2800" dirty="0" smtClean="0">
+              <a:t>             </a:t>
+            </a:r>
+            <a:r>
+              <a:rPr lang="en-US" altLang="ko-KR" sz="2800" dirty="0">
                 <a:solidFill>
                   <a:schemeClr val="accent2">
                     <a:lumMod val="75000"/>
@@ -11150,7 +10960,7 @@
               <a:t>=&gt;</a:t>
             </a:r>
             <a:r>
-              <a:rPr lang="ko-KR" altLang="en-US" sz="2800" dirty="0" smtClean="0">
+              <a:rPr lang="ko-KR" altLang="en-US" sz="2800" dirty="0">
                 <a:solidFill>
                   <a:schemeClr val="accent2">
                     <a:lumMod val="75000"/>
@@ -11162,7 +10972,7 @@
               <a:t>실패</a:t>
             </a:r>
             <a:r>
-              <a:rPr lang="en-US" altLang="ko-KR" sz="2800" dirty="0" smtClean="0">
+              <a:rPr lang="en-US" altLang="ko-KR" sz="2800" dirty="0">
                 <a:solidFill>
                   <a:schemeClr val="accent2">
                     <a:lumMod val="75000"/>
@@ -11175,15 +10985,15 @@
             </a:r>
           </a:p>
           <a:p>
-            <a:endParaRPr lang="en-US" altLang="ko-KR" dirty="0" smtClean="0"/>
-          </a:p>
-          <a:p>
-            <a:r>
-              <a:rPr lang="en-US" altLang="ko-KR" dirty="0" smtClean="0"/>
+            <a:endParaRPr lang="en-US" altLang="ko-KR" dirty="0"/>
+          </a:p>
+          <a:p>
+            <a:r>
+              <a:rPr lang="en-US" altLang="ko-KR" dirty="0"/>
               <a:t>2</a:t>
             </a:r>
             <a:r>
-              <a:rPr lang="ko-KR" altLang="en-US" dirty="0" smtClean="0"/>
+              <a:rPr lang="ko-KR" altLang="en-US" dirty="0"/>
               <a:t>안</a:t>
             </a:r>
             <a:r>
@@ -11204,48 +11014,40 @@
             </a:r>
             <a:r>
               <a:rPr lang="en-US" altLang="ko-KR" dirty="0"/>
-              <a:t>" </a:t>
-            </a:r>
-            <a:r>
-              <a:rPr lang="en-US" altLang="ko-KR" dirty="0" smtClean="0"/>
-              <a:t>/&gt; </a:t>
-            </a:r>
-            <a:r>
-              <a:rPr lang="ko-KR" altLang="en-US" dirty="0" smtClean="0"/>
+              <a:t>" /&gt; </a:t>
+            </a:r>
+            <a:r>
+              <a:rPr lang="ko-KR" altLang="en-US" dirty="0"/>
               <a:t>코드를 사용해 </a:t>
             </a:r>
             <a:r>
-              <a:rPr lang="en-US" altLang="ko-KR" dirty="0" smtClean="0"/>
+              <a:rPr lang="en-US" altLang="ko-KR" dirty="0"/>
               <a:t>page</a:t>
             </a:r>
             <a:r>
-              <a:rPr lang="ko-KR" altLang="en-US" dirty="0" smtClean="0"/>
+              <a:rPr lang="ko-KR" altLang="en-US" dirty="0"/>
               <a:t>를 </a:t>
             </a:r>
             <a:r>
-              <a:rPr lang="en-US" altLang="ko-KR" dirty="0" smtClean="0"/>
+              <a:rPr lang="en-US" altLang="ko-KR" dirty="0"/>
               <a:t>include </a:t>
             </a:r>
             <a:r>
-              <a:rPr lang="ko-KR" altLang="en-US" dirty="0" smtClean="0"/>
+              <a:rPr lang="ko-KR" altLang="en-US" dirty="0"/>
               <a:t>한다</a:t>
             </a:r>
             <a:r>
-              <a:rPr lang="en-US" altLang="ko-KR" dirty="0" smtClean="0"/>
+              <a:rPr lang="en-US" altLang="ko-KR" dirty="0"/>
               <a:t>.</a:t>
             </a:r>
           </a:p>
           <a:p>
             <a:r>
               <a:rPr lang="en-US" altLang="ko-KR" dirty="0"/>
-              <a:t> </a:t>
-            </a:r>
-            <a:r>
-              <a:rPr lang="en-US" altLang="ko-KR" dirty="0" smtClean="0"/>
-              <a:t>            </a:t>
-            </a:r>
-            <a:r>
-              <a:rPr lang="en-US" altLang="ko-KR" sz="2000" dirty="0" smtClean="0">
+              <a:t>             </a:t>
+            </a:r>
+            <a:r>
+              <a:rPr lang="en-US" altLang="ko-KR" sz="2000" dirty="0">
                 <a:solidFill>
                   <a:schemeClr val="accent2">
                     <a:lumMod val="75000"/>
@@ -11257,7 +11059,7 @@
               <a:t>=&gt;</a:t>
             </a:r>
             <a:r>
-              <a:rPr lang="ko-KR" altLang="en-US" sz="2000" dirty="0" smtClean="0">
+              <a:rPr lang="ko-KR" altLang="en-US" sz="2000" dirty="0">
                 <a:solidFill>
                   <a:schemeClr val="accent2">
                     <a:lumMod val="75000"/>
@@ -11269,7 +11071,7 @@
               <a:t>검색이 안 돼 실패</a:t>
             </a:r>
             <a:r>
-              <a:rPr lang="en-US" altLang="ko-KR" sz="2000" dirty="0" smtClean="0">
+              <a:rPr lang="en-US" altLang="ko-KR" sz="2000" dirty="0">
                 <a:solidFill>
                   <a:schemeClr val="accent2">
                     <a:lumMod val="75000"/>
@@ -11282,7 +11084,7 @@
             </a:r>
           </a:p>
           <a:p>
-            <a:endParaRPr lang="en-US" altLang="ko-KR" sz="2000" dirty="0" smtClean="0">
+            <a:endParaRPr lang="en-US" altLang="ko-KR" sz="2000" dirty="0">
               <a:solidFill>
                 <a:schemeClr val="accent2">
                   <a:lumMod val="75000"/>
@@ -11293,34 +11095,34 @@
           </a:p>
           <a:p>
             <a:r>
-              <a:rPr lang="en-US" altLang="ko-KR" dirty="0" smtClean="0">
+              <a:rPr lang="en-US" altLang="ko-KR" dirty="0">
                 <a:latin typeface="+mj-ea"/>
                 <a:ea typeface="+mj-ea"/>
               </a:rPr>
               <a:t>3</a:t>
             </a:r>
             <a:r>
-              <a:rPr lang="ko-KR" altLang="en-US" dirty="0" smtClean="0">
+              <a:rPr lang="ko-KR" altLang="en-US" dirty="0">
                 <a:latin typeface="+mj-ea"/>
                 <a:ea typeface="+mj-ea"/>
               </a:rPr>
               <a:t>안</a:t>
             </a:r>
             <a:r>
-              <a:rPr lang="en-US" altLang="ko-KR" dirty="0" smtClean="0">
+              <a:rPr lang="en-US" altLang="ko-KR" dirty="0">
                 <a:latin typeface="+mj-ea"/>
                 <a:ea typeface="+mj-ea"/>
               </a:rPr>
               <a:t>: </a:t>
             </a:r>
             <a:r>
-              <a:rPr lang="ko-KR" altLang="en-US" dirty="0" smtClean="0">
+              <a:rPr lang="ko-KR" altLang="en-US" dirty="0">
                 <a:latin typeface="+mj-ea"/>
                 <a:ea typeface="+mj-ea"/>
               </a:rPr>
               <a:t>단순무식으로 각 페이지의 코드를 이어 붙인다</a:t>
             </a:r>
-            <a:endParaRPr lang="en-US" altLang="ko-KR" dirty="0" smtClean="0">
+            <a:endParaRPr lang="en-US" altLang="ko-KR" dirty="0">
               <a:latin typeface="+mj-ea"/>
               <a:ea typeface="+mj-ea"/>
             </a:endParaRPr>
@@ -11333,45 +11135,30 @@
                 </a:solidFill>
                 <a:ea typeface="휴먼매직체" panose="02030504000101010101" pitchFamily="18" charset="-127"/>
               </a:rPr>
-              <a:t> </a:t>
-            </a:r>
-            <a:r>
-              <a:rPr lang="en-US" altLang="ko-KR" sz="3200" dirty="0" smtClean="0">
+              <a:t>           =&gt; </a:t>
+            </a:r>
+            <a:r>
+              <a:rPr lang="ko-KR" altLang="en-US" sz="3200" dirty="0">
                 <a:solidFill>
                   <a:srgbClr val="0070C0"/>
                 </a:solidFill>
                 <a:ea typeface="휴먼매직체" panose="02030504000101010101" pitchFamily="18" charset="-127"/>
               </a:rPr>
-              <a:t>          =&gt; </a:t>
-            </a:r>
-            <a:r>
-              <a:rPr lang="ko-KR" altLang="en-US" sz="3200" dirty="0" smtClean="0">
+              <a:t>성공</a:t>
+            </a:r>
+            <a:r>
+              <a:rPr lang="en-US" altLang="ko-KR" sz="3200" dirty="0">
                 <a:solidFill>
                   <a:srgbClr val="0070C0"/>
                 </a:solidFill>
                 <a:ea typeface="휴먼매직체" panose="02030504000101010101" pitchFamily="18" charset="-127"/>
               </a:rPr>
-              <a:t>성공</a:t>
-            </a:r>
-            <a:r>
-              <a:rPr lang="en-US" altLang="ko-KR" sz="3200" dirty="0" smtClean="0">
-                <a:solidFill>
-                  <a:srgbClr val="0070C0"/>
-                </a:solidFill>
-                <a:ea typeface="휴먼매직체" panose="02030504000101010101" pitchFamily="18" charset="-127"/>
-              </a:rPr>
               <a:t>!</a:t>
             </a:r>
-            <a:endParaRPr lang="en-US" altLang="ko-KR" sz="3200" dirty="0">
-              <a:solidFill>
-                <a:srgbClr val="0070C0"/>
-              </a:solidFill>
-              <a:ea typeface="휴먼매직체" panose="02030504000101010101" pitchFamily="18" charset="-127"/>
-            </a:endParaRPr>
-          </a:p>
-          <a:p>
-            <a:r>
-              <a:rPr lang="en-US" altLang="ko-KR" sz="2000" dirty="0" smtClean="0">
+          </a:p>
+          <a:p>
+            <a:r>
+              <a:rPr lang="en-US" altLang="ko-KR" sz="2000" dirty="0">
                 <a:solidFill>
                   <a:schemeClr val="accent2">
                     <a:lumMod val="75000"/>
@@ -11404,13 +11191,6 @@
   <p:clrMapOvr>
     <a:masterClrMapping/>
   </p:clrMapOvr>
-  <p:timing>
-    <p:tnLst>
-      <p:par>
-        <p:cTn id="1" dur="indefinite" restart="never" nodeType="tmRoot"/>
-      </p:par>
-    </p:tnLst>
-  </p:timing>
 </p:sld>
 </file>
 
@@ -11491,7 +11271,7 @@
           <a:lstStyle/>
           <a:p>
             <a:r>
-              <a:rPr lang="ko-KR" altLang="en-US" sz="2800" b="1" dirty="0" err="1" smtClean="0">
+              <a:rPr lang="ko-KR" altLang="en-US" sz="2800" b="1" dirty="0" err="1">
                 <a:ln w="6600">
                   <a:solidFill>
                     <a:schemeClr val="tx1"/>
@@ -11510,7 +11290,7 @@
               <a:t>코</a:t>
             </a:r>
             <a:r>
-              <a:rPr lang="ko-KR" altLang="en-US" sz="2800" b="1" dirty="0" err="1" smtClean="0">
+              <a:rPr lang="ko-KR" altLang="en-US" sz="2800" b="1" dirty="0" err="1">
                 <a:ln w="6600">
                   <a:solidFill>
                     <a:schemeClr val="tx1"/>
@@ -11529,7 +11309,7 @@
               <a:t>드</a:t>
             </a:r>
             <a:r>
-              <a:rPr lang="ko-KR" altLang="en-US" sz="2800" b="1" dirty="0" err="1" smtClean="0">
+              <a:rPr lang="ko-KR" altLang="en-US" sz="2800" b="1" dirty="0" err="1">
                 <a:ln w="6600">
                   <a:solidFill>
                     <a:schemeClr val="tx1"/>
@@ -11548,7 +11328,7 @@
               <a:t>리</a:t>
             </a:r>
             <a:r>
-              <a:rPr lang="ko-KR" altLang="en-US" sz="2800" b="1" dirty="0" err="1" smtClean="0">
+              <a:rPr lang="ko-KR" altLang="en-US" sz="2800" b="1" dirty="0" err="1">
                 <a:ln w="6600">
                   <a:solidFill>
                     <a:schemeClr val="tx1"/>
@@ -11567,7 +11347,7 @@
               <a:t>뷰</a:t>
             </a:r>
             <a:r>
-              <a:rPr lang="ko-KR" altLang="en-US" sz="2800" b="1" dirty="0" smtClean="0">
+              <a:rPr lang="ko-KR" altLang="en-US" sz="2800" b="1" dirty="0">
                 <a:ln w="6600">
                   <a:solidFill>
                     <a:schemeClr val="tx1"/>
@@ -11586,7 +11366,7 @@
               <a:t> </a:t>
             </a:r>
             <a:r>
-              <a:rPr lang="en-US" altLang="ko-KR" sz="2800" b="1" dirty="0" smtClean="0">
+              <a:rPr lang="en-US" altLang="ko-KR" sz="2800" b="1" dirty="0">
                 <a:ln w="6600">
                   <a:solidFill>
                     <a:schemeClr val="tx1"/>
@@ -11605,7 +11385,7 @@
               <a:t>– search </a:t>
             </a:r>
             <a:r>
-              <a:rPr lang="ko-KR" altLang="en-US" sz="2800" b="1" dirty="0" err="1" smtClean="0">
+              <a:rPr lang="ko-KR" altLang="en-US" sz="2800" b="1" dirty="0" err="1">
                 <a:ln w="6600">
                   <a:solidFill>
                     <a:schemeClr val="tx1"/>
@@ -11624,7 +11404,7 @@
               <a:t>더보기</a:t>
             </a:r>
             <a:r>
-              <a:rPr lang="en-US" altLang="ko-KR" sz="2800" b="1" dirty="0" smtClean="0">
+              <a:rPr lang="en-US" altLang="ko-KR" sz="2800" b="1" dirty="0">
                 <a:ln w="6600">
                   <a:solidFill>
                     <a:schemeClr val="tx1"/>
@@ -11769,13 +11549,6 @@
   <p:clrMapOvr>
     <a:masterClrMapping/>
   </p:clrMapOvr>
-  <p:timing>
-    <p:tnLst>
-      <p:par>
-        <p:cTn id="1" dur="indefinite" restart="never" nodeType="tmRoot"/>
-      </p:par>
-    </p:tnLst>
-  </p:timing>
 </p:sld>
 </file>
 
@@ -11856,7 +11629,7 @@
           <a:lstStyle/>
           <a:p>
             <a:r>
-              <a:rPr lang="ko-KR" altLang="en-US" sz="2800" b="1" dirty="0" err="1" smtClean="0">
+              <a:rPr lang="ko-KR" altLang="en-US" sz="2800" b="1" dirty="0" err="1">
                 <a:ln w="6600">
                   <a:solidFill>
                     <a:schemeClr val="tx1"/>
@@ -11875,7 +11648,7 @@
               <a:t>코</a:t>
             </a:r>
             <a:r>
-              <a:rPr lang="ko-KR" altLang="en-US" sz="2800" b="1" dirty="0" err="1" smtClean="0">
+              <a:rPr lang="ko-KR" altLang="en-US" sz="2800" b="1" dirty="0" err="1">
                 <a:ln w="6600">
                   <a:solidFill>
                     <a:schemeClr val="tx1"/>
@@ -11894,7 +11667,7 @@
               <a:t>드</a:t>
             </a:r>
             <a:r>
-              <a:rPr lang="ko-KR" altLang="en-US" sz="2800" b="1" dirty="0" err="1" smtClean="0">
+              <a:rPr lang="ko-KR" altLang="en-US" sz="2800" b="1" dirty="0" err="1">
                 <a:ln w="6600">
                   <a:solidFill>
                     <a:schemeClr val="tx1"/>
@@ -11913,7 +11686,7 @@
               <a:t>리</a:t>
             </a:r>
             <a:r>
-              <a:rPr lang="ko-KR" altLang="en-US" sz="2800" b="1" dirty="0" err="1" smtClean="0">
+              <a:rPr lang="ko-KR" altLang="en-US" sz="2800" b="1" dirty="0" err="1">
                 <a:ln w="6600">
                   <a:solidFill>
                     <a:schemeClr val="tx1"/>
@@ -11932,7 +11705,7 @@
               <a:t>뷰</a:t>
             </a:r>
             <a:r>
-              <a:rPr lang="ko-KR" altLang="en-US" sz="2800" b="1" dirty="0" smtClean="0">
+              <a:rPr lang="ko-KR" altLang="en-US" sz="2800" b="1" dirty="0">
                 <a:ln w="6600">
                   <a:solidFill>
                     <a:schemeClr val="tx1"/>
@@ -11951,7 +11724,7 @@
               <a:t> </a:t>
             </a:r>
             <a:r>
-              <a:rPr lang="en-US" altLang="ko-KR" sz="2800" b="1" dirty="0" smtClean="0">
+              <a:rPr lang="en-US" altLang="ko-KR" sz="2800" b="1" dirty="0">
                 <a:ln w="6600">
                   <a:solidFill>
                     <a:schemeClr val="tx1"/>
@@ -11970,7 +11743,7 @@
               <a:t>– search </a:t>
             </a:r>
             <a:r>
-              <a:rPr lang="ko-KR" altLang="en-US" sz="2800" b="1" dirty="0" err="1" smtClean="0">
+              <a:rPr lang="ko-KR" altLang="en-US" sz="2800" b="1" dirty="0" err="1">
                 <a:ln w="6600">
                   <a:solidFill>
                     <a:schemeClr val="tx1"/>
@@ -11989,7 +11762,7 @@
               <a:t>더보기</a:t>
             </a:r>
             <a:r>
-              <a:rPr lang="en-US" altLang="ko-KR" sz="2800" b="1" dirty="0" smtClean="0">
+              <a:rPr lang="en-US" altLang="ko-KR" sz="2800" b="1" dirty="0">
                 <a:ln w="6600">
                   <a:solidFill>
                     <a:schemeClr val="tx1"/>
@@ -12134,13 +11907,6 @@
   <p:clrMapOvr>
     <a:masterClrMapping/>
   </p:clrMapOvr>
-  <p:timing>
-    <p:tnLst>
-      <p:par>
-        <p:cTn id="1" dur="indefinite" restart="never" nodeType="tmRoot"/>
-      </p:par>
-    </p:tnLst>
-  </p:timing>
 </p:sld>
 </file>
 
@@ -12221,7 +11987,7 @@
           <a:lstStyle/>
           <a:p>
             <a:r>
-              <a:rPr lang="en-US" altLang="ko-KR" sz="2800" b="1" dirty="0" err="1" smtClean="0">
+              <a:rPr lang="en-US" altLang="ko-KR" sz="2800" b="1" dirty="0" err="1">
                 <a:ln w="6600">
                   <a:solidFill>
                     <a:schemeClr val="tx1"/>
@@ -12240,7 +12006,7 @@
               <a:t>Github</a:t>
             </a:r>
             <a:r>
-              <a:rPr lang="en-US" altLang="ko-KR" sz="2800" b="1" dirty="0" smtClean="0">
+              <a:rPr lang="en-US" altLang="ko-KR" sz="2800" b="1" dirty="0">
                 <a:ln w="6600">
                   <a:solidFill>
                     <a:schemeClr val="tx1"/>
@@ -12259,7 +12025,7 @@
               <a:t> </a:t>
             </a:r>
             <a:r>
-              <a:rPr lang="ko-KR" altLang="en-US" sz="2800" b="1" dirty="0" smtClean="0">
+              <a:rPr lang="ko-KR" altLang="en-US" sz="2800" b="1" dirty="0">
                 <a:ln w="6600">
                   <a:solidFill>
                     <a:schemeClr val="tx1"/>
@@ -12277,7 +12043,7 @@
               </a:rPr>
               <a:t>사용</a:t>
             </a:r>
-            <a:endParaRPr lang="en-US" altLang="ko-KR" sz="2800" b="1" dirty="0" smtClean="0">
+            <a:endParaRPr lang="en-US" altLang="ko-KR" sz="2800" b="1" dirty="0">
               <a:ln w="6600">
                 <a:solidFill>
                   <a:schemeClr val="tx1"/>
@@ -12447,31 +12213,31 @@
           <a:lstStyle/>
           <a:p>
             <a:r>
-              <a:rPr lang="en-US" altLang="ko-KR" dirty="0" err="1" smtClean="0"/>
+              <a:rPr lang="en-US" altLang="ko-KR" dirty="0" err="1"/>
               <a:t>Git</a:t>
             </a:r>
             <a:r>
-              <a:rPr lang="ko-KR" altLang="en-US" dirty="0" smtClean="0"/>
+              <a:rPr lang="ko-KR" altLang="en-US" dirty="0"/>
               <a:t>을 사용하여 버전 관리 </a:t>
             </a:r>
             <a:r>
-              <a:rPr lang="en-US" altLang="ko-KR" dirty="0" smtClean="0"/>
+              <a:rPr lang="en-US" altLang="ko-KR" dirty="0"/>
               <a:t>-&gt; branch </a:t>
             </a:r>
             <a:r>
-              <a:rPr lang="ko-KR" altLang="en-US" dirty="0" smtClean="0"/>
+              <a:rPr lang="ko-KR" altLang="en-US" dirty="0"/>
               <a:t>개념</a:t>
             </a:r>
             <a:r>
-              <a:rPr lang="en-US" altLang="ko-KR" dirty="0" smtClean="0"/>
+              <a:rPr lang="en-US" altLang="ko-KR" dirty="0"/>
               <a:t>, merge, pull request </a:t>
             </a:r>
             <a:r>
-              <a:rPr lang="ko-KR" altLang="en-US" dirty="0" smtClean="0"/>
+              <a:rPr lang="ko-KR" altLang="en-US" dirty="0"/>
               <a:t>사용법 숙지</a:t>
             </a:r>
             <a:r>
-              <a:rPr lang="en-US" altLang="ko-KR" dirty="0" smtClean="0"/>
+              <a:rPr lang="en-US" altLang="ko-KR" dirty="0"/>
               <a:t>!</a:t>
             </a:r>
             <a:endParaRPr lang="ko-KR" altLang="en-US" dirty="0"/>
@@ -12512,13 +12278,6 @@
   <p:clrMapOvr>
     <a:masterClrMapping/>
   </p:clrMapOvr>
-  <p:timing>
-    <p:tnLst>
-      <p:par>
-        <p:cTn id="1" dur="indefinite" restart="never" nodeType="tmRoot"/>
-      </p:par>
-    </p:tnLst>
-  </p:timing>
 </p:sld>
 </file>
 
@@ -12637,7 +12396,7 @@
               <a:t> </a:t>
             </a:r>
             <a:r>
-              <a:rPr lang="ko-KR" altLang="en-US" sz="2800" b="1" dirty="0" smtClean="0">
+              <a:rPr lang="ko-KR" altLang="en-US" sz="2800" b="1" dirty="0">
                 <a:ln w="6600">
                   <a:solidFill>
                     <a:schemeClr val="tx1"/>
@@ -12656,7 +12415,7 @@
               <a:t>사용 </a:t>
             </a:r>
             <a:r>
-              <a:rPr lang="en-US" altLang="ko-KR" sz="2800" b="1" dirty="0" smtClean="0">
+              <a:rPr lang="en-US" altLang="ko-KR" sz="2800" b="1" dirty="0">
                 <a:ln w="6600">
                   <a:solidFill>
                     <a:schemeClr val="tx1"/>
@@ -12675,7 +12434,7 @@
               <a:t>– branch </a:t>
             </a:r>
             <a:r>
-              <a:rPr lang="ko-KR" altLang="en-US" sz="2800" b="1" dirty="0" smtClean="0">
+              <a:rPr lang="ko-KR" altLang="en-US" sz="2800" b="1" dirty="0">
                 <a:ln w="6600">
                   <a:solidFill>
                     <a:schemeClr val="tx1"/>
@@ -13004,18 +12763,13 @@
           <a:lstStyle/>
           <a:p>
             <a:r>
-              <a:rPr lang="ko-KR" altLang="en-US" sz="3200" dirty="0" smtClean="0">
+              <a:rPr lang="ko-KR" altLang="en-US" sz="3200" dirty="0">
                 <a:solidFill>
                   <a:srgbClr val="00B050"/>
                 </a:solidFill>
               </a:rPr>
               <a:t>아뿔싸</a:t>
             </a:r>
-            <a:endParaRPr lang="ko-KR" altLang="en-US" sz="3200" dirty="0">
-              <a:solidFill>
-                <a:srgbClr val="00B050"/>
-              </a:solidFill>
-            </a:endParaRPr>
           </a:p>
         </p:txBody>
       </p:sp>
@@ -13042,42 +12796,42 @@
           <a:lstStyle/>
           <a:p>
             <a:r>
-              <a:rPr lang="ko-KR" altLang="en-US" dirty="0" smtClean="0"/>
+              <a:rPr lang="ko-KR" altLang="en-US" dirty="0"/>
               <a:t>분기를 나누어야 할 때 </a:t>
             </a:r>
             <a:r>
-              <a:rPr lang="en-US" altLang="ko-KR" dirty="0" smtClean="0"/>
+              <a:rPr lang="en-US" altLang="ko-KR" dirty="0"/>
               <a:t>branch</a:t>
             </a:r>
             <a:r>
-              <a:rPr lang="ko-KR" altLang="en-US" dirty="0" smtClean="0"/>
+              <a:rPr lang="ko-KR" altLang="en-US" dirty="0"/>
               <a:t>를 </a:t>
             </a:r>
             <a:r>
-              <a:rPr lang="ko-KR" altLang="en-US" dirty="0" err="1" smtClean="0"/>
+              <a:rPr lang="ko-KR" altLang="en-US" dirty="0" err="1"/>
               <a:t>생성했어야</a:t>
             </a:r>
             <a:r>
-              <a:rPr lang="ko-KR" altLang="en-US" dirty="0" smtClean="0"/>
+              <a:rPr lang="ko-KR" altLang="en-US" dirty="0"/>
               <a:t> 했는데</a:t>
             </a:r>
-            <a:endParaRPr lang="en-US" altLang="ko-KR" dirty="0" smtClean="0"/>
-          </a:p>
-          <a:p>
-            <a:r>
-              <a:rPr lang="ko-KR" altLang="en-US" dirty="0" smtClean="0"/>
+            <a:endParaRPr lang="en-US" altLang="ko-KR" dirty="0"/>
+          </a:p>
+          <a:p>
+            <a:r>
+              <a:rPr lang="ko-KR" altLang="en-US" dirty="0"/>
               <a:t>처음에 만들어 놨음</a:t>
             </a:r>
             <a:r>
-              <a:rPr lang="en-US" altLang="ko-KR" dirty="0" smtClean="0"/>
+              <a:rPr lang="en-US" altLang="ko-KR" dirty="0"/>
               <a:t>….</a:t>
             </a:r>
             <a:r>
-              <a:rPr lang="ko-KR" altLang="en-US" dirty="0" smtClean="0"/>
+              <a:rPr lang="ko-KR" altLang="en-US" dirty="0"/>
               <a:t>나의 </a:t>
             </a:r>
             <a:r>
-              <a:rPr lang="en-US" altLang="ko-KR" dirty="0" smtClean="0"/>
+              <a:rPr lang="en-US" altLang="ko-KR" dirty="0"/>
               <a:t>mistake</a:t>
             </a:r>
             <a:endParaRPr lang="ko-KR" altLang="en-US" dirty="0"/>
@@ -13094,13 +12848,6 @@
   <p:clrMapOvr>
     <a:masterClrMapping/>
   </p:clrMapOvr>
-  <p:timing>
-    <p:tnLst>
-      <p:par>
-        <p:cTn id="1" dur="indefinite" restart="never" nodeType="tmRoot"/>
-      </p:par>
-    </p:tnLst>
-  </p:timing>
 </p:sld>
 </file>
 
@@ -13181,7 +12928,7 @@
           <a:lstStyle/>
           <a:p>
             <a:r>
-              <a:rPr lang="ko-KR" altLang="en-US" sz="2800" b="1" dirty="0" err="1" smtClean="0">
+              <a:rPr lang="en-US" altLang="ko-KR" sz="2800" b="1" dirty="0" err="1">
                 <a:ln w="6600">
                   <a:solidFill>
                     <a:schemeClr val="tx1"/>
@@ -13197,9 +12944,85 @@
                   </a:outerShdw>
                 </a:effectLst>
               </a:rPr>
-              <a:t>느낀점</a:t>
-            </a:r>
-            <a:endParaRPr lang="en-US" altLang="ko-KR" sz="2800" b="1" dirty="0" smtClean="0">
+              <a:t>Github</a:t>
+            </a:r>
+            <a:r>
+              <a:rPr lang="en-US" altLang="ko-KR" sz="2800" b="1" dirty="0">
+                <a:ln w="6600">
+                  <a:solidFill>
+                    <a:schemeClr val="tx1"/>
+                  </a:solidFill>
+                  <a:prstDash val="solid"/>
+                </a:ln>
+                <a:solidFill>
+                  <a:srgbClr val="008DF6"/>
+                </a:solidFill>
+                <a:effectLst>
+                  <a:outerShdw dist="38100" dir="2700000" algn="tl" rotWithShape="0">
+                    <a:schemeClr val="accent2"/>
+                  </a:outerShdw>
+                </a:effectLst>
+              </a:rPr>
+              <a:t> </a:t>
+            </a:r>
+            <a:r>
+              <a:rPr lang="ko-KR" altLang="en-US" sz="2800" b="1" dirty="0">
+                <a:ln w="6600">
+                  <a:solidFill>
+                    <a:schemeClr val="tx1"/>
+                  </a:solidFill>
+                  <a:prstDash val="solid"/>
+                </a:ln>
+                <a:solidFill>
+                  <a:srgbClr val="008DF6"/>
+                </a:solidFill>
+                <a:effectLst>
+                  <a:outerShdw dist="38100" dir="2700000" algn="tl" rotWithShape="0">
+                    <a:schemeClr val="accent2"/>
+                  </a:outerShdw>
+                </a:effectLst>
+              </a:rPr>
+              <a:t>사용 </a:t>
+            </a:r>
+            <a:r>
+              <a:rPr lang="en-US" altLang="ko-KR" sz="2800" b="1" dirty="0">
+                <a:ln w="6600">
+                  <a:solidFill>
+                    <a:schemeClr val="tx1"/>
+                  </a:solidFill>
+                  <a:prstDash val="solid"/>
+                </a:ln>
+                <a:solidFill>
+                  <a:srgbClr val="008DF6"/>
+                </a:solidFill>
+                <a:effectLst>
+                  <a:outerShdw dist="38100" dir="2700000" algn="tl" rotWithShape="0">
+                    <a:schemeClr val="accent2"/>
+                  </a:outerShdw>
+                </a:effectLst>
+              </a:rPr>
+              <a:t>– branch </a:t>
+            </a:r>
+            <a:r>
+              <a:rPr lang="ko-KR" altLang="en-US" sz="2800" b="1" dirty="0">
+                <a:ln w="6600">
+                  <a:solidFill>
+                    <a:schemeClr val="tx1"/>
+                  </a:solidFill>
+                  <a:prstDash val="solid"/>
+                </a:ln>
+                <a:solidFill>
+                  <a:srgbClr val="008DF6"/>
+                </a:solidFill>
+                <a:effectLst>
+                  <a:outerShdw dist="38100" dir="2700000" algn="tl" rotWithShape="0">
+                    <a:schemeClr val="accent2"/>
+                  </a:outerShdw>
+                </a:effectLst>
+              </a:rPr>
+              <a:t>개념</a:t>
+            </a:r>
+            <a:endParaRPr lang="en-US" altLang="ko-KR" sz="2800" b="1" dirty="0">
               <a:ln w="6600">
                 <a:solidFill>
                   <a:schemeClr val="tx1"/>
@@ -13290,8 +13113,8 @@
         </p:blipFill>
         <p:spPr bwMode="auto">
           <a:xfrm>
-            <a:off x="9406881" y="5687650"/>
-            <a:ext cx="1033869" cy="1003889"/>
+            <a:off x="9328557" y="4112833"/>
+            <a:ext cx="2713017" cy="2634346"/>
           </a:xfrm>
           <a:prstGeom prst="rect">
             <a:avLst/>
@@ -13308,203 +13131,46 @@
           </a:extLst>
         </p:spPr>
       </p:pic>
-      <p:sp>
-        <p:nvSpPr>
-          <p:cNvPr id="2" name="TextBox 1"/>
-          <p:cNvSpPr txBox="1"/>
-          <p:nvPr/>
-        </p:nvSpPr>
+      <p:pic>
+        <p:nvPicPr>
+          <p:cNvPr id="10" name="그림 9">
+            <a:extLst>
+              <a:ext uri="{FF2B5EF4-FFF2-40B4-BE49-F238E27FC236}">
+                <a16:creationId xmlns:a16="http://schemas.microsoft.com/office/drawing/2014/main" id="{4FE5D755-5CFC-4119-86A1-B5371B962CF5}"/>
+              </a:ext>
+            </a:extLst>
+          </p:cNvPr>
+          <p:cNvPicPr>
+            <a:picLocks noChangeAspect="1"/>
+          </p:cNvPicPr>
+          <p:nvPr/>
+        </p:nvPicPr>
+        <p:blipFill>
+          <a:blip r:embed="rId4"/>
+          <a:stretch>
+            <a:fillRect/>
+          </a:stretch>
+        </p:blipFill>
         <p:spPr>
           <a:xfrm>
-            <a:off x="833718" y="1165412"/>
-            <a:ext cx="9607032" cy="2862322"/>
+            <a:off x="1797079" y="952413"/>
+            <a:ext cx="7917372" cy="4639626"/>
           </a:xfrm>
           <a:prstGeom prst="rect">
             <a:avLst/>
           </a:prstGeom>
-          <a:noFill/>
-        </p:spPr>
-        <p:txBody>
-          <a:bodyPr wrap="square" rtlCol="0">
-            <a:spAutoFit/>
-          </a:bodyPr>
-          <a:lstStyle/>
-          <a:p>
-            <a:pPr marL="285750" indent="-285750">
-              <a:buFontTx/>
-              <a:buChar char="-"/>
-            </a:pPr>
-            <a:r>
-              <a:rPr lang="en-US" altLang="ko-KR" dirty="0" smtClean="0"/>
-              <a:t>DB </a:t>
-            </a:r>
-            <a:r>
-              <a:rPr lang="ko-KR" altLang="en-US" dirty="0" smtClean="0"/>
-              <a:t>연결은 연결을 위한 패키지 추가와 간단한 </a:t>
-            </a:r>
-            <a:r>
-              <a:rPr lang="en-US" altLang="ko-KR" dirty="0" smtClean="0"/>
-              <a:t>JAVA </a:t>
-            </a:r>
-            <a:r>
-              <a:rPr lang="ko-KR" altLang="en-US" dirty="0" smtClean="0"/>
-              <a:t>코드로 구현이 가능해서 쉬웠다</a:t>
-            </a:r>
-            <a:endParaRPr lang="en-US" altLang="ko-KR" dirty="0" smtClean="0"/>
-          </a:p>
-          <a:p>
-            <a:r>
-              <a:rPr lang="en-US" altLang="ko-KR" dirty="0" smtClean="0"/>
-              <a:t>    &gt; localhost</a:t>
-            </a:r>
-            <a:r>
-              <a:rPr lang="ko-KR" altLang="en-US" dirty="0" smtClean="0"/>
-              <a:t>의 연결은 쉬웠으나 외부에 </a:t>
-            </a:r>
-            <a:r>
-              <a:rPr lang="en-US" altLang="ko-KR" dirty="0" smtClean="0"/>
-              <a:t>server</a:t>
-            </a:r>
-            <a:r>
-              <a:rPr lang="ko-KR" altLang="en-US" dirty="0" smtClean="0"/>
-              <a:t>를 만든다고 가정했을 때 연결하기가 </a:t>
-            </a:r>
-            <a:endParaRPr lang="en-US" altLang="ko-KR" dirty="0"/>
-          </a:p>
-          <a:p>
-            <a:r>
-              <a:rPr lang="en-US" altLang="ko-KR" dirty="0" smtClean="0"/>
-              <a:t>      </a:t>
-            </a:r>
-            <a:r>
-              <a:rPr lang="ko-KR" altLang="en-US" dirty="0" smtClean="0"/>
-              <a:t>어려웠음</a:t>
-            </a:r>
-            <a:r>
-              <a:rPr lang="en-US" altLang="ko-KR" dirty="0" smtClean="0"/>
-              <a:t>.</a:t>
-            </a:r>
-          </a:p>
-          <a:p>
-            <a:endParaRPr lang="en-US" altLang="ko-KR" dirty="0" smtClean="0"/>
-          </a:p>
-          <a:p>
-            <a:r>
-              <a:rPr lang="en-US" altLang="ko-KR" dirty="0" smtClean="0"/>
-              <a:t>- </a:t>
-            </a:r>
-            <a:r>
-              <a:rPr lang="ko-KR" altLang="en-US" dirty="0" err="1" smtClean="0"/>
-              <a:t>쿼리문은</a:t>
-            </a:r>
-            <a:r>
-              <a:rPr lang="ko-KR" altLang="en-US" dirty="0" smtClean="0"/>
-              <a:t> 조인</a:t>
-            </a:r>
-            <a:r>
-              <a:rPr lang="en-US" altLang="ko-KR" dirty="0" smtClean="0"/>
-              <a:t>, group by, having </a:t>
-            </a:r>
-            <a:r>
-              <a:rPr lang="ko-KR" altLang="en-US" dirty="0" smtClean="0"/>
-              <a:t>같은 옵션은 쓰지 않고 간단하게 </a:t>
-            </a:r>
-            <a:r>
-              <a:rPr lang="en-US" altLang="ko-KR" dirty="0" smtClean="0"/>
-              <a:t>where </a:t>
-            </a:r>
-            <a:r>
-              <a:rPr lang="ko-KR" altLang="en-US" dirty="0" smtClean="0"/>
-              <a:t>절만 사용했기  </a:t>
-            </a:r>
-            <a:endParaRPr lang="en-US" altLang="ko-KR" dirty="0" smtClean="0"/>
-          </a:p>
-          <a:p>
-            <a:r>
-              <a:rPr lang="en-US" altLang="ko-KR" dirty="0"/>
-              <a:t> </a:t>
-            </a:r>
-            <a:r>
-              <a:rPr lang="en-US" altLang="ko-KR" dirty="0" smtClean="0"/>
-              <a:t> </a:t>
-            </a:r>
-            <a:r>
-              <a:rPr lang="ko-KR" altLang="en-US" dirty="0" smtClean="0"/>
-              <a:t>때문에 다른 옵션은 언제 사용하는지 모르겠음</a:t>
-            </a:r>
-            <a:endParaRPr lang="en-US" altLang="ko-KR" dirty="0" smtClean="0"/>
-          </a:p>
-          <a:p>
-            <a:endParaRPr lang="en-US" altLang="ko-KR" dirty="0"/>
-          </a:p>
-          <a:p>
-            <a:pPr marL="285750" indent="-285750">
-              <a:buFontTx/>
-              <a:buChar char="-"/>
-            </a:pPr>
-            <a:r>
-              <a:rPr lang="en-US" altLang="ko-KR" dirty="0" err="1" smtClean="0"/>
-              <a:t>Github</a:t>
-            </a:r>
-            <a:r>
-              <a:rPr lang="en-US" altLang="ko-KR" dirty="0" smtClean="0"/>
-              <a:t> </a:t>
-            </a:r>
-            <a:r>
-              <a:rPr lang="ko-KR" altLang="en-US" dirty="0" smtClean="0"/>
-              <a:t>협업은 처음이라 초반에 어려웠었음</a:t>
-            </a:r>
-            <a:endParaRPr lang="en-US" altLang="ko-KR" dirty="0" smtClean="0"/>
-          </a:p>
-          <a:p>
-            <a:r>
-              <a:rPr lang="en-US" altLang="ko-KR" dirty="0"/>
-              <a:t> </a:t>
-            </a:r>
-            <a:r>
-              <a:rPr lang="en-US" altLang="ko-KR" dirty="0" smtClean="0"/>
-              <a:t>    -&gt; pull</a:t>
-            </a:r>
-            <a:r>
-              <a:rPr lang="ko-KR" altLang="en-US" dirty="0" smtClean="0"/>
-              <a:t>의 중요성</a:t>
-            </a:r>
-            <a:r>
-              <a:rPr lang="en-US" altLang="ko-KR" dirty="0" smtClean="0"/>
-              <a:t>, branch </a:t>
-            </a:r>
-            <a:r>
-              <a:rPr lang="ko-KR" altLang="en-US" dirty="0" smtClean="0"/>
-              <a:t>나눠서 사용하기</a:t>
-            </a:r>
-            <a:endParaRPr lang="en-US" altLang="ko-KR" dirty="0" smtClean="0"/>
-          </a:p>
-          <a:p>
-            <a:r>
-              <a:rPr lang="ko-KR" altLang="en-US" dirty="0" smtClean="0"/>
-              <a:t> </a:t>
-            </a:r>
-            <a:endParaRPr lang="ko-KR" altLang="en-US" dirty="0"/>
-          </a:p>
-        </p:txBody>
-      </p:sp>
+        </p:spPr>
+      </p:pic>
     </p:spTree>
     <p:extLst>
       <p:ext uri="{BB962C8B-B14F-4D97-AF65-F5344CB8AC3E}">
-        <p14:creationId xmlns:p14="http://schemas.microsoft.com/office/powerpoint/2010/main" val="1081975947"/>
+        <p14:creationId xmlns:p14="http://schemas.microsoft.com/office/powerpoint/2010/main" val="3488513105"/>
       </p:ext>
     </p:extLst>
   </p:cSld>
   <p:clrMapOvr>
     <a:masterClrMapping/>
   </p:clrMapOvr>
-  <p:timing>
-    <p:tnLst>
-      <p:par>
-        <p:cTn id="1" dur="indefinite" restart="never" nodeType="tmRoot"/>
-      </p:par>
-    </p:tnLst>
-  </p:timing>
 </p:sld>
 </file>
 
@@ -13585,7 +13251,395 @@
           <a:lstStyle/>
           <a:p>
             <a:r>
-              <a:rPr lang="ko-KR" altLang="en-US" sz="2800" b="1" dirty="0" smtClean="0">
+              <a:rPr lang="ko-KR" altLang="en-US" sz="2800" b="1" dirty="0" err="1">
+                <a:ln w="6600">
+                  <a:solidFill>
+                    <a:schemeClr val="tx1"/>
+                  </a:solidFill>
+                  <a:prstDash val="solid"/>
+                </a:ln>
+                <a:solidFill>
+                  <a:srgbClr val="008DF6"/>
+                </a:solidFill>
+                <a:effectLst>
+                  <a:outerShdw dist="38100" dir="2700000" algn="tl" rotWithShape="0">
+                    <a:schemeClr val="accent2"/>
+                  </a:outerShdw>
+                </a:effectLst>
+              </a:rPr>
+              <a:t>느낀점</a:t>
+            </a:r>
+            <a:endParaRPr lang="en-US" altLang="ko-KR" sz="2800" b="1" dirty="0">
+              <a:ln w="6600">
+                <a:solidFill>
+                  <a:schemeClr val="tx1"/>
+                </a:solidFill>
+                <a:prstDash val="solid"/>
+              </a:ln>
+              <a:solidFill>
+                <a:srgbClr val="008DF6"/>
+              </a:solidFill>
+              <a:effectLst>
+                <a:outerShdw dist="38100" dir="2700000" algn="tl" rotWithShape="0">
+                  <a:schemeClr val="accent2"/>
+                </a:outerShdw>
+              </a:effectLst>
+            </a:endParaRPr>
+          </a:p>
+        </p:txBody>
+      </p:sp>
+      <p:pic>
+        <p:nvPicPr>
+          <p:cNvPr id="12" name="Picture 2" descr="D-171] 공부 끝 - 오르비">
+            <a:extLst>
+              <a:ext uri="{FF2B5EF4-FFF2-40B4-BE49-F238E27FC236}">
+                <a16:creationId xmlns:a16="http://schemas.microsoft.com/office/drawing/2014/main" id="{C262696C-9B37-4A14-874E-2DF20C13730D}"/>
+              </a:ext>
+            </a:extLst>
+          </p:cNvPr>
+          <p:cNvPicPr>
+            <a:picLocks noChangeAspect="1" noChangeArrowheads="1"/>
+          </p:cNvPicPr>
+          <p:nvPr/>
+        </p:nvPicPr>
+        <p:blipFill rotWithShape="1">
+          <a:blip r:embed="rId2" cstate="hqprint">
+            <a:extLst>
+              <a:ext uri="{28A0092B-C50C-407E-A947-70E740481C1C}">
+                <a14:useLocalDpi xmlns:a14="http://schemas.microsoft.com/office/drawing/2010/main" val="0"/>
+              </a:ext>
+            </a:extLst>
+          </a:blip>
+          <a:srcRect l="33059"/>
+          <a:stretch/>
+        </p:blipFill>
+        <p:spPr bwMode="auto">
+          <a:xfrm>
+            <a:off x="0" y="136207"/>
+            <a:ext cx="601162" cy="583729"/>
+          </a:xfrm>
+          <a:prstGeom prst="rect">
+            <a:avLst/>
+          </a:prstGeom>
+          <a:noFill/>
+          <a:extLst>
+            <a:ext uri="{909E8E84-426E-40DD-AFC4-6F175D3DCCD1}">
+              <a14:hiddenFill xmlns:a14="http://schemas.microsoft.com/office/drawing/2010/main">
+                <a:solidFill>
+                  <a:srgbClr val="FFFFFF"/>
+                </a:solidFill>
+              </a14:hiddenFill>
+            </a:ext>
+          </a:extLst>
+        </p:spPr>
+      </p:pic>
+      <p:pic>
+        <p:nvPicPr>
+          <p:cNvPr id="13" name="Picture 2" descr="D-171] 공부 끝 - 오르비">
+            <a:extLst>
+              <a:ext uri="{FF2B5EF4-FFF2-40B4-BE49-F238E27FC236}">
+                <a16:creationId xmlns:a16="http://schemas.microsoft.com/office/drawing/2014/main" id="{9D71B640-D03D-47B0-B7F4-A5926D65A3C8}"/>
+              </a:ext>
+            </a:extLst>
+          </p:cNvPr>
+          <p:cNvPicPr>
+            <a:picLocks noChangeAspect="1" noChangeArrowheads="1"/>
+          </p:cNvPicPr>
+          <p:nvPr/>
+        </p:nvPicPr>
+        <p:blipFill rotWithShape="1">
+          <a:blip r:embed="rId3" cstate="hqprint">
+            <a:extLst>
+              <a:ext uri="{28A0092B-C50C-407E-A947-70E740481C1C}">
+                <a14:useLocalDpi xmlns:a14="http://schemas.microsoft.com/office/drawing/2010/main" val="0"/>
+              </a:ext>
+            </a:extLst>
+          </a:blip>
+          <a:srcRect l="33059"/>
+          <a:stretch/>
+        </p:blipFill>
+        <p:spPr bwMode="auto">
+          <a:xfrm>
+            <a:off x="9406881" y="5687650"/>
+            <a:ext cx="1033869" cy="1003889"/>
+          </a:xfrm>
+          <a:prstGeom prst="rect">
+            <a:avLst/>
+          </a:prstGeom>
+          <a:noFill/>
+          <a:extLst>
+            <a:ext uri="{909E8E84-426E-40DD-AFC4-6F175D3DCCD1}">
+              <a14:hiddenFill xmlns:a14="http://schemas.microsoft.com/office/drawing/2010/main">
+                <a:solidFill>
+                  <a:srgbClr val="FFFFFF"/>
+                </a:solidFill>
+              </a14:hiddenFill>
+            </a:ext>
+          </a:extLst>
+        </p:spPr>
+      </p:pic>
+      <p:sp>
+        <p:nvSpPr>
+          <p:cNvPr id="2" name="TextBox 1"/>
+          <p:cNvSpPr txBox="1"/>
+          <p:nvPr/>
+        </p:nvSpPr>
+        <p:spPr>
+          <a:xfrm>
+            <a:off x="833718" y="1165412"/>
+            <a:ext cx="9607032" cy="2862322"/>
+          </a:xfrm>
+          <a:prstGeom prst="rect">
+            <a:avLst/>
+          </a:prstGeom>
+          <a:noFill/>
+        </p:spPr>
+        <p:txBody>
+          <a:bodyPr wrap="square" rtlCol="0">
+            <a:spAutoFit/>
+          </a:bodyPr>
+          <a:lstStyle/>
+          <a:p>
+            <a:pPr marL="285750" indent="-285750">
+              <a:buFontTx/>
+              <a:buChar char="-"/>
+            </a:pPr>
+            <a:r>
+              <a:rPr lang="en-US" altLang="ko-KR" dirty="0"/>
+              <a:t>DB </a:t>
+            </a:r>
+            <a:r>
+              <a:rPr lang="ko-KR" altLang="en-US" dirty="0"/>
+              <a:t>연결은 연결을 위한 패키지 추가와 간단한 </a:t>
+            </a:r>
+            <a:r>
+              <a:rPr lang="en-US" altLang="ko-KR" dirty="0"/>
+              <a:t>JAVA </a:t>
+            </a:r>
+            <a:r>
+              <a:rPr lang="ko-KR" altLang="en-US" dirty="0"/>
+              <a:t>코드로 구현이 가능해서 쉬웠다</a:t>
+            </a:r>
+            <a:endParaRPr lang="en-US" altLang="ko-KR" dirty="0"/>
+          </a:p>
+          <a:p>
+            <a:r>
+              <a:rPr lang="en-US" altLang="ko-KR" dirty="0"/>
+              <a:t>    &gt; localhost</a:t>
+            </a:r>
+            <a:r>
+              <a:rPr lang="ko-KR" altLang="en-US" dirty="0"/>
+              <a:t>의 연결은 쉬웠으나 외부에 </a:t>
+            </a:r>
+            <a:r>
+              <a:rPr lang="en-US" altLang="ko-KR" dirty="0"/>
+              <a:t>server</a:t>
+            </a:r>
+            <a:r>
+              <a:rPr lang="ko-KR" altLang="en-US" dirty="0"/>
+              <a:t>를 만든다고 가정했을 때 연결하기가 </a:t>
+            </a:r>
+            <a:endParaRPr lang="en-US" altLang="ko-KR" dirty="0"/>
+          </a:p>
+          <a:p>
+            <a:r>
+              <a:rPr lang="en-US" altLang="ko-KR" dirty="0"/>
+              <a:t>      </a:t>
+            </a:r>
+            <a:r>
+              <a:rPr lang="ko-KR" altLang="en-US" dirty="0"/>
+              <a:t>어려웠음</a:t>
+            </a:r>
+            <a:r>
+              <a:rPr lang="en-US" altLang="ko-KR" dirty="0"/>
+              <a:t>.</a:t>
+            </a:r>
+          </a:p>
+          <a:p>
+            <a:endParaRPr lang="en-US" altLang="ko-KR" dirty="0"/>
+          </a:p>
+          <a:p>
+            <a:r>
+              <a:rPr lang="en-US" altLang="ko-KR" dirty="0"/>
+              <a:t>- </a:t>
+            </a:r>
+            <a:r>
+              <a:rPr lang="ko-KR" altLang="en-US" dirty="0" err="1"/>
+              <a:t>쿼리문은</a:t>
+            </a:r>
+            <a:r>
+              <a:rPr lang="ko-KR" altLang="en-US" dirty="0"/>
+              <a:t> 조인</a:t>
+            </a:r>
+            <a:r>
+              <a:rPr lang="en-US" altLang="ko-KR" dirty="0"/>
+              <a:t>, group by, having </a:t>
+            </a:r>
+            <a:r>
+              <a:rPr lang="ko-KR" altLang="en-US" dirty="0"/>
+              <a:t>같은 옵션은 쓰지 않고 간단하게 </a:t>
+            </a:r>
+            <a:r>
+              <a:rPr lang="en-US" altLang="ko-KR" dirty="0"/>
+              <a:t>where </a:t>
+            </a:r>
+            <a:r>
+              <a:rPr lang="ko-KR" altLang="en-US" dirty="0"/>
+              <a:t>절만 사용했기  </a:t>
+            </a:r>
+            <a:endParaRPr lang="en-US" altLang="ko-KR" dirty="0"/>
+          </a:p>
+          <a:p>
+            <a:r>
+              <a:rPr lang="en-US" altLang="ko-KR" dirty="0"/>
+              <a:t>  </a:t>
+            </a:r>
+            <a:r>
+              <a:rPr lang="ko-KR" altLang="en-US" dirty="0"/>
+              <a:t>때문에 다른 옵션은 언제 사용하는지 모르겠음</a:t>
+            </a:r>
+            <a:endParaRPr lang="en-US" altLang="ko-KR" dirty="0"/>
+          </a:p>
+          <a:p>
+            <a:endParaRPr lang="en-US" altLang="ko-KR" dirty="0"/>
+          </a:p>
+          <a:p>
+            <a:pPr marL="285750" indent="-285750">
+              <a:buFontTx/>
+              <a:buChar char="-"/>
+            </a:pPr>
+            <a:r>
+              <a:rPr lang="en-US" altLang="ko-KR" dirty="0" err="1"/>
+              <a:t>Github</a:t>
+            </a:r>
+            <a:r>
+              <a:rPr lang="en-US" altLang="ko-KR" dirty="0"/>
+              <a:t> </a:t>
+            </a:r>
+            <a:r>
+              <a:rPr lang="ko-KR" altLang="en-US" dirty="0"/>
+              <a:t>협업은 처음이라 초반에 어려웠었음</a:t>
+            </a:r>
+            <a:endParaRPr lang="en-US" altLang="ko-KR" dirty="0"/>
+          </a:p>
+          <a:p>
+            <a:r>
+              <a:rPr lang="en-US" altLang="ko-KR" dirty="0"/>
+              <a:t>     -&gt; pull</a:t>
+            </a:r>
+            <a:r>
+              <a:rPr lang="ko-KR" altLang="en-US" dirty="0"/>
+              <a:t>의 중요성</a:t>
+            </a:r>
+            <a:r>
+              <a:rPr lang="en-US" altLang="ko-KR" dirty="0"/>
+              <a:t>, branch </a:t>
+            </a:r>
+            <a:r>
+              <a:rPr lang="ko-KR" altLang="en-US" dirty="0"/>
+              <a:t>나눠서 사용하기</a:t>
+            </a:r>
+            <a:endParaRPr lang="en-US" altLang="ko-KR" dirty="0"/>
+          </a:p>
+          <a:p>
+            <a:r>
+              <a:rPr lang="ko-KR" altLang="en-US" dirty="0"/>
+              <a:t> </a:t>
+            </a:r>
+          </a:p>
+        </p:txBody>
+      </p:sp>
+    </p:spTree>
+    <p:extLst>
+      <p:ext uri="{BB962C8B-B14F-4D97-AF65-F5344CB8AC3E}">
+        <p14:creationId xmlns:p14="http://schemas.microsoft.com/office/powerpoint/2010/main" val="1081975947"/>
+      </p:ext>
+    </p:extLst>
+  </p:cSld>
+  <p:clrMapOvr>
+    <a:masterClrMapping/>
+  </p:clrMapOvr>
+</p:sld>
+</file>
+
+<file path=ppt/slides/slide29.xml><?xml version="1.0" encoding="utf-8"?>
+<p:sld xmlns:a="http://schemas.openxmlformats.org/drawingml/2006/main" xmlns:r="http://schemas.openxmlformats.org/officeDocument/2006/relationships" xmlns:p="http://schemas.openxmlformats.org/presentationml/2006/main">
+  <p:cSld>
+    <p:bg>
+      <p:bgPr>
+        <a:gradFill>
+          <a:gsLst>
+            <a:gs pos="18000">
+              <a:srgbClr val="FFC95D"/>
+            </a:gs>
+            <a:gs pos="0">
+              <a:srgbClr val="F5856F"/>
+            </a:gs>
+            <a:gs pos="35000">
+              <a:srgbClr val="FEFE6E"/>
+            </a:gs>
+            <a:gs pos="67000">
+              <a:srgbClr val="72D6FA"/>
+            </a:gs>
+            <a:gs pos="52000">
+              <a:srgbClr val="B4F999"/>
+            </a:gs>
+            <a:gs pos="100000">
+              <a:srgbClr val="FB71B6"/>
+            </a:gs>
+            <a:gs pos="83000">
+              <a:srgbClr val="6D7BFF"/>
+            </a:gs>
+          </a:gsLst>
+          <a:lin ang="2700000" scaled="1"/>
+        </a:gradFill>
+        <a:effectLst/>
+      </p:bgPr>
+    </p:bg>
+    <p:spTree>
+      <p:nvGrpSpPr>
+        <p:cNvPr id="1" name=""/>
+        <p:cNvGrpSpPr/>
+        <p:nvPr/>
+      </p:nvGrpSpPr>
+      <p:grpSpPr>
+        <a:xfrm>
+          <a:off x="0" y="0"/>
+          <a:ext cx="0" cy="0"/>
+          <a:chOff x="0" y="0"/>
+          <a:chExt cx="0" cy="0"/>
+        </a:xfrm>
+      </p:grpSpPr>
+      <p:sp>
+        <p:nvSpPr>
+          <p:cNvPr id="11" name="직사각형 10">
+            <a:extLst>
+              <a:ext uri="{FF2B5EF4-FFF2-40B4-BE49-F238E27FC236}">
+                <a16:creationId xmlns:a16="http://schemas.microsoft.com/office/drawing/2014/main" id="{3E4B6B90-A726-4C19-9DAC-AF5587662B6A}"/>
+              </a:ext>
+            </a:extLst>
+          </p:cNvPr>
+          <p:cNvSpPr/>
+          <p:nvPr/>
+        </p:nvSpPr>
+        <p:spPr>
+          <a:xfrm>
+            <a:off x="601162" y="166461"/>
+            <a:ext cx="6858000" cy="523220"/>
+          </a:xfrm>
+          <a:prstGeom prst="rect">
+            <a:avLst/>
+          </a:prstGeom>
+          <a:noFill/>
+        </p:spPr>
+        <p:txBody>
+          <a:bodyPr wrap="square" lIns="91440" tIns="45720" rIns="91440" bIns="45720">
+            <a:spAutoFit/>
+          </a:bodyPr>
+          <a:lstStyle/>
+          <a:p>
+            <a:r>
+              <a:rPr lang="ko-KR" altLang="en-US" sz="2800" b="1" dirty="0">
                 <a:ln w="6600">
                   <a:solidFill>
                     <a:schemeClr val="tx1"/>
@@ -13603,7 +13657,7 @@
               </a:rPr>
               <a:t>질문</a:t>
             </a:r>
-            <a:endParaRPr lang="en-US" altLang="ko-KR" sz="2800" b="1" dirty="0" smtClean="0">
+            <a:endParaRPr lang="en-US" altLang="ko-KR" sz="2800" b="1" dirty="0">
               <a:ln w="6600">
                 <a:solidFill>
                   <a:schemeClr val="tx1"/>
@@ -13735,11 +13789,11 @@
           <a:lstStyle/>
           <a:p>
             <a:r>
-              <a:rPr lang="ko-KR" altLang="en-US" dirty="0" smtClean="0"/>
+              <a:rPr lang="ko-KR" altLang="en-US" dirty="0"/>
               <a:t>  </a:t>
             </a:r>
             <a:r>
-              <a:rPr lang="ko-KR" altLang="en-US" sz="7200" dirty="0" smtClean="0">
+              <a:rPr lang="ko-KR" altLang="en-US" sz="7200" dirty="0">
                 <a:solidFill>
                   <a:srgbClr val="FF0000"/>
                 </a:solidFill>
@@ -13749,7 +13803,7 @@
               <a:t>질</a:t>
             </a:r>
             <a:r>
-              <a:rPr lang="ko-KR" altLang="en-US" sz="7200" dirty="0" smtClean="0">
+              <a:rPr lang="ko-KR" altLang="en-US" sz="7200" dirty="0">
                 <a:solidFill>
                   <a:srgbClr val="FFC000"/>
                 </a:solidFill>
@@ -13759,7 +13813,7 @@
               <a:t>문</a:t>
             </a:r>
             <a:r>
-              <a:rPr lang="ko-KR" altLang="en-US" sz="7200" dirty="0" smtClean="0">
+              <a:rPr lang="ko-KR" altLang="en-US" sz="7200" dirty="0">
                 <a:solidFill>
                   <a:srgbClr val="FFFF00"/>
                 </a:solidFill>
@@ -13769,13 +13823,13 @@
               <a:t>이</a:t>
             </a:r>
             <a:r>
-              <a:rPr lang="ko-KR" altLang="en-US" sz="7200" dirty="0" smtClean="0">
+              <a:rPr lang="ko-KR" altLang="en-US" sz="7200" dirty="0">
                 <a:latin typeface="휴먼매직체" panose="02030504000101010101" pitchFamily="18" charset="-127"/>
                 <a:ea typeface="휴먼매직체" panose="02030504000101010101" pitchFamily="18" charset="-127"/>
               </a:rPr>
               <a:t> </a:t>
             </a:r>
-            <a:endParaRPr lang="en-US" altLang="ko-KR" sz="7200" dirty="0" smtClean="0">
+            <a:endParaRPr lang="en-US" altLang="ko-KR" sz="7200" dirty="0">
               <a:latin typeface="휴먼매직체" panose="02030504000101010101" pitchFamily="18" charset="-127"/>
               <a:ea typeface="휴먼매직체" panose="02030504000101010101" pitchFamily="18" charset="-127"/>
             </a:endParaRPr>
@@ -13789,7 +13843,7 @@
               <a:t> </a:t>
             </a:r>
             <a:r>
-              <a:rPr lang="ko-KR" altLang="en-US" sz="7200" dirty="0" err="1" smtClean="0">
+              <a:rPr lang="ko-KR" altLang="en-US" sz="7200" dirty="0" err="1">
                 <a:solidFill>
                   <a:srgbClr val="00B050"/>
                 </a:solidFill>
@@ -13799,7 +13853,7 @@
               <a:t>잇</a:t>
             </a:r>
             <a:r>
-              <a:rPr lang="ko-KR" altLang="en-US" sz="7200" dirty="0" err="1" smtClean="0">
+              <a:rPr lang="ko-KR" altLang="en-US" sz="7200" dirty="0" err="1">
                 <a:solidFill>
                   <a:srgbClr val="008DF6"/>
                 </a:solidFill>
@@ -13809,7 +13863,7 @@
               <a:t>으</a:t>
             </a:r>
             <a:r>
-              <a:rPr lang="ko-KR" altLang="en-US" sz="7200" dirty="0" err="1" smtClean="0">
+              <a:rPr lang="ko-KR" altLang="en-US" sz="7200" dirty="0" err="1">
                 <a:solidFill>
                   <a:schemeClr val="accent1">
                     <a:lumMod val="75000"/>
@@ -13821,7 +13875,7 @@
               <a:t>실</a:t>
             </a:r>
             <a:r>
-              <a:rPr lang="ko-KR" altLang="en-US" sz="7200" dirty="0" err="1" smtClean="0">
+              <a:rPr lang="ko-KR" altLang="en-US" sz="7200" dirty="0" err="1">
                 <a:solidFill>
                   <a:srgbClr val="9148C8"/>
                 </a:solidFill>
@@ -13831,7 +13885,7 @@
               <a:t>가</a:t>
             </a:r>
             <a:r>
-              <a:rPr lang="ko-KR" altLang="en-US" sz="7200" dirty="0" err="1" smtClean="0">
+              <a:rPr lang="ko-KR" altLang="en-US" sz="7200" dirty="0" err="1">
                 <a:solidFill>
                   <a:schemeClr val="bg1"/>
                 </a:solidFill>
@@ -13841,7 +13895,7 @@
               <a:t>요</a:t>
             </a:r>
             <a:r>
-              <a:rPr lang="en-US" altLang="ko-KR" sz="7200" dirty="0" smtClean="0">
+              <a:rPr lang="en-US" altLang="ko-KR" sz="7200" dirty="0">
                 <a:solidFill>
                   <a:srgbClr val="FF8585"/>
                 </a:solidFill>
@@ -13867,17 +13921,605 @@
   <p:clrMapOvr>
     <a:masterClrMapping/>
   </p:clrMapOvr>
-  <p:timing>
-    <p:tnLst>
-      <p:par>
-        <p:cTn id="1" dur="indefinite" restart="never" nodeType="tmRoot"/>
-      </p:par>
-    </p:tnLst>
-  </p:timing>
 </p:sld>
 </file>
 
-<file path=ppt/slides/slide29.xml><?xml version="1.0" encoding="utf-8"?>
+<file path=ppt/slides/slide3.xml><?xml version="1.0" encoding="utf-8"?>
+<p:sld xmlns:a="http://schemas.openxmlformats.org/drawingml/2006/main" xmlns:r="http://schemas.openxmlformats.org/officeDocument/2006/relationships" xmlns:p="http://schemas.openxmlformats.org/presentationml/2006/main">
+  <p:cSld>
+    <p:bg>
+      <p:bgPr>
+        <a:gradFill>
+          <a:gsLst>
+            <a:gs pos="18000">
+              <a:srgbClr val="FFC95D"/>
+            </a:gs>
+            <a:gs pos="0">
+              <a:srgbClr val="F5856F"/>
+            </a:gs>
+            <a:gs pos="35000">
+              <a:srgbClr val="FEFE6E"/>
+            </a:gs>
+            <a:gs pos="67000">
+              <a:srgbClr val="72D6FA"/>
+            </a:gs>
+            <a:gs pos="52000">
+              <a:srgbClr val="B4F999"/>
+            </a:gs>
+            <a:gs pos="100000">
+              <a:srgbClr val="FB71B6"/>
+            </a:gs>
+            <a:gs pos="83000">
+              <a:srgbClr val="6D7BFF"/>
+            </a:gs>
+          </a:gsLst>
+          <a:lin ang="2700000" scaled="1"/>
+        </a:gradFill>
+        <a:effectLst/>
+      </p:bgPr>
+    </p:bg>
+    <p:spTree>
+      <p:nvGrpSpPr>
+        <p:cNvPr id="1" name=""/>
+        <p:cNvGrpSpPr/>
+        <p:nvPr/>
+      </p:nvGrpSpPr>
+      <p:grpSpPr>
+        <a:xfrm>
+          <a:off x="0" y="0"/>
+          <a:ext cx="0" cy="0"/>
+          <a:chOff x="0" y="0"/>
+          <a:chExt cx="0" cy="0"/>
+        </a:xfrm>
+      </p:grpSpPr>
+      <p:sp>
+        <p:nvSpPr>
+          <p:cNvPr id="11" name="직사각형 10">
+            <a:extLst>
+              <a:ext uri="{FF2B5EF4-FFF2-40B4-BE49-F238E27FC236}">
+                <a16:creationId xmlns:a16="http://schemas.microsoft.com/office/drawing/2014/main" id="{3E4B6B90-A726-4C19-9DAC-AF5587662B6A}"/>
+              </a:ext>
+            </a:extLst>
+          </p:cNvPr>
+          <p:cNvSpPr/>
+          <p:nvPr/>
+        </p:nvSpPr>
+        <p:spPr>
+          <a:xfrm>
+            <a:off x="601162" y="166461"/>
+            <a:ext cx="6858000" cy="523220"/>
+          </a:xfrm>
+          <a:prstGeom prst="rect">
+            <a:avLst/>
+          </a:prstGeom>
+          <a:noFill/>
+        </p:spPr>
+        <p:txBody>
+          <a:bodyPr wrap="square" lIns="91440" tIns="45720" rIns="91440" bIns="45720">
+            <a:spAutoFit/>
+          </a:bodyPr>
+          <a:lstStyle/>
+          <a:p>
+            <a:r>
+              <a:rPr lang="ko-KR" altLang="en-US" sz="2800" b="1" dirty="0">
+                <a:ln w="6600">
+                  <a:solidFill>
+                    <a:schemeClr val="tx1"/>
+                  </a:solidFill>
+                  <a:prstDash val="solid"/>
+                </a:ln>
+                <a:solidFill>
+                  <a:srgbClr val="FF8585"/>
+                </a:solidFill>
+                <a:effectLst>
+                  <a:outerShdw dist="38100" dir="2700000" algn="tl" rotWithShape="0">
+                    <a:schemeClr val="accent2"/>
+                  </a:outerShdw>
+                </a:effectLst>
+              </a:rPr>
+              <a:t>목</a:t>
+            </a:r>
+            <a:r>
+              <a:rPr lang="ko-KR" altLang="en-US" sz="2800" b="1" dirty="0">
+                <a:ln w="6600">
+                  <a:solidFill>
+                    <a:schemeClr val="tx1"/>
+                  </a:solidFill>
+                  <a:prstDash val="solid"/>
+                </a:ln>
+                <a:solidFill>
+                  <a:srgbClr val="FFD44B"/>
+                </a:solidFill>
+                <a:effectLst>
+                  <a:outerShdw dist="38100" dir="2700000" algn="tl" rotWithShape="0">
+                    <a:schemeClr val="accent2"/>
+                  </a:outerShdw>
+                </a:effectLst>
+              </a:rPr>
+              <a:t>차</a:t>
+            </a:r>
+            <a:endParaRPr lang="en-US" altLang="ko-KR" sz="2800" b="1" dirty="0">
+              <a:ln w="6600">
+                <a:solidFill>
+                  <a:schemeClr val="tx1"/>
+                </a:solidFill>
+                <a:prstDash val="solid"/>
+              </a:ln>
+              <a:solidFill>
+                <a:srgbClr val="FFFFA7"/>
+              </a:solidFill>
+              <a:effectLst>
+                <a:outerShdw dist="38100" dir="2700000" algn="tl" rotWithShape="0">
+                  <a:schemeClr val="accent2"/>
+                </a:outerShdw>
+              </a:effectLst>
+            </a:endParaRPr>
+          </a:p>
+        </p:txBody>
+      </p:sp>
+      <p:pic>
+        <p:nvPicPr>
+          <p:cNvPr id="12" name="Picture 2" descr="D-171] 공부 끝 - 오르비">
+            <a:extLst>
+              <a:ext uri="{FF2B5EF4-FFF2-40B4-BE49-F238E27FC236}">
+                <a16:creationId xmlns:a16="http://schemas.microsoft.com/office/drawing/2014/main" id="{C262696C-9B37-4A14-874E-2DF20C13730D}"/>
+              </a:ext>
+            </a:extLst>
+          </p:cNvPr>
+          <p:cNvPicPr>
+            <a:picLocks noChangeAspect="1" noChangeArrowheads="1"/>
+          </p:cNvPicPr>
+          <p:nvPr/>
+        </p:nvPicPr>
+        <p:blipFill rotWithShape="1">
+          <a:blip r:embed="rId2" cstate="hqprint">
+            <a:extLst>
+              <a:ext uri="{28A0092B-C50C-407E-A947-70E740481C1C}">
+                <a14:useLocalDpi xmlns:a14="http://schemas.microsoft.com/office/drawing/2010/main" val="0"/>
+              </a:ext>
+            </a:extLst>
+          </a:blip>
+          <a:srcRect l="33059"/>
+          <a:stretch/>
+        </p:blipFill>
+        <p:spPr bwMode="auto">
+          <a:xfrm>
+            <a:off x="0" y="136207"/>
+            <a:ext cx="601162" cy="583729"/>
+          </a:xfrm>
+          <a:prstGeom prst="rect">
+            <a:avLst/>
+          </a:prstGeom>
+          <a:noFill/>
+          <a:extLst>
+            <a:ext uri="{909E8E84-426E-40DD-AFC4-6F175D3DCCD1}">
+              <a14:hiddenFill xmlns:a14="http://schemas.microsoft.com/office/drawing/2010/main">
+                <a:solidFill>
+                  <a:srgbClr val="FFFFFF"/>
+                </a:solidFill>
+              </a14:hiddenFill>
+            </a:ext>
+          </a:extLst>
+        </p:spPr>
+      </p:pic>
+      <p:pic>
+        <p:nvPicPr>
+          <p:cNvPr id="19" name="Picture 2" descr="D-171] 공부 끝 - 오르비">
+            <a:extLst>
+              <a:ext uri="{FF2B5EF4-FFF2-40B4-BE49-F238E27FC236}">
+                <a16:creationId xmlns:a16="http://schemas.microsoft.com/office/drawing/2014/main" id="{42C2A5CF-2C6B-454A-8264-78ABD29DBDD2}"/>
+              </a:ext>
+            </a:extLst>
+          </p:cNvPr>
+          <p:cNvPicPr>
+            <a:picLocks noChangeAspect="1" noChangeArrowheads="1"/>
+          </p:cNvPicPr>
+          <p:nvPr/>
+        </p:nvPicPr>
+        <p:blipFill rotWithShape="1">
+          <a:blip r:embed="rId3" cstate="hqprint">
+            <a:extLst>
+              <a:ext uri="{28A0092B-C50C-407E-A947-70E740481C1C}">
+                <a14:useLocalDpi xmlns:a14="http://schemas.microsoft.com/office/drawing/2010/main" val="0"/>
+              </a:ext>
+            </a:extLst>
+          </a:blip>
+          <a:srcRect l="33059"/>
+          <a:stretch/>
+        </p:blipFill>
+        <p:spPr bwMode="auto">
+          <a:xfrm>
+            <a:off x="1659600" y="1842606"/>
+            <a:ext cx="629225" cy="610979"/>
+          </a:xfrm>
+          <a:prstGeom prst="rect">
+            <a:avLst/>
+          </a:prstGeom>
+          <a:noFill/>
+          <a:extLst>
+            <a:ext uri="{909E8E84-426E-40DD-AFC4-6F175D3DCCD1}">
+              <a14:hiddenFill xmlns:a14="http://schemas.microsoft.com/office/drawing/2010/main">
+                <a:solidFill>
+                  <a:srgbClr val="FFFFFF"/>
+                </a:solidFill>
+              </a14:hiddenFill>
+            </a:ext>
+          </a:extLst>
+        </p:spPr>
+      </p:pic>
+      <p:pic>
+        <p:nvPicPr>
+          <p:cNvPr id="20" name="Picture 2" descr="D-171] 공부 끝 - 오르비">
+            <a:extLst>
+              <a:ext uri="{FF2B5EF4-FFF2-40B4-BE49-F238E27FC236}">
+                <a16:creationId xmlns:a16="http://schemas.microsoft.com/office/drawing/2014/main" id="{111835AC-122B-464D-976D-86D887A388CC}"/>
+              </a:ext>
+            </a:extLst>
+          </p:cNvPr>
+          <p:cNvPicPr>
+            <a:picLocks noChangeAspect="1" noChangeArrowheads="1"/>
+          </p:cNvPicPr>
+          <p:nvPr/>
+        </p:nvPicPr>
+        <p:blipFill rotWithShape="1">
+          <a:blip r:embed="rId3" cstate="hqprint">
+            <a:extLst>
+              <a:ext uri="{28A0092B-C50C-407E-A947-70E740481C1C}">
+                <a14:useLocalDpi xmlns:a14="http://schemas.microsoft.com/office/drawing/2010/main" val="0"/>
+              </a:ext>
+            </a:extLst>
+          </a:blip>
+          <a:srcRect l="33059"/>
+          <a:stretch/>
+        </p:blipFill>
+        <p:spPr bwMode="auto">
+          <a:xfrm>
+            <a:off x="9886980" y="1940528"/>
+            <a:ext cx="629225" cy="610979"/>
+          </a:xfrm>
+          <a:prstGeom prst="rect">
+            <a:avLst/>
+          </a:prstGeom>
+          <a:noFill/>
+          <a:extLst>
+            <a:ext uri="{909E8E84-426E-40DD-AFC4-6F175D3DCCD1}">
+              <a14:hiddenFill xmlns:a14="http://schemas.microsoft.com/office/drawing/2010/main">
+                <a:solidFill>
+                  <a:srgbClr val="FFFFFF"/>
+                </a:solidFill>
+              </a14:hiddenFill>
+            </a:ext>
+          </a:extLst>
+        </p:spPr>
+      </p:pic>
+      <p:pic>
+        <p:nvPicPr>
+          <p:cNvPr id="21" name="Picture 2" descr="D-171] 공부 끝 - 오르비">
+            <a:extLst>
+              <a:ext uri="{FF2B5EF4-FFF2-40B4-BE49-F238E27FC236}">
+                <a16:creationId xmlns:a16="http://schemas.microsoft.com/office/drawing/2014/main" id="{A4A4D8BD-93C8-4474-BC4F-2D99EA76E924}"/>
+              </a:ext>
+            </a:extLst>
+          </p:cNvPr>
+          <p:cNvPicPr>
+            <a:picLocks noChangeAspect="1" noChangeArrowheads="1"/>
+          </p:cNvPicPr>
+          <p:nvPr/>
+        </p:nvPicPr>
+        <p:blipFill rotWithShape="1">
+          <a:blip r:embed="rId3" cstate="hqprint">
+            <a:extLst>
+              <a:ext uri="{28A0092B-C50C-407E-A947-70E740481C1C}">
+                <a14:useLocalDpi xmlns:a14="http://schemas.microsoft.com/office/drawing/2010/main" val="0"/>
+              </a:ext>
+            </a:extLst>
+          </a:blip>
+          <a:srcRect l="33059"/>
+          <a:stretch/>
+        </p:blipFill>
+        <p:spPr bwMode="auto">
+          <a:xfrm>
+            <a:off x="5500315" y="1842606"/>
+            <a:ext cx="629225" cy="610979"/>
+          </a:xfrm>
+          <a:prstGeom prst="rect">
+            <a:avLst/>
+          </a:prstGeom>
+          <a:noFill/>
+          <a:extLst>
+            <a:ext uri="{909E8E84-426E-40DD-AFC4-6F175D3DCCD1}">
+              <a14:hiddenFill xmlns:a14="http://schemas.microsoft.com/office/drawing/2010/main">
+                <a:solidFill>
+                  <a:srgbClr val="FFFFFF"/>
+                </a:solidFill>
+              </a14:hiddenFill>
+            </a:ext>
+          </a:extLst>
+        </p:spPr>
+      </p:pic>
+      <p:sp>
+        <p:nvSpPr>
+          <p:cNvPr id="2" name="직사각형 1"/>
+          <p:cNvSpPr/>
+          <p:nvPr/>
+        </p:nvSpPr>
+        <p:spPr>
+          <a:xfrm>
+            <a:off x="660883" y="2563906"/>
+            <a:ext cx="2626658" cy="3478306"/>
+          </a:xfrm>
+          <a:prstGeom prst="rect">
+            <a:avLst/>
+          </a:prstGeom>
+          <a:solidFill>
+            <a:schemeClr val="bg1"/>
+          </a:solidFill>
+        </p:spPr>
+        <p:style>
+          <a:lnRef idx="2">
+            <a:schemeClr val="accent1">
+              <a:shade val="50000"/>
+            </a:schemeClr>
+          </a:lnRef>
+          <a:fillRef idx="1">
+            <a:schemeClr val="accent1"/>
+          </a:fillRef>
+          <a:effectRef idx="0">
+            <a:schemeClr val="accent1"/>
+          </a:effectRef>
+          <a:fontRef idx="minor">
+            <a:schemeClr val="lt1"/>
+          </a:fontRef>
+        </p:style>
+        <p:txBody>
+          <a:bodyPr rtlCol="0" anchor="ctr"/>
+          <a:lstStyle/>
+          <a:p>
+            <a:pPr algn="ctr"/>
+            <a:endParaRPr lang="ko-KR" altLang="en-US"/>
+          </a:p>
+        </p:txBody>
+      </p:sp>
+      <p:sp>
+        <p:nvSpPr>
+          <p:cNvPr id="13" name="직사각형 12"/>
+          <p:cNvSpPr/>
+          <p:nvPr/>
+        </p:nvSpPr>
+        <p:spPr>
+          <a:xfrm>
+            <a:off x="4501598" y="2563906"/>
+            <a:ext cx="2626658" cy="3478306"/>
+          </a:xfrm>
+          <a:prstGeom prst="rect">
+            <a:avLst/>
+          </a:prstGeom>
+          <a:solidFill>
+            <a:schemeClr val="bg1"/>
+          </a:solidFill>
+        </p:spPr>
+        <p:style>
+          <a:lnRef idx="2">
+            <a:schemeClr val="accent1">
+              <a:shade val="50000"/>
+            </a:schemeClr>
+          </a:lnRef>
+          <a:fillRef idx="1">
+            <a:schemeClr val="accent1"/>
+          </a:fillRef>
+          <a:effectRef idx="0">
+            <a:schemeClr val="accent1"/>
+          </a:effectRef>
+          <a:fontRef idx="minor">
+            <a:schemeClr val="lt1"/>
+          </a:fontRef>
+        </p:style>
+        <p:txBody>
+          <a:bodyPr rtlCol="0" anchor="ctr"/>
+          <a:lstStyle/>
+          <a:p>
+            <a:pPr algn="ctr"/>
+            <a:endParaRPr lang="ko-KR" altLang="en-US"/>
+          </a:p>
+        </p:txBody>
+      </p:sp>
+      <p:sp>
+        <p:nvSpPr>
+          <p:cNvPr id="14" name="직사각형 13"/>
+          <p:cNvSpPr/>
+          <p:nvPr/>
+        </p:nvSpPr>
+        <p:spPr>
+          <a:xfrm>
+            <a:off x="8573651" y="2563906"/>
+            <a:ext cx="2626658" cy="3478306"/>
+          </a:xfrm>
+          <a:prstGeom prst="rect">
+            <a:avLst/>
+          </a:prstGeom>
+          <a:solidFill>
+            <a:schemeClr val="bg1"/>
+          </a:solidFill>
+        </p:spPr>
+        <p:style>
+          <a:lnRef idx="2">
+            <a:schemeClr val="accent1">
+              <a:shade val="50000"/>
+            </a:schemeClr>
+          </a:lnRef>
+          <a:fillRef idx="1">
+            <a:schemeClr val="accent1"/>
+          </a:fillRef>
+          <a:effectRef idx="0">
+            <a:schemeClr val="accent1"/>
+          </a:effectRef>
+          <a:fontRef idx="minor">
+            <a:schemeClr val="lt1"/>
+          </a:fontRef>
+        </p:style>
+        <p:txBody>
+          <a:bodyPr rtlCol="0" anchor="ctr"/>
+          <a:lstStyle/>
+          <a:p>
+            <a:pPr algn="ctr"/>
+            <a:endParaRPr lang="ko-KR" altLang="en-US"/>
+          </a:p>
+        </p:txBody>
+      </p:sp>
+      <p:sp>
+        <p:nvSpPr>
+          <p:cNvPr id="3" name="TextBox 2"/>
+          <p:cNvSpPr txBox="1"/>
+          <p:nvPr/>
+        </p:nvSpPr>
+        <p:spPr>
+          <a:xfrm>
+            <a:off x="1161163" y="3256618"/>
+            <a:ext cx="1551214" cy="2092881"/>
+          </a:xfrm>
+          <a:prstGeom prst="rect">
+            <a:avLst/>
+          </a:prstGeom>
+          <a:noFill/>
+        </p:spPr>
+        <p:txBody>
+          <a:bodyPr wrap="square" rtlCol="0">
+            <a:spAutoFit/>
+          </a:bodyPr>
+          <a:lstStyle/>
+          <a:p>
+            <a:r>
+              <a:rPr lang="ko-KR" altLang="en-US" sz="3200" dirty="0">
+                <a:solidFill>
+                  <a:schemeClr val="accent5">
+                    <a:lumMod val="75000"/>
+                  </a:schemeClr>
+                </a:solidFill>
+              </a:rPr>
+              <a:t>프로젝트 시연</a:t>
+            </a:r>
+            <a:endParaRPr lang="en-US" altLang="ko-KR" sz="3200" dirty="0">
+              <a:solidFill>
+                <a:schemeClr val="accent5">
+                  <a:lumMod val="75000"/>
+                </a:schemeClr>
+              </a:solidFill>
+            </a:endParaRPr>
+          </a:p>
+          <a:p>
+            <a:endParaRPr lang="en-US" altLang="ko-KR" sz="2400" dirty="0"/>
+          </a:p>
+          <a:p>
+            <a:r>
+              <a:rPr lang="ko-KR" altLang="en-US" sz="2400" dirty="0" err="1"/>
+              <a:t>시연화면</a:t>
+            </a:r>
+            <a:endParaRPr lang="en-US" altLang="ko-KR" sz="2400" dirty="0"/>
+          </a:p>
+          <a:p>
+            <a:endParaRPr lang="ko-KR" altLang="en-US" dirty="0"/>
+          </a:p>
+        </p:txBody>
+      </p:sp>
+      <p:sp>
+        <p:nvSpPr>
+          <p:cNvPr id="4" name="TextBox 3"/>
+          <p:cNvSpPr txBox="1"/>
+          <p:nvPr/>
+        </p:nvSpPr>
+        <p:spPr>
+          <a:xfrm>
+            <a:off x="4669971" y="2775857"/>
+            <a:ext cx="2253343" cy="1815882"/>
+          </a:xfrm>
+          <a:prstGeom prst="rect">
+            <a:avLst/>
+          </a:prstGeom>
+          <a:noFill/>
+        </p:spPr>
+        <p:txBody>
+          <a:bodyPr wrap="square" rtlCol="0">
+            <a:spAutoFit/>
+          </a:bodyPr>
+          <a:lstStyle/>
+          <a:p>
+            <a:r>
+              <a:rPr lang="ko-KR" altLang="en-US" sz="4000" dirty="0" err="1">
+                <a:solidFill>
+                  <a:srgbClr val="FF0000"/>
+                </a:solidFill>
+              </a:rPr>
+              <a:t>코드리뷰</a:t>
+            </a:r>
+            <a:endParaRPr lang="en-US" altLang="ko-KR" sz="4000" dirty="0">
+              <a:solidFill>
+                <a:srgbClr val="FF0000"/>
+              </a:solidFill>
+            </a:endParaRPr>
+          </a:p>
+          <a:p>
+            <a:endParaRPr lang="en-US" altLang="ko-KR" dirty="0"/>
+          </a:p>
+          <a:p>
+            <a:r>
+              <a:rPr lang="ko-KR" altLang="en-US" dirty="0"/>
+              <a:t>새로 사용된 개념 설명</a:t>
+            </a:r>
+            <a:endParaRPr lang="en-US" altLang="ko-KR" dirty="0"/>
+          </a:p>
+          <a:p>
+            <a:endParaRPr lang="ko-KR" altLang="en-US" dirty="0"/>
+          </a:p>
+        </p:txBody>
+      </p:sp>
+      <p:sp>
+        <p:nvSpPr>
+          <p:cNvPr id="5" name="TextBox 4"/>
+          <p:cNvSpPr txBox="1"/>
+          <p:nvPr/>
+        </p:nvSpPr>
+        <p:spPr>
+          <a:xfrm>
+            <a:off x="9078686" y="3256618"/>
+            <a:ext cx="1616528" cy="369332"/>
+          </a:xfrm>
+          <a:prstGeom prst="rect">
+            <a:avLst/>
+          </a:prstGeom>
+          <a:noFill/>
+        </p:spPr>
+        <p:txBody>
+          <a:bodyPr wrap="square" rtlCol="0">
+            <a:spAutoFit/>
+          </a:bodyPr>
+          <a:lstStyle/>
+          <a:p>
+            <a:r>
+              <a:rPr lang="ko-KR" altLang="en-US" dirty="0"/>
+              <a:t>마치며</a:t>
+            </a:r>
+            <a:r>
+              <a:rPr lang="en-US" altLang="ko-KR" dirty="0"/>
+              <a:t>.. . .</a:t>
+            </a:r>
+            <a:endParaRPr lang="ko-KR" altLang="en-US" dirty="0"/>
+          </a:p>
+        </p:txBody>
+      </p:sp>
+    </p:spTree>
+    <p:extLst>
+      <p:ext uri="{BB962C8B-B14F-4D97-AF65-F5344CB8AC3E}">
+        <p14:creationId xmlns:p14="http://schemas.microsoft.com/office/powerpoint/2010/main" val="557610015"/>
+      </p:ext>
+    </p:extLst>
+  </p:cSld>
+  <p:clrMapOvr>
+    <a:masterClrMapping/>
+  </p:clrMapOvr>
+</p:sld>
+</file>
+
+<file path=ppt/slides/slide30.xml><?xml version="1.0" encoding="utf-8"?>
 <p:sld xmlns:a="http://schemas.openxmlformats.org/drawingml/2006/main" xmlns:r="http://schemas.openxmlformats.org/officeDocument/2006/relationships" xmlns:p="http://schemas.openxmlformats.org/presentationml/2006/main">
   <p:cSld>
     <p:bg>
@@ -14762,17 +15404,10 @@
   <p:clrMapOvr>
     <a:masterClrMapping/>
   </p:clrMapOvr>
-  <p:timing>
-    <p:tnLst>
-      <p:par>
-        <p:cTn id="1" dur="indefinite" restart="never" nodeType="tmRoot"/>
-      </p:par>
-    </p:tnLst>
-  </p:timing>
 </p:sld>
 </file>
 
-<file path=ppt/slides/slide3.xml><?xml version="1.0" encoding="utf-8"?>
+<file path=ppt/slides/slide4.xml><?xml version="1.0" encoding="utf-8"?>
 <p:sld xmlns:a="http://schemas.openxmlformats.org/drawingml/2006/main" xmlns:r="http://schemas.openxmlformats.org/officeDocument/2006/relationships" xmlns:p="http://schemas.openxmlformats.org/presentationml/2006/main">
   <p:cSld>
     <p:bg>
@@ -14849,42 +15484,61 @@
           <a:lstStyle/>
           <a:p>
             <a:r>
-              <a:rPr lang="ko-KR" altLang="en-US" sz="2800" b="1" dirty="0" smtClean="0">
-                <a:ln w="6600">
-                  <a:solidFill>
-                    <a:schemeClr val="tx1"/>
-                  </a:solidFill>
-                  <a:prstDash val="solid"/>
-                </a:ln>
-                <a:solidFill>
-                  <a:srgbClr val="FF8585"/>
-                </a:solidFill>
-                <a:effectLst>
-                  <a:outerShdw dist="38100" dir="2700000" algn="tl" rotWithShape="0">
-                    <a:schemeClr val="accent2"/>
-                  </a:outerShdw>
-                </a:effectLst>
-              </a:rPr>
-              <a:t>목</a:t>
-            </a:r>
-            <a:r>
-              <a:rPr lang="ko-KR" altLang="en-US" sz="2800" b="1" dirty="0" smtClean="0">
-                <a:ln w="6600">
-                  <a:solidFill>
-                    <a:schemeClr val="tx1"/>
-                  </a:solidFill>
-                  <a:prstDash val="solid"/>
-                </a:ln>
-                <a:solidFill>
-                  <a:srgbClr val="FFD44B"/>
-                </a:solidFill>
-                <a:effectLst>
-                  <a:outerShdw dist="38100" dir="2700000" algn="tl" rotWithShape="0">
-                    <a:schemeClr val="accent2"/>
-                  </a:outerShdw>
-                </a:effectLst>
-              </a:rPr>
-              <a:t>차</a:t>
+              <a:rPr lang="ko-KR" altLang="en-US" sz="2800" b="1" dirty="0">
+                <a:ln w="6600">
+                  <a:solidFill>
+                    <a:schemeClr val="tx1"/>
+                  </a:solidFill>
+                  <a:prstDash val="solid"/>
+                </a:ln>
+                <a:solidFill>
+                  <a:srgbClr val="008DF6"/>
+                </a:solidFill>
+                <a:effectLst>
+                  <a:outerShdw dist="38100" dir="2700000" algn="tl" rotWithShape="0">
+                    <a:schemeClr val="accent2"/>
+                  </a:outerShdw>
+                </a:effectLst>
+              </a:rPr>
+              <a:t>사용한 툴</a:t>
+            </a:r>
+            <a:r>
+              <a:rPr lang="en-US" altLang="ko-KR" sz="2800" b="1" dirty="0">
+                <a:ln w="6600">
+                  <a:solidFill>
+                    <a:schemeClr val="tx1"/>
+                  </a:solidFill>
+                  <a:prstDash val="solid"/>
+                </a:ln>
+                <a:solidFill>
+                  <a:srgbClr val="008DF6"/>
+                </a:solidFill>
+                <a:effectLst>
+                  <a:outerShdw dist="38100" dir="2700000" algn="tl" rotWithShape="0">
+                    <a:schemeClr val="accent2"/>
+                  </a:outerShdw>
+                </a:effectLst>
+              </a:rPr>
+              <a:t>, </a:t>
+            </a:r>
+            <a:r>
+              <a:rPr lang="ko-KR" altLang="en-US" sz="2800" b="1" dirty="0">
+                <a:ln w="6600">
+                  <a:solidFill>
+                    <a:schemeClr val="tx1"/>
+                  </a:solidFill>
+                  <a:prstDash val="solid"/>
+                </a:ln>
+                <a:solidFill>
+                  <a:srgbClr val="008DF6"/>
+                </a:solidFill>
+                <a:effectLst>
+                  <a:outerShdw dist="38100" dir="2700000" algn="tl" rotWithShape="0">
+                    <a:schemeClr val="accent2"/>
+                  </a:outerShdw>
+                </a:effectLst>
+              </a:rPr>
+              <a:t>언어</a:t>
             </a:r>
             <a:endParaRPr lang="en-US" altLang="ko-KR" sz="2800" b="1" dirty="0">
               <a:ln w="6600">
@@ -14894,7 +15548,7 @@
                 <a:prstDash val="solid"/>
               </a:ln>
               <a:solidFill>
-                <a:srgbClr val="FFFFA7"/>
+                <a:srgbClr val="008DF6"/>
               </a:solidFill>
               <a:effectLst>
                 <a:outerShdw dist="38100" dir="2700000" algn="tl" rotWithShape="0">
@@ -14952,10 +15606,10 @@
       </p:pic>
       <p:pic>
         <p:nvPicPr>
-          <p:cNvPr id="19" name="Picture 2" descr="D-171] 공부 끝 - 오르비">
+          <p:cNvPr id="13" name="Picture 2" descr="D-171] 공부 끝 - 오르비">
             <a:extLst>
               <a:ext uri="{FF2B5EF4-FFF2-40B4-BE49-F238E27FC236}">
-                <a16:creationId xmlns:a16="http://schemas.microsoft.com/office/drawing/2014/main" id="{42C2A5CF-2C6B-454A-8264-78ABD29DBDD2}"/>
+                <a16:creationId xmlns:a16="http://schemas.microsoft.com/office/drawing/2014/main" id="{9D71B640-D03D-47B0-B7F4-A5926D65A3C8}"/>
               </a:ext>
             </a:extLst>
           </p:cNvPr>
@@ -14977,8 +15631,8 @@
         </p:blipFill>
         <p:spPr bwMode="auto">
           <a:xfrm>
-            <a:off x="1659600" y="1842606"/>
-            <a:ext cx="629225" cy="610979"/>
+            <a:off x="8257913" y="3924022"/>
+            <a:ext cx="2850167" cy="2767518"/>
           </a:xfrm>
           <a:prstGeom prst="rect">
             <a:avLst/>
@@ -14997,111 +15651,75 @@
       </p:pic>
       <p:pic>
         <p:nvPicPr>
-          <p:cNvPr id="20" name="Picture 2" descr="D-171] 공부 끝 - 오르비">
-            <a:extLst>
-              <a:ext uri="{FF2B5EF4-FFF2-40B4-BE49-F238E27FC236}">
-                <a16:creationId xmlns:a16="http://schemas.microsoft.com/office/drawing/2014/main" id="{111835AC-122B-464D-976D-86D887A388CC}"/>
-              </a:ext>
-            </a:extLst>
-          </p:cNvPr>
+          <p:cNvPr id="2" name="그림 1"/>
           <p:cNvPicPr>
-            <a:picLocks noChangeAspect="1" noChangeArrowheads="1"/>
+            <a:picLocks noChangeAspect="1"/>
           </p:cNvPicPr>
           <p:nvPr/>
         </p:nvPicPr>
-        <p:blipFill rotWithShape="1">
-          <a:blip r:embed="rId3" cstate="hqprint">
-            <a:extLst>
-              <a:ext uri="{28A0092B-C50C-407E-A947-70E740481C1C}">
-                <a14:useLocalDpi xmlns:a14="http://schemas.microsoft.com/office/drawing/2010/main" val="0"/>
-              </a:ext>
-            </a:extLst>
-          </a:blip>
-          <a:srcRect l="33059"/>
-          <a:stretch/>
+        <p:blipFill>
+          <a:blip r:embed="rId4"/>
+          <a:stretch>
+            <a:fillRect/>
+          </a:stretch>
         </p:blipFill>
-        <p:spPr bwMode="auto">
-          <a:xfrm>
-            <a:off x="9886980" y="1940528"/>
-            <a:ext cx="629225" cy="610979"/>
+        <p:spPr>
+          <a:xfrm>
+            <a:off x="1646909" y="2330825"/>
+            <a:ext cx="8394402" cy="1593196"/>
           </a:xfrm>
           <a:prstGeom prst="rect">
             <a:avLst/>
           </a:prstGeom>
-          <a:noFill/>
-          <a:extLst>
-            <a:ext uri="{909E8E84-426E-40DD-AFC4-6F175D3DCCD1}">
-              <a14:hiddenFill xmlns:a14="http://schemas.microsoft.com/office/drawing/2010/main">
-                <a:solidFill>
-                  <a:srgbClr val="FFFFFF"/>
-                </a:solidFill>
-              </a14:hiddenFill>
-            </a:ext>
-          </a:extLst>
-        </p:spPr>
-      </p:pic>
-      <p:pic>
-        <p:nvPicPr>
-          <p:cNvPr id="21" name="Picture 2" descr="D-171] 공부 끝 - 오르비">
-            <a:extLst>
-              <a:ext uri="{FF2B5EF4-FFF2-40B4-BE49-F238E27FC236}">
-                <a16:creationId xmlns:a16="http://schemas.microsoft.com/office/drawing/2014/main" id="{A4A4D8BD-93C8-4474-BC4F-2D99EA76E924}"/>
-              </a:ext>
-            </a:extLst>
-          </p:cNvPr>
-          <p:cNvPicPr>
-            <a:picLocks noChangeAspect="1" noChangeArrowheads="1"/>
-          </p:cNvPicPr>
-          <p:nvPr/>
-        </p:nvPicPr>
-        <p:blipFill rotWithShape="1">
-          <a:blip r:embed="rId3" cstate="hqprint">
-            <a:extLst>
-              <a:ext uri="{28A0092B-C50C-407E-A947-70E740481C1C}">
-                <a14:useLocalDpi xmlns:a14="http://schemas.microsoft.com/office/drawing/2010/main" val="0"/>
-              </a:ext>
-            </a:extLst>
-          </a:blip>
-          <a:srcRect l="33059"/>
-          <a:stretch/>
-        </p:blipFill>
-        <p:spPr bwMode="auto">
-          <a:xfrm>
-            <a:off x="5500315" y="1842606"/>
-            <a:ext cx="629225" cy="610979"/>
-          </a:xfrm>
-          <a:prstGeom prst="rect">
-            <a:avLst/>
-          </a:prstGeom>
-          <a:noFill/>
-          <a:extLst>
-            <a:ext uri="{909E8E84-426E-40DD-AFC4-6F175D3DCCD1}">
-              <a14:hiddenFill xmlns:a14="http://schemas.microsoft.com/office/drawing/2010/main">
-                <a:solidFill>
-                  <a:srgbClr val="FFFFFF"/>
-                </a:solidFill>
-              </a14:hiddenFill>
-            </a:ext>
-          </a:extLst>
         </p:spPr>
       </p:pic>
       <p:sp>
         <p:nvSpPr>
-          <p:cNvPr id="2" name="직사각형 1"/>
-          <p:cNvSpPr/>
+          <p:cNvPr id="3" name="TextBox 2"/>
+          <p:cNvSpPr txBox="1"/>
           <p:nvPr/>
         </p:nvSpPr>
         <p:spPr>
           <a:xfrm>
-            <a:off x="660883" y="2563906"/>
-            <a:ext cx="2626658" cy="3478306"/>
+            <a:off x="4455459" y="3209365"/>
+            <a:ext cx="2474259" cy="369332"/>
           </a:xfrm>
           <a:prstGeom prst="rect">
             <a:avLst/>
           </a:prstGeom>
-          <a:solidFill>
-            <a:schemeClr val="bg1"/>
-          </a:solidFill>
+          <a:noFill/>
+        </p:spPr>
+        <p:txBody>
+          <a:bodyPr wrap="square" rtlCol="0">
+            <a:spAutoFit/>
+          </a:bodyPr>
+          <a:lstStyle/>
+          <a:p>
+            <a:r>
+              <a:rPr lang="en-US" altLang="ko-KR" dirty="0"/>
+              <a:t>+</a:t>
+            </a:r>
+            <a:r>
+              <a:rPr lang="ko-KR" altLang="en-US" dirty="0"/>
+              <a:t>이클립스</a:t>
+            </a:r>
+          </a:p>
+        </p:txBody>
+      </p:sp>
+      <p:sp>
+        <p:nvSpPr>
+          <p:cNvPr id="4" name="눈물 방울 3"/>
+          <p:cNvSpPr/>
+          <p:nvPr/>
+        </p:nvSpPr>
+        <p:spPr>
+          <a:xfrm>
+            <a:off x="8014448" y="4975412"/>
+            <a:ext cx="358588" cy="519953"/>
+          </a:xfrm>
+          <a:prstGeom prst="teardrop">
+            <a:avLst/>
+          </a:prstGeom>
         </p:spPr>
         <p:style>
           <a:lnRef idx="2">
@@ -15130,21 +15748,18 @@
       </p:sp>
       <p:sp>
         <p:nvSpPr>
-          <p:cNvPr id="13" name="직사각형 12"/>
+          <p:cNvPr id="8" name="눈물 방울 7"/>
           <p:cNvSpPr/>
           <p:nvPr/>
         </p:nvSpPr>
         <p:spPr>
           <a:xfrm>
-            <a:off x="4501598" y="2563906"/>
-            <a:ext cx="2626658" cy="3478306"/>
-          </a:xfrm>
-          <a:prstGeom prst="rect">
-            <a:avLst/>
-          </a:prstGeom>
-          <a:solidFill>
-            <a:schemeClr val="bg1"/>
-          </a:solidFill>
+            <a:off x="7965852" y="5573498"/>
+            <a:ext cx="358588" cy="519953"/>
+          </a:xfrm>
+          <a:prstGeom prst="teardrop">
+            <a:avLst/>
+          </a:prstGeom>
         </p:spPr>
         <p:style>
           <a:lnRef idx="2">
@@ -15171,210 +15786,20 @@
           </a:p>
         </p:txBody>
       </p:sp>
-      <p:sp>
-        <p:nvSpPr>
-          <p:cNvPr id="14" name="직사각형 13"/>
-          <p:cNvSpPr/>
-          <p:nvPr/>
-        </p:nvSpPr>
-        <p:spPr>
-          <a:xfrm>
-            <a:off x="8573651" y="2563906"/>
-            <a:ext cx="2626658" cy="3478306"/>
-          </a:xfrm>
-          <a:prstGeom prst="rect">
-            <a:avLst/>
-          </a:prstGeom>
-          <a:solidFill>
-            <a:schemeClr val="bg1"/>
-          </a:solidFill>
-        </p:spPr>
-        <p:style>
-          <a:lnRef idx="2">
-            <a:schemeClr val="accent1">
-              <a:shade val="50000"/>
-            </a:schemeClr>
-          </a:lnRef>
-          <a:fillRef idx="1">
-            <a:schemeClr val="accent1"/>
-          </a:fillRef>
-          <a:effectRef idx="0">
-            <a:schemeClr val="accent1"/>
-          </a:effectRef>
-          <a:fontRef idx="minor">
-            <a:schemeClr val="lt1"/>
-          </a:fontRef>
-        </p:style>
-        <p:txBody>
-          <a:bodyPr rtlCol="0" anchor="ctr"/>
-          <a:lstStyle/>
-          <a:p>
-            <a:pPr algn="ctr"/>
-            <a:endParaRPr lang="ko-KR" altLang="en-US"/>
-          </a:p>
-        </p:txBody>
-      </p:sp>
-      <p:sp>
-        <p:nvSpPr>
-          <p:cNvPr id="3" name="TextBox 2"/>
-          <p:cNvSpPr txBox="1"/>
-          <p:nvPr/>
-        </p:nvSpPr>
-        <p:spPr>
-          <a:xfrm>
-            <a:off x="1161163" y="3256618"/>
-            <a:ext cx="1551214" cy="2092881"/>
-          </a:xfrm>
-          <a:prstGeom prst="rect">
-            <a:avLst/>
-          </a:prstGeom>
-          <a:noFill/>
-        </p:spPr>
-        <p:txBody>
-          <a:bodyPr wrap="square" rtlCol="0">
-            <a:spAutoFit/>
-          </a:bodyPr>
-          <a:lstStyle/>
-          <a:p>
-            <a:r>
-              <a:rPr lang="ko-KR" altLang="en-US" sz="3200" dirty="0" smtClean="0">
-                <a:solidFill>
-                  <a:schemeClr val="accent5">
-                    <a:lumMod val="75000"/>
-                  </a:schemeClr>
-                </a:solidFill>
-              </a:rPr>
-              <a:t>프로젝트 시연</a:t>
-            </a:r>
-            <a:endParaRPr lang="en-US" altLang="ko-KR" sz="3200" dirty="0" smtClean="0">
-              <a:solidFill>
-                <a:schemeClr val="accent5">
-                  <a:lumMod val="75000"/>
-                </a:schemeClr>
-              </a:solidFill>
-            </a:endParaRPr>
-          </a:p>
-          <a:p>
-            <a:endParaRPr lang="en-US" altLang="ko-KR" sz="2400" dirty="0"/>
-          </a:p>
-          <a:p>
-            <a:r>
-              <a:rPr lang="ko-KR" altLang="en-US" sz="2400" dirty="0" err="1" smtClean="0"/>
-              <a:t>시연화면</a:t>
-            </a:r>
-            <a:endParaRPr lang="en-US" altLang="ko-KR" sz="2400" dirty="0" smtClean="0"/>
-          </a:p>
-          <a:p>
-            <a:endParaRPr lang="ko-KR" altLang="en-US" dirty="0"/>
-          </a:p>
-        </p:txBody>
-      </p:sp>
-      <p:sp>
-        <p:nvSpPr>
-          <p:cNvPr id="4" name="TextBox 3"/>
-          <p:cNvSpPr txBox="1"/>
-          <p:nvPr/>
-        </p:nvSpPr>
-        <p:spPr>
-          <a:xfrm>
-            <a:off x="4669971" y="2775857"/>
-            <a:ext cx="2253343" cy="1815882"/>
-          </a:xfrm>
-          <a:prstGeom prst="rect">
-            <a:avLst/>
-          </a:prstGeom>
-          <a:noFill/>
-        </p:spPr>
-        <p:txBody>
-          <a:bodyPr wrap="square" rtlCol="0">
-            <a:spAutoFit/>
-          </a:bodyPr>
-          <a:lstStyle/>
-          <a:p>
-            <a:r>
-              <a:rPr lang="ko-KR" altLang="en-US" sz="4000" dirty="0" err="1" smtClean="0">
-                <a:solidFill>
-                  <a:srgbClr val="FF0000"/>
-                </a:solidFill>
-              </a:rPr>
-              <a:t>코드리뷰</a:t>
-            </a:r>
-            <a:endParaRPr lang="en-US" altLang="ko-KR" sz="4000" dirty="0" smtClean="0">
-              <a:solidFill>
-                <a:srgbClr val="FF0000"/>
-              </a:solidFill>
-            </a:endParaRPr>
-          </a:p>
-          <a:p>
-            <a:endParaRPr lang="en-US" altLang="ko-KR" dirty="0"/>
-          </a:p>
-          <a:p>
-            <a:r>
-              <a:rPr lang="ko-KR" altLang="en-US" dirty="0" smtClean="0"/>
-              <a:t>새로 사용된 개념 설명</a:t>
-            </a:r>
-            <a:endParaRPr lang="en-US" altLang="ko-KR" dirty="0" smtClean="0"/>
-          </a:p>
-          <a:p>
-            <a:endParaRPr lang="ko-KR" altLang="en-US" dirty="0"/>
-          </a:p>
-        </p:txBody>
-      </p:sp>
-      <p:sp>
-        <p:nvSpPr>
-          <p:cNvPr id="5" name="TextBox 4"/>
-          <p:cNvSpPr txBox="1"/>
-          <p:nvPr/>
-        </p:nvSpPr>
-        <p:spPr>
-          <a:xfrm>
-            <a:off x="9078686" y="3256618"/>
-            <a:ext cx="1616528" cy="369332"/>
-          </a:xfrm>
-          <a:prstGeom prst="rect">
-            <a:avLst/>
-          </a:prstGeom>
-          <a:noFill/>
-        </p:spPr>
-        <p:txBody>
-          <a:bodyPr wrap="square" rtlCol="0">
-            <a:spAutoFit/>
-          </a:bodyPr>
-          <a:lstStyle/>
-          <a:p>
-            <a:r>
-              <a:rPr lang="ko-KR" altLang="en-US" dirty="0" smtClean="0"/>
-              <a:t>마치며</a:t>
-            </a:r>
-            <a:r>
-              <a:rPr lang="en-US" altLang="ko-KR" dirty="0" smtClean="0"/>
-              <a:t>.. . .</a:t>
-            </a:r>
-            <a:endParaRPr lang="ko-KR" altLang="en-US" dirty="0"/>
-          </a:p>
-        </p:txBody>
-      </p:sp>
     </p:spTree>
     <p:extLst>
       <p:ext uri="{BB962C8B-B14F-4D97-AF65-F5344CB8AC3E}">
-        <p14:creationId xmlns:p14="http://schemas.microsoft.com/office/powerpoint/2010/main" val="557610015"/>
+        <p14:creationId xmlns:p14="http://schemas.microsoft.com/office/powerpoint/2010/main" val="3026623486"/>
       </p:ext>
     </p:extLst>
   </p:cSld>
   <p:clrMapOvr>
     <a:masterClrMapping/>
   </p:clrMapOvr>
-  <p:timing>
-    <p:tnLst>
-      <p:par>
-        <p:cTn id="1" dur="indefinite" restart="never" nodeType="tmRoot"/>
-      </p:par>
-    </p:tnLst>
-  </p:timing>
 </p:sld>
 </file>
 
-<file path=ppt/slides/slide4.xml><?xml version="1.0" encoding="utf-8"?>
+<file path=ppt/slides/slide5.xml><?xml version="1.0" encoding="utf-8"?>
 <p:sld xmlns:a="http://schemas.openxmlformats.org/drawingml/2006/main" xmlns:r="http://schemas.openxmlformats.org/officeDocument/2006/relationships" xmlns:p="http://schemas.openxmlformats.org/presentationml/2006/main">
   <p:cSld>
     <p:bg>
@@ -15451,7 +15876,64 @@
           <a:lstStyle/>
           <a:p>
             <a:r>
-              <a:rPr lang="ko-KR" altLang="en-US" sz="2800" b="1" dirty="0" smtClean="0">
+              <a:rPr lang="ko-KR" altLang="en-US" sz="2800" b="1" dirty="0" err="1">
+                <a:ln w="6600">
+                  <a:solidFill>
+                    <a:schemeClr val="tx1"/>
+                  </a:solidFill>
+                  <a:prstDash val="solid"/>
+                </a:ln>
+                <a:solidFill>
+                  <a:srgbClr val="FF8585"/>
+                </a:solidFill>
+                <a:effectLst>
+                  <a:outerShdw dist="38100" dir="2700000" algn="tl" rotWithShape="0">
+                    <a:schemeClr val="accent2"/>
+                  </a:outerShdw>
+                </a:effectLst>
+              </a:rPr>
+              <a:t>코</a:t>
+            </a:r>
+            <a:r>
+              <a:rPr lang="ko-KR" altLang="en-US" sz="2800" b="1" dirty="0" err="1">
+                <a:ln w="6600">
+                  <a:solidFill>
+                    <a:schemeClr val="tx1"/>
+                  </a:solidFill>
+                  <a:prstDash val="solid"/>
+                </a:ln>
+                <a:solidFill>
+                  <a:srgbClr val="00B050"/>
+                </a:solidFill>
+                <a:effectLst>
+                  <a:outerShdw dist="38100" dir="2700000" algn="tl" rotWithShape="0">
+                    <a:schemeClr val="accent2"/>
+                  </a:outerShdw>
+                </a:effectLst>
+              </a:rPr>
+              <a:t>드</a:t>
+            </a:r>
+            <a:r>
+              <a:rPr lang="ko-KR" altLang="en-US" sz="2800" b="1" dirty="0" err="1">
+                <a:ln w="6600">
+                  <a:solidFill>
+                    <a:schemeClr val="tx1"/>
+                  </a:solidFill>
+                  <a:prstDash val="solid"/>
+                </a:ln>
+                <a:solidFill>
+                  <a:srgbClr val="FFC000"/>
+                </a:solidFill>
+                <a:effectLst>
+                  <a:outerShdw dist="38100" dir="2700000" algn="tl" rotWithShape="0">
+                    <a:schemeClr val="accent2"/>
+                  </a:outerShdw>
+                </a:effectLst>
+              </a:rPr>
+              <a:t>리</a:t>
+            </a:r>
+            <a:r>
+              <a:rPr lang="ko-KR" altLang="en-US" sz="2800" b="1" dirty="0" err="1">
                 <a:ln w="6600">
                   <a:solidFill>
                     <a:schemeClr val="tx1"/>
@@ -15467,47 +15949,9 @@
                   </a:outerShdw>
                 </a:effectLst>
               </a:rPr>
-              <a:t>사용한 툴</a:t>
-            </a:r>
-            <a:r>
-              <a:rPr lang="en-US" altLang="ko-KR" sz="2800" b="1" dirty="0" smtClean="0">
-                <a:ln w="6600">
-                  <a:solidFill>
-                    <a:schemeClr val="tx1"/>
-                  </a:solidFill>
-                  <a:prstDash val="solid"/>
-                </a:ln>
-                <a:solidFill>
-                  <a:srgbClr val="008DF6"/>
-                </a:solidFill>
-                <a:effectLst>
-                  <a:outerShdw dist="38100" dir="2700000" algn="tl" rotWithShape="0">
-                    <a:schemeClr val="accent2"/>
-                  </a:outerShdw>
-                </a:effectLst>
-              </a:rPr>
-              <a:t>, </a:t>
-            </a:r>
-            <a:r>
-              <a:rPr lang="ko-KR" altLang="en-US" sz="2800" b="1" dirty="0" smtClean="0">
-                <a:ln w="6600">
-                  <a:solidFill>
-                    <a:schemeClr val="tx1"/>
-                  </a:solidFill>
-                  <a:prstDash val="solid"/>
-                </a:ln>
-                <a:solidFill>
-                  <a:srgbClr val="008DF6"/>
-                </a:solidFill>
-                <a:effectLst>
-                  <a:outerShdw dist="38100" dir="2700000" algn="tl" rotWithShape="0">
-                    <a:schemeClr val="accent2"/>
-                  </a:outerShdw>
-                </a:effectLst>
-              </a:rPr>
-              <a:t>언어</a:t>
-            </a:r>
-            <a:endParaRPr lang="en-US" altLang="ko-KR" sz="2800" b="1" dirty="0" smtClean="0">
+              <a:t>뷰</a:t>
+            </a:r>
+            <a:endParaRPr lang="en-US" altLang="ko-KR" sz="2800" b="1" dirty="0">
               <a:ln w="6600">
                 <a:solidFill>
                   <a:schemeClr val="tx1"/>
@@ -15586,7 +16030,7 @@
           <p:nvPr/>
         </p:nvPicPr>
         <p:blipFill rotWithShape="1">
-          <a:blip r:embed="rId3" cstate="hqprint">
+          <a:blip r:embed="rId3">
             <a:extLst>
               <a:ext uri="{28A0092B-C50C-407E-A947-70E740481C1C}">
                 <a14:useLocalDpi xmlns:a14="http://schemas.microsoft.com/office/drawing/2010/main" val="0"/>
@@ -15598,8 +16042,8 @@
         </p:blipFill>
         <p:spPr bwMode="auto">
           <a:xfrm>
-            <a:off x="8257913" y="3924022"/>
-            <a:ext cx="2850167" cy="2767518"/>
+            <a:off x="1177280" y="1433926"/>
+            <a:ext cx="2462735" cy="2391321"/>
           </a:xfrm>
           <a:prstGeom prst="rect">
             <a:avLst/>
@@ -15616,40 +16060,16 @@
           </a:extLst>
         </p:spPr>
       </p:pic>
-      <p:pic>
-        <p:nvPicPr>
-          <p:cNvPr id="2" name="그림 1"/>
-          <p:cNvPicPr>
-            <a:picLocks noChangeAspect="1"/>
-          </p:cNvPicPr>
-          <p:nvPr/>
-        </p:nvPicPr>
-        <p:blipFill>
-          <a:blip r:embed="rId4"/>
-          <a:stretch>
-            <a:fillRect/>
-          </a:stretch>
-        </p:blipFill>
-        <p:spPr>
-          <a:xfrm>
-            <a:off x="1646909" y="2330825"/>
-            <a:ext cx="8394402" cy="1593196"/>
-          </a:xfrm>
-          <a:prstGeom prst="rect">
-            <a:avLst/>
-          </a:prstGeom>
-        </p:spPr>
-      </p:pic>
       <p:sp>
         <p:nvSpPr>
-          <p:cNvPr id="3" name="TextBox 2"/>
+          <p:cNvPr id="2" name="TextBox 1"/>
           <p:cNvSpPr txBox="1"/>
           <p:nvPr/>
         </p:nvSpPr>
         <p:spPr>
           <a:xfrm>
-            <a:off x="4455459" y="3209365"/>
-            <a:ext cx="2474259" cy="369332"/>
+            <a:off x="3446585" y="861646"/>
+            <a:ext cx="650630" cy="2554545"/>
           </a:xfrm>
           <a:prstGeom prst="rect">
             <a:avLst/>
@@ -15663,118 +16083,93 @@
           <a:lstStyle/>
           <a:p>
             <a:r>
-              <a:rPr lang="en-US" altLang="ko-KR" dirty="0" smtClean="0"/>
-              <a:t>+</a:t>
-            </a:r>
-            <a:r>
-              <a:rPr lang="ko-KR" altLang="en-US" dirty="0" smtClean="0"/>
-              <a:t>이클립스</a:t>
-            </a:r>
-            <a:endParaRPr lang="ko-KR" altLang="en-US" dirty="0"/>
+              <a:rPr lang="en-US" altLang="ko-KR" sz="8000" dirty="0"/>
+              <a:t>!!!</a:t>
+            </a:r>
+            <a:endParaRPr lang="ko-KR" altLang="en-US" sz="8000" dirty="0"/>
           </a:p>
         </p:txBody>
       </p:sp>
       <p:sp>
         <p:nvSpPr>
-          <p:cNvPr id="4" name="눈물 방울 3"/>
-          <p:cNvSpPr/>
+          <p:cNvPr id="3" name="TextBox 2"/>
+          <p:cNvSpPr txBox="1"/>
           <p:nvPr/>
         </p:nvSpPr>
         <p:spPr>
           <a:xfrm>
-            <a:off x="8014448" y="4975412"/>
-            <a:ext cx="358588" cy="519953"/>
-          </a:xfrm>
-          <a:prstGeom prst="teardrop">
-            <a:avLst/>
-          </a:prstGeom>
-        </p:spPr>
-        <p:style>
-          <a:lnRef idx="2">
-            <a:schemeClr val="accent1">
-              <a:shade val="50000"/>
-            </a:schemeClr>
-          </a:lnRef>
-          <a:fillRef idx="1">
-            <a:schemeClr val="accent1"/>
-          </a:fillRef>
-          <a:effectRef idx="0">
-            <a:schemeClr val="accent1"/>
-          </a:effectRef>
-          <a:fontRef idx="minor">
-            <a:schemeClr val="lt1"/>
-          </a:fontRef>
-        </p:style>
+            <a:off x="4958862" y="1090246"/>
+            <a:ext cx="6013938" cy="3754874"/>
+          </a:xfrm>
+          <a:prstGeom prst="rect">
+            <a:avLst/>
+          </a:prstGeom>
+          <a:noFill/>
+        </p:spPr>
         <p:txBody>
-          <a:bodyPr rtlCol="0" anchor="ctr"/>
+          <a:bodyPr wrap="square" rtlCol="0">
+            <a:spAutoFit/>
+          </a:bodyPr>
           <a:lstStyle/>
           <a:p>
-            <a:pPr algn="ctr"/>
-            <a:endParaRPr lang="ko-KR" altLang="en-US"/>
-          </a:p>
-        </p:txBody>
-      </p:sp>
-      <p:sp>
-        <p:nvSpPr>
-          <p:cNvPr id="8" name="눈물 방울 7"/>
-          <p:cNvSpPr/>
-          <p:nvPr/>
-        </p:nvSpPr>
-        <p:spPr>
-          <a:xfrm>
-            <a:off x="7965852" y="5573498"/>
-            <a:ext cx="358588" cy="519953"/>
-          </a:xfrm>
-          <a:prstGeom prst="teardrop">
-            <a:avLst/>
-          </a:prstGeom>
-        </p:spPr>
-        <p:style>
-          <a:lnRef idx="2">
-            <a:schemeClr val="accent1">
-              <a:shade val="50000"/>
-            </a:schemeClr>
-          </a:lnRef>
-          <a:fillRef idx="1">
-            <a:schemeClr val="accent1"/>
-          </a:fillRef>
-          <a:effectRef idx="0">
-            <a:schemeClr val="accent1"/>
-          </a:effectRef>
-          <a:fontRef idx="minor">
-            <a:schemeClr val="lt1"/>
-          </a:fontRef>
-        </p:style>
-        <p:txBody>
-          <a:bodyPr rtlCol="0" anchor="ctr"/>
-          <a:lstStyle/>
-          <a:p>
-            <a:pPr algn="ctr"/>
-            <a:endParaRPr lang="ko-KR" altLang="en-US"/>
+            <a:r>
+              <a:rPr lang="ko-KR" altLang="en-US" sz="4400" dirty="0"/>
+              <a:t>이번 프로젝트는 </a:t>
+            </a:r>
+            <a:r>
+              <a:rPr lang="en-US" altLang="ko-KR" sz="4400" dirty="0"/>
+              <a:t>DB</a:t>
+            </a:r>
+            <a:r>
+              <a:rPr lang="ko-KR" altLang="en-US" sz="4400" dirty="0"/>
+              <a:t>를 사용하니</a:t>
+            </a:r>
+            <a:endParaRPr lang="en-US" altLang="ko-KR" sz="4400" dirty="0"/>
+          </a:p>
+          <a:p>
+            <a:r>
+              <a:rPr lang="en-US" altLang="ko-KR" sz="4400" dirty="0"/>
+              <a:t>Form </a:t>
+            </a:r>
+            <a:r>
+              <a:rPr lang="ko-KR" altLang="en-US" sz="4400" dirty="0"/>
+              <a:t>태그를 사용해</a:t>
+            </a:r>
+            <a:endParaRPr lang="en-US" altLang="ko-KR" sz="4400" dirty="0"/>
+          </a:p>
+          <a:p>
+            <a:r>
+              <a:rPr lang="ko-KR" altLang="en-US" sz="4400" dirty="0"/>
+              <a:t>사용자 입력을 받아야 </a:t>
+            </a:r>
+            <a:r>
+              <a:rPr lang="ko-KR" altLang="en-US" sz="4400" dirty="0" err="1"/>
+              <a:t>겠구나</a:t>
+            </a:r>
+            <a:r>
+              <a:rPr lang="en-US" altLang="ko-KR" sz="4400" dirty="0"/>
+              <a:t>!</a:t>
+            </a:r>
+          </a:p>
+          <a:p>
+            <a:endParaRPr lang="ko-KR" altLang="en-US" dirty="0"/>
           </a:p>
         </p:txBody>
       </p:sp>
     </p:spTree>
     <p:extLst>
       <p:ext uri="{BB962C8B-B14F-4D97-AF65-F5344CB8AC3E}">
-        <p14:creationId xmlns:p14="http://schemas.microsoft.com/office/powerpoint/2010/main" val="3026623486"/>
+        <p14:creationId xmlns:p14="http://schemas.microsoft.com/office/powerpoint/2010/main" val="2968226639"/>
       </p:ext>
     </p:extLst>
   </p:cSld>
   <p:clrMapOvr>
     <a:masterClrMapping/>
   </p:clrMapOvr>
-  <p:timing>
-    <p:tnLst>
-      <p:par>
-        <p:cTn id="1" dur="indefinite" restart="never" nodeType="tmRoot"/>
-      </p:par>
-    </p:tnLst>
-  </p:timing>
 </p:sld>
 </file>
 
-<file path=ppt/slides/slide5.xml><?xml version="1.0" encoding="utf-8"?>
+<file path=ppt/slides/slide6.xml><?xml version="1.0" encoding="utf-8"?>
 <p:sld xmlns:a="http://schemas.openxmlformats.org/drawingml/2006/main" xmlns:r="http://schemas.openxmlformats.org/officeDocument/2006/relationships" xmlns:p="http://schemas.openxmlformats.org/presentationml/2006/main">
   <p:cSld>
     <p:bg>
@@ -15851,7 +16246,7 @@
           <a:lstStyle/>
           <a:p>
             <a:r>
-              <a:rPr lang="ko-KR" altLang="en-US" sz="2800" b="1" dirty="0" err="1" smtClean="0">
+              <a:rPr lang="ko-KR" altLang="en-US" sz="2800" b="1" dirty="0" err="1">
                 <a:ln w="6600">
                   <a:solidFill>
                     <a:schemeClr val="tx1"/>
@@ -15870,7 +16265,7 @@
               <a:t>코</a:t>
             </a:r>
             <a:r>
-              <a:rPr lang="ko-KR" altLang="en-US" sz="2800" b="1" dirty="0" err="1" smtClean="0">
+              <a:rPr lang="ko-KR" altLang="en-US" sz="2800" b="1" dirty="0" err="1">
                 <a:ln w="6600">
                   <a:solidFill>
                     <a:schemeClr val="tx1"/>
@@ -15889,7 +16284,7 @@
               <a:t>드</a:t>
             </a:r>
             <a:r>
-              <a:rPr lang="ko-KR" altLang="en-US" sz="2800" b="1" dirty="0" err="1" smtClean="0">
+              <a:rPr lang="ko-KR" altLang="en-US" sz="2800" b="1" dirty="0" err="1">
                 <a:ln w="6600">
                   <a:solidFill>
                     <a:schemeClr val="tx1"/>
@@ -15908,7 +16303,7 @@
               <a:t>리</a:t>
             </a:r>
             <a:r>
-              <a:rPr lang="ko-KR" altLang="en-US" sz="2800" b="1" dirty="0" err="1" smtClean="0">
+              <a:rPr lang="ko-KR" altLang="en-US" sz="2800" b="1" dirty="0" err="1">
                 <a:ln w="6600">
                   <a:solidFill>
                     <a:schemeClr val="tx1"/>
@@ -15926,7 +16321,7 @@
               </a:rPr>
               <a:t>뷰</a:t>
             </a:r>
-            <a:endParaRPr lang="en-US" altLang="ko-KR" sz="2800" b="1" dirty="0" smtClean="0">
+            <a:endParaRPr lang="en-US" altLang="ko-KR" sz="2800" b="1" dirty="0">
               <a:ln w="6600">
                 <a:solidFill>
                   <a:schemeClr val="tx1"/>
@@ -16005,7 +16400,7 @@
           <p:nvPr/>
         </p:nvPicPr>
         <p:blipFill rotWithShape="1">
-          <a:blip r:embed="rId3">
+          <a:blip r:embed="rId3" cstate="hqprint">
             <a:extLst>
               <a:ext uri="{28A0092B-C50C-407E-A947-70E740481C1C}">
                 <a14:useLocalDpi xmlns:a14="http://schemas.microsoft.com/office/drawing/2010/main" val="0"/>
@@ -16017,8 +16412,8 @@
         </p:blipFill>
         <p:spPr bwMode="auto">
           <a:xfrm>
-            <a:off x="1177280" y="1433926"/>
-            <a:ext cx="2462735" cy="2391321"/>
+            <a:off x="9406881" y="5687650"/>
+            <a:ext cx="1033869" cy="1003889"/>
           </a:xfrm>
           <a:prstGeom prst="rect">
             <a:avLst/>
@@ -16037,14 +16432,14 @@
       </p:pic>
       <p:sp>
         <p:nvSpPr>
-          <p:cNvPr id="2" name="TextBox 1"/>
+          <p:cNvPr id="3" name="TextBox 2"/>
           <p:cNvSpPr txBox="1"/>
           <p:nvPr/>
         </p:nvSpPr>
         <p:spPr>
           <a:xfrm>
-            <a:off x="3446585" y="861646"/>
-            <a:ext cx="650630" cy="2554545"/>
+            <a:off x="1322614" y="1240971"/>
+            <a:ext cx="10195309" cy="5016758"/>
           </a:xfrm>
           <a:prstGeom prst="rect">
             <a:avLst/>
@@ -16058,100 +16453,189 @@
           <a:lstStyle/>
           <a:p>
             <a:r>
-              <a:rPr lang="en-US" altLang="ko-KR" sz="8000" dirty="0" smtClean="0"/>
-              <a:t>!!!</a:t>
-            </a:r>
-            <a:endParaRPr lang="ko-KR" altLang="en-US" sz="8000" dirty="0"/>
+              <a:rPr lang="en-US" altLang="ko-KR" sz="3200" dirty="0"/>
+              <a:t>&lt;form&gt;: </a:t>
+            </a:r>
+            <a:r>
+              <a:rPr lang="ko-KR" altLang="en-US" sz="3200" dirty="0"/>
+              <a:t>사용자 입력을 받는 데 사용</a:t>
+            </a:r>
+            <a:endParaRPr lang="en-US" altLang="ko-KR" sz="3200" dirty="0"/>
+          </a:p>
+          <a:p>
+            <a:endParaRPr lang="en-US" altLang="ko-KR" sz="3200" dirty="0"/>
+          </a:p>
+          <a:p>
+            <a:r>
+              <a:rPr lang="en-US" altLang="ko-KR" sz="3200" dirty="0"/>
+              <a:t>Method </a:t>
+            </a:r>
+            <a:r>
+              <a:rPr lang="ko-KR" altLang="en-US" sz="3200" dirty="0"/>
+              <a:t>속성으로 </a:t>
+            </a:r>
+            <a:r>
+              <a:rPr lang="en-US" altLang="ko-KR" sz="3200" dirty="0"/>
+              <a:t>get, post </a:t>
+            </a:r>
+            <a:r>
+              <a:rPr lang="ko-KR" altLang="en-US" sz="3200" dirty="0"/>
+              <a:t>방식 중 선택 가능</a:t>
+            </a:r>
+            <a:endParaRPr lang="en-US" altLang="ko-KR" sz="3200" dirty="0"/>
+          </a:p>
+          <a:p>
+            <a:endParaRPr lang="en-US" altLang="ko-KR" sz="3200" dirty="0"/>
+          </a:p>
+          <a:p>
+            <a:r>
+              <a:rPr lang="en-US" altLang="ko-KR" sz="3200" dirty="0"/>
+              <a:t>Get: </a:t>
+            </a:r>
+            <a:r>
+              <a:rPr lang="ko-KR" altLang="en-US" sz="3200" dirty="0"/>
+              <a:t>주로 데이터 가져오기 위해 사용</a:t>
+            </a:r>
+            <a:endParaRPr lang="en-US" altLang="ko-KR" sz="3200" dirty="0"/>
+          </a:p>
+          <a:p>
+            <a:r>
+              <a:rPr lang="en-US" altLang="ko-KR" sz="3200" dirty="0"/>
+              <a:t> -</a:t>
+            </a:r>
+            <a:r>
+              <a:rPr lang="ko-KR" altLang="en-US" sz="3200" dirty="0"/>
+              <a:t>빠르고 간단</a:t>
+            </a:r>
+            <a:r>
+              <a:rPr lang="en-US" altLang="ko-KR" sz="3200" dirty="0"/>
+              <a:t>, </a:t>
+            </a:r>
+            <a:r>
+              <a:rPr lang="ko-KR" altLang="en-US" sz="3200" dirty="0" err="1"/>
+              <a:t>캐싱</a:t>
+            </a:r>
+            <a:r>
+              <a:rPr lang="ko-KR" altLang="en-US" sz="3200" dirty="0"/>
+              <a:t> 가능</a:t>
+            </a:r>
+            <a:r>
+              <a:rPr lang="en-US" altLang="ko-KR" sz="3200" dirty="0"/>
+              <a:t>, </a:t>
+            </a:r>
+            <a:r>
+              <a:rPr lang="ko-KR" altLang="en-US" sz="3200" dirty="0"/>
+              <a:t>보안 취약</a:t>
+            </a:r>
+            <a:r>
+              <a:rPr lang="en-US" altLang="ko-KR" sz="3200" dirty="0"/>
+              <a:t>, </a:t>
+            </a:r>
+            <a:r>
+              <a:rPr lang="ko-KR" altLang="en-US" sz="3200" dirty="0"/>
+              <a:t>전송되는 데이터 제한 있음</a:t>
+            </a:r>
+            <a:endParaRPr lang="en-US" altLang="ko-KR" sz="3200" dirty="0"/>
+          </a:p>
+          <a:p>
+            <a:r>
+              <a:rPr lang="en-US" altLang="ko-KR" sz="3200" dirty="0"/>
+              <a:t> </a:t>
+            </a:r>
+          </a:p>
+          <a:p>
+            <a:r>
+              <a:rPr lang="en-US" altLang="ko-KR" sz="3200" dirty="0"/>
+              <a:t>Post: </a:t>
+            </a:r>
+            <a:r>
+              <a:rPr lang="ko-KR" altLang="en-US" sz="3200" dirty="0"/>
+              <a:t>주로 데이터 전송하는데 사용</a:t>
+            </a:r>
+            <a:endParaRPr lang="en-US" altLang="ko-KR" sz="3200" dirty="0"/>
+          </a:p>
+          <a:p>
+            <a:r>
+              <a:rPr lang="en-US" altLang="ko-KR" sz="3200" dirty="0"/>
+              <a:t> - </a:t>
+            </a:r>
+            <a:r>
+              <a:rPr lang="ko-KR" altLang="en-US" sz="3200" dirty="0"/>
+              <a:t>보안상 안전</a:t>
+            </a:r>
+            <a:r>
+              <a:rPr lang="en-US" altLang="ko-KR" sz="3200" dirty="0"/>
+              <a:t>, </a:t>
+            </a:r>
+            <a:r>
+              <a:rPr lang="ko-KR" altLang="en-US" sz="3200" dirty="0"/>
+              <a:t>전송하는 데이터 크기 제한 없음</a:t>
+            </a:r>
+            <a:r>
+              <a:rPr lang="en-US" altLang="ko-KR" sz="3200" dirty="0"/>
+              <a:t>, </a:t>
+            </a:r>
+            <a:endParaRPr lang="ko-KR" altLang="en-US" sz="3200" dirty="0"/>
           </a:p>
         </p:txBody>
       </p:sp>
       <p:sp>
         <p:nvSpPr>
-          <p:cNvPr id="3" name="TextBox 2"/>
-          <p:cNvSpPr txBox="1"/>
+          <p:cNvPr id="4" name="오른쪽 화살표 3"/>
+          <p:cNvSpPr/>
           <p:nvPr/>
         </p:nvSpPr>
         <p:spPr>
           <a:xfrm>
-            <a:off x="4958862" y="1090246"/>
-            <a:ext cx="6013938" cy="3754874"/>
-          </a:xfrm>
-          <a:prstGeom prst="rect">
-            <a:avLst/>
-          </a:prstGeom>
-          <a:noFill/>
-        </p:spPr>
+            <a:off x="860612" y="1407459"/>
+            <a:ext cx="462002" cy="295835"/>
+          </a:xfrm>
+          <a:prstGeom prst="rightArrow">
+            <a:avLst/>
+          </a:prstGeom>
+          <a:solidFill>
+            <a:srgbClr val="FF0000"/>
+          </a:solidFill>
+        </p:spPr>
+        <p:style>
+          <a:lnRef idx="2">
+            <a:schemeClr val="accent2">
+              <a:shade val="50000"/>
+            </a:schemeClr>
+          </a:lnRef>
+          <a:fillRef idx="1">
+            <a:schemeClr val="accent2"/>
+          </a:fillRef>
+          <a:effectRef idx="0">
+            <a:schemeClr val="accent2"/>
+          </a:effectRef>
+          <a:fontRef idx="minor">
+            <a:schemeClr val="lt1"/>
+          </a:fontRef>
+        </p:style>
         <p:txBody>
-          <a:bodyPr wrap="square" rtlCol="0">
-            <a:spAutoFit/>
-          </a:bodyPr>
+          <a:bodyPr rtlCol="0" anchor="ctr"/>
           <a:lstStyle/>
           <a:p>
-            <a:r>
-              <a:rPr lang="ko-KR" altLang="en-US" sz="4400" dirty="0" smtClean="0"/>
-              <a:t>이번 프로젝트는 </a:t>
-            </a:r>
-            <a:r>
-              <a:rPr lang="en-US" altLang="ko-KR" sz="4400" dirty="0" smtClean="0"/>
-              <a:t>DB</a:t>
-            </a:r>
-            <a:r>
-              <a:rPr lang="ko-KR" altLang="en-US" sz="4400" dirty="0" smtClean="0"/>
-              <a:t>를 사용하니</a:t>
-            </a:r>
-            <a:endParaRPr lang="en-US" altLang="ko-KR" sz="4400" dirty="0" smtClean="0"/>
-          </a:p>
-          <a:p>
-            <a:r>
-              <a:rPr lang="en-US" altLang="ko-KR" sz="4400" dirty="0" smtClean="0"/>
-              <a:t>Form </a:t>
-            </a:r>
-            <a:r>
-              <a:rPr lang="ko-KR" altLang="en-US" sz="4400" dirty="0" smtClean="0"/>
-              <a:t>태그를 사용해</a:t>
-            </a:r>
-            <a:endParaRPr lang="en-US" altLang="ko-KR" sz="4400" dirty="0" smtClean="0"/>
-          </a:p>
-          <a:p>
-            <a:r>
-              <a:rPr lang="ko-KR" altLang="en-US" sz="4400" dirty="0" smtClean="0"/>
-              <a:t>사용자 입력을 받아야 </a:t>
-            </a:r>
-            <a:r>
-              <a:rPr lang="ko-KR" altLang="en-US" sz="4400" dirty="0" err="1" smtClean="0"/>
-              <a:t>겠구나</a:t>
-            </a:r>
-            <a:r>
-              <a:rPr lang="en-US" altLang="ko-KR" sz="4400" dirty="0" smtClean="0"/>
-              <a:t>!</a:t>
-            </a:r>
-          </a:p>
-          <a:p>
-            <a:endParaRPr lang="ko-KR" altLang="en-US" dirty="0"/>
+            <a:pPr algn="ctr"/>
+            <a:endParaRPr lang="ko-KR" altLang="en-US"/>
           </a:p>
         </p:txBody>
       </p:sp>
     </p:spTree>
     <p:extLst>
       <p:ext uri="{BB962C8B-B14F-4D97-AF65-F5344CB8AC3E}">
-        <p14:creationId xmlns:p14="http://schemas.microsoft.com/office/powerpoint/2010/main" val="2968226639"/>
+        <p14:creationId xmlns:p14="http://schemas.microsoft.com/office/powerpoint/2010/main" val="776905346"/>
       </p:ext>
     </p:extLst>
   </p:cSld>
   <p:clrMapOvr>
     <a:masterClrMapping/>
   </p:clrMapOvr>
-  <p:timing>
-    <p:tnLst>
-      <p:par>
-        <p:cTn id="1" dur="indefinite" restart="never" nodeType="tmRoot"/>
-      </p:par>
-    </p:tnLst>
-  </p:timing>
 </p:sld>
 </file>
 
-<file path=ppt/slides/slide6.xml><?xml version="1.0" encoding="utf-8"?>
+<file path=ppt/slides/slide7.xml><?xml version="1.0" encoding="utf-8"?>
 <p:sld xmlns:a="http://schemas.openxmlformats.org/drawingml/2006/main" xmlns:r="http://schemas.openxmlformats.org/officeDocument/2006/relationships" xmlns:p="http://schemas.openxmlformats.org/presentationml/2006/main">
   <p:cSld>
     <p:bg>
@@ -16228,7 +16712,7 @@
           <a:lstStyle/>
           <a:p>
             <a:r>
-              <a:rPr lang="ko-KR" altLang="en-US" sz="2800" b="1" dirty="0" err="1" smtClean="0">
+              <a:rPr lang="ko-KR" altLang="en-US" sz="2800" b="1" dirty="0" err="1">
                 <a:ln w="6600">
                   <a:solidFill>
                     <a:schemeClr val="tx1"/>
@@ -16247,7 +16731,7 @@
               <a:t>코</a:t>
             </a:r>
             <a:r>
-              <a:rPr lang="ko-KR" altLang="en-US" sz="2800" b="1" dirty="0" err="1" smtClean="0">
+              <a:rPr lang="ko-KR" altLang="en-US" sz="2800" b="1" dirty="0" err="1">
                 <a:ln w="6600">
                   <a:solidFill>
                     <a:schemeClr val="tx1"/>
@@ -16266,7 +16750,7 @@
               <a:t>드</a:t>
             </a:r>
             <a:r>
-              <a:rPr lang="ko-KR" altLang="en-US" sz="2800" b="1" dirty="0" err="1" smtClean="0">
+              <a:rPr lang="ko-KR" altLang="en-US" sz="2800" b="1" dirty="0" err="1">
                 <a:ln w="6600">
                   <a:solidFill>
                     <a:schemeClr val="tx1"/>
@@ -16285,7 +16769,7 @@
               <a:t>리</a:t>
             </a:r>
             <a:r>
-              <a:rPr lang="ko-KR" altLang="en-US" sz="2800" b="1" dirty="0" err="1" smtClean="0">
+              <a:rPr lang="ko-KR" altLang="en-US" sz="2800" b="1" dirty="0" err="1">
                 <a:ln w="6600">
                   <a:solidFill>
                     <a:schemeClr val="tx1"/>
@@ -16303,7 +16787,7 @@
               </a:rPr>
               <a:t>뷰</a:t>
             </a:r>
-            <a:endParaRPr lang="en-US" altLang="ko-KR" sz="2800" b="1" dirty="0" smtClean="0">
+            <a:endParaRPr lang="en-US" altLang="ko-KR" sz="2800" b="1" dirty="0">
               <a:ln w="6600">
                 <a:solidFill>
                   <a:schemeClr val="tx1"/>
@@ -16382,7 +16866,7 @@
           <p:nvPr/>
         </p:nvPicPr>
         <p:blipFill rotWithShape="1">
-          <a:blip r:embed="rId3" cstate="hqprint">
+          <a:blip r:embed="rId3">
             <a:extLst>
               <a:ext uri="{28A0092B-C50C-407E-A947-70E740481C1C}">
                 <a14:useLocalDpi xmlns:a14="http://schemas.microsoft.com/office/drawing/2010/main" val="0"/>
@@ -16394,8 +16878,8 @@
         </p:blipFill>
         <p:spPr bwMode="auto">
           <a:xfrm>
-            <a:off x="9406881" y="5687650"/>
-            <a:ext cx="1033869" cy="1003889"/>
+            <a:off x="9406881" y="4132386"/>
+            <a:ext cx="2635580" cy="2559154"/>
           </a:xfrm>
           <a:prstGeom prst="rect">
             <a:avLst/>
@@ -16414,14 +16898,14 @@
       </p:pic>
       <p:sp>
         <p:nvSpPr>
-          <p:cNvPr id="3" name="TextBox 2"/>
+          <p:cNvPr id="2" name="TextBox 1"/>
           <p:cNvSpPr txBox="1"/>
           <p:nvPr/>
         </p:nvSpPr>
         <p:spPr>
           <a:xfrm>
-            <a:off x="1322614" y="1240971"/>
-            <a:ext cx="10195309" cy="5016758"/>
+            <a:off x="1002323" y="1125415"/>
+            <a:ext cx="8669215" cy="3046988"/>
           </a:xfrm>
           <a:prstGeom prst="rect">
             <a:avLst/>
@@ -16435,200 +16919,82 @@
           <a:lstStyle/>
           <a:p>
             <a:r>
-              <a:rPr lang="en-US" altLang="ko-KR" sz="3200" dirty="0" smtClean="0"/>
-              <a:t>&lt;form&gt;: </a:t>
-            </a:r>
-            <a:r>
-              <a:rPr lang="ko-KR" altLang="en-US" sz="3200" dirty="0" smtClean="0"/>
-              <a:t>사용자 입력을 받는 데 사용</a:t>
-            </a:r>
-            <a:endParaRPr lang="en-US" altLang="ko-KR" sz="3200" dirty="0" smtClean="0"/>
-          </a:p>
-          <a:p>
-            <a:endParaRPr lang="en-US" altLang="ko-KR" sz="3200" dirty="0" smtClean="0"/>
-          </a:p>
-          <a:p>
-            <a:r>
-              <a:rPr lang="en-US" altLang="ko-KR" sz="3200" dirty="0" smtClean="0"/>
-              <a:t>Method </a:t>
-            </a:r>
-            <a:r>
-              <a:rPr lang="ko-KR" altLang="en-US" sz="3200" dirty="0" smtClean="0"/>
-              <a:t>속성으로 </a:t>
-            </a:r>
-            <a:r>
-              <a:rPr lang="en-US" altLang="ko-KR" sz="3200" dirty="0" smtClean="0"/>
-              <a:t>get, post </a:t>
-            </a:r>
-            <a:r>
-              <a:rPr lang="ko-KR" altLang="en-US" sz="3200" dirty="0" smtClean="0"/>
-              <a:t>방식 중 선택 가능</a:t>
-            </a:r>
-            <a:endParaRPr lang="en-US" altLang="ko-KR" sz="3200" dirty="0" smtClean="0"/>
-          </a:p>
-          <a:p>
-            <a:endParaRPr lang="en-US" altLang="ko-KR" sz="3200" dirty="0" smtClean="0"/>
-          </a:p>
-          <a:p>
-            <a:r>
-              <a:rPr lang="en-US" altLang="ko-KR" sz="3200" dirty="0" smtClean="0"/>
-              <a:t>Get: </a:t>
-            </a:r>
-            <a:r>
-              <a:rPr lang="ko-KR" altLang="en-US" sz="3200" dirty="0" smtClean="0"/>
-              <a:t>주로 데이터 가져오기 위해 사용</a:t>
+              <a:rPr lang="ko-KR" altLang="en-US" sz="3200" dirty="0"/>
+              <a:t>캐시</a:t>
+            </a:r>
+            <a:r>
+              <a:rPr lang="en-US" altLang="ko-KR" sz="3200" dirty="0"/>
+              <a:t>(Cache) : </a:t>
+            </a:r>
+            <a:r>
+              <a:rPr lang="ko-KR" altLang="en-US" sz="3200" dirty="0"/>
+              <a:t>임시 저장소</a:t>
             </a:r>
             <a:endParaRPr lang="en-US" altLang="ko-KR" sz="3200" dirty="0"/>
           </a:p>
           <a:p>
             <a:r>
-              <a:rPr lang="en-US" altLang="ko-KR" sz="3200" dirty="0" smtClean="0"/>
-              <a:t> -</a:t>
-            </a:r>
-            <a:r>
-              <a:rPr lang="ko-KR" altLang="en-US" sz="3200" dirty="0" smtClean="0"/>
-              <a:t>빠르고 간단</a:t>
-            </a:r>
-            <a:r>
-              <a:rPr lang="en-US" altLang="ko-KR" sz="3200" dirty="0" smtClean="0"/>
-              <a:t>, </a:t>
-            </a:r>
-            <a:r>
-              <a:rPr lang="ko-KR" altLang="en-US" sz="3200" dirty="0" err="1" smtClean="0"/>
-              <a:t>캐싱</a:t>
-            </a:r>
-            <a:r>
-              <a:rPr lang="ko-KR" altLang="en-US" sz="3200" dirty="0" smtClean="0"/>
-              <a:t> 가능</a:t>
-            </a:r>
-            <a:r>
-              <a:rPr lang="en-US" altLang="ko-KR" sz="3200" dirty="0" smtClean="0"/>
-              <a:t>, </a:t>
-            </a:r>
-            <a:r>
-              <a:rPr lang="ko-KR" altLang="en-US" sz="3200" dirty="0" smtClean="0"/>
-              <a:t>보안 취약</a:t>
-            </a:r>
-            <a:r>
-              <a:rPr lang="en-US" altLang="ko-KR" sz="3200" dirty="0" smtClean="0"/>
-              <a:t>, </a:t>
-            </a:r>
-            <a:r>
-              <a:rPr lang="ko-KR" altLang="en-US" sz="3200" dirty="0" smtClean="0"/>
-              <a:t>전송되는 데이터 제한 있음</a:t>
-            </a:r>
-            <a:endParaRPr lang="en-US" altLang="ko-KR" sz="3200" dirty="0" smtClean="0"/>
-          </a:p>
-          <a:p>
-            <a:r>
-              <a:rPr lang="en-US" altLang="ko-KR" sz="3200" dirty="0" smtClean="0"/>
-              <a:t> </a:t>
-            </a:r>
-          </a:p>
-          <a:p>
-            <a:r>
-              <a:rPr lang="en-US" altLang="ko-KR" sz="3200" dirty="0" smtClean="0"/>
-              <a:t>Post: </a:t>
-            </a:r>
-            <a:r>
-              <a:rPr lang="ko-KR" altLang="en-US" sz="3200" dirty="0" smtClean="0"/>
-              <a:t>주로 데이터 전송하는데 사용</a:t>
-            </a:r>
-            <a:endParaRPr lang="en-US" altLang="ko-KR" sz="3200" dirty="0" smtClean="0"/>
-          </a:p>
-          <a:p>
-            <a:r>
               <a:rPr lang="en-US" altLang="ko-KR" sz="3200" dirty="0"/>
-              <a:t> </a:t>
-            </a:r>
-            <a:r>
-              <a:rPr lang="en-US" altLang="ko-KR" sz="3200" dirty="0" smtClean="0"/>
-              <a:t>- </a:t>
-            </a:r>
-            <a:r>
-              <a:rPr lang="ko-KR" altLang="en-US" sz="3200" dirty="0" smtClean="0"/>
-              <a:t>보안상 안전</a:t>
-            </a:r>
-            <a:r>
-              <a:rPr lang="en-US" altLang="ko-KR" sz="3200" dirty="0" smtClean="0"/>
-              <a:t>, </a:t>
-            </a:r>
-            <a:r>
-              <a:rPr lang="ko-KR" altLang="en-US" sz="3200" dirty="0" smtClean="0"/>
-              <a:t>전송하는 데이터 크기 제한 없음</a:t>
-            </a:r>
-            <a:r>
-              <a:rPr lang="en-US" altLang="ko-KR" sz="3200" dirty="0" smtClean="0"/>
-              <a:t>, </a:t>
+              <a:t>-</a:t>
+            </a:r>
+            <a:r>
+              <a:rPr lang="ko-KR" altLang="en-US" sz="3200" dirty="0"/>
+              <a:t>다시 사용 될 가능성이 높은 데이터를 저장해 빠르게 불러올 수 있어서 성능 향상 가능</a:t>
+            </a:r>
+            <a:r>
+              <a:rPr lang="en-US" altLang="ko-KR" sz="3200" dirty="0"/>
+              <a:t>!</a:t>
+            </a:r>
+          </a:p>
+          <a:p>
+            <a:r>
+              <a:rPr lang="ko-KR" altLang="en-US" sz="3200" dirty="0"/>
+              <a:t>하지만 </a:t>
+            </a:r>
+            <a:r>
+              <a:rPr lang="en-US" altLang="ko-KR" sz="3200" dirty="0"/>
+              <a:t>get </a:t>
+            </a:r>
+            <a:r>
+              <a:rPr lang="ko-KR" altLang="en-US" sz="3200" dirty="0"/>
+              <a:t>방식만 가능하다</a:t>
+            </a:r>
+            <a:r>
+              <a:rPr lang="en-US" altLang="ko-KR" sz="3200" dirty="0"/>
+              <a:t>,,,</a:t>
+            </a:r>
+          </a:p>
+          <a:p>
+            <a:r>
+              <a:rPr lang="en-US" altLang="ko-KR" sz="3200" dirty="0"/>
+              <a:t>Post </a:t>
+            </a:r>
+            <a:r>
+              <a:rPr lang="ko-KR" altLang="en-US" sz="3200" dirty="0"/>
+              <a:t>방식은 같은 요청이 반복되어도 항상 새로운 데이터를 받아야 하기 때문</a:t>
+            </a:r>
+            <a:r>
+              <a:rPr lang="en-US" altLang="ko-KR" sz="3200" dirty="0"/>
+              <a:t>..</a:t>
             </a:r>
             <a:endParaRPr lang="ko-KR" altLang="en-US" sz="3200" dirty="0"/>
-          </a:p>
-        </p:txBody>
-      </p:sp>
-      <p:sp>
-        <p:nvSpPr>
-          <p:cNvPr id="4" name="오른쪽 화살표 3"/>
-          <p:cNvSpPr/>
-          <p:nvPr/>
-        </p:nvSpPr>
-        <p:spPr>
-          <a:xfrm>
-            <a:off x="860612" y="1407459"/>
-            <a:ext cx="462002" cy="295835"/>
-          </a:xfrm>
-          <a:prstGeom prst="rightArrow">
-            <a:avLst/>
-          </a:prstGeom>
-          <a:solidFill>
-            <a:srgbClr val="FF0000"/>
-          </a:solidFill>
-        </p:spPr>
-        <p:style>
-          <a:lnRef idx="2">
-            <a:schemeClr val="accent2">
-              <a:shade val="50000"/>
-            </a:schemeClr>
-          </a:lnRef>
-          <a:fillRef idx="1">
-            <a:schemeClr val="accent2"/>
-          </a:fillRef>
-          <a:effectRef idx="0">
-            <a:schemeClr val="accent2"/>
-          </a:effectRef>
-          <a:fontRef idx="minor">
-            <a:schemeClr val="lt1"/>
-          </a:fontRef>
-        </p:style>
-        <p:txBody>
-          <a:bodyPr rtlCol="0" anchor="ctr"/>
-          <a:lstStyle/>
-          <a:p>
-            <a:pPr algn="ctr"/>
-            <a:endParaRPr lang="ko-KR" altLang="en-US"/>
           </a:p>
         </p:txBody>
       </p:sp>
     </p:spTree>
     <p:extLst>
       <p:ext uri="{BB962C8B-B14F-4D97-AF65-F5344CB8AC3E}">
-        <p14:creationId xmlns:p14="http://schemas.microsoft.com/office/powerpoint/2010/main" val="776905346"/>
+        <p14:creationId xmlns:p14="http://schemas.microsoft.com/office/powerpoint/2010/main" val="1499611589"/>
       </p:ext>
     </p:extLst>
   </p:cSld>
   <p:clrMapOvr>
     <a:masterClrMapping/>
   </p:clrMapOvr>
-  <p:timing>
-    <p:tnLst>
-      <p:par>
-        <p:cTn id="1" dur="indefinite" restart="never" nodeType="tmRoot"/>
-      </p:par>
-    </p:tnLst>
-  </p:timing>
 </p:sld>
 </file>
 
-<file path=ppt/slides/slide7.xml><?xml version="1.0" encoding="utf-8"?>
+<file path=ppt/slides/slide8.xml><?xml version="1.0" encoding="utf-8"?>
 <p:sld xmlns:a="http://schemas.openxmlformats.org/drawingml/2006/main" xmlns:r="http://schemas.openxmlformats.org/officeDocument/2006/relationships" xmlns:p="http://schemas.openxmlformats.org/presentationml/2006/main">
   <p:cSld>
     <p:bg>
@@ -16705,7 +17071,7 @@
           <a:lstStyle/>
           <a:p>
             <a:r>
-              <a:rPr lang="ko-KR" altLang="en-US" sz="2800" b="1" dirty="0" err="1" smtClean="0">
+              <a:rPr lang="ko-KR" altLang="en-US" sz="2800" b="1" dirty="0" err="1">
                 <a:ln w="6600">
                   <a:solidFill>
                     <a:schemeClr val="tx1"/>
@@ -16724,7 +17090,7 @@
               <a:t>코</a:t>
             </a:r>
             <a:r>
-              <a:rPr lang="ko-KR" altLang="en-US" sz="2800" b="1" dirty="0" err="1" smtClean="0">
+              <a:rPr lang="ko-KR" altLang="en-US" sz="2800" b="1" dirty="0" err="1">
                 <a:ln w="6600">
                   <a:solidFill>
                     <a:schemeClr val="tx1"/>
@@ -16743,7 +17109,7 @@
               <a:t>드</a:t>
             </a:r>
             <a:r>
-              <a:rPr lang="ko-KR" altLang="en-US" sz="2800" b="1" dirty="0" err="1" smtClean="0">
+              <a:rPr lang="ko-KR" altLang="en-US" sz="2800" b="1" dirty="0" err="1">
                 <a:ln w="6600">
                   <a:solidFill>
                     <a:schemeClr val="tx1"/>
@@ -16762,7 +17128,7 @@
               <a:t>리</a:t>
             </a:r>
             <a:r>
-              <a:rPr lang="ko-KR" altLang="en-US" sz="2800" b="1" dirty="0" err="1" smtClean="0">
+              <a:rPr lang="ko-KR" altLang="en-US" sz="2800" b="1" dirty="0" err="1">
                 <a:ln w="6600">
                   <a:solidFill>
                     <a:schemeClr val="tx1"/>
@@ -16780,7 +17146,7 @@
               </a:rPr>
               <a:t>뷰</a:t>
             </a:r>
-            <a:endParaRPr lang="en-US" altLang="ko-KR" sz="2800" b="1" dirty="0" smtClean="0">
+            <a:endParaRPr lang="en-US" altLang="ko-KR" sz="2800" b="1" dirty="0">
               <a:ln w="6600">
                 <a:solidFill>
                   <a:schemeClr val="tx1"/>
@@ -16859,7 +17225,7 @@
           <p:nvPr/>
         </p:nvPicPr>
         <p:blipFill rotWithShape="1">
-          <a:blip r:embed="rId3">
+          <a:blip r:embed="rId3" cstate="hqprint">
             <a:extLst>
               <a:ext uri="{28A0092B-C50C-407E-A947-70E740481C1C}">
                 <a14:useLocalDpi xmlns:a14="http://schemas.microsoft.com/office/drawing/2010/main" val="0"/>
@@ -16871,8 +17237,8 @@
         </p:blipFill>
         <p:spPr bwMode="auto">
           <a:xfrm>
-            <a:off x="9406881" y="4132386"/>
-            <a:ext cx="2635580" cy="2559154"/>
+            <a:off x="9191727" y="170734"/>
+            <a:ext cx="2636095" cy="2559654"/>
           </a:xfrm>
           <a:prstGeom prst="rect">
             <a:avLst/>
@@ -16897,8 +17263,8 @@
         </p:nvSpPr>
         <p:spPr>
           <a:xfrm>
-            <a:off x="1002323" y="1125415"/>
-            <a:ext cx="8669215" cy="3046988"/>
+            <a:off x="844062" y="1143000"/>
+            <a:ext cx="10849707" cy="1754326"/>
           </a:xfrm>
           <a:prstGeom prst="rect">
             <a:avLst/>
@@ -16912,89 +17278,357 @@
           <a:lstStyle/>
           <a:p>
             <a:r>
-              <a:rPr lang="ko-KR" altLang="en-US" sz="3200" dirty="0" smtClean="0"/>
-              <a:t>캐시</a:t>
-            </a:r>
-            <a:r>
-              <a:rPr lang="en-US" altLang="ko-KR" sz="3200" dirty="0" smtClean="0"/>
-              <a:t>(Cache) : </a:t>
-            </a:r>
-            <a:r>
-              <a:rPr lang="ko-KR" altLang="en-US" sz="3200" dirty="0" smtClean="0"/>
-              <a:t>임시 저장소</a:t>
-            </a:r>
-            <a:endParaRPr lang="en-US" altLang="ko-KR" sz="3200" dirty="0" smtClean="0"/>
-          </a:p>
-          <a:p>
-            <a:r>
-              <a:rPr lang="en-US" altLang="ko-KR" sz="3200" dirty="0" smtClean="0"/>
-              <a:t>-</a:t>
-            </a:r>
-            <a:r>
-              <a:rPr lang="ko-KR" altLang="en-US" sz="3200" dirty="0" smtClean="0"/>
-              <a:t>다시 사용 될 가능성이 높은 데이터를 저장해 빠르게 불러올 수 있어서 성능 향상 가능</a:t>
-            </a:r>
-            <a:r>
-              <a:rPr lang="en-US" altLang="ko-KR" sz="3200" dirty="0" smtClean="0"/>
+              <a:rPr lang="en-US" altLang="ko-KR" dirty="0"/>
+              <a:t>&lt;form&gt; </a:t>
+            </a:r>
+            <a:r>
+              <a:rPr lang="ko-KR" altLang="en-US" dirty="0"/>
+              <a:t>의 다른 속성 </a:t>
+            </a:r>
+            <a:r>
+              <a:rPr lang="en-US" altLang="ko-KR" dirty="0"/>
+              <a:t>action….</a:t>
+            </a:r>
+          </a:p>
+          <a:p>
+            <a:r>
+              <a:rPr lang="en-US" altLang="ko-KR" dirty="0"/>
+              <a:t>Form</a:t>
+            </a:r>
+            <a:r>
+              <a:rPr lang="ko-KR" altLang="en-US" dirty="0"/>
+              <a:t>에서 </a:t>
+            </a:r>
+            <a:r>
+              <a:rPr lang="ko-KR" altLang="en-US" dirty="0" err="1"/>
+              <a:t>입력받은</a:t>
+            </a:r>
+            <a:r>
+              <a:rPr lang="ko-KR" altLang="en-US" dirty="0"/>
+              <a:t> 데이터를 어떻게 처리할 지</a:t>
+            </a:r>
+            <a:r>
+              <a:rPr lang="en-US" altLang="ko-KR" dirty="0"/>
+              <a:t>?</a:t>
+            </a:r>
+          </a:p>
+          <a:p>
+            <a:endParaRPr lang="en-US" altLang="ko-KR" dirty="0"/>
+          </a:p>
+          <a:p>
+            <a:r>
+              <a:rPr lang="ko-KR" altLang="en-US" dirty="0" err="1"/>
+              <a:t>예를들면</a:t>
+            </a:r>
+            <a:r>
+              <a:rPr lang="en-US" altLang="ko-KR" dirty="0"/>
+              <a:t>,,,,,</a:t>
+            </a:r>
+            <a:r>
+              <a:rPr lang="ko-KR" altLang="en-US" dirty="0"/>
+              <a:t>로그인 페이지에서 </a:t>
+            </a:r>
+            <a:r>
+              <a:rPr lang="en-US" altLang="ko-KR" dirty="0"/>
+              <a:t>ID</a:t>
+            </a:r>
+            <a:r>
+              <a:rPr lang="ko-KR" altLang="en-US" dirty="0"/>
+              <a:t>와 </a:t>
+            </a:r>
+            <a:r>
+              <a:rPr lang="en-US" altLang="ko-KR" dirty="0"/>
+              <a:t>PW</a:t>
+            </a:r>
+            <a:r>
+              <a:rPr lang="ko-KR" altLang="en-US" dirty="0"/>
+              <a:t>를 </a:t>
+            </a:r>
+            <a:r>
+              <a:rPr lang="ko-KR" altLang="en-US" dirty="0" err="1"/>
+              <a:t>입력받으면</a:t>
+            </a:r>
+            <a:r>
+              <a:rPr lang="ko-KR" altLang="en-US" dirty="0"/>
+              <a:t> 어떻게 처리할까</a:t>
+            </a:r>
+            <a:r>
+              <a:rPr lang="en-US" altLang="ko-KR" dirty="0"/>
+              <a:t>?</a:t>
+            </a:r>
+          </a:p>
+          <a:p>
+            <a:endParaRPr lang="en-US" altLang="ko-KR" dirty="0"/>
+          </a:p>
+          <a:p>
+            <a:endParaRPr lang="ko-KR" altLang="en-US" dirty="0"/>
+          </a:p>
+        </p:txBody>
+      </p:sp>
+      <p:pic>
+        <p:nvPicPr>
+          <p:cNvPr id="3" name="그림 2"/>
+          <p:cNvPicPr>
+            <a:picLocks noChangeAspect="1"/>
+          </p:cNvPicPr>
+          <p:nvPr/>
+        </p:nvPicPr>
+        <p:blipFill>
+          <a:blip r:embed="rId4"/>
+          <a:stretch>
+            <a:fillRect/>
+          </a:stretch>
+        </p:blipFill>
+        <p:spPr>
+          <a:xfrm>
+            <a:off x="1511261" y="2768230"/>
+            <a:ext cx="10359592" cy="2650504"/>
+          </a:xfrm>
+          <a:prstGeom prst="rect">
+            <a:avLst/>
+          </a:prstGeom>
+        </p:spPr>
+      </p:pic>
+      <p:sp>
+        <p:nvSpPr>
+          <p:cNvPr id="15" name="폭발 1 14"/>
+          <p:cNvSpPr/>
+          <p:nvPr/>
+        </p:nvSpPr>
+        <p:spPr>
+          <a:xfrm>
+            <a:off x="5853953" y="4751929"/>
+            <a:ext cx="546847" cy="385483"/>
+          </a:xfrm>
+          <a:prstGeom prst="irregularSeal1">
+            <a:avLst/>
+          </a:prstGeom>
+        </p:spPr>
+        <p:style>
+          <a:lnRef idx="2">
+            <a:schemeClr val="accent4">
+              <a:shade val="50000"/>
+            </a:schemeClr>
+          </a:lnRef>
+          <a:fillRef idx="1">
+            <a:schemeClr val="accent4"/>
+          </a:fillRef>
+          <a:effectRef idx="0">
+            <a:schemeClr val="accent4"/>
+          </a:effectRef>
+          <a:fontRef idx="minor">
+            <a:schemeClr val="lt1"/>
+          </a:fontRef>
+        </p:style>
+        <p:txBody>
+          <a:bodyPr rtlCol="0" anchor="ctr"/>
+          <a:lstStyle/>
+          <a:p>
+            <a:pPr algn="ctr"/>
+            <a:endParaRPr lang="ko-KR" altLang="en-US"/>
+          </a:p>
+        </p:txBody>
+      </p:sp>
+      <p:sp>
+        <p:nvSpPr>
+          <p:cNvPr id="16" name="TextBox 15"/>
+          <p:cNvSpPr txBox="1"/>
+          <p:nvPr/>
+        </p:nvSpPr>
+        <p:spPr>
+          <a:xfrm rot="20831539">
+            <a:off x="5620871" y="4761158"/>
+            <a:ext cx="1237129" cy="276999"/>
+          </a:xfrm>
+          <a:prstGeom prst="rect">
+            <a:avLst/>
+          </a:prstGeom>
+          <a:noFill/>
+        </p:spPr>
+        <p:txBody>
+          <a:bodyPr wrap="square" rtlCol="0">
+            <a:spAutoFit/>
+          </a:bodyPr>
+          <a:lstStyle/>
+          <a:p>
+            <a:r>
+              <a:rPr lang="ko-KR" altLang="en-US" sz="1200" dirty="0">
+                <a:solidFill>
+                  <a:srgbClr val="FF0000"/>
+                </a:solidFill>
+              </a:rPr>
+              <a:t>매우중요하다</a:t>
+            </a:r>
+            <a:r>
+              <a:rPr lang="en-US" altLang="ko-KR" sz="1200" dirty="0">
+                <a:solidFill>
+                  <a:srgbClr val="FF0000"/>
+                </a:solidFill>
+              </a:rPr>
               <a:t>!</a:t>
             </a:r>
-          </a:p>
-          <a:p>
-            <a:r>
-              <a:rPr lang="ko-KR" altLang="en-US" sz="3200" dirty="0" smtClean="0"/>
-              <a:t>하지만 </a:t>
-            </a:r>
-            <a:r>
-              <a:rPr lang="en-US" altLang="ko-KR" sz="3200" dirty="0" smtClean="0"/>
-              <a:t>get </a:t>
-            </a:r>
-            <a:r>
-              <a:rPr lang="ko-KR" altLang="en-US" sz="3200" dirty="0" smtClean="0"/>
-              <a:t>방식만 가능하다</a:t>
-            </a:r>
-            <a:r>
-              <a:rPr lang="en-US" altLang="ko-KR" sz="3200" dirty="0" smtClean="0"/>
-              <a:t>,,,</a:t>
-            </a:r>
-          </a:p>
-          <a:p>
-            <a:r>
-              <a:rPr lang="en-US" altLang="ko-KR" sz="3200" dirty="0" smtClean="0"/>
-              <a:t>Post </a:t>
-            </a:r>
-            <a:r>
-              <a:rPr lang="ko-KR" altLang="en-US" sz="3200" dirty="0" smtClean="0"/>
-              <a:t>방식은 같은 요청이 반복되어도 항상 새로운 데이터를 받아야 하기 때문</a:t>
-            </a:r>
-            <a:r>
-              <a:rPr lang="en-US" altLang="ko-KR" sz="3200" dirty="0" smtClean="0"/>
-              <a:t>..</a:t>
-            </a:r>
-            <a:endParaRPr lang="ko-KR" altLang="en-US" sz="3200" dirty="0"/>
+            <a:endParaRPr lang="ko-KR" altLang="en-US" sz="1200" dirty="0">
+              <a:solidFill>
+                <a:srgbClr val="FF0000"/>
+              </a:solidFill>
+            </a:endParaRPr>
+          </a:p>
+        </p:txBody>
+      </p:sp>
+      <p:sp>
+        <p:nvSpPr>
+          <p:cNvPr id="17" name="직사각형 16"/>
+          <p:cNvSpPr/>
+          <p:nvPr/>
+        </p:nvSpPr>
+        <p:spPr>
+          <a:xfrm>
+            <a:off x="5082988" y="3527989"/>
+            <a:ext cx="1662057" cy="543683"/>
+          </a:xfrm>
+          <a:prstGeom prst="rect">
+            <a:avLst/>
+          </a:prstGeom>
+          <a:noFill/>
+          <a:ln w="63500">
+            <a:solidFill>
+              <a:schemeClr val="accent4"/>
+            </a:solidFill>
+          </a:ln>
+        </p:spPr>
+        <p:style>
+          <a:lnRef idx="2">
+            <a:schemeClr val="accent1">
+              <a:shade val="50000"/>
+            </a:schemeClr>
+          </a:lnRef>
+          <a:fillRef idx="1">
+            <a:schemeClr val="accent1"/>
+          </a:fillRef>
+          <a:effectRef idx="0">
+            <a:schemeClr val="accent1"/>
+          </a:effectRef>
+          <a:fontRef idx="minor">
+            <a:schemeClr val="lt1"/>
+          </a:fontRef>
+        </p:style>
+        <p:txBody>
+          <a:bodyPr rtlCol="0" anchor="ctr"/>
+          <a:lstStyle/>
+          <a:p>
+            <a:pPr algn="ctr"/>
+            <a:endParaRPr lang="ko-KR" altLang="en-US"/>
+          </a:p>
+        </p:txBody>
+      </p:sp>
+      <p:sp>
+        <p:nvSpPr>
+          <p:cNvPr id="18" name="직사각형 17"/>
+          <p:cNvSpPr/>
+          <p:nvPr/>
+        </p:nvSpPr>
+        <p:spPr>
+          <a:xfrm>
+            <a:off x="5030988" y="4326791"/>
+            <a:ext cx="1692541" cy="359853"/>
+          </a:xfrm>
+          <a:prstGeom prst="rect">
+            <a:avLst/>
+          </a:prstGeom>
+          <a:noFill/>
+          <a:ln w="63500">
+            <a:solidFill>
+              <a:schemeClr val="accent4"/>
+            </a:solidFill>
+          </a:ln>
+        </p:spPr>
+        <p:style>
+          <a:lnRef idx="2">
+            <a:schemeClr val="accent1">
+              <a:shade val="50000"/>
+            </a:schemeClr>
+          </a:lnRef>
+          <a:fillRef idx="1">
+            <a:schemeClr val="accent1"/>
+          </a:fillRef>
+          <a:effectRef idx="0">
+            <a:schemeClr val="accent1"/>
+          </a:effectRef>
+          <a:fontRef idx="minor">
+            <a:schemeClr val="lt1"/>
+          </a:fontRef>
+        </p:style>
+        <p:txBody>
+          <a:bodyPr rtlCol="0" anchor="ctr"/>
+          <a:lstStyle/>
+          <a:p>
+            <a:pPr algn="ctr"/>
+            <a:endParaRPr lang="ko-KR" altLang="en-US"/>
+          </a:p>
+        </p:txBody>
+      </p:sp>
+      <p:sp>
+        <p:nvSpPr>
+          <p:cNvPr id="19" name="타원 18"/>
+          <p:cNvSpPr/>
+          <p:nvPr/>
+        </p:nvSpPr>
+        <p:spPr>
+          <a:xfrm>
+            <a:off x="2173045" y="2897326"/>
+            <a:ext cx="4410635" cy="329968"/>
+          </a:xfrm>
+          <a:prstGeom prst="ellipse">
+            <a:avLst/>
+          </a:prstGeom>
+          <a:noFill/>
+          <a:ln>
+            <a:solidFill>
+              <a:schemeClr val="accent2">
+                <a:lumMod val="75000"/>
+              </a:schemeClr>
+            </a:solidFill>
+          </a:ln>
+        </p:spPr>
+        <p:style>
+          <a:lnRef idx="2">
+            <a:schemeClr val="accent1">
+              <a:shade val="50000"/>
+            </a:schemeClr>
+          </a:lnRef>
+          <a:fillRef idx="1">
+            <a:schemeClr val="accent1"/>
+          </a:fillRef>
+          <a:effectRef idx="0">
+            <a:schemeClr val="accent1"/>
+          </a:effectRef>
+          <a:fontRef idx="minor">
+            <a:schemeClr val="lt1"/>
+          </a:fontRef>
+        </p:style>
+        <p:txBody>
+          <a:bodyPr rtlCol="0" anchor="ctr"/>
+          <a:lstStyle/>
+          <a:p>
+            <a:pPr algn="ctr"/>
+            <a:endParaRPr lang="ko-KR" altLang="en-US"/>
           </a:p>
         </p:txBody>
       </p:sp>
     </p:spTree>
     <p:extLst>
       <p:ext uri="{BB962C8B-B14F-4D97-AF65-F5344CB8AC3E}">
-        <p14:creationId xmlns:p14="http://schemas.microsoft.com/office/powerpoint/2010/main" val="1499611589"/>
+        <p14:creationId xmlns:p14="http://schemas.microsoft.com/office/powerpoint/2010/main" val="553736714"/>
       </p:ext>
     </p:extLst>
   </p:cSld>
   <p:clrMapOvr>
     <a:masterClrMapping/>
   </p:clrMapOvr>
-  <p:timing>
-    <p:tnLst>
-      <p:par>
-        <p:cTn id="1" dur="indefinite" restart="never" nodeType="tmRoot"/>
-      </p:par>
-    </p:tnLst>
-  </p:timing>
 </p:sld>
 </file>
 
-<file path=ppt/slides/slide8.xml><?xml version="1.0" encoding="utf-8"?>
+<file path=ppt/slides/slide9.xml><?xml version="1.0" encoding="utf-8"?>
 <p:sld xmlns:a="http://schemas.openxmlformats.org/drawingml/2006/main" xmlns:r="http://schemas.openxmlformats.org/officeDocument/2006/relationships" xmlns:p="http://schemas.openxmlformats.org/presentationml/2006/main">
   <p:cSld>
     <p:bg>
@@ -17071,7 +17705,7 @@
           <a:lstStyle/>
           <a:p>
             <a:r>
-              <a:rPr lang="ko-KR" altLang="en-US" sz="2800" b="1" dirty="0" err="1" smtClean="0">
+              <a:rPr lang="ko-KR" altLang="en-US" sz="2800" b="1" dirty="0" err="1">
                 <a:ln w="6600">
                   <a:solidFill>
                     <a:schemeClr val="tx1"/>
@@ -17090,7 +17724,7 @@
               <a:t>코</a:t>
             </a:r>
             <a:r>
-              <a:rPr lang="ko-KR" altLang="en-US" sz="2800" b="1" dirty="0" err="1" smtClean="0">
+              <a:rPr lang="ko-KR" altLang="en-US" sz="2800" b="1" dirty="0" err="1">
                 <a:ln w="6600">
                   <a:solidFill>
                     <a:schemeClr val="tx1"/>
@@ -17109,7 +17743,7 @@
               <a:t>드</a:t>
             </a:r>
             <a:r>
-              <a:rPr lang="ko-KR" altLang="en-US" sz="2800" b="1" dirty="0" err="1" smtClean="0">
+              <a:rPr lang="ko-KR" altLang="en-US" sz="2800" b="1" dirty="0" err="1">
                 <a:ln w="6600">
                   <a:solidFill>
                     <a:schemeClr val="tx1"/>
@@ -17128,7 +17762,7 @@
               <a:t>리</a:t>
             </a:r>
             <a:r>
-              <a:rPr lang="ko-KR" altLang="en-US" sz="2800" b="1" dirty="0" err="1" smtClean="0">
+              <a:rPr lang="ko-KR" altLang="en-US" sz="2800" b="1" dirty="0" err="1">
                 <a:ln w="6600">
                   <a:solidFill>
                     <a:schemeClr val="tx1"/>
@@ -17146,7 +17780,7 @@
               </a:rPr>
               <a:t>뷰</a:t>
             </a:r>
-            <a:endParaRPr lang="en-US" altLang="ko-KR" sz="2800" b="1" dirty="0" smtClean="0">
+            <a:endParaRPr lang="en-US" altLang="ko-KR" sz="2800" b="1" dirty="0">
               <a:ln w="6600">
                 <a:solidFill>
                   <a:schemeClr val="tx1"/>
@@ -17237,8 +17871,8 @@
         </p:blipFill>
         <p:spPr bwMode="auto">
           <a:xfrm>
-            <a:off x="9191727" y="170734"/>
-            <a:ext cx="2636095" cy="2559654"/>
+            <a:off x="9406881" y="5687650"/>
+            <a:ext cx="1033869" cy="1003889"/>
           </a:xfrm>
           <a:prstGeom prst="rect">
             <a:avLst/>
@@ -17255,119 +17889,9 @@
           </a:extLst>
         </p:spPr>
       </p:pic>
-      <p:sp>
-        <p:nvSpPr>
-          <p:cNvPr id="2" name="TextBox 1"/>
-          <p:cNvSpPr txBox="1"/>
-          <p:nvPr/>
-        </p:nvSpPr>
-        <p:spPr>
-          <a:xfrm>
-            <a:off x="844062" y="1143000"/>
-            <a:ext cx="10849707" cy="1754326"/>
-          </a:xfrm>
-          <a:prstGeom prst="rect">
-            <a:avLst/>
-          </a:prstGeom>
-          <a:noFill/>
-        </p:spPr>
-        <p:txBody>
-          <a:bodyPr wrap="square" rtlCol="0">
-            <a:spAutoFit/>
-          </a:bodyPr>
-          <a:lstStyle/>
-          <a:p>
-            <a:r>
-              <a:rPr lang="en-US" altLang="ko-KR" dirty="0" smtClean="0"/>
-              <a:t>&lt;form&gt; </a:t>
-            </a:r>
-            <a:r>
-              <a:rPr lang="ko-KR" altLang="en-US" dirty="0" smtClean="0"/>
-              <a:t>의 다른 속성 </a:t>
-            </a:r>
-            <a:r>
-              <a:rPr lang="en-US" altLang="ko-KR" dirty="0" smtClean="0"/>
-              <a:t>action….</a:t>
-            </a:r>
-          </a:p>
-          <a:p>
-            <a:r>
-              <a:rPr lang="en-US" altLang="ko-KR" dirty="0" smtClean="0"/>
-              <a:t>Form</a:t>
-            </a:r>
-            <a:r>
-              <a:rPr lang="ko-KR" altLang="en-US" dirty="0" smtClean="0"/>
-              <a:t>에서 </a:t>
-            </a:r>
-            <a:r>
-              <a:rPr lang="ko-KR" altLang="en-US" dirty="0" err="1" smtClean="0"/>
-              <a:t>입력받은</a:t>
-            </a:r>
-            <a:r>
-              <a:rPr lang="ko-KR" altLang="en-US" dirty="0" smtClean="0"/>
-              <a:t> 데이터를 어떻게 처리할 지</a:t>
-            </a:r>
-            <a:r>
-              <a:rPr lang="en-US" altLang="ko-KR" dirty="0" smtClean="0"/>
-              <a:t>?</a:t>
-            </a:r>
-          </a:p>
-          <a:p>
-            <a:endParaRPr lang="en-US" altLang="ko-KR" dirty="0" smtClean="0"/>
-          </a:p>
-          <a:p>
-            <a:r>
-              <a:rPr lang="ko-KR" altLang="en-US" dirty="0" err="1" smtClean="0"/>
-              <a:t>예를들면</a:t>
-            </a:r>
-            <a:r>
-              <a:rPr lang="en-US" altLang="ko-KR" dirty="0" smtClean="0"/>
-              <a:t>,,,,,</a:t>
-            </a:r>
-            <a:r>
-              <a:rPr lang="ko-KR" altLang="en-US" dirty="0" smtClean="0"/>
-              <a:t>로그인 페이지에서 </a:t>
-            </a:r>
-            <a:r>
-              <a:rPr lang="en-US" altLang="ko-KR" dirty="0" smtClean="0"/>
-              <a:t>ID</a:t>
-            </a:r>
-            <a:r>
-              <a:rPr lang="ko-KR" altLang="en-US" dirty="0" smtClean="0"/>
-              <a:t>와 </a:t>
-            </a:r>
-            <a:r>
-              <a:rPr lang="en-US" altLang="ko-KR" dirty="0" smtClean="0"/>
-              <a:t>PW</a:t>
-            </a:r>
-            <a:r>
-              <a:rPr lang="ko-KR" altLang="en-US" dirty="0" smtClean="0"/>
-              <a:t>를 </a:t>
-            </a:r>
-            <a:r>
-              <a:rPr lang="ko-KR" altLang="en-US" dirty="0" err="1" smtClean="0"/>
-              <a:t>입력받으면</a:t>
-            </a:r>
-            <a:r>
-              <a:rPr lang="ko-KR" altLang="en-US" dirty="0" smtClean="0"/>
-              <a:t> 어떻게 처리할까</a:t>
-            </a:r>
-            <a:r>
-              <a:rPr lang="en-US" altLang="ko-KR" dirty="0" smtClean="0"/>
-              <a:t>?</a:t>
-            </a:r>
-          </a:p>
-          <a:p>
-            <a:endParaRPr lang="en-US" altLang="ko-KR" dirty="0"/>
-          </a:p>
-          <a:p>
-            <a:endParaRPr lang="ko-KR" altLang="en-US" dirty="0"/>
-          </a:p>
-        </p:txBody>
-      </p:sp>
       <p:pic>
         <p:nvPicPr>
-          <p:cNvPr id="3" name="그림 2"/>
+          <p:cNvPr id="2" name="그림 1"/>
           <p:cNvPicPr>
             <a:picLocks noChangeAspect="1"/>
           </p:cNvPicPr>
@@ -17381,8 +17905,8 @@
         </p:blipFill>
         <p:spPr>
           <a:xfrm>
-            <a:off x="1511261" y="2768230"/>
-            <a:ext cx="10359592" cy="2650504"/>
+            <a:off x="781050" y="1205645"/>
+            <a:ext cx="10015904" cy="4091863"/>
           </a:xfrm>
           <a:prstGeom prst="rect">
             <a:avLst/>
@@ -17391,54 +17915,14 @@
       </p:pic>
       <p:sp>
         <p:nvSpPr>
-          <p:cNvPr id="15" name="폭발 1 14"/>
-          <p:cNvSpPr/>
+          <p:cNvPr id="3" name="TextBox 2"/>
+          <p:cNvSpPr txBox="1"/>
           <p:nvPr/>
         </p:nvSpPr>
         <p:spPr>
           <a:xfrm>
-            <a:off x="5853953" y="4751929"/>
-            <a:ext cx="546847" cy="385483"/>
-          </a:xfrm>
-          <a:prstGeom prst="irregularSeal1">
-            <a:avLst/>
-          </a:prstGeom>
-        </p:spPr>
-        <p:style>
-          <a:lnRef idx="2">
-            <a:schemeClr val="accent4">
-              <a:shade val="50000"/>
-            </a:schemeClr>
-          </a:lnRef>
-          <a:fillRef idx="1">
-            <a:schemeClr val="accent4"/>
-          </a:fillRef>
-          <a:effectRef idx="0">
-            <a:schemeClr val="accent4"/>
-          </a:effectRef>
-          <a:fontRef idx="minor">
-            <a:schemeClr val="lt1"/>
-          </a:fontRef>
-        </p:style>
-        <p:txBody>
-          <a:bodyPr rtlCol="0" anchor="ctr"/>
-          <a:lstStyle/>
-          <a:p>
-            <a:pPr algn="ctr"/>
-            <a:endParaRPr lang="ko-KR" altLang="en-US"/>
-          </a:p>
-        </p:txBody>
-      </p:sp>
-      <p:sp>
-        <p:nvSpPr>
-          <p:cNvPr id="16" name="TextBox 15"/>
-          <p:cNvSpPr txBox="1"/>
-          <p:nvPr/>
-        </p:nvSpPr>
-        <p:spPr>
-          <a:xfrm rot="20831539">
-            <a:off x="5620871" y="4761158"/>
-            <a:ext cx="1237129" cy="276999"/>
+            <a:off x="5191190" y="1278198"/>
+            <a:ext cx="4535943" cy="461665"/>
           </a:xfrm>
           <a:prstGeom prst="rect">
             <a:avLst/>
@@ -17452,49 +17936,38 @@
           <a:lstStyle/>
           <a:p>
             <a:r>
-              <a:rPr lang="ko-KR" altLang="en-US" sz="1200" dirty="0" smtClean="0">
-                <a:solidFill>
-                  <a:srgbClr val="FF0000"/>
-                </a:solidFill>
-              </a:rPr>
-              <a:t>매우중요하다</a:t>
-            </a:r>
-            <a:r>
-              <a:rPr lang="en-US" altLang="ko-KR" sz="1200" dirty="0" smtClean="0">
-                <a:solidFill>
-                  <a:srgbClr val="FF0000"/>
-                </a:solidFill>
-              </a:rPr>
+              <a:rPr lang="en-US" altLang="ko-KR" sz="2400" dirty="0"/>
+              <a:t>JDBC</a:t>
+            </a:r>
+            <a:r>
+              <a:rPr lang="ko-KR" altLang="en-US" sz="2400" dirty="0"/>
+              <a:t>와 연결하기 위한 패키지</a:t>
+            </a:r>
+            <a:r>
+              <a:rPr lang="en-US" altLang="ko-KR" sz="2400" dirty="0"/>
               <a:t>!</a:t>
             </a:r>
-            <a:endParaRPr lang="ko-KR" altLang="en-US" sz="1200" dirty="0">
-              <a:solidFill>
-                <a:srgbClr val="FF0000"/>
-              </a:solidFill>
-            </a:endParaRPr>
+            <a:endParaRPr lang="ko-KR" altLang="en-US" sz="2400" dirty="0"/>
           </a:p>
         </p:txBody>
       </p:sp>
       <p:sp>
         <p:nvSpPr>
-          <p:cNvPr id="17" name="직사각형 16"/>
+          <p:cNvPr id="4" name="포인트가 4개인 별 3"/>
           <p:cNvSpPr/>
           <p:nvPr/>
         </p:nvSpPr>
         <p:spPr>
           <a:xfrm>
-            <a:off x="5082988" y="3527989"/>
-            <a:ext cx="1662057" cy="543683"/>
-          </a:xfrm>
-          <a:prstGeom prst="rect">
-            <a:avLst/>
-          </a:prstGeom>
-          <a:noFill/>
-          <a:ln w="63500">
-            <a:solidFill>
-              <a:schemeClr val="accent4"/>
-            </a:solidFill>
-          </a:ln>
+            <a:off x="4988967" y="1205645"/>
+            <a:ext cx="404446" cy="230832"/>
+          </a:xfrm>
+          <a:prstGeom prst="star4">
+            <a:avLst/>
+          </a:prstGeom>
+          <a:solidFill>
+            <a:srgbClr val="FFFF00"/>
+          </a:solidFill>
         </p:spPr>
         <p:style>
           <a:lnRef idx="2">
@@ -17521,24 +17994,138 @@
           </a:p>
         </p:txBody>
       </p:sp>
+      <p:cxnSp>
+        <p:nvCxnSpPr>
+          <p:cNvPr id="8" name="직선 연결선 7"/>
+          <p:cNvCxnSpPr/>
+          <p:nvPr/>
+        </p:nvCxnSpPr>
+        <p:spPr>
+          <a:xfrm flipV="1">
+            <a:off x="957431" y="1624405"/>
+            <a:ext cx="4233759" cy="115458"/>
+          </a:xfrm>
+          <a:prstGeom prst="line">
+            <a:avLst/>
+          </a:prstGeom>
+          <a:ln>
+            <a:solidFill>
+              <a:schemeClr val="accent3"/>
+            </a:solidFill>
+          </a:ln>
+        </p:spPr>
+        <p:style>
+          <a:lnRef idx="1">
+            <a:schemeClr val="accent1"/>
+          </a:lnRef>
+          <a:fillRef idx="0">
+            <a:schemeClr val="accent1"/>
+          </a:fillRef>
+          <a:effectRef idx="0">
+            <a:schemeClr val="accent1"/>
+          </a:effectRef>
+          <a:fontRef idx="minor">
+            <a:schemeClr val="tx1"/>
+          </a:fontRef>
+        </p:style>
+      </p:cxnSp>
       <p:sp>
         <p:nvSpPr>
-          <p:cNvPr id="18" name="직사각형 17"/>
-          <p:cNvSpPr/>
+          <p:cNvPr id="9" name="TextBox 8"/>
+          <p:cNvSpPr txBox="1"/>
           <p:nvPr/>
         </p:nvSpPr>
         <p:spPr>
           <a:xfrm>
-            <a:off x="5030988" y="4326791"/>
-            <a:ext cx="1692541" cy="359853"/>
+            <a:off x="6927924" y="2255827"/>
+            <a:ext cx="2130014" cy="923330"/>
           </a:xfrm>
           <a:prstGeom prst="rect">
             <a:avLst/>
           </a:prstGeom>
           <a:noFill/>
-          <a:ln w="63500">
+        </p:spPr>
+        <p:txBody>
+          <a:bodyPr wrap="square" rtlCol="0">
+            <a:spAutoFit/>
+          </a:bodyPr>
+          <a:lstStyle/>
+          <a:p>
+            <a:r>
+              <a:rPr lang="en-US" altLang="ko-KR" dirty="0">
+                <a:solidFill>
+                  <a:srgbClr val="00B050"/>
+                </a:solidFill>
+              </a:rPr>
+              <a:t>&lt;% %&gt;</a:t>
+            </a:r>
+            <a:r>
+              <a:rPr lang="ko-KR" altLang="en-US" dirty="0" err="1">
+                <a:solidFill>
+                  <a:srgbClr val="00B050"/>
+                </a:solidFill>
+              </a:rPr>
+              <a:t>스크립트릿을</a:t>
+            </a:r>
+            <a:r>
+              <a:rPr lang="ko-KR" altLang="en-US" dirty="0">
+                <a:solidFill>
+                  <a:srgbClr val="00B050"/>
+                </a:solidFill>
+              </a:rPr>
+              <a:t> 기</a:t>
+            </a:r>
+            <a:endParaRPr lang="en-US" altLang="ko-KR" dirty="0">
+              <a:solidFill>
+                <a:srgbClr val="00B050"/>
+              </a:solidFill>
+            </a:endParaRPr>
+          </a:p>
+          <a:p>
+            <a:r>
+              <a:rPr lang="ko-KR" altLang="en-US" dirty="0" err="1">
+                <a:solidFill>
+                  <a:srgbClr val="00B050"/>
+                </a:solidFill>
+              </a:rPr>
+              <a:t>억하실까요</a:t>
+            </a:r>
+            <a:r>
+              <a:rPr lang="en-US" altLang="ko-KR" dirty="0">
+                <a:solidFill>
+                  <a:srgbClr val="00B050"/>
+                </a:solidFill>
+              </a:rPr>
+              <a:t>?</a:t>
+            </a:r>
+            <a:endParaRPr lang="ko-KR" altLang="en-US" dirty="0">
+              <a:solidFill>
+                <a:srgbClr val="00B050"/>
+              </a:solidFill>
+            </a:endParaRPr>
+          </a:p>
+        </p:txBody>
+      </p:sp>
+      <p:sp>
+        <p:nvSpPr>
+          <p:cNvPr id="10" name="직사각형 9"/>
+          <p:cNvSpPr/>
+          <p:nvPr/>
+        </p:nvSpPr>
+        <p:spPr>
+          <a:xfrm>
+            <a:off x="1215614" y="3179157"/>
+            <a:ext cx="7035501" cy="801172"/>
+          </a:xfrm>
+          <a:prstGeom prst="rect">
+            <a:avLst/>
+          </a:prstGeom>
+          <a:noFill/>
+          <a:ln w="57150">
             <a:solidFill>
-              <a:schemeClr val="accent4"/>
+              <a:schemeClr val="accent2">
+                <a:lumMod val="75000"/>
+              </a:schemeClr>
             </a:solidFill>
           </a:ln>
         </p:spPr>
@@ -17569,367 +18156,14 @@
       </p:sp>
       <p:sp>
         <p:nvSpPr>
-          <p:cNvPr id="19" name="타원 18"/>
-          <p:cNvSpPr/>
+          <p:cNvPr id="14" name="TextBox 13"/>
+          <p:cNvSpPr txBox="1"/>
           <p:nvPr/>
         </p:nvSpPr>
         <p:spPr>
           <a:xfrm>
-            <a:off x="2173045" y="2897326"/>
-            <a:ext cx="4410635" cy="329968"/>
-          </a:xfrm>
-          <a:prstGeom prst="ellipse">
-            <a:avLst/>
-          </a:prstGeom>
-          <a:noFill/>
-          <a:ln>
-            <a:solidFill>
-              <a:schemeClr val="accent2">
-                <a:lumMod val="75000"/>
-              </a:schemeClr>
-            </a:solidFill>
-          </a:ln>
-        </p:spPr>
-        <p:style>
-          <a:lnRef idx="2">
-            <a:schemeClr val="accent1">
-              <a:shade val="50000"/>
-            </a:schemeClr>
-          </a:lnRef>
-          <a:fillRef idx="1">
-            <a:schemeClr val="accent1"/>
-          </a:fillRef>
-          <a:effectRef idx="0">
-            <a:schemeClr val="accent1"/>
-          </a:effectRef>
-          <a:fontRef idx="minor">
-            <a:schemeClr val="lt1"/>
-          </a:fontRef>
-        </p:style>
-        <p:txBody>
-          <a:bodyPr rtlCol="0" anchor="ctr"/>
-          <a:lstStyle/>
-          <a:p>
-            <a:pPr algn="ctr"/>
-            <a:endParaRPr lang="ko-KR" altLang="en-US"/>
-          </a:p>
-        </p:txBody>
-      </p:sp>
-    </p:spTree>
-    <p:extLst>
-      <p:ext uri="{BB962C8B-B14F-4D97-AF65-F5344CB8AC3E}">
-        <p14:creationId xmlns:p14="http://schemas.microsoft.com/office/powerpoint/2010/main" val="553736714"/>
-      </p:ext>
-    </p:extLst>
-  </p:cSld>
-  <p:clrMapOvr>
-    <a:masterClrMapping/>
-  </p:clrMapOvr>
-  <p:timing>
-    <p:tnLst>
-      <p:par>
-        <p:cTn id="1" dur="indefinite" restart="never" nodeType="tmRoot"/>
-      </p:par>
-    </p:tnLst>
-  </p:timing>
-</p:sld>
-</file>
-
-<file path=ppt/slides/slide9.xml><?xml version="1.0" encoding="utf-8"?>
-<p:sld xmlns:a="http://schemas.openxmlformats.org/drawingml/2006/main" xmlns:r="http://schemas.openxmlformats.org/officeDocument/2006/relationships" xmlns:p="http://schemas.openxmlformats.org/presentationml/2006/main">
-  <p:cSld>
-    <p:bg>
-      <p:bgPr>
-        <a:gradFill>
-          <a:gsLst>
-            <a:gs pos="18000">
-              <a:srgbClr val="FFC95D"/>
-            </a:gs>
-            <a:gs pos="0">
-              <a:srgbClr val="F5856F"/>
-            </a:gs>
-            <a:gs pos="35000">
-              <a:srgbClr val="FEFE6E"/>
-            </a:gs>
-            <a:gs pos="67000">
-              <a:srgbClr val="72D6FA"/>
-            </a:gs>
-            <a:gs pos="52000">
-              <a:srgbClr val="B4F999"/>
-            </a:gs>
-            <a:gs pos="100000">
-              <a:srgbClr val="FB71B6"/>
-            </a:gs>
-            <a:gs pos="83000">
-              <a:srgbClr val="6D7BFF"/>
-            </a:gs>
-          </a:gsLst>
-          <a:lin ang="2700000" scaled="1"/>
-        </a:gradFill>
-        <a:effectLst/>
-      </p:bgPr>
-    </p:bg>
-    <p:spTree>
-      <p:nvGrpSpPr>
-        <p:cNvPr id="1" name=""/>
-        <p:cNvGrpSpPr/>
-        <p:nvPr/>
-      </p:nvGrpSpPr>
-      <p:grpSpPr>
-        <a:xfrm>
-          <a:off x="0" y="0"/>
-          <a:ext cx="0" cy="0"/>
-          <a:chOff x="0" y="0"/>
-          <a:chExt cx="0" cy="0"/>
-        </a:xfrm>
-      </p:grpSpPr>
-      <p:sp>
-        <p:nvSpPr>
-          <p:cNvPr id="11" name="직사각형 10">
-            <a:extLst>
-              <a:ext uri="{FF2B5EF4-FFF2-40B4-BE49-F238E27FC236}">
-                <a16:creationId xmlns:a16="http://schemas.microsoft.com/office/drawing/2014/main" id="{3E4B6B90-A726-4C19-9DAC-AF5587662B6A}"/>
-              </a:ext>
-            </a:extLst>
-          </p:cNvPr>
-          <p:cNvSpPr/>
-          <p:nvPr/>
-        </p:nvSpPr>
-        <p:spPr>
-          <a:xfrm>
-            <a:off x="601162" y="166461"/>
-            <a:ext cx="6858000" cy="523220"/>
-          </a:xfrm>
-          <a:prstGeom prst="rect">
-            <a:avLst/>
-          </a:prstGeom>
-          <a:noFill/>
-        </p:spPr>
-        <p:txBody>
-          <a:bodyPr wrap="square" lIns="91440" tIns="45720" rIns="91440" bIns="45720">
-            <a:spAutoFit/>
-          </a:bodyPr>
-          <a:lstStyle/>
-          <a:p>
-            <a:r>
-              <a:rPr lang="ko-KR" altLang="en-US" sz="2800" b="1" dirty="0" err="1" smtClean="0">
-                <a:ln w="6600">
-                  <a:solidFill>
-                    <a:schemeClr val="tx1"/>
-                  </a:solidFill>
-                  <a:prstDash val="solid"/>
-                </a:ln>
-                <a:solidFill>
-                  <a:srgbClr val="FF8585"/>
-                </a:solidFill>
-                <a:effectLst>
-                  <a:outerShdw dist="38100" dir="2700000" algn="tl" rotWithShape="0">
-                    <a:schemeClr val="accent2"/>
-                  </a:outerShdw>
-                </a:effectLst>
-              </a:rPr>
-              <a:t>코</a:t>
-            </a:r>
-            <a:r>
-              <a:rPr lang="ko-KR" altLang="en-US" sz="2800" b="1" dirty="0" err="1" smtClean="0">
-                <a:ln w="6600">
-                  <a:solidFill>
-                    <a:schemeClr val="tx1"/>
-                  </a:solidFill>
-                  <a:prstDash val="solid"/>
-                </a:ln>
-                <a:solidFill>
-                  <a:srgbClr val="00B050"/>
-                </a:solidFill>
-                <a:effectLst>
-                  <a:outerShdw dist="38100" dir="2700000" algn="tl" rotWithShape="0">
-                    <a:schemeClr val="accent2"/>
-                  </a:outerShdw>
-                </a:effectLst>
-              </a:rPr>
-              <a:t>드</a:t>
-            </a:r>
-            <a:r>
-              <a:rPr lang="ko-KR" altLang="en-US" sz="2800" b="1" dirty="0" err="1" smtClean="0">
-                <a:ln w="6600">
-                  <a:solidFill>
-                    <a:schemeClr val="tx1"/>
-                  </a:solidFill>
-                  <a:prstDash val="solid"/>
-                </a:ln>
-                <a:solidFill>
-                  <a:srgbClr val="FFC000"/>
-                </a:solidFill>
-                <a:effectLst>
-                  <a:outerShdw dist="38100" dir="2700000" algn="tl" rotWithShape="0">
-                    <a:schemeClr val="accent2"/>
-                  </a:outerShdw>
-                </a:effectLst>
-              </a:rPr>
-              <a:t>리</a:t>
-            </a:r>
-            <a:r>
-              <a:rPr lang="ko-KR" altLang="en-US" sz="2800" b="1" dirty="0" err="1" smtClean="0">
-                <a:ln w="6600">
-                  <a:solidFill>
-                    <a:schemeClr val="tx1"/>
-                  </a:solidFill>
-                  <a:prstDash val="solid"/>
-                </a:ln>
-                <a:solidFill>
-                  <a:srgbClr val="008DF6"/>
-                </a:solidFill>
-                <a:effectLst>
-                  <a:outerShdw dist="38100" dir="2700000" algn="tl" rotWithShape="0">
-                    <a:schemeClr val="accent2"/>
-                  </a:outerShdw>
-                </a:effectLst>
-              </a:rPr>
-              <a:t>뷰</a:t>
-            </a:r>
-            <a:endParaRPr lang="en-US" altLang="ko-KR" sz="2800" b="1" dirty="0" smtClean="0">
-              <a:ln w="6600">
-                <a:solidFill>
-                  <a:schemeClr val="tx1"/>
-                </a:solidFill>
-                <a:prstDash val="solid"/>
-              </a:ln>
-              <a:solidFill>
-                <a:srgbClr val="008DF6"/>
-              </a:solidFill>
-              <a:effectLst>
-                <a:outerShdw dist="38100" dir="2700000" algn="tl" rotWithShape="0">
-                  <a:schemeClr val="accent2"/>
-                </a:outerShdw>
-              </a:effectLst>
-            </a:endParaRPr>
-          </a:p>
-        </p:txBody>
-      </p:sp>
-      <p:pic>
-        <p:nvPicPr>
-          <p:cNvPr id="12" name="Picture 2" descr="D-171] 공부 끝 - 오르비">
-            <a:extLst>
-              <a:ext uri="{FF2B5EF4-FFF2-40B4-BE49-F238E27FC236}">
-                <a16:creationId xmlns:a16="http://schemas.microsoft.com/office/drawing/2014/main" id="{C262696C-9B37-4A14-874E-2DF20C13730D}"/>
-              </a:ext>
-            </a:extLst>
-          </p:cNvPr>
-          <p:cNvPicPr>
-            <a:picLocks noChangeAspect="1" noChangeArrowheads="1"/>
-          </p:cNvPicPr>
-          <p:nvPr/>
-        </p:nvPicPr>
-        <p:blipFill rotWithShape="1">
-          <a:blip r:embed="rId2" cstate="hqprint">
-            <a:extLst>
-              <a:ext uri="{28A0092B-C50C-407E-A947-70E740481C1C}">
-                <a14:useLocalDpi xmlns:a14="http://schemas.microsoft.com/office/drawing/2010/main" val="0"/>
-              </a:ext>
-            </a:extLst>
-          </a:blip>
-          <a:srcRect l="33059"/>
-          <a:stretch/>
-        </p:blipFill>
-        <p:spPr bwMode="auto">
-          <a:xfrm>
-            <a:off x="0" y="136207"/>
-            <a:ext cx="601162" cy="583729"/>
-          </a:xfrm>
-          <a:prstGeom prst="rect">
-            <a:avLst/>
-          </a:prstGeom>
-          <a:noFill/>
-          <a:extLst>
-            <a:ext uri="{909E8E84-426E-40DD-AFC4-6F175D3DCCD1}">
-              <a14:hiddenFill xmlns:a14="http://schemas.microsoft.com/office/drawing/2010/main">
-                <a:solidFill>
-                  <a:srgbClr val="FFFFFF"/>
-                </a:solidFill>
-              </a14:hiddenFill>
-            </a:ext>
-          </a:extLst>
-        </p:spPr>
-      </p:pic>
-      <p:pic>
-        <p:nvPicPr>
-          <p:cNvPr id="13" name="Picture 2" descr="D-171] 공부 끝 - 오르비">
-            <a:extLst>
-              <a:ext uri="{FF2B5EF4-FFF2-40B4-BE49-F238E27FC236}">
-                <a16:creationId xmlns:a16="http://schemas.microsoft.com/office/drawing/2014/main" id="{9D71B640-D03D-47B0-B7F4-A5926D65A3C8}"/>
-              </a:ext>
-            </a:extLst>
-          </p:cNvPr>
-          <p:cNvPicPr>
-            <a:picLocks noChangeAspect="1" noChangeArrowheads="1"/>
-          </p:cNvPicPr>
-          <p:nvPr/>
-        </p:nvPicPr>
-        <p:blipFill rotWithShape="1">
-          <a:blip r:embed="rId3" cstate="hqprint">
-            <a:extLst>
-              <a:ext uri="{28A0092B-C50C-407E-A947-70E740481C1C}">
-                <a14:useLocalDpi xmlns:a14="http://schemas.microsoft.com/office/drawing/2010/main" val="0"/>
-              </a:ext>
-            </a:extLst>
-          </a:blip>
-          <a:srcRect l="33059"/>
-          <a:stretch/>
-        </p:blipFill>
-        <p:spPr bwMode="auto">
-          <a:xfrm>
-            <a:off x="9406881" y="5687650"/>
-            <a:ext cx="1033869" cy="1003889"/>
-          </a:xfrm>
-          <a:prstGeom prst="rect">
-            <a:avLst/>
-          </a:prstGeom>
-          <a:noFill/>
-          <a:extLst>
-            <a:ext uri="{909E8E84-426E-40DD-AFC4-6F175D3DCCD1}">
-              <a14:hiddenFill xmlns:a14="http://schemas.microsoft.com/office/drawing/2010/main">
-                <a:solidFill>
-                  <a:srgbClr val="FFFFFF"/>
-                </a:solidFill>
-              </a14:hiddenFill>
-            </a:ext>
-          </a:extLst>
-        </p:spPr>
-      </p:pic>
-      <p:pic>
-        <p:nvPicPr>
-          <p:cNvPr id="2" name="그림 1"/>
-          <p:cNvPicPr>
-            <a:picLocks noChangeAspect="1"/>
-          </p:cNvPicPr>
-          <p:nvPr/>
-        </p:nvPicPr>
-        <p:blipFill>
-          <a:blip r:embed="rId4"/>
-          <a:stretch>
-            <a:fillRect/>
-          </a:stretch>
-        </p:blipFill>
-        <p:spPr>
-          <a:xfrm>
-            <a:off x="781050" y="1205645"/>
-            <a:ext cx="10015904" cy="4091863"/>
-          </a:xfrm>
-          <a:prstGeom prst="rect">
-            <a:avLst/>
-          </a:prstGeom>
-        </p:spPr>
-      </p:pic>
-      <p:sp>
-        <p:nvSpPr>
-          <p:cNvPr id="3" name="TextBox 2"/>
-          <p:cNvSpPr txBox="1"/>
-          <p:nvPr/>
-        </p:nvSpPr>
-        <p:spPr>
-          <a:xfrm>
-            <a:off x="5191190" y="1278198"/>
-            <a:ext cx="4535943" cy="461665"/>
+            <a:off x="6755802" y="4152452"/>
+            <a:ext cx="2651079" cy="923330"/>
           </a:xfrm>
           <a:prstGeom prst="rect">
             <a:avLst/>
@@ -17943,248 +18177,7 @@
           <a:lstStyle/>
           <a:p>
             <a:r>
-              <a:rPr lang="en-US" altLang="ko-KR" sz="2400" dirty="0" smtClean="0"/>
-              <a:t>JDBC</a:t>
-            </a:r>
-            <a:r>
-              <a:rPr lang="ko-KR" altLang="en-US" sz="2400" dirty="0" smtClean="0"/>
-              <a:t>와 연결하기 위한 패키지</a:t>
-            </a:r>
-            <a:r>
-              <a:rPr lang="en-US" altLang="ko-KR" sz="2400" dirty="0" smtClean="0"/>
-              <a:t>!</a:t>
-            </a:r>
-            <a:endParaRPr lang="ko-KR" altLang="en-US" sz="2400" dirty="0"/>
-          </a:p>
-        </p:txBody>
-      </p:sp>
-      <p:sp>
-        <p:nvSpPr>
-          <p:cNvPr id="4" name="포인트가 4개인 별 3"/>
-          <p:cNvSpPr/>
-          <p:nvPr/>
-        </p:nvSpPr>
-        <p:spPr>
-          <a:xfrm>
-            <a:off x="4988967" y="1205645"/>
-            <a:ext cx="404446" cy="230832"/>
-          </a:xfrm>
-          <a:prstGeom prst="star4">
-            <a:avLst/>
-          </a:prstGeom>
-          <a:solidFill>
-            <a:srgbClr val="FFFF00"/>
-          </a:solidFill>
-        </p:spPr>
-        <p:style>
-          <a:lnRef idx="2">
-            <a:schemeClr val="accent1">
-              <a:shade val="50000"/>
-            </a:schemeClr>
-          </a:lnRef>
-          <a:fillRef idx="1">
-            <a:schemeClr val="accent1"/>
-          </a:fillRef>
-          <a:effectRef idx="0">
-            <a:schemeClr val="accent1"/>
-          </a:effectRef>
-          <a:fontRef idx="minor">
-            <a:schemeClr val="lt1"/>
-          </a:fontRef>
-        </p:style>
-        <p:txBody>
-          <a:bodyPr rtlCol="0" anchor="ctr"/>
-          <a:lstStyle/>
-          <a:p>
-            <a:pPr algn="ctr"/>
-            <a:endParaRPr lang="ko-KR" altLang="en-US"/>
-          </a:p>
-        </p:txBody>
-      </p:sp>
-      <p:cxnSp>
-        <p:nvCxnSpPr>
-          <p:cNvPr id="8" name="직선 연결선 7"/>
-          <p:cNvCxnSpPr/>
-          <p:nvPr/>
-        </p:nvCxnSpPr>
-        <p:spPr>
-          <a:xfrm flipV="1">
-            <a:off x="957431" y="1624405"/>
-            <a:ext cx="4233759" cy="115458"/>
-          </a:xfrm>
-          <a:prstGeom prst="line">
-            <a:avLst/>
-          </a:prstGeom>
-          <a:ln>
-            <a:solidFill>
-              <a:schemeClr val="accent3"/>
-            </a:solidFill>
-          </a:ln>
-        </p:spPr>
-        <p:style>
-          <a:lnRef idx="1">
-            <a:schemeClr val="accent1"/>
-          </a:lnRef>
-          <a:fillRef idx="0">
-            <a:schemeClr val="accent1"/>
-          </a:fillRef>
-          <a:effectRef idx="0">
-            <a:schemeClr val="accent1"/>
-          </a:effectRef>
-          <a:fontRef idx="minor">
-            <a:schemeClr val="tx1"/>
-          </a:fontRef>
-        </p:style>
-      </p:cxnSp>
-      <p:sp>
-        <p:nvSpPr>
-          <p:cNvPr id="9" name="TextBox 8"/>
-          <p:cNvSpPr txBox="1"/>
-          <p:nvPr/>
-        </p:nvSpPr>
-        <p:spPr>
-          <a:xfrm>
-            <a:off x="6927924" y="2255827"/>
-            <a:ext cx="2130014" cy="923330"/>
-          </a:xfrm>
-          <a:prstGeom prst="rect">
-            <a:avLst/>
-          </a:prstGeom>
-          <a:noFill/>
-        </p:spPr>
-        <p:txBody>
-          <a:bodyPr wrap="square" rtlCol="0">
-            <a:spAutoFit/>
-          </a:bodyPr>
-          <a:lstStyle/>
-          <a:p>
-            <a:r>
-              <a:rPr lang="en-US" altLang="ko-KR" dirty="0" smtClean="0">
-                <a:solidFill>
-                  <a:srgbClr val="00B050"/>
-                </a:solidFill>
-              </a:rPr>
-              <a:t>&lt;% %&gt;</a:t>
-            </a:r>
-            <a:r>
-              <a:rPr lang="ko-KR" altLang="en-US" dirty="0" err="1" smtClean="0">
-                <a:solidFill>
-                  <a:srgbClr val="00B050"/>
-                </a:solidFill>
-              </a:rPr>
-              <a:t>스크립트릿을</a:t>
-            </a:r>
-            <a:r>
-              <a:rPr lang="ko-KR" altLang="en-US" dirty="0" smtClean="0">
-                <a:solidFill>
-                  <a:srgbClr val="00B050"/>
-                </a:solidFill>
-              </a:rPr>
-              <a:t> 기</a:t>
-            </a:r>
-            <a:endParaRPr lang="en-US" altLang="ko-KR" dirty="0" smtClean="0">
-              <a:solidFill>
-                <a:srgbClr val="00B050"/>
-              </a:solidFill>
-            </a:endParaRPr>
-          </a:p>
-          <a:p>
-            <a:r>
-              <a:rPr lang="ko-KR" altLang="en-US" dirty="0" err="1" smtClean="0">
-                <a:solidFill>
-                  <a:srgbClr val="00B050"/>
-                </a:solidFill>
-              </a:rPr>
-              <a:t>억하실까요</a:t>
-            </a:r>
-            <a:r>
-              <a:rPr lang="en-US" altLang="ko-KR" dirty="0" smtClean="0">
-                <a:solidFill>
-                  <a:srgbClr val="00B050"/>
-                </a:solidFill>
-              </a:rPr>
-              <a:t>?</a:t>
-            </a:r>
-            <a:endParaRPr lang="ko-KR" altLang="en-US" dirty="0">
-              <a:solidFill>
-                <a:srgbClr val="00B050"/>
-              </a:solidFill>
-            </a:endParaRPr>
-          </a:p>
-        </p:txBody>
-      </p:sp>
-      <p:sp>
-        <p:nvSpPr>
-          <p:cNvPr id="10" name="직사각형 9"/>
-          <p:cNvSpPr/>
-          <p:nvPr/>
-        </p:nvSpPr>
-        <p:spPr>
-          <a:xfrm>
-            <a:off x="1215614" y="3179157"/>
-            <a:ext cx="7035501" cy="801172"/>
-          </a:xfrm>
-          <a:prstGeom prst="rect">
-            <a:avLst/>
-          </a:prstGeom>
-          <a:noFill/>
-          <a:ln w="57150">
-            <a:solidFill>
-              <a:schemeClr val="accent2">
-                <a:lumMod val="75000"/>
-              </a:schemeClr>
-            </a:solidFill>
-          </a:ln>
-        </p:spPr>
-        <p:style>
-          <a:lnRef idx="2">
-            <a:schemeClr val="accent1">
-              <a:shade val="50000"/>
-            </a:schemeClr>
-          </a:lnRef>
-          <a:fillRef idx="1">
-            <a:schemeClr val="accent1"/>
-          </a:fillRef>
-          <a:effectRef idx="0">
-            <a:schemeClr val="accent1"/>
-          </a:effectRef>
-          <a:fontRef idx="minor">
-            <a:schemeClr val="lt1"/>
-          </a:fontRef>
-        </p:style>
-        <p:txBody>
-          <a:bodyPr rtlCol="0" anchor="ctr"/>
-          <a:lstStyle/>
-          <a:p>
-            <a:pPr algn="ctr"/>
-            <a:endParaRPr lang="ko-KR" altLang="en-US"/>
-          </a:p>
-        </p:txBody>
-      </p:sp>
-      <p:sp>
-        <p:nvSpPr>
-          <p:cNvPr id="14" name="TextBox 13"/>
-          <p:cNvSpPr txBox="1"/>
-          <p:nvPr/>
-        </p:nvSpPr>
-        <p:spPr>
-          <a:xfrm>
-            <a:off x="6755802" y="4152452"/>
-            <a:ext cx="2651079" cy="923330"/>
-          </a:xfrm>
-          <a:prstGeom prst="rect">
-            <a:avLst/>
-          </a:prstGeom>
-          <a:noFill/>
-        </p:spPr>
-        <p:txBody>
-          <a:bodyPr wrap="square" rtlCol="0">
-            <a:spAutoFit/>
-          </a:bodyPr>
-          <a:lstStyle/>
-          <a:p>
-            <a:r>
-              <a:rPr lang="ko-KR" altLang="en-US" dirty="0" smtClean="0">
+              <a:rPr lang="ko-KR" altLang="en-US" dirty="0">
                 <a:solidFill>
                   <a:srgbClr val="FF8585"/>
                 </a:solidFill>
@@ -18192,7 +18185,7 @@
               <a:t>사용자가 입력한 </a:t>
             </a:r>
             <a:r>
-              <a:rPr lang="en-US" altLang="ko-KR" dirty="0" smtClean="0">
+              <a:rPr lang="en-US" altLang="ko-KR" dirty="0">
                 <a:solidFill>
                   <a:srgbClr val="FF8585"/>
                 </a:solidFill>
@@ -18200,7 +18193,7 @@
               <a:t>id</a:t>
             </a:r>
             <a:r>
-              <a:rPr lang="ko-KR" altLang="en-US" dirty="0" smtClean="0">
+              <a:rPr lang="ko-KR" altLang="en-US" dirty="0">
                 <a:solidFill>
                   <a:srgbClr val="FF8585"/>
                 </a:solidFill>
@@ -18208,7 +18201,7 @@
               <a:t>와 </a:t>
             </a:r>
             <a:r>
-              <a:rPr lang="en-US" altLang="ko-KR" dirty="0" smtClean="0">
+              <a:rPr lang="en-US" altLang="ko-KR" dirty="0">
                 <a:solidFill>
                   <a:srgbClr val="FF8585"/>
                 </a:solidFill>
@@ -18216,7 +18209,7 @@
               <a:t>pw</a:t>
             </a:r>
             <a:r>
-              <a:rPr lang="ko-KR" altLang="en-US" dirty="0" smtClean="0">
+              <a:rPr lang="ko-KR" altLang="en-US" dirty="0">
                 <a:solidFill>
                   <a:srgbClr val="FF8585"/>
                 </a:solidFill>
@@ -18224,14 +18217,14 @@
               <a:t>를 </a:t>
             </a:r>
             <a:r>
-              <a:rPr lang="en-US" altLang="ko-KR" dirty="0" err="1" smtClean="0">
+              <a:rPr lang="en-US" altLang="ko-KR" dirty="0" err="1">
                 <a:solidFill>
                   <a:srgbClr val="FF8585"/>
                 </a:solidFill>
               </a:rPr>
               <a:t>custid,pw</a:t>
             </a:r>
-            <a:endParaRPr lang="en-US" altLang="ko-KR" dirty="0" smtClean="0">
+            <a:endParaRPr lang="en-US" altLang="ko-KR" dirty="0">
               <a:solidFill>
                 <a:srgbClr val="FF8585"/>
               </a:solidFill>
@@ -18239,7 +18232,7 @@
           </a:p>
           <a:p>
             <a:r>
-              <a:rPr lang="en-US" altLang="ko-KR" dirty="0" smtClean="0">
+              <a:rPr lang="en-US" altLang="ko-KR" dirty="0">
                 <a:solidFill>
                   <a:srgbClr val="FF8585"/>
                 </a:solidFill>
@@ -18247,7 +18240,7 @@
               <a:t> </a:t>
             </a:r>
             <a:r>
-              <a:rPr lang="ko-KR" altLang="en-US" dirty="0" smtClean="0">
+              <a:rPr lang="ko-KR" altLang="en-US" dirty="0">
                 <a:solidFill>
                   <a:srgbClr val="FF8585"/>
                 </a:solidFill>
@@ -18255,7 +18248,7 @@
               <a:t>변수에 저장한다</a:t>
             </a:r>
             <a:r>
-              <a:rPr lang="en-US" altLang="ko-KR" dirty="0" smtClean="0">
+              <a:rPr lang="en-US" altLang="ko-KR" dirty="0">
                 <a:solidFill>
                   <a:srgbClr val="FF8585"/>
                 </a:solidFill>
@@ -18280,13 +18273,6 @@
   <p:clrMapOvr>
     <a:masterClrMapping/>
   </p:clrMapOvr>
-  <p:timing>
-    <p:tnLst>
-      <p:par>
-        <p:cTn id="1" dur="indefinite" restart="never" nodeType="tmRoot"/>
-      </p:par>
-    </p:tnLst>
-  </p:timing>
 </p:sld>
 </file>
 

--- a/Button.pptx
+++ b/Button.pptx
@@ -4,6 +4,9 @@
   <p:sldMasterIdLst>
     <p:sldMasterId id="2147483648" r:id="rId1"/>
   </p:sldMasterIdLst>
+  <p:notesMasterIdLst>
+    <p:notesMasterId r:id="rId33"/>
+  </p:notesMasterIdLst>
   <p:sldIdLst>
     <p:sldId id="256" r:id="rId2"/>
     <p:sldId id="258" r:id="rId3"/>
@@ -26,15 +29,16 @@
     <p:sldId id="274" r:id="rId20"/>
     <p:sldId id="275" r:id="rId21"/>
     <p:sldId id="276" r:id="rId22"/>
-    <p:sldId id="278" r:id="rId23"/>
-    <p:sldId id="277" r:id="rId24"/>
-    <p:sldId id="286" r:id="rId25"/>
-    <p:sldId id="283" r:id="rId26"/>
-    <p:sldId id="284" r:id="rId27"/>
-    <p:sldId id="287" r:id="rId28"/>
-    <p:sldId id="285" r:id="rId29"/>
-    <p:sldId id="282" r:id="rId30"/>
-    <p:sldId id="260" r:id="rId31"/>
+    <p:sldId id="288" r:id="rId23"/>
+    <p:sldId id="278" r:id="rId24"/>
+    <p:sldId id="277" r:id="rId25"/>
+    <p:sldId id="286" r:id="rId26"/>
+    <p:sldId id="283" r:id="rId27"/>
+    <p:sldId id="284" r:id="rId28"/>
+    <p:sldId id="287" r:id="rId29"/>
+    <p:sldId id="285" r:id="rId30"/>
+    <p:sldId id="282" r:id="rId31"/>
+    <p:sldId id="260" r:id="rId32"/>
   </p:sldIdLst>
   <p:sldSz cx="12192000" cy="6858000"/>
   <p:notesSz cx="6858000" cy="9144000"/>
@@ -139,6 +143,5004 @@
     </p:ext>
   </p:extLst>
 </p:presentation>
+</file>
+
+<file path=ppt/notesMasters/notesMaster1.xml><?xml version="1.0" encoding="utf-8"?>
+<p:notesMaster xmlns:a="http://schemas.openxmlformats.org/drawingml/2006/main" xmlns:r="http://schemas.openxmlformats.org/officeDocument/2006/relationships" xmlns:p="http://schemas.openxmlformats.org/presentationml/2006/main">
+  <p:cSld>
+    <p:bg>
+      <p:bgRef idx="1001">
+        <a:schemeClr val="bg1"/>
+      </p:bgRef>
+    </p:bg>
+    <p:spTree>
+      <p:nvGrpSpPr>
+        <p:cNvPr id="1" name=""/>
+        <p:cNvGrpSpPr/>
+        <p:nvPr/>
+      </p:nvGrpSpPr>
+      <p:grpSpPr>
+        <a:xfrm>
+          <a:off x="0" y="0"/>
+          <a:ext cx="0" cy="0"/>
+          <a:chOff x="0" y="0"/>
+          <a:chExt cx="0" cy="0"/>
+        </a:xfrm>
+      </p:grpSpPr>
+      <p:sp>
+        <p:nvSpPr>
+          <p:cNvPr id="2" name="머리글 개체 틀 1"/>
+          <p:cNvSpPr>
+            <a:spLocks noGrp="1"/>
+          </p:cNvSpPr>
+          <p:nvPr>
+            <p:ph type="hdr" sz="quarter"/>
+          </p:nvPr>
+        </p:nvSpPr>
+        <p:spPr>
+          <a:xfrm>
+            <a:off x="0" y="0"/>
+            <a:ext cx="2971800" cy="458788"/>
+          </a:xfrm>
+          <a:prstGeom prst="rect">
+            <a:avLst/>
+          </a:prstGeom>
+        </p:spPr>
+        <p:txBody>
+          <a:bodyPr vert="horz" lIns="91440" tIns="45720" rIns="91440" bIns="45720" rtlCol="0"/>
+          <a:lstStyle>
+            <a:lvl1pPr algn="l">
+              <a:defRPr sz="1200"/>
+            </a:lvl1pPr>
+          </a:lstStyle>
+          <a:p>
+            <a:endParaRPr lang="ko-KR" altLang="en-US"/>
+          </a:p>
+        </p:txBody>
+      </p:sp>
+      <p:sp>
+        <p:nvSpPr>
+          <p:cNvPr id="3" name="날짜 개체 틀 2"/>
+          <p:cNvSpPr>
+            <a:spLocks noGrp="1"/>
+          </p:cNvSpPr>
+          <p:nvPr>
+            <p:ph type="dt" idx="1"/>
+          </p:nvPr>
+        </p:nvSpPr>
+        <p:spPr>
+          <a:xfrm>
+            <a:off x="3884613" y="0"/>
+            <a:ext cx="2971800" cy="458788"/>
+          </a:xfrm>
+          <a:prstGeom prst="rect">
+            <a:avLst/>
+          </a:prstGeom>
+        </p:spPr>
+        <p:txBody>
+          <a:bodyPr vert="horz" lIns="91440" tIns="45720" rIns="91440" bIns="45720" rtlCol="0"/>
+          <a:lstStyle>
+            <a:lvl1pPr algn="r">
+              <a:defRPr sz="1200"/>
+            </a:lvl1pPr>
+          </a:lstStyle>
+          <a:p>
+            <a:fld id="{51C7B43E-8F51-40E0-8A13-575D818A4947}" type="datetimeFigureOut">
+              <a:rPr lang="ko-KR" altLang="en-US" smtClean="0"/>
+              <a:t>2023-05-09</a:t>
+            </a:fld>
+            <a:endParaRPr lang="ko-KR" altLang="en-US"/>
+          </a:p>
+        </p:txBody>
+      </p:sp>
+      <p:sp>
+        <p:nvSpPr>
+          <p:cNvPr id="4" name="슬라이드 이미지 개체 틀 3"/>
+          <p:cNvSpPr>
+            <a:spLocks noGrp="1" noRot="1" noChangeAspect="1"/>
+          </p:cNvSpPr>
+          <p:nvPr>
+            <p:ph type="sldImg" idx="2"/>
+          </p:nvPr>
+        </p:nvSpPr>
+        <p:spPr>
+          <a:xfrm>
+            <a:off x="685800" y="1143000"/>
+            <a:ext cx="5486400" cy="3086100"/>
+          </a:xfrm>
+          <a:prstGeom prst="rect">
+            <a:avLst/>
+          </a:prstGeom>
+          <a:noFill/>
+          <a:ln w="12700">
+            <a:solidFill>
+              <a:prstClr val="black"/>
+            </a:solidFill>
+          </a:ln>
+        </p:spPr>
+        <p:txBody>
+          <a:bodyPr vert="horz" lIns="91440" tIns="45720" rIns="91440" bIns="45720" rtlCol="0" anchor="ctr"/>
+          <a:lstStyle/>
+          <a:p>
+            <a:endParaRPr lang="ko-KR" altLang="en-US"/>
+          </a:p>
+        </p:txBody>
+      </p:sp>
+      <p:sp>
+        <p:nvSpPr>
+          <p:cNvPr id="5" name="슬라이드 노트 개체 틀 4"/>
+          <p:cNvSpPr>
+            <a:spLocks noGrp="1"/>
+          </p:cNvSpPr>
+          <p:nvPr>
+            <p:ph type="body" sz="quarter" idx="3"/>
+          </p:nvPr>
+        </p:nvSpPr>
+        <p:spPr>
+          <a:xfrm>
+            <a:off x="685800" y="4400550"/>
+            <a:ext cx="5486400" cy="3600450"/>
+          </a:xfrm>
+          <a:prstGeom prst="rect">
+            <a:avLst/>
+          </a:prstGeom>
+        </p:spPr>
+        <p:txBody>
+          <a:bodyPr vert="horz" lIns="91440" tIns="45720" rIns="91440" bIns="45720" rtlCol="0"/>
+          <a:lstStyle/>
+          <a:p>
+            <a:pPr lvl="0"/>
+            <a:r>
+              <a:rPr lang="ko-KR" altLang="en-US"/>
+              <a:t>마스터 텍스트 스타일을 편집하려면 클릭</a:t>
+            </a:r>
+          </a:p>
+          <a:p>
+            <a:pPr lvl="1"/>
+            <a:r>
+              <a:rPr lang="ko-KR" altLang="en-US"/>
+              <a:t>두 번째 수준</a:t>
+            </a:r>
+          </a:p>
+          <a:p>
+            <a:pPr lvl="2"/>
+            <a:r>
+              <a:rPr lang="ko-KR" altLang="en-US"/>
+              <a:t>세 번째 수준</a:t>
+            </a:r>
+          </a:p>
+          <a:p>
+            <a:pPr lvl="3"/>
+            <a:r>
+              <a:rPr lang="ko-KR" altLang="en-US"/>
+              <a:t>네 번째 수준</a:t>
+            </a:r>
+          </a:p>
+          <a:p>
+            <a:pPr lvl="4"/>
+            <a:r>
+              <a:rPr lang="ko-KR" altLang="en-US"/>
+              <a:t>다섯 번째 수준</a:t>
+            </a:r>
+          </a:p>
+        </p:txBody>
+      </p:sp>
+      <p:sp>
+        <p:nvSpPr>
+          <p:cNvPr id="6" name="바닥글 개체 틀 5"/>
+          <p:cNvSpPr>
+            <a:spLocks noGrp="1"/>
+          </p:cNvSpPr>
+          <p:nvPr>
+            <p:ph type="ftr" sz="quarter" idx="4"/>
+          </p:nvPr>
+        </p:nvSpPr>
+        <p:spPr>
+          <a:xfrm>
+            <a:off x="0" y="8685213"/>
+            <a:ext cx="2971800" cy="458787"/>
+          </a:xfrm>
+          <a:prstGeom prst="rect">
+            <a:avLst/>
+          </a:prstGeom>
+        </p:spPr>
+        <p:txBody>
+          <a:bodyPr vert="horz" lIns="91440" tIns="45720" rIns="91440" bIns="45720" rtlCol="0" anchor="b"/>
+          <a:lstStyle>
+            <a:lvl1pPr algn="l">
+              <a:defRPr sz="1200"/>
+            </a:lvl1pPr>
+          </a:lstStyle>
+          <a:p>
+            <a:endParaRPr lang="ko-KR" altLang="en-US"/>
+          </a:p>
+        </p:txBody>
+      </p:sp>
+      <p:sp>
+        <p:nvSpPr>
+          <p:cNvPr id="7" name="슬라이드 번호 개체 틀 6"/>
+          <p:cNvSpPr>
+            <a:spLocks noGrp="1"/>
+          </p:cNvSpPr>
+          <p:nvPr>
+            <p:ph type="sldNum" sz="quarter" idx="5"/>
+          </p:nvPr>
+        </p:nvSpPr>
+        <p:spPr>
+          <a:xfrm>
+            <a:off x="3884613" y="8685213"/>
+            <a:ext cx="2971800" cy="458787"/>
+          </a:xfrm>
+          <a:prstGeom prst="rect">
+            <a:avLst/>
+          </a:prstGeom>
+        </p:spPr>
+        <p:txBody>
+          <a:bodyPr vert="horz" lIns="91440" tIns="45720" rIns="91440" bIns="45720" rtlCol="0" anchor="b"/>
+          <a:lstStyle>
+            <a:lvl1pPr algn="r">
+              <a:defRPr sz="1200"/>
+            </a:lvl1pPr>
+          </a:lstStyle>
+          <a:p>
+            <a:fld id="{4A3304FD-D8D1-402E-8714-21D8CC9FE3BF}" type="slidenum">
+              <a:rPr lang="ko-KR" altLang="en-US" smtClean="0"/>
+              <a:t>‹#›</a:t>
+            </a:fld>
+            <a:endParaRPr lang="ko-KR" altLang="en-US"/>
+          </a:p>
+        </p:txBody>
+      </p:sp>
+    </p:spTree>
+    <p:extLst>
+      <p:ext uri="{BB962C8B-B14F-4D97-AF65-F5344CB8AC3E}">
+        <p14:creationId xmlns:p14="http://schemas.microsoft.com/office/powerpoint/2010/main" val="2755688603"/>
+      </p:ext>
+    </p:extLst>
+  </p:cSld>
+  <p:clrMap bg1="lt1" tx1="dk1" bg2="lt2" tx2="dk2" accent1="accent1" accent2="accent2" accent3="accent3" accent4="accent4" accent5="accent5" accent6="accent6" hlink="hlink" folHlink="folHlink"/>
+  <p:notesStyle>
+    <a:lvl1pPr marL="0" algn="l" defTabSz="914400" rtl="0" eaLnBrk="1" latinLnBrk="1" hangingPunct="1">
+      <a:defRPr sz="1200" kern="1200">
+        <a:solidFill>
+          <a:schemeClr val="tx1"/>
+        </a:solidFill>
+        <a:latin typeface="+mn-lt"/>
+        <a:ea typeface="+mn-ea"/>
+        <a:cs typeface="+mn-cs"/>
+      </a:defRPr>
+    </a:lvl1pPr>
+    <a:lvl2pPr marL="457200" algn="l" defTabSz="914400" rtl="0" eaLnBrk="1" latinLnBrk="1" hangingPunct="1">
+      <a:defRPr sz="1200" kern="1200">
+        <a:solidFill>
+          <a:schemeClr val="tx1"/>
+        </a:solidFill>
+        <a:latin typeface="+mn-lt"/>
+        <a:ea typeface="+mn-ea"/>
+        <a:cs typeface="+mn-cs"/>
+      </a:defRPr>
+    </a:lvl2pPr>
+    <a:lvl3pPr marL="914400" algn="l" defTabSz="914400" rtl="0" eaLnBrk="1" latinLnBrk="1" hangingPunct="1">
+      <a:defRPr sz="1200" kern="1200">
+        <a:solidFill>
+          <a:schemeClr val="tx1"/>
+        </a:solidFill>
+        <a:latin typeface="+mn-lt"/>
+        <a:ea typeface="+mn-ea"/>
+        <a:cs typeface="+mn-cs"/>
+      </a:defRPr>
+    </a:lvl3pPr>
+    <a:lvl4pPr marL="1371600" algn="l" defTabSz="914400" rtl="0" eaLnBrk="1" latinLnBrk="1" hangingPunct="1">
+      <a:defRPr sz="1200" kern="1200">
+        <a:solidFill>
+          <a:schemeClr val="tx1"/>
+        </a:solidFill>
+        <a:latin typeface="+mn-lt"/>
+        <a:ea typeface="+mn-ea"/>
+        <a:cs typeface="+mn-cs"/>
+      </a:defRPr>
+    </a:lvl4pPr>
+    <a:lvl5pPr marL="1828800" algn="l" defTabSz="914400" rtl="0" eaLnBrk="1" latinLnBrk="1" hangingPunct="1">
+      <a:defRPr sz="1200" kern="1200">
+        <a:solidFill>
+          <a:schemeClr val="tx1"/>
+        </a:solidFill>
+        <a:latin typeface="+mn-lt"/>
+        <a:ea typeface="+mn-ea"/>
+        <a:cs typeface="+mn-cs"/>
+      </a:defRPr>
+    </a:lvl5pPr>
+    <a:lvl6pPr marL="2286000" algn="l" defTabSz="914400" rtl="0" eaLnBrk="1" latinLnBrk="1" hangingPunct="1">
+      <a:defRPr sz="1200" kern="1200">
+        <a:solidFill>
+          <a:schemeClr val="tx1"/>
+        </a:solidFill>
+        <a:latin typeface="+mn-lt"/>
+        <a:ea typeface="+mn-ea"/>
+        <a:cs typeface="+mn-cs"/>
+      </a:defRPr>
+    </a:lvl6pPr>
+    <a:lvl7pPr marL="2743200" algn="l" defTabSz="914400" rtl="0" eaLnBrk="1" latinLnBrk="1" hangingPunct="1">
+      <a:defRPr sz="1200" kern="1200">
+        <a:solidFill>
+          <a:schemeClr val="tx1"/>
+        </a:solidFill>
+        <a:latin typeface="+mn-lt"/>
+        <a:ea typeface="+mn-ea"/>
+        <a:cs typeface="+mn-cs"/>
+      </a:defRPr>
+    </a:lvl7pPr>
+    <a:lvl8pPr marL="3200400" algn="l" defTabSz="914400" rtl="0" eaLnBrk="1" latinLnBrk="1" hangingPunct="1">
+      <a:defRPr sz="1200" kern="1200">
+        <a:solidFill>
+          <a:schemeClr val="tx1"/>
+        </a:solidFill>
+        <a:latin typeface="+mn-lt"/>
+        <a:ea typeface="+mn-ea"/>
+        <a:cs typeface="+mn-cs"/>
+      </a:defRPr>
+    </a:lvl8pPr>
+    <a:lvl9pPr marL="3657600" algn="l" defTabSz="914400" rtl="0" eaLnBrk="1" latinLnBrk="1" hangingPunct="1">
+      <a:defRPr sz="1200" kern="1200">
+        <a:solidFill>
+          <a:schemeClr val="tx1"/>
+        </a:solidFill>
+        <a:latin typeface="+mn-lt"/>
+        <a:ea typeface="+mn-ea"/>
+        <a:cs typeface="+mn-cs"/>
+      </a:defRPr>
+    </a:lvl9pPr>
+  </p:notesStyle>
+</p:notesMaster>
+</file>
+
+<file path=ppt/notesSlides/notesSlide1.xml><?xml version="1.0" encoding="utf-8"?>
+<p:notes xmlns:a="http://schemas.openxmlformats.org/drawingml/2006/main" xmlns:r="http://schemas.openxmlformats.org/officeDocument/2006/relationships" xmlns:p="http://schemas.openxmlformats.org/presentationml/2006/main">
+  <p:cSld>
+    <p:spTree>
+      <p:nvGrpSpPr>
+        <p:cNvPr id="1" name=""/>
+        <p:cNvGrpSpPr/>
+        <p:nvPr/>
+      </p:nvGrpSpPr>
+      <p:grpSpPr>
+        <a:xfrm>
+          <a:off x="0" y="0"/>
+          <a:ext cx="0" cy="0"/>
+          <a:chOff x="0" y="0"/>
+          <a:chExt cx="0" cy="0"/>
+        </a:xfrm>
+      </p:grpSpPr>
+      <p:sp>
+        <p:nvSpPr>
+          <p:cNvPr id="2" name="슬라이드 이미지 개체 틀 1"/>
+          <p:cNvSpPr>
+            <a:spLocks noGrp="1" noRot="1" noChangeAspect="1"/>
+          </p:cNvSpPr>
+          <p:nvPr>
+            <p:ph type="sldImg"/>
+          </p:nvPr>
+        </p:nvSpPr>
+        <p:spPr/>
+      </p:sp>
+      <p:sp>
+        <p:nvSpPr>
+          <p:cNvPr id="3" name="슬라이드 노트 개체 틀 2"/>
+          <p:cNvSpPr>
+            <a:spLocks noGrp="1"/>
+          </p:cNvSpPr>
+          <p:nvPr>
+            <p:ph type="body" idx="1"/>
+          </p:nvPr>
+        </p:nvSpPr>
+        <p:spPr/>
+        <p:txBody>
+          <a:bodyPr/>
+          <a:lstStyle/>
+          <a:p>
+            <a:r>
+              <a:rPr lang="ko-KR" altLang="en-US" dirty="0"/>
+              <a:t>안녕하세요 버튼팀의 발표를 맡은 임수진 입니다</a:t>
+            </a:r>
+            <a:r>
+              <a:rPr lang="en-US" altLang="ko-KR" dirty="0"/>
+              <a:t>~~~~~ </a:t>
+            </a:r>
+            <a:r>
+              <a:rPr lang="ko-KR" altLang="en-US" dirty="0"/>
+              <a:t>팀장에 임수진</a:t>
+            </a:r>
+            <a:r>
+              <a:rPr lang="en-US" altLang="ko-KR" dirty="0"/>
+              <a:t>, </a:t>
+            </a:r>
+            <a:r>
+              <a:rPr lang="ko-KR" altLang="en-US" dirty="0"/>
+              <a:t>팀원에 </a:t>
+            </a:r>
+            <a:r>
+              <a:rPr lang="ko-KR" altLang="en-US" dirty="0" err="1"/>
+              <a:t>엄세영</a:t>
+            </a:r>
+            <a:r>
+              <a:rPr lang="en-US" altLang="ko-KR" dirty="0"/>
+              <a:t>, </a:t>
+            </a:r>
+            <a:r>
+              <a:rPr lang="ko-KR" altLang="en-US" dirty="0"/>
+              <a:t>이유진</a:t>
+            </a:r>
+            <a:r>
+              <a:rPr lang="en-US" altLang="ko-KR" dirty="0"/>
+              <a:t>, </a:t>
+            </a:r>
+            <a:r>
+              <a:rPr lang="ko-KR" altLang="en-US" dirty="0"/>
+              <a:t>이현준</a:t>
+            </a:r>
+            <a:r>
+              <a:rPr lang="en-US" altLang="ko-KR" dirty="0"/>
+              <a:t>, </a:t>
+            </a:r>
+            <a:r>
+              <a:rPr lang="ko-KR" altLang="en-US" dirty="0"/>
+              <a:t>최진용 다섯명이 한 팀으로 이번 프로젝트 제작에 참여했습니다</a:t>
+            </a:r>
+            <a:r>
+              <a:rPr lang="en-US" altLang="ko-KR" dirty="0"/>
+              <a:t>.</a:t>
+            </a:r>
+          </a:p>
+          <a:p>
+            <a:endParaRPr lang="ko-KR" altLang="en-US" dirty="0"/>
+          </a:p>
+        </p:txBody>
+      </p:sp>
+      <p:sp>
+        <p:nvSpPr>
+          <p:cNvPr id="4" name="슬라이드 번호 개체 틀 3"/>
+          <p:cNvSpPr>
+            <a:spLocks noGrp="1"/>
+          </p:cNvSpPr>
+          <p:nvPr>
+            <p:ph type="sldNum" sz="quarter" idx="5"/>
+          </p:nvPr>
+        </p:nvSpPr>
+        <p:spPr/>
+        <p:txBody>
+          <a:bodyPr/>
+          <a:lstStyle/>
+          <a:p>
+            <a:fld id="{4A3304FD-D8D1-402E-8714-21D8CC9FE3BF}" type="slidenum">
+              <a:rPr lang="ko-KR" altLang="en-US" smtClean="0"/>
+              <a:t>1</a:t>
+            </a:fld>
+            <a:endParaRPr lang="ko-KR" altLang="en-US"/>
+          </a:p>
+        </p:txBody>
+      </p:sp>
+    </p:spTree>
+    <p:extLst>
+      <p:ext uri="{BB962C8B-B14F-4D97-AF65-F5344CB8AC3E}">
+        <p14:creationId xmlns:p14="http://schemas.microsoft.com/office/powerpoint/2010/main" val="52522234"/>
+      </p:ext>
+    </p:extLst>
+  </p:cSld>
+  <p:clrMapOvr>
+    <a:masterClrMapping/>
+  </p:clrMapOvr>
+</p:notes>
+</file>
+
+<file path=ppt/notesSlides/notesSlide10.xml><?xml version="1.0" encoding="utf-8"?>
+<p:notes xmlns:a="http://schemas.openxmlformats.org/drawingml/2006/main" xmlns:r="http://schemas.openxmlformats.org/officeDocument/2006/relationships" xmlns:p="http://schemas.openxmlformats.org/presentationml/2006/main">
+  <p:cSld>
+    <p:spTree>
+      <p:nvGrpSpPr>
+        <p:cNvPr id="1" name=""/>
+        <p:cNvGrpSpPr/>
+        <p:nvPr/>
+      </p:nvGrpSpPr>
+      <p:grpSpPr>
+        <a:xfrm>
+          <a:off x="0" y="0"/>
+          <a:ext cx="0" cy="0"/>
+          <a:chOff x="0" y="0"/>
+          <a:chExt cx="0" cy="0"/>
+        </a:xfrm>
+      </p:grpSpPr>
+      <p:sp>
+        <p:nvSpPr>
+          <p:cNvPr id="2" name="슬라이드 이미지 개체 틀 1"/>
+          <p:cNvSpPr>
+            <a:spLocks noGrp="1" noRot="1" noChangeAspect="1"/>
+          </p:cNvSpPr>
+          <p:nvPr>
+            <p:ph type="sldImg"/>
+          </p:nvPr>
+        </p:nvSpPr>
+        <p:spPr/>
+      </p:sp>
+      <p:sp>
+        <p:nvSpPr>
+          <p:cNvPr id="3" name="슬라이드 노트 개체 틀 2"/>
+          <p:cNvSpPr>
+            <a:spLocks noGrp="1"/>
+          </p:cNvSpPr>
+          <p:nvPr>
+            <p:ph type="body" idx="1"/>
+          </p:nvPr>
+        </p:nvSpPr>
+        <p:spPr/>
+        <p:txBody>
+          <a:bodyPr/>
+          <a:lstStyle/>
+          <a:p>
+            <a:r>
+              <a:rPr lang="ko-KR" altLang="en-US" dirty="0"/>
+              <a:t>먼저 로그인 페이지의 코드입니다</a:t>
+            </a:r>
+            <a:r>
+              <a:rPr lang="en-US" altLang="ko-KR" dirty="0"/>
+              <a:t>. </a:t>
+            </a:r>
+            <a:r>
+              <a:rPr lang="ko-KR" altLang="en-US" dirty="0"/>
+              <a:t>로그인에는 아이디와 패스워드를 입력하는 간단한 창을 만들었고 </a:t>
+            </a:r>
+            <a:r>
+              <a:rPr lang="ko-KR" altLang="en-US" dirty="0" err="1"/>
+              <a:t>입력후</a:t>
+            </a:r>
+            <a:r>
+              <a:rPr lang="ko-KR" altLang="en-US" dirty="0"/>
+              <a:t> 로그인 버튼을 누르면 로그인이 되는 간단한 코드입니다</a:t>
+            </a:r>
+            <a:r>
+              <a:rPr lang="en-US" altLang="ko-KR" dirty="0"/>
+              <a:t>.</a:t>
+            </a:r>
+          </a:p>
+          <a:p>
+            <a:r>
+              <a:rPr lang="ko-KR" altLang="en-US" dirty="0"/>
+              <a:t>로그인을 하기 전</a:t>
+            </a:r>
+            <a:r>
+              <a:rPr lang="en-US" altLang="ko-KR" dirty="0"/>
+              <a:t>, </a:t>
+            </a:r>
+            <a:r>
+              <a:rPr lang="ko-KR" altLang="en-US" dirty="0"/>
+              <a:t>회원가입을 </a:t>
+            </a:r>
+            <a:r>
+              <a:rPr lang="ko-KR" altLang="en-US" dirty="0" err="1"/>
+              <a:t>해야하므로</a:t>
+            </a:r>
+            <a:r>
+              <a:rPr lang="ko-KR" altLang="en-US" dirty="0"/>
+              <a:t> 가입하기 버튼을 만들었고 </a:t>
+            </a:r>
+            <a:r>
+              <a:rPr lang="en-US" altLang="ko-KR" dirty="0"/>
+              <a:t>a</a:t>
+            </a:r>
+            <a:r>
+              <a:rPr lang="ko-KR" altLang="en-US" dirty="0"/>
+              <a:t>태그를 사용하면 됐지만 </a:t>
+            </a:r>
+            <a:r>
+              <a:rPr lang="ko-KR" altLang="en-US" dirty="0" err="1"/>
+              <a:t>온클릭</a:t>
+            </a:r>
+            <a:r>
+              <a:rPr lang="ko-KR" altLang="en-US" dirty="0"/>
+              <a:t> 이벤트로 회원가입 페이지로 이동하도록 해봤습니다</a:t>
+            </a:r>
+            <a:r>
+              <a:rPr lang="en-US" altLang="ko-KR" dirty="0"/>
+              <a:t>… </a:t>
+            </a:r>
+            <a:r>
+              <a:rPr lang="ko-KR" altLang="en-US" dirty="0"/>
+              <a:t>겉멋입니다</a:t>
+            </a:r>
+            <a:r>
+              <a:rPr lang="en-US" altLang="ko-KR" dirty="0"/>
+              <a:t>..</a:t>
+            </a:r>
+            <a:endParaRPr lang="ko-KR" altLang="en-US" dirty="0"/>
+          </a:p>
+        </p:txBody>
+      </p:sp>
+      <p:sp>
+        <p:nvSpPr>
+          <p:cNvPr id="4" name="슬라이드 번호 개체 틀 3"/>
+          <p:cNvSpPr>
+            <a:spLocks noGrp="1"/>
+          </p:cNvSpPr>
+          <p:nvPr>
+            <p:ph type="sldNum" sz="quarter" idx="5"/>
+          </p:nvPr>
+        </p:nvSpPr>
+        <p:spPr/>
+        <p:txBody>
+          <a:bodyPr/>
+          <a:lstStyle/>
+          <a:p>
+            <a:fld id="{4A3304FD-D8D1-402E-8714-21D8CC9FE3BF}" type="slidenum">
+              <a:rPr lang="ko-KR" altLang="en-US" smtClean="0"/>
+              <a:t>10</a:t>
+            </a:fld>
+            <a:endParaRPr lang="ko-KR" altLang="en-US"/>
+          </a:p>
+        </p:txBody>
+      </p:sp>
+    </p:spTree>
+    <p:extLst>
+      <p:ext uri="{BB962C8B-B14F-4D97-AF65-F5344CB8AC3E}">
+        <p14:creationId xmlns:p14="http://schemas.microsoft.com/office/powerpoint/2010/main" val="3242256244"/>
+      </p:ext>
+    </p:extLst>
+  </p:cSld>
+  <p:clrMapOvr>
+    <a:masterClrMapping/>
+  </p:clrMapOvr>
+</p:notes>
+</file>
+
+<file path=ppt/notesSlides/notesSlide11.xml><?xml version="1.0" encoding="utf-8"?>
+<p:notes xmlns:a="http://schemas.openxmlformats.org/drawingml/2006/main" xmlns:r="http://schemas.openxmlformats.org/officeDocument/2006/relationships" xmlns:p="http://schemas.openxmlformats.org/presentationml/2006/main">
+  <p:cSld>
+    <p:spTree>
+      <p:nvGrpSpPr>
+        <p:cNvPr id="1" name=""/>
+        <p:cNvGrpSpPr/>
+        <p:nvPr/>
+      </p:nvGrpSpPr>
+      <p:grpSpPr>
+        <a:xfrm>
+          <a:off x="0" y="0"/>
+          <a:ext cx="0" cy="0"/>
+          <a:chOff x="0" y="0"/>
+          <a:chExt cx="0" cy="0"/>
+        </a:xfrm>
+      </p:grpSpPr>
+      <p:sp>
+        <p:nvSpPr>
+          <p:cNvPr id="2" name="슬라이드 이미지 개체 틀 1"/>
+          <p:cNvSpPr>
+            <a:spLocks noGrp="1" noRot="1" noChangeAspect="1"/>
+          </p:cNvSpPr>
+          <p:nvPr>
+            <p:ph type="sldImg"/>
+          </p:nvPr>
+        </p:nvSpPr>
+        <p:spPr/>
+      </p:sp>
+      <p:sp>
+        <p:nvSpPr>
+          <p:cNvPr id="3" name="슬라이드 노트 개체 틀 2"/>
+          <p:cNvSpPr>
+            <a:spLocks noGrp="1"/>
+          </p:cNvSpPr>
+          <p:nvPr>
+            <p:ph type="body" idx="1"/>
+          </p:nvPr>
+        </p:nvSpPr>
+        <p:spPr/>
+        <p:txBody>
+          <a:bodyPr/>
+          <a:lstStyle/>
+          <a:p>
+            <a:r>
+              <a:rPr lang="ko-KR" altLang="en-US" dirty="0"/>
+              <a:t>회원가입 페이지는 사용자로부터 다섯가지 입력사항을 받도록 했고 입력을 하면 회원가입 버튼을 눌러 실행시키는 방식입니다</a:t>
+            </a:r>
+            <a:r>
+              <a:rPr lang="en-US" altLang="ko-KR" dirty="0"/>
+              <a:t>. </a:t>
+            </a:r>
+            <a:r>
+              <a:rPr lang="ko-KR" altLang="en-US" dirty="0"/>
+              <a:t>회원가입을 처리하는 페이지로 넘어가기 전에 </a:t>
+            </a:r>
+            <a:r>
+              <a:rPr lang="en-US" altLang="ko-KR" dirty="0"/>
+              <a:t>submit</a:t>
+            </a:r>
+            <a:r>
+              <a:rPr lang="ko-KR" altLang="en-US" dirty="0"/>
+              <a:t>버튼에 </a:t>
+            </a:r>
+            <a:r>
+              <a:rPr lang="ko-KR" altLang="en-US" dirty="0" err="1"/>
+              <a:t>온클릭</a:t>
+            </a:r>
+            <a:r>
+              <a:rPr lang="ko-KR" altLang="en-US" dirty="0"/>
+              <a:t> 이벤트를 주어 함수를 조인체크라는</a:t>
+            </a:r>
+            <a:endParaRPr lang="en-US" altLang="ko-KR" dirty="0"/>
+          </a:p>
+          <a:p>
+            <a:r>
+              <a:rPr lang="ko-KR" altLang="en-US" dirty="0"/>
+              <a:t>함수를 실행시키도록 했습니다</a:t>
+            </a:r>
+            <a:r>
+              <a:rPr lang="en-US" altLang="ko-KR" dirty="0"/>
+              <a:t>.</a:t>
+            </a:r>
+            <a:endParaRPr lang="ko-KR" altLang="en-US" dirty="0"/>
+          </a:p>
+        </p:txBody>
+      </p:sp>
+      <p:sp>
+        <p:nvSpPr>
+          <p:cNvPr id="4" name="슬라이드 번호 개체 틀 3"/>
+          <p:cNvSpPr>
+            <a:spLocks noGrp="1"/>
+          </p:cNvSpPr>
+          <p:nvPr>
+            <p:ph type="sldNum" sz="quarter" idx="5"/>
+          </p:nvPr>
+        </p:nvSpPr>
+        <p:spPr/>
+        <p:txBody>
+          <a:bodyPr/>
+          <a:lstStyle/>
+          <a:p>
+            <a:fld id="{4A3304FD-D8D1-402E-8714-21D8CC9FE3BF}" type="slidenum">
+              <a:rPr lang="ko-KR" altLang="en-US" smtClean="0"/>
+              <a:t>11</a:t>
+            </a:fld>
+            <a:endParaRPr lang="ko-KR" altLang="en-US"/>
+          </a:p>
+        </p:txBody>
+      </p:sp>
+    </p:spTree>
+    <p:extLst>
+      <p:ext uri="{BB962C8B-B14F-4D97-AF65-F5344CB8AC3E}">
+        <p14:creationId xmlns:p14="http://schemas.microsoft.com/office/powerpoint/2010/main" val="1015667591"/>
+      </p:ext>
+    </p:extLst>
+  </p:cSld>
+  <p:clrMapOvr>
+    <a:masterClrMapping/>
+  </p:clrMapOvr>
+</p:notes>
+</file>
+
+<file path=ppt/notesSlides/notesSlide12.xml><?xml version="1.0" encoding="utf-8"?>
+<p:notes xmlns:a="http://schemas.openxmlformats.org/drawingml/2006/main" xmlns:r="http://schemas.openxmlformats.org/officeDocument/2006/relationships" xmlns:p="http://schemas.openxmlformats.org/presentationml/2006/main">
+  <p:cSld>
+    <p:spTree>
+      <p:nvGrpSpPr>
+        <p:cNvPr id="1" name=""/>
+        <p:cNvGrpSpPr/>
+        <p:nvPr/>
+      </p:nvGrpSpPr>
+      <p:grpSpPr>
+        <a:xfrm>
+          <a:off x="0" y="0"/>
+          <a:ext cx="0" cy="0"/>
+          <a:chOff x="0" y="0"/>
+          <a:chExt cx="0" cy="0"/>
+        </a:xfrm>
+      </p:grpSpPr>
+      <p:sp>
+        <p:nvSpPr>
+          <p:cNvPr id="2" name="슬라이드 이미지 개체 틀 1"/>
+          <p:cNvSpPr>
+            <a:spLocks noGrp="1" noRot="1" noChangeAspect="1"/>
+          </p:cNvSpPr>
+          <p:nvPr>
+            <p:ph type="sldImg"/>
+          </p:nvPr>
+        </p:nvSpPr>
+        <p:spPr/>
+      </p:sp>
+      <p:sp>
+        <p:nvSpPr>
+          <p:cNvPr id="3" name="슬라이드 노트 개체 틀 2"/>
+          <p:cNvSpPr>
+            <a:spLocks noGrp="1"/>
+          </p:cNvSpPr>
+          <p:nvPr>
+            <p:ph type="body" idx="1"/>
+          </p:nvPr>
+        </p:nvSpPr>
+        <p:spPr/>
+        <p:txBody>
+          <a:bodyPr/>
+          <a:lstStyle/>
+          <a:p>
+            <a:r>
+              <a:rPr lang="ko-KR" altLang="en-US" dirty="0"/>
+              <a:t>조인체크라는 함수는 사용자가 입력한 회원가입 데이터에 대한 유효성 검사를 하는 함수입니다</a:t>
+            </a:r>
+            <a:r>
+              <a:rPr lang="en-US" altLang="ko-KR" dirty="0"/>
+              <a:t>. </a:t>
+            </a:r>
+            <a:r>
+              <a:rPr lang="ko-KR" altLang="en-US" dirty="0"/>
+              <a:t>예를 들면 이름에는 한글만 쓸 수 있도록 정규식을 썼고 아이디에는 영문과 숫자만 사용하도록 했습니다</a:t>
+            </a:r>
+            <a:r>
+              <a:rPr lang="en-US" altLang="ko-KR" dirty="0"/>
+              <a:t>.</a:t>
+            </a:r>
+          </a:p>
+          <a:p>
+            <a:r>
+              <a:rPr lang="ko-KR" altLang="en-US" dirty="0"/>
+              <a:t>또한 밑 줄에는 </a:t>
+            </a:r>
+            <a:r>
+              <a:rPr lang="en-US" altLang="ko-KR" dirty="0"/>
+              <a:t>length</a:t>
+            </a:r>
+            <a:r>
+              <a:rPr lang="ko-KR" altLang="en-US" dirty="0"/>
+              <a:t>를 사용해 </a:t>
+            </a:r>
+            <a:r>
+              <a:rPr lang="ko-KR" altLang="en-US" dirty="0" err="1"/>
+              <a:t>입력값이</a:t>
+            </a:r>
+            <a:r>
+              <a:rPr lang="ko-KR" altLang="en-US" dirty="0"/>
+              <a:t> 없으면 경고창이 뜨고 빈 칸이 없도록 했습니다</a:t>
+            </a:r>
+            <a:r>
+              <a:rPr lang="en-US" altLang="ko-KR" dirty="0"/>
+              <a:t>. </a:t>
+            </a:r>
+            <a:r>
+              <a:rPr lang="ko-KR" altLang="en-US" dirty="0" err="1"/>
+              <a:t>입력값이</a:t>
+            </a:r>
+            <a:r>
+              <a:rPr lang="ko-KR" altLang="en-US" dirty="0"/>
+              <a:t> 있을 경우에는 </a:t>
+            </a:r>
+            <a:r>
+              <a:rPr lang="en-US" altLang="ko-KR" dirty="0"/>
+              <a:t>else if</a:t>
+            </a:r>
+            <a:r>
+              <a:rPr lang="ko-KR" altLang="en-US" dirty="0"/>
+              <a:t>문 안에 위에 사용한 정규식을 검증하도록 했습니다</a:t>
+            </a:r>
+            <a:r>
+              <a:rPr lang="en-US" altLang="ko-KR" dirty="0"/>
+              <a:t>. </a:t>
+            </a:r>
+            <a:r>
+              <a:rPr lang="ko-KR" altLang="en-US" dirty="0"/>
+              <a:t>그래서 제대로 된 값들이 테이블에 들어가도록 구현했습니다</a:t>
+            </a:r>
+            <a:r>
+              <a:rPr lang="en-US" altLang="ko-KR" dirty="0"/>
+              <a:t>.</a:t>
+            </a:r>
+            <a:endParaRPr lang="ko-KR" altLang="en-US" dirty="0"/>
+          </a:p>
+        </p:txBody>
+      </p:sp>
+      <p:sp>
+        <p:nvSpPr>
+          <p:cNvPr id="4" name="슬라이드 번호 개체 틀 3"/>
+          <p:cNvSpPr>
+            <a:spLocks noGrp="1"/>
+          </p:cNvSpPr>
+          <p:nvPr>
+            <p:ph type="sldNum" sz="quarter" idx="5"/>
+          </p:nvPr>
+        </p:nvSpPr>
+        <p:spPr/>
+        <p:txBody>
+          <a:bodyPr/>
+          <a:lstStyle/>
+          <a:p>
+            <a:fld id="{4A3304FD-D8D1-402E-8714-21D8CC9FE3BF}" type="slidenum">
+              <a:rPr lang="ko-KR" altLang="en-US" smtClean="0"/>
+              <a:t>12</a:t>
+            </a:fld>
+            <a:endParaRPr lang="ko-KR" altLang="en-US"/>
+          </a:p>
+        </p:txBody>
+      </p:sp>
+    </p:spTree>
+    <p:extLst>
+      <p:ext uri="{BB962C8B-B14F-4D97-AF65-F5344CB8AC3E}">
+        <p14:creationId xmlns:p14="http://schemas.microsoft.com/office/powerpoint/2010/main" val="2924260986"/>
+      </p:ext>
+    </p:extLst>
+  </p:cSld>
+  <p:clrMapOvr>
+    <a:masterClrMapping/>
+  </p:clrMapOvr>
+</p:notes>
+</file>
+
+<file path=ppt/notesSlides/notesSlide13.xml><?xml version="1.0" encoding="utf-8"?>
+<p:notes xmlns:a="http://schemas.openxmlformats.org/drawingml/2006/main" xmlns:r="http://schemas.openxmlformats.org/officeDocument/2006/relationships" xmlns:p="http://schemas.openxmlformats.org/presentationml/2006/main">
+  <p:cSld>
+    <p:spTree>
+      <p:nvGrpSpPr>
+        <p:cNvPr id="1" name=""/>
+        <p:cNvGrpSpPr/>
+        <p:nvPr/>
+      </p:nvGrpSpPr>
+      <p:grpSpPr>
+        <a:xfrm>
+          <a:off x="0" y="0"/>
+          <a:ext cx="0" cy="0"/>
+          <a:chOff x="0" y="0"/>
+          <a:chExt cx="0" cy="0"/>
+        </a:xfrm>
+      </p:grpSpPr>
+      <p:sp>
+        <p:nvSpPr>
+          <p:cNvPr id="2" name="슬라이드 이미지 개체 틀 1"/>
+          <p:cNvSpPr>
+            <a:spLocks noGrp="1" noRot="1" noChangeAspect="1"/>
+          </p:cNvSpPr>
+          <p:nvPr>
+            <p:ph type="sldImg"/>
+          </p:nvPr>
+        </p:nvSpPr>
+        <p:spPr/>
+      </p:sp>
+      <p:sp>
+        <p:nvSpPr>
+          <p:cNvPr id="3" name="슬라이드 노트 개체 틀 2"/>
+          <p:cNvSpPr>
+            <a:spLocks noGrp="1"/>
+          </p:cNvSpPr>
+          <p:nvPr>
+            <p:ph type="body" idx="1"/>
+          </p:nvPr>
+        </p:nvSpPr>
+        <p:spPr/>
+        <p:txBody>
+          <a:bodyPr/>
+          <a:lstStyle/>
+          <a:p>
+            <a:r>
+              <a:rPr lang="ko-KR" altLang="en-US" dirty="0"/>
+              <a:t>유효성 검사를 통과하면 회원가입을 처리하는 페이지로 이동이 됩니다</a:t>
+            </a:r>
+            <a:r>
+              <a:rPr lang="en-US" altLang="ko-KR" dirty="0"/>
+              <a:t>. </a:t>
+            </a:r>
+            <a:r>
+              <a:rPr lang="ko-KR" altLang="en-US" dirty="0"/>
+              <a:t>실제 사용자에게 보여지지는 않고 쿼리문을 수행하게 됩니다</a:t>
+            </a:r>
+            <a:r>
+              <a:rPr lang="en-US" altLang="ko-KR" dirty="0"/>
+              <a:t>. </a:t>
+            </a:r>
+          </a:p>
+          <a:p>
+            <a:r>
+              <a:rPr lang="ko-KR" altLang="en-US" dirty="0"/>
+              <a:t>자바에서 </a:t>
+            </a:r>
+            <a:r>
+              <a:rPr lang="en-US" altLang="ko-KR" dirty="0"/>
+              <a:t>try</a:t>
+            </a:r>
+            <a:r>
+              <a:rPr lang="ko-KR" altLang="en-US" dirty="0"/>
+              <a:t>문은 예외처리를 위해 사용되는 제어문인데 아직 배우지 않았으니 자세한 설명은 넘어가겠습니다</a:t>
+            </a:r>
+            <a:r>
+              <a:rPr lang="en-US" altLang="ko-KR" dirty="0"/>
+              <a:t>…. </a:t>
+            </a:r>
+            <a:r>
+              <a:rPr lang="ko-KR" altLang="en-US" dirty="0"/>
+              <a:t>트라이문 안에 보면 노란색 박스로 오라클과 연결되는 코드가 작성되었습니다</a:t>
+            </a:r>
+            <a:r>
+              <a:rPr lang="en-US" altLang="ko-KR" dirty="0"/>
+              <a:t>. </a:t>
+            </a:r>
+            <a:r>
+              <a:rPr lang="ko-KR" altLang="en-US" dirty="0"/>
+              <a:t>오라클 계정과 비밀번호를 입력해 접속을 하는 방식입니다</a:t>
+            </a:r>
+            <a:r>
+              <a:rPr lang="en-US" altLang="ko-KR" dirty="0"/>
+              <a:t>.</a:t>
+            </a:r>
+            <a:endParaRPr lang="ko-KR" altLang="en-US" dirty="0"/>
+          </a:p>
+        </p:txBody>
+      </p:sp>
+      <p:sp>
+        <p:nvSpPr>
+          <p:cNvPr id="4" name="슬라이드 번호 개체 틀 3"/>
+          <p:cNvSpPr>
+            <a:spLocks noGrp="1"/>
+          </p:cNvSpPr>
+          <p:nvPr>
+            <p:ph type="sldNum" sz="quarter" idx="5"/>
+          </p:nvPr>
+        </p:nvSpPr>
+        <p:spPr/>
+        <p:txBody>
+          <a:bodyPr/>
+          <a:lstStyle/>
+          <a:p>
+            <a:fld id="{4A3304FD-D8D1-402E-8714-21D8CC9FE3BF}" type="slidenum">
+              <a:rPr lang="ko-KR" altLang="en-US" smtClean="0"/>
+              <a:t>13</a:t>
+            </a:fld>
+            <a:endParaRPr lang="ko-KR" altLang="en-US"/>
+          </a:p>
+        </p:txBody>
+      </p:sp>
+    </p:spTree>
+    <p:extLst>
+      <p:ext uri="{BB962C8B-B14F-4D97-AF65-F5344CB8AC3E}">
+        <p14:creationId xmlns:p14="http://schemas.microsoft.com/office/powerpoint/2010/main" val="2805247446"/>
+      </p:ext>
+    </p:extLst>
+  </p:cSld>
+  <p:clrMapOvr>
+    <a:masterClrMapping/>
+  </p:clrMapOvr>
+</p:notes>
+</file>
+
+<file path=ppt/notesSlides/notesSlide14.xml><?xml version="1.0" encoding="utf-8"?>
+<p:notes xmlns:a="http://schemas.openxmlformats.org/drawingml/2006/main" xmlns:r="http://schemas.openxmlformats.org/officeDocument/2006/relationships" xmlns:p="http://schemas.openxmlformats.org/presentationml/2006/main">
+  <p:cSld>
+    <p:spTree>
+      <p:nvGrpSpPr>
+        <p:cNvPr id="1" name=""/>
+        <p:cNvGrpSpPr/>
+        <p:nvPr/>
+      </p:nvGrpSpPr>
+      <p:grpSpPr>
+        <a:xfrm>
+          <a:off x="0" y="0"/>
+          <a:ext cx="0" cy="0"/>
+          <a:chOff x="0" y="0"/>
+          <a:chExt cx="0" cy="0"/>
+        </a:xfrm>
+      </p:grpSpPr>
+      <p:sp>
+        <p:nvSpPr>
+          <p:cNvPr id="2" name="슬라이드 이미지 개체 틀 1"/>
+          <p:cNvSpPr>
+            <a:spLocks noGrp="1" noRot="1" noChangeAspect="1"/>
+          </p:cNvSpPr>
+          <p:nvPr>
+            <p:ph type="sldImg"/>
+          </p:nvPr>
+        </p:nvSpPr>
+        <p:spPr/>
+      </p:sp>
+      <p:sp>
+        <p:nvSpPr>
+          <p:cNvPr id="3" name="슬라이드 노트 개체 틀 2"/>
+          <p:cNvSpPr>
+            <a:spLocks noGrp="1"/>
+          </p:cNvSpPr>
+          <p:nvPr>
+            <p:ph type="body" idx="1"/>
+          </p:nvPr>
+        </p:nvSpPr>
+        <p:spPr/>
+        <p:txBody>
+          <a:bodyPr/>
+          <a:lstStyle/>
+          <a:p>
+            <a:r>
+              <a:rPr lang="ko-KR" altLang="en-US" dirty="0"/>
+              <a:t>오라클과 접속이 되었다면 쿼리문을 통해 </a:t>
+            </a:r>
+            <a:r>
+              <a:rPr lang="ko-KR" altLang="en-US" dirty="0" err="1"/>
+              <a:t>입력받은</a:t>
+            </a:r>
+            <a:r>
+              <a:rPr lang="ko-KR" altLang="en-US" dirty="0"/>
+              <a:t> 데이터를 처리해야 하는데 로그인 페이지에서는 해당 테이블에 아이디와 패스워드가 일치하는 행이 있는지 확인합니다</a:t>
+            </a:r>
+            <a:r>
+              <a:rPr lang="en-US" altLang="ko-KR" dirty="0"/>
+              <a:t>. </a:t>
+            </a:r>
+          </a:p>
+          <a:p>
+            <a:r>
+              <a:rPr lang="ko-KR" altLang="en-US" dirty="0"/>
+              <a:t>그 행이 있으면 카운트 값은 </a:t>
+            </a:r>
+            <a:r>
+              <a:rPr lang="en-US" altLang="ko-KR" dirty="0"/>
+              <a:t>1</a:t>
+            </a:r>
+            <a:r>
+              <a:rPr lang="ko-KR" altLang="en-US" dirty="0"/>
+              <a:t>이 되겠죠</a:t>
+            </a:r>
+            <a:r>
+              <a:rPr lang="en-US" altLang="ko-KR" dirty="0"/>
+              <a:t>?? </a:t>
+            </a:r>
+            <a:r>
+              <a:rPr lang="ko-KR" altLang="en-US" dirty="0"/>
+              <a:t>저희가 사용자 테이블은 멤버라는 이름으로 만들었고 아이디는 </a:t>
+            </a:r>
+            <a:r>
+              <a:rPr lang="en-US" altLang="ko-KR" dirty="0"/>
+              <a:t>pk</a:t>
+            </a:r>
+            <a:r>
+              <a:rPr lang="ko-KR" altLang="en-US" dirty="0"/>
+              <a:t>로 줬기 때문에 카운트는 </a:t>
+            </a:r>
+            <a:r>
+              <a:rPr lang="en-US" altLang="ko-KR" dirty="0"/>
+              <a:t>0 </a:t>
+            </a:r>
+            <a:r>
+              <a:rPr lang="ko-KR" altLang="en-US" dirty="0"/>
+              <a:t>아니면 </a:t>
+            </a:r>
+            <a:r>
+              <a:rPr lang="en-US" altLang="ko-KR" dirty="0"/>
+              <a:t>1</a:t>
+            </a:r>
+            <a:r>
+              <a:rPr lang="ko-KR" altLang="en-US" dirty="0"/>
+              <a:t>이 됩니다</a:t>
+            </a:r>
+            <a:r>
+              <a:rPr lang="en-US" altLang="ko-KR" dirty="0"/>
+              <a:t>. </a:t>
+            </a:r>
+            <a:r>
+              <a:rPr lang="ko-KR" altLang="en-US" dirty="0"/>
+              <a:t>아래 </a:t>
+            </a:r>
+            <a:r>
+              <a:rPr lang="en-US" altLang="ko-KR" dirty="0"/>
+              <a:t>if</a:t>
+            </a:r>
+            <a:r>
+              <a:rPr lang="ko-KR" altLang="en-US" dirty="0"/>
+              <a:t>문을 보시면 카운트가 </a:t>
+            </a:r>
+            <a:r>
+              <a:rPr lang="en-US" altLang="ko-KR" dirty="0"/>
+              <a:t>0 </a:t>
+            </a:r>
+            <a:r>
+              <a:rPr lang="ko-KR" altLang="en-US" dirty="0"/>
+              <a:t>이상이라고 </a:t>
+            </a:r>
+            <a:r>
+              <a:rPr lang="ko-KR" altLang="en-US" dirty="0" err="1"/>
+              <a:t>써져있지만</a:t>
+            </a:r>
+            <a:r>
+              <a:rPr lang="ko-KR" altLang="en-US" dirty="0"/>
+              <a:t> 값은 </a:t>
+            </a:r>
+            <a:r>
+              <a:rPr lang="en-US" altLang="ko-KR" dirty="0"/>
+              <a:t>1</a:t>
+            </a:r>
+            <a:r>
+              <a:rPr lang="ko-KR" altLang="en-US" dirty="0"/>
+              <a:t>일 경우를 말하는 겁니다</a:t>
+            </a:r>
+            <a:r>
+              <a:rPr lang="en-US" altLang="ko-KR" dirty="0"/>
+              <a:t>.</a:t>
+            </a:r>
+          </a:p>
+          <a:p>
+            <a:r>
+              <a:rPr lang="ko-KR" altLang="en-US" dirty="0"/>
+              <a:t>맞는 아이디와 비밀번호가 있는 행이 있다면 로그인 한 아이디를 </a:t>
+            </a:r>
+            <a:r>
+              <a:rPr lang="ko-KR" altLang="en-US" dirty="0" err="1"/>
+              <a:t>로그인유저라는</a:t>
+            </a:r>
+            <a:r>
+              <a:rPr lang="ko-KR" altLang="en-US" dirty="0"/>
+              <a:t> 이름으로 세션에 저장하고 메인 페이지로 이동을 합니다</a:t>
+            </a:r>
+            <a:r>
+              <a:rPr lang="en-US" altLang="ko-KR" dirty="0"/>
+              <a:t>. Else</a:t>
+            </a:r>
+            <a:r>
+              <a:rPr lang="ko-KR" altLang="en-US" dirty="0"/>
+              <a:t>문에서 아이디와 비밀번호가 일치하지 않거나 없으면 경고창을 띄우고 다시 로그인 페이지로 돌아가도록 했습니다</a:t>
+            </a:r>
+            <a:r>
+              <a:rPr lang="en-US" altLang="ko-KR" dirty="0"/>
+              <a:t>.</a:t>
+            </a:r>
+            <a:endParaRPr lang="ko-KR" altLang="en-US" dirty="0"/>
+          </a:p>
+        </p:txBody>
+      </p:sp>
+      <p:sp>
+        <p:nvSpPr>
+          <p:cNvPr id="4" name="슬라이드 번호 개체 틀 3"/>
+          <p:cNvSpPr>
+            <a:spLocks noGrp="1"/>
+          </p:cNvSpPr>
+          <p:nvPr>
+            <p:ph type="sldNum" sz="quarter" idx="5"/>
+          </p:nvPr>
+        </p:nvSpPr>
+        <p:spPr/>
+        <p:txBody>
+          <a:bodyPr/>
+          <a:lstStyle/>
+          <a:p>
+            <a:fld id="{4A3304FD-D8D1-402E-8714-21D8CC9FE3BF}" type="slidenum">
+              <a:rPr lang="ko-KR" altLang="en-US" smtClean="0"/>
+              <a:t>14</a:t>
+            </a:fld>
+            <a:endParaRPr lang="ko-KR" altLang="en-US"/>
+          </a:p>
+        </p:txBody>
+      </p:sp>
+    </p:spTree>
+    <p:extLst>
+      <p:ext uri="{BB962C8B-B14F-4D97-AF65-F5344CB8AC3E}">
+        <p14:creationId xmlns:p14="http://schemas.microsoft.com/office/powerpoint/2010/main" val="2805919990"/>
+      </p:ext>
+    </p:extLst>
+  </p:cSld>
+  <p:clrMapOvr>
+    <a:masterClrMapping/>
+  </p:clrMapOvr>
+</p:notes>
+</file>
+
+<file path=ppt/notesSlides/notesSlide15.xml><?xml version="1.0" encoding="utf-8"?>
+<p:notes xmlns:a="http://schemas.openxmlformats.org/drawingml/2006/main" xmlns:r="http://schemas.openxmlformats.org/officeDocument/2006/relationships" xmlns:p="http://schemas.openxmlformats.org/presentationml/2006/main">
+  <p:cSld>
+    <p:spTree>
+      <p:nvGrpSpPr>
+        <p:cNvPr id="1" name=""/>
+        <p:cNvGrpSpPr/>
+        <p:nvPr/>
+      </p:nvGrpSpPr>
+      <p:grpSpPr>
+        <a:xfrm>
+          <a:off x="0" y="0"/>
+          <a:ext cx="0" cy="0"/>
+          <a:chOff x="0" y="0"/>
+          <a:chExt cx="0" cy="0"/>
+        </a:xfrm>
+      </p:grpSpPr>
+      <p:sp>
+        <p:nvSpPr>
+          <p:cNvPr id="2" name="슬라이드 이미지 개체 틀 1"/>
+          <p:cNvSpPr>
+            <a:spLocks noGrp="1" noRot="1" noChangeAspect="1"/>
+          </p:cNvSpPr>
+          <p:nvPr>
+            <p:ph type="sldImg"/>
+          </p:nvPr>
+        </p:nvSpPr>
+        <p:spPr/>
+      </p:sp>
+      <p:sp>
+        <p:nvSpPr>
+          <p:cNvPr id="3" name="슬라이드 노트 개체 틀 2"/>
+          <p:cNvSpPr>
+            <a:spLocks noGrp="1"/>
+          </p:cNvSpPr>
+          <p:nvPr>
+            <p:ph type="body" idx="1"/>
+          </p:nvPr>
+        </p:nvSpPr>
+        <p:spPr/>
+        <p:txBody>
+          <a:bodyPr/>
+          <a:lstStyle/>
+          <a:p>
+            <a:r>
+              <a:rPr lang="ko-KR" altLang="en-US" dirty="0"/>
+              <a:t>로그인 할 시에 생성되는 세션이 무엇인지 설명하겠습니다</a:t>
+            </a:r>
+            <a:r>
+              <a:rPr lang="en-US" altLang="ko-KR" dirty="0"/>
+              <a:t>. </a:t>
+            </a:r>
+            <a:r>
+              <a:rPr lang="ko-KR" altLang="en-US" dirty="0"/>
+              <a:t>세션은 서버와 클라이언트 간의 상태 정보를 유지하기 위해 사용되는 것으로 클라이언트와 연결이 지속되는 동안 클라이언트의 요청이 서버에 전송될 때마다</a:t>
+            </a:r>
+            <a:endParaRPr lang="en-US" altLang="ko-KR" dirty="0"/>
+          </a:p>
+          <a:p>
+            <a:r>
+              <a:rPr lang="ko-KR" altLang="en-US" dirty="0"/>
+              <a:t>세션을 식별해서 해당 세션에 대한 정보를 유지하는 것입니다</a:t>
+            </a:r>
+            <a:r>
+              <a:rPr lang="en-US" altLang="ko-KR" dirty="0"/>
+              <a:t>. </a:t>
+            </a:r>
+            <a:r>
+              <a:rPr lang="ko-KR" altLang="en-US" dirty="0"/>
+              <a:t>저희가 </a:t>
+            </a:r>
+            <a:r>
+              <a:rPr lang="ko-KR" altLang="en-US" dirty="0" err="1"/>
+              <a:t>원했던건</a:t>
+            </a:r>
+            <a:r>
+              <a:rPr lang="ko-KR" altLang="en-US" dirty="0"/>
+              <a:t> 로그인을 해야 홈페이지를 볼 수 있었으면 좋겠다 생각해서 세션을 사용해 봤습니다</a:t>
+            </a:r>
+            <a:r>
+              <a:rPr lang="en-US" altLang="ko-KR" dirty="0"/>
+              <a:t>.</a:t>
+            </a:r>
+            <a:endParaRPr lang="ko-KR" altLang="en-US" dirty="0"/>
+          </a:p>
+        </p:txBody>
+      </p:sp>
+      <p:sp>
+        <p:nvSpPr>
+          <p:cNvPr id="4" name="슬라이드 번호 개체 틀 3"/>
+          <p:cNvSpPr>
+            <a:spLocks noGrp="1"/>
+          </p:cNvSpPr>
+          <p:nvPr>
+            <p:ph type="sldNum" sz="quarter" idx="5"/>
+          </p:nvPr>
+        </p:nvSpPr>
+        <p:spPr/>
+        <p:txBody>
+          <a:bodyPr/>
+          <a:lstStyle/>
+          <a:p>
+            <a:fld id="{4A3304FD-D8D1-402E-8714-21D8CC9FE3BF}" type="slidenum">
+              <a:rPr lang="ko-KR" altLang="en-US" smtClean="0"/>
+              <a:t>15</a:t>
+            </a:fld>
+            <a:endParaRPr lang="ko-KR" altLang="en-US"/>
+          </a:p>
+        </p:txBody>
+      </p:sp>
+    </p:spTree>
+    <p:extLst>
+      <p:ext uri="{BB962C8B-B14F-4D97-AF65-F5344CB8AC3E}">
+        <p14:creationId xmlns:p14="http://schemas.microsoft.com/office/powerpoint/2010/main" val="2265884713"/>
+      </p:ext>
+    </p:extLst>
+  </p:cSld>
+  <p:clrMapOvr>
+    <a:masterClrMapping/>
+  </p:clrMapOvr>
+</p:notes>
+</file>
+
+<file path=ppt/notesSlides/notesSlide16.xml><?xml version="1.0" encoding="utf-8"?>
+<p:notes xmlns:a="http://schemas.openxmlformats.org/drawingml/2006/main" xmlns:r="http://schemas.openxmlformats.org/officeDocument/2006/relationships" xmlns:p="http://schemas.openxmlformats.org/presentationml/2006/main">
+  <p:cSld>
+    <p:spTree>
+      <p:nvGrpSpPr>
+        <p:cNvPr id="1" name=""/>
+        <p:cNvGrpSpPr/>
+        <p:nvPr/>
+      </p:nvGrpSpPr>
+      <p:grpSpPr>
+        <a:xfrm>
+          <a:off x="0" y="0"/>
+          <a:ext cx="0" cy="0"/>
+          <a:chOff x="0" y="0"/>
+          <a:chExt cx="0" cy="0"/>
+        </a:xfrm>
+      </p:grpSpPr>
+      <p:sp>
+        <p:nvSpPr>
+          <p:cNvPr id="2" name="슬라이드 이미지 개체 틀 1"/>
+          <p:cNvSpPr>
+            <a:spLocks noGrp="1" noRot="1" noChangeAspect="1"/>
+          </p:cNvSpPr>
+          <p:nvPr>
+            <p:ph type="sldImg"/>
+          </p:nvPr>
+        </p:nvSpPr>
+        <p:spPr/>
+      </p:sp>
+      <p:sp>
+        <p:nvSpPr>
+          <p:cNvPr id="3" name="슬라이드 노트 개체 틀 2"/>
+          <p:cNvSpPr>
+            <a:spLocks noGrp="1"/>
+          </p:cNvSpPr>
+          <p:nvPr>
+            <p:ph type="body" idx="1"/>
+          </p:nvPr>
+        </p:nvSpPr>
+        <p:spPr/>
+        <p:txBody>
+          <a:bodyPr/>
+          <a:lstStyle/>
+          <a:p>
+            <a:r>
+              <a:rPr lang="ko-KR" altLang="en-US" dirty="0"/>
+              <a:t>메인 페이지는 세션에 값이 있어야만 볼 수 있는 페이지로 코드 윗부분에 </a:t>
+            </a:r>
+            <a:r>
+              <a:rPr lang="en-US" altLang="ko-KR" dirty="0"/>
+              <a:t>if</a:t>
+            </a:r>
+            <a:r>
+              <a:rPr lang="ko-KR" altLang="en-US" dirty="0"/>
+              <a:t>문으로 세션이 </a:t>
+            </a:r>
+            <a:r>
+              <a:rPr lang="en-US" altLang="ko-KR" dirty="0"/>
+              <a:t>null</a:t>
+            </a:r>
+            <a:r>
+              <a:rPr lang="ko-KR" altLang="en-US" dirty="0"/>
+              <a:t>값이 아니고 로그인 </a:t>
+            </a:r>
+            <a:r>
+              <a:rPr lang="ko-KR" altLang="en-US" dirty="0" err="1"/>
+              <a:t>유저값이</a:t>
+            </a:r>
+            <a:r>
+              <a:rPr lang="ko-KR" altLang="en-US" dirty="0"/>
+              <a:t> 널이 아닌 경우에 로그인 </a:t>
+            </a:r>
+            <a:r>
+              <a:rPr lang="ko-KR" altLang="en-US" dirty="0" err="1"/>
+              <a:t>유저값을</a:t>
+            </a:r>
+            <a:r>
+              <a:rPr lang="ko-KR" altLang="en-US" dirty="0"/>
+              <a:t> 받아와서 페이지를 볼 수 있도록 했습니다</a:t>
+            </a:r>
+            <a:r>
+              <a:rPr lang="en-US" altLang="ko-KR" dirty="0"/>
+              <a:t>.</a:t>
+            </a:r>
+          </a:p>
+          <a:p>
+            <a:r>
+              <a:rPr lang="ko-KR" altLang="en-US" dirty="0"/>
+              <a:t>보여지는 페이지 제일 밑에 </a:t>
+            </a:r>
+            <a:r>
+              <a:rPr lang="en-US" altLang="ko-KR" dirty="0"/>
+              <a:t>else</a:t>
+            </a:r>
+            <a:r>
+              <a:rPr lang="ko-KR" altLang="en-US" dirty="0"/>
+              <a:t>문을 넣어서 로그인이 안됐다면 로그인 창으로 다시 넘어가도록 코드를 짰습니다</a:t>
+            </a:r>
+            <a:r>
+              <a:rPr lang="en-US" altLang="ko-KR" dirty="0"/>
+              <a:t>.. </a:t>
+            </a:r>
+            <a:r>
+              <a:rPr lang="ko-KR" altLang="en-US" dirty="0"/>
+              <a:t>원래라면 모든 페이지에 이 코드를 썼어야 </a:t>
+            </a:r>
+            <a:r>
+              <a:rPr lang="ko-KR" altLang="en-US" dirty="0" err="1"/>
+              <a:t>헀지만</a:t>
+            </a:r>
+            <a:r>
+              <a:rPr lang="ko-KR" altLang="en-US" dirty="0"/>
+              <a:t> 코드 수정이 빈번했기 때문에 약간 귀찮아서 메인 페이지에만 넣었습니다</a:t>
+            </a:r>
+            <a:r>
+              <a:rPr lang="en-US" altLang="ko-KR" dirty="0"/>
+              <a:t>..</a:t>
+            </a:r>
+            <a:endParaRPr lang="ko-KR" altLang="en-US" dirty="0"/>
+          </a:p>
+        </p:txBody>
+      </p:sp>
+      <p:sp>
+        <p:nvSpPr>
+          <p:cNvPr id="4" name="슬라이드 번호 개체 틀 3"/>
+          <p:cNvSpPr>
+            <a:spLocks noGrp="1"/>
+          </p:cNvSpPr>
+          <p:nvPr>
+            <p:ph type="sldNum" sz="quarter" idx="5"/>
+          </p:nvPr>
+        </p:nvSpPr>
+        <p:spPr/>
+        <p:txBody>
+          <a:bodyPr/>
+          <a:lstStyle/>
+          <a:p>
+            <a:fld id="{4A3304FD-D8D1-402E-8714-21D8CC9FE3BF}" type="slidenum">
+              <a:rPr lang="ko-KR" altLang="en-US" smtClean="0"/>
+              <a:t>16</a:t>
+            </a:fld>
+            <a:endParaRPr lang="ko-KR" altLang="en-US"/>
+          </a:p>
+        </p:txBody>
+      </p:sp>
+    </p:spTree>
+    <p:extLst>
+      <p:ext uri="{BB962C8B-B14F-4D97-AF65-F5344CB8AC3E}">
+        <p14:creationId xmlns:p14="http://schemas.microsoft.com/office/powerpoint/2010/main" val="1272383070"/>
+      </p:ext>
+    </p:extLst>
+  </p:cSld>
+  <p:clrMapOvr>
+    <a:masterClrMapping/>
+  </p:clrMapOvr>
+</p:notes>
+</file>
+
+<file path=ppt/notesSlides/notesSlide17.xml><?xml version="1.0" encoding="utf-8"?>
+<p:notes xmlns:a="http://schemas.openxmlformats.org/drawingml/2006/main" xmlns:r="http://schemas.openxmlformats.org/officeDocument/2006/relationships" xmlns:p="http://schemas.openxmlformats.org/presentationml/2006/main">
+  <p:cSld>
+    <p:spTree>
+      <p:nvGrpSpPr>
+        <p:cNvPr id="1" name=""/>
+        <p:cNvGrpSpPr/>
+        <p:nvPr/>
+      </p:nvGrpSpPr>
+      <p:grpSpPr>
+        <a:xfrm>
+          <a:off x="0" y="0"/>
+          <a:ext cx="0" cy="0"/>
+          <a:chOff x="0" y="0"/>
+          <a:chExt cx="0" cy="0"/>
+        </a:xfrm>
+      </p:grpSpPr>
+      <p:sp>
+        <p:nvSpPr>
+          <p:cNvPr id="2" name="슬라이드 이미지 개체 틀 1"/>
+          <p:cNvSpPr>
+            <a:spLocks noGrp="1" noRot="1" noChangeAspect="1"/>
+          </p:cNvSpPr>
+          <p:nvPr>
+            <p:ph type="sldImg"/>
+          </p:nvPr>
+        </p:nvSpPr>
+        <p:spPr/>
+      </p:sp>
+      <p:sp>
+        <p:nvSpPr>
+          <p:cNvPr id="3" name="슬라이드 노트 개체 틀 2"/>
+          <p:cNvSpPr>
+            <a:spLocks noGrp="1"/>
+          </p:cNvSpPr>
+          <p:nvPr>
+            <p:ph type="body" idx="1"/>
+          </p:nvPr>
+        </p:nvSpPr>
+        <p:spPr/>
+        <p:txBody>
+          <a:bodyPr/>
+          <a:lstStyle/>
+          <a:p>
+            <a:r>
+              <a:rPr lang="ko-KR" altLang="en-US" dirty="0"/>
+              <a:t>로그아웃을 누르게 되면 저장된 세션 값을 모두 </a:t>
+            </a:r>
+            <a:r>
+              <a:rPr lang="ko-KR" altLang="en-US" dirty="0" err="1"/>
+              <a:t>삭제시키도록</a:t>
+            </a:r>
+            <a:r>
+              <a:rPr lang="ko-KR" altLang="en-US" dirty="0"/>
+              <a:t> 해서 로그인 페이지로 이동을 하게 했습니다</a:t>
+            </a:r>
+            <a:r>
+              <a:rPr lang="en-US" altLang="ko-KR" dirty="0"/>
+              <a:t>…. </a:t>
+            </a:r>
+            <a:r>
+              <a:rPr lang="ko-KR" altLang="en-US" dirty="0"/>
+              <a:t>이게 로그아웃 페이지의 전체 코드로 매우 짧죠</a:t>
+            </a:r>
+            <a:r>
+              <a:rPr lang="en-US" altLang="ko-KR" dirty="0"/>
+              <a:t>???</a:t>
+            </a:r>
+            <a:endParaRPr lang="ko-KR" altLang="en-US" dirty="0"/>
+          </a:p>
+        </p:txBody>
+      </p:sp>
+      <p:sp>
+        <p:nvSpPr>
+          <p:cNvPr id="4" name="슬라이드 번호 개체 틀 3"/>
+          <p:cNvSpPr>
+            <a:spLocks noGrp="1"/>
+          </p:cNvSpPr>
+          <p:nvPr>
+            <p:ph type="sldNum" sz="quarter" idx="5"/>
+          </p:nvPr>
+        </p:nvSpPr>
+        <p:spPr/>
+        <p:txBody>
+          <a:bodyPr/>
+          <a:lstStyle/>
+          <a:p>
+            <a:fld id="{4A3304FD-D8D1-402E-8714-21D8CC9FE3BF}" type="slidenum">
+              <a:rPr lang="ko-KR" altLang="en-US" smtClean="0"/>
+              <a:t>17</a:t>
+            </a:fld>
+            <a:endParaRPr lang="ko-KR" altLang="en-US"/>
+          </a:p>
+        </p:txBody>
+      </p:sp>
+    </p:spTree>
+    <p:extLst>
+      <p:ext uri="{BB962C8B-B14F-4D97-AF65-F5344CB8AC3E}">
+        <p14:creationId xmlns:p14="http://schemas.microsoft.com/office/powerpoint/2010/main" val="885188621"/>
+      </p:ext>
+    </p:extLst>
+  </p:cSld>
+  <p:clrMapOvr>
+    <a:masterClrMapping/>
+  </p:clrMapOvr>
+</p:notes>
+</file>
+
+<file path=ppt/notesSlides/notesSlide18.xml><?xml version="1.0" encoding="utf-8"?>
+<p:notes xmlns:a="http://schemas.openxmlformats.org/drawingml/2006/main" xmlns:r="http://schemas.openxmlformats.org/officeDocument/2006/relationships" xmlns:p="http://schemas.openxmlformats.org/presentationml/2006/main">
+  <p:cSld>
+    <p:spTree>
+      <p:nvGrpSpPr>
+        <p:cNvPr id="1" name=""/>
+        <p:cNvGrpSpPr/>
+        <p:nvPr/>
+      </p:nvGrpSpPr>
+      <p:grpSpPr>
+        <a:xfrm>
+          <a:off x="0" y="0"/>
+          <a:ext cx="0" cy="0"/>
+          <a:chOff x="0" y="0"/>
+          <a:chExt cx="0" cy="0"/>
+        </a:xfrm>
+      </p:grpSpPr>
+      <p:sp>
+        <p:nvSpPr>
+          <p:cNvPr id="2" name="슬라이드 이미지 개체 틀 1"/>
+          <p:cNvSpPr>
+            <a:spLocks noGrp="1" noRot="1" noChangeAspect="1"/>
+          </p:cNvSpPr>
+          <p:nvPr>
+            <p:ph type="sldImg"/>
+          </p:nvPr>
+        </p:nvSpPr>
+        <p:spPr/>
+      </p:sp>
+      <p:sp>
+        <p:nvSpPr>
+          <p:cNvPr id="3" name="슬라이드 노트 개체 틀 2"/>
+          <p:cNvSpPr>
+            <a:spLocks noGrp="1"/>
+          </p:cNvSpPr>
+          <p:nvPr>
+            <p:ph type="body" idx="1"/>
+          </p:nvPr>
+        </p:nvSpPr>
+        <p:spPr/>
+        <p:txBody>
+          <a:bodyPr/>
+          <a:lstStyle/>
+          <a:p>
+            <a:r>
+              <a:rPr lang="ko-KR" altLang="en-US" dirty="0"/>
+              <a:t>이제 내 정보 수정을 하는 것을 구현해 봤습니다</a:t>
+            </a:r>
+            <a:r>
+              <a:rPr lang="en-US" altLang="ko-KR" dirty="0"/>
+              <a:t>.. </a:t>
+            </a:r>
+            <a:r>
+              <a:rPr lang="ko-KR" altLang="en-US" dirty="0"/>
+              <a:t>선생님이 며칠 전에 말하셨던 </a:t>
+            </a:r>
+            <a:r>
+              <a:rPr lang="en-US" altLang="ko-KR" dirty="0" err="1"/>
+              <a:t>readonly</a:t>
+            </a:r>
+            <a:r>
+              <a:rPr lang="en-US" altLang="ko-KR" dirty="0"/>
+              <a:t> </a:t>
+            </a:r>
+            <a:r>
+              <a:rPr lang="ko-KR" altLang="en-US" dirty="0"/>
+              <a:t>속성을 저희가 사용하게 되었는데</a:t>
+            </a:r>
+            <a:r>
+              <a:rPr lang="en-US" altLang="ko-KR" dirty="0"/>
+              <a:t>, </a:t>
+            </a:r>
+            <a:r>
+              <a:rPr lang="en-US" altLang="ko-KR" dirty="0" err="1"/>
+              <a:t>readonly</a:t>
+            </a:r>
+            <a:r>
+              <a:rPr lang="ko-KR" altLang="en-US" dirty="0"/>
+              <a:t>는 수정이 불가능 하도록 막는 것입니다</a:t>
+            </a:r>
+            <a:r>
+              <a:rPr lang="en-US" altLang="ko-KR" dirty="0"/>
+              <a:t>. Id</a:t>
+            </a:r>
+            <a:r>
+              <a:rPr lang="ko-KR" altLang="en-US" dirty="0"/>
+              <a:t>는 수정하지 못하도록 </a:t>
+            </a:r>
+            <a:r>
+              <a:rPr lang="en-US" altLang="ko-KR" dirty="0" err="1"/>
+              <a:t>readonly</a:t>
+            </a:r>
+            <a:r>
+              <a:rPr lang="ko-KR" altLang="en-US" dirty="0"/>
+              <a:t>값을 줬고 아이디에는 자동적으로</a:t>
+            </a:r>
+            <a:endParaRPr lang="en-US" altLang="ko-KR" dirty="0"/>
+          </a:p>
+          <a:p>
+            <a:r>
+              <a:rPr lang="ko-KR" altLang="en-US" dirty="0" err="1"/>
+              <a:t>로그인유저의</a:t>
+            </a:r>
+            <a:r>
+              <a:rPr lang="ko-KR" altLang="en-US" dirty="0"/>
+              <a:t> 아이디를 보여주도록 했습니다</a:t>
+            </a:r>
+            <a:r>
+              <a:rPr lang="en-US" altLang="ko-KR" dirty="0"/>
+              <a:t>. </a:t>
+            </a:r>
+            <a:r>
+              <a:rPr lang="ko-KR" altLang="en-US" dirty="0"/>
+              <a:t>내 정보 수정에서 </a:t>
+            </a:r>
+            <a:r>
+              <a:rPr lang="ko-KR" altLang="en-US" dirty="0" err="1"/>
+              <a:t>입력받은</a:t>
+            </a:r>
+            <a:r>
+              <a:rPr lang="ko-KR" altLang="en-US" dirty="0"/>
+              <a:t> 데이터들은 다시 그것을 처리하기 위해 업데이트 </a:t>
+            </a:r>
+            <a:r>
+              <a:rPr lang="ko-KR" altLang="en-US" dirty="0" err="1"/>
+              <a:t>인포</a:t>
+            </a:r>
+            <a:r>
+              <a:rPr lang="ko-KR" altLang="en-US" dirty="0"/>
+              <a:t> 코드로 이동을 하게 됩니다</a:t>
+            </a:r>
+            <a:r>
+              <a:rPr lang="en-US" altLang="ko-KR" dirty="0"/>
+              <a:t>.</a:t>
+            </a:r>
+            <a:endParaRPr lang="ko-KR" altLang="en-US" dirty="0"/>
+          </a:p>
+        </p:txBody>
+      </p:sp>
+      <p:sp>
+        <p:nvSpPr>
+          <p:cNvPr id="4" name="슬라이드 번호 개체 틀 3"/>
+          <p:cNvSpPr>
+            <a:spLocks noGrp="1"/>
+          </p:cNvSpPr>
+          <p:nvPr>
+            <p:ph type="sldNum" sz="quarter" idx="5"/>
+          </p:nvPr>
+        </p:nvSpPr>
+        <p:spPr/>
+        <p:txBody>
+          <a:bodyPr/>
+          <a:lstStyle/>
+          <a:p>
+            <a:fld id="{4A3304FD-D8D1-402E-8714-21D8CC9FE3BF}" type="slidenum">
+              <a:rPr lang="ko-KR" altLang="en-US" smtClean="0"/>
+              <a:t>18</a:t>
+            </a:fld>
+            <a:endParaRPr lang="ko-KR" altLang="en-US"/>
+          </a:p>
+        </p:txBody>
+      </p:sp>
+    </p:spTree>
+    <p:extLst>
+      <p:ext uri="{BB962C8B-B14F-4D97-AF65-F5344CB8AC3E}">
+        <p14:creationId xmlns:p14="http://schemas.microsoft.com/office/powerpoint/2010/main" val="1408643308"/>
+      </p:ext>
+    </p:extLst>
+  </p:cSld>
+  <p:clrMapOvr>
+    <a:masterClrMapping/>
+  </p:clrMapOvr>
+</p:notes>
+</file>
+
+<file path=ppt/notesSlides/notesSlide19.xml><?xml version="1.0" encoding="utf-8"?>
+<p:notes xmlns:a="http://schemas.openxmlformats.org/drawingml/2006/main" xmlns:r="http://schemas.openxmlformats.org/officeDocument/2006/relationships" xmlns:p="http://schemas.openxmlformats.org/presentationml/2006/main">
+  <p:cSld>
+    <p:spTree>
+      <p:nvGrpSpPr>
+        <p:cNvPr id="1" name=""/>
+        <p:cNvGrpSpPr/>
+        <p:nvPr/>
+      </p:nvGrpSpPr>
+      <p:grpSpPr>
+        <a:xfrm>
+          <a:off x="0" y="0"/>
+          <a:ext cx="0" cy="0"/>
+          <a:chOff x="0" y="0"/>
+          <a:chExt cx="0" cy="0"/>
+        </a:xfrm>
+      </p:grpSpPr>
+      <p:sp>
+        <p:nvSpPr>
+          <p:cNvPr id="2" name="슬라이드 이미지 개체 틀 1"/>
+          <p:cNvSpPr>
+            <a:spLocks noGrp="1" noRot="1" noChangeAspect="1"/>
+          </p:cNvSpPr>
+          <p:nvPr>
+            <p:ph type="sldImg"/>
+          </p:nvPr>
+        </p:nvSpPr>
+        <p:spPr/>
+      </p:sp>
+      <p:sp>
+        <p:nvSpPr>
+          <p:cNvPr id="3" name="슬라이드 노트 개체 틀 2"/>
+          <p:cNvSpPr>
+            <a:spLocks noGrp="1"/>
+          </p:cNvSpPr>
+          <p:nvPr>
+            <p:ph type="body" idx="1"/>
+          </p:nvPr>
+        </p:nvSpPr>
+        <p:spPr/>
+        <p:txBody>
+          <a:bodyPr/>
+          <a:lstStyle/>
+          <a:p>
+            <a:r>
+              <a:rPr lang="ko-KR" altLang="en-US" dirty="0"/>
+              <a:t>업데이트 </a:t>
+            </a:r>
+            <a:r>
+              <a:rPr lang="ko-KR" altLang="en-US" dirty="0" err="1"/>
+              <a:t>인포</a:t>
+            </a:r>
+            <a:r>
+              <a:rPr lang="ko-KR" altLang="en-US" dirty="0"/>
+              <a:t> 코드에서는 다시 </a:t>
+            </a:r>
+            <a:r>
+              <a:rPr lang="en-US" altLang="ko-KR" dirty="0" err="1"/>
+              <a:t>db</a:t>
+            </a:r>
+            <a:r>
+              <a:rPr lang="ko-KR" altLang="en-US" dirty="0"/>
+              <a:t>와 연결해 쿼리문을 사용하는 것인데요</a:t>
+            </a:r>
+            <a:r>
+              <a:rPr lang="en-US" altLang="ko-KR" dirty="0"/>
+              <a:t>, update</a:t>
+            </a:r>
+            <a:r>
+              <a:rPr lang="ko-KR" altLang="en-US" dirty="0"/>
+              <a:t>문을 사용해서 원래 테이블에 있던 값을 수정하도록 했습니다</a:t>
+            </a:r>
+            <a:r>
+              <a:rPr lang="en-US" altLang="ko-KR" dirty="0"/>
+              <a:t>. </a:t>
+            </a:r>
+            <a:r>
+              <a:rPr lang="ko-KR" altLang="en-US" dirty="0"/>
+              <a:t>뒤에 물음표에는 </a:t>
+            </a:r>
+            <a:r>
+              <a:rPr lang="ko-KR" altLang="en-US" dirty="0" err="1"/>
+              <a:t>입력받은</a:t>
+            </a:r>
+            <a:r>
+              <a:rPr lang="ko-KR" altLang="en-US" dirty="0"/>
+              <a:t> 값이 들어가는 것입니다</a:t>
+            </a:r>
+            <a:r>
+              <a:rPr lang="en-US" altLang="ko-KR" dirty="0"/>
+              <a:t>…</a:t>
+            </a:r>
+            <a:endParaRPr lang="ko-KR" altLang="en-US" dirty="0"/>
+          </a:p>
+        </p:txBody>
+      </p:sp>
+      <p:sp>
+        <p:nvSpPr>
+          <p:cNvPr id="4" name="슬라이드 번호 개체 틀 3"/>
+          <p:cNvSpPr>
+            <a:spLocks noGrp="1"/>
+          </p:cNvSpPr>
+          <p:nvPr>
+            <p:ph type="sldNum" sz="quarter" idx="5"/>
+          </p:nvPr>
+        </p:nvSpPr>
+        <p:spPr/>
+        <p:txBody>
+          <a:bodyPr/>
+          <a:lstStyle/>
+          <a:p>
+            <a:fld id="{4A3304FD-D8D1-402E-8714-21D8CC9FE3BF}" type="slidenum">
+              <a:rPr lang="ko-KR" altLang="en-US" smtClean="0"/>
+              <a:t>19</a:t>
+            </a:fld>
+            <a:endParaRPr lang="ko-KR" altLang="en-US"/>
+          </a:p>
+        </p:txBody>
+      </p:sp>
+    </p:spTree>
+    <p:extLst>
+      <p:ext uri="{BB962C8B-B14F-4D97-AF65-F5344CB8AC3E}">
+        <p14:creationId xmlns:p14="http://schemas.microsoft.com/office/powerpoint/2010/main" val="989317839"/>
+      </p:ext>
+    </p:extLst>
+  </p:cSld>
+  <p:clrMapOvr>
+    <a:masterClrMapping/>
+  </p:clrMapOvr>
+</p:notes>
+</file>
+
+<file path=ppt/notesSlides/notesSlide2.xml><?xml version="1.0" encoding="utf-8"?>
+<p:notes xmlns:a="http://schemas.openxmlformats.org/drawingml/2006/main" xmlns:r="http://schemas.openxmlformats.org/officeDocument/2006/relationships" xmlns:p="http://schemas.openxmlformats.org/presentationml/2006/main">
+  <p:cSld>
+    <p:spTree>
+      <p:nvGrpSpPr>
+        <p:cNvPr id="1" name=""/>
+        <p:cNvGrpSpPr/>
+        <p:nvPr/>
+      </p:nvGrpSpPr>
+      <p:grpSpPr>
+        <a:xfrm>
+          <a:off x="0" y="0"/>
+          <a:ext cx="0" cy="0"/>
+          <a:chOff x="0" y="0"/>
+          <a:chExt cx="0" cy="0"/>
+        </a:xfrm>
+      </p:grpSpPr>
+      <p:sp>
+        <p:nvSpPr>
+          <p:cNvPr id="2" name="슬라이드 이미지 개체 틀 1"/>
+          <p:cNvSpPr>
+            <a:spLocks noGrp="1" noRot="1" noChangeAspect="1"/>
+          </p:cNvSpPr>
+          <p:nvPr>
+            <p:ph type="sldImg"/>
+          </p:nvPr>
+        </p:nvSpPr>
+        <p:spPr/>
+      </p:sp>
+      <p:sp>
+        <p:nvSpPr>
+          <p:cNvPr id="3" name="슬라이드 노트 개체 틀 2"/>
+          <p:cNvSpPr>
+            <a:spLocks noGrp="1"/>
+          </p:cNvSpPr>
+          <p:nvPr>
+            <p:ph type="body" idx="1"/>
+          </p:nvPr>
+        </p:nvSpPr>
+        <p:spPr/>
+        <p:txBody>
+          <a:bodyPr/>
+          <a:lstStyle/>
+          <a:p>
+            <a:r>
+              <a:rPr lang="ko-KR" altLang="en-US" dirty="0"/>
+              <a:t>이번 프로젝트 주제는 브레인스토밍을 통해 여러 주제를 생각해 봤고</a:t>
+            </a:r>
+            <a:r>
+              <a:rPr lang="en-US" altLang="ko-KR" dirty="0"/>
+              <a:t>, </a:t>
+            </a:r>
+            <a:r>
+              <a:rPr lang="ko-KR" altLang="en-US" dirty="0"/>
+              <a:t>그 중 마포구에서 할 수 있는 취미생활에 관한 것을 하기로 했습니다</a:t>
+            </a:r>
+            <a:r>
+              <a:rPr lang="en-US" altLang="ko-KR" dirty="0"/>
+              <a:t>. </a:t>
+            </a:r>
+            <a:r>
+              <a:rPr lang="ko-KR" altLang="en-US" dirty="0"/>
+              <a:t>테이블에 들어갈 내용을 찾던 중에 서울시 공공데이터 홈페이지에 들어가니 서울시에서 제공하는 여러 데이터들을 찾을 수 있었고</a:t>
+            </a:r>
+            <a:r>
+              <a:rPr lang="en-US" altLang="ko-KR" dirty="0"/>
+              <a:t>,</a:t>
+            </a:r>
+            <a:r>
+              <a:rPr lang="ko-KR" altLang="en-US" dirty="0"/>
+              <a:t> 그 데이터를 통해 조금 더 범위를 넓혀 마포구가 아닌 서울시 전체에서 할 수 있는 취미에 관한 장소들을 보여주는 데이터를 활용하기로 했습니다</a:t>
+            </a:r>
+            <a:r>
+              <a:rPr lang="en-US" altLang="ko-KR" dirty="0"/>
+              <a:t>..</a:t>
+            </a:r>
+            <a:endParaRPr lang="ko-KR" altLang="en-US" dirty="0"/>
+          </a:p>
+        </p:txBody>
+      </p:sp>
+      <p:sp>
+        <p:nvSpPr>
+          <p:cNvPr id="4" name="슬라이드 번호 개체 틀 3"/>
+          <p:cNvSpPr>
+            <a:spLocks noGrp="1"/>
+          </p:cNvSpPr>
+          <p:nvPr>
+            <p:ph type="sldNum" sz="quarter" idx="5"/>
+          </p:nvPr>
+        </p:nvSpPr>
+        <p:spPr/>
+        <p:txBody>
+          <a:bodyPr/>
+          <a:lstStyle/>
+          <a:p>
+            <a:fld id="{4A3304FD-D8D1-402E-8714-21D8CC9FE3BF}" type="slidenum">
+              <a:rPr lang="ko-KR" altLang="en-US" smtClean="0"/>
+              <a:t>2</a:t>
+            </a:fld>
+            <a:endParaRPr lang="ko-KR" altLang="en-US"/>
+          </a:p>
+        </p:txBody>
+      </p:sp>
+    </p:spTree>
+    <p:extLst>
+      <p:ext uri="{BB962C8B-B14F-4D97-AF65-F5344CB8AC3E}">
+        <p14:creationId xmlns:p14="http://schemas.microsoft.com/office/powerpoint/2010/main" val="4185529249"/>
+      </p:ext>
+    </p:extLst>
+  </p:cSld>
+  <p:clrMapOvr>
+    <a:masterClrMapping/>
+  </p:clrMapOvr>
+</p:notes>
+</file>
+
+<file path=ppt/notesSlides/notesSlide20.xml><?xml version="1.0" encoding="utf-8"?>
+<p:notes xmlns:a="http://schemas.openxmlformats.org/drawingml/2006/main" xmlns:r="http://schemas.openxmlformats.org/officeDocument/2006/relationships" xmlns:p="http://schemas.openxmlformats.org/presentationml/2006/main">
+  <p:cSld>
+    <p:spTree>
+      <p:nvGrpSpPr>
+        <p:cNvPr id="1" name=""/>
+        <p:cNvGrpSpPr/>
+        <p:nvPr/>
+      </p:nvGrpSpPr>
+      <p:grpSpPr>
+        <a:xfrm>
+          <a:off x="0" y="0"/>
+          <a:ext cx="0" cy="0"/>
+          <a:chOff x="0" y="0"/>
+          <a:chExt cx="0" cy="0"/>
+        </a:xfrm>
+      </p:grpSpPr>
+      <p:sp>
+        <p:nvSpPr>
+          <p:cNvPr id="2" name="슬라이드 이미지 개체 틀 1"/>
+          <p:cNvSpPr>
+            <a:spLocks noGrp="1" noRot="1" noChangeAspect="1"/>
+          </p:cNvSpPr>
+          <p:nvPr>
+            <p:ph type="sldImg"/>
+          </p:nvPr>
+        </p:nvSpPr>
+        <p:spPr/>
+      </p:sp>
+      <p:sp>
+        <p:nvSpPr>
+          <p:cNvPr id="3" name="슬라이드 노트 개체 틀 2"/>
+          <p:cNvSpPr>
+            <a:spLocks noGrp="1"/>
+          </p:cNvSpPr>
+          <p:nvPr>
+            <p:ph type="body" idx="1"/>
+          </p:nvPr>
+        </p:nvSpPr>
+        <p:spPr/>
+        <p:txBody>
+          <a:bodyPr/>
+          <a:lstStyle/>
+          <a:p>
+            <a:r>
+              <a:rPr lang="ko-KR" altLang="en-US" dirty="0"/>
+              <a:t>이제 각 주제마다 검색창을 넣었는데요</a:t>
+            </a:r>
+            <a:r>
+              <a:rPr lang="en-US" altLang="ko-KR" dirty="0"/>
+              <a:t>? </a:t>
+            </a:r>
+            <a:r>
+              <a:rPr lang="ko-KR" altLang="en-US" dirty="0"/>
+              <a:t>검색창에서 </a:t>
+            </a:r>
+            <a:r>
+              <a:rPr lang="ko-KR" altLang="en-US" dirty="0" err="1"/>
+              <a:t>입력받은</a:t>
+            </a:r>
+            <a:r>
+              <a:rPr lang="ko-KR" altLang="en-US" dirty="0"/>
+              <a:t> 값은 쿼리라고 네임을 줬고 그 값은 검색어를 처리하는 코드에서 </a:t>
+            </a:r>
+            <a:r>
+              <a:rPr lang="ko-KR" altLang="en-US" dirty="0" err="1"/>
+              <a:t>변수명</a:t>
+            </a:r>
+            <a:r>
+              <a:rPr lang="ko-KR" altLang="en-US" dirty="0"/>
+              <a:t> 쿼리에 들어가게 됩니다</a:t>
+            </a:r>
+            <a:r>
+              <a:rPr lang="en-US" altLang="ko-KR" dirty="0"/>
+              <a:t>.</a:t>
+            </a:r>
+            <a:endParaRPr lang="ko-KR" altLang="en-US" dirty="0"/>
+          </a:p>
+        </p:txBody>
+      </p:sp>
+      <p:sp>
+        <p:nvSpPr>
+          <p:cNvPr id="4" name="슬라이드 번호 개체 틀 3"/>
+          <p:cNvSpPr>
+            <a:spLocks noGrp="1"/>
+          </p:cNvSpPr>
+          <p:nvPr>
+            <p:ph type="sldNum" sz="quarter" idx="5"/>
+          </p:nvPr>
+        </p:nvSpPr>
+        <p:spPr/>
+        <p:txBody>
+          <a:bodyPr/>
+          <a:lstStyle/>
+          <a:p>
+            <a:fld id="{4A3304FD-D8D1-402E-8714-21D8CC9FE3BF}" type="slidenum">
+              <a:rPr lang="ko-KR" altLang="en-US" smtClean="0"/>
+              <a:t>20</a:t>
+            </a:fld>
+            <a:endParaRPr lang="ko-KR" altLang="en-US"/>
+          </a:p>
+        </p:txBody>
+      </p:sp>
+    </p:spTree>
+    <p:extLst>
+      <p:ext uri="{BB962C8B-B14F-4D97-AF65-F5344CB8AC3E}">
+        <p14:creationId xmlns:p14="http://schemas.microsoft.com/office/powerpoint/2010/main" val="1967319465"/>
+      </p:ext>
+    </p:extLst>
+  </p:cSld>
+  <p:clrMapOvr>
+    <a:masterClrMapping/>
+  </p:clrMapOvr>
+</p:notes>
+</file>
+
+<file path=ppt/notesSlides/notesSlide21.xml><?xml version="1.0" encoding="utf-8"?>
+<p:notes xmlns:a="http://schemas.openxmlformats.org/drawingml/2006/main" xmlns:r="http://schemas.openxmlformats.org/officeDocument/2006/relationships" xmlns:p="http://schemas.openxmlformats.org/presentationml/2006/main">
+  <p:cSld>
+    <p:spTree>
+      <p:nvGrpSpPr>
+        <p:cNvPr id="1" name=""/>
+        <p:cNvGrpSpPr/>
+        <p:nvPr/>
+      </p:nvGrpSpPr>
+      <p:grpSpPr>
+        <a:xfrm>
+          <a:off x="0" y="0"/>
+          <a:ext cx="0" cy="0"/>
+          <a:chOff x="0" y="0"/>
+          <a:chExt cx="0" cy="0"/>
+        </a:xfrm>
+      </p:grpSpPr>
+      <p:sp>
+        <p:nvSpPr>
+          <p:cNvPr id="2" name="슬라이드 이미지 개체 틀 1"/>
+          <p:cNvSpPr>
+            <a:spLocks noGrp="1" noRot="1" noChangeAspect="1"/>
+          </p:cNvSpPr>
+          <p:nvPr>
+            <p:ph type="sldImg"/>
+          </p:nvPr>
+        </p:nvSpPr>
+        <p:spPr/>
+      </p:sp>
+      <p:sp>
+        <p:nvSpPr>
+          <p:cNvPr id="3" name="슬라이드 노트 개체 틀 2"/>
+          <p:cNvSpPr>
+            <a:spLocks noGrp="1"/>
+          </p:cNvSpPr>
+          <p:nvPr>
+            <p:ph type="body" idx="1"/>
+          </p:nvPr>
+        </p:nvSpPr>
+        <p:spPr/>
+        <p:txBody>
+          <a:bodyPr/>
+          <a:lstStyle/>
+          <a:p>
+            <a:pPr marL="0" marR="0" lvl="0" indent="0" algn="l" defTabSz="914400" rtl="0" eaLnBrk="1" fontAlgn="auto" latinLnBrk="1" hangingPunct="1">
+              <a:lnSpc>
+                <a:spcPct val="100000"/>
+              </a:lnSpc>
+              <a:spcBef>
+                <a:spcPts val="0"/>
+              </a:spcBef>
+              <a:spcAft>
+                <a:spcPts val="0"/>
+              </a:spcAft>
+              <a:buClrTx/>
+              <a:buSzTx/>
+              <a:buFontTx/>
+              <a:buNone/>
+              <a:tabLst/>
+              <a:defRPr/>
+            </a:pPr>
+            <a:r>
+              <a:rPr lang="ko-KR" altLang="en-US" dirty="0"/>
+              <a:t>검색은 </a:t>
+            </a:r>
+            <a:r>
+              <a:rPr lang="ko-KR" altLang="en-US" dirty="0" err="1"/>
+              <a:t>셀렉트로</a:t>
+            </a:r>
+            <a:r>
+              <a:rPr lang="ko-KR" altLang="en-US" dirty="0"/>
+              <a:t> 쿼리문을 작성했는데요 </a:t>
+            </a:r>
+            <a:r>
+              <a:rPr lang="en-US" altLang="ko-KR" dirty="0"/>
+              <a:t>where</a:t>
+            </a:r>
+            <a:r>
+              <a:rPr lang="ko-KR" altLang="en-US" dirty="0"/>
+              <a:t>문에 각 속성에 </a:t>
+            </a:r>
+            <a:r>
+              <a:rPr lang="en-US" altLang="ko-KR" dirty="0"/>
+              <a:t>like</a:t>
+            </a:r>
+            <a:r>
+              <a:rPr lang="ko-KR" altLang="en-US" dirty="0"/>
+              <a:t> 뒤에 검색어가 들어가도록 했습니다</a:t>
+            </a:r>
+            <a:r>
+              <a:rPr lang="en-US" altLang="ko-KR" dirty="0"/>
+              <a:t>. </a:t>
+            </a:r>
+            <a:r>
+              <a:rPr lang="ko-KR" altLang="en-US" dirty="0"/>
+              <a:t>아래의 </a:t>
+            </a:r>
+            <a:r>
+              <a:rPr lang="en-US" altLang="ko-KR" dirty="0"/>
+              <a:t>for</a:t>
+            </a:r>
+            <a:r>
+              <a:rPr lang="ko-KR" altLang="en-US" dirty="0"/>
+              <a:t>문은 퍼센트 기호를 사용해 검색어가 데이터 어디에 있을지 모르니까 앞 뒤에 퍼센트를 붙여 검색하도록 했습니다</a:t>
+            </a:r>
+            <a:r>
+              <a:rPr lang="en-US" altLang="ko-KR" dirty="0"/>
+              <a:t>.</a:t>
+            </a:r>
+          </a:p>
+          <a:p>
+            <a:pPr marL="0" marR="0" lvl="0" indent="0" algn="l" defTabSz="914400" rtl="0" eaLnBrk="1" fontAlgn="auto" latinLnBrk="1" hangingPunct="1">
+              <a:lnSpc>
+                <a:spcPct val="100000"/>
+              </a:lnSpc>
+              <a:spcBef>
+                <a:spcPts val="0"/>
+              </a:spcBef>
+              <a:spcAft>
+                <a:spcPts val="0"/>
+              </a:spcAft>
+              <a:buClrTx/>
+              <a:buSzTx/>
+              <a:buFontTx/>
+              <a:buNone/>
+              <a:tabLst/>
+              <a:defRPr/>
+            </a:pPr>
+            <a:r>
+              <a:rPr lang="ko-KR" altLang="en-US" dirty="0"/>
+              <a:t>그렇게 검색된 데이터들은 테이블 형식으로 나타나게 되는데 </a:t>
+            </a:r>
+            <a:r>
+              <a:rPr lang="en-US" altLang="ko-KR" dirty="0"/>
+              <a:t>while</a:t>
+            </a:r>
+            <a:r>
+              <a:rPr lang="ko-KR" altLang="en-US" dirty="0"/>
+              <a:t>문으로 모든 </a:t>
+            </a:r>
+            <a:r>
+              <a:rPr lang="ko-KR" altLang="en-US" dirty="0" err="1"/>
+              <a:t>데이터값이</a:t>
+            </a:r>
+            <a:r>
+              <a:rPr lang="ko-KR" altLang="en-US" dirty="0"/>
+              <a:t> </a:t>
+            </a:r>
+            <a:r>
+              <a:rPr lang="ko-KR" altLang="en-US" dirty="0" err="1"/>
+              <a:t>나올때까지</a:t>
+            </a:r>
+            <a:r>
+              <a:rPr lang="ko-KR" altLang="en-US" dirty="0"/>
+              <a:t> 반복하도록 했습니다</a:t>
+            </a:r>
+            <a:r>
+              <a:rPr lang="en-US" altLang="ko-KR" dirty="0"/>
+              <a:t>.</a:t>
+            </a:r>
+            <a:endParaRPr lang="ko-KR" altLang="en-US" dirty="0"/>
+          </a:p>
+          <a:p>
+            <a:endParaRPr lang="ko-KR" altLang="en-US" dirty="0"/>
+          </a:p>
+        </p:txBody>
+      </p:sp>
+      <p:sp>
+        <p:nvSpPr>
+          <p:cNvPr id="4" name="슬라이드 번호 개체 틀 3"/>
+          <p:cNvSpPr>
+            <a:spLocks noGrp="1"/>
+          </p:cNvSpPr>
+          <p:nvPr>
+            <p:ph type="sldNum" sz="quarter" idx="5"/>
+          </p:nvPr>
+        </p:nvSpPr>
+        <p:spPr/>
+        <p:txBody>
+          <a:bodyPr/>
+          <a:lstStyle/>
+          <a:p>
+            <a:fld id="{4A3304FD-D8D1-402E-8714-21D8CC9FE3BF}" type="slidenum">
+              <a:rPr lang="ko-KR" altLang="en-US" smtClean="0"/>
+              <a:t>21</a:t>
+            </a:fld>
+            <a:endParaRPr lang="ko-KR" altLang="en-US"/>
+          </a:p>
+        </p:txBody>
+      </p:sp>
+    </p:spTree>
+    <p:extLst>
+      <p:ext uri="{BB962C8B-B14F-4D97-AF65-F5344CB8AC3E}">
+        <p14:creationId xmlns:p14="http://schemas.microsoft.com/office/powerpoint/2010/main" val="3453697990"/>
+      </p:ext>
+    </p:extLst>
+  </p:cSld>
+  <p:clrMapOvr>
+    <a:masterClrMapping/>
+  </p:clrMapOvr>
+</p:notes>
+</file>
+
+<file path=ppt/notesSlides/notesSlide22.xml><?xml version="1.0" encoding="utf-8"?>
+<p:notes xmlns:a="http://schemas.openxmlformats.org/drawingml/2006/main" xmlns:r="http://schemas.openxmlformats.org/officeDocument/2006/relationships" xmlns:p="http://schemas.openxmlformats.org/presentationml/2006/main">
+  <p:cSld>
+    <p:spTree>
+      <p:nvGrpSpPr>
+        <p:cNvPr id="1" name=""/>
+        <p:cNvGrpSpPr/>
+        <p:nvPr/>
+      </p:nvGrpSpPr>
+      <p:grpSpPr>
+        <a:xfrm>
+          <a:off x="0" y="0"/>
+          <a:ext cx="0" cy="0"/>
+          <a:chOff x="0" y="0"/>
+          <a:chExt cx="0" cy="0"/>
+        </a:xfrm>
+      </p:grpSpPr>
+      <p:sp>
+        <p:nvSpPr>
+          <p:cNvPr id="2" name="슬라이드 이미지 개체 틀 1"/>
+          <p:cNvSpPr>
+            <a:spLocks noGrp="1" noRot="1" noChangeAspect="1"/>
+          </p:cNvSpPr>
+          <p:nvPr>
+            <p:ph type="sldImg"/>
+          </p:nvPr>
+        </p:nvSpPr>
+        <p:spPr/>
+      </p:sp>
+      <p:sp>
+        <p:nvSpPr>
+          <p:cNvPr id="3" name="슬라이드 노트 개체 틀 2"/>
+          <p:cNvSpPr>
+            <a:spLocks noGrp="1"/>
+          </p:cNvSpPr>
+          <p:nvPr>
+            <p:ph type="body" idx="1"/>
+          </p:nvPr>
+        </p:nvSpPr>
+        <p:spPr/>
+        <p:txBody>
+          <a:bodyPr/>
+          <a:lstStyle/>
+          <a:p>
+            <a:r>
+              <a:rPr lang="ko-KR" altLang="en-US" dirty="0"/>
+              <a:t>테이블을 하나만 사용하는 페이지면 해당하는 테이블명만 넣어서 </a:t>
+            </a:r>
+            <a:r>
+              <a:rPr lang="ko-KR" altLang="en-US" dirty="0" err="1"/>
+              <a:t>셀렉트문을</a:t>
+            </a:r>
+            <a:r>
+              <a:rPr lang="ko-KR" altLang="en-US" dirty="0"/>
+              <a:t> 사용하면 됐지만</a:t>
+            </a:r>
+            <a:r>
+              <a:rPr lang="en-US" altLang="ko-KR" dirty="0"/>
+              <a:t>, </a:t>
+            </a:r>
+            <a:r>
+              <a:rPr lang="ko-KR" altLang="en-US" dirty="0"/>
+              <a:t>어떤 페이지에는 테이블을 여러 개 사용했습니다</a:t>
+            </a:r>
+            <a:r>
+              <a:rPr lang="en-US" altLang="ko-KR" dirty="0"/>
+              <a:t>. </a:t>
+            </a:r>
+            <a:r>
+              <a:rPr lang="ko-KR" altLang="en-US" dirty="0"/>
+              <a:t>그렇게 되면 쿼리문이 엄청나게 길어지더라구요</a:t>
+            </a:r>
+            <a:r>
+              <a:rPr lang="en-US" altLang="ko-KR" dirty="0"/>
+              <a:t>???</a:t>
+            </a:r>
+          </a:p>
+          <a:p>
+            <a:r>
+              <a:rPr lang="ko-KR" altLang="en-US" dirty="0"/>
+              <a:t>그래서 </a:t>
+            </a:r>
+            <a:r>
+              <a:rPr lang="ko-KR" altLang="en-US" dirty="0" err="1"/>
+              <a:t>가상테이블인</a:t>
+            </a:r>
+            <a:r>
+              <a:rPr lang="ko-KR" altLang="en-US" dirty="0"/>
+              <a:t> </a:t>
+            </a:r>
+            <a:r>
+              <a:rPr lang="en-US" altLang="ko-KR" dirty="0"/>
+              <a:t>view</a:t>
+            </a:r>
+            <a:r>
+              <a:rPr lang="ko-KR" altLang="en-US" dirty="0"/>
+              <a:t>를 사용해봤습니다</a:t>
+            </a:r>
+            <a:r>
+              <a:rPr lang="en-US" altLang="ko-KR" dirty="0"/>
+              <a:t>. </a:t>
+            </a:r>
+            <a:r>
+              <a:rPr lang="ko-KR" altLang="en-US" dirty="0"/>
+              <a:t>뷰를 만들어서 유니온 올로 합집합으로 연결시켜 사용하니 쿼리문이 짧아져서 편했습니다</a:t>
+            </a:r>
+            <a:r>
+              <a:rPr lang="en-US" altLang="ko-KR" dirty="0"/>
+              <a:t>.  </a:t>
+            </a:r>
+            <a:r>
+              <a:rPr lang="ko-KR" altLang="en-US" dirty="0"/>
+              <a:t>각 주제별 페이지의 검색 기능은 이렇게 구현을 했고요</a:t>
+            </a:r>
+          </a:p>
+        </p:txBody>
+      </p:sp>
+      <p:sp>
+        <p:nvSpPr>
+          <p:cNvPr id="4" name="슬라이드 번호 개체 틀 3"/>
+          <p:cNvSpPr>
+            <a:spLocks noGrp="1"/>
+          </p:cNvSpPr>
+          <p:nvPr>
+            <p:ph type="sldNum" sz="quarter" idx="5"/>
+          </p:nvPr>
+        </p:nvSpPr>
+        <p:spPr/>
+        <p:txBody>
+          <a:bodyPr/>
+          <a:lstStyle/>
+          <a:p>
+            <a:fld id="{4A3304FD-D8D1-402E-8714-21D8CC9FE3BF}" type="slidenum">
+              <a:rPr lang="ko-KR" altLang="en-US" smtClean="0"/>
+              <a:t>22</a:t>
+            </a:fld>
+            <a:endParaRPr lang="ko-KR" altLang="en-US"/>
+          </a:p>
+        </p:txBody>
+      </p:sp>
+    </p:spTree>
+    <p:extLst>
+      <p:ext uri="{BB962C8B-B14F-4D97-AF65-F5344CB8AC3E}">
+        <p14:creationId xmlns:p14="http://schemas.microsoft.com/office/powerpoint/2010/main" val="3856932291"/>
+      </p:ext>
+    </p:extLst>
+  </p:cSld>
+  <p:clrMapOvr>
+    <a:masterClrMapping/>
+  </p:clrMapOvr>
+</p:notes>
+</file>
+
+<file path=ppt/notesSlides/notesSlide23.xml><?xml version="1.0" encoding="utf-8"?>
+<p:notes xmlns:a="http://schemas.openxmlformats.org/drawingml/2006/main" xmlns:r="http://schemas.openxmlformats.org/officeDocument/2006/relationships" xmlns:p="http://schemas.openxmlformats.org/presentationml/2006/main">
+  <p:cSld>
+    <p:spTree>
+      <p:nvGrpSpPr>
+        <p:cNvPr id="1" name=""/>
+        <p:cNvGrpSpPr/>
+        <p:nvPr/>
+      </p:nvGrpSpPr>
+      <p:grpSpPr>
+        <a:xfrm>
+          <a:off x="0" y="0"/>
+          <a:ext cx="0" cy="0"/>
+          <a:chOff x="0" y="0"/>
+          <a:chExt cx="0" cy="0"/>
+        </a:xfrm>
+      </p:grpSpPr>
+      <p:sp>
+        <p:nvSpPr>
+          <p:cNvPr id="2" name="슬라이드 이미지 개체 틀 1"/>
+          <p:cNvSpPr>
+            <a:spLocks noGrp="1" noRot="1" noChangeAspect="1"/>
+          </p:cNvSpPr>
+          <p:nvPr>
+            <p:ph type="sldImg"/>
+          </p:nvPr>
+        </p:nvSpPr>
+        <p:spPr/>
+      </p:sp>
+      <p:sp>
+        <p:nvSpPr>
+          <p:cNvPr id="3" name="슬라이드 노트 개체 틀 2"/>
+          <p:cNvSpPr>
+            <a:spLocks noGrp="1"/>
+          </p:cNvSpPr>
+          <p:nvPr>
+            <p:ph type="body" idx="1"/>
+          </p:nvPr>
+        </p:nvSpPr>
+        <p:spPr/>
+        <p:txBody>
+          <a:bodyPr/>
+          <a:lstStyle/>
+          <a:p>
+            <a:r>
+              <a:rPr lang="ko-KR" altLang="en-US" dirty="0"/>
+              <a:t>메인 페이지와 헤더에 있는 검색은 통합검색 기능을 만들고 싶었습니다</a:t>
+            </a:r>
+            <a:r>
+              <a:rPr lang="en-US" altLang="ko-KR" dirty="0"/>
+              <a:t>. </a:t>
+            </a:r>
+            <a:r>
+              <a:rPr lang="ko-KR" altLang="en-US" dirty="0"/>
+              <a:t>그래서 첫번째 생각으로는 </a:t>
+            </a:r>
+            <a:r>
+              <a:rPr lang="ko-KR" altLang="en-US" dirty="0" err="1"/>
+              <a:t>셀렉트</a:t>
+            </a:r>
+            <a:r>
+              <a:rPr lang="ko-KR" altLang="en-US" dirty="0"/>
+              <a:t> 태그를 사용해 옵션에 각 주제들을 넣어서 선택한 주제의 테이블만 가져와서 검색을 하려고 했습니다</a:t>
+            </a:r>
+            <a:r>
+              <a:rPr lang="en-US" altLang="ko-KR" dirty="0"/>
+              <a:t>. </a:t>
+            </a:r>
+            <a:r>
+              <a:rPr lang="ko-KR" altLang="en-US" dirty="0"/>
+              <a:t>하지만 실패했고</a:t>
+            </a:r>
+            <a:r>
+              <a:rPr lang="en-US" altLang="ko-KR" dirty="0"/>
+              <a:t>,,</a:t>
+            </a:r>
+          </a:p>
+          <a:p>
+            <a:r>
+              <a:rPr lang="ko-KR" altLang="en-US" dirty="0"/>
+              <a:t>두번째는 위의 코드를 사용해 각 검색기능을 가진 코드를 </a:t>
+            </a:r>
+            <a:r>
+              <a:rPr lang="ko-KR" altLang="en-US" dirty="0" err="1"/>
+              <a:t>인클루드</a:t>
+            </a:r>
+            <a:r>
+              <a:rPr lang="ko-KR" altLang="en-US" dirty="0"/>
+              <a:t> 해서 가져오라고 했으나 이것도 실패했습니다</a:t>
+            </a:r>
+            <a:r>
+              <a:rPr lang="en-US" altLang="ko-KR" dirty="0"/>
+              <a:t>….</a:t>
+            </a:r>
+            <a:r>
+              <a:rPr lang="ko-KR" altLang="en-US" dirty="0"/>
+              <a:t>그래서 각 검색 페이지의 코드를 이어 붙여서 구현하는 방식으로 통합검색을 하도록 했습니다</a:t>
+            </a:r>
+            <a:r>
+              <a:rPr lang="en-US" altLang="ko-KR" dirty="0"/>
+              <a:t>..</a:t>
+            </a:r>
+            <a:endParaRPr lang="ko-KR" altLang="en-US" dirty="0"/>
+          </a:p>
+        </p:txBody>
+      </p:sp>
+      <p:sp>
+        <p:nvSpPr>
+          <p:cNvPr id="4" name="슬라이드 번호 개체 틀 3"/>
+          <p:cNvSpPr>
+            <a:spLocks noGrp="1"/>
+          </p:cNvSpPr>
+          <p:nvPr>
+            <p:ph type="sldNum" sz="quarter" idx="5"/>
+          </p:nvPr>
+        </p:nvSpPr>
+        <p:spPr/>
+        <p:txBody>
+          <a:bodyPr/>
+          <a:lstStyle/>
+          <a:p>
+            <a:fld id="{4A3304FD-D8D1-402E-8714-21D8CC9FE3BF}" type="slidenum">
+              <a:rPr lang="ko-KR" altLang="en-US" smtClean="0"/>
+              <a:t>23</a:t>
+            </a:fld>
+            <a:endParaRPr lang="ko-KR" altLang="en-US"/>
+          </a:p>
+        </p:txBody>
+      </p:sp>
+    </p:spTree>
+    <p:extLst>
+      <p:ext uri="{BB962C8B-B14F-4D97-AF65-F5344CB8AC3E}">
+        <p14:creationId xmlns:p14="http://schemas.microsoft.com/office/powerpoint/2010/main" val="1095206212"/>
+      </p:ext>
+    </p:extLst>
+  </p:cSld>
+  <p:clrMapOvr>
+    <a:masterClrMapping/>
+  </p:clrMapOvr>
+</p:notes>
+</file>
+
+<file path=ppt/notesSlides/notesSlide24.xml><?xml version="1.0" encoding="utf-8"?>
+<p:notes xmlns:a="http://schemas.openxmlformats.org/drawingml/2006/main" xmlns:r="http://schemas.openxmlformats.org/officeDocument/2006/relationships" xmlns:p="http://schemas.openxmlformats.org/presentationml/2006/main">
+  <p:cSld>
+    <p:spTree>
+      <p:nvGrpSpPr>
+        <p:cNvPr id="1" name=""/>
+        <p:cNvGrpSpPr/>
+        <p:nvPr/>
+      </p:nvGrpSpPr>
+      <p:grpSpPr>
+        <a:xfrm>
+          <a:off x="0" y="0"/>
+          <a:ext cx="0" cy="0"/>
+          <a:chOff x="0" y="0"/>
+          <a:chExt cx="0" cy="0"/>
+        </a:xfrm>
+      </p:grpSpPr>
+      <p:sp>
+        <p:nvSpPr>
+          <p:cNvPr id="2" name="슬라이드 이미지 개체 틀 1"/>
+          <p:cNvSpPr>
+            <a:spLocks noGrp="1" noRot="1" noChangeAspect="1"/>
+          </p:cNvSpPr>
+          <p:nvPr>
+            <p:ph type="sldImg"/>
+          </p:nvPr>
+        </p:nvSpPr>
+        <p:spPr/>
+      </p:sp>
+      <p:sp>
+        <p:nvSpPr>
+          <p:cNvPr id="3" name="슬라이드 노트 개체 틀 2"/>
+          <p:cNvSpPr>
+            <a:spLocks noGrp="1"/>
+          </p:cNvSpPr>
+          <p:nvPr>
+            <p:ph type="body" idx="1"/>
+          </p:nvPr>
+        </p:nvSpPr>
+        <p:spPr/>
+        <p:txBody>
+          <a:bodyPr/>
+          <a:lstStyle/>
+          <a:p>
+            <a:r>
+              <a:rPr lang="ko-KR" altLang="en-US" dirty="0"/>
+              <a:t>검색한 테이블을 결과로 사용자에게 보여줄 때 너무 길게 나오고 가독성도 안 좋아서 더보기를 클릭해서 나타낼 수 있도록 구현을 했습니다</a:t>
+            </a:r>
+            <a:r>
+              <a:rPr lang="en-US" altLang="ko-KR" dirty="0"/>
+              <a:t>..</a:t>
+            </a:r>
+            <a:endParaRPr lang="ko-KR" altLang="en-US" dirty="0"/>
+          </a:p>
+        </p:txBody>
+      </p:sp>
+      <p:sp>
+        <p:nvSpPr>
+          <p:cNvPr id="4" name="슬라이드 번호 개체 틀 3"/>
+          <p:cNvSpPr>
+            <a:spLocks noGrp="1"/>
+          </p:cNvSpPr>
+          <p:nvPr>
+            <p:ph type="sldNum" sz="quarter" idx="5"/>
+          </p:nvPr>
+        </p:nvSpPr>
+        <p:spPr/>
+        <p:txBody>
+          <a:bodyPr/>
+          <a:lstStyle/>
+          <a:p>
+            <a:fld id="{4A3304FD-D8D1-402E-8714-21D8CC9FE3BF}" type="slidenum">
+              <a:rPr lang="ko-KR" altLang="en-US" smtClean="0"/>
+              <a:t>24</a:t>
+            </a:fld>
+            <a:endParaRPr lang="ko-KR" altLang="en-US"/>
+          </a:p>
+        </p:txBody>
+      </p:sp>
+    </p:spTree>
+    <p:extLst>
+      <p:ext uri="{BB962C8B-B14F-4D97-AF65-F5344CB8AC3E}">
+        <p14:creationId xmlns:p14="http://schemas.microsoft.com/office/powerpoint/2010/main" val="2822924111"/>
+      </p:ext>
+    </p:extLst>
+  </p:cSld>
+  <p:clrMapOvr>
+    <a:masterClrMapping/>
+  </p:clrMapOvr>
+</p:notes>
+</file>
+
+<file path=ppt/notesSlides/notesSlide25.xml><?xml version="1.0" encoding="utf-8"?>
+<p:notes xmlns:a="http://schemas.openxmlformats.org/drawingml/2006/main" xmlns:r="http://schemas.openxmlformats.org/officeDocument/2006/relationships" xmlns:p="http://schemas.openxmlformats.org/presentationml/2006/main">
+  <p:cSld>
+    <p:spTree>
+      <p:nvGrpSpPr>
+        <p:cNvPr id="1" name=""/>
+        <p:cNvGrpSpPr/>
+        <p:nvPr/>
+      </p:nvGrpSpPr>
+      <p:grpSpPr>
+        <a:xfrm>
+          <a:off x="0" y="0"/>
+          <a:ext cx="0" cy="0"/>
+          <a:chOff x="0" y="0"/>
+          <a:chExt cx="0" cy="0"/>
+        </a:xfrm>
+      </p:grpSpPr>
+      <p:sp>
+        <p:nvSpPr>
+          <p:cNvPr id="2" name="슬라이드 이미지 개체 틀 1"/>
+          <p:cNvSpPr>
+            <a:spLocks noGrp="1" noRot="1" noChangeAspect="1"/>
+          </p:cNvSpPr>
+          <p:nvPr>
+            <p:ph type="sldImg"/>
+          </p:nvPr>
+        </p:nvSpPr>
+        <p:spPr/>
+      </p:sp>
+      <p:sp>
+        <p:nvSpPr>
+          <p:cNvPr id="3" name="슬라이드 노트 개체 틀 2"/>
+          <p:cNvSpPr>
+            <a:spLocks noGrp="1"/>
+          </p:cNvSpPr>
+          <p:nvPr>
+            <p:ph type="body" idx="1"/>
+          </p:nvPr>
+        </p:nvSpPr>
+        <p:spPr/>
+        <p:txBody>
+          <a:bodyPr/>
+          <a:lstStyle/>
+          <a:p>
+            <a:r>
+              <a:rPr lang="ko-KR" altLang="en-US" dirty="0"/>
+              <a:t>주요 코드의 설명으로는 여기까지 하도록 하겠습니다</a:t>
+            </a:r>
+            <a:r>
+              <a:rPr lang="en-US" altLang="ko-KR" dirty="0"/>
+              <a:t>..</a:t>
+            </a:r>
+            <a:endParaRPr lang="ko-KR" altLang="en-US" dirty="0"/>
+          </a:p>
+        </p:txBody>
+      </p:sp>
+      <p:sp>
+        <p:nvSpPr>
+          <p:cNvPr id="4" name="슬라이드 번호 개체 틀 3"/>
+          <p:cNvSpPr>
+            <a:spLocks noGrp="1"/>
+          </p:cNvSpPr>
+          <p:nvPr>
+            <p:ph type="sldNum" sz="quarter" idx="5"/>
+          </p:nvPr>
+        </p:nvSpPr>
+        <p:spPr/>
+        <p:txBody>
+          <a:bodyPr/>
+          <a:lstStyle/>
+          <a:p>
+            <a:fld id="{4A3304FD-D8D1-402E-8714-21D8CC9FE3BF}" type="slidenum">
+              <a:rPr lang="ko-KR" altLang="en-US" smtClean="0"/>
+              <a:t>25</a:t>
+            </a:fld>
+            <a:endParaRPr lang="ko-KR" altLang="en-US"/>
+          </a:p>
+        </p:txBody>
+      </p:sp>
+    </p:spTree>
+    <p:extLst>
+      <p:ext uri="{BB962C8B-B14F-4D97-AF65-F5344CB8AC3E}">
+        <p14:creationId xmlns:p14="http://schemas.microsoft.com/office/powerpoint/2010/main" val="3701207297"/>
+      </p:ext>
+    </p:extLst>
+  </p:cSld>
+  <p:clrMapOvr>
+    <a:masterClrMapping/>
+  </p:clrMapOvr>
+</p:notes>
+</file>
+
+<file path=ppt/notesSlides/notesSlide26.xml><?xml version="1.0" encoding="utf-8"?>
+<p:notes xmlns:a="http://schemas.openxmlformats.org/drawingml/2006/main" xmlns:r="http://schemas.openxmlformats.org/officeDocument/2006/relationships" xmlns:p="http://schemas.openxmlformats.org/presentationml/2006/main">
+  <p:cSld>
+    <p:spTree>
+      <p:nvGrpSpPr>
+        <p:cNvPr id="1" name=""/>
+        <p:cNvGrpSpPr/>
+        <p:nvPr/>
+      </p:nvGrpSpPr>
+      <p:grpSpPr>
+        <a:xfrm>
+          <a:off x="0" y="0"/>
+          <a:ext cx="0" cy="0"/>
+          <a:chOff x="0" y="0"/>
+          <a:chExt cx="0" cy="0"/>
+        </a:xfrm>
+      </p:grpSpPr>
+      <p:sp>
+        <p:nvSpPr>
+          <p:cNvPr id="2" name="슬라이드 이미지 개체 틀 1"/>
+          <p:cNvSpPr>
+            <a:spLocks noGrp="1" noRot="1" noChangeAspect="1"/>
+          </p:cNvSpPr>
+          <p:nvPr>
+            <p:ph type="sldImg"/>
+          </p:nvPr>
+        </p:nvSpPr>
+        <p:spPr/>
+      </p:sp>
+      <p:sp>
+        <p:nvSpPr>
+          <p:cNvPr id="3" name="슬라이드 노트 개체 틀 2"/>
+          <p:cNvSpPr>
+            <a:spLocks noGrp="1"/>
+          </p:cNvSpPr>
+          <p:nvPr>
+            <p:ph type="body" idx="1"/>
+          </p:nvPr>
+        </p:nvSpPr>
+        <p:spPr/>
+        <p:txBody>
+          <a:bodyPr/>
+          <a:lstStyle/>
+          <a:p>
+            <a:r>
+              <a:rPr lang="ko-KR" altLang="en-US" dirty="0"/>
+              <a:t>그리고 저희가 이번에 버전관리를 </a:t>
+            </a:r>
+            <a:r>
+              <a:rPr lang="en-US" altLang="ko-KR" dirty="0"/>
+              <a:t>git</a:t>
+            </a:r>
+            <a:r>
+              <a:rPr lang="ko-KR" altLang="en-US" dirty="0"/>
+              <a:t>을 사용해 봤는데요 제 </a:t>
+            </a:r>
+            <a:r>
+              <a:rPr lang="ko-KR" altLang="en-US" dirty="0" err="1"/>
+              <a:t>레포지토리</a:t>
+            </a:r>
+            <a:r>
+              <a:rPr lang="ko-KR" altLang="en-US" dirty="0"/>
+              <a:t> 퍼스트콜라보에 이번 프로젝트를 저장해 </a:t>
+            </a:r>
+            <a:r>
+              <a:rPr lang="ko-KR" altLang="en-US" dirty="0" err="1"/>
+              <a:t>놨구요</a:t>
+            </a:r>
+            <a:r>
+              <a:rPr lang="en-US" altLang="ko-KR" dirty="0"/>
+              <a:t>,,, </a:t>
+            </a:r>
+            <a:r>
+              <a:rPr lang="ko-KR" altLang="en-US" dirty="0"/>
+              <a:t>깃을 사용하면서 기본적인 </a:t>
+            </a:r>
+            <a:r>
+              <a:rPr lang="ko-KR" altLang="en-US" dirty="0" err="1"/>
+              <a:t>스테이징</a:t>
+            </a:r>
+            <a:r>
+              <a:rPr lang="en-US" altLang="ko-KR" dirty="0"/>
+              <a:t>, </a:t>
+            </a:r>
+            <a:r>
+              <a:rPr lang="ko-KR" altLang="en-US" dirty="0" err="1"/>
+              <a:t>커밋</a:t>
+            </a:r>
+            <a:r>
+              <a:rPr lang="en-US" altLang="ko-KR" dirty="0"/>
+              <a:t>, </a:t>
+            </a:r>
+            <a:r>
+              <a:rPr lang="ko-KR" altLang="en-US" dirty="0"/>
+              <a:t>풀</a:t>
+            </a:r>
+            <a:r>
+              <a:rPr lang="en-US" altLang="ko-KR" dirty="0"/>
+              <a:t>, </a:t>
+            </a:r>
+            <a:r>
+              <a:rPr lang="ko-KR" altLang="en-US" dirty="0" err="1"/>
+              <a:t>푸쉬들은</a:t>
+            </a:r>
+            <a:r>
+              <a:rPr lang="ko-KR" altLang="en-US" dirty="0"/>
+              <a:t> 더 손에 익은 것 같고요</a:t>
+            </a:r>
+            <a:r>
+              <a:rPr lang="en-US" altLang="ko-KR" dirty="0"/>
+              <a:t>..</a:t>
+            </a:r>
+          </a:p>
+          <a:p>
+            <a:r>
+              <a:rPr lang="ko-KR" altLang="en-US" dirty="0" err="1"/>
+              <a:t>브랜치</a:t>
+            </a:r>
+            <a:r>
+              <a:rPr lang="en-US" altLang="ko-KR" dirty="0"/>
+              <a:t>, </a:t>
+            </a:r>
+            <a:r>
+              <a:rPr lang="ko-KR" altLang="en-US" dirty="0"/>
+              <a:t>풀 </a:t>
+            </a:r>
+            <a:r>
+              <a:rPr lang="ko-KR" altLang="en-US" dirty="0" err="1"/>
+              <a:t>리퀘스트도</a:t>
+            </a:r>
+            <a:r>
+              <a:rPr lang="ko-KR" altLang="en-US" dirty="0"/>
+              <a:t> 사용해 보면서 협업하기가 참 힘들구나</a:t>
+            </a:r>
+            <a:r>
+              <a:rPr lang="en-US" altLang="ko-KR" dirty="0"/>
+              <a:t>…..</a:t>
+            </a:r>
+            <a:r>
+              <a:rPr lang="ko-KR" altLang="en-US" dirty="0"/>
+              <a:t>생각을 했습니다</a:t>
+            </a:r>
+            <a:r>
+              <a:rPr lang="en-US" altLang="ko-KR" dirty="0"/>
+              <a:t>..</a:t>
+            </a:r>
+            <a:endParaRPr lang="ko-KR" altLang="en-US" dirty="0"/>
+          </a:p>
+        </p:txBody>
+      </p:sp>
+      <p:sp>
+        <p:nvSpPr>
+          <p:cNvPr id="4" name="슬라이드 번호 개체 틀 3"/>
+          <p:cNvSpPr>
+            <a:spLocks noGrp="1"/>
+          </p:cNvSpPr>
+          <p:nvPr>
+            <p:ph type="sldNum" sz="quarter" idx="5"/>
+          </p:nvPr>
+        </p:nvSpPr>
+        <p:spPr/>
+        <p:txBody>
+          <a:bodyPr/>
+          <a:lstStyle/>
+          <a:p>
+            <a:fld id="{4A3304FD-D8D1-402E-8714-21D8CC9FE3BF}" type="slidenum">
+              <a:rPr lang="ko-KR" altLang="en-US" smtClean="0"/>
+              <a:t>26</a:t>
+            </a:fld>
+            <a:endParaRPr lang="ko-KR" altLang="en-US"/>
+          </a:p>
+        </p:txBody>
+      </p:sp>
+    </p:spTree>
+    <p:extLst>
+      <p:ext uri="{BB962C8B-B14F-4D97-AF65-F5344CB8AC3E}">
+        <p14:creationId xmlns:p14="http://schemas.microsoft.com/office/powerpoint/2010/main" val="3304532026"/>
+      </p:ext>
+    </p:extLst>
+  </p:cSld>
+  <p:clrMapOvr>
+    <a:masterClrMapping/>
+  </p:clrMapOvr>
+</p:notes>
+</file>
+
+<file path=ppt/notesSlides/notesSlide27.xml><?xml version="1.0" encoding="utf-8"?>
+<p:notes xmlns:a="http://schemas.openxmlformats.org/drawingml/2006/main" xmlns:r="http://schemas.openxmlformats.org/officeDocument/2006/relationships" xmlns:p="http://schemas.openxmlformats.org/presentationml/2006/main">
+  <p:cSld>
+    <p:spTree>
+      <p:nvGrpSpPr>
+        <p:cNvPr id="1" name=""/>
+        <p:cNvGrpSpPr/>
+        <p:nvPr/>
+      </p:nvGrpSpPr>
+      <p:grpSpPr>
+        <a:xfrm>
+          <a:off x="0" y="0"/>
+          <a:ext cx="0" cy="0"/>
+          <a:chOff x="0" y="0"/>
+          <a:chExt cx="0" cy="0"/>
+        </a:xfrm>
+      </p:grpSpPr>
+      <p:sp>
+        <p:nvSpPr>
+          <p:cNvPr id="2" name="슬라이드 이미지 개체 틀 1"/>
+          <p:cNvSpPr>
+            <a:spLocks noGrp="1" noRot="1" noChangeAspect="1"/>
+          </p:cNvSpPr>
+          <p:nvPr>
+            <p:ph type="sldImg"/>
+          </p:nvPr>
+        </p:nvSpPr>
+        <p:spPr/>
+      </p:sp>
+      <p:sp>
+        <p:nvSpPr>
+          <p:cNvPr id="3" name="슬라이드 노트 개체 틀 2"/>
+          <p:cNvSpPr>
+            <a:spLocks noGrp="1"/>
+          </p:cNvSpPr>
+          <p:nvPr>
+            <p:ph type="body" idx="1"/>
+          </p:nvPr>
+        </p:nvSpPr>
+        <p:spPr/>
+        <p:txBody>
+          <a:bodyPr/>
+          <a:lstStyle/>
+          <a:p>
+            <a:r>
+              <a:rPr lang="ko-KR" altLang="en-US" dirty="0"/>
+              <a:t>저희가 깃에서 문제가 </a:t>
+            </a:r>
+            <a:r>
+              <a:rPr lang="ko-KR" altLang="en-US" dirty="0" err="1"/>
+              <a:t>됐던건</a:t>
+            </a:r>
+            <a:r>
+              <a:rPr lang="ko-KR" altLang="en-US" dirty="0"/>
+              <a:t> 처음에 </a:t>
+            </a:r>
+            <a:r>
+              <a:rPr lang="ko-KR" altLang="en-US" dirty="0" err="1"/>
+              <a:t>브랜치</a:t>
+            </a:r>
+            <a:r>
+              <a:rPr lang="ko-KR" altLang="en-US" dirty="0"/>
+              <a:t> 개념을 제대로 잡지 못했던 것입니다</a:t>
+            </a:r>
+            <a:r>
+              <a:rPr lang="en-US" altLang="ko-KR" dirty="0"/>
+              <a:t>….</a:t>
+            </a:r>
+            <a:r>
+              <a:rPr lang="ko-KR" altLang="en-US" dirty="0"/>
+              <a:t>처음에 저장소를 만들고 팀원들을 </a:t>
+            </a:r>
+            <a:r>
+              <a:rPr lang="ko-KR" altLang="en-US" dirty="0" err="1"/>
+              <a:t>초대했을때</a:t>
+            </a:r>
+            <a:r>
+              <a:rPr lang="ko-KR" altLang="en-US" dirty="0"/>
+              <a:t> 멍청하게 </a:t>
+            </a:r>
+            <a:r>
+              <a:rPr lang="ko-KR" altLang="en-US" dirty="0" err="1"/>
+              <a:t>브랜치를</a:t>
+            </a:r>
+            <a:r>
+              <a:rPr lang="ko-KR" altLang="en-US" dirty="0"/>
+              <a:t> 그 때 </a:t>
+            </a:r>
+            <a:r>
+              <a:rPr lang="ko-KR" altLang="en-US" dirty="0" err="1"/>
+              <a:t>만들어놔가지고</a:t>
+            </a:r>
+            <a:r>
+              <a:rPr lang="en-US" altLang="ko-KR" dirty="0"/>
+              <a:t>…</a:t>
+            </a:r>
+          </a:p>
+          <a:p>
+            <a:r>
+              <a:rPr lang="ko-KR" altLang="en-US" dirty="0"/>
+              <a:t>오른쪽 손그림에서 보듯이 한참 작업을 하다가 분기가 나눠져야 할 시점에 </a:t>
+            </a:r>
+            <a:r>
+              <a:rPr lang="ko-KR" altLang="en-US" dirty="0" err="1"/>
+              <a:t>브랜치를</a:t>
+            </a:r>
+            <a:r>
+              <a:rPr lang="ko-KR" altLang="en-US" dirty="0"/>
+              <a:t> 만들고 작업을 </a:t>
+            </a:r>
+            <a:r>
+              <a:rPr lang="ko-KR" altLang="en-US" dirty="0" err="1"/>
+              <a:t>했었어야</a:t>
+            </a:r>
+            <a:r>
+              <a:rPr lang="ko-KR" altLang="en-US" dirty="0"/>
+              <a:t> </a:t>
+            </a:r>
+            <a:r>
+              <a:rPr lang="ko-KR" altLang="en-US" dirty="0" err="1"/>
+              <a:t>헀는데</a:t>
+            </a:r>
+            <a:r>
+              <a:rPr lang="ko-KR" altLang="en-US" dirty="0"/>
+              <a:t> 전에 </a:t>
+            </a:r>
+            <a:r>
+              <a:rPr lang="ko-KR" altLang="en-US" dirty="0" err="1"/>
+              <a:t>만들어놨던</a:t>
+            </a:r>
+            <a:r>
+              <a:rPr lang="ko-KR" altLang="en-US" dirty="0"/>
+              <a:t> </a:t>
+            </a:r>
+            <a:r>
+              <a:rPr lang="ko-KR" altLang="en-US" dirty="0" err="1"/>
+              <a:t>브랜치를</a:t>
+            </a:r>
+            <a:r>
+              <a:rPr lang="ko-KR" altLang="en-US" dirty="0"/>
+              <a:t> 쓰니 우왕좌왕하게 되었습니다</a:t>
+            </a:r>
+            <a:r>
+              <a:rPr lang="en-US" altLang="ko-KR" dirty="0"/>
+              <a:t>…. </a:t>
+            </a:r>
+            <a:r>
+              <a:rPr lang="ko-KR" altLang="en-US" dirty="0"/>
+              <a:t>하지만 이렇게 하면서 </a:t>
+            </a:r>
+            <a:r>
+              <a:rPr lang="ko-KR" altLang="en-US" dirty="0" err="1"/>
+              <a:t>브랜치도</a:t>
+            </a:r>
+            <a:r>
+              <a:rPr lang="ko-KR" altLang="en-US" dirty="0"/>
+              <a:t> 어떻게 써야 하는지 배우게 되었습니다</a:t>
+            </a:r>
+            <a:r>
+              <a:rPr lang="en-US" altLang="ko-KR" dirty="0"/>
+              <a:t>..</a:t>
+            </a:r>
+            <a:endParaRPr lang="ko-KR" altLang="en-US" dirty="0"/>
+          </a:p>
+        </p:txBody>
+      </p:sp>
+      <p:sp>
+        <p:nvSpPr>
+          <p:cNvPr id="4" name="슬라이드 번호 개체 틀 3"/>
+          <p:cNvSpPr>
+            <a:spLocks noGrp="1"/>
+          </p:cNvSpPr>
+          <p:nvPr>
+            <p:ph type="sldNum" sz="quarter" idx="5"/>
+          </p:nvPr>
+        </p:nvSpPr>
+        <p:spPr/>
+        <p:txBody>
+          <a:bodyPr/>
+          <a:lstStyle/>
+          <a:p>
+            <a:fld id="{4A3304FD-D8D1-402E-8714-21D8CC9FE3BF}" type="slidenum">
+              <a:rPr lang="ko-KR" altLang="en-US" smtClean="0"/>
+              <a:t>27</a:t>
+            </a:fld>
+            <a:endParaRPr lang="ko-KR" altLang="en-US"/>
+          </a:p>
+        </p:txBody>
+      </p:sp>
+    </p:spTree>
+    <p:extLst>
+      <p:ext uri="{BB962C8B-B14F-4D97-AF65-F5344CB8AC3E}">
+        <p14:creationId xmlns:p14="http://schemas.microsoft.com/office/powerpoint/2010/main" val="2695841657"/>
+      </p:ext>
+    </p:extLst>
+  </p:cSld>
+  <p:clrMapOvr>
+    <a:masterClrMapping/>
+  </p:clrMapOvr>
+</p:notes>
+</file>
+
+<file path=ppt/notesSlides/notesSlide28.xml><?xml version="1.0" encoding="utf-8"?>
+<p:notes xmlns:a="http://schemas.openxmlformats.org/drawingml/2006/main" xmlns:r="http://schemas.openxmlformats.org/officeDocument/2006/relationships" xmlns:p="http://schemas.openxmlformats.org/presentationml/2006/main">
+  <p:cSld>
+    <p:spTree>
+      <p:nvGrpSpPr>
+        <p:cNvPr id="1" name=""/>
+        <p:cNvGrpSpPr/>
+        <p:nvPr/>
+      </p:nvGrpSpPr>
+      <p:grpSpPr>
+        <a:xfrm>
+          <a:off x="0" y="0"/>
+          <a:ext cx="0" cy="0"/>
+          <a:chOff x="0" y="0"/>
+          <a:chExt cx="0" cy="0"/>
+        </a:xfrm>
+      </p:grpSpPr>
+      <p:sp>
+        <p:nvSpPr>
+          <p:cNvPr id="2" name="슬라이드 이미지 개체 틀 1"/>
+          <p:cNvSpPr>
+            <a:spLocks noGrp="1" noRot="1" noChangeAspect="1"/>
+          </p:cNvSpPr>
+          <p:nvPr>
+            <p:ph type="sldImg"/>
+          </p:nvPr>
+        </p:nvSpPr>
+        <p:spPr/>
+      </p:sp>
+      <p:sp>
+        <p:nvSpPr>
+          <p:cNvPr id="3" name="슬라이드 노트 개체 틀 2"/>
+          <p:cNvSpPr>
+            <a:spLocks noGrp="1"/>
+          </p:cNvSpPr>
+          <p:nvPr>
+            <p:ph type="body" idx="1"/>
+          </p:nvPr>
+        </p:nvSpPr>
+        <p:spPr/>
+        <p:txBody>
+          <a:bodyPr/>
+          <a:lstStyle/>
+          <a:p>
+            <a:r>
+              <a:rPr lang="ko-KR" altLang="en-US" dirty="0"/>
+              <a:t>이렇게 </a:t>
+            </a:r>
+            <a:r>
+              <a:rPr lang="ko-KR" altLang="en-US" dirty="0" err="1"/>
+              <a:t>브랜치를</a:t>
+            </a:r>
+            <a:r>
+              <a:rPr lang="ko-KR" altLang="en-US" dirty="0"/>
+              <a:t> 나눠서 작업한 것을 깃에서 로그로 확인도 해봤습니다</a:t>
+            </a:r>
+            <a:r>
+              <a:rPr lang="en-US" altLang="ko-KR" dirty="0"/>
+              <a:t>…</a:t>
+            </a:r>
+            <a:endParaRPr lang="ko-KR" altLang="en-US" dirty="0"/>
+          </a:p>
+        </p:txBody>
+      </p:sp>
+      <p:sp>
+        <p:nvSpPr>
+          <p:cNvPr id="4" name="슬라이드 번호 개체 틀 3"/>
+          <p:cNvSpPr>
+            <a:spLocks noGrp="1"/>
+          </p:cNvSpPr>
+          <p:nvPr>
+            <p:ph type="sldNum" sz="quarter" idx="5"/>
+          </p:nvPr>
+        </p:nvSpPr>
+        <p:spPr/>
+        <p:txBody>
+          <a:bodyPr/>
+          <a:lstStyle/>
+          <a:p>
+            <a:fld id="{4A3304FD-D8D1-402E-8714-21D8CC9FE3BF}" type="slidenum">
+              <a:rPr lang="ko-KR" altLang="en-US" smtClean="0"/>
+              <a:t>28</a:t>
+            </a:fld>
+            <a:endParaRPr lang="ko-KR" altLang="en-US"/>
+          </a:p>
+        </p:txBody>
+      </p:sp>
+    </p:spTree>
+    <p:extLst>
+      <p:ext uri="{BB962C8B-B14F-4D97-AF65-F5344CB8AC3E}">
+        <p14:creationId xmlns:p14="http://schemas.microsoft.com/office/powerpoint/2010/main" val="2064116518"/>
+      </p:ext>
+    </p:extLst>
+  </p:cSld>
+  <p:clrMapOvr>
+    <a:masterClrMapping/>
+  </p:clrMapOvr>
+</p:notes>
+</file>
+
+<file path=ppt/notesSlides/notesSlide29.xml><?xml version="1.0" encoding="utf-8"?>
+<p:notes xmlns:a="http://schemas.openxmlformats.org/drawingml/2006/main" xmlns:r="http://schemas.openxmlformats.org/officeDocument/2006/relationships" xmlns:p="http://schemas.openxmlformats.org/presentationml/2006/main">
+  <p:cSld>
+    <p:spTree>
+      <p:nvGrpSpPr>
+        <p:cNvPr id="1" name=""/>
+        <p:cNvGrpSpPr/>
+        <p:nvPr/>
+      </p:nvGrpSpPr>
+      <p:grpSpPr>
+        <a:xfrm>
+          <a:off x="0" y="0"/>
+          <a:ext cx="0" cy="0"/>
+          <a:chOff x="0" y="0"/>
+          <a:chExt cx="0" cy="0"/>
+        </a:xfrm>
+      </p:grpSpPr>
+      <p:sp>
+        <p:nvSpPr>
+          <p:cNvPr id="2" name="슬라이드 이미지 개체 틀 1"/>
+          <p:cNvSpPr>
+            <a:spLocks noGrp="1" noRot="1" noChangeAspect="1"/>
+          </p:cNvSpPr>
+          <p:nvPr>
+            <p:ph type="sldImg"/>
+          </p:nvPr>
+        </p:nvSpPr>
+        <p:spPr/>
+      </p:sp>
+      <p:sp>
+        <p:nvSpPr>
+          <p:cNvPr id="3" name="슬라이드 노트 개체 틀 2"/>
+          <p:cNvSpPr>
+            <a:spLocks noGrp="1"/>
+          </p:cNvSpPr>
+          <p:nvPr>
+            <p:ph type="body" idx="1"/>
+          </p:nvPr>
+        </p:nvSpPr>
+        <p:spPr/>
+        <p:txBody>
+          <a:bodyPr/>
+          <a:lstStyle/>
+          <a:p>
+            <a:r>
+              <a:rPr lang="ko-KR" altLang="en-US" dirty="0"/>
+              <a:t>이번 프로젝트를 하면서 </a:t>
+            </a:r>
+            <a:r>
+              <a:rPr lang="en-US" altLang="ko-KR" dirty="0" err="1"/>
+              <a:t>db</a:t>
+            </a:r>
+            <a:r>
+              <a:rPr lang="ko-KR" altLang="en-US" dirty="0"/>
+              <a:t>를 사용하게 됐는데 연결하는 것은 연결을 위한 패키지 추가와 두 줄 정도의 자바 코드를 추가해서 바로 연결이 되어서 쉬웠습니다</a:t>
+            </a:r>
+            <a:r>
+              <a:rPr lang="en-US" altLang="ko-KR" dirty="0"/>
+              <a:t>… </a:t>
+            </a:r>
+            <a:r>
+              <a:rPr lang="ko-KR" altLang="en-US" dirty="0" err="1"/>
+              <a:t>로컬호스트로</a:t>
+            </a:r>
+            <a:r>
+              <a:rPr lang="ko-KR" altLang="en-US" dirty="0"/>
+              <a:t> 자기 컴퓨터에 있는 </a:t>
+            </a:r>
+            <a:r>
+              <a:rPr lang="en-US" altLang="ko-KR" dirty="0" err="1"/>
+              <a:t>db</a:t>
+            </a:r>
+            <a:r>
+              <a:rPr lang="ko-KR" altLang="en-US" dirty="0"/>
+              <a:t>를 연결하는 것은 쉬웠지만</a:t>
+            </a:r>
+            <a:endParaRPr lang="en-US" altLang="ko-KR" dirty="0"/>
+          </a:p>
+          <a:p>
+            <a:r>
+              <a:rPr lang="ko-KR" altLang="en-US" dirty="0"/>
+              <a:t>저희가 처음에 한 컴퓨터에 서버컴퓨터를 만들어서 거기에만 테이블을 만들고 데이터를 넣어서 작업하려고 </a:t>
+            </a:r>
+            <a:r>
+              <a:rPr lang="ko-KR" altLang="en-US" dirty="0" err="1"/>
+              <a:t>헀는데</a:t>
+            </a:r>
+            <a:r>
+              <a:rPr lang="en-US" altLang="ko-KR" dirty="0"/>
+              <a:t>…</a:t>
+            </a:r>
+            <a:r>
+              <a:rPr lang="ko-KR" altLang="en-US" dirty="0"/>
+              <a:t>잘 안돼서 끝까지 못한 게 아쉽습니다</a:t>
+            </a:r>
+            <a:r>
+              <a:rPr lang="en-US" altLang="ko-KR" dirty="0"/>
+              <a:t>….</a:t>
+            </a:r>
+          </a:p>
+          <a:p>
+            <a:r>
+              <a:rPr lang="ko-KR" altLang="en-US" dirty="0"/>
+              <a:t>또한 이번에 쿼리문도 사용하게 됐는데 간단한 기능만 구현해서 그런지 </a:t>
+            </a:r>
+            <a:r>
+              <a:rPr lang="en-US" altLang="ko-KR" dirty="0"/>
+              <a:t>where</a:t>
+            </a:r>
+            <a:r>
+              <a:rPr lang="ko-KR" altLang="en-US" dirty="0"/>
+              <a:t>문만 썼고 그것도 굉장히 쉬운 문법으로만 작성해서 수업시간에 배웠던 것들을 사용하지 못해 조금 아쉬웠습니다</a:t>
+            </a:r>
+            <a:r>
+              <a:rPr lang="en-US" altLang="ko-KR" dirty="0"/>
+              <a:t>…</a:t>
+            </a:r>
+          </a:p>
+          <a:p>
+            <a:r>
+              <a:rPr lang="ko-KR" altLang="en-US" dirty="0"/>
+              <a:t>또한 </a:t>
+            </a:r>
+            <a:r>
+              <a:rPr lang="ko-KR" altLang="en-US" dirty="0" err="1"/>
+              <a:t>깃허브로</a:t>
+            </a:r>
+            <a:r>
+              <a:rPr lang="ko-KR" altLang="en-US" dirty="0"/>
+              <a:t> 협업은 처음이라 초반에 어렵고 헷갈렸었는데 이제 우리 팀은 잘 사용할 수 있을 것 같습니다</a:t>
+            </a:r>
+            <a:r>
+              <a:rPr lang="en-US" altLang="ko-KR" dirty="0"/>
+              <a:t>…..</a:t>
+            </a:r>
+            <a:r>
+              <a:rPr lang="ko-KR" altLang="en-US" dirty="0"/>
+              <a:t>제일 중요한 것은 뭘 하기 전에 무조건 </a:t>
+            </a:r>
+            <a:r>
+              <a:rPr lang="en-US" altLang="ko-KR" dirty="0"/>
+              <a:t>pull</a:t>
+            </a:r>
+            <a:r>
+              <a:rPr lang="ko-KR" altLang="en-US" dirty="0"/>
+              <a:t>을 </a:t>
+            </a:r>
+            <a:r>
+              <a:rPr lang="ko-KR" altLang="en-US" dirty="0" err="1"/>
+              <a:t>해야한다</a:t>
+            </a:r>
+            <a:r>
+              <a:rPr lang="en-US" altLang="ko-KR" dirty="0"/>
+              <a:t>….</a:t>
+            </a:r>
+            <a:r>
+              <a:rPr lang="ko-KR" altLang="en-US" dirty="0"/>
+              <a:t>라는 것을 </a:t>
+            </a:r>
+            <a:r>
+              <a:rPr lang="ko-KR" altLang="en-US" dirty="0" err="1"/>
+              <a:t>꺠달았습니다</a:t>
+            </a:r>
+            <a:r>
+              <a:rPr lang="en-US" altLang="ko-KR" dirty="0"/>
+              <a:t>….</a:t>
+            </a:r>
+          </a:p>
+          <a:p>
+            <a:r>
+              <a:rPr lang="ko-KR" altLang="en-US" dirty="0"/>
+              <a:t>기능을 그렇게 많이 넣지 않아서 조금 아쉽지만 그래도 할 수 있는 선에서 했다고 생각해서 우리 팀에게 감사하다고 생각합니다</a:t>
+            </a:r>
+            <a:r>
+              <a:rPr lang="en-US" altLang="ko-KR" dirty="0"/>
+              <a:t>…</a:t>
+            </a:r>
+            <a:endParaRPr lang="ko-KR" altLang="en-US" dirty="0"/>
+          </a:p>
+        </p:txBody>
+      </p:sp>
+      <p:sp>
+        <p:nvSpPr>
+          <p:cNvPr id="4" name="슬라이드 번호 개체 틀 3"/>
+          <p:cNvSpPr>
+            <a:spLocks noGrp="1"/>
+          </p:cNvSpPr>
+          <p:nvPr>
+            <p:ph type="sldNum" sz="quarter" idx="5"/>
+          </p:nvPr>
+        </p:nvSpPr>
+        <p:spPr/>
+        <p:txBody>
+          <a:bodyPr/>
+          <a:lstStyle/>
+          <a:p>
+            <a:fld id="{4A3304FD-D8D1-402E-8714-21D8CC9FE3BF}" type="slidenum">
+              <a:rPr lang="ko-KR" altLang="en-US" smtClean="0"/>
+              <a:t>29</a:t>
+            </a:fld>
+            <a:endParaRPr lang="ko-KR" altLang="en-US"/>
+          </a:p>
+        </p:txBody>
+      </p:sp>
+    </p:spTree>
+    <p:extLst>
+      <p:ext uri="{BB962C8B-B14F-4D97-AF65-F5344CB8AC3E}">
+        <p14:creationId xmlns:p14="http://schemas.microsoft.com/office/powerpoint/2010/main" val="4025399745"/>
+      </p:ext>
+    </p:extLst>
+  </p:cSld>
+  <p:clrMapOvr>
+    <a:masterClrMapping/>
+  </p:clrMapOvr>
+</p:notes>
+</file>
+
+<file path=ppt/notesSlides/notesSlide3.xml><?xml version="1.0" encoding="utf-8"?>
+<p:notes xmlns:a="http://schemas.openxmlformats.org/drawingml/2006/main" xmlns:r="http://schemas.openxmlformats.org/officeDocument/2006/relationships" xmlns:p="http://schemas.openxmlformats.org/presentationml/2006/main">
+  <p:cSld>
+    <p:spTree>
+      <p:nvGrpSpPr>
+        <p:cNvPr id="1" name=""/>
+        <p:cNvGrpSpPr/>
+        <p:nvPr/>
+      </p:nvGrpSpPr>
+      <p:grpSpPr>
+        <a:xfrm>
+          <a:off x="0" y="0"/>
+          <a:ext cx="0" cy="0"/>
+          <a:chOff x="0" y="0"/>
+          <a:chExt cx="0" cy="0"/>
+        </a:xfrm>
+      </p:grpSpPr>
+      <p:sp>
+        <p:nvSpPr>
+          <p:cNvPr id="2" name="슬라이드 이미지 개체 틀 1"/>
+          <p:cNvSpPr>
+            <a:spLocks noGrp="1" noRot="1" noChangeAspect="1"/>
+          </p:cNvSpPr>
+          <p:nvPr>
+            <p:ph type="sldImg"/>
+          </p:nvPr>
+        </p:nvSpPr>
+        <p:spPr/>
+      </p:sp>
+      <p:sp>
+        <p:nvSpPr>
+          <p:cNvPr id="3" name="슬라이드 노트 개체 틀 2"/>
+          <p:cNvSpPr>
+            <a:spLocks noGrp="1"/>
+          </p:cNvSpPr>
+          <p:nvPr>
+            <p:ph type="body" idx="1"/>
+          </p:nvPr>
+        </p:nvSpPr>
+        <p:spPr/>
+        <p:txBody>
+          <a:bodyPr/>
+          <a:lstStyle/>
+          <a:p>
+            <a:r>
+              <a:rPr lang="ko-KR" altLang="en-US" dirty="0"/>
+              <a:t>저희 발표는 먼저 프로젝트 </a:t>
+            </a:r>
+            <a:r>
+              <a:rPr lang="ko-KR" altLang="en-US" dirty="0" err="1"/>
+              <a:t>완성본</a:t>
+            </a:r>
+            <a:r>
+              <a:rPr lang="ko-KR" altLang="en-US" dirty="0"/>
+              <a:t> 시연을 하고 그 후 코드 리뷰하는 시간을 갖도록 하겠습니다</a:t>
+            </a:r>
+            <a:r>
+              <a:rPr lang="en-US" altLang="ko-KR" dirty="0"/>
+              <a:t>. </a:t>
+            </a:r>
+            <a:r>
+              <a:rPr lang="ko-KR" altLang="en-US" dirty="0"/>
+              <a:t>홈페이지 보여주기</a:t>
+            </a:r>
+            <a:r>
+              <a:rPr lang="en-US" altLang="ko-KR" dirty="0"/>
+              <a:t>~~~~~~~~~~</a:t>
+            </a:r>
+            <a:endParaRPr lang="ko-KR" altLang="en-US" dirty="0"/>
+          </a:p>
+        </p:txBody>
+      </p:sp>
+      <p:sp>
+        <p:nvSpPr>
+          <p:cNvPr id="4" name="슬라이드 번호 개체 틀 3"/>
+          <p:cNvSpPr>
+            <a:spLocks noGrp="1"/>
+          </p:cNvSpPr>
+          <p:nvPr>
+            <p:ph type="sldNum" sz="quarter" idx="5"/>
+          </p:nvPr>
+        </p:nvSpPr>
+        <p:spPr/>
+        <p:txBody>
+          <a:bodyPr/>
+          <a:lstStyle/>
+          <a:p>
+            <a:fld id="{4A3304FD-D8D1-402E-8714-21D8CC9FE3BF}" type="slidenum">
+              <a:rPr lang="ko-KR" altLang="en-US" smtClean="0"/>
+              <a:t>3</a:t>
+            </a:fld>
+            <a:endParaRPr lang="ko-KR" altLang="en-US"/>
+          </a:p>
+        </p:txBody>
+      </p:sp>
+    </p:spTree>
+    <p:extLst>
+      <p:ext uri="{BB962C8B-B14F-4D97-AF65-F5344CB8AC3E}">
+        <p14:creationId xmlns:p14="http://schemas.microsoft.com/office/powerpoint/2010/main" val="3059841509"/>
+      </p:ext>
+    </p:extLst>
+  </p:cSld>
+  <p:clrMapOvr>
+    <a:masterClrMapping/>
+  </p:clrMapOvr>
+</p:notes>
+</file>
+
+<file path=ppt/notesSlides/notesSlide30.xml><?xml version="1.0" encoding="utf-8"?>
+<p:notes xmlns:a="http://schemas.openxmlformats.org/drawingml/2006/main" xmlns:r="http://schemas.openxmlformats.org/officeDocument/2006/relationships" xmlns:p="http://schemas.openxmlformats.org/presentationml/2006/main">
+  <p:cSld>
+    <p:spTree>
+      <p:nvGrpSpPr>
+        <p:cNvPr id="1" name=""/>
+        <p:cNvGrpSpPr/>
+        <p:nvPr/>
+      </p:nvGrpSpPr>
+      <p:grpSpPr>
+        <a:xfrm>
+          <a:off x="0" y="0"/>
+          <a:ext cx="0" cy="0"/>
+          <a:chOff x="0" y="0"/>
+          <a:chExt cx="0" cy="0"/>
+        </a:xfrm>
+      </p:grpSpPr>
+      <p:sp>
+        <p:nvSpPr>
+          <p:cNvPr id="2" name="슬라이드 이미지 개체 틀 1"/>
+          <p:cNvSpPr>
+            <a:spLocks noGrp="1" noRot="1" noChangeAspect="1"/>
+          </p:cNvSpPr>
+          <p:nvPr>
+            <p:ph type="sldImg"/>
+          </p:nvPr>
+        </p:nvSpPr>
+        <p:spPr/>
+      </p:sp>
+      <p:sp>
+        <p:nvSpPr>
+          <p:cNvPr id="3" name="슬라이드 노트 개체 틀 2"/>
+          <p:cNvSpPr>
+            <a:spLocks noGrp="1"/>
+          </p:cNvSpPr>
+          <p:nvPr>
+            <p:ph type="body" idx="1"/>
+          </p:nvPr>
+        </p:nvSpPr>
+        <p:spPr/>
+        <p:txBody>
+          <a:bodyPr/>
+          <a:lstStyle/>
+          <a:p>
+            <a:r>
+              <a:rPr lang="ko-KR" altLang="en-US" dirty="0"/>
+              <a:t>저희 코드리뷰는 이렇게 마치고 혹시 질문사항이 있으시면 받겠습니다</a:t>
+            </a:r>
+            <a:r>
+              <a:rPr lang="en-US" altLang="ko-KR" dirty="0"/>
+              <a:t>….</a:t>
+            </a:r>
+            <a:r>
+              <a:rPr lang="ko-KR" altLang="en-US" dirty="0"/>
+              <a:t>없겠지</a:t>
+            </a:r>
+            <a:r>
+              <a:rPr lang="en-US" altLang="ko-KR" dirty="0"/>
+              <a:t>??</a:t>
+            </a:r>
+            <a:endParaRPr lang="ko-KR" altLang="en-US" dirty="0"/>
+          </a:p>
+        </p:txBody>
+      </p:sp>
+      <p:sp>
+        <p:nvSpPr>
+          <p:cNvPr id="4" name="슬라이드 번호 개체 틀 3"/>
+          <p:cNvSpPr>
+            <a:spLocks noGrp="1"/>
+          </p:cNvSpPr>
+          <p:nvPr>
+            <p:ph type="sldNum" sz="quarter" idx="5"/>
+          </p:nvPr>
+        </p:nvSpPr>
+        <p:spPr/>
+        <p:txBody>
+          <a:bodyPr/>
+          <a:lstStyle/>
+          <a:p>
+            <a:fld id="{4A3304FD-D8D1-402E-8714-21D8CC9FE3BF}" type="slidenum">
+              <a:rPr lang="ko-KR" altLang="en-US" smtClean="0"/>
+              <a:t>30</a:t>
+            </a:fld>
+            <a:endParaRPr lang="ko-KR" altLang="en-US"/>
+          </a:p>
+        </p:txBody>
+      </p:sp>
+    </p:spTree>
+    <p:extLst>
+      <p:ext uri="{BB962C8B-B14F-4D97-AF65-F5344CB8AC3E}">
+        <p14:creationId xmlns:p14="http://schemas.microsoft.com/office/powerpoint/2010/main" val="175983466"/>
+      </p:ext>
+    </p:extLst>
+  </p:cSld>
+  <p:clrMapOvr>
+    <a:masterClrMapping/>
+  </p:clrMapOvr>
+</p:notes>
+</file>
+
+<file path=ppt/notesSlides/notesSlide31.xml><?xml version="1.0" encoding="utf-8"?>
+<p:notes xmlns:a="http://schemas.openxmlformats.org/drawingml/2006/main" xmlns:r="http://schemas.openxmlformats.org/officeDocument/2006/relationships" xmlns:p="http://schemas.openxmlformats.org/presentationml/2006/main">
+  <p:cSld>
+    <p:spTree>
+      <p:nvGrpSpPr>
+        <p:cNvPr id="1" name=""/>
+        <p:cNvGrpSpPr/>
+        <p:nvPr/>
+      </p:nvGrpSpPr>
+      <p:grpSpPr>
+        <a:xfrm>
+          <a:off x="0" y="0"/>
+          <a:ext cx="0" cy="0"/>
+          <a:chOff x="0" y="0"/>
+          <a:chExt cx="0" cy="0"/>
+        </a:xfrm>
+      </p:grpSpPr>
+      <p:sp>
+        <p:nvSpPr>
+          <p:cNvPr id="2" name="슬라이드 이미지 개체 틀 1"/>
+          <p:cNvSpPr>
+            <a:spLocks noGrp="1" noRot="1" noChangeAspect="1"/>
+          </p:cNvSpPr>
+          <p:nvPr>
+            <p:ph type="sldImg"/>
+          </p:nvPr>
+        </p:nvSpPr>
+        <p:spPr/>
+      </p:sp>
+      <p:sp>
+        <p:nvSpPr>
+          <p:cNvPr id="3" name="슬라이드 노트 개체 틀 2"/>
+          <p:cNvSpPr>
+            <a:spLocks noGrp="1"/>
+          </p:cNvSpPr>
+          <p:nvPr>
+            <p:ph type="body" idx="1"/>
+          </p:nvPr>
+        </p:nvSpPr>
+        <p:spPr/>
+        <p:txBody>
+          <a:bodyPr/>
+          <a:lstStyle/>
+          <a:p>
+            <a:r>
+              <a:rPr lang="ko-KR" altLang="en-US" dirty="0" err="1"/>
+              <a:t>버튼팀</a:t>
+            </a:r>
+            <a:r>
+              <a:rPr lang="ko-KR" altLang="en-US" dirty="0"/>
+              <a:t> 발표는 </a:t>
+            </a:r>
+            <a:r>
+              <a:rPr lang="ko-KR" altLang="en-US" dirty="0" err="1"/>
+              <a:t>여기까지였구요</a:t>
+            </a:r>
+            <a:r>
+              <a:rPr lang="ko-KR" altLang="en-US" dirty="0"/>
+              <a:t> 저는 발표의 버튼 팀 팀장 임수진이었습니다 감사합니다</a:t>
+            </a:r>
+            <a:r>
+              <a:rPr lang="en-US" altLang="ko-KR" dirty="0"/>
+              <a:t>..</a:t>
+            </a:r>
+            <a:endParaRPr lang="ko-KR" altLang="en-US" dirty="0"/>
+          </a:p>
+        </p:txBody>
+      </p:sp>
+      <p:sp>
+        <p:nvSpPr>
+          <p:cNvPr id="4" name="슬라이드 번호 개체 틀 3"/>
+          <p:cNvSpPr>
+            <a:spLocks noGrp="1"/>
+          </p:cNvSpPr>
+          <p:nvPr>
+            <p:ph type="sldNum" sz="quarter" idx="5"/>
+          </p:nvPr>
+        </p:nvSpPr>
+        <p:spPr/>
+        <p:txBody>
+          <a:bodyPr/>
+          <a:lstStyle/>
+          <a:p>
+            <a:fld id="{4A3304FD-D8D1-402E-8714-21D8CC9FE3BF}" type="slidenum">
+              <a:rPr lang="ko-KR" altLang="en-US" smtClean="0"/>
+              <a:t>31</a:t>
+            </a:fld>
+            <a:endParaRPr lang="ko-KR" altLang="en-US"/>
+          </a:p>
+        </p:txBody>
+      </p:sp>
+    </p:spTree>
+    <p:extLst>
+      <p:ext uri="{BB962C8B-B14F-4D97-AF65-F5344CB8AC3E}">
+        <p14:creationId xmlns:p14="http://schemas.microsoft.com/office/powerpoint/2010/main" val="1948550848"/>
+      </p:ext>
+    </p:extLst>
+  </p:cSld>
+  <p:clrMapOvr>
+    <a:masterClrMapping/>
+  </p:clrMapOvr>
+</p:notes>
+</file>
+
+<file path=ppt/notesSlides/notesSlide4.xml><?xml version="1.0" encoding="utf-8"?>
+<p:notes xmlns:a="http://schemas.openxmlformats.org/drawingml/2006/main" xmlns:r="http://schemas.openxmlformats.org/officeDocument/2006/relationships" xmlns:p="http://schemas.openxmlformats.org/presentationml/2006/main">
+  <p:cSld>
+    <p:spTree>
+      <p:nvGrpSpPr>
+        <p:cNvPr id="1" name=""/>
+        <p:cNvGrpSpPr/>
+        <p:nvPr/>
+      </p:nvGrpSpPr>
+      <p:grpSpPr>
+        <a:xfrm>
+          <a:off x="0" y="0"/>
+          <a:ext cx="0" cy="0"/>
+          <a:chOff x="0" y="0"/>
+          <a:chExt cx="0" cy="0"/>
+        </a:xfrm>
+      </p:grpSpPr>
+      <p:sp>
+        <p:nvSpPr>
+          <p:cNvPr id="2" name="슬라이드 이미지 개체 틀 1"/>
+          <p:cNvSpPr>
+            <a:spLocks noGrp="1" noRot="1" noChangeAspect="1"/>
+          </p:cNvSpPr>
+          <p:nvPr>
+            <p:ph type="sldImg"/>
+          </p:nvPr>
+        </p:nvSpPr>
+        <p:spPr/>
+      </p:sp>
+      <p:sp>
+        <p:nvSpPr>
+          <p:cNvPr id="3" name="슬라이드 노트 개체 틀 2"/>
+          <p:cNvSpPr>
+            <a:spLocks noGrp="1"/>
+          </p:cNvSpPr>
+          <p:nvPr>
+            <p:ph type="body" idx="1"/>
+          </p:nvPr>
+        </p:nvSpPr>
+        <p:spPr/>
+        <p:txBody>
+          <a:bodyPr/>
+          <a:lstStyle/>
+          <a:p>
+            <a:r>
+              <a:rPr lang="ko-KR" altLang="en-US" dirty="0"/>
+              <a:t>저희가 이번 프로젝트에서 사용한 </a:t>
+            </a:r>
+            <a:r>
+              <a:rPr lang="ko-KR" altLang="en-US" dirty="0" err="1"/>
+              <a:t>툴으로는</a:t>
+            </a:r>
+            <a:r>
+              <a:rPr lang="ko-KR" altLang="en-US" dirty="0"/>
+              <a:t> </a:t>
+            </a:r>
+            <a:r>
+              <a:rPr lang="en-US" altLang="ko-KR" dirty="0"/>
+              <a:t>ide</a:t>
+            </a:r>
+            <a:r>
+              <a:rPr lang="ko-KR" altLang="en-US" dirty="0"/>
+              <a:t>에 이클립스를 사용했고</a:t>
+            </a:r>
+            <a:r>
+              <a:rPr lang="en-US" altLang="ko-KR" dirty="0"/>
+              <a:t>, </a:t>
+            </a:r>
+            <a:r>
+              <a:rPr lang="ko-KR" altLang="en-US" dirty="0"/>
+              <a:t>사용 언어로는 </a:t>
+            </a:r>
+            <a:r>
+              <a:rPr lang="en-US" altLang="ko-KR" dirty="0" err="1"/>
+              <a:t>html,css</a:t>
+            </a:r>
+            <a:r>
+              <a:rPr lang="en-US" altLang="ko-KR" dirty="0"/>
+              <a:t>,</a:t>
+            </a:r>
+            <a:r>
+              <a:rPr lang="ko-KR" altLang="en-US" dirty="0"/>
+              <a:t>자바스크립트</a:t>
+            </a:r>
+            <a:r>
+              <a:rPr lang="en-US" altLang="ko-KR" dirty="0"/>
+              <a:t>,</a:t>
+            </a:r>
+            <a:r>
+              <a:rPr lang="ko-KR" altLang="en-US" dirty="0"/>
+              <a:t>자바를 썼습니다</a:t>
+            </a:r>
+            <a:r>
+              <a:rPr lang="en-US" altLang="ko-KR" dirty="0"/>
+              <a:t>. </a:t>
+            </a:r>
+            <a:r>
+              <a:rPr lang="ko-KR" altLang="en-US" dirty="0"/>
+              <a:t>또한 데이터베이스는 오라클을 사용했습니다</a:t>
+            </a:r>
+            <a:r>
+              <a:rPr lang="en-US" altLang="ko-KR" dirty="0"/>
+              <a:t>. </a:t>
+            </a:r>
+            <a:r>
+              <a:rPr lang="ko-KR" altLang="en-US" dirty="0"/>
+              <a:t>그리고 버전관리 도구에 </a:t>
+            </a:r>
+            <a:r>
+              <a:rPr lang="en-US" altLang="ko-KR" dirty="0"/>
+              <a:t>git</a:t>
+            </a:r>
+            <a:r>
+              <a:rPr lang="ko-KR" altLang="en-US" dirty="0"/>
+              <a:t>을 사용해서 </a:t>
+            </a:r>
+            <a:r>
+              <a:rPr lang="en-US" altLang="ko-KR" dirty="0" err="1"/>
+              <a:t>github</a:t>
+            </a:r>
+            <a:r>
+              <a:rPr lang="ko-KR" altLang="en-US" dirty="0"/>
+              <a:t>로 협업을 했습니다</a:t>
+            </a:r>
+            <a:r>
+              <a:rPr lang="en-US" altLang="ko-KR" dirty="0"/>
+              <a:t>.</a:t>
+            </a:r>
+          </a:p>
+          <a:p>
+            <a:r>
+              <a:rPr lang="ko-KR" altLang="en-US" dirty="0"/>
+              <a:t>처음에는 </a:t>
+            </a:r>
+            <a:r>
+              <a:rPr lang="en-US" altLang="ko-KR" dirty="0" err="1"/>
+              <a:t>vscode</a:t>
+            </a:r>
+            <a:r>
+              <a:rPr lang="ko-KR" altLang="en-US" dirty="0"/>
+              <a:t>를 사용하려고 했는데 </a:t>
+            </a:r>
+            <a:r>
+              <a:rPr lang="en-US" altLang="ko-KR" dirty="0" err="1"/>
+              <a:t>jdk</a:t>
+            </a:r>
+            <a:r>
+              <a:rPr lang="ko-KR" altLang="en-US" dirty="0"/>
+              <a:t>버전을 </a:t>
+            </a:r>
+            <a:r>
+              <a:rPr lang="ko-KR" altLang="en-US" dirty="0" err="1"/>
+              <a:t>높여야하고</a:t>
+            </a:r>
+            <a:r>
+              <a:rPr lang="en-US" altLang="ko-KR" dirty="0"/>
+              <a:t>,</a:t>
+            </a:r>
+            <a:r>
+              <a:rPr lang="ko-KR" altLang="en-US" dirty="0"/>
+              <a:t> 확장프로그램을 </a:t>
+            </a:r>
+            <a:r>
+              <a:rPr lang="ko-KR" altLang="en-US" dirty="0" err="1"/>
+              <a:t>깔아야해서</a:t>
+            </a:r>
+            <a:r>
+              <a:rPr lang="ko-KR" altLang="en-US" dirty="0"/>
+              <a:t> 어떤 일이 발생할 지 몰라 그냥 이클립스를 사용하는 방향으로 정해졌습니다</a:t>
+            </a:r>
+            <a:r>
+              <a:rPr lang="en-US" altLang="ko-KR" dirty="0"/>
+              <a:t>.</a:t>
+            </a:r>
+            <a:endParaRPr lang="ko-KR" altLang="en-US" dirty="0"/>
+          </a:p>
+        </p:txBody>
+      </p:sp>
+      <p:sp>
+        <p:nvSpPr>
+          <p:cNvPr id="4" name="슬라이드 번호 개체 틀 3"/>
+          <p:cNvSpPr>
+            <a:spLocks noGrp="1"/>
+          </p:cNvSpPr>
+          <p:nvPr>
+            <p:ph type="sldNum" sz="quarter" idx="5"/>
+          </p:nvPr>
+        </p:nvSpPr>
+        <p:spPr/>
+        <p:txBody>
+          <a:bodyPr/>
+          <a:lstStyle/>
+          <a:p>
+            <a:fld id="{4A3304FD-D8D1-402E-8714-21D8CC9FE3BF}" type="slidenum">
+              <a:rPr lang="ko-KR" altLang="en-US" smtClean="0"/>
+              <a:t>4</a:t>
+            </a:fld>
+            <a:endParaRPr lang="ko-KR" altLang="en-US"/>
+          </a:p>
+        </p:txBody>
+      </p:sp>
+    </p:spTree>
+    <p:extLst>
+      <p:ext uri="{BB962C8B-B14F-4D97-AF65-F5344CB8AC3E}">
+        <p14:creationId xmlns:p14="http://schemas.microsoft.com/office/powerpoint/2010/main" val="781436847"/>
+      </p:ext>
+    </p:extLst>
+  </p:cSld>
+  <p:clrMapOvr>
+    <a:masterClrMapping/>
+  </p:clrMapOvr>
+</p:notes>
+</file>
+
+<file path=ppt/notesSlides/notesSlide5.xml><?xml version="1.0" encoding="utf-8"?>
+<p:notes xmlns:a="http://schemas.openxmlformats.org/drawingml/2006/main" xmlns:r="http://schemas.openxmlformats.org/officeDocument/2006/relationships" xmlns:p="http://schemas.openxmlformats.org/presentationml/2006/main">
+  <p:cSld>
+    <p:spTree>
+      <p:nvGrpSpPr>
+        <p:cNvPr id="1" name=""/>
+        <p:cNvGrpSpPr/>
+        <p:nvPr/>
+      </p:nvGrpSpPr>
+      <p:grpSpPr>
+        <a:xfrm>
+          <a:off x="0" y="0"/>
+          <a:ext cx="0" cy="0"/>
+          <a:chOff x="0" y="0"/>
+          <a:chExt cx="0" cy="0"/>
+        </a:xfrm>
+      </p:grpSpPr>
+      <p:sp>
+        <p:nvSpPr>
+          <p:cNvPr id="2" name="슬라이드 이미지 개체 틀 1"/>
+          <p:cNvSpPr>
+            <a:spLocks noGrp="1" noRot="1" noChangeAspect="1"/>
+          </p:cNvSpPr>
+          <p:nvPr>
+            <p:ph type="sldImg"/>
+          </p:nvPr>
+        </p:nvSpPr>
+        <p:spPr/>
+      </p:sp>
+      <p:sp>
+        <p:nvSpPr>
+          <p:cNvPr id="3" name="슬라이드 노트 개체 틀 2"/>
+          <p:cNvSpPr>
+            <a:spLocks noGrp="1"/>
+          </p:cNvSpPr>
+          <p:nvPr>
+            <p:ph type="body" idx="1"/>
+          </p:nvPr>
+        </p:nvSpPr>
+        <p:spPr/>
+        <p:txBody>
+          <a:bodyPr/>
+          <a:lstStyle/>
+          <a:p>
+            <a:r>
+              <a:rPr lang="ko-KR" altLang="en-US" dirty="0"/>
+              <a:t>이번 프로젝트는 </a:t>
+            </a:r>
+            <a:r>
+              <a:rPr lang="en-US" altLang="ko-KR" dirty="0" err="1"/>
+              <a:t>db</a:t>
+            </a:r>
+            <a:r>
+              <a:rPr lang="ko-KR" altLang="en-US" dirty="0"/>
+              <a:t>를 사용하기 때문에 홈페이지에서 사용자 입력을 받아 </a:t>
+            </a:r>
+            <a:r>
+              <a:rPr lang="en-US" altLang="ko-KR" dirty="0" err="1"/>
+              <a:t>db</a:t>
+            </a:r>
+            <a:r>
+              <a:rPr lang="ko-KR" altLang="en-US" dirty="0"/>
+              <a:t>의 데이터를 출력하도록 했습니다</a:t>
+            </a:r>
+            <a:r>
+              <a:rPr lang="en-US" altLang="ko-KR" dirty="0"/>
+              <a:t>. </a:t>
+            </a:r>
+            <a:r>
+              <a:rPr lang="ko-KR" altLang="en-US" dirty="0"/>
+              <a:t>그래서 </a:t>
+            </a:r>
+            <a:r>
+              <a:rPr lang="en-US" altLang="ko-KR" dirty="0"/>
+              <a:t>html</a:t>
+            </a:r>
+            <a:r>
+              <a:rPr lang="ko-KR" altLang="en-US" dirty="0"/>
+              <a:t>에서 </a:t>
+            </a:r>
+            <a:r>
+              <a:rPr lang="en-US" altLang="ko-KR" dirty="0"/>
+              <a:t>form</a:t>
+            </a:r>
+            <a:r>
+              <a:rPr lang="ko-KR" altLang="en-US" dirty="0"/>
+              <a:t>태그를 사용해서 사용자 입력을 받았습니다</a:t>
+            </a:r>
+            <a:r>
+              <a:rPr lang="en-US" altLang="ko-KR" dirty="0"/>
+              <a:t>.</a:t>
+            </a:r>
+            <a:endParaRPr lang="ko-KR" altLang="en-US" dirty="0"/>
+          </a:p>
+        </p:txBody>
+      </p:sp>
+      <p:sp>
+        <p:nvSpPr>
+          <p:cNvPr id="4" name="슬라이드 번호 개체 틀 3"/>
+          <p:cNvSpPr>
+            <a:spLocks noGrp="1"/>
+          </p:cNvSpPr>
+          <p:nvPr>
+            <p:ph type="sldNum" sz="quarter" idx="5"/>
+          </p:nvPr>
+        </p:nvSpPr>
+        <p:spPr/>
+        <p:txBody>
+          <a:bodyPr/>
+          <a:lstStyle/>
+          <a:p>
+            <a:fld id="{4A3304FD-D8D1-402E-8714-21D8CC9FE3BF}" type="slidenum">
+              <a:rPr lang="ko-KR" altLang="en-US" smtClean="0"/>
+              <a:t>5</a:t>
+            </a:fld>
+            <a:endParaRPr lang="ko-KR" altLang="en-US"/>
+          </a:p>
+        </p:txBody>
+      </p:sp>
+    </p:spTree>
+    <p:extLst>
+      <p:ext uri="{BB962C8B-B14F-4D97-AF65-F5344CB8AC3E}">
+        <p14:creationId xmlns:p14="http://schemas.microsoft.com/office/powerpoint/2010/main" val="1697794278"/>
+      </p:ext>
+    </p:extLst>
+  </p:cSld>
+  <p:clrMapOvr>
+    <a:masterClrMapping/>
+  </p:clrMapOvr>
+</p:notes>
+</file>
+
+<file path=ppt/notesSlides/notesSlide6.xml><?xml version="1.0" encoding="utf-8"?>
+<p:notes xmlns:a="http://schemas.openxmlformats.org/drawingml/2006/main" xmlns:r="http://schemas.openxmlformats.org/officeDocument/2006/relationships" xmlns:p="http://schemas.openxmlformats.org/presentationml/2006/main">
+  <p:cSld>
+    <p:spTree>
+      <p:nvGrpSpPr>
+        <p:cNvPr id="1" name=""/>
+        <p:cNvGrpSpPr/>
+        <p:nvPr/>
+      </p:nvGrpSpPr>
+      <p:grpSpPr>
+        <a:xfrm>
+          <a:off x="0" y="0"/>
+          <a:ext cx="0" cy="0"/>
+          <a:chOff x="0" y="0"/>
+          <a:chExt cx="0" cy="0"/>
+        </a:xfrm>
+      </p:grpSpPr>
+      <p:sp>
+        <p:nvSpPr>
+          <p:cNvPr id="2" name="슬라이드 이미지 개체 틀 1"/>
+          <p:cNvSpPr>
+            <a:spLocks noGrp="1" noRot="1" noChangeAspect="1"/>
+          </p:cNvSpPr>
+          <p:nvPr>
+            <p:ph type="sldImg"/>
+          </p:nvPr>
+        </p:nvSpPr>
+        <p:spPr/>
+      </p:sp>
+      <p:sp>
+        <p:nvSpPr>
+          <p:cNvPr id="3" name="슬라이드 노트 개체 틀 2"/>
+          <p:cNvSpPr>
+            <a:spLocks noGrp="1"/>
+          </p:cNvSpPr>
+          <p:nvPr>
+            <p:ph type="body" idx="1"/>
+          </p:nvPr>
+        </p:nvSpPr>
+        <p:spPr/>
+        <p:txBody>
+          <a:bodyPr/>
+          <a:lstStyle/>
+          <a:p>
+            <a:r>
+              <a:rPr lang="ko-KR" altLang="en-US" dirty="0"/>
+              <a:t>폼 태그는 사용자 입력을 받는데 사용하고</a:t>
+            </a:r>
+            <a:r>
+              <a:rPr lang="en-US" altLang="ko-KR" dirty="0"/>
+              <a:t>, </a:t>
+            </a:r>
+            <a:r>
+              <a:rPr lang="ko-KR" altLang="en-US" dirty="0"/>
+              <a:t>폼 태그의 메서드 속성으로 </a:t>
+            </a:r>
+            <a:r>
+              <a:rPr lang="en-US" altLang="ko-KR" dirty="0"/>
+              <a:t>get</a:t>
+            </a:r>
+            <a:r>
+              <a:rPr lang="ko-KR" altLang="en-US" dirty="0"/>
+              <a:t>과 </a:t>
+            </a:r>
+            <a:r>
+              <a:rPr lang="en-US" altLang="ko-KR" dirty="0"/>
+              <a:t>post </a:t>
+            </a:r>
+            <a:r>
+              <a:rPr lang="ko-KR" altLang="en-US" dirty="0" err="1"/>
+              <a:t>방식중에</a:t>
+            </a:r>
+            <a:r>
+              <a:rPr lang="ko-KR" altLang="en-US" dirty="0"/>
+              <a:t> 각 페이지마다 더 유용한 방식을 사용했습니다</a:t>
+            </a:r>
+            <a:r>
+              <a:rPr lang="en-US" altLang="ko-KR" dirty="0"/>
+              <a:t>. Get </a:t>
+            </a:r>
+            <a:r>
+              <a:rPr lang="ko-KR" altLang="en-US" dirty="0"/>
+              <a:t>방식은 주로 데이터를 가져오기 위해 사용하는 것으로 빠르고 간단하며 </a:t>
+            </a:r>
+            <a:r>
+              <a:rPr lang="ko-KR" altLang="en-US" dirty="0" err="1"/>
+              <a:t>캐싱이</a:t>
+            </a:r>
+            <a:r>
+              <a:rPr lang="ko-KR" altLang="en-US" dirty="0"/>
+              <a:t> 가능하지만 </a:t>
+            </a:r>
+            <a:endParaRPr lang="en-US" altLang="ko-KR" dirty="0"/>
+          </a:p>
+          <a:p>
+            <a:r>
+              <a:rPr lang="ko-KR" altLang="en-US" dirty="0"/>
+              <a:t>보안에 취약하고 전송되는 데이터 제한이 있습니다</a:t>
+            </a:r>
+            <a:r>
+              <a:rPr lang="en-US" altLang="ko-KR" dirty="0"/>
+              <a:t>. Html </a:t>
+            </a:r>
+            <a:r>
+              <a:rPr lang="ko-KR" altLang="en-US" dirty="0"/>
+              <a:t>수업에서 배웠듯이 </a:t>
+            </a:r>
+            <a:r>
+              <a:rPr lang="en-US" altLang="ko-KR" dirty="0"/>
+              <a:t>get </a:t>
+            </a:r>
+            <a:r>
+              <a:rPr lang="ko-KR" altLang="en-US" dirty="0"/>
+              <a:t>방식을 사용하면 검색시에 홈페이지 주소 뒤에 검색어가 나오게 됩니다</a:t>
+            </a:r>
+            <a:r>
+              <a:rPr lang="en-US" altLang="ko-KR" dirty="0"/>
+              <a:t>. </a:t>
+            </a:r>
+            <a:r>
+              <a:rPr lang="ko-KR" altLang="en-US" dirty="0"/>
+              <a:t>각 브라우저마다 다르지만 홈페이지 주소가 </a:t>
+            </a:r>
+            <a:r>
+              <a:rPr lang="en-US" altLang="ko-KR" dirty="0"/>
+              <a:t>2</a:t>
+            </a:r>
+            <a:r>
+              <a:rPr lang="ko-KR" altLang="en-US" dirty="0"/>
+              <a:t>천자 정도 제한이 있다고 합니다</a:t>
+            </a:r>
+            <a:r>
+              <a:rPr lang="en-US" altLang="ko-KR" dirty="0"/>
+              <a:t>. </a:t>
+            </a:r>
+            <a:r>
+              <a:rPr lang="ko-KR" altLang="en-US" dirty="0"/>
+              <a:t>그래서 </a:t>
+            </a:r>
+            <a:r>
+              <a:rPr lang="ko-KR" altLang="en-US" dirty="0" err="1"/>
+              <a:t>겟</a:t>
+            </a:r>
+            <a:r>
+              <a:rPr lang="ko-KR" altLang="en-US" dirty="0"/>
+              <a:t> 방식에 데이터 제한이 있다고 하는 것 같고요</a:t>
+            </a:r>
+            <a:r>
+              <a:rPr lang="en-US" altLang="ko-KR" dirty="0"/>
+              <a:t>  </a:t>
+            </a:r>
+            <a:r>
+              <a:rPr lang="ko-KR" altLang="en-US" dirty="0"/>
+              <a:t>또 포스트 방식은 주로 데이터를 전송하는데 사용되며 검색어가 홈페이지 주소에 나타나지 않습니다</a:t>
+            </a:r>
+            <a:r>
+              <a:rPr lang="en-US" altLang="ko-KR" dirty="0"/>
+              <a:t>. </a:t>
+            </a:r>
+            <a:r>
+              <a:rPr lang="ko-KR" altLang="en-US" dirty="0"/>
+              <a:t>그래서 보안상 안전하며 전송하는 데이터 크기의 제한이 없습니다</a:t>
+            </a:r>
+            <a:r>
+              <a:rPr lang="en-US" altLang="ko-KR" dirty="0"/>
+              <a:t>. </a:t>
+            </a:r>
+            <a:r>
+              <a:rPr lang="ko-KR" altLang="en-US" dirty="0"/>
+              <a:t>저희는 로그인 회원가입 창에는 </a:t>
+            </a:r>
+            <a:r>
+              <a:rPr lang="en-US" altLang="ko-KR" dirty="0"/>
+              <a:t>post</a:t>
+            </a:r>
+            <a:r>
+              <a:rPr lang="ko-KR" altLang="en-US" dirty="0"/>
+              <a:t>방식을 썼고</a:t>
+            </a:r>
+            <a:r>
+              <a:rPr lang="en-US" altLang="ko-KR" dirty="0"/>
+              <a:t>, </a:t>
+            </a:r>
+            <a:r>
+              <a:rPr lang="ko-KR" altLang="en-US" dirty="0"/>
+              <a:t>검색창에는 </a:t>
+            </a:r>
+            <a:r>
+              <a:rPr lang="en-US" altLang="ko-KR" dirty="0"/>
+              <a:t>get</a:t>
+            </a:r>
+            <a:r>
+              <a:rPr lang="ko-KR" altLang="en-US" dirty="0"/>
+              <a:t>방식을 사용했습니다</a:t>
+            </a:r>
+            <a:r>
+              <a:rPr lang="en-US" altLang="ko-KR" dirty="0"/>
+              <a:t>.</a:t>
+            </a:r>
+            <a:endParaRPr lang="ko-KR" altLang="en-US" dirty="0"/>
+          </a:p>
+        </p:txBody>
+      </p:sp>
+      <p:sp>
+        <p:nvSpPr>
+          <p:cNvPr id="4" name="슬라이드 번호 개체 틀 3"/>
+          <p:cNvSpPr>
+            <a:spLocks noGrp="1"/>
+          </p:cNvSpPr>
+          <p:nvPr>
+            <p:ph type="sldNum" sz="quarter" idx="5"/>
+          </p:nvPr>
+        </p:nvSpPr>
+        <p:spPr/>
+        <p:txBody>
+          <a:bodyPr/>
+          <a:lstStyle/>
+          <a:p>
+            <a:fld id="{4A3304FD-D8D1-402E-8714-21D8CC9FE3BF}" type="slidenum">
+              <a:rPr lang="ko-KR" altLang="en-US" smtClean="0"/>
+              <a:t>6</a:t>
+            </a:fld>
+            <a:endParaRPr lang="ko-KR" altLang="en-US"/>
+          </a:p>
+        </p:txBody>
+      </p:sp>
+    </p:spTree>
+    <p:extLst>
+      <p:ext uri="{BB962C8B-B14F-4D97-AF65-F5344CB8AC3E}">
+        <p14:creationId xmlns:p14="http://schemas.microsoft.com/office/powerpoint/2010/main" val="1609703150"/>
+      </p:ext>
+    </p:extLst>
+  </p:cSld>
+  <p:clrMapOvr>
+    <a:masterClrMapping/>
+  </p:clrMapOvr>
+</p:notes>
+</file>
+
+<file path=ppt/notesSlides/notesSlide7.xml><?xml version="1.0" encoding="utf-8"?>
+<p:notes xmlns:a="http://schemas.openxmlformats.org/drawingml/2006/main" xmlns:r="http://schemas.openxmlformats.org/officeDocument/2006/relationships" xmlns:p="http://schemas.openxmlformats.org/presentationml/2006/main">
+  <p:cSld>
+    <p:spTree>
+      <p:nvGrpSpPr>
+        <p:cNvPr id="1" name=""/>
+        <p:cNvGrpSpPr/>
+        <p:nvPr/>
+      </p:nvGrpSpPr>
+      <p:grpSpPr>
+        <a:xfrm>
+          <a:off x="0" y="0"/>
+          <a:ext cx="0" cy="0"/>
+          <a:chOff x="0" y="0"/>
+          <a:chExt cx="0" cy="0"/>
+        </a:xfrm>
+      </p:grpSpPr>
+      <p:sp>
+        <p:nvSpPr>
+          <p:cNvPr id="2" name="슬라이드 이미지 개체 틀 1"/>
+          <p:cNvSpPr>
+            <a:spLocks noGrp="1" noRot="1" noChangeAspect="1"/>
+          </p:cNvSpPr>
+          <p:nvPr>
+            <p:ph type="sldImg"/>
+          </p:nvPr>
+        </p:nvSpPr>
+        <p:spPr/>
+      </p:sp>
+      <p:sp>
+        <p:nvSpPr>
+          <p:cNvPr id="3" name="슬라이드 노트 개체 틀 2"/>
+          <p:cNvSpPr>
+            <a:spLocks noGrp="1"/>
+          </p:cNvSpPr>
+          <p:nvPr>
+            <p:ph type="body" idx="1"/>
+          </p:nvPr>
+        </p:nvSpPr>
+        <p:spPr/>
+        <p:txBody>
+          <a:bodyPr/>
+          <a:lstStyle/>
+          <a:p>
+            <a:r>
+              <a:rPr lang="en-US" altLang="ko-KR" dirty="0"/>
+              <a:t>Get </a:t>
+            </a:r>
+            <a:r>
+              <a:rPr lang="ko-KR" altLang="en-US" dirty="0"/>
+              <a:t>방식에서 나온 캐시라는 개념은 쉽게 말해 임시 저장소를 뜻합니다</a:t>
+            </a:r>
+            <a:r>
+              <a:rPr lang="en-US" altLang="ko-KR" dirty="0"/>
+              <a:t>. </a:t>
+            </a:r>
+            <a:r>
+              <a:rPr lang="ko-KR" altLang="en-US" dirty="0"/>
+              <a:t>다시 사용될 가능성이 높은 데이터를 저장해 빠르게 불러올 수 있어서 성능 향상이 가능합니다</a:t>
+            </a:r>
+            <a:r>
+              <a:rPr lang="en-US" altLang="ko-KR" dirty="0"/>
+              <a:t>.</a:t>
+            </a:r>
+          </a:p>
+          <a:p>
+            <a:r>
+              <a:rPr lang="ko-KR" altLang="en-US" dirty="0"/>
+              <a:t>포스트 방식은 같은 요청이 반복되어도 항상 새로운 데이터를 받아야 하기 때문에 캐시를 사용할 수 없습니다</a:t>
+            </a:r>
+            <a:r>
+              <a:rPr lang="en-US" altLang="ko-KR" dirty="0"/>
+              <a:t>.</a:t>
+            </a:r>
+            <a:endParaRPr lang="ko-KR" altLang="en-US" dirty="0"/>
+          </a:p>
+        </p:txBody>
+      </p:sp>
+      <p:sp>
+        <p:nvSpPr>
+          <p:cNvPr id="4" name="슬라이드 번호 개체 틀 3"/>
+          <p:cNvSpPr>
+            <a:spLocks noGrp="1"/>
+          </p:cNvSpPr>
+          <p:nvPr>
+            <p:ph type="sldNum" sz="quarter" idx="5"/>
+          </p:nvPr>
+        </p:nvSpPr>
+        <p:spPr/>
+        <p:txBody>
+          <a:bodyPr/>
+          <a:lstStyle/>
+          <a:p>
+            <a:fld id="{4A3304FD-D8D1-402E-8714-21D8CC9FE3BF}" type="slidenum">
+              <a:rPr lang="ko-KR" altLang="en-US" smtClean="0"/>
+              <a:t>7</a:t>
+            </a:fld>
+            <a:endParaRPr lang="ko-KR" altLang="en-US"/>
+          </a:p>
+        </p:txBody>
+      </p:sp>
+    </p:spTree>
+    <p:extLst>
+      <p:ext uri="{BB962C8B-B14F-4D97-AF65-F5344CB8AC3E}">
+        <p14:creationId xmlns:p14="http://schemas.microsoft.com/office/powerpoint/2010/main" val="1328733739"/>
+      </p:ext>
+    </p:extLst>
+  </p:cSld>
+  <p:clrMapOvr>
+    <a:masterClrMapping/>
+  </p:clrMapOvr>
+</p:notes>
+</file>
+
+<file path=ppt/notesSlides/notesSlide8.xml><?xml version="1.0" encoding="utf-8"?>
+<p:notes xmlns:a="http://schemas.openxmlformats.org/drawingml/2006/main" xmlns:r="http://schemas.openxmlformats.org/officeDocument/2006/relationships" xmlns:p="http://schemas.openxmlformats.org/presentationml/2006/main">
+  <p:cSld>
+    <p:spTree>
+      <p:nvGrpSpPr>
+        <p:cNvPr id="1" name=""/>
+        <p:cNvGrpSpPr/>
+        <p:nvPr/>
+      </p:nvGrpSpPr>
+      <p:grpSpPr>
+        <a:xfrm>
+          <a:off x="0" y="0"/>
+          <a:ext cx="0" cy="0"/>
+          <a:chOff x="0" y="0"/>
+          <a:chExt cx="0" cy="0"/>
+        </a:xfrm>
+      </p:grpSpPr>
+      <p:sp>
+        <p:nvSpPr>
+          <p:cNvPr id="2" name="슬라이드 이미지 개체 틀 1"/>
+          <p:cNvSpPr>
+            <a:spLocks noGrp="1" noRot="1" noChangeAspect="1"/>
+          </p:cNvSpPr>
+          <p:nvPr>
+            <p:ph type="sldImg"/>
+          </p:nvPr>
+        </p:nvSpPr>
+        <p:spPr/>
+      </p:sp>
+      <p:sp>
+        <p:nvSpPr>
+          <p:cNvPr id="3" name="슬라이드 노트 개체 틀 2"/>
+          <p:cNvSpPr>
+            <a:spLocks noGrp="1"/>
+          </p:cNvSpPr>
+          <p:nvPr>
+            <p:ph type="body" idx="1"/>
+          </p:nvPr>
+        </p:nvSpPr>
+        <p:spPr/>
+        <p:txBody>
+          <a:bodyPr/>
+          <a:lstStyle/>
+          <a:p>
+            <a:r>
+              <a:rPr lang="ko-KR" altLang="en-US" dirty="0"/>
+              <a:t>폼 태그의 다른 속성 </a:t>
+            </a:r>
+            <a:r>
+              <a:rPr lang="en-US" altLang="ko-KR" dirty="0"/>
+              <a:t>action</a:t>
+            </a:r>
+            <a:r>
+              <a:rPr lang="ko-KR" altLang="en-US" dirty="0"/>
+              <a:t>은 폼에서 </a:t>
+            </a:r>
+            <a:r>
+              <a:rPr lang="ko-KR" altLang="en-US" dirty="0" err="1"/>
+              <a:t>입력받은</a:t>
+            </a:r>
+            <a:r>
+              <a:rPr lang="ko-KR" altLang="en-US" dirty="0"/>
+              <a:t> 데이터를 어디로 보낼지 정하는 속성으로</a:t>
+            </a:r>
+            <a:r>
+              <a:rPr lang="en-US" altLang="ko-KR" dirty="0"/>
+              <a:t>, </a:t>
+            </a:r>
+            <a:r>
+              <a:rPr lang="ko-KR" altLang="en-US" dirty="0"/>
+              <a:t>예를 들어서 로그인 페이지에서 아이디와 패스워드를 </a:t>
+            </a:r>
+            <a:r>
+              <a:rPr lang="ko-KR" altLang="en-US" dirty="0" err="1"/>
+              <a:t>입력받은</a:t>
+            </a:r>
+            <a:r>
+              <a:rPr lang="ko-KR" altLang="en-US" dirty="0"/>
+              <a:t> 후에 어떻게 그 정보들을 사용하는지에 대해 적힌 코드로 이동을 시키는 것입니다</a:t>
+            </a:r>
+            <a:r>
+              <a:rPr lang="en-US" altLang="ko-KR" dirty="0"/>
+              <a:t>.</a:t>
+            </a:r>
+          </a:p>
+          <a:p>
+            <a:r>
+              <a:rPr lang="ko-KR" altLang="en-US" dirty="0"/>
+              <a:t>코드를 보면 </a:t>
+            </a:r>
+            <a:r>
+              <a:rPr lang="en-US" altLang="ko-KR" dirty="0"/>
+              <a:t>input</a:t>
+            </a:r>
+            <a:r>
+              <a:rPr lang="ko-KR" altLang="en-US" dirty="0"/>
+              <a:t>태그에 아이디는 </a:t>
+            </a:r>
+            <a:r>
+              <a:rPr lang="en-US" altLang="ko-KR" dirty="0" err="1"/>
+              <a:t>custid</a:t>
+            </a:r>
+            <a:r>
+              <a:rPr lang="ko-KR" altLang="en-US" dirty="0"/>
+              <a:t>로</a:t>
+            </a:r>
+            <a:r>
+              <a:rPr lang="en-US" altLang="ko-KR" dirty="0"/>
+              <a:t>, </a:t>
+            </a:r>
+            <a:r>
+              <a:rPr lang="ko-KR" altLang="en-US" dirty="0"/>
+              <a:t>비밀번호는 </a:t>
+            </a:r>
+            <a:r>
+              <a:rPr lang="en-US" altLang="ko-KR" dirty="0" err="1"/>
+              <a:t>custpw</a:t>
+            </a:r>
+            <a:r>
+              <a:rPr lang="ko-KR" altLang="en-US" dirty="0"/>
+              <a:t>로 </a:t>
+            </a:r>
+            <a:r>
+              <a:rPr lang="en-US" altLang="ko-KR" dirty="0"/>
+              <a:t>name </a:t>
+            </a:r>
+            <a:r>
+              <a:rPr lang="ko-KR" altLang="en-US" dirty="0"/>
+              <a:t>속성을 주고 이렇게 전달받은 데이터는 폼 태그의 액션으로 연결된 </a:t>
+            </a:r>
+            <a:r>
+              <a:rPr lang="ko-KR" altLang="en-US" dirty="0" err="1"/>
+              <a:t>로그인체크페이지로</a:t>
+            </a:r>
+            <a:r>
+              <a:rPr lang="ko-KR" altLang="en-US" dirty="0"/>
+              <a:t> 이동이 됩니다</a:t>
+            </a:r>
+            <a:r>
+              <a:rPr lang="en-US" altLang="ko-KR" dirty="0"/>
+              <a:t>. </a:t>
+            </a:r>
+            <a:r>
+              <a:rPr lang="ko-KR" altLang="en-US" dirty="0"/>
+              <a:t>이렇게 폼 태그를 </a:t>
+            </a:r>
+            <a:r>
+              <a:rPr lang="ko-KR" altLang="en-US" dirty="0" err="1"/>
+              <a:t>사용했을때는</a:t>
+            </a:r>
+            <a:r>
+              <a:rPr lang="ko-KR" altLang="en-US" dirty="0"/>
+              <a:t> 꼭 </a:t>
+            </a:r>
+            <a:r>
+              <a:rPr lang="en-US" altLang="ko-KR" dirty="0"/>
+              <a:t>submit </a:t>
+            </a:r>
+            <a:r>
+              <a:rPr lang="ko-KR" altLang="en-US" dirty="0"/>
+              <a:t>버튼이 있어야 합니다</a:t>
+            </a:r>
+            <a:r>
+              <a:rPr lang="en-US" altLang="ko-KR" dirty="0"/>
+              <a:t>…submit</a:t>
+            </a:r>
+            <a:r>
+              <a:rPr lang="ko-KR" altLang="en-US" dirty="0"/>
+              <a:t>을 눌러야 데이터가 전송이 되는 것입니다</a:t>
+            </a:r>
+            <a:r>
+              <a:rPr lang="en-US" altLang="ko-KR" dirty="0"/>
+              <a:t>.</a:t>
+            </a:r>
+            <a:endParaRPr lang="ko-KR" altLang="en-US" dirty="0"/>
+          </a:p>
+        </p:txBody>
+      </p:sp>
+      <p:sp>
+        <p:nvSpPr>
+          <p:cNvPr id="4" name="슬라이드 번호 개체 틀 3"/>
+          <p:cNvSpPr>
+            <a:spLocks noGrp="1"/>
+          </p:cNvSpPr>
+          <p:nvPr>
+            <p:ph type="sldNum" sz="quarter" idx="5"/>
+          </p:nvPr>
+        </p:nvSpPr>
+        <p:spPr/>
+        <p:txBody>
+          <a:bodyPr/>
+          <a:lstStyle/>
+          <a:p>
+            <a:fld id="{4A3304FD-D8D1-402E-8714-21D8CC9FE3BF}" type="slidenum">
+              <a:rPr lang="ko-KR" altLang="en-US" smtClean="0"/>
+              <a:t>8</a:t>
+            </a:fld>
+            <a:endParaRPr lang="ko-KR" altLang="en-US"/>
+          </a:p>
+        </p:txBody>
+      </p:sp>
+    </p:spTree>
+    <p:extLst>
+      <p:ext uri="{BB962C8B-B14F-4D97-AF65-F5344CB8AC3E}">
+        <p14:creationId xmlns:p14="http://schemas.microsoft.com/office/powerpoint/2010/main" val="1798664341"/>
+      </p:ext>
+    </p:extLst>
+  </p:cSld>
+  <p:clrMapOvr>
+    <a:masterClrMapping/>
+  </p:clrMapOvr>
+</p:notes>
+</file>
+
+<file path=ppt/notesSlides/notesSlide9.xml><?xml version="1.0" encoding="utf-8"?>
+<p:notes xmlns:a="http://schemas.openxmlformats.org/drawingml/2006/main" xmlns:r="http://schemas.openxmlformats.org/officeDocument/2006/relationships" xmlns:p="http://schemas.openxmlformats.org/presentationml/2006/main">
+  <p:cSld>
+    <p:spTree>
+      <p:nvGrpSpPr>
+        <p:cNvPr id="1" name=""/>
+        <p:cNvGrpSpPr/>
+        <p:nvPr/>
+      </p:nvGrpSpPr>
+      <p:grpSpPr>
+        <a:xfrm>
+          <a:off x="0" y="0"/>
+          <a:ext cx="0" cy="0"/>
+          <a:chOff x="0" y="0"/>
+          <a:chExt cx="0" cy="0"/>
+        </a:xfrm>
+      </p:grpSpPr>
+      <p:sp>
+        <p:nvSpPr>
+          <p:cNvPr id="2" name="슬라이드 이미지 개체 틀 1"/>
+          <p:cNvSpPr>
+            <a:spLocks noGrp="1" noRot="1" noChangeAspect="1"/>
+          </p:cNvSpPr>
+          <p:nvPr>
+            <p:ph type="sldImg"/>
+          </p:nvPr>
+        </p:nvSpPr>
+        <p:spPr/>
+      </p:sp>
+      <p:sp>
+        <p:nvSpPr>
+          <p:cNvPr id="3" name="슬라이드 노트 개체 틀 2"/>
+          <p:cNvSpPr>
+            <a:spLocks noGrp="1"/>
+          </p:cNvSpPr>
+          <p:nvPr>
+            <p:ph type="body" idx="1"/>
+          </p:nvPr>
+        </p:nvSpPr>
+        <p:spPr/>
+        <p:txBody>
+          <a:bodyPr/>
+          <a:lstStyle/>
+          <a:p>
+            <a:r>
+              <a:rPr lang="ko-KR" altLang="en-US" dirty="0"/>
+              <a:t>이 코드는 저희가 </a:t>
+            </a:r>
+            <a:r>
+              <a:rPr lang="en-US" altLang="ko-KR" dirty="0" err="1"/>
+              <a:t>db</a:t>
+            </a:r>
+            <a:r>
+              <a:rPr lang="ko-KR" altLang="en-US" dirty="0"/>
+              <a:t>와 연결하기 위해서 써야하는 코드입니다</a:t>
+            </a:r>
+            <a:r>
+              <a:rPr lang="en-US" altLang="ko-KR" dirty="0"/>
+              <a:t>. </a:t>
+            </a:r>
+            <a:r>
+              <a:rPr lang="ko-KR" altLang="en-US" dirty="0"/>
+              <a:t>스크립트 </a:t>
+            </a:r>
+            <a:r>
+              <a:rPr lang="ko-KR" altLang="en-US" dirty="0" err="1"/>
+              <a:t>릿은</a:t>
+            </a:r>
+            <a:r>
+              <a:rPr lang="ko-KR" altLang="en-US" dirty="0"/>
+              <a:t> 첫 주차에 코드를 따라 치면서 썼던 것인데 기억이 </a:t>
+            </a:r>
+            <a:r>
+              <a:rPr lang="ko-KR" altLang="en-US" dirty="0" err="1"/>
+              <a:t>나실까요</a:t>
+            </a:r>
+            <a:r>
+              <a:rPr lang="en-US" altLang="ko-KR" dirty="0"/>
+              <a:t>???? </a:t>
+            </a:r>
+            <a:r>
+              <a:rPr lang="ko-KR" altLang="en-US" dirty="0"/>
+              <a:t>스크립트 </a:t>
+            </a:r>
+            <a:r>
+              <a:rPr lang="ko-KR" altLang="en-US" dirty="0" err="1"/>
+              <a:t>릿은</a:t>
+            </a:r>
+            <a:r>
+              <a:rPr lang="ko-KR" altLang="en-US" dirty="0"/>
+              <a:t> </a:t>
+            </a:r>
+            <a:r>
+              <a:rPr lang="en-US" altLang="ko-KR" dirty="0"/>
+              <a:t>html</a:t>
+            </a:r>
+            <a:r>
+              <a:rPr lang="ko-KR" altLang="en-US" dirty="0"/>
+              <a:t>코드 안에서 자바코드를 사용할 수 있게 해주는 태그입니다</a:t>
+            </a:r>
+            <a:r>
+              <a:rPr lang="en-US" altLang="ko-KR" dirty="0"/>
+              <a:t>. </a:t>
+            </a:r>
+          </a:p>
+          <a:p>
+            <a:r>
+              <a:rPr lang="ko-KR" altLang="en-US" dirty="0"/>
+              <a:t>스크립트 </a:t>
+            </a:r>
+            <a:r>
+              <a:rPr lang="ko-KR" altLang="en-US" dirty="0" err="1"/>
+              <a:t>릿</a:t>
+            </a:r>
+            <a:r>
+              <a:rPr lang="ko-KR" altLang="en-US" dirty="0"/>
+              <a:t> 안에 </a:t>
+            </a:r>
+            <a:r>
+              <a:rPr lang="en-US" altLang="ko-KR" dirty="0" err="1"/>
+              <a:t>db</a:t>
+            </a:r>
+            <a:r>
+              <a:rPr lang="ko-KR" altLang="en-US" dirty="0"/>
+              <a:t>와 연결하기 위한 패키지를 </a:t>
+            </a:r>
+            <a:r>
+              <a:rPr lang="ko-KR" altLang="en-US" dirty="0" err="1"/>
+              <a:t>임포트</a:t>
+            </a:r>
+            <a:r>
+              <a:rPr lang="ko-KR" altLang="en-US" dirty="0"/>
+              <a:t> 하는 코드를 썼고</a:t>
+            </a:r>
+            <a:r>
+              <a:rPr lang="en-US" altLang="ko-KR" dirty="0"/>
+              <a:t>, </a:t>
+            </a:r>
+            <a:r>
+              <a:rPr lang="ko-KR" altLang="en-US" dirty="0"/>
+              <a:t>아랫부분 코드는 앞에서 폼 태그 안에 사용자가 썼던 데이터를 변수를 생성해 그 변수 안에 넣도록 하는 자바코드를 작성했습니다</a:t>
+            </a:r>
+            <a:r>
+              <a:rPr lang="en-US" altLang="ko-KR" dirty="0"/>
+              <a:t>.</a:t>
+            </a:r>
+            <a:endParaRPr lang="ko-KR" altLang="en-US" dirty="0"/>
+          </a:p>
+        </p:txBody>
+      </p:sp>
+      <p:sp>
+        <p:nvSpPr>
+          <p:cNvPr id="4" name="슬라이드 번호 개체 틀 3"/>
+          <p:cNvSpPr>
+            <a:spLocks noGrp="1"/>
+          </p:cNvSpPr>
+          <p:nvPr>
+            <p:ph type="sldNum" sz="quarter" idx="5"/>
+          </p:nvPr>
+        </p:nvSpPr>
+        <p:spPr/>
+        <p:txBody>
+          <a:bodyPr/>
+          <a:lstStyle/>
+          <a:p>
+            <a:fld id="{4A3304FD-D8D1-402E-8714-21D8CC9FE3BF}" type="slidenum">
+              <a:rPr lang="ko-KR" altLang="en-US" smtClean="0"/>
+              <a:t>9</a:t>
+            </a:fld>
+            <a:endParaRPr lang="ko-KR" altLang="en-US"/>
+          </a:p>
+        </p:txBody>
+      </p:sp>
+    </p:spTree>
+    <p:extLst>
+      <p:ext uri="{BB962C8B-B14F-4D97-AF65-F5344CB8AC3E}">
+        <p14:creationId xmlns:p14="http://schemas.microsoft.com/office/powerpoint/2010/main" val="1500158401"/>
+      </p:ext>
+    </p:extLst>
+  </p:cSld>
+  <p:clrMapOvr>
+    <a:masterClrMapping/>
+  </p:clrMapOvr>
+</p:notes>
 </file>
 
 <file path=ppt/slideLayouts/slideLayout1.xml><?xml version="1.0" encoding="utf-8"?>
@@ -3625,7 +8627,7 @@
           <p:nvPr/>
         </p:nvPicPr>
         <p:blipFill rotWithShape="1">
-          <a:blip r:embed="rId2">
+          <a:blip r:embed="rId3">
             <a:extLst>
               <a:ext uri="{28A0092B-C50C-407E-A947-70E740481C1C}">
                 <a14:useLocalDpi xmlns:a14="http://schemas.microsoft.com/office/drawing/2010/main" val="0"/>
@@ -4131,7 +9133,7 @@
           <p:nvPr/>
         </p:nvPicPr>
         <p:blipFill rotWithShape="1">
-          <a:blip r:embed="rId2" cstate="hqprint">
+          <a:blip r:embed="rId3" cstate="hqprint">
             <a:extLst>
               <a:ext uri="{28A0092B-C50C-407E-A947-70E740481C1C}">
                 <a14:useLocalDpi xmlns:a14="http://schemas.microsoft.com/office/drawing/2010/main" val="0"/>
@@ -4176,7 +9178,7 @@
           <p:nvPr/>
         </p:nvPicPr>
         <p:blipFill rotWithShape="1">
-          <a:blip r:embed="rId3" cstate="hqprint">
+          <a:blip r:embed="rId4" cstate="hqprint">
             <a:extLst>
               <a:ext uri="{28A0092B-C50C-407E-A947-70E740481C1C}">
                 <a14:useLocalDpi xmlns:a14="http://schemas.microsoft.com/office/drawing/2010/main" val="0"/>
@@ -4215,7 +9217,7 @@
           <p:nvPr/>
         </p:nvPicPr>
         <p:blipFill>
-          <a:blip r:embed="rId4"/>
+          <a:blip r:embed="rId5"/>
           <a:stretch>
             <a:fillRect/>
           </a:stretch>
@@ -4554,7 +9556,7 @@
           <p:nvPr/>
         </p:nvPicPr>
         <p:blipFill rotWithShape="1">
-          <a:blip r:embed="rId2" cstate="hqprint">
+          <a:blip r:embed="rId3" cstate="hqprint">
             <a:extLst>
               <a:ext uri="{28A0092B-C50C-407E-A947-70E740481C1C}">
                 <a14:useLocalDpi xmlns:a14="http://schemas.microsoft.com/office/drawing/2010/main" val="0"/>
@@ -4599,7 +9601,7 @@
           <p:nvPr/>
         </p:nvPicPr>
         <p:blipFill rotWithShape="1">
-          <a:blip r:embed="rId3" cstate="hqprint">
+          <a:blip r:embed="rId4" cstate="hqprint">
             <a:extLst>
               <a:ext uri="{28A0092B-C50C-407E-A947-70E740481C1C}">
                 <a14:useLocalDpi xmlns:a14="http://schemas.microsoft.com/office/drawing/2010/main" val="0"/>
@@ -4638,7 +9640,7 @@
           <p:nvPr/>
         </p:nvPicPr>
         <p:blipFill>
-          <a:blip r:embed="rId4"/>
+          <a:blip r:embed="rId5"/>
           <a:stretch>
             <a:fillRect/>
           </a:stretch>
@@ -4958,7 +9960,7 @@
           <p:nvPr/>
         </p:nvPicPr>
         <p:blipFill rotWithShape="1">
-          <a:blip r:embed="rId2" cstate="hqprint">
+          <a:blip r:embed="rId3" cstate="hqprint">
             <a:extLst>
               <a:ext uri="{28A0092B-C50C-407E-A947-70E740481C1C}">
                 <a14:useLocalDpi xmlns:a14="http://schemas.microsoft.com/office/drawing/2010/main" val="0"/>
@@ -5003,7 +10005,7 @@
           <p:nvPr/>
         </p:nvPicPr>
         <p:blipFill rotWithShape="1">
-          <a:blip r:embed="rId3" cstate="hqprint">
+          <a:blip r:embed="rId4" cstate="hqprint">
             <a:extLst>
               <a:ext uri="{28A0092B-C50C-407E-A947-70E740481C1C}">
                 <a14:useLocalDpi xmlns:a14="http://schemas.microsoft.com/office/drawing/2010/main" val="0"/>
@@ -5042,7 +10044,7 @@
           <p:nvPr/>
         </p:nvPicPr>
         <p:blipFill>
-          <a:blip r:embed="rId4"/>
+          <a:blip r:embed="rId5"/>
           <a:stretch>
             <a:fillRect/>
           </a:stretch>
@@ -5475,7 +10477,7 @@
           <p:nvPr/>
         </p:nvPicPr>
         <p:blipFill rotWithShape="1">
-          <a:blip r:embed="rId2" cstate="hqprint">
+          <a:blip r:embed="rId3" cstate="hqprint">
             <a:extLst>
               <a:ext uri="{28A0092B-C50C-407E-A947-70E740481C1C}">
                 <a14:useLocalDpi xmlns:a14="http://schemas.microsoft.com/office/drawing/2010/main" val="0"/>
@@ -5520,7 +10522,7 @@
           <p:nvPr/>
         </p:nvPicPr>
         <p:blipFill rotWithShape="1">
-          <a:blip r:embed="rId3" cstate="hqprint">
+          <a:blip r:embed="rId4" cstate="hqprint">
             <a:extLst>
               <a:ext uri="{28A0092B-C50C-407E-A947-70E740481C1C}">
                 <a14:useLocalDpi xmlns:a14="http://schemas.microsoft.com/office/drawing/2010/main" val="0"/>
@@ -5559,7 +10561,7 @@
           <p:nvPr/>
         </p:nvPicPr>
         <p:blipFill>
-          <a:blip r:embed="rId4"/>
+          <a:blip r:embed="rId5"/>
           <a:stretch>
             <a:fillRect/>
           </a:stretch>
@@ -5939,7 +10941,7 @@
           <p:nvPr/>
         </p:nvPicPr>
         <p:blipFill rotWithShape="1">
-          <a:blip r:embed="rId2" cstate="hqprint">
+          <a:blip r:embed="rId3" cstate="hqprint">
             <a:extLst>
               <a:ext uri="{28A0092B-C50C-407E-A947-70E740481C1C}">
                 <a14:useLocalDpi xmlns:a14="http://schemas.microsoft.com/office/drawing/2010/main" val="0"/>
@@ -5984,7 +10986,7 @@
           <p:nvPr/>
         </p:nvPicPr>
         <p:blipFill rotWithShape="1">
-          <a:blip r:embed="rId3" cstate="hqprint">
+          <a:blip r:embed="rId4" cstate="hqprint">
             <a:extLst>
               <a:ext uri="{28A0092B-C50C-407E-A947-70E740481C1C}">
                 <a14:useLocalDpi xmlns:a14="http://schemas.microsoft.com/office/drawing/2010/main" val="0"/>
@@ -6023,7 +11025,7 @@
           <p:nvPr/>
         </p:nvPicPr>
         <p:blipFill>
-          <a:blip r:embed="rId4"/>
+          <a:blip r:embed="rId5"/>
           <a:stretch>
             <a:fillRect/>
           </a:stretch>
@@ -6627,7 +11629,7 @@
           <p:nvPr/>
         </p:nvPicPr>
         <p:blipFill rotWithShape="1">
-          <a:blip r:embed="rId2" cstate="hqprint">
+          <a:blip r:embed="rId3" cstate="hqprint">
             <a:extLst>
               <a:ext uri="{28A0092B-C50C-407E-A947-70E740481C1C}">
                 <a14:useLocalDpi xmlns:a14="http://schemas.microsoft.com/office/drawing/2010/main" val="0"/>
@@ -6672,7 +11674,7 @@
           <p:nvPr/>
         </p:nvPicPr>
         <p:blipFill rotWithShape="1">
-          <a:blip r:embed="rId3" cstate="hqprint">
+          <a:blip r:embed="rId4" cstate="hqprint">
             <a:extLst>
               <a:ext uri="{28A0092B-C50C-407E-A947-70E740481C1C}">
                 <a14:useLocalDpi xmlns:a14="http://schemas.microsoft.com/office/drawing/2010/main" val="0"/>
@@ -6777,7 +11779,7 @@
           <p:nvPr/>
         </p:nvPicPr>
         <p:blipFill>
-          <a:blip r:embed="rId4"/>
+          <a:blip r:embed="rId5"/>
           <a:stretch>
             <a:fillRect/>
           </a:stretch>
@@ -7137,7 +12139,7 @@
           <p:nvPr/>
         </p:nvPicPr>
         <p:blipFill rotWithShape="1">
-          <a:blip r:embed="rId2" cstate="hqprint">
+          <a:blip r:embed="rId3" cstate="hqprint">
             <a:extLst>
               <a:ext uri="{28A0092B-C50C-407E-A947-70E740481C1C}">
                 <a14:useLocalDpi xmlns:a14="http://schemas.microsoft.com/office/drawing/2010/main" val="0"/>
@@ -7182,7 +12184,7 @@
           <p:nvPr/>
         </p:nvPicPr>
         <p:blipFill rotWithShape="1">
-          <a:blip r:embed="rId3" cstate="hqprint">
+          <a:blip r:embed="rId4" cstate="hqprint">
             <a:extLst>
               <a:ext uri="{28A0092B-C50C-407E-A947-70E740481C1C}">
                 <a14:useLocalDpi xmlns:a14="http://schemas.microsoft.com/office/drawing/2010/main" val="0"/>
@@ -7221,7 +12223,7 @@
           <p:nvPr/>
         </p:nvPicPr>
         <p:blipFill>
-          <a:blip r:embed="rId4"/>
+          <a:blip r:embed="rId5"/>
           <a:stretch>
             <a:fillRect/>
           </a:stretch>
@@ -7287,7 +12289,7 @@
           <p:nvPr/>
         </p:nvPicPr>
         <p:blipFill>
-          <a:blip r:embed="rId5"/>
+          <a:blip r:embed="rId6"/>
           <a:stretch>
             <a:fillRect/>
           </a:stretch>
@@ -7799,7 +12801,7 @@
           <p:nvPr/>
         </p:nvPicPr>
         <p:blipFill rotWithShape="1">
-          <a:blip r:embed="rId2" cstate="hqprint">
+          <a:blip r:embed="rId3" cstate="hqprint">
             <a:extLst>
               <a:ext uri="{28A0092B-C50C-407E-A947-70E740481C1C}">
                 <a14:useLocalDpi xmlns:a14="http://schemas.microsoft.com/office/drawing/2010/main" val="0"/>
@@ -7844,7 +12846,7 @@
           <p:nvPr/>
         </p:nvPicPr>
         <p:blipFill rotWithShape="1">
-          <a:blip r:embed="rId3" cstate="hqprint">
+          <a:blip r:embed="rId4" cstate="hqprint">
             <a:extLst>
               <a:ext uri="{28A0092B-C50C-407E-A947-70E740481C1C}">
                 <a14:useLocalDpi xmlns:a14="http://schemas.microsoft.com/office/drawing/2010/main" val="0"/>
@@ -7883,7 +12885,7 @@
           <p:nvPr/>
         </p:nvPicPr>
         <p:blipFill>
-          <a:blip r:embed="rId4"/>
+          <a:blip r:embed="rId5"/>
           <a:stretch>
             <a:fillRect/>
           </a:stretch>
@@ -8337,7 +13339,7 @@
           <p:nvPr/>
         </p:nvPicPr>
         <p:blipFill rotWithShape="1">
-          <a:blip r:embed="rId2" cstate="hqprint">
+          <a:blip r:embed="rId3" cstate="hqprint">
             <a:extLst>
               <a:ext uri="{28A0092B-C50C-407E-A947-70E740481C1C}">
                 <a14:useLocalDpi xmlns:a14="http://schemas.microsoft.com/office/drawing/2010/main" val="0"/>
@@ -8382,7 +13384,7 @@
           <p:nvPr/>
         </p:nvPicPr>
         <p:blipFill rotWithShape="1">
-          <a:blip r:embed="rId3" cstate="hqprint">
+          <a:blip r:embed="rId4" cstate="hqprint">
             <a:extLst>
               <a:ext uri="{28A0092B-C50C-407E-A947-70E740481C1C}">
                 <a14:useLocalDpi xmlns:a14="http://schemas.microsoft.com/office/drawing/2010/main" val="0"/>
@@ -8421,7 +13423,7 @@
           <p:nvPr/>
         </p:nvPicPr>
         <p:blipFill>
-          <a:blip r:embed="rId4"/>
+          <a:blip r:embed="rId5"/>
           <a:stretch>
             <a:fillRect/>
           </a:stretch>
@@ -8851,7 +13853,7 @@
           <p:nvPr/>
         </p:nvPicPr>
         <p:blipFill rotWithShape="1">
-          <a:blip r:embed="rId2" cstate="hqprint">
+          <a:blip r:embed="rId3" cstate="hqprint">
             <a:extLst>
               <a:ext uri="{28A0092B-C50C-407E-A947-70E740481C1C}">
                 <a14:useLocalDpi xmlns:a14="http://schemas.microsoft.com/office/drawing/2010/main" val="0"/>
@@ -8896,7 +13898,7 @@
           <p:nvPr/>
         </p:nvPicPr>
         <p:blipFill rotWithShape="1">
-          <a:blip r:embed="rId3" cstate="hqprint">
+          <a:blip r:embed="rId4" cstate="hqprint">
             <a:extLst>
               <a:ext uri="{28A0092B-C50C-407E-A947-70E740481C1C}">
                 <a14:useLocalDpi xmlns:a14="http://schemas.microsoft.com/office/drawing/2010/main" val="0"/>
@@ -8935,7 +13937,7 @@
           <p:nvPr/>
         </p:nvPicPr>
         <p:blipFill>
-          <a:blip r:embed="rId4"/>
+          <a:blip r:embed="rId5"/>
           <a:stretch>
             <a:fillRect/>
           </a:stretch>
@@ -9026,7 +14028,7 @@
           <p:nvPr/>
         </p:nvPicPr>
         <p:blipFill rotWithShape="1">
-          <a:blip r:embed="rId2">
+          <a:blip r:embed="rId3">
             <a:extLst>
               <a:ext uri="{28A0092B-C50C-407E-A947-70E740481C1C}">
                 <a14:useLocalDpi xmlns:a14="http://schemas.microsoft.com/office/drawing/2010/main" val="0"/>
@@ -9131,7 +14133,7 @@
           <p:nvPr/>
         </p:nvPicPr>
         <p:blipFill rotWithShape="1">
-          <a:blip r:embed="rId3" cstate="hqprint">
+          <a:blip r:embed="rId4" cstate="hqprint">
             <a:extLst>
               <a:ext uri="{28A0092B-C50C-407E-A947-70E740481C1C}">
                 <a14:useLocalDpi xmlns:a14="http://schemas.microsoft.com/office/drawing/2010/main" val="0"/>
@@ -9176,7 +14178,7 @@
           <p:nvPr/>
         </p:nvPicPr>
         <p:blipFill>
-          <a:blip r:embed="rId4">
+          <a:blip r:embed="rId5">
             <a:extLst>
               <a:ext uri="{28A0092B-C50C-407E-A947-70E740481C1C}">
                 <a14:useLocalDpi xmlns:a14="http://schemas.microsoft.com/office/drawing/2010/main" val="0"/>
@@ -9212,7 +14214,7 @@
           <p:nvPr/>
         </p:nvPicPr>
         <p:blipFill>
-          <a:blip r:embed="rId5">
+          <a:blip r:embed="rId6">
             <a:extLst>
               <a:ext uri="{28A0092B-C50C-407E-A947-70E740481C1C}">
                 <a14:useLocalDpi xmlns:a14="http://schemas.microsoft.com/office/drawing/2010/main" val="0"/>
@@ -9345,7 +14347,7 @@
           <p:nvPr/>
         </p:nvPicPr>
         <p:blipFill>
-          <a:blip r:embed="rId6">
+          <a:blip r:embed="rId7">
             <a:extLst>
               <a:ext uri="{28A0092B-C50C-407E-A947-70E740481C1C}">
                 <a14:useLocalDpi xmlns:a14="http://schemas.microsoft.com/office/drawing/2010/main" val="0"/>
@@ -9438,7 +14440,7 @@
           <p:nvPr/>
         </p:nvPicPr>
         <p:blipFill>
-          <a:blip r:embed="rId7">
+          <a:blip r:embed="rId8">
             <a:extLst>
               <a:ext uri="{28A0092B-C50C-407E-A947-70E740481C1C}">
                 <a14:useLocalDpi xmlns:a14="http://schemas.microsoft.com/office/drawing/2010/main" val="0"/>
@@ -9764,7 +14766,7 @@
           <p:nvPr/>
         </p:nvPicPr>
         <p:blipFill rotWithShape="1">
-          <a:blip r:embed="rId2" cstate="hqprint">
+          <a:blip r:embed="rId3" cstate="hqprint">
             <a:extLst>
               <a:ext uri="{28A0092B-C50C-407E-A947-70E740481C1C}">
                 <a14:useLocalDpi xmlns:a14="http://schemas.microsoft.com/office/drawing/2010/main" val="0"/>
@@ -9809,7 +14811,7 @@
           <p:nvPr/>
         </p:nvPicPr>
         <p:blipFill rotWithShape="1">
-          <a:blip r:embed="rId3" cstate="hqprint">
+          <a:blip r:embed="rId4" cstate="hqprint">
             <a:extLst>
               <a:ext uri="{28A0092B-C50C-407E-A947-70E740481C1C}">
                 <a14:useLocalDpi xmlns:a14="http://schemas.microsoft.com/office/drawing/2010/main" val="0"/>
@@ -9848,7 +14850,7 @@
           <p:nvPr/>
         </p:nvPicPr>
         <p:blipFill>
-          <a:blip r:embed="rId4"/>
+          <a:blip r:embed="rId5"/>
           <a:stretch>
             <a:fillRect/>
           </a:stretch>
@@ -9980,7 +14982,7 @@
           <p:nvPr/>
         </p:nvPicPr>
         <p:blipFill>
-          <a:blip r:embed="rId5"/>
+          <a:blip r:embed="rId6"/>
           <a:stretch>
             <a:fillRect/>
           </a:stretch>
@@ -10338,7 +15340,7 @@
           <p:nvPr/>
         </p:nvPicPr>
         <p:blipFill rotWithShape="1">
-          <a:blip r:embed="rId2" cstate="hqprint">
+          <a:blip r:embed="rId3" cstate="hqprint">
             <a:extLst>
               <a:ext uri="{28A0092B-C50C-407E-A947-70E740481C1C}">
                 <a14:useLocalDpi xmlns:a14="http://schemas.microsoft.com/office/drawing/2010/main" val="0"/>
@@ -10383,7 +15385,7 @@
           <p:nvPr/>
         </p:nvPicPr>
         <p:blipFill rotWithShape="1">
-          <a:blip r:embed="rId3" cstate="hqprint">
+          <a:blip r:embed="rId4" cstate="hqprint">
             <a:extLst>
               <a:ext uri="{28A0092B-C50C-407E-A947-70E740481C1C}">
                 <a14:useLocalDpi xmlns:a14="http://schemas.microsoft.com/office/drawing/2010/main" val="0"/>
@@ -10422,7 +15424,7 @@
           <p:nvPr/>
         </p:nvPicPr>
         <p:blipFill>
-          <a:blip r:embed="rId4"/>
+          <a:blip r:embed="rId5"/>
           <a:stretch>
             <a:fillRect/>
           </a:stretch>
@@ -10761,7 +15763,7 @@
                   </a:outerShdw>
                 </a:effectLst>
               </a:rPr>
-              <a:t>- </a:t>
+              <a:t>– </a:t>
             </a:r>
             <a:r>
               <a:rPr lang="ko-KR" altLang="en-US" sz="2800" b="1" dirty="0">
@@ -10780,24 +15782,27 @@
                   </a:outerShdw>
                 </a:effectLst>
               </a:rPr>
-              <a:t>통합검색</a:t>
-            </a:r>
-            <a:endParaRPr lang="en-US" altLang="ko-KR" sz="2800" b="1" dirty="0">
-              <a:ln w="6600">
-                <a:solidFill>
-                  <a:schemeClr val="tx1"/>
-                </a:solidFill>
-                <a:prstDash val="solid"/>
-              </a:ln>
-              <a:solidFill>
-                <a:srgbClr val="008DF6"/>
-              </a:solidFill>
-              <a:effectLst>
-                <a:outerShdw dist="38100" dir="2700000" algn="tl" rotWithShape="0">
-                  <a:schemeClr val="accent2"/>
-                </a:outerShdw>
-              </a:effectLst>
-            </a:endParaRPr>
+              <a:t>여러가지 테이블 사용시</a:t>
+            </a:r>
+            <a:r>
+              <a:rPr lang="en-US" altLang="ko-KR" sz="2800" b="1" dirty="0">
+                <a:ln w="6600">
+                  <a:solidFill>
+                    <a:schemeClr val="tx1"/>
+                  </a:solidFill>
+                  <a:prstDash val="solid"/>
+                </a:ln>
+                <a:solidFill>
+                  <a:srgbClr val="008DF6"/>
+                </a:solidFill>
+                <a:effectLst>
+                  <a:outerShdw dist="38100" dir="2700000" algn="tl" rotWithShape="0">
+                    <a:schemeClr val="accent2"/>
+                  </a:outerShdw>
+                </a:effectLst>
+              </a:rPr>
+              <a:t>..</a:t>
+            </a:r>
           </a:p>
         </p:txBody>
       </p:sp>
@@ -10816,7 +15821,7 @@
           <p:nvPr/>
         </p:nvPicPr>
         <p:blipFill rotWithShape="1">
-          <a:blip r:embed="rId2" cstate="hqprint">
+          <a:blip r:embed="rId3" cstate="hqprint">
             <a:extLst>
               <a:ext uri="{28A0092B-C50C-407E-A947-70E740481C1C}">
                 <a14:useLocalDpi xmlns:a14="http://schemas.microsoft.com/office/drawing/2010/main" val="0"/>
@@ -10861,7 +15866,7 @@
           <p:nvPr/>
         </p:nvPicPr>
         <p:blipFill rotWithShape="1">
-          <a:blip r:embed="rId3" cstate="hqprint">
+          <a:blip r:embed="rId4" cstate="hqprint">
             <a:extLst>
               <a:ext uri="{28A0092B-C50C-407E-A947-70E740481C1C}">
                 <a14:useLocalDpi xmlns:a14="http://schemas.microsoft.com/office/drawing/2010/main" val="0"/>
@@ -10891,16 +15896,82 @@
           </a:extLst>
         </p:spPr>
       </p:pic>
-      <p:sp>
-        <p:nvSpPr>
-          <p:cNvPr id="2" name="TextBox 1"/>
+      <p:pic>
+        <p:nvPicPr>
+          <p:cNvPr id="7" name="그림 6">
+            <a:extLst>
+              <a:ext uri="{FF2B5EF4-FFF2-40B4-BE49-F238E27FC236}">
+                <a16:creationId xmlns:a16="http://schemas.microsoft.com/office/drawing/2014/main" id="{DF005C54-35FE-4458-BEE8-6210A89BECA0}"/>
+              </a:ext>
+            </a:extLst>
+          </p:cNvPr>
+          <p:cNvPicPr>
+            <a:picLocks noChangeAspect="1"/>
+          </p:cNvPicPr>
+          <p:nvPr/>
+        </p:nvPicPr>
+        <p:blipFill>
+          <a:blip r:embed="rId5"/>
+          <a:stretch>
+            <a:fillRect/>
+          </a:stretch>
+        </p:blipFill>
+        <p:spPr>
+          <a:xfrm>
+            <a:off x="1029000" y="3187677"/>
+            <a:ext cx="3929989" cy="2384353"/>
+          </a:xfrm>
+          <a:prstGeom prst="rect">
+            <a:avLst/>
+          </a:prstGeom>
+        </p:spPr>
+      </p:pic>
+      <p:pic>
+        <p:nvPicPr>
+          <p:cNvPr id="9" name="그림 8">
+            <a:extLst>
+              <a:ext uri="{FF2B5EF4-FFF2-40B4-BE49-F238E27FC236}">
+                <a16:creationId xmlns:a16="http://schemas.microsoft.com/office/drawing/2014/main" id="{29844503-E17B-4B2B-96AD-A956DF5F69A5}"/>
+              </a:ext>
+            </a:extLst>
+          </p:cNvPr>
+          <p:cNvPicPr>
+            <a:picLocks noChangeAspect="1"/>
+          </p:cNvPicPr>
+          <p:nvPr/>
+        </p:nvPicPr>
+        <p:blipFill>
+          <a:blip r:embed="rId6"/>
+          <a:stretch>
+            <a:fillRect/>
+          </a:stretch>
+        </p:blipFill>
+        <p:spPr>
+          <a:xfrm>
+            <a:off x="0" y="1245711"/>
+            <a:ext cx="12192000" cy="370015"/>
+          </a:xfrm>
+          <a:prstGeom prst="rect">
+            <a:avLst/>
+          </a:prstGeom>
+        </p:spPr>
+      </p:pic>
+      <p:sp>
+        <p:nvSpPr>
+          <p:cNvPr id="10" name="TextBox 9">
+            <a:extLst>
+              <a:ext uri="{FF2B5EF4-FFF2-40B4-BE49-F238E27FC236}">
+                <a16:creationId xmlns:a16="http://schemas.microsoft.com/office/drawing/2014/main" id="{FFD73528-ABA8-4EF8-806B-C2FAD8306AA2}"/>
+              </a:ext>
+            </a:extLst>
+          </p:cNvPr>
           <p:cNvSpPr txBox="1"/>
           <p:nvPr/>
         </p:nvSpPr>
         <p:spPr>
           <a:xfrm>
-            <a:off x="601162" y="1192306"/>
-            <a:ext cx="10093732" cy="3046988"/>
+            <a:off x="872455" y="1795244"/>
+            <a:ext cx="8934275" cy="369332"/>
           </a:xfrm>
           <a:prstGeom prst="rect">
             <a:avLst/>
@@ -10914,74 +15985,251 @@
           <a:lstStyle/>
           <a:p>
             <a:r>
+              <a:rPr lang="ko-KR" altLang="en-US" dirty="0">
+                <a:solidFill>
+                  <a:srgbClr val="0070C0"/>
+                </a:solidFill>
+              </a:rPr>
+              <a:t>테이블을 세 개 사용하면 위의 </a:t>
+            </a:r>
+            <a:r>
+              <a:rPr lang="ko-KR" altLang="en-US" dirty="0" err="1">
+                <a:solidFill>
+                  <a:srgbClr val="0070C0"/>
+                </a:solidFill>
+              </a:rPr>
+              <a:t>쿼리문</a:t>
+            </a:r>
+            <a:r>
+              <a:rPr lang="ko-KR" altLang="en-US" dirty="0">
+                <a:solidFill>
+                  <a:srgbClr val="0070C0"/>
+                </a:solidFill>
+              </a:rPr>
+              <a:t> 길이 </a:t>
+            </a:r>
+            <a:r>
+              <a:rPr lang="en-US" altLang="ko-KR" dirty="0">
+                <a:solidFill>
+                  <a:srgbClr val="0070C0"/>
+                </a:solidFill>
+              </a:rPr>
+              <a:t>x3….</a:t>
+            </a:r>
+            <a:endParaRPr lang="ko-KR" altLang="en-US" dirty="0">
+              <a:solidFill>
+                <a:srgbClr val="0070C0"/>
+              </a:solidFill>
+            </a:endParaRPr>
+          </a:p>
+        </p:txBody>
+      </p:sp>
+      <p:sp>
+        <p:nvSpPr>
+          <p:cNvPr id="14" name="직사각형 13">
+            <a:extLst>
+              <a:ext uri="{FF2B5EF4-FFF2-40B4-BE49-F238E27FC236}">
+                <a16:creationId xmlns:a16="http://schemas.microsoft.com/office/drawing/2014/main" id="{B586CA11-1096-4CA4-9B91-7B64BC7E2509}"/>
+              </a:ext>
+            </a:extLst>
+          </p:cNvPr>
+          <p:cNvSpPr/>
+          <p:nvPr/>
+        </p:nvSpPr>
+        <p:spPr>
+          <a:xfrm>
+            <a:off x="1761688" y="3246539"/>
+            <a:ext cx="503340" cy="182461"/>
+          </a:xfrm>
+          <a:prstGeom prst="rect">
+            <a:avLst/>
+          </a:prstGeom>
+          <a:noFill/>
+          <a:ln w="28575">
+            <a:solidFill>
+              <a:srgbClr val="00B0F0"/>
+            </a:solidFill>
+          </a:ln>
+        </p:spPr>
+        <p:style>
+          <a:lnRef idx="2">
+            <a:schemeClr val="accent1">
+              <a:shade val="50000"/>
+            </a:schemeClr>
+          </a:lnRef>
+          <a:fillRef idx="1">
+            <a:schemeClr val="accent1"/>
+          </a:fillRef>
+          <a:effectRef idx="0">
+            <a:schemeClr val="accent1"/>
+          </a:effectRef>
+          <a:fontRef idx="minor">
+            <a:schemeClr val="lt1"/>
+          </a:fontRef>
+        </p:style>
+        <p:txBody>
+          <a:bodyPr rtlCol="0" anchor="ctr"/>
+          <a:lstStyle/>
+          <a:p>
+            <a:pPr algn="ctr"/>
+            <a:endParaRPr lang="ko-KR" altLang="en-US"/>
+          </a:p>
+        </p:txBody>
+      </p:sp>
+      <p:sp>
+        <p:nvSpPr>
+          <p:cNvPr id="15" name="직사각형 14">
+            <a:extLst>
+              <a:ext uri="{FF2B5EF4-FFF2-40B4-BE49-F238E27FC236}">
+                <a16:creationId xmlns:a16="http://schemas.microsoft.com/office/drawing/2014/main" id="{0B046448-2AE7-497D-B234-3AD64F1D7512}"/>
+              </a:ext>
+            </a:extLst>
+          </p:cNvPr>
+          <p:cNvSpPr/>
+          <p:nvPr/>
+        </p:nvSpPr>
+        <p:spPr>
+          <a:xfrm>
+            <a:off x="1029000" y="4001549"/>
+            <a:ext cx="1059859" cy="251669"/>
+          </a:xfrm>
+          <a:prstGeom prst="rect">
+            <a:avLst/>
+          </a:prstGeom>
+          <a:noFill/>
+          <a:ln w="28575">
+            <a:solidFill>
+              <a:srgbClr val="92D050"/>
+            </a:solidFill>
+          </a:ln>
+        </p:spPr>
+        <p:style>
+          <a:lnRef idx="2">
+            <a:schemeClr val="accent1">
+              <a:shade val="50000"/>
+            </a:schemeClr>
+          </a:lnRef>
+          <a:fillRef idx="1">
+            <a:schemeClr val="accent1"/>
+          </a:fillRef>
+          <a:effectRef idx="0">
+            <a:schemeClr val="accent1"/>
+          </a:effectRef>
+          <a:fontRef idx="minor">
+            <a:schemeClr val="lt1"/>
+          </a:fontRef>
+        </p:style>
+        <p:txBody>
+          <a:bodyPr rtlCol="0" anchor="ctr"/>
+          <a:lstStyle/>
+          <a:p>
+            <a:pPr algn="ctr"/>
+            <a:endParaRPr lang="ko-KR" altLang="en-US"/>
+          </a:p>
+        </p:txBody>
+      </p:sp>
+      <p:sp>
+        <p:nvSpPr>
+          <p:cNvPr id="16" name="직사각형 15">
+            <a:extLst>
+              <a:ext uri="{FF2B5EF4-FFF2-40B4-BE49-F238E27FC236}">
+                <a16:creationId xmlns:a16="http://schemas.microsoft.com/office/drawing/2014/main" id="{448C99B6-1BCF-4C1B-94A0-3C6BD0A1A010}"/>
+              </a:ext>
+            </a:extLst>
+          </p:cNvPr>
+          <p:cNvSpPr/>
+          <p:nvPr/>
+        </p:nvSpPr>
+        <p:spPr>
+          <a:xfrm>
+            <a:off x="1028999" y="4716139"/>
+            <a:ext cx="1059859" cy="251669"/>
+          </a:xfrm>
+          <a:prstGeom prst="rect">
+            <a:avLst/>
+          </a:prstGeom>
+          <a:noFill/>
+          <a:ln w="28575">
+            <a:solidFill>
+              <a:srgbClr val="92D050"/>
+            </a:solidFill>
+          </a:ln>
+        </p:spPr>
+        <p:style>
+          <a:lnRef idx="2">
+            <a:schemeClr val="accent1">
+              <a:shade val="50000"/>
+            </a:schemeClr>
+          </a:lnRef>
+          <a:fillRef idx="1">
+            <a:schemeClr val="accent1"/>
+          </a:fillRef>
+          <a:effectRef idx="0">
+            <a:schemeClr val="accent1"/>
+          </a:effectRef>
+          <a:fontRef idx="minor">
+            <a:schemeClr val="lt1"/>
+          </a:fontRef>
+        </p:style>
+        <p:txBody>
+          <a:bodyPr rtlCol="0" anchor="ctr"/>
+          <a:lstStyle/>
+          <a:p>
+            <a:pPr algn="ctr"/>
+            <a:endParaRPr lang="ko-KR" altLang="en-US"/>
+          </a:p>
+        </p:txBody>
+      </p:sp>
+      <p:sp>
+        <p:nvSpPr>
+          <p:cNvPr id="17" name="TextBox 16">
+            <a:extLst>
+              <a:ext uri="{FF2B5EF4-FFF2-40B4-BE49-F238E27FC236}">
+                <a16:creationId xmlns:a16="http://schemas.microsoft.com/office/drawing/2014/main" id="{889C0187-448A-4440-B6DE-CF7CFC4A57F0}"/>
+              </a:ext>
+            </a:extLst>
+          </p:cNvPr>
+          <p:cNvSpPr txBox="1"/>
+          <p:nvPr/>
+        </p:nvSpPr>
+        <p:spPr>
+          <a:xfrm>
+            <a:off x="5339592" y="3246539"/>
+            <a:ext cx="3846353" cy="1200329"/>
+          </a:xfrm>
+          <a:prstGeom prst="rect">
+            <a:avLst/>
+          </a:prstGeom>
+          <a:noFill/>
+        </p:spPr>
+        <p:txBody>
+          <a:bodyPr wrap="square" rtlCol="0">
+            <a:spAutoFit/>
+          </a:bodyPr>
+          <a:lstStyle/>
+          <a:p>
+            <a:r>
               <a:rPr lang="en-US" altLang="ko-KR" dirty="0"/>
-              <a:t>1</a:t>
-            </a:r>
-            <a:r>
-              <a:rPr lang="ko-KR" altLang="en-US" dirty="0"/>
-              <a:t>안</a:t>
-            </a:r>
+              <a:t>View </a:t>
+            </a:r>
+            <a:r>
+              <a:rPr lang="ko-KR" altLang="en-US" dirty="0"/>
+              <a:t>사용</a:t>
+            </a:r>
+            <a:endParaRPr lang="en-US" altLang="ko-KR" dirty="0"/>
+          </a:p>
+          <a:p>
             <a:r>
               <a:rPr lang="en-US" altLang="ko-KR" dirty="0"/>
-              <a:t>: &lt;Select&gt;</a:t>
-            </a:r>
-            <a:r>
-              <a:rPr lang="ko-KR" altLang="en-US" dirty="0"/>
-              <a:t>태그로 각 분류를 선택해서 </a:t>
-            </a:r>
-            <a:r>
-              <a:rPr lang="ko-KR" altLang="en-US" dirty="0" err="1"/>
-              <a:t>분류별</a:t>
-            </a:r>
-            <a:r>
-              <a:rPr lang="ko-KR" altLang="en-US" dirty="0"/>
-              <a:t> 테이블을 가져와서 검색한다</a:t>
+              <a:t>3</a:t>
+            </a:r>
+            <a:r>
+              <a:rPr lang="ko-KR" altLang="en-US" dirty="0"/>
+              <a:t>개의 테이블 합집합으로 연결</a:t>
             </a:r>
             <a:r>
               <a:rPr lang="en-US" altLang="ko-KR" dirty="0"/>
-              <a:t>.</a:t>
-            </a:r>
-          </a:p>
-          <a:p>
-            <a:r>
-              <a:rPr lang="en-US" altLang="ko-KR" dirty="0"/>
-              <a:t>             </a:t>
-            </a:r>
-            <a:r>
-              <a:rPr lang="en-US" altLang="ko-KR" sz="2800" dirty="0">
-                <a:solidFill>
-                  <a:schemeClr val="accent2">
-                    <a:lumMod val="75000"/>
-                  </a:schemeClr>
-                </a:solidFill>
-                <a:latin typeface="휴먼매직체" panose="02030504000101010101" pitchFamily="18" charset="-127"/>
-                <a:ea typeface="휴먼매직체" panose="02030504000101010101" pitchFamily="18" charset="-127"/>
-              </a:rPr>
-              <a:t>=&gt;</a:t>
-            </a:r>
-            <a:r>
-              <a:rPr lang="ko-KR" altLang="en-US" sz="2800" dirty="0">
-                <a:solidFill>
-                  <a:schemeClr val="accent2">
-                    <a:lumMod val="75000"/>
-                  </a:schemeClr>
-                </a:solidFill>
-                <a:latin typeface="휴먼매직체" panose="02030504000101010101" pitchFamily="18" charset="-127"/>
-                <a:ea typeface="휴먼매직체" panose="02030504000101010101" pitchFamily="18" charset="-127"/>
-              </a:rPr>
-              <a:t>실패</a:t>
-            </a:r>
-            <a:r>
-              <a:rPr lang="en-US" altLang="ko-KR" sz="2800" dirty="0">
-                <a:solidFill>
-                  <a:schemeClr val="accent2">
-                    <a:lumMod val="75000"/>
-                  </a:schemeClr>
-                </a:solidFill>
-                <a:latin typeface="휴먼매직체" panose="02030504000101010101" pitchFamily="18" charset="-127"/>
-                <a:ea typeface="휴먼매직체" panose="02030504000101010101" pitchFamily="18" charset="-127"/>
-              </a:rPr>
-              <a:t>!</a:t>
+              <a:t>~~~</a:t>
             </a:r>
           </a:p>
           <a:p>
@@ -10989,202 +16237,22 @@
           </a:p>
           <a:p>
             <a:r>
-              <a:rPr lang="en-US" altLang="ko-KR" dirty="0"/>
-              <a:t>2</a:t>
-            </a:r>
-            <a:r>
-              <a:rPr lang="ko-KR" altLang="en-US" dirty="0"/>
-              <a:t>안</a:t>
-            </a:r>
-            <a:r>
-              <a:rPr lang="en-US" altLang="ko-KR" dirty="0"/>
-              <a:t>: &lt;</a:t>
-            </a:r>
-            <a:r>
-              <a:rPr lang="en-US" altLang="ko-KR" dirty="0" err="1"/>
-              <a:t>jsp:include</a:t>
-            </a:r>
-            <a:r>
-              <a:rPr lang="en-US" altLang="ko-KR" dirty="0"/>
-              <a:t> page="</a:t>
-            </a:r>
-            <a:r>
-              <a:rPr lang="en-US" altLang="ko-KR" dirty="0" err="1"/>
-              <a:t>search_exercise.jsp</a:t>
-            </a:r>
-            <a:r>
-              <a:rPr lang="en-US" altLang="ko-KR" dirty="0"/>
-              <a:t>" /&gt; </a:t>
-            </a:r>
-            <a:r>
-              <a:rPr lang="ko-KR" altLang="en-US" dirty="0"/>
-              <a:t>코드를 사용해 </a:t>
-            </a:r>
-            <a:r>
-              <a:rPr lang="en-US" altLang="ko-KR" dirty="0"/>
-              <a:t>page</a:t>
-            </a:r>
-            <a:r>
-              <a:rPr lang="ko-KR" altLang="en-US" dirty="0"/>
-              <a:t>를 </a:t>
-            </a:r>
-            <a:r>
-              <a:rPr lang="en-US" altLang="ko-KR" dirty="0"/>
-              <a:t>include </a:t>
-            </a:r>
-            <a:r>
-              <a:rPr lang="ko-KR" altLang="en-US" dirty="0"/>
-              <a:t>한다</a:t>
-            </a:r>
-            <a:r>
-              <a:rPr lang="en-US" altLang="ko-KR" dirty="0"/>
-              <a:t>.</a:t>
-            </a:r>
-          </a:p>
-          <a:p>
-            <a:r>
-              <a:rPr lang="en-US" altLang="ko-KR" dirty="0"/>
-              <a:t>             </a:t>
-            </a:r>
-            <a:r>
-              <a:rPr lang="en-US" altLang="ko-KR" sz="2000" dirty="0">
-                <a:solidFill>
-                  <a:schemeClr val="accent2">
-                    <a:lumMod val="75000"/>
-                  </a:schemeClr>
-                </a:solidFill>
-                <a:latin typeface="휴먼매직체" panose="02030504000101010101" pitchFamily="18" charset="-127"/>
-                <a:ea typeface="휴먼매직체" panose="02030504000101010101" pitchFamily="18" charset="-127"/>
-              </a:rPr>
-              <a:t>=&gt;</a:t>
-            </a:r>
-            <a:r>
-              <a:rPr lang="ko-KR" altLang="en-US" sz="2000" dirty="0">
-                <a:solidFill>
-                  <a:schemeClr val="accent2">
-                    <a:lumMod val="75000"/>
-                  </a:schemeClr>
-                </a:solidFill>
-                <a:latin typeface="휴먼매직체" panose="02030504000101010101" pitchFamily="18" charset="-127"/>
-                <a:ea typeface="휴먼매직체" panose="02030504000101010101" pitchFamily="18" charset="-127"/>
-              </a:rPr>
-              <a:t>검색이 안 돼 실패</a:t>
-            </a:r>
-            <a:r>
-              <a:rPr lang="en-US" altLang="ko-KR" sz="2000" dirty="0">
-                <a:solidFill>
-                  <a:schemeClr val="accent2">
-                    <a:lumMod val="75000"/>
-                  </a:schemeClr>
-                </a:solidFill>
-                <a:latin typeface="휴먼매직체" panose="02030504000101010101" pitchFamily="18" charset="-127"/>
-                <a:ea typeface="휴먼매직체" panose="02030504000101010101" pitchFamily="18" charset="-127"/>
-              </a:rPr>
-              <a:t>!</a:t>
-            </a:r>
-          </a:p>
-          <a:p>
-            <a:endParaRPr lang="en-US" altLang="ko-KR" sz="2000" dirty="0">
-              <a:solidFill>
-                <a:schemeClr val="accent2">
-                  <a:lumMod val="75000"/>
-                </a:schemeClr>
-              </a:solidFill>
-              <a:ea typeface="휴먼매직체" panose="02030504000101010101" pitchFamily="18" charset="-127"/>
-            </a:endParaRPr>
-          </a:p>
-          <a:p>
-            <a:r>
-              <a:rPr lang="en-US" altLang="ko-KR" dirty="0">
-                <a:latin typeface="+mj-ea"/>
-                <a:ea typeface="+mj-ea"/>
-              </a:rPr>
-              <a:t>3</a:t>
-            </a:r>
-            <a:r>
-              <a:rPr lang="ko-KR" altLang="en-US" dirty="0">
-                <a:latin typeface="+mj-ea"/>
-                <a:ea typeface="+mj-ea"/>
-              </a:rPr>
-              <a:t>안</a:t>
-            </a:r>
-            <a:r>
-              <a:rPr lang="en-US" altLang="ko-KR" dirty="0">
-                <a:latin typeface="+mj-ea"/>
-                <a:ea typeface="+mj-ea"/>
-              </a:rPr>
-              <a:t>: </a:t>
-            </a:r>
-            <a:r>
-              <a:rPr lang="ko-KR" altLang="en-US" dirty="0">
-                <a:latin typeface="+mj-ea"/>
-                <a:ea typeface="+mj-ea"/>
-              </a:rPr>
-              <a:t>단순무식으로 각 페이지의 코드를 이어 붙인다</a:t>
-            </a:r>
-            <a:endParaRPr lang="en-US" altLang="ko-KR" dirty="0">
-              <a:latin typeface="+mj-ea"/>
-              <a:ea typeface="+mj-ea"/>
-            </a:endParaRPr>
-          </a:p>
-          <a:p>
-            <a:r>
-              <a:rPr lang="en-US" altLang="ko-KR" sz="3200" dirty="0">
-                <a:solidFill>
-                  <a:srgbClr val="0070C0"/>
-                </a:solidFill>
-                <a:ea typeface="휴먼매직체" panose="02030504000101010101" pitchFamily="18" charset="-127"/>
-              </a:rPr>
-              <a:t>           =&gt; </a:t>
-            </a:r>
-            <a:r>
-              <a:rPr lang="ko-KR" altLang="en-US" sz="3200" dirty="0">
-                <a:solidFill>
-                  <a:srgbClr val="0070C0"/>
-                </a:solidFill>
-                <a:ea typeface="휴먼매직체" panose="02030504000101010101" pitchFamily="18" charset="-127"/>
-              </a:rPr>
-              <a:t>성공</a:t>
-            </a:r>
-            <a:r>
-              <a:rPr lang="en-US" altLang="ko-KR" sz="3200" dirty="0">
-                <a:solidFill>
-                  <a:srgbClr val="0070C0"/>
-                </a:solidFill>
-                <a:ea typeface="휴먼매직체" panose="02030504000101010101" pitchFamily="18" charset="-127"/>
-              </a:rPr>
-              <a:t>!</a:t>
-            </a:r>
-          </a:p>
-          <a:p>
-            <a:r>
-              <a:rPr lang="en-US" altLang="ko-KR" sz="2000" dirty="0">
-                <a:solidFill>
-                  <a:schemeClr val="accent2">
-                    <a:lumMod val="75000"/>
-                  </a:schemeClr>
-                </a:solidFill>
-                <a:latin typeface="휴먼매직체" panose="02030504000101010101" pitchFamily="18" charset="-127"/>
-                <a:ea typeface="휴먼매직체" panose="02030504000101010101" pitchFamily="18" charset="-127"/>
-              </a:rPr>
-              <a:t> </a:t>
-            </a:r>
-            <a:endParaRPr lang="ko-KR" altLang="en-US" sz="2000" dirty="0">
-              <a:solidFill>
-                <a:schemeClr val="accent2">
-                  <a:lumMod val="75000"/>
-                </a:schemeClr>
-              </a:solidFill>
-              <a:latin typeface="휴먼매직체" panose="02030504000101010101" pitchFamily="18" charset="-127"/>
-              <a:ea typeface="휴먼매직체" panose="02030504000101010101" pitchFamily="18" charset="-127"/>
-            </a:endParaRPr>
+              <a:rPr lang="ko-KR" altLang="en-US" i="1" dirty="0">
+                <a:solidFill>
+                  <a:srgbClr val="FFFF00"/>
+                </a:solidFill>
+                <a:latin typeface="HY엽서M" panose="02030600000101010101" pitchFamily="18" charset="-127"/>
+                <a:ea typeface="HY엽서M" panose="02030600000101010101" pitchFamily="18" charset="-127"/>
+              </a:rPr>
+              <a:t>참 편하다</a:t>
+            </a:r>
           </a:p>
         </p:txBody>
       </p:sp>
     </p:spTree>
     <p:extLst>
       <p:ext uri="{BB962C8B-B14F-4D97-AF65-F5344CB8AC3E}">
-        <p14:creationId xmlns:p14="http://schemas.microsoft.com/office/powerpoint/2010/main" val="579886754"/>
+        <p14:creationId xmlns:p14="http://schemas.microsoft.com/office/powerpoint/2010/main" val="2737179520"/>
       </p:ext>
     </p:extLst>
   </p:cSld>
@@ -11382,10 +16450,10 @@
                   </a:outerShdw>
                 </a:effectLst>
               </a:rPr>
-              <a:t>– search </a:t>
-            </a:r>
-            <a:r>
-              <a:rPr lang="ko-KR" altLang="en-US" sz="2800" b="1" dirty="0" err="1">
+              <a:t>- </a:t>
+            </a:r>
+            <a:r>
+              <a:rPr lang="ko-KR" altLang="en-US" sz="2800" b="1" dirty="0">
                 <a:ln w="6600">
                   <a:solidFill>
                     <a:schemeClr val="tx1"/>
@@ -11401,27 +16469,24 @@
                   </a:outerShdw>
                 </a:effectLst>
               </a:rPr>
-              <a:t>더보기</a:t>
-            </a:r>
-            <a:r>
-              <a:rPr lang="en-US" altLang="ko-KR" sz="2800" b="1" dirty="0">
-                <a:ln w="6600">
-                  <a:solidFill>
-                    <a:schemeClr val="tx1"/>
-                  </a:solidFill>
-                  <a:prstDash val="solid"/>
-                </a:ln>
-                <a:solidFill>
-                  <a:srgbClr val="008DF6"/>
-                </a:solidFill>
-                <a:effectLst>
-                  <a:outerShdw dist="38100" dir="2700000" algn="tl" rotWithShape="0">
-                    <a:schemeClr val="accent2"/>
-                  </a:outerShdw>
-                </a:effectLst>
-              </a:rPr>
-              <a:t>..</a:t>
-            </a:r>
+              <a:t>통합검색</a:t>
+            </a:r>
+            <a:endParaRPr lang="en-US" altLang="ko-KR" sz="2800" b="1" dirty="0">
+              <a:ln w="6600">
+                <a:solidFill>
+                  <a:schemeClr val="tx1"/>
+                </a:solidFill>
+                <a:prstDash val="solid"/>
+              </a:ln>
+              <a:solidFill>
+                <a:srgbClr val="008DF6"/>
+              </a:solidFill>
+              <a:effectLst>
+                <a:outerShdw dist="38100" dir="2700000" algn="tl" rotWithShape="0">
+                  <a:schemeClr val="accent2"/>
+                </a:outerShdw>
+              </a:effectLst>
+            </a:endParaRPr>
           </a:p>
         </p:txBody>
       </p:sp>
@@ -11440,7 +16505,7 @@
           <p:nvPr/>
         </p:nvPicPr>
         <p:blipFill rotWithShape="1">
-          <a:blip r:embed="rId2" cstate="hqprint">
+          <a:blip r:embed="rId3" cstate="hqprint">
             <a:extLst>
               <a:ext uri="{28A0092B-C50C-407E-A947-70E740481C1C}">
                 <a14:useLocalDpi xmlns:a14="http://schemas.microsoft.com/office/drawing/2010/main" val="0"/>
@@ -11485,7 +16550,7 @@
           <p:nvPr/>
         </p:nvPicPr>
         <p:blipFill rotWithShape="1">
-          <a:blip r:embed="rId3" cstate="hqprint">
+          <a:blip r:embed="rId4" cstate="hqprint">
             <a:extLst>
               <a:ext uri="{28A0092B-C50C-407E-A947-70E740481C1C}">
                 <a14:useLocalDpi xmlns:a14="http://schemas.microsoft.com/office/drawing/2010/main" val="0"/>
@@ -11515,34 +16580,300 @@
           </a:extLst>
         </p:spPr>
       </p:pic>
-      <p:pic>
-        <p:nvPicPr>
-          <p:cNvPr id="2" name="그림 1"/>
-          <p:cNvPicPr>
-            <a:picLocks noChangeAspect="1"/>
-          </p:cNvPicPr>
+      <p:sp>
+        <p:nvSpPr>
+          <p:cNvPr id="2" name="TextBox 1"/>
+          <p:cNvSpPr txBox="1"/>
           <p:nvPr/>
-        </p:nvPicPr>
-        <p:blipFill>
-          <a:blip r:embed="rId4"/>
-          <a:stretch>
-            <a:fillRect/>
-          </a:stretch>
-        </p:blipFill>
+        </p:nvSpPr>
         <p:spPr>
           <a:xfrm>
-            <a:off x="300580" y="1183060"/>
-            <a:ext cx="7452927" cy="4231622"/>
+            <a:off x="601162" y="1192306"/>
+            <a:ext cx="10093732" cy="3046988"/>
           </a:xfrm>
           <a:prstGeom prst="rect">
             <a:avLst/>
           </a:prstGeom>
+          <a:noFill/>
         </p:spPr>
-      </p:pic>
+        <p:txBody>
+          <a:bodyPr wrap="square" rtlCol="0">
+            <a:spAutoFit/>
+          </a:bodyPr>
+          <a:lstStyle/>
+          <a:p>
+            <a:r>
+              <a:rPr lang="en-US" altLang="ko-KR" dirty="0"/>
+              <a:t>1</a:t>
+            </a:r>
+            <a:r>
+              <a:rPr lang="ko-KR" altLang="en-US" dirty="0"/>
+              <a:t>안</a:t>
+            </a:r>
+            <a:r>
+              <a:rPr lang="en-US" altLang="ko-KR" dirty="0"/>
+              <a:t>: &lt;Select&gt;</a:t>
+            </a:r>
+            <a:r>
+              <a:rPr lang="ko-KR" altLang="en-US" dirty="0"/>
+              <a:t>태그로 각 분류를 선택해서 </a:t>
+            </a:r>
+            <a:r>
+              <a:rPr lang="ko-KR" altLang="en-US" dirty="0" err="1"/>
+              <a:t>분류별</a:t>
+            </a:r>
+            <a:r>
+              <a:rPr lang="ko-KR" altLang="en-US" dirty="0"/>
+              <a:t> 테이블을 가져와서 검색한다</a:t>
+            </a:r>
+            <a:r>
+              <a:rPr lang="en-US" altLang="ko-KR" dirty="0"/>
+              <a:t>.</a:t>
+            </a:r>
+          </a:p>
+          <a:p>
+            <a:r>
+              <a:rPr lang="en-US" altLang="ko-KR" dirty="0"/>
+              <a:t>             </a:t>
+            </a:r>
+            <a:r>
+              <a:rPr lang="en-US" altLang="ko-KR" sz="2800" dirty="0">
+                <a:solidFill>
+                  <a:schemeClr val="accent2">
+                    <a:lumMod val="75000"/>
+                  </a:schemeClr>
+                </a:solidFill>
+                <a:latin typeface="휴먼매직체" panose="02030504000101010101" pitchFamily="18" charset="-127"/>
+                <a:ea typeface="휴먼매직체" panose="02030504000101010101" pitchFamily="18" charset="-127"/>
+              </a:rPr>
+              <a:t>=&gt;</a:t>
+            </a:r>
+            <a:r>
+              <a:rPr lang="ko-KR" altLang="en-US" sz="2800" dirty="0">
+                <a:solidFill>
+                  <a:schemeClr val="accent2">
+                    <a:lumMod val="75000"/>
+                  </a:schemeClr>
+                </a:solidFill>
+                <a:latin typeface="휴먼매직체" panose="02030504000101010101" pitchFamily="18" charset="-127"/>
+                <a:ea typeface="휴먼매직체" panose="02030504000101010101" pitchFamily="18" charset="-127"/>
+              </a:rPr>
+              <a:t>실패</a:t>
+            </a:r>
+            <a:r>
+              <a:rPr lang="en-US" altLang="ko-KR" sz="2800" dirty="0">
+                <a:solidFill>
+                  <a:schemeClr val="accent2">
+                    <a:lumMod val="75000"/>
+                  </a:schemeClr>
+                </a:solidFill>
+                <a:latin typeface="휴먼매직체" panose="02030504000101010101" pitchFamily="18" charset="-127"/>
+                <a:ea typeface="휴먼매직체" panose="02030504000101010101" pitchFamily="18" charset="-127"/>
+              </a:rPr>
+              <a:t>!</a:t>
+            </a:r>
+          </a:p>
+          <a:p>
+            <a:endParaRPr lang="en-US" altLang="ko-KR" dirty="0"/>
+          </a:p>
+          <a:p>
+            <a:r>
+              <a:rPr lang="en-US" altLang="ko-KR" dirty="0"/>
+              <a:t>2</a:t>
+            </a:r>
+            <a:r>
+              <a:rPr lang="ko-KR" altLang="en-US" dirty="0"/>
+              <a:t>안</a:t>
+            </a:r>
+            <a:r>
+              <a:rPr lang="en-US" altLang="ko-KR" dirty="0"/>
+              <a:t>: &lt;</a:t>
+            </a:r>
+            <a:r>
+              <a:rPr lang="en-US" altLang="ko-KR" dirty="0" err="1"/>
+              <a:t>jsp:include</a:t>
+            </a:r>
+            <a:r>
+              <a:rPr lang="en-US" altLang="ko-KR" dirty="0"/>
+              <a:t> page="</a:t>
+            </a:r>
+            <a:r>
+              <a:rPr lang="en-US" altLang="ko-KR" dirty="0" err="1"/>
+              <a:t>search_exercise.jsp</a:t>
+            </a:r>
+            <a:r>
+              <a:rPr lang="en-US" altLang="ko-KR" dirty="0"/>
+              <a:t>" /&gt; </a:t>
+            </a:r>
+            <a:r>
+              <a:rPr lang="ko-KR" altLang="en-US" dirty="0"/>
+              <a:t>코드를 사용해 </a:t>
+            </a:r>
+            <a:r>
+              <a:rPr lang="en-US" altLang="ko-KR" dirty="0"/>
+              <a:t>page</a:t>
+            </a:r>
+            <a:r>
+              <a:rPr lang="ko-KR" altLang="en-US" dirty="0"/>
+              <a:t>를 </a:t>
+            </a:r>
+            <a:r>
+              <a:rPr lang="en-US" altLang="ko-KR" dirty="0"/>
+              <a:t>include </a:t>
+            </a:r>
+            <a:r>
+              <a:rPr lang="ko-KR" altLang="en-US" dirty="0"/>
+              <a:t>한다</a:t>
+            </a:r>
+            <a:r>
+              <a:rPr lang="en-US" altLang="ko-KR" dirty="0"/>
+              <a:t>.</a:t>
+            </a:r>
+          </a:p>
+          <a:p>
+            <a:r>
+              <a:rPr lang="en-US" altLang="ko-KR" dirty="0"/>
+              <a:t>             </a:t>
+            </a:r>
+            <a:r>
+              <a:rPr lang="en-US" altLang="ko-KR" sz="2000" dirty="0">
+                <a:solidFill>
+                  <a:schemeClr val="accent2">
+                    <a:lumMod val="75000"/>
+                  </a:schemeClr>
+                </a:solidFill>
+                <a:latin typeface="휴먼매직체" panose="02030504000101010101" pitchFamily="18" charset="-127"/>
+                <a:ea typeface="휴먼매직체" panose="02030504000101010101" pitchFamily="18" charset="-127"/>
+              </a:rPr>
+              <a:t>=&gt;</a:t>
+            </a:r>
+            <a:r>
+              <a:rPr lang="ko-KR" altLang="en-US" sz="2000" dirty="0">
+                <a:solidFill>
+                  <a:schemeClr val="accent2">
+                    <a:lumMod val="75000"/>
+                  </a:schemeClr>
+                </a:solidFill>
+                <a:latin typeface="휴먼매직체" panose="02030504000101010101" pitchFamily="18" charset="-127"/>
+                <a:ea typeface="휴먼매직체" panose="02030504000101010101" pitchFamily="18" charset="-127"/>
+              </a:rPr>
+              <a:t>검색이 안 돼 실패</a:t>
+            </a:r>
+            <a:r>
+              <a:rPr lang="en-US" altLang="ko-KR" sz="2000" dirty="0">
+                <a:solidFill>
+                  <a:schemeClr val="accent2">
+                    <a:lumMod val="75000"/>
+                  </a:schemeClr>
+                </a:solidFill>
+                <a:latin typeface="휴먼매직체" panose="02030504000101010101" pitchFamily="18" charset="-127"/>
+                <a:ea typeface="휴먼매직체" panose="02030504000101010101" pitchFamily="18" charset="-127"/>
+              </a:rPr>
+              <a:t>!</a:t>
+            </a:r>
+          </a:p>
+          <a:p>
+            <a:endParaRPr lang="en-US" altLang="ko-KR" sz="2000" dirty="0">
+              <a:solidFill>
+                <a:schemeClr val="accent2">
+                  <a:lumMod val="75000"/>
+                </a:schemeClr>
+              </a:solidFill>
+              <a:ea typeface="휴먼매직체" panose="02030504000101010101" pitchFamily="18" charset="-127"/>
+            </a:endParaRPr>
+          </a:p>
+          <a:p>
+            <a:r>
+              <a:rPr lang="en-US" altLang="ko-KR" dirty="0">
+                <a:latin typeface="+mj-ea"/>
+                <a:ea typeface="+mj-ea"/>
+              </a:rPr>
+              <a:t>3</a:t>
+            </a:r>
+            <a:r>
+              <a:rPr lang="ko-KR" altLang="en-US" dirty="0">
+                <a:latin typeface="+mj-ea"/>
+                <a:ea typeface="+mj-ea"/>
+              </a:rPr>
+              <a:t>안</a:t>
+            </a:r>
+            <a:r>
+              <a:rPr lang="en-US" altLang="ko-KR" dirty="0">
+                <a:latin typeface="+mj-ea"/>
+                <a:ea typeface="+mj-ea"/>
+              </a:rPr>
+              <a:t>:</a:t>
+            </a:r>
+            <a:r>
+              <a:rPr lang="ko-KR" altLang="en-US" dirty="0">
+                <a:latin typeface="+mj-ea"/>
+                <a:ea typeface="+mj-ea"/>
+              </a:rPr>
+              <a:t> 각 검색 페이지의 코드를 이어 붙인다</a:t>
+            </a:r>
+            <a:endParaRPr lang="en-US" altLang="ko-KR" dirty="0">
+              <a:latin typeface="+mj-ea"/>
+              <a:ea typeface="+mj-ea"/>
+            </a:endParaRPr>
+          </a:p>
+          <a:p>
+            <a:r>
+              <a:rPr lang="en-US" altLang="ko-KR" sz="3200" dirty="0">
+                <a:solidFill>
+                  <a:srgbClr val="0070C0"/>
+                </a:solidFill>
+                <a:ea typeface="휴먼매직체" panose="02030504000101010101" pitchFamily="18" charset="-127"/>
+              </a:rPr>
+              <a:t>           =&gt; </a:t>
+            </a:r>
+            <a:r>
+              <a:rPr lang="ko-KR" altLang="en-US" sz="3200" dirty="0">
+                <a:solidFill>
+                  <a:srgbClr val="0070C0"/>
+                </a:solidFill>
+                <a:ea typeface="휴먼매직체" panose="02030504000101010101" pitchFamily="18" charset="-127"/>
+              </a:rPr>
+              <a:t>성공</a:t>
+            </a:r>
+            <a:r>
+              <a:rPr lang="en-US" altLang="ko-KR" sz="3200" dirty="0">
+                <a:solidFill>
+                  <a:srgbClr val="0070C0"/>
+                </a:solidFill>
+                <a:ea typeface="휴먼매직체" panose="02030504000101010101" pitchFamily="18" charset="-127"/>
+              </a:rPr>
+              <a:t>!</a:t>
+            </a:r>
+          </a:p>
+          <a:p>
+            <a:r>
+              <a:rPr lang="en-US" altLang="ko-KR" sz="2000" dirty="0">
+                <a:solidFill>
+                  <a:schemeClr val="accent2">
+                    <a:lumMod val="75000"/>
+                  </a:schemeClr>
+                </a:solidFill>
+                <a:latin typeface="휴먼매직체" panose="02030504000101010101" pitchFamily="18" charset="-127"/>
+                <a:ea typeface="휴먼매직체" panose="02030504000101010101" pitchFamily="18" charset="-127"/>
+              </a:rPr>
+              <a:t> </a:t>
+            </a:r>
+            <a:endParaRPr lang="ko-KR" altLang="en-US" sz="2000" dirty="0">
+              <a:solidFill>
+                <a:schemeClr val="accent2">
+                  <a:lumMod val="75000"/>
+                </a:schemeClr>
+              </a:solidFill>
+              <a:latin typeface="휴먼매직체" panose="02030504000101010101" pitchFamily="18" charset="-127"/>
+              <a:ea typeface="휴먼매직체" panose="02030504000101010101" pitchFamily="18" charset="-127"/>
+            </a:endParaRPr>
+          </a:p>
+        </p:txBody>
+      </p:sp>
     </p:spTree>
     <p:extLst>
       <p:ext uri="{BB962C8B-B14F-4D97-AF65-F5344CB8AC3E}">
-        <p14:creationId xmlns:p14="http://schemas.microsoft.com/office/powerpoint/2010/main" val="2264599366"/>
+        <p14:creationId xmlns:p14="http://schemas.microsoft.com/office/powerpoint/2010/main" val="579886754"/>
       </p:ext>
     </p:extLst>
   </p:cSld>
@@ -11798,7 +17129,7 @@
           <p:nvPr/>
         </p:nvPicPr>
         <p:blipFill rotWithShape="1">
-          <a:blip r:embed="rId2" cstate="hqprint">
+          <a:blip r:embed="rId3" cstate="hqprint">
             <a:extLst>
               <a:ext uri="{28A0092B-C50C-407E-A947-70E740481C1C}">
                 <a14:useLocalDpi xmlns:a14="http://schemas.microsoft.com/office/drawing/2010/main" val="0"/>
@@ -11843,7 +17174,7 @@
           <p:nvPr/>
         </p:nvPicPr>
         <p:blipFill rotWithShape="1">
-          <a:blip r:embed="rId3" cstate="hqprint">
+          <a:blip r:embed="rId4" cstate="hqprint">
             <a:extLst>
               <a:ext uri="{28A0092B-C50C-407E-A947-70E740481C1C}">
                 <a14:useLocalDpi xmlns:a14="http://schemas.microsoft.com/office/drawing/2010/main" val="0"/>
@@ -11875,22 +17206,22 @@
       </p:pic>
       <p:pic>
         <p:nvPicPr>
-          <p:cNvPr id="3" name="그림 2"/>
+          <p:cNvPr id="2" name="그림 1"/>
           <p:cNvPicPr>
             <a:picLocks noChangeAspect="1"/>
           </p:cNvPicPr>
           <p:nvPr/>
         </p:nvPicPr>
         <p:blipFill>
-          <a:blip r:embed="rId4"/>
+          <a:blip r:embed="rId5"/>
           <a:stretch>
             <a:fillRect/>
           </a:stretch>
         </p:blipFill>
         <p:spPr>
           <a:xfrm>
-            <a:off x="432117" y="1189829"/>
-            <a:ext cx="10350473" cy="1858171"/>
+            <a:off x="300580" y="1183060"/>
+            <a:ext cx="7452927" cy="4231622"/>
           </a:xfrm>
           <a:prstGeom prst="rect">
             <a:avLst/>
@@ -11900,7 +17231,7 @@
     </p:spTree>
     <p:extLst>
       <p:ext uri="{BB962C8B-B14F-4D97-AF65-F5344CB8AC3E}">
-        <p14:creationId xmlns:p14="http://schemas.microsoft.com/office/powerpoint/2010/main" val="787830803"/>
+        <p14:creationId xmlns:p14="http://schemas.microsoft.com/office/powerpoint/2010/main" val="2264599366"/>
       </p:ext>
     </p:extLst>
   </p:cSld>
@@ -11987,7 +17318,7 @@
           <a:lstStyle/>
           <a:p>
             <a:r>
-              <a:rPr lang="en-US" altLang="ko-KR" sz="2800" b="1" dirty="0" err="1">
+              <a:rPr lang="ko-KR" altLang="en-US" sz="2800" b="1" dirty="0" err="1">
                 <a:ln w="6600">
                   <a:solidFill>
                     <a:schemeClr val="tx1"/>
@@ -11995,7 +17326,7 @@
                   <a:prstDash val="solid"/>
                 </a:ln>
                 <a:solidFill>
-                  <a:srgbClr val="008DF6"/>
+                  <a:srgbClr val="FF8585"/>
                 </a:solidFill>
                 <a:effectLst>
                   <a:outerShdw dist="38100" dir="2700000" algn="tl" rotWithShape="0">
@@ -12003,7 +17334,83 @@
                   </a:outerShdw>
                 </a:effectLst>
               </a:rPr>
-              <a:t>Github</a:t>
+              <a:t>코</a:t>
+            </a:r>
+            <a:r>
+              <a:rPr lang="ko-KR" altLang="en-US" sz="2800" b="1" dirty="0" err="1">
+                <a:ln w="6600">
+                  <a:solidFill>
+                    <a:schemeClr val="tx1"/>
+                  </a:solidFill>
+                  <a:prstDash val="solid"/>
+                </a:ln>
+                <a:solidFill>
+                  <a:srgbClr val="00B050"/>
+                </a:solidFill>
+                <a:effectLst>
+                  <a:outerShdw dist="38100" dir="2700000" algn="tl" rotWithShape="0">
+                    <a:schemeClr val="accent2"/>
+                  </a:outerShdw>
+                </a:effectLst>
+              </a:rPr>
+              <a:t>드</a:t>
+            </a:r>
+            <a:r>
+              <a:rPr lang="ko-KR" altLang="en-US" sz="2800" b="1" dirty="0" err="1">
+                <a:ln w="6600">
+                  <a:solidFill>
+                    <a:schemeClr val="tx1"/>
+                  </a:solidFill>
+                  <a:prstDash val="solid"/>
+                </a:ln>
+                <a:solidFill>
+                  <a:srgbClr val="FFC000"/>
+                </a:solidFill>
+                <a:effectLst>
+                  <a:outerShdw dist="38100" dir="2700000" algn="tl" rotWithShape="0">
+                    <a:schemeClr val="accent2"/>
+                  </a:outerShdw>
+                </a:effectLst>
+              </a:rPr>
+              <a:t>리</a:t>
+            </a:r>
+            <a:r>
+              <a:rPr lang="ko-KR" altLang="en-US" sz="2800" b="1" dirty="0" err="1">
+                <a:ln w="6600">
+                  <a:solidFill>
+                    <a:schemeClr val="tx1"/>
+                  </a:solidFill>
+                  <a:prstDash val="solid"/>
+                </a:ln>
+                <a:solidFill>
+                  <a:srgbClr val="008DF6"/>
+                </a:solidFill>
+                <a:effectLst>
+                  <a:outerShdw dist="38100" dir="2700000" algn="tl" rotWithShape="0">
+                    <a:schemeClr val="accent2"/>
+                  </a:outerShdw>
+                </a:effectLst>
+              </a:rPr>
+              <a:t>뷰</a:t>
+            </a:r>
+            <a:r>
+              <a:rPr lang="ko-KR" altLang="en-US" sz="2800" b="1" dirty="0">
+                <a:ln w="6600">
+                  <a:solidFill>
+                    <a:schemeClr val="tx1"/>
+                  </a:solidFill>
+                  <a:prstDash val="solid"/>
+                </a:ln>
+                <a:solidFill>
+                  <a:srgbClr val="008DF6"/>
+                </a:solidFill>
+                <a:effectLst>
+                  <a:outerShdw dist="38100" dir="2700000" algn="tl" rotWithShape="0">
+                    <a:schemeClr val="accent2"/>
+                  </a:outerShdw>
+                </a:effectLst>
+              </a:rPr>
+              <a:t> </a:t>
             </a:r>
             <a:r>
               <a:rPr lang="en-US" altLang="ko-KR" sz="2800" b="1" dirty="0">
@@ -12022,10 +17429,10 @@
                   </a:outerShdw>
                 </a:effectLst>
               </a:rPr>
-              <a:t> </a:t>
-            </a:r>
-            <a:r>
-              <a:rPr lang="ko-KR" altLang="en-US" sz="2800" b="1" dirty="0">
+              <a:t>– search </a:t>
+            </a:r>
+            <a:r>
+              <a:rPr lang="ko-KR" altLang="en-US" sz="2800" b="1" dirty="0" err="1">
                 <a:ln w="6600">
                   <a:solidFill>
                     <a:schemeClr val="tx1"/>
@@ -12041,24 +17448,27 @@
                   </a:outerShdw>
                 </a:effectLst>
               </a:rPr>
-              <a:t>사용</a:t>
-            </a:r>
-            <a:endParaRPr lang="en-US" altLang="ko-KR" sz="2800" b="1" dirty="0">
-              <a:ln w="6600">
-                <a:solidFill>
-                  <a:schemeClr val="tx1"/>
-                </a:solidFill>
-                <a:prstDash val="solid"/>
-              </a:ln>
-              <a:solidFill>
-                <a:srgbClr val="008DF6"/>
-              </a:solidFill>
-              <a:effectLst>
-                <a:outerShdw dist="38100" dir="2700000" algn="tl" rotWithShape="0">
-                  <a:schemeClr val="accent2"/>
-                </a:outerShdw>
-              </a:effectLst>
-            </a:endParaRPr>
+              <a:t>더보기</a:t>
+            </a:r>
+            <a:r>
+              <a:rPr lang="en-US" altLang="ko-KR" sz="2800" b="1" dirty="0">
+                <a:ln w="6600">
+                  <a:solidFill>
+                    <a:schemeClr val="tx1"/>
+                  </a:solidFill>
+                  <a:prstDash val="solid"/>
+                </a:ln>
+                <a:solidFill>
+                  <a:srgbClr val="008DF6"/>
+                </a:solidFill>
+                <a:effectLst>
+                  <a:outerShdw dist="38100" dir="2700000" algn="tl" rotWithShape="0">
+                    <a:schemeClr val="accent2"/>
+                  </a:outerShdw>
+                </a:effectLst>
+              </a:rPr>
+              <a:t>..</a:t>
+            </a:r>
           </a:p>
         </p:txBody>
       </p:sp>
@@ -12077,7 +17487,7 @@
           <p:nvPr/>
         </p:nvPicPr>
         <p:blipFill rotWithShape="1">
-          <a:blip r:embed="rId2" cstate="hqprint">
+          <a:blip r:embed="rId3" cstate="hqprint">
             <a:extLst>
               <a:ext uri="{28A0092B-C50C-407E-A947-70E740481C1C}">
                 <a14:useLocalDpi xmlns:a14="http://schemas.microsoft.com/office/drawing/2010/main" val="0"/>
@@ -12122,7 +17532,7 @@
           <p:nvPr/>
         </p:nvPicPr>
         <p:blipFill rotWithShape="1">
-          <a:blip r:embed="rId3" cstate="hqprint">
+          <a:blip r:embed="rId4" cstate="hqprint">
             <a:extLst>
               <a:ext uri="{28A0092B-C50C-407E-A947-70E740481C1C}">
                 <a14:useLocalDpi xmlns:a14="http://schemas.microsoft.com/office/drawing/2010/main" val="0"/>
@@ -12152,116 +17562,24 @@
           </a:extLst>
         </p:spPr>
       </p:pic>
-      <p:sp>
-        <p:nvSpPr>
-          <p:cNvPr id="2" name="TextBox 1"/>
-          <p:cNvSpPr txBox="1"/>
-          <p:nvPr/>
-        </p:nvSpPr>
-        <p:spPr>
-          <a:xfrm>
-            <a:off x="914400" y="1165412"/>
-            <a:ext cx="9278471" cy="523220"/>
-          </a:xfrm>
-          <a:prstGeom prst="rect">
-            <a:avLst/>
-          </a:prstGeom>
-          <a:noFill/>
-        </p:spPr>
-        <p:txBody>
-          <a:bodyPr wrap="square" rtlCol="0">
-            <a:spAutoFit/>
-          </a:bodyPr>
-          <a:lstStyle/>
-          <a:p>
-            <a:r>
-              <a:rPr lang="en-US" altLang="ko-KR" sz="2800" dirty="0">
-                <a:solidFill>
-                  <a:srgbClr val="00B050"/>
-                </a:solidFill>
-              </a:rPr>
-              <a:t>https://github.com/Sujin-Lim/firstCollabor.git</a:t>
-            </a:r>
-            <a:endParaRPr lang="ko-KR" altLang="en-US" sz="2800" dirty="0">
-              <a:solidFill>
-                <a:srgbClr val="00B050"/>
-              </a:solidFill>
-            </a:endParaRPr>
-          </a:p>
-        </p:txBody>
-      </p:sp>
-      <p:sp>
-        <p:nvSpPr>
-          <p:cNvPr id="3" name="TextBox 2"/>
-          <p:cNvSpPr txBox="1"/>
-          <p:nvPr/>
-        </p:nvSpPr>
-        <p:spPr>
-          <a:xfrm>
-            <a:off x="1039906" y="2474259"/>
-            <a:ext cx="9861176" cy="369332"/>
-          </a:xfrm>
-          <a:prstGeom prst="rect">
-            <a:avLst/>
-          </a:prstGeom>
-          <a:noFill/>
-        </p:spPr>
-        <p:txBody>
-          <a:bodyPr wrap="square" rtlCol="0">
-            <a:spAutoFit/>
-          </a:bodyPr>
-          <a:lstStyle/>
-          <a:p>
-            <a:r>
-              <a:rPr lang="en-US" altLang="ko-KR" dirty="0" err="1"/>
-              <a:t>Git</a:t>
-            </a:r>
-            <a:r>
-              <a:rPr lang="ko-KR" altLang="en-US" dirty="0"/>
-              <a:t>을 사용하여 버전 관리 </a:t>
-            </a:r>
-            <a:r>
-              <a:rPr lang="en-US" altLang="ko-KR" dirty="0"/>
-              <a:t>-&gt; branch </a:t>
-            </a:r>
-            <a:r>
-              <a:rPr lang="ko-KR" altLang="en-US" dirty="0"/>
-              <a:t>개념</a:t>
-            </a:r>
-            <a:r>
-              <a:rPr lang="en-US" altLang="ko-KR" dirty="0"/>
-              <a:t>, merge, pull request </a:t>
-            </a:r>
-            <a:r>
-              <a:rPr lang="ko-KR" altLang="en-US" dirty="0"/>
-              <a:t>사용법 숙지</a:t>
-            </a:r>
-            <a:r>
-              <a:rPr lang="en-US" altLang="ko-KR" dirty="0"/>
-              <a:t>!</a:t>
-            </a:r>
-            <a:endParaRPr lang="ko-KR" altLang="en-US" dirty="0"/>
-          </a:p>
-        </p:txBody>
-      </p:sp>
       <p:pic>
         <p:nvPicPr>
-          <p:cNvPr id="4" name="그림 3"/>
+          <p:cNvPr id="3" name="그림 2"/>
           <p:cNvPicPr>
             <a:picLocks noChangeAspect="1"/>
           </p:cNvPicPr>
           <p:nvPr/>
         </p:nvPicPr>
         <p:blipFill>
-          <a:blip r:embed="rId4"/>
+          <a:blip r:embed="rId5"/>
           <a:stretch>
             <a:fillRect/>
           </a:stretch>
         </p:blipFill>
         <p:spPr>
           <a:xfrm>
-            <a:off x="1039906" y="3099554"/>
-            <a:ext cx="6276531" cy="3301247"/>
+            <a:off x="432117" y="1189829"/>
+            <a:ext cx="10350473" cy="1858171"/>
           </a:xfrm>
           <a:prstGeom prst="rect">
             <a:avLst/>
@@ -12271,7 +17589,7 @@
     </p:spTree>
     <p:extLst>
       <p:ext uri="{BB962C8B-B14F-4D97-AF65-F5344CB8AC3E}">
-        <p14:creationId xmlns:p14="http://schemas.microsoft.com/office/powerpoint/2010/main" val="2150928006"/>
+        <p14:creationId xmlns:p14="http://schemas.microsoft.com/office/powerpoint/2010/main" val="787830803"/>
       </p:ext>
     </p:extLst>
   </p:cSld>
@@ -12412,45 +17730,7 @@
                   </a:outerShdw>
                 </a:effectLst>
               </a:rPr>
-              <a:t>사용 </a:t>
-            </a:r>
-            <a:r>
-              <a:rPr lang="en-US" altLang="ko-KR" sz="2800" b="1" dirty="0">
-                <a:ln w="6600">
-                  <a:solidFill>
-                    <a:schemeClr val="tx1"/>
-                  </a:solidFill>
-                  <a:prstDash val="solid"/>
-                </a:ln>
-                <a:solidFill>
-                  <a:srgbClr val="008DF6"/>
-                </a:solidFill>
-                <a:effectLst>
-                  <a:outerShdw dist="38100" dir="2700000" algn="tl" rotWithShape="0">
-                    <a:schemeClr val="accent2"/>
-                  </a:outerShdw>
-                </a:effectLst>
-              </a:rPr>
-              <a:t>– branch </a:t>
-            </a:r>
-            <a:r>
-              <a:rPr lang="ko-KR" altLang="en-US" sz="2800" b="1" dirty="0">
-                <a:ln w="6600">
-                  <a:solidFill>
-                    <a:schemeClr val="tx1"/>
-                  </a:solidFill>
-                  <a:prstDash val="solid"/>
-                </a:ln>
-                <a:solidFill>
-                  <a:srgbClr val="008DF6"/>
-                </a:solidFill>
-                <a:effectLst>
-                  <a:outerShdw dist="38100" dir="2700000" algn="tl" rotWithShape="0">
-                    <a:schemeClr val="accent2"/>
-                  </a:outerShdw>
-                </a:effectLst>
-              </a:rPr>
-              <a:t>개념</a:t>
+              <a:t>사용</a:t>
             </a:r>
             <a:endParaRPr lang="en-US" altLang="ko-KR" sz="2800" b="1" dirty="0">
               <a:ln w="6600">
@@ -12486,7 +17766,7 @@
           <p:nvPr/>
         </p:nvPicPr>
         <p:blipFill rotWithShape="1">
-          <a:blip r:embed="rId2" cstate="hqprint">
+          <a:blip r:embed="rId3" cstate="hqprint">
             <a:extLst>
               <a:ext uri="{28A0092B-C50C-407E-A947-70E740481C1C}">
                 <a14:useLocalDpi xmlns:a14="http://schemas.microsoft.com/office/drawing/2010/main" val="0"/>
@@ -12531,7 +17811,7 @@
           <p:nvPr/>
         </p:nvPicPr>
         <p:blipFill rotWithShape="1">
-          <a:blip r:embed="rId3" cstate="hqprint">
+          <a:blip r:embed="rId4" cstate="hqprint">
             <a:extLst>
               <a:ext uri="{28A0092B-C50C-407E-A947-70E740481C1C}">
                 <a14:useLocalDpi xmlns:a14="http://schemas.microsoft.com/office/drawing/2010/main" val="0"/>
@@ -12543,8 +17823,8 @@
         </p:blipFill>
         <p:spPr bwMode="auto">
           <a:xfrm>
-            <a:off x="818693" y="5563440"/>
-            <a:ext cx="1323872" cy="1285483"/>
+            <a:off x="9406881" y="5687650"/>
+            <a:ext cx="1033869" cy="1003889"/>
           </a:xfrm>
           <a:prstGeom prst="rect">
             <a:avLst/>
@@ -12561,118 +17841,98 @@
           </a:extLst>
         </p:spPr>
       </p:pic>
-      <p:pic>
-        <p:nvPicPr>
-          <p:cNvPr id="2" name="그림 1"/>
-          <p:cNvPicPr>
-            <a:picLocks noChangeAspect="1"/>
-          </p:cNvPicPr>
+      <p:sp>
+        <p:nvSpPr>
+          <p:cNvPr id="2" name="TextBox 1"/>
+          <p:cNvSpPr txBox="1"/>
           <p:nvPr/>
-        </p:nvPicPr>
-        <p:blipFill>
-          <a:blip r:embed="rId4"/>
-          <a:stretch>
-            <a:fillRect/>
-          </a:stretch>
-        </p:blipFill>
+        </p:nvSpPr>
         <p:spPr>
           <a:xfrm>
-            <a:off x="665630" y="1420065"/>
-            <a:ext cx="3886200" cy="4143375"/>
-          </a:xfrm>
-          <a:prstGeom prst="rect">
-            <a:avLst/>
-          </a:prstGeom>
-        </p:spPr>
-      </p:pic>
-      <p:sp>
-        <p:nvSpPr>
-          <p:cNvPr id="3" name="곱셈 기호 2"/>
-          <p:cNvSpPr/>
-          <p:nvPr/>
-        </p:nvSpPr>
-        <p:spPr>
-          <a:xfrm>
-            <a:off x="1653989" y="4787993"/>
-            <a:ext cx="1909482" cy="1550894"/>
-          </a:xfrm>
-          <a:prstGeom prst="mathMultiply">
-            <a:avLst/>
-          </a:prstGeom>
-          <a:solidFill>
-            <a:srgbClr val="FF0000"/>
-          </a:solidFill>
-        </p:spPr>
-        <p:style>
-          <a:lnRef idx="2">
-            <a:schemeClr val="accent1">
-              <a:shade val="50000"/>
-            </a:schemeClr>
-          </a:lnRef>
-          <a:fillRef idx="1">
-            <a:schemeClr val="accent1"/>
-          </a:fillRef>
-          <a:effectRef idx="0">
-            <a:schemeClr val="accent1"/>
-          </a:effectRef>
-          <a:fontRef idx="minor">
-            <a:schemeClr val="lt1"/>
-          </a:fontRef>
-        </p:style>
-        <p:txBody>
-          <a:bodyPr rtlCol="0" anchor="ctr"/>
-          <a:lstStyle/>
-          <a:p>
-            <a:pPr algn="ctr"/>
-            <a:endParaRPr lang="ko-KR" altLang="en-US"/>
-          </a:p>
-        </p:txBody>
-      </p:sp>
-      <p:pic>
-        <p:nvPicPr>
-          <p:cNvPr id="7" name="Picture 2" descr="D-171] 공부 끝 - 오르비">
-            <a:extLst>
-              <a:ext uri="{FF2B5EF4-FFF2-40B4-BE49-F238E27FC236}">
-                <a16:creationId xmlns:a16="http://schemas.microsoft.com/office/drawing/2014/main" id="{9D71B640-D03D-47B0-B7F4-A5926D65A3C8}"/>
-              </a:ext>
-            </a:extLst>
-          </p:cNvPr>
-          <p:cNvPicPr>
-            <a:picLocks noChangeAspect="1" noChangeArrowheads="1"/>
-          </p:cNvPicPr>
-          <p:nvPr/>
-        </p:nvPicPr>
-        <p:blipFill rotWithShape="1">
-          <a:blip r:embed="rId3" cstate="hqprint">
-            <a:extLst>
-              <a:ext uri="{28A0092B-C50C-407E-A947-70E740481C1C}">
-                <a14:useLocalDpi xmlns:a14="http://schemas.microsoft.com/office/drawing/2010/main" val="0"/>
-              </a:ext>
-            </a:extLst>
-          </a:blip>
-          <a:srcRect l="33059"/>
-          <a:stretch/>
-        </p:blipFill>
-        <p:spPr bwMode="auto">
-          <a:xfrm>
-            <a:off x="9571060" y="719936"/>
-            <a:ext cx="2044117" cy="1984843"/>
+            <a:off x="914400" y="1165412"/>
+            <a:ext cx="9278471" cy="523220"/>
           </a:xfrm>
           <a:prstGeom prst="rect">
             <a:avLst/>
           </a:prstGeom>
           <a:noFill/>
-          <a:extLst>
-            <a:ext uri="{909E8E84-426E-40DD-AFC4-6F175D3DCCD1}">
-              <a14:hiddenFill xmlns:a14="http://schemas.microsoft.com/office/drawing/2010/main">
-                <a:solidFill>
-                  <a:srgbClr val="FFFFFF"/>
-                </a:solidFill>
-              </a14:hiddenFill>
-            </a:ext>
-          </a:extLst>
         </p:spPr>
-      </p:pic>
+        <p:txBody>
+          <a:bodyPr wrap="square" rtlCol="0">
+            <a:spAutoFit/>
+          </a:bodyPr>
+          <a:lstStyle/>
+          <a:p>
+            <a:r>
+              <a:rPr lang="en-US" altLang="ko-KR" sz="2800" dirty="0">
+                <a:solidFill>
+                  <a:srgbClr val="00B050"/>
+                </a:solidFill>
+              </a:rPr>
+              <a:t>https://github.com/Sujin-Lim/firstCollabor.git</a:t>
+            </a:r>
+            <a:endParaRPr lang="ko-KR" altLang="en-US" sz="2800" dirty="0">
+              <a:solidFill>
+                <a:srgbClr val="00B050"/>
+              </a:solidFill>
+            </a:endParaRPr>
+          </a:p>
+        </p:txBody>
+      </p:sp>
+      <p:sp>
+        <p:nvSpPr>
+          <p:cNvPr id="3" name="TextBox 2"/>
+          <p:cNvSpPr txBox="1"/>
+          <p:nvPr/>
+        </p:nvSpPr>
+        <p:spPr>
+          <a:xfrm>
+            <a:off x="1039906" y="2474259"/>
+            <a:ext cx="9861176" cy="369332"/>
+          </a:xfrm>
+          <a:prstGeom prst="rect">
+            <a:avLst/>
+          </a:prstGeom>
+          <a:noFill/>
+        </p:spPr>
+        <p:txBody>
+          <a:bodyPr wrap="square" rtlCol="0">
+            <a:spAutoFit/>
+          </a:bodyPr>
+          <a:lstStyle/>
+          <a:p>
+            <a:r>
+              <a:rPr lang="en-US" altLang="ko-KR" dirty="0" err="1"/>
+              <a:t>Git</a:t>
+            </a:r>
+            <a:r>
+              <a:rPr lang="ko-KR" altLang="en-US" dirty="0"/>
+              <a:t>을 사용하여 버전 관리 </a:t>
+            </a:r>
+            <a:r>
+              <a:rPr lang="en-US" altLang="ko-KR" dirty="0"/>
+              <a:t>-&gt; branch </a:t>
+            </a:r>
+            <a:r>
+              <a:rPr lang="ko-KR" altLang="en-US" dirty="0"/>
+              <a:t>개념</a:t>
+            </a:r>
+            <a:r>
+              <a:rPr lang="en-US" altLang="ko-KR" dirty="0"/>
+              <a:t>, merge, pull request </a:t>
+            </a:r>
+            <a:r>
+              <a:rPr lang="ko-KR" altLang="en-US" dirty="0"/>
+              <a:t>사용법 숙지</a:t>
+            </a:r>
+            <a:r>
+              <a:rPr lang="en-US" altLang="ko-KR" dirty="0"/>
+              <a:t>!</a:t>
+            </a:r>
+            <a:endParaRPr lang="ko-KR" altLang="en-US" dirty="0"/>
+          </a:p>
+        </p:txBody>
+      </p:sp>
       <p:pic>
         <p:nvPicPr>
           <p:cNvPr id="4" name="그림 3"/>
@@ -12689,159 +17949,18 @@
         </p:blipFill>
         <p:spPr>
           <a:xfrm>
-            <a:off x="5431949" y="3063128"/>
-            <a:ext cx="5838825" cy="1266825"/>
+            <a:off x="1039906" y="3099554"/>
+            <a:ext cx="6276531" cy="3301247"/>
           </a:xfrm>
           <a:prstGeom prst="rect">
             <a:avLst/>
           </a:prstGeom>
         </p:spPr>
       </p:pic>
-      <p:sp>
-        <p:nvSpPr>
-          <p:cNvPr id="5" name="폭발 1 4"/>
-          <p:cNvSpPr/>
-          <p:nvPr/>
-        </p:nvSpPr>
-        <p:spPr>
-          <a:xfrm>
-            <a:off x="6750424" y="428071"/>
-            <a:ext cx="3505200" cy="1802866"/>
-          </a:xfrm>
-          <a:prstGeom prst="irregularSeal1">
-            <a:avLst/>
-          </a:prstGeom>
-          <a:solidFill>
-            <a:srgbClr val="FFFF00"/>
-          </a:solidFill>
-        </p:spPr>
-        <p:style>
-          <a:lnRef idx="2">
-            <a:schemeClr val="accent1">
-              <a:shade val="50000"/>
-            </a:schemeClr>
-          </a:lnRef>
-          <a:fillRef idx="1">
-            <a:schemeClr val="accent1"/>
-          </a:fillRef>
-          <a:effectRef idx="0">
-            <a:schemeClr val="accent1"/>
-          </a:effectRef>
-          <a:fontRef idx="minor">
-            <a:schemeClr val="lt1"/>
-          </a:fontRef>
-        </p:style>
-        <p:txBody>
-          <a:bodyPr rtlCol="0" anchor="ctr"/>
-          <a:lstStyle/>
-          <a:p>
-            <a:pPr algn="ctr"/>
-            <a:endParaRPr lang="ko-KR" altLang="en-US"/>
-          </a:p>
-        </p:txBody>
-      </p:sp>
-      <p:sp>
-        <p:nvSpPr>
-          <p:cNvPr id="6" name="TextBox 5"/>
-          <p:cNvSpPr txBox="1"/>
-          <p:nvPr/>
-        </p:nvSpPr>
-        <p:spPr>
-          <a:xfrm>
-            <a:off x="8262213" y="719936"/>
-            <a:ext cx="1308847" cy="1077218"/>
-          </a:xfrm>
-          <a:prstGeom prst="rect">
-            <a:avLst/>
-          </a:prstGeom>
-          <a:noFill/>
-        </p:spPr>
-        <p:txBody>
-          <a:bodyPr wrap="square" rtlCol="0">
-            <a:spAutoFit/>
-          </a:bodyPr>
-          <a:lstStyle/>
-          <a:p>
-            <a:r>
-              <a:rPr lang="ko-KR" altLang="en-US" sz="3200" dirty="0">
-                <a:solidFill>
-                  <a:srgbClr val="00B050"/>
-                </a:solidFill>
-              </a:rPr>
-              <a:t>아뿔싸</a:t>
-            </a:r>
-          </a:p>
-        </p:txBody>
-      </p:sp>
-      <p:sp>
-        <p:nvSpPr>
-          <p:cNvPr id="8" name="TextBox 7"/>
-          <p:cNvSpPr txBox="1"/>
-          <p:nvPr/>
-        </p:nvSpPr>
-        <p:spPr>
-          <a:xfrm>
-            <a:off x="5638800" y="4679576"/>
-            <a:ext cx="5818094" cy="646331"/>
-          </a:xfrm>
-          <a:prstGeom prst="rect">
-            <a:avLst/>
-          </a:prstGeom>
-          <a:noFill/>
-        </p:spPr>
-        <p:txBody>
-          <a:bodyPr wrap="square" rtlCol="0">
-            <a:spAutoFit/>
-          </a:bodyPr>
-          <a:lstStyle/>
-          <a:p>
-            <a:r>
-              <a:rPr lang="ko-KR" altLang="en-US" dirty="0"/>
-              <a:t>분기를 나누어야 할 때 </a:t>
-            </a:r>
-            <a:r>
-              <a:rPr lang="en-US" altLang="ko-KR" dirty="0"/>
-              <a:t>branch</a:t>
-            </a:r>
-            <a:r>
-              <a:rPr lang="ko-KR" altLang="en-US" dirty="0"/>
-              <a:t>를 </a:t>
-            </a:r>
-            <a:r>
-              <a:rPr lang="ko-KR" altLang="en-US" dirty="0" err="1"/>
-              <a:t>생성했어야</a:t>
-            </a:r>
-            <a:r>
-              <a:rPr lang="ko-KR" altLang="en-US" dirty="0"/>
-              <a:t> 했는데</a:t>
-            </a:r>
-            <a:endParaRPr lang="en-US" altLang="ko-KR" dirty="0"/>
-          </a:p>
-          <a:p>
-            <a:r>
-              <a:rPr lang="ko-KR" altLang="en-US" dirty="0"/>
-              <a:t>처음에 만들어 놨음</a:t>
-            </a:r>
-            <a:r>
-              <a:rPr lang="en-US" altLang="ko-KR" dirty="0"/>
-              <a:t>….</a:t>
-            </a:r>
-            <a:r>
-              <a:rPr lang="ko-KR" altLang="en-US" dirty="0"/>
-              <a:t>나의 </a:t>
-            </a:r>
-            <a:r>
-              <a:rPr lang="en-US" altLang="ko-KR" dirty="0"/>
-              <a:t>mistake</a:t>
-            </a:r>
-            <a:endParaRPr lang="ko-KR" altLang="en-US" dirty="0"/>
-          </a:p>
-        </p:txBody>
-      </p:sp>
     </p:spTree>
     <p:extLst>
       <p:ext uri="{BB962C8B-B14F-4D97-AF65-F5344CB8AC3E}">
-        <p14:creationId xmlns:p14="http://schemas.microsoft.com/office/powerpoint/2010/main" val="4117681466"/>
+        <p14:creationId xmlns:p14="http://schemas.microsoft.com/office/powerpoint/2010/main" val="2150928006"/>
       </p:ext>
     </p:extLst>
   </p:cSld>
@@ -13056,7 +18175,7 @@
           <p:nvPr/>
         </p:nvPicPr>
         <p:blipFill rotWithShape="1">
-          <a:blip r:embed="rId2" cstate="hqprint">
+          <a:blip r:embed="rId3" cstate="hqprint">
             <a:extLst>
               <a:ext uri="{28A0092B-C50C-407E-A947-70E740481C1C}">
                 <a14:useLocalDpi xmlns:a14="http://schemas.microsoft.com/office/drawing/2010/main" val="0"/>
@@ -13101,7 +18220,7 @@
           <p:nvPr/>
         </p:nvPicPr>
         <p:blipFill rotWithShape="1">
-          <a:blip r:embed="rId3" cstate="hqprint">
+          <a:blip r:embed="rId4" cstate="hqprint">
             <a:extLst>
               <a:ext uri="{28A0092B-C50C-407E-A947-70E740481C1C}">
                 <a14:useLocalDpi xmlns:a14="http://schemas.microsoft.com/office/drawing/2010/main" val="0"/>
@@ -13113,8 +18232,8 @@
         </p:blipFill>
         <p:spPr bwMode="auto">
           <a:xfrm>
-            <a:off x="9328557" y="4112833"/>
-            <a:ext cx="2713017" cy="2634346"/>
+            <a:off x="818693" y="5563440"/>
+            <a:ext cx="1323872" cy="1285483"/>
           </a:xfrm>
           <a:prstGeom prst="rect">
             <a:avLst/>
@@ -13133,38 +18252,285 @@
       </p:pic>
       <p:pic>
         <p:nvPicPr>
-          <p:cNvPr id="10" name="그림 9">
-            <a:extLst>
-              <a:ext uri="{FF2B5EF4-FFF2-40B4-BE49-F238E27FC236}">
-                <a16:creationId xmlns:a16="http://schemas.microsoft.com/office/drawing/2014/main" id="{4FE5D755-5CFC-4119-86A1-B5371B962CF5}"/>
-              </a:ext>
-            </a:extLst>
-          </p:cNvPr>
+          <p:cNvPr id="2" name="그림 1"/>
           <p:cNvPicPr>
             <a:picLocks noChangeAspect="1"/>
           </p:cNvPicPr>
           <p:nvPr/>
         </p:nvPicPr>
         <p:blipFill>
-          <a:blip r:embed="rId4"/>
+          <a:blip r:embed="rId5"/>
           <a:stretch>
             <a:fillRect/>
           </a:stretch>
         </p:blipFill>
         <p:spPr>
           <a:xfrm>
-            <a:off x="1797079" y="952413"/>
-            <a:ext cx="7917372" cy="4639626"/>
+            <a:off x="665630" y="1420065"/>
+            <a:ext cx="3886200" cy="4143375"/>
           </a:xfrm>
           <a:prstGeom prst="rect">
             <a:avLst/>
           </a:prstGeom>
         </p:spPr>
       </p:pic>
+      <p:sp>
+        <p:nvSpPr>
+          <p:cNvPr id="3" name="곱셈 기호 2"/>
+          <p:cNvSpPr/>
+          <p:nvPr/>
+        </p:nvSpPr>
+        <p:spPr>
+          <a:xfrm>
+            <a:off x="1653989" y="4787993"/>
+            <a:ext cx="1909482" cy="1550894"/>
+          </a:xfrm>
+          <a:prstGeom prst="mathMultiply">
+            <a:avLst/>
+          </a:prstGeom>
+          <a:solidFill>
+            <a:srgbClr val="FF0000"/>
+          </a:solidFill>
+        </p:spPr>
+        <p:style>
+          <a:lnRef idx="2">
+            <a:schemeClr val="accent1">
+              <a:shade val="50000"/>
+            </a:schemeClr>
+          </a:lnRef>
+          <a:fillRef idx="1">
+            <a:schemeClr val="accent1"/>
+          </a:fillRef>
+          <a:effectRef idx="0">
+            <a:schemeClr val="accent1"/>
+          </a:effectRef>
+          <a:fontRef idx="minor">
+            <a:schemeClr val="lt1"/>
+          </a:fontRef>
+        </p:style>
+        <p:txBody>
+          <a:bodyPr rtlCol="0" anchor="ctr"/>
+          <a:lstStyle/>
+          <a:p>
+            <a:pPr algn="ctr"/>
+            <a:endParaRPr lang="ko-KR" altLang="en-US"/>
+          </a:p>
+        </p:txBody>
+      </p:sp>
+      <p:pic>
+        <p:nvPicPr>
+          <p:cNvPr id="7" name="Picture 2" descr="D-171] 공부 끝 - 오르비">
+            <a:extLst>
+              <a:ext uri="{FF2B5EF4-FFF2-40B4-BE49-F238E27FC236}">
+                <a16:creationId xmlns:a16="http://schemas.microsoft.com/office/drawing/2014/main" id="{9D71B640-D03D-47B0-B7F4-A5926D65A3C8}"/>
+              </a:ext>
+            </a:extLst>
+          </p:cNvPr>
+          <p:cNvPicPr>
+            <a:picLocks noChangeAspect="1" noChangeArrowheads="1"/>
+          </p:cNvPicPr>
+          <p:nvPr/>
+        </p:nvPicPr>
+        <p:blipFill rotWithShape="1">
+          <a:blip r:embed="rId4" cstate="hqprint">
+            <a:extLst>
+              <a:ext uri="{28A0092B-C50C-407E-A947-70E740481C1C}">
+                <a14:useLocalDpi xmlns:a14="http://schemas.microsoft.com/office/drawing/2010/main" val="0"/>
+              </a:ext>
+            </a:extLst>
+          </a:blip>
+          <a:srcRect l="33059"/>
+          <a:stretch/>
+        </p:blipFill>
+        <p:spPr bwMode="auto">
+          <a:xfrm>
+            <a:off x="9571060" y="719936"/>
+            <a:ext cx="2044117" cy="1984843"/>
+          </a:xfrm>
+          <a:prstGeom prst="rect">
+            <a:avLst/>
+          </a:prstGeom>
+          <a:noFill/>
+          <a:extLst>
+            <a:ext uri="{909E8E84-426E-40DD-AFC4-6F175D3DCCD1}">
+              <a14:hiddenFill xmlns:a14="http://schemas.microsoft.com/office/drawing/2010/main">
+                <a:solidFill>
+                  <a:srgbClr val="FFFFFF"/>
+                </a:solidFill>
+              </a14:hiddenFill>
+            </a:ext>
+          </a:extLst>
+        </p:spPr>
+      </p:pic>
+      <p:pic>
+        <p:nvPicPr>
+          <p:cNvPr id="4" name="그림 3"/>
+          <p:cNvPicPr>
+            <a:picLocks noChangeAspect="1"/>
+          </p:cNvPicPr>
+          <p:nvPr/>
+        </p:nvPicPr>
+        <p:blipFill>
+          <a:blip r:embed="rId6"/>
+          <a:stretch>
+            <a:fillRect/>
+          </a:stretch>
+        </p:blipFill>
+        <p:spPr>
+          <a:xfrm>
+            <a:off x="5431949" y="3063128"/>
+            <a:ext cx="5838825" cy="1266825"/>
+          </a:xfrm>
+          <a:prstGeom prst="rect">
+            <a:avLst/>
+          </a:prstGeom>
+        </p:spPr>
+      </p:pic>
+      <p:sp>
+        <p:nvSpPr>
+          <p:cNvPr id="5" name="폭발 1 4"/>
+          <p:cNvSpPr/>
+          <p:nvPr/>
+        </p:nvSpPr>
+        <p:spPr>
+          <a:xfrm>
+            <a:off x="6750424" y="428071"/>
+            <a:ext cx="3505200" cy="1802866"/>
+          </a:xfrm>
+          <a:prstGeom prst="irregularSeal1">
+            <a:avLst/>
+          </a:prstGeom>
+          <a:solidFill>
+            <a:srgbClr val="FFFF00"/>
+          </a:solidFill>
+        </p:spPr>
+        <p:style>
+          <a:lnRef idx="2">
+            <a:schemeClr val="accent1">
+              <a:shade val="50000"/>
+            </a:schemeClr>
+          </a:lnRef>
+          <a:fillRef idx="1">
+            <a:schemeClr val="accent1"/>
+          </a:fillRef>
+          <a:effectRef idx="0">
+            <a:schemeClr val="accent1"/>
+          </a:effectRef>
+          <a:fontRef idx="minor">
+            <a:schemeClr val="lt1"/>
+          </a:fontRef>
+        </p:style>
+        <p:txBody>
+          <a:bodyPr rtlCol="0" anchor="ctr"/>
+          <a:lstStyle/>
+          <a:p>
+            <a:pPr algn="ctr"/>
+            <a:endParaRPr lang="ko-KR" altLang="en-US"/>
+          </a:p>
+        </p:txBody>
+      </p:sp>
+      <p:sp>
+        <p:nvSpPr>
+          <p:cNvPr id="6" name="TextBox 5"/>
+          <p:cNvSpPr txBox="1"/>
+          <p:nvPr/>
+        </p:nvSpPr>
+        <p:spPr>
+          <a:xfrm>
+            <a:off x="8262213" y="719936"/>
+            <a:ext cx="1308847" cy="1077218"/>
+          </a:xfrm>
+          <a:prstGeom prst="rect">
+            <a:avLst/>
+          </a:prstGeom>
+          <a:noFill/>
+        </p:spPr>
+        <p:txBody>
+          <a:bodyPr wrap="square" rtlCol="0">
+            <a:spAutoFit/>
+          </a:bodyPr>
+          <a:lstStyle/>
+          <a:p>
+            <a:r>
+              <a:rPr lang="ko-KR" altLang="en-US" sz="3200" dirty="0">
+                <a:solidFill>
+                  <a:srgbClr val="00B050"/>
+                </a:solidFill>
+              </a:rPr>
+              <a:t>아뿔싸</a:t>
+            </a:r>
+          </a:p>
+        </p:txBody>
+      </p:sp>
+      <p:sp>
+        <p:nvSpPr>
+          <p:cNvPr id="8" name="TextBox 7"/>
+          <p:cNvSpPr txBox="1"/>
+          <p:nvPr/>
+        </p:nvSpPr>
+        <p:spPr>
+          <a:xfrm>
+            <a:off x="5638800" y="4679576"/>
+            <a:ext cx="5818094" cy="646331"/>
+          </a:xfrm>
+          <a:prstGeom prst="rect">
+            <a:avLst/>
+          </a:prstGeom>
+          <a:noFill/>
+        </p:spPr>
+        <p:txBody>
+          <a:bodyPr wrap="square" rtlCol="0">
+            <a:spAutoFit/>
+          </a:bodyPr>
+          <a:lstStyle/>
+          <a:p>
+            <a:r>
+              <a:rPr lang="ko-KR" altLang="en-US" dirty="0"/>
+              <a:t>분기를 나누어야 할 때 </a:t>
+            </a:r>
+            <a:r>
+              <a:rPr lang="en-US" altLang="ko-KR" dirty="0"/>
+              <a:t>branch</a:t>
+            </a:r>
+            <a:r>
+              <a:rPr lang="ko-KR" altLang="en-US" dirty="0"/>
+              <a:t>를 </a:t>
+            </a:r>
+            <a:r>
+              <a:rPr lang="ko-KR" altLang="en-US" dirty="0" err="1"/>
+              <a:t>생성했어야</a:t>
+            </a:r>
+            <a:r>
+              <a:rPr lang="ko-KR" altLang="en-US" dirty="0"/>
+              <a:t> 했는데</a:t>
+            </a:r>
+            <a:endParaRPr lang="en-US" altLang="ko-KR" dirty="0"/>
+          </a:p>
+          <a:p>
+            <a:r>
+              <a:rPr lang="ko-KR" altLang="en-US" dirty="0"/>
+              <a:t>처음에 만들어 놨음</a:t>
+            </a:r>
+            <a:r>
+              <a:rPr lang="en-US" altLang="ko-KR" dirty="0"/>
+              <a:t>….</a:t>
+            </a:r>
+            <a:r>
+              <a:rPr lang="ko-KR" altLang="en-US" dirty="0"/>
+              <a:t>나의 </a:t>
+            </a:r>
+            <a:r>
+              <a:rPr lang="en-US" altLang="ko-KR" dirty="0"/>
+              <a:t>mistake</a:t>
+            </a:r>
+            <a:endParaRPr lang="ko-KR" altLang="en-US" dirty="0"/>
+          </a:p>
+        </p:txBody>
+      </p:sp>
     </p:spTree>
     <p:extLst>
       <p:ext uri="{BB962C8B-B14F-4D97-AF65-F5344CB8AC3E}">
-        <p14:creationId xmlns:p14="http://schemas.microsoft.com/office/powerpoint/2010/main" val="3488513105"/>
+        <p14:creationId xmlns:p14="http://schemas.microsoft.com/office/powerpoint/2010/main" val="4117681466"/>
       </p:ext>
     </p:extLst>
   </p:cSld>
@@ -13251,7 +18617,7 @@
           <a:lstStyle/>
           <a:p>
             <a:r>
-              <a:rPr lang="ko-KR" altLang="en-US" sz="2800" b="1" dirty="0" err="1">
+              <a:rPr lang="en-US" altLang="ko-KR" sz="2800" b="1" dirty="0" err="1">
                 <a:ln w="6600">
                   <a:solidFill>
                     <a:schemeClr val="tx1"/>
@@ -13267,7 +18633,83 @@
                   </a:outerShdw>
                 </a:effectLst>
               </a:rPr>
-              <a:t>느낀점</a:t>
+              <a:t>Github</a:t>
+            </a:r>
+            <a:r>
+              <a:rPr lang="en-US" altLang="ko-KR" sz="2800" b="1" dirty="0">
+                <a:ln w="6600">
+                  <a:solidFill>
+                    <a:schemeClr val="tx1"/>
+                  </a:solidFill>
+                  <a:prstDash val="solid"/>
+                </a:ln>
+                <a:solidFill>
+                  <a:srgbClr val="008DF6"/>
+                </a:solidFill>
+                <a:effectLst>
+                  <a:outerShdw dist="38100" dir="2700000" algn="tl" rotWithShape="0">
+                    <a:schemeClr val="accent2"/>
+                  </a:outerShdw>
+                </a:effectLst>
+              </a:rPr>
+              <a:t> </a:t>
+            </a:r>
+            <a:r>
+              <a:rPr lang="ko-KR" altLang="en-US" sz="2800" b="1" dirty="0">
+                <a:ln w="6600">
+                  <a:solidFill>
+                    <a:schemeClr val="tx1"/>
+                  </a:solidFill>
+                  <a:prstDash val="solid"/>
+                </a:ln>
+                <a:solidFill>
+                  <a:srgbClr val="008DF6"/>
+                </a:solidFill>
+                <a:effectLst>
+                  <a:outerShdw dist="38100" dir="2700000" algn="tl" rotWithShape="0">
+                    <a:schemeClr val="accent2"/>
+                  </a:outerShdw>
+                </a:effectLst>
+              </a:rPr>
+              <a:t>사용 </a:t>
+            </a:r>
+            <a:r>
+              <a:rPr lang="en-US" altLang="ko-KR" sz="2800" b="1" dirty="0">
+                <a:ln w="6600">
+                  <a:solidFill>
+                    <a:schemeClr val="tx1"/>
+                  </a:solidFill>
+                  <a:prstDash val="solid"/>
+                </a:ln>
+                <a:solidFill>
+                  <a:srgbClr val="008DF6"/>
+                </a:solidFill>
+                <a:effectLst>
+                  <a:outerShdw dist="38100" dir="2700000" algn="tl" rotWithShape="0">
+                    <a:schemeClr val="accent2"/>
+                  </a:outerShdw>
+                </a:effectLst>
+              </a:rPr>
+              <a:t>– branch </a:t>
+            </a:r>
+            <a:r>
+              <a:rPr lang="ko-KR" altLang="en-US" sz="2800" b="1" dirty="0">
+                <a:ln w="6600">
+                  <a:solidFill>
+                    <a:schemeClr val="tx1"/>
+                  </a:solidFill>
+                  <a:prstDash val="solid"/>
+                </a:ln>
+                <a:solidFill>
+                  <a:srgbClr val="008DF6"/>
+                </a:solidFill>
+                <a:effectLst>
+                  <a:outerShdw dist="38100" dir="2700000" algn="tl" rotWithShape="0">
+                    <a:schemeClr val="accent2"/>
+                  </a:outerShdw>
+                </a:effectLst>
+              </a:rPr>
+              <a:t>개념</a:t>
             </a:r>
             <a:endParaRPr lang="en-US" altLang="ko-KR" sz="2800" b="1" dirty="0">
               <a:ln w="6600">
@@ -13303,7 +18745,7 @@
           <p:nvPr/>
         </p:nvPicPr>
         <p:blipFill rotWithShape="1">
-          <a:blip r:embed="rId2" cstate="hqprint">
+          <a:blip r:embed="rId3" cstate="hqprint">
             <a:extLst>
               <a:ext uri="{28A0092B-C50C-407E-A947-70E740481C1C}">
                 <a14:useLocalDpi xmlns:a14="http://schemas.microsoft.com/office/drawing/2010/main" val="0"/>
@@ -13348,7 +18790,7 @@
           <p:nvPr/>
         </p:nvPicPr>
         <p:blipFill rotWithShape="1">
-          <a:blip r:embed="rId3" cstate="hqprint">
+          <a:blip r:embed="rId4" cstate="hqprint">
             <a:extLst>
               <a:ext uri="{28A0092B-C50C-407E-A947-70E740481C1C}">
                 <a14:useLocalDpi xmlns:a14="http://schemas.microsoft.com/office/drawing/2010/main" val="0"/>
@@ -13360,8 +18802,8 @@
         </p:blipFill>
         <p:spPr bwMode="auto">
           <a:xfrm>
-            <a:off x="9406881" y="5687650"/>
-            <a:ext cx="1033869" cy="1003889"/>
+            <a:off x="9328557" y="4112833"/>
+            <a:ext cx="2713017" cy="2634346"/>
           </a:xfrm>
           <a:prstGeom prst="rect">
             <a:avLst/>
@@ -13378,181 +18820,40 @@
           </a:extLst>
         </p:spPr>
       </p:pic>
-      <p:sp>
-        <p:nvSpPr>
-          <p:cNvPr id="2" name="TextBox 1"/>
-          <p:cNvSpPr txBox="1"/>
+      <p:pic>
+        <p:nvPicPr>
+          <p:cNvPr id="10" name="그림 9">
+            <a:extLst>
+              <a:ext uri="{FF2B5EF4-FFF2-40B4-BE49-F238E27FC236}">
+                <a16:creationId xmlns:a16="http://schemas.microsoft.com/office/drawing/2014/main" id="{4FE5D755-5CFC-4119-86A1-B5371B962CF5}"/>
+              </a:ext>
+            </a:extLst>
+          </p:cNvPr>
+          <p:cNvPicPr>
+            <a:picLocks noChangeAspect="1"/>
+          </p:cNvPicPr>
           <p:nvPr/>
-        </p:nvSpPr>
+        </p:nvPicPr>
+        <p:blipFill>
+          <a:blip r:embed="rId5"/>
+          <a:stretch>
+            <a:fillRect/>
+          </a:stretch>
+        </p:blipFill>
         <p:spPr>
           <a:xfrm>
-            <a:off x="833718" y="1165412"/>
-            <a:ext cx="9607032" cy="2862322"/>
+            <a:off x="1797079" y="952413"/>
+            <a:ext cx="7917372" cy="4639626"/>
           </a:xfrm>
           <a:prstGeom prst="rect">
             <a:avLst/>
           </a:prstGeom>
-          <a:noFill/>
         </p:spPr>
-        <p:txBody>
-          <a:bodyPr wrap="square" rtlCol="0">
-            <a:spAutoFit/>
-          </a:bodyPr>
-          <a:lstStyle/>
-          <a:p>
-            <a:pPr marL="285750" indent="-285750">
-              <a:buFontTx/>
-              <a:buChar char="-"/>
-            </a:pPr>
-            <a:r>
-              <a:rPr lang="en-US" altLang="ko-KR" dirty="0"/>
-              <a:t>DB </a:t>
-            </a:r>
-            <a:r>
-              <a:rPr lang="ko-KR" altLang="en-US" dirty="0"/>
-              <a:t>연결은 연결을 위한 패키지 추가와 간단한 </a:t>
-            </a:r>
-            <a:r>
-              <a:rPr lang="en-US" altLang="ko-KR" dirty="0"/>
-              <a:t>JAVA </a:t>
-            </a:r>
-            <a:r>
-              <a:rPr lang="ko-KR" altLang="en-US" dirty="0"/>
-              <a:t>코드로 구현이 가능해서 쉬웠다</a:t>
-            </a:r>
-            <a:endParaRPr lang="en-US" altLang="ko-KR" dirty="0"/>
-          </a:p>
-          <a:p>
-            <a:r>
-              <a:rPr lang="en-US" altLang="ko-KR" dirty="0"/>
-              <a:t>    &gt; localhost</a:t>
-            </a:r>
-            <a:r>
-              <a:rPr lang="ko-KR" altLang="en-US" dirty="0"/>
-              <a:t>의 연결은 쉬웠으나 외부에 </a:t>
-            </a:r>
-            <a:r>
-              <a:rPr lang="en-US" altLang="ko-KR" dirty="0"/>
-              <a:t>server</a:t>
-            </a:r>
-            <a:r>
-              <a:rPr lang="ko-KR" altLang="en-US" dirty="0"/>
-              <a:t>를 만든다고 가정했을 때 연결하기가 </a:t>
-            </a:r>
-            <a:endParaRPr lang="en-US" altLang="ko-KR" dirty="0"/>
-          </a:p>
-          <a:p>
-            <a:r>
-              <a:rPr lang="en-US" altLang="ko-KR" dirty="0"/>
-              <a:t>      </a:t>
-            </a:r>
-            <a:r>
-              <a:rPr lang="ko-KR" altLang="en-US" dirty="0"/>
-              <a:t>어려웠음</a:t>
-            </a:r>
-            <a:r>
-              <a:rPr lang="en-US" altLang="ko-KR" dirty="0"/>
-              <a:t>.</a:t>
-            </a:r>
-          </a:p>
-          <a:p>
-            <a:endParaRPr lang="en-US" altLang="ko-KR" dirty="0"/>
-          </a:p>
-          <a:p>
-            <a:r>
-              <a:rPr lang="en-US" altLang="ko-KR" dirty="0"/>
-              <a:t>- </a:t>
-            </a:r>
-            <a:r>
-              <a:rPr lang="ko-KR" altLang="en-US" dirty="0" err="1"/>
-              <a:t>쿼리문은</a:t>
-            </a:r>
-            <a:r>
-              <a:rPr lang="ko-KR" altLang="en-US" dirty="0"/>
-              <a:t> 조인</a:t>
-            </a:r>
-            <a:r>
-              <a:rPr lang="en-US" altLang="ko-KR" dirty="0"/>
-              <a:t>, group by, having </a:t>
-            </a:r>
-            <a:r>
-              <a:rPr lang="ko-KR" altLang="en-US" dirty="0"/>
-              <a:t>같은 옵션은 쓰지 않고 간단하게 </a:t>
-            </a:r>
-            <a:r>
-              <a:rPr lang="en-US" altLang="ko-KR" dirty="0"/>
-              <a:t>where </a:t>
-            </a:r>
-            <a:r>
-              <a:rPr lang="ko-KR" altLang="en-US" dirty="0"/>
-              <a:t>절만 사용했기  </a:t>
-            </a:r>
-            <a:endParaRPr lang="en-US" altLang="ko-KR" dirty="0"/>
-          </a:p>
-          <a:p>
-            <a:r>
-              <a:rPr lang="en-US" altLang="ko-KR" dirty="0"/>
-              <a:t>  </a:t>
-            </a:r>
-            <a:r>
-              <a:rPr lang="ko-KR" altLang="en-US" dirty="0"/>
-              <a:t>때문에 다른 옵션은 언제 사용하는지 모르겠음</a:t>
-            </a:r>
-            <a:endParaRPr lang="en-US" altLang="ko-KR" dirty="0"/>
-          </a:p>
-          <a:p>
-            <a:endParaRPr lang="en-US" altLang="ko-KR" dirty="0"/>
-          </a:p>
-          <a:p>
-            <a:pPr marL="285750" indent="-285750">
-              <a:buFontTx/>
-              <a:buChar char="-"/>
-            </a:pPr>
-            <a:r>
-              <a:rPr lang="en-US" altLang="ko-KR" dirty="0" err="1"/>
-              <a:t>Github</a:t>
-            </a:r>
-            <a:r>
-              <a:rPr lang="en-US" altLang="ko-KR" dirty="0"/>
-              <a:t> </a:t>
-            </a:r>
-            <a:r>
-              <a:rPr lang="ko-KR" altLang="en-US" dirty="0"/>
-              <a:t>협업은 처음이라 초반에 어려웠었음</a:t>
-            </a:r>
-            <a:endParaRPr lang="en-US" altLang="ko-KR" dirty="0"/>
-          </a:p>
-          <a:p>
-            <a:r>
-              <a:rPr lang="en-US" altLang="ko-KR" dirty="0"/>
-              <a:t>     -&gt; pull</a:t>
-            </a:r>
-            <a:r>
-              <a:rPr lang="ko-KR" altLang="en-US" dirty="0"/>
-              <a:t>의 중요성</a:t>
-            </a:r>
-            <a:r>
-              <a:rPr lang="en-US" altLang="ko-KR" dirty="0"/>
-              <a:t>, branch </a:t>
-            </a:r>
-            <a:r>
-              <a:rPr lang="ko-KR" altLang="en-US" dirty="0"/>
-              <a:t>나눠서 사용하기</a:t>
-            </a:r>
-            <a:endParaRPr lang="en-US" altLang="ko-KR" dirty="0"/>
-          </a:p>
-          <a:p>
-            <a:r>
-              <a:rPr lang="ko-KR" altLang="en-US" dirty="0"/>
-              <a:t> </a:t>
-            </a:r>
-          </a:p>
-        </p:txBody>
-      </p:sp>
+      </p:pic>
     </p:spTree>
     <p:extLst>
       <p:ext uri="{BB962C8B-B14F-4D97-AF65-F5344CB8AC3E}">
-        <p14:creationId xmlns:p14="http://schemas.microsoft.com/office/powerpoint/2010/main" val="1081975947"/>
+        <p14:creationId xmlns:p14="http://schemas.microsoft.com/office/powerpoint/2010/main" val="3488513105"/>
       </p:ext>
     </p:extLst>
   </p:cSld>
@@ -13639,7 +18940,7 @@
           <a:lstStyle/>
           <a:p>
             <a:r>
-              <a:rPr lang="ko-KR" altLang="en-US" sz="2800" b="1" dirty="0">
+              <a:rPr lang="ko-KR" altLang="en-US" sz="2800" b="1" dirty="0" err="1">
                 <a:ln w="6600">
                   <a:solidFill>
                     <a:schemeClr val="tx1"/>
@@ -13647,7 +18948,7 @@
                   <a:prstDash val="solid"/>
                 </a:ln>
                 <a:solidFill>
-                  <a:srgbClr val="FF8585"/>
+                  <a:srgbClr val="008DF6"/>
                 </a:solidFill>
                 <a:effectLst>
                   <a:outerShdw dist="38100" dir="2700000" algn="tl" rotWithShape="0">
@@ -13655,7 +18956,7 @@
                   </a:outerShdw>
                 </a:effectLst>
               </a:rPr>
-              <a:t>질문</a:t>
+              <a:t>느낀점</a:t>
             </a:r>
             <a:endParaRPr lang="en-US" altLang="ko-KR" sz="2800" b="1" dirty="0">
               <a:ln w="6600">
@@ -13665,7 +18966,7 @@
                 <a:prstDash val="solid"/>
               </a:ln>
               <a:solidFill>
-                <a:srgbClr val="FF8585"/>
+                <a:srgbClr val="008DF6"/>
               </a:solidFill>
               <a:effectLst>
                 <a:outerShdw dist="38100" dir="2700000" algn="tl" rotWithShape="0">
@@ -13691,7 +18992,7 @@
           <p:nvPr/>
         </p:nvPicPr>
         <p:blipFill rotWithShape="1">
-          <a:blip r:embed="rId2" cstate="hqprint">
+          <a:blip r:embed="rId3" cstate="hqprint">
             <a:extLst>
               <a:ext uri="{28A0092B-C50C-407E-A947-70E740481C1C}">
                 <a14:useLocalDpi xmlns:a14="http://schemas.microsoft.com/office/drawing/2010/main" val="0"/>
@@ -13736,7 +19037,7 @@
           <p:nvPr/>
         </p:nvPicPr>
         <p:blipFill rotWithShape="1">
-          <a:blip r:embed="rId3" cstate="hqprint">
+          <a:blip r:embed="rId4" cstate="hqprint">
             <a:extLst>
               <a:ext uri="{28A0092B-C50C-407E-A947-70E740481C1C}">
                 <a14:useLocalDpi xmlns:a14="http://schemas.microsoft.com/office/drawing/2010/main" val="0"/>
@@ -13748,8 +19049,8 @@
         </p:blipFill>
         <p:spPr bwMode="auto">
           <a:xfrm>
-            <a:off x="4661647" y="1080019"/>
-            <a:ext cx="5779103" cy="5611521"/>
+            <a:off x="9406881" y="5687650"/>
+            <a:ext cx="1033869" cy="1003889"/>
           </a:xfrm>
           <a:prstGeom prst="rect">
             <a:avLst/>
@@ -13774,8 +19075,8 @@
         </p:nvSpPr>
         <p:spPr>
           <a:xfrm>
-            <a:off x="1649506" y="1210235"/>
-            <a:ext cx="9395012" cy="2308324"/>
+            <a:off x="833718" y="1165412"/>
+            <a:ext cx="9607032" cy="2862322"/>
           </a:xfrm>
           <a:prstGeom prst="rect">
             <a:avLst/>
@@ -13788,133 +19089,159 @@
           </a:bodyPr>
           <a:lstStyle/>
           <a:p>
-            <a:r>
-              <a:rPr lang="ko-KR" altLang="en-US" dirty="0"/>
+            <a:pPr marL="285750" indent="-285750">
+              <a:buFontTx/>
+              <a:buChar char="-"/>
+            </a:pPr>
+            <a:r>
+              <a:rPr lang="en-US" altLang="ko-KR" dirty="0"/>
+              <a:t>DB </a:t>
+            </a:r>
+            <a:r>
+              <a:rPr lang="ko-KR" altLang="en-US" dirty="0"/>
+              <a:t>연결은 연결을 위한 패키지 추가와 간단한 </a:t>
+            </a:r>
+            <a:r>
+              <a:rPr lang="en-US" altLang="ko-KR" dirty="0"/>
+              <a:t>JAVA </a:t>
+            </a:r>
+            <a:r>
+              <a:rPr lang="ko-KR" altLang="en-US" dirty="0"/>
+              <a:t>코드로 구현이 가능해서 쉬웠다</a:t>
+            </a:r>
+            <a:endParaRPr lang="en-US" altLang="ko-KR" dirty="0"/>
+          </a:p>
+          <a:p>
+            <a:r>
+              <a:rPr lang="en-US" altLang="ko-KR" dirty="0"/>
+              <a:t>    &gt; localhost</a:t>
+            </a:r>
+            <a:r>
+              <a:rPr lang="ko-KR" altLang="en-US" dirty="0"/>
+              <a:t>의 연결은 쉬웠으나 외부에 </a:t>
+            </a:r>
+            <a:r>
+              <a:rPr lang="en-US" altLang="ko-KR" dirty="0"/>
+              <a:t>server</a:t>
+            </a:r>
+            <a:r>
+              <a:rPr lang="ko-KR" altLang="en-US" dirty="0"/>
+              <a:t>를 만든다고 가정했을 때 연결하기가 </a:t>
+            </a:r>
+            <a:endParaRPr lang="en-US" altLang="ko-KR" dirty="0"/>
+          </a:p>
+          <a:p>
+            <a:r>
+              <a:rPr lang="en-US" altLang="ko-KR" dirty="0"/>
+              <a:t>      </a:t>
+            </a:r>
+            <a:r>
+              <a:rPr lang="ko-KR" altLang="en-US" dirty="0"/>
+              <a:t>어려웠음</a:t>
+            </a:r>
+            <a:r>
+              <a:rPr lang="en-US" altLang="ko-KR" dirty="0"/>
+              <a:t>.</a:t>
+            </a:r>
+          </a:p>
+          <a:p>
+            <a:endParaRPr lang="en-US" altLang="ko-KR" dirty="0"/>
+          </a:p>
+          <a:p>
+            <a:r>
+              <a:rPr lang="en-US" altLang="ko-KR" dirty="0"/>
+              <a:t>- </a:t>
+            </a:r>
+            <a:r>
+              <a:rPr lang="ko-KR" altLang="en-US" dirty="0" err="1"/>
+              <a:t>쿼리문은</a:t>
+            </a:r>
+            <a:r>
+              <a:rPr lang="ko-KR" altLang="en-US" dirty="0"/>
+              <a:t> 조인</a:t>
+            </a:r>
+            <a:r>
+              <a:rPr lang="en-US" altLang="ko-KR" dirty="0"/>
+              <a:t>, group by, having </a:t>
+            </a:r>
+            <a:r>
+              <a:rPr lang="ko-KR" altLang="en-US" dirty="0"/>
+              <a:t>같은 옵션은 쓰지 않고 간단하게 </a:t>
+            </a:r>
+            <a:r>
+              <a:rPr lang="en-US" altLang="ko-KR" dirty="0"/>
+              <a:t>where </a:t>
+            </a:r>
+            <a:r>
+              <a:rPr lang="ko-KR" altLang="en-US" dirty="0"/>
+              <a:t>절만 사용했기  </a:t>
+            </a:r>
+            <a:endParaRPr lang="en-US" altLang="ko-KR" dirty="0"/>
+          </a:p>
+          <a:p>
+            <a:r>
+              <a:rPr lang="en-US" altLang="ko-KR" dirty="0"/>
               <a:t>  </a:t>
             </a:r>
             <a:r>
-              <a:rPr lang="ko-KR" altLang="en-US" sz="7200" dirty="0">
-                <a:solidFill>
-                  <a:srgbClr val="FF0000"/>
-                </a:solidFill>
-                <a:latin typeface="휴먼매직체" panose="02030504000101010101" pitchFamily="18" charset="-127"/>
-                <a:ea typeface="휴먼매직체" panose="02030504000101010101" pitchFamily="18" charset="-127"/>
-              </a:rPr>
-              <a:t>질</a:t>
-            </a:r>
-            <a:r>
-              <a:rPr lang="ko-KR" altLang="en-US" sz="7200" dirty="0">
-                <a:solidFill>
-                  <a:srgbClr val="FFC000"/>
-                </a:solidFill>
-                <a:latin typeface="휴먼매직체" panose="02030504000101010101" pitchFamily="18" charset="-127"/>
-                <a:ea typeface="휴먼매직체" panose="02030504000101010101" pitchFamily="18" charset="-127"/>
-              </a:rPr>
-              <a:t>문</a:t>
-            </a:r>
-            <a:r>
-              <a:rPr lang="ko-KR" altLang="en-US" sz="7200" dirty="0">
-                <a:solidFill>
-                  <a:srgbClr val="FFFF00"/>
-                </a:solidFill>
-                <a:latin typeface="휴먼매직체" panose="02030504000101010101" pitchFamily="18" charset="-127"/>
-                <a:ea typeface="휴먼매직체" panose="02030504000101010101" pitchFamily="18" charset="-127"/>
-              </a:rPr>
-              <a:t>이</a:t>
-            </a:r>
-            <a:r>
-              <a:rPr lang="ko-KR" altLang="en-US" sz="7200" dirty="0">
-                <a:latin typeface="휴먼매직체" panose="02030504000101010101" pitchFamily="18" charset="-127"/>
-                <a:ea typeface="휴먼매직체" panose="02030504000101010101" pitchFamily="18" charset="-127"/>
-              </a:rPr>
+              <a:rPr lang="ko-KR" altLang="en-US" dirty="0"/>
+              <a:t>때문에 다른 옵션은 언제 사용하는지 모르겠음</a:t>
+            </a:r>
+            <a:endParaRPr lang="en-US" altLang="ko-KR" dirty="0"/>
+          </a:p>
+          <a:p>
+            <a:endParaRPr lang="en-US" altLang="ko-KR" dirty="0"/>
+          </a:p>
+          <a:p>
+            <a:pPr marL="285750" indent="-285750">
+              <a:buFontTx/>
+              <a:buChar char="-"/>
+            </a:pPr>
+            <a:r>
+              <a:rPr lang="en-US" altLang="ko-KR" dirty="0" err="1"/>
+              <a:t>Github</a:t>
+            </a:r>
+            <a:r>
+              <a:rPr lang="en-US" altLang="ko-KR" dirty="0"/>
               <a:t> </a:t>
             </a:r>
-            <a:endParaRPr lang="en-US" altLang="ko-KR" sz="7200" dirty="0">
-              <a:latin typeface="휴먼매직체" panose="02030504000101010101" pitchFamily="18" charset="-127"/>
-              <a:ea typeface="휴먼매직체" panose="02030504000101010101" pitchFamily="18" charset="-127"/>
-            </a:endParaRPr>
-          </a:p>
-          <a:p>
-            <a:r>
-              <a:rPr lang="en-US" altLang="ko-KR" sz="7200" dirty="0">
-                <a:latin typeface="휴먼매직체" panose="02030504000101010101" pitchFamily="18" charset="-127"/>
-                <a:ea typeface="휴먼매직체" panose="02030504000101010101" pitchFamily="18" charset="-127"/>
-              </a:rPr>
+            <a:r>
+              <a:rPr lang="ko-KR" altLang="en-US" dirty="0"/>
+              <a:t>협업은 처음이라 초반에 어려웠었음</a:t>
+            </a:r>
+            <a:endParaRPr lang="en-US" altLang="ko-KR" dirty="0"/>
+          </a:p>
+          <a:p>
+            <a:r>
+              <a:rPr lang="en-US" altLang="ko-KR" dirty="0"/>
+              <a:t>     -&gt; pull</a:t>
+            </a:r>
+            <a:r>
+              <a:rPr lang="ko-KR" altLang="en-US" dirty="0"/>
+              <a:t>의 중요성</a:t>
+            </a:r>
+            <a:r>
+              <a:rPr lang="en-US" altLang="ko-KR" dirty="0"/>
+              <a:t>, branch </a:t>
+            </a:r>
+            <a:r>
+              <a:rPr lang="ko-KR" altLang="en-US" dirty="0"/>
+              <a:t>나눠서 사용하기</a:t>
+            </a:r>
+            <a:endParaRPr lang="en-US" altLang="ko-KR" dirty="0"/>
+          </a:p>
+          <a:p>
+            <a:r>
+              <a:rPr lang="ko-KR" altLang="en-US" dirty="0"/>
               <a:t> </a:t>
             </a:r>
-            <a:r>
-              <a:rPr lang="ko-KR" altLang="en-US" sz="7200" dirty="0" err="1">
-                <a:solidFill>
-                  <a:srgbClr val="00B050"/>
-                </a:solidFill>
-                <a:latin typeface="휴먼매직체" panose="02030504000101010101" pitchFamily="18" charset="-127"/>
-                <a:ea typeface="휴먼매직체" panose="02030504000101010101" pitchFamily="18" charset="-127"/>
-              </a:rPr>
-              <a:t>잇</a:t>
-            </a:r>
-            <a:r>
-              <a:rPr lang="ko-KR" altLang="en-US" sz="7200" dirty="0" err="1">
-                <a:solidFill>
-                  <a:srgbClr val="008DF6"/>
-                </a:solidFill>
-                <a:latin typeface="휴먼매직체" panose="02030504000101010101" pitchFamily="18" charset="-127"/>
-                <a:ea typeface="휴먼매직체" panose="02030504000101010101" pitchFamily="18" charset="-127"/>
-              </a:rPr>
-              <a:t>으</a:t>
-            </a:r>
-            <a:r>
-              <a:rPr lang="ko-KR" altLang="en-US" sz="7200" dirty="0" err="1">
-                <a:solidFill>
-                  <a:schemeClr val="accent1">
-                    <a:lumMod val="75000"/>
-                  </a:schemeClr>
-                </a:solidFill>
-                <a:latin typeface="휴먼매직체" panose="02030504000101010101" pitchFamily="18" charset="-127"/>
-                <a:ea typeface="휴먼매직체" panose="02030504000101010101" pitchFamily="18" charset="-127"/>
-              </a:rPr>
-              <a:t>실</a:t>
-            </a:r>
-            <a:r>
-              <a:rPr lang="ko-KR" altLang="en-US" sz="7200" dirty="0" err="1">
-                <a:solidFill>
-                  <a:srgbClr val="9148C8"/>
-                </a:solidFill>
-                <a:latin typeface="휴먼매직체" panose="02030504000101010101" pitchFamily="18" charset="-127"/>
-                <a:ea typeface="휴먼매직체" panose="02030504000101010101" pitchFamily="18" charset="-127"/>
-              </a:rPr>
-              <a:t>가</a:t>
-            </a:r>
-            <a:r>
-              <a:rPr lang="ko-KR" altLang="en-US" sz="7200" dirty="0" err="1">
-                <a:solidFill>
-                  <a:schemeClr val="bg1"/>
-                </a:solidFill>
-                <a:latin typeface="휴먼매직체" panose="02030504000101010101" pitchFamily="18" charset="-127"/>
-                <a:ea typeface="휴먼매직체" panose="02030504000101010101" pitchFamily="18" charset="-127"/>
-              </a:rPr>
-              <a:t>요</a:t>
-            </a:r>
-            <a:r>
-              <a:rPr lang="en-US" altLang="ko-KR" sz="7200" dirty="0">
-                <a:solidFill>
-                  <a:srgbClr val="FF8585"/>
-                </a:solidFill>
-                <a:latin typeface="휴먼매직체" panose="02030504000101010101" pitchFamily="18" charset="-127"/>
-                <a:ea typeface="휴먼매직체" panose="02030504000101010101" pitchFamily="18" charset="-127"/>
-              </a:rPr>
-              <a:t>?</a:t>
-            </a:r>
-            <a:endParaRPr lang="ko-KR" altLang="en-US" sz="7200" dirty="0">
-              <a:latin typeface="휴먼매직체" panose="02030504000101010101" pitchFamily="18" charset="-127"/>
-              <a:ea typeface="휴먼매직체" panose="02030504000101010101" pitchFamily="18" charset="-127"/>
-            </a:endParaRPr>
           </a:p>
         </p:txBody>
       </p:sp>
     </p:spTree>
     <p:extLst>
       <p:ext uri="{BB962C8B-B14F-4D97-AF65-F5344CB8AC3E}">
-        <p14:creationId xmlns:p14="http://schemas.microsoft.com/office/powerpoint/2010/main" val="3786529058"/>
+        <p14:creationId xmlns:p14="http://schemas.microsoft.com/office/powerpoint/2010/main" val="1081975947"/>
       </p:ext>
     </p:extLst>
   </p:cSld>
@@ -14072,7 +19399,7 @@
           <p:nvPr/>
         </p:nvPicPr>
         <p:blipFill rotWithShape="1">
-          <a:blip r:embed="rId2" cstate="hqprint">
+          <a:blip r:embed="rId3" cstate="hqprint">
             <a:extLst>
               <a:ext uri="{28A0092B-C50C-407E-A947-70E740481C1C}">
                 <a14:useLocalDpi xmlns:a14="http://schemas.microsoft.com/office/drawing/2010/main" val="0"/>
@@ -14117,7 +19444,7 @@
           <p:nvPr/>
         </p:nvPicPr>
         <p:blipFill rotWithShape="1">
-          <a:blip r:embed="rId3" cstate="hqprint">
+          <a:blip r:embed="rId4" cstate="hqprint">
             <a:extLst>
               <a:ext uri="{28A0092B-C50C-407E-A947-70E740481C1C}">
                 <a14:useLocalDpi xmlns:a14="http://schemas.microsoft.com/office/drawing/2010/main" val="0"/>
@@ -14162,7 +19489,7 @@
           <p:nvPr/>
         </p:nvPicPr>
         <p:blipFill rotWithShape="1">
-          <a:blip r:embed="rId3" cstate="hqprint">
+          <a:blip r:embed="rId4" cstate="hqprint">
             <a:extLst>
               <a:ext uri="{28A0092B-C50C-407E-A947-70E740481C1C}">
                 <a14:useLocalDpi xmlns:a14="http://schemas.microsoft.com/office/drawing/2010/main" val="0"/>
@@ -14207,7 +19534,7 @@
           <p:nvPr/>
         </p:nvPicPr>
         <p:blipFill rotWithShape="1">
-          <a:blip r:embed="rId3" cstate="hqprint">
+          <a:blip r:embed="rId4" cstate="hqprint">
             <a:extLst>
               <a:ext uri="{28A0092B-C50C-407E-A947-70E740481C1C}">
                 <a14:useLocalDpi xmlns:a14="http://schemas.microsoft.com/office/drawing/2010/main" val="0"/>
@@ -14567,12 +19894,78 @@
           <a:chExt cx="0" cy="0"/>
         </a:xfrm>
       </p:grpSpPr>
+      <p:sp>
+        <p:nvSpPr>
+          <p:cNvPr id="11" name="직사각형 10">
+            <a:extLst>
+              <a:ext uri="{FF2B5EF4-FFF2-40B4-BE49-F238E27FC236}">
+                <a16:creationId xmlns:a16="http://schemas.microsoft.com/office/drawing/2014/main" id="{3E4B6B90-A726-4C19-9DAC-AF5587662B6A}"/>
+              </a:ext>
+            </a:extLst>
+          </p:cNvPr>
+          <p:cNvSpPr/>
+          <p:nvPr/>
+        </p:nvSpPr>
+        <p:spPr>
+          <a:xfrm>
+            <a:off x="601162" y="166461"/>
+            <a:ext cx="6858000" cy="523220"/>
+          </a:xfrm>
+          <a:prstGeom prst="rect">
+            <a:avLst/>
+          </a:prstGeom>
+          <a:noFill/>
+        </p:spPr>
+        <p:txBody>
+          <a:bodyPr wrap="square" lIns="91440" tIns="45720" rIns="91440" bIns="45720">
+            <a:spAutoFit/>
+          </a:bodyPr>
+          <a:lstStyle/>
+          <a:p>
+            <a:r>
+              <a:rPr lang="ko-KR" altLang="en-US" sz="2800" b="1" dirty="0">
+                <a:ln w="6600">
+                  <a:solidFill>
+                    <a:schemeClr val="tx1"/>
+                  </a:solidFill>
+                  <a:prstDash val="solid"/>
+                </a:ln>
+                <a:solidFill>
+                  <a:srgbClr val="FF8585"/>
+                </a:solidFill>
+                <a:effectLst>
+                  <a:outerShdw dist="38100" dir="2700000" algn="tl" rotWithShape="0">
+                    <a:schemeClr val="accent2"/>
+                  </a:outerShdw>
+                </a:effectLst>
+              </a:rPr>
+              <a:t>질문</a:t>
+            </a:r>
+            <a:endParaRPr lang="en-US" altLang="ko-KR" sz="2800" b="1" dirty="0">
+              <a:ln w="6600">
+                <a:solidFill>
+                  <a:schemeClr val="tx1"/>
+                </a:solidFill>
+                <a:prstDash val="solid"/>
+              </a:ln>
+              <a:solidFill>
+                <a:srgbClr val="FF8585"/>
+              </a:solidFill>
+              <a:effectLst>
+                <a:outerShdw dist="38100" dir="2700000" algn="tl" rotWithShape="0">
+                  <a:schemeClr val="accent2"/>
+                </a:outerShdw>
+              </a:effectLst>
+            </a:endParaRPr>
+          </a:p>
+        </p:txBody>
+      </p:sp>
       <p:pic>
         <p:nvPicPr>
-          <p:cNvPr id="5" name="Picture 2" descr="D-171] 공부 끝 - 오르비">
+          <p:cNvPr id="12" name="Picture 2" descr="D-171] 공부 끝 - 오르비">
             <a:extLst>
               <a:ext uri="{FF2B5EF4-FFF2-40B4-BE49-F238E27FC236}">
-                <a16:creationId xmlns:a16="http://schemas.microsoft.com/office/drawing/2014/main" id="{42FA632A-B4C0-4E7E-8207-77A7E583B9F2}"/>
+                <a16:creationId xmlns:a16="http://schemas.microsoft.com/office/drawing/2014/main" id="{C262696C-9B37-4A14-874E-2DF20C13730D}"/>
               </a:ext>
             </a:extLst>
           </p:cNvPr>
@@ -14582,7 +19975,303 @@
           <p:nvPr/>
         </p:nvPicPr>
         <p:blipFill rotWithShape="1">
-          <a:blip r:embed="rId2" cstate="hqprint">
+          <a:blip r:embed="rId3" cstate="hqprint">
+            <a:extLst>
+              <a:ext uri="{28A0092B-C50C-407E-A947-70E740481C1C}">
+                <a14:useLocalDpi xmlns:a14="http://schemas.microsoft.com/office/drawing/2010/main" val="0"/>
+              </a:ext>
+            </a:extLst>
+          </a:blip>
+          <a:srcRect l="33059"/>
+          <a:stretch/>
+        </p:blipFill>
+        <p:spPr bwMode="auto">
+          <a:xfrm>
+            <a:off x="0" y="136207"/>
+            <a:ext cx="601162" cy="583729"/>
+          </a:xfrm>
+          <a:prstGeom prst="rect">
+            <a:avLst/>
+          </a:prstGeom>
+          <a:noFill/>
+          <a:extLst>
+            <a:ext uri="{909E8E84-426E-40DD-AFC4-6F175D3DCCD1}">
+              <a14:hiddenFill xmlns:a14="http://schemas.microsoft.com/office/drawing/2010/main">
+                <a:solidFill>
+                  <a:srgbClr val="FFFFFF"/>
+                </a:solidFill>
+              </a14:hiddenFill>
+            </a:ext>
+          </a:extLst>
+        </p:spPr>
+      </p:pic>
+      <p:pic>
+        <p:nvPicPr>
+          <p:cNvPr id="13" name="Picture 2" descr="D-171] 공부 끝 - 오르비">
+            <a:extLst>
+              <a:ext uri="{FF2B5EF4-FFF2-40B4-BE49-F238E27FC236}">
+                <a16:creationId xmlns:a16="http://schemas.microsoft.com/office/drawing/2014/main" id="{9D71B640-D03D-47B0-B7F4-A5926D65A3C8}"/>
+              </a:ext>
+            </a:extLst>
+          </p:cNvPr>
+          <p:cNvPicPr>
+            <a:picLocks noChangeAspect="1" noChangeArrowheads="1"/>
+          </p:cNvPicPr>
+          <p:nvPr/>
+        </p:nvPicPr>
+        <p:blipFill rotWithShape="1">
+          <a:blip r:embed="rId4" cstate="hqprint">
+            <a:extLst>
+              <a:ext uri="{28A0092B-C50C-407E-A947-70E740481C1C}">
+                <a14:useLocalDpi xmlns:a14="http://schemas.microsoft.com/office/drawing/2010/main" val="0"/>
+              </a:ext>
+            </a:extLst>
+          </a:blip>
+          <a:srcRect l="33059"/>
+          <a:stretch/>
+        </p:blipFill>
+        <p:spPr bwMode="auto">
+          <a:xfrm>
+            <a:off x="4661647" y="1080019"/>
+            <a:ext cx="5779103" cy="5611521"/>
+          </a:xfrm>
+          <a:prstGeom prst="rect">
+            <a:avLst/>
+          </a:prstGeom>
+          <a:noFill/>
+          <a:extLst>
+            <a:ext uri="{909E8E84-426E-40DD-AFC4-6F175D3DCCD1}">
+              <a14:hiddenFill xmlns:a14="http://schemas.microsoft.com/office/drawing/2010/main">
+                <a:solidFill>
+                  <a:srgbClr val="FFFFFF"/>
+                </a:solidFill>
+              </a14:hiddenFill>
+            </a:ext>
+          </a:extLst>
+        </p:spPr>
+      </p:pic>
+      <p:sp>
+        <p:nvSpPr>
+          <p:cNvPr id="2" name="TextBox 1"/>
+          <p:cNvSpPr txBox="1"/>
+          <p:nvPr/>
+        </p:nvSpPr>
+        <p:spPr>
+          <a:xfrm>
+            <a:off x="1649506" y="1210235"/>
+            <a:ext cx="9395012" cy="2308324"/>
+          </a:xfrm>
+          <a:prstGeom prst="rect">
+            <a:avLst/>
+          </a:prstGeom>
+          <a:noFill/>
+        </p:spPr>
+        <p:txBody>
+          <a:bodyPr wrap="square" rtlCol="0">
+            <a:spAutoFit/>
+          </a:bodyPr>
+          <a:lstStyle/>
+          <a:p>
+            <a:r>
+              <a:rPr lang="ko-KR" altLang="en-US" dirty="0"/>
+              <a:t>  </a:t>
+            </a:r>
+            <a:r>
+              <a:rPr lang="ko-KR" altLang="en-US" sz="7200" dirty="0">
+                <a:solidFill>
+                  <a:srgbClr val="FF0000"/>
+                </a:solidFill>
+                <a:latin typeface="휴먼매직체" panose="02030504000101010101" pitchFamily="18" charset="-127"/>
+                <a:ea typeface="휴먼매직체" panose="02030504000101010101" pitchFamily="18" charset="-127"/>
+              </a:rPr>
+              <a:t>질</a:t>
+            </a:r>
+            <a:r>
+              <a:rPr lang="ko-KR" altLang="en-US" sz="7200" dirty="0">
+                <a:solidFill>
+                  <a:srgbClr val="FFC000"/>
+                </a:solidFill>
+                <a:latin typeface="휴먼매직체" panose="02030504000101010101" pitchFamily="18" charset="-127"/>
+                <a:ea typeface="휴먼매직체" panose="02030504000101010101" pitchFamily="18" charset="-127"/>
+              </a:rPr>
+              <a:t>문</a:t>
+            </a:r>
+            <a:r>
+              <a:rPr lang="ko-KR" altLang="en-US" sz="7200" dirty="0">
+                <a:solidFill>
+                  <a:srgbClr val="FFFF00"/>
+                </a:solidFill>
+                <a:latin typeface="휴먼매직체" panose="02030504000101010101" pitchFamily="18" charset="-127"/>
+                <a:ea typeface="휴먼매직체" panose="02030504000101010101" pitchFamily="18" charset="-127"/>
+              </a:rPr>
+              <a:t>이</a:t>
+            </a:r>
+            <a:r>
+              <a:rPr lang="ko-KR" altLang="en-US" sz="7200" dirty="0">
+                <a:latin typeface="휴먼매직체" panose="02030504000101010101" pitchFamily="18" charset="-127"/>
+                <a:ea typeface="휴먼매직체" panose="02030504000101010101" pitchFamily="18" charset="-127"/>
+              </a:rPr>
+              <a:t> </a:t>
+            </a:r>
+            <a:endParaRPr lang="en-US" altLang="ko-KR" sz="7200" dirty="0">
+              <a:latin typeface="휴먼매직체" panose="02030504000101010101" pitchFamily="18" charset="-127"/>
+              <a:ea typeface="휴먼매직체" panose="02030504000101010101" pitchFamily="18" charset="-127"/>
+            </a:endParaRPr>
+          </a:p>
+          <a:p>
+            <a:r>
+              <a:rPr lang="en-US" altLang="ko-KR" sz="7200" dirty="0">
+                <a:latin typeface="휴먼매직체" panose="02030504000101010101" pitchFamily="18" charset="-127"/>
+                <a:ea typeface="휴먼매직체" panose="02030504000101010101" pitchFamily="18" charset="-127"/>
+              </a:rPr>
+              <a:t> </a:t>
+            </a:r>
+            <a:r>
+              <a:rPr lang="ko-KR" altLang="en-US" sz="7200" dirty="0" err="1">
+                <a:solidFill>
+                  <a:srgbClr val="00B050"/>
+                </a:solidFill>
+                <a:latin typeface="휴먼매직체" panose="02030504000101010101" pitchFamily="18" charset="-127"/>
+                <a:ea typeface="휴먼매직체" panose="02030504000101010101" pitchFamily="18" charset="-127"/>
+              </a:rPr>
+              <a:t>잇</a:t>
+            </a:r>
+            <a:r>
+              <a:rPr lang="ko-KR" altLang="en-US" sz="7200" dirty="0" err="1">
+                <a:solidFill>
+                  <a:srgbClr val="008DF6"/>
+                </a:solidFill>
+                <a:latin typeface="휴먼매직체" panose="02030504000101010101" pitchFamily="18" charset="-127"/>
+                <a:ea typeface="휴먼매직체" panose="02030504000101010101" pitchFamily="18" charset="-127"/>
+              </a:rPr>
+              <a:t>으</a:t>
+            </a:r>
+            <a:r>
+              <a:rPr lang="ko-KR" altLang="en-US" sz="7200" dirty="0" err="1">
+                <a:solidFill>
+                  <a:schemeClr val="accent1">
+                    <a:lumMod val="75000"/>
+                  </a:schemeClr>
+                </a:solidFill>
+                <a:latin typeface="휴먼매직체" panose="02030504000101010101" pitchFamily="18" charset="-127"/>
+                <a:ea typeface="휴먼매직체" panose="02030504000101010101" pitchFamily="18" charset="-127"/>
+              </a:rPr>
+              <a:t>실</a:t>
+            </a:r>
+            <a:r>
+              <a:rPr lang="ko-KR" altLang="en-US" sz="7200" dirty="0" err="1">
+                <a:solidFill>
+                  <a:srgbClr val="9148C8"/>
+                </a:solidFill>
+                <a:latin typeface="휴먼매직체" panose="02030504000101010101" pitchFamily="18" charset="-127"/>
+                <a:ea typeface="휴먼매직체" panose="02030504000101010101" pitchFamily="18" charset="-127"/>
+              </a:rPr>
+              <a:t>가</a:t>
+            </a:r>
+            <a:r>
+              <a:rPr lang="ko-KR" altLang="en-US" sz="7200" dirty="0" err="1">
+                <a:solidFill>
+                  <a:schemeClr val="bg1"/>
+                </a:solidFill>
+                <a:latin typeface="휴먼매직체" panose="02030504000101010101" pitchFamily="18" charset="-127"/>
+                <a:ea typeface="휴먼매직체" panose="02030504000101010101" pitchFamily="18" charset="-127"/>
+              </a:rPr>
+              <a:t>요</a:t>
+            </a:r>
+            <a:r>
+              <a:rPr lang="en-US" altLang="ko-KR" sz="7200" dirty="0">
+                <a:solidFill>
+                  <a:srgbClr val="FF8585"/>
+                </a:solidFill>
+                <a:latin typeface="휴먼매직체" panose="02030504000101010101" pitchFamily="18" charset="-127"/>
+                <a:ea typeface="휴먼매직체" panose="02030504000101010101" pitchFamily="18" charset="-127"/>
+              </a:rPr>
+              <a:t>?</a:t>
+            </a:r>
+            <a:endParaRPr lang="ko-KR" altLang="en-US" sz="7200" dirty="0">
+              <a:latin typeface="휴먼매직체" panose="02030504000101010101" pitchFamily="18" charset="-127"/>
+              <a:ea typeface="휴먼매직체" panose="02030504000101010101" pitchFamily="18" charset="-127"/>
+            </a:endParaRPr>
+          </a:p>
+        </p:txBody>
+      </p:sp>
+    </p:spTree>
+    <p:extLst>
+      <p:ext uri="{BB962C8B-B14F-4D97-AF65-F5344CB8AC3E}">
+        <p14:creationId xmlns:p14="http://schemas.microsoft.com/office/powerpoint/2010/main" val="3786529058"/>
+      </p:ext>
+    </p:extLst>
+  </p:cSld>
+  <p:clrMapOvr>
+    <a:masterClrMapping/>
+  </p:clrMapOvr>
+</p:sld>
+</file>
+
+<file path=ppt/slides/slide31.xml><?xml version="1.0" encoding="utf-8"?>
+<p:sld xmlns:a="http://schemas.openxmlformats.org/drawingml/2006/main" xmlns:r="http://schemas.openxmlformats.org/officeDocument/2006/relationships" xmlns:p="http://schemas.openxmlformats.org/presentationml/2006/main">
+  <p:cSld>
+    <p:bg>
+      <p:bgPr>
+        <a:gradFill>
+          <a:gsLst>
+            <a:gs pos="18000">
+              <a:srgbClr val="FFC95D"/>
+            </a:gs>
+            <a:gs pos="0">
+              <a:srgbClr val="F5856F"/>
+            </a:gs>
+            <a:gs pos="35000">
+              <a:srgbClr val="FEFE6E"/>
+            </a:gs>
+            <a:gs pos="67000">
+              <a:srgbClr val="72D6FA"/>
+            </a:gs>
+            <a:gs pos="52000">
+              <a:srgbClr val="B4F999"/>
+            </a:gs>
+            <a:gs pos="100000">
+              <a:srgbClr val="FB71B6"/>
+            </a:gs>
+            <a:gs pos="83000">
+              <a:srgbClr val="6D7BFF"/>
+            </a:gs>
+          </a:gsLst>
+          <a:lin ang="2700000" scaled="1"/>
+        </a:gradFill>
+        <a:effectLst/>
+      </p:bgPr>
+    </p:bg>
+    <p:spTree>
+      <p:nvGrpSpPr>
+        <p:cNvPr id="1" name=""/>
+        <p:cNvGrpSpPr/>
+        <p:nvPr/>
+      </p:nvGrpSpPr>
+      <p:grpSpPr>
+        <a:xfrm>
+          <a:off x="0" y="0"/>
+          <a:ext cx="0" cy="0"/>
+          <a:chOff x="0" y="0"/>
+          <a:chExt cx="0" cy="0"/>
+        </a:xfrm>
+      </p:grpSpPr>
+      <p:pic>
+        <p:nvPicPr>
+          <p:cNvPr id="5" name="Picture 2" descr="D-171] 공부 끝 - 오르비">
+            <a:extLst>
+              <a:ext uri="{FF2B5EF4-FFF2-40B4-BE49-F238E27FC236}">
+                <a16:creationId xmlns:a16="http://schemas.microsoft.com/office/drawing/2014/main" id="{42FA632A-B4C0-4E7E-8207-77A7E583B9F2}"/>
+              </a:ext>
+            </a:extLst>
+          </p:cNvPr>
+          <p:cNvPicPr>
+            <a:picLocks noChangeAspect="1" noChangeArrowheads="1"/>
+          </p:cNvPicPr>
+          <p:nvPr/>
+        </p:nvPicPr>
+        <p:blipFill rotWithShape="1">
+          <a:blip r:embed="rId3" cstate="hqprint">
             <a:extLst>
               <a:ext uri="{28A0092B-C50C-407E-A947-70E740481C1C}">
                 <a14:useLocalDpi xmlns:a14="http://schemas.microsoft.com/office/drawing/2010/main" val="0"/>
@@ -14824,7 +20513,7 @@
           <p:nvPr/>
         </p:nvPicPr>
         <p:blipFill rotWithShape="1">
-          <a:blip r:embed="rId2" cstate="hqprint">
+          <a:blip r:embed="rId3" cstate="hqprint">
             <a:extLst>
               <a:ext uri="{28A0092B-C50C-407E-A947-70E740481C1C}">
                 <a14:useLocalDpi xmlns:a14="http://schemas.microsoft.com/office/drawing/2010/main" val="0"/>
@@ -14869,7 +20558,7 @@
           <p:nvPr/>
         </p:nvPicPr>
         <p:blipFill rotWithShape="1">
-          <a:blip r:embed="rId2" cstate="hqprint">
+          <a:blip r:embed="rId3" cstate="hqprint">
             <a:extLst>
               <a:ext uri="{28A0092B-C50C-407E-A947-70E740481C1C}">
                 <a14:useLocalDpi xmlns:a14="http://schemas.microsoft.com/office/drawing/2010/main" val="0"/>
@@ -14914,7 +20603,7 @@
           <p:nvPr/>
         </p:nvPicPr>
         <p:blipFill rotWithShape="1">
-          <a:blip r:embed="rId2" cstate="hqprint">
+          <a:blip r:embed="rId3" cstate="hqprint">
             <a:extLst>
               <a:ext uri="{28A0092B-C50C-407E-A947-70E740481C1C}">
                 <a14:useLocalDpi xmlns:a14="http://schemas.microsoft.com/office/drawing/2010/main" val="0"/>
@@ -14959,7 +20648,7 @@
           <p:nvPr/>
         </p:nvPicPr>
         <p:blipFill rotWithShape="1">
-          <a:blip r:embed="rId2" cstate="hqprint">
+          <a:blip r:embed="rId3" cstate="hqprint">
             <a:extLst>
               <a:ext uri="{28A0092B-C50C-407E-A947-70E740481C1C}">
                 <a14:useLocalDpi xmlns:a14="http://schemas.microsoft.com/office/drawing/2010/main" val="0"/>
@@ -15004,7 +20693,7 @@
           <p:nvPr/>
         </p:nvPicPr>
         <p:blipFill rotWithShape="1">
-          <a:blip r:embed="rId2" cstate="hqprint">
+          <a:blip r:embed="rId3" cstate="hqprint">
             <a:extLst>
               <a:ext uri="{28A0092B-C50C-407E-A947-70E740481C1C}">
                 <a14:useLocalDpi xmlns:a14="http://schemas.microsoft.com/office/drawing/2010/main" val="0"/>
@@ -15049,7 +20738,7 @@
           <p:nvPr/>
         </p:nvPicPr>
         <p:blipFill rotWithShape="1">
-          <a:blip r:embed="rId2" cstate="hqprint">
+          <a:blip r:embed="rId3" cstate="hqprint">
             <a:extLst>
               <a:ext uri="{28A0092B-C50C-407E-A947-70E740481C1C}">
                 <a14:useLocalDpi xmlns:a14="http://schemas.microsoft.com/office/drawing/2010/main" val="0"/>
@@ -15094,7 +20783,7 @@
           <p:nvPr/>
         </p:nvPicPr>
         <p:blipFill rotWithShape="1">
-          <a:blip r:embed="rId2" cstate="hqprint">
+          <a:blip r:embed="rId3" cstate="hqprint">
             <a:extLst>
               <a:ext uri="{28A0092B-C50C-407E-A947-70E740481C1C}">
                 <a14:useLocalDpi xmlns:a14="http://schemas.microsoft.com/office/drawing/2010/main" val="0"/>
@@ -15139,7 +20828,7 @@
           <p:nvPr/>
         </p:nvPicPr>
         <p:blipFill rotWithShape="1">
-          <a:blip r:embed="rId2" cstate="hqprint">
+          <a:blip r:embed="rId3" cstate="hqprint">
             <a:extLst>
               <a:ext uri="{28A0092B-C50C-407E-A947-70E740481C1C}">
                 <a14:useLocalDpi xmlns:a14="http://schemas.microsoft.com/office/drawing/2010/main" val="0"/>
@@ -15184,7 +20873,7 @@
           <p:nvPr/>
         </p:nvPicPr>
         <p:blipFill rotWithShape="1">
-          <a:blip r:embed="rId2" cstate="hqprint">
+          <a:blip r:embed="rId3" cstate="hqprint">
             <a:extLst>
               <a:ext uri="{28A0092B-C50C-407E-A947-70E740481C1C}">
                 <a14:useLocalDpi xmlns:a14="http://schemas.microsoft.com/office/drawing/2010/main" val="0"/>
@@ -15229,7 +20918,7 @@
           <p:nvPr/>
         </p:nvPicPr>
         <p:blipFill rotWithShape="1">
-          <a:blip r:embed="rId2" cstate="hqprint">
+          <a:blip r:embed="rId3" cstate="hqprint">
             <a:extLst>
               <a:ext uri="{28A0092B-C50C-407E-A947-70E740481C1C}">
                 <a14:useLocalDpi xmlns:a14="http://schemas.microsoft.com/office/drawing/2010/main" val="0"/>
@@ -15274,7 +20963,7 @@
           <p:nvPr/>
         </p:nvPicPr>
         <p:blipFill rotWithShape="1">
-          <a:blip r:embed="rId2" cstate="hqprint">
+          <a:blip r:embed="rId3" cstate="hqprint">
             <a:extLst>
               <a:ext uri="{28A0092B-C50C-407E-A947-70E740481C1C}">
                 <a14:useLocalDpi xmlns:a14="http://schemas.microsoft.com/office/drawing/2010/main" val="0"/>
@@ -15319,7 +21008,7 @@
           <p:nvPr/>
         </p:nvPicPr>
         <p:blipFill rotWithShape="1">
-          <a:blip r:embed="rId2" cstate="hqprint">
+          <a:blip r:embed="rId3" cstate="hqprint">
             <a:extLst>
               <a:ext uri="{28A0092B-C50C-407E-A947-70E740481C1C}">
                 <a14:useLocalDpi xmlns:a14="http://schemas.microsoft.com/office/drawing/2010/main" val="0"/>
@@ -15364,7 +21053,7 @@
           <p:nvPr/>
         </p:nvPicPr>
         <p:blipFill rotWithShape="1">
-          <a:blip r:embed="rId2" cstate="hqprint">
+          <a:blip r:embed="rId3" cstate="hqprint">
             <a:extLst>
               <a:ext uri="{28A0092B-C50C-407E-A947-70E740481C1C}">
                 <a14:useLocalDpi xmlns:a14="http://schemas.microsoft.com/office/drawing/2010/main" val="0"/>
@@ -15574,7 +21263,7 @@
           <p:nvPr/>
         </p:nvPicPr>
         <p:blipFill rotWithShape="1">
-          <a:blip r:embed="rId2" cstate="hqprint">
+          <a:blip r:embed="rId3" cstate="hqprint">
             <a:extLst>
               <a:ext uri="{28A0092B-C50C-407E-A947-70E740481C1C}">
                 <a14:useLocalDpi xmlns:a14="http://schemas.microsoft.com/office/drawing/2010/main" val="0"/>
@@ -15619,7 +21308,7 @@
           <p:nvPr/>
         </p:nvPicPr>
         <p:blipFill rotWithShape="1">
-          <a:blip r:embed="rId3" cstate="hqprint">
+          <a:blip r:embed="rId4" cstate="hqprint">
             <a:extLst>
               <a:ext uri="{28A0092B-C50C-407E-A947-70E740481C1C}">
                 <a14:useLocalDpi xmlns:a14="http://schemas.microsoft.com/office/drawing/2010/main" val="0"/>
@@ -15658,7 +21347,7 @@
           <p:nvPr/>
         </p:nvPicPr>
         <p:blipFill>
-          <a:blip r:embed="rId4"/>
+          <a:blip r:embed="rId5"/>
           <a:stretch>
             <a:fillRect/>
           </a:stretch>
@@ -15985,7 +21674,7 @@
           <p:nvPr/>
         </p:nvPicPr>
         <p:blipFill rotWithShape="1">
-          <a:blip r:embed="rId2" cstate="hqprint">
+          <a:blip r:embed="rId3" cstate="hqprint">
             <a:extLst>
               <a:ext uri="{28A0092B-C50C-407E-A947-70E740481C1C}">
                 <a14:useLocalDpi xmlns:a14="http://schemas.microsoft.com/office/drawing/2010/main" val="0"/>
@@ -16030,7 +21719,7 @@
           <p:nvPr/>
         </p:nvPicPr>
         <p:blipFill rotWithShape="1">
-          <a:blip r:embed="rId3">
+          <a:blip r:embed="rId4">
             <a:extLst>
               <a:ext uri="{28A0092B-C50C-407E-A947-70E740481C1C}">
                 <a14:useLocalDpi xmlns:a14="http://schemas.microsoft.com/office/drawing/2010/main" val="0"/>
@@ -16355,7 +22044,7 @@
           <p:nvPr/>
         </p:nvPicPr>
         <p:blipFill rotWithShape="1">
-          <a:blip r:embed="rId2" cstate="hqprint">
+          <a:blip r:embed="rId3" cstate="hqprint">
             <a:extLst>
               <a:ext uri="{28A0092B-C50C-407E-A947-70E740481C1C}">
                 <a14:useLocalDpi xmlns:a14="http://schemas.microsoft.com/office/drawing/2010/main" val="0"/>
@@ -16400,7 +22089,7 @@
           <p:nvPr/>
         </p:nvPicPr>
         <p:blipFill rotWithShape="1">
-          <a:blip r:embed="rId3" cstate="hqprint">
+          <a:blip r:embed="rId4" cstate="hqprint">
             <a:extLst>
               <a:ext uri="{28A0092B-C50C-407E-A947-70E740481C1C}">
                 <a14:useLocalDpi xmlns:a14="http://schemas.microsoft.com/office/drawing/2010/main" val="0"/>
@@ -16821,7 +22510,7 @@
           <p:nvPr/>
         </p:nvPicPr>
         <p:blipFill rotWithShape="1">
-          <a:blip r:embed="rId2" cstate="hqprint">
+          <a:blip r:embed="rId3" cstate="hqprint">
             <a:extLst>
               <a:ext uri="{28A0092B-C50C-407E-A947-70E740481C1C}">
                 <a14:useLocalDpi xmlns:a14="http://schemas.microsoft.com/office/drawing/2010/main" val="0"/>
@@ -16866,7 +22555,7 @@
           <p:nvPr/>
         </p:nvPicPr>
         <p:blipFill rotWithShape="1">
-          <a:blip r:embed="rId3">
+          <a:blip r:embed="rId4">
             <a:extLst>
               <a:ext uri="{28A0092B-C50C-407E-A947-70E740481C1C}">
                 <a14:useLocalDpi xmlns:a14="http://schemas.microsoft.com/office/drawing/2010/main" val="0"/>
@@ -17180,7 +22869,7 @@
           <p:nvPr/>
         </p:nvPicPr>
         <p:blipFill rotWithShape="1">
-          <a:blip r:embed="rId2" cstate="hqprint">
+          <a:blip r:embed="rId3" cstate="hqprint">
             <a:extLst>
               <a:ext uri="{28A0092B-C50C-407E-A947-70E740481C1C}">
                 <a14:useLocalDpi xmlns:a14="http://schemas.microsoft.com/office/drawing/2010/main" val="0"/>
@@ -17225,7 +22914,7 @@
           <p:nvPr/>
         </p:nvPicPr>
         <p:blipFill rotWithShape="1">
-          <a:blip r:embed="rId3" cstate="hqprint">
+          <a:blip r:embed="rId4" cstate="hqprint">
             <a:extLst>
               <a:ext uri="{28A0092B-C50C-407E-A947-70E740481C1C}">
                 <a14:useLocalDpi xmlns:a14="http://schemas.microsoft.com/office/drawing/2010/main" val="0"/>
@@ -17374,7 +23063,7 @@
           <p:nvPr/>
         </p:nvPicPr>
         <p:blipFill>
-          <a:blip r:embed="rId4"/>
+          <a:blip r:embed="rId5"/>
           <a:stretch>
             <a:fillRect/>
           </a:stretch>
@@ -17814,7 +23503,7 @@
           <p:nvPr/>
         </p:nvPicPr>
         <p:blipFill rotWithShape="1">
-          <a:blip r:embed="rId2" cstate="hqprint">
+          <a:blip r:embed="rId3" cstate="hqprint">
             <a:extLst>
               <a:ext uri="{28A0092B-C50C-407E-A947-70E740481C1C}">
                 <a14:useLocalDpi xmlns:a14="http://schemas.microsoft.com/office/drawing/2010/main" val="0"/>
@@ -17859,7 +23548,7 @@
           <p:nvPr/>
         </p:nvPicPr>
         <p:blipFill rotWithShape="1">
-          <a:blip r:embed="rId3" cstate="hqprint">
+          <a:blip r:embed="rId4" cstate="hqprint">
             <a:extLst>
               <a:ext uri="{28A0092B-C50C-407E-A947-70E740481C1C}">
                 <a14:useLocalDpi xmlns:a14="http://schemas.microsoft.com/office/drawing/2010/main" val="0"/>
@@ -17898,7 +23587,7 @@
           <p:nvPr/>
         </p:nvPicPr>
         <p:blipFill>
-          <a:blip r:embed="rId4"/>
+          <a:blip r:embed="rId5"/>
           <a:stretch>
             <a:fillRect/>
           </a:stretch>
@@ -18569,4 +24258,299 @@
     </a:ext>
   </a:extLst>
 </a:theme>
+</file>
+
+<file path=ppt/theme/theme2.xml><?xml version="1.0" encoding="utf-8"?>
+<a:theme xmlns:a="http://schemas.openxmlformats.org/drawingml/2006/main" name="Office 테마">
+  <a:themeElements>
+    <a:clrScheme name="Office">
+      <a:dk1>
+        <a:sysClr val="windowText" lastClr="000000"/>
+      </a:dk1>
+      <a:lt1>
+        <a:sysClr val="window" lastClr="FFFFFF"/>
+      </a:lt1>
+      <a:dk2>
+        <a:srgbClr val="44546A"/>
+      </a:dk2>
+      <a:lt2>
+        <a:srgbClr val="E7E6E6"/>
+      </a:lt2>
+      <a:accent1>
+        <a:srgbClr val="4472C4"/>
+      </a:accent1>
+      <a:accent2>
+        <a:srgbClr val="ED7D31"/>
+      </a:accent2>
+      <a:accent3>
+        <a:srgbClr val="A5A5A5"/>
+      </a:accent3>
+      <a:accent4>
+        <a:srgbClr val="FFC000"/>
+      </a:accent4>
+      <a:accent5>
+        <a:srgbClr val="5B9BD5"/>
+      </a:accent5>
+      <a:accent6>
+        <a:srgbClr val="70AD47"/>
+      </a:accent6>
+      <a:hlink>
+        <a:srgbClr val="0563C1"/>
+      </a:hlink>
+      <a:folHlink>
+        <a:srgbClr val="954F72"/>
+      </a:folHlink>
+    </a:clrScheme>
+    <a:fontScheme name="Office">
+      <a:majorFont>
+        <a:latin typeface="맑은 고딕" panose="020F0302020204030204"/>
+        <a:ea typeface=""/>
+        <a:cs typeface=""/>
+        <a:font script="Jpan" typeface="游ゴシック Light"/>
+        <a:font script="Hang" typeface="맑은 고딕"/>
+        <a:font script="Hans" typeface="等线 Light"/>
+        <a:font script="Hant" typeface="新細明體"/>
+        <a:font script="Arab" typeface="Times New Roman"/>
+        <a:font script="Hebr" typeface="Times New Roman"/>
+        <a:font script="Thai" typeface="Angsana New"/>
+        <a:font script="Ethi" typeface="Nyala"/>
+        <a:font script="Beng" typeface="Vrinda"/>
+        <a:font script="Gujr" typeface="Shruti"/>
+        <a:font script="Khmr" typeface="MoolBoran"/>
+        <a:font script="Knda" typeface="Tunga"/>
+        <a:font script="Guru" typeface="Raavi"/>
+        <a:font script="Cans" typeface="Euphemia"/>
+        <a:font script="Cher" typeface="Plantagenet Cherokee"/>
+        <a:font script="Yiii" typeface="Microsoft Yi Baiti"/>
+        <a:font script="Tibt" typeface="Microsoft Himalaya"/>
+        <a:font script="Thaa" typeface="MV Boli"/>
+        <a:font script="Deva" typeface="Mangal"/>
+        <a:font script="Telu" typeface="Gautami"/>
+        <a:font script="Taml" typeface="Latha"/>
+        <a:font script="Syrc" typeface="Estrangelo Edessa"/>
+        <a:font script="Orya" typeface="Kalinga"/>
+        <a:font script="Mlym" typeface="Kartika"/>
+        <a:font script="Laoo" typeface="DokChampa"/>
+        <a:font script="Sinh" typeface="Iskoola Pota"/>
+        <a:font script="Mong" typeface="Mongolian Baiti"/>
+        <a:font script="Viet" typeface="Times New Roman"/>
+        <a:font script="Uigh" typeface="Microsoft Uighur"/>
+        <a:font script="Geor" typeface="Sylfaen"/>
+        <a:font script="Armn" typeface="Arial"/>
+        <a:font script="Bugi" typeface="Leelawadee UI"/>
+        <a:font script="Bopo" typeface="Microsoft JhengHei"/>
+        <a:font script="Java" typeface="Javanese Text"/>
+        <a:font script="Lisu" typeface="Segoe UI"/>
+        <a:font script="Mymr" typeface="Myanmar Text"/>
+        <a:font script="Nkoo" typeface="Ebrima"/>
+        <a:font script="Olck" typeface="Nirmala UI"/>
+        <a:font script="Osma" typeface="Ebrima"/>
+        <a:font script="Phag" typeface="Phagspa"/>
+        <a:font script="Syrn" typeface="Estrangelo Edessa"/>
+        <a:font script="Syrj" typeface="Estrangelo Edessa"/>
+        <a:font script="Syre" typeface="Estrangelo Edessa"/>
+        <a:font script="Sora" typeface="Nirmala UI"/>
+        <a:font script="Tale" typeface="Microsoft Tai Le"/>
+        <a:font script="Talu" typeface="Microsoft New Tai Lue"/>
+        <a:font script="Tfng" typeface="Ebrima"/>
+      </a:majorFont>
+      <a:minorFont>
+        <a:latin typeface="맑은 고딕" panose="020F0502020204030204"/>
+        <a:ea typeface=""/>
+        <a:cs typeface=""/>
+        <a:font script="Jpan" typeface="游ゴシック"/>
+        <a:font script="Hang" typeface="맑은 고딕"/>
+        <a:font script="Hans" typeface="等线"/>
+        <a:font script="Hant" typeface="新細明體"/>
+        <a:font script="Arab" typeface="Arial"/>
+        <a:font script="Hebr" typeface="Arial"/>
+        <a:font script="Thai" typeface="Cordia New"/>
+        <a:font script="Ethi" typeface="Nyala"/>
+        <a:font script="Beng" typeface="Vrinda"/>
+        <a:font script="Gujr" typeface="Shruti"/>
+        <a:font script="Khmr" typeface="DaunPenh"/>
+        <a:font script="Knda" typeface="Tunga"/>
+        <a:font script="Guru" typeface="Raavi"/>
+        <a:font script="Cans" typeface="Euphemia"/>
+        <a:font script="Cher" typeface="Plantagenet Cherokee"/>
+        <a:font script="Yiii" typeface="Microsoft Yi Baiti"/>
+        <a:font script="Tibt" typeface="Microsoft Himalaya"/>
+        <a:font script="Thaa" typeface="MV Boli"/>
+        <a:font script="Deva" typeface="Mangal"/>
+        <a:font script="Telu" typeface="Gautami"/>
+        <a:font script="Taml" typeface="Latha"/>
+        <a:font script="Syrc" typeface="Estrangelo Edessa"/>
+        <a:font script="Orya" typeface="Kalinga"/>
+        <a:font script="Mlym" typeface="Kartika"/>
+        <a:font script="Laoo" typeface="DokChampa"/>
+        <a:font script="Sinh" typeface="Iskoola Pota"/>
+        <a:font script="Mong" typeface="Mongolian Baiti"/>
+        <a:font script="Viet" typeface="Arial"/>
+        <a:font script="Uigh" typeface="Microsoft Uighur"/>
+        <a:font script="Geor" typeface="Sylfaen"/>
+        <a:font script="Armn" typeface="Arial"/>
+        <a:font script="Bugi" typeface="Leelawadee UI"/>
+        <a:font script="Bopo" typeface="Microsoft JhengHei"/>
+        <a:font script="Java" typeface="Javanese Text"/>
+        <a:font script="Lisu" typeface="Segoe UI"/>
+        <a:font script="Mymr" typeface="Myanmar Text"/>
+        <a:font script="Nkoo" typeface="Ebrima"/>
+        <a:font script="Olck" typeface="Nirmala UI"/>
+        <a:font script="Osma" typeface="Ebrima"/>
+        <a:font script="Phag" typeface="Phagspa"/>
+        <a:font script="Syrn" typeface="Estrangelo Edessa"/>
+        <a:font script="Syrj" typeface="Estrangelo Edessa"/>
+        <a:font script="Syre" typeface="Estrangelo Edessa"/>
+        <a:font script="Sora" typeface="Nirmala UI"/>
+        <a:font script="Tale" typeface="Microsoft Tai Le"/>
+        <a:font script="Talu" typeface="Microsoft New Tai Lue"/>
+        <a:font script="Tfng" typeface="Ebrima"/>
+      </a:minorFont>
+    </a:fontScheme>
+    <a:fmtScheme name="Office">
+      <a:fillStyleLst>
+        <a:solidFill>
+          <a:schemeClr val="phClr"/>
+        </a:solidFill>
+        <a:gradFill rotWithShape="1">
+          <a:gsLst>
+            <a:gs pos="0">
+              <a:schemeClr val="phClr">
+                <a:lumMod val="110000"/>
+                <a:satMod val="105000"/>
+                <a:tint val="67000"/>
+              </a:schemeClr>
+            </a:gs>
+            <a:gs pos="50000">
+              <a:schemeClr val="phClr">
+                <a:lumMod val="105000"/>
+                <a:satMod val="103000"/>
+                <a:tint val="73000"/>
+              </a:schemeClr>
+            </a:gs>
+            <a:gs pos="100000">
+              <a:schemeClr val="phClr">
+                <a:lumMod val="105000"/>
+                <a:satMod val="109000"/>
+                <a:tint val="81000"/>
+              </a:schemeClr>
+            </a:gs>
+          </a:gsLst>
+          <a:lin ang="5400000" scaled="0"/>
+        </a:gradFill>
+        <a:gradFill rotWithShape="1">
+          <a:gsLst>
+            <a:gs pos="0">
+              <a:schemeClr val="phClr">
+                <a:satMod val="103000"/>
+                <a:lumMod val="102000"/>
+                <a:tint val="94000"/>
+              </a:schemeClr>
+            </a:gs>
+            <a:gs pos="50000">
+              <a:schemeClr val="phClr">
+                <a:satMod val="110000"/>
+                <a:lumMod val="100000"/>
+                <a:shade val="100000"/>
+              </a:schemeClr>
+            </a:gs>
+            <a:gs pos="100000">
+              <a:schemeClr val="phClr">
+                <a:lumMod val="99000"/>
+                <a:satMod val="120000"/>
+                <a:shade val="78000"/>
+              </a:schemeClr>
+            </a:gs>
+          </a:gsLst>
+          <a:lin ang="5400000" scaled="0"/>
+        </a:gradFill>
+      </a:fillStyleLst>
+      <a:lnStyleLst>
+        <a:ln w="6350" cap="flat" cmpd="sng" algn="ctr">
+          <a:solidFill>
+            <a:schemeClr val="phClr"/>
+          </a:solidFill>
+          <a:prstDash val="solid"/>
+          <a:miter lim="800000"/>
+        </a:ln>
+        <a:ln w="12700" cap="flat" cmpd="sng" algn="ctr">
+          <a:solidFill>
+            <a:schemeClr val="phClr"/>
+          </a:solidFill>
+          <a:prstDash val="solid"/>
+          <a:miter lim="800000"/>
+        </a:ln>
+        <a:ln w="19050" cap="flat" cmpd="sng" algn="ctr">
+          <a:solidFill>
+            <a:schemeClr val="phClr"/>
+          </a:solidFill>
+          <a:prstDash val="solid"/>
+          <a:miter lim="800000"/>
+        </a:ln>
+      </a:lnStyleLst>
+      <a:effectStyleLst>
+        <a:effectStyle>
+          <a:effectLst/>
+        </a:effectStyle>
+        <a:effectStyle>
+          <a:effectLst/>
+        </a:effectStyle>
+        <a:effectStyle>
+          <a:effectLst>
+            <a:outerShdw blurRad="57150" dist="19050" dir="5400000" algn="ctr" rotWithShape="0">
+              <a:srgbClr val="000000">
+                <a:alpha val="63000"/>
+              </a:srgbClr>
+            </a:outerShdw>
+          </a:effectLst>
+        </a:effectStyle>
+      </a:effectStyleLst>
+      <a:bgFillStyleLst>
+        <a:solidFill>
+          <a:schemeClr val="phClr"/>
+        </a:solidFill>
+        <a:solidFill>
+          <a:schemeClr val="phClr">
+            <a:tint val="95000"/>
+            <a:satMod val="170000"/>
+          </a:schemeClr>
+        </a:solidFill>
+        <a:gradFill rotWithShape="1">
+          <a:gsLst>
+            <a:gs pos="0">
+              <a:schemeClr val="phClr">
+                <a:tint val="93000"/>
+                <a:satMod val="150000"/>
+                <a:shade val="98000"/>
+                <a:lumMod val="102000"/>
+              </a:schemeClr>
+            </a:gs>
+            <a:gs pos="50000">
+              <a:schemeClr val="phClr">
+                <a:tint val="98000"/>
+                <a:satMod val="130000"/>
+                <a:shade val="90000"/>
+                <a:lumMod val="103000"/>
+              </a:schemeClr>
+            </a:gs>
+            <a:gs pos="100000">
+              <a:schemeClr val="phClr">
+                <a:shade val="63000"/>
+                <a:satMod val="120000"/>
+              </a:schemeClr>
+            </a:gs>
+          </a:gsLst>
+          <a:lin ang="5400000" scaled="0"/>
+        </a:gradFill>
+      </a:bgFillStyleLst>
+    </a:fmtScheme>
+  </a:themeElements>
+  <a:objectDefaults/>
+  <a:extraClrSchemeLst/>
+  <a:extLst>
+    <a:ext uri="{05A4C25C-085E-4340-85A3-A5531E510DB2}">
+      <thm15:themeFamily xmlns:thm15="http://schemas.microsoft.com/office/thememl/2012/main" name="Office Theme" id="{62F939B6-93AF-4DB8-9C6B-D6C7DFDC589F}" vid="{4A3C46E8-61CC-4603-A589-7422A47A8E4A}"/>
+    </a:ext>
+  </a:extLst>
+</a:theme>
 </file>
--- a/Button.pptx
+++ b/Button.pptx
@@ -227,7 +227,7 @@
           <a:p>
             <a:fld id="{51C7B43E-8F51-40E0-8A13-575D818A4947}" type="datetimeFigureOut">
               <a:rPr lang="ko-KR" altLang="en-US" smtClean="0"/>
-              <a:t>2023-05-09</a:t>
+              <a:t>2023-05-10</a:t>
             </a:fld>
             <a:endParaRPr lang="ko-KR" altLang="en-US"/>
           </a:p>
@@ -5290,7 +5290,7 @@
           <a:p>
             <a:fld id="{9247D3F8-F08B-43C2-9261-B1AE98FAEF07}" type="datetimeFigureOut">
               <a:rPr lang="ko-KR" altLang="en-US" smtClean="0"/>
-              <a:t>2023-05-09</a:t>
+              <a:t>2023-05-10</a:t>
             </a:fld>
             <a:endParaRPr lang="ko-KR" altLang="en-US"/>
           </a:p>
@@ -5488,7 +5488,7 @@
           <a:p>
             <a:fld id="{9247D3F8-F08B-43C2-9261-B1AE98FAEF07}" type="datetimeFigureOut">
               <a:rPr lang="ko-KR" altLang="en-US" smtClean="0"/>
-              <a:t>2023-05-09</a:t>
+              <a:t>2023-05-10</a:t>
             </a:fld>
             <a:endParaRPr lang="ko-KR" altLang="en-US"/>
           </a:p>
@@ -5696,7 +5696,7 @@
           <a:p>
             <a:fld id="{9247D3F8-F08B-43C2-9261-B1AE98FAEF07}" type="datetimeFigureOut">
               <a:rPr lang="ko-KR" altLang="en-US" smtClean="0"/>
-              <a:t>2023-05-09</a:t>
+              <a:t>2023-05-10</a:t>
             </a:fld>
             <a:endParaRPr lang="ko-KR" altLang="en-US"/>
           </a:p>
@@ -5894,7 +5894,7 @@
           <a:p>
             <a:fld id="{9247D3F8-F08B-43C2-9261-B1AE98FAEF07}" type="datetimeFigureOut">
               <a:rPr lang="ko-KR" altLang="en-US" smtClean="0"/>
-              <a:t>2023-05-09</a:t>
+              <a:t>2023-05-10</a:t>
             </a:fld>
             <a:endParaRPr lang="ko-KR" altLang="en-US"/>
           </a:p>
@@ -6169,7 +6169,7 @@
           <a:p>
             <a:fld id="{9247D3F8-F08B-43C2-9261-B1AE98FAEF07}" type="datetimeFigureOut">
               <a:rPr lang="ko-KR" altLang="en-US" smtClean="0"/>
-              <a:t>2023-05-09</a:t>
+              <a:t>2023-05-10</a:t>
             </a:fld>
             <a:endParaRPr lang="ko-KR" altLang="en-US"/>
           </a:p>
@@ -6434,7 +6434,7 @@
           <a:p>
             <a:fld id="{9247D3F8-F08B-43C2-9261-B1AE98FAEF07}" type="datetimeFigureOut">
               <a:rPr lang="ko-KR" altLang="en-US" smtClean="0"/>
-              <a:t>2023-05-09</a:t>
+              <a:t>2023-05-10</a:t>
             </a:fld>
             <a:endParaRPr lang="ko-KR" altLang="en-US"/>
           </a:p>
@@ -6846,7 +6846,7 @@
           <a:p>
             <a:fld id="{9247D3F8-F08B-43C2-9261-B1AE98FAEF07}" type="datetimeFigureOut">
               <a:rPr lang="ko-KR" altLang="en-US" smtClean="0"/>
-              <a:t>2023-05-09</a:t>
+              <a:t>2023-05-10</a:t>
             </a:fld>
             <a:endParaRPr lang="ko-KR" altLang="en-US"/>
           </a:p>
@@ -6987,7 +6987,7 @@
           <a:p>
             <a:fld id="{9247D3F8-F08B-43C2-9261-B1AE98FAEF07}" type="datetimeFigureOut">
               <a:rPr lang="ko-KR" altLang="en-US" smtClean="0"/>
-              <a:t>2023-05-09</a:t>
+              <a:t>2023-05-10</a:t>
             </a:fld>
             <a:endParaRPr lang="ko-KR" altLang="en-US"/>
           </a:p>
@@ -7100,7 +7100,7 @@
           <a:p>
             <a:fld id="{9247D3F8-F08B-43C2-9261-B1AE98FAEF07}" type="datetimeFigureOut">
               <a:rPr lang="ko-KR" altLang="en-US" smtClean="0"/>
-              <a:t>2023-05-09</a:t>
+              <a:t>2023-05-10</a:t>
             </a:fld>
             <a:endParaRPr lang="ko-KR" altLang="en-US"/>
           </a:p>
@@ -7411,7 +7411,7 @@
           <a:p>
             <a:fld id="{9247D3F8-F08B-43C2-9261-B1AE98FAEF07}" type="datetimeFigureOut">
               <a:rPr lang="ko-KR" altLang="en-US" smtClean="0"/>
-              <a:t>2023-05-09</a:t>
+              <a:t>2023-05-10</a:t>
             </a:fld>
             <a:endParaRPr lang="ko-KR" altLang="en-US"/>
           </a:p>
@@ -7699,7 +7699,7 @@
           <a:p>
             <a:fld id="{9247D3F8-F08B-43C2-9261-B1AE98FAEF07}" type="datetimeFigureOut">
               <a:rPr lang="ko-KR" altLang="en-US" smtClean="0"/>
-              <a:t>2023-05-09</a:t>
+              <a:t>2023-05-10</a:t>
             </a:fld>
             <a:endParaRPr lang="ko-KR" altLang="en-US"/>
           </a:p>
@@ -7940,7 +7940,7 @@
           <a:p>
             <a:fld id="{9247D3F8-F08B-43C2-9261-B1AE98FAEF07}" type="datetimeFigureOut">
               <a:rPr lang="ko-KR" altLang="en-US" smtClean="0"/>
-              <a:t>2023-05-09</a:t>
+              <a:t>2023-05-10</a:t>
             </a:fld>
             <a:endParaRPr lang="ko-KR" altLang="en-US"/>
           </a:p>

--- a/Button.pptx
+++ b/Button.pptx
@@ -548,7 +548,7 @@
             </a:r>
             <a:r>
               <a:rPr lang="ko-KR" altLang="en-US" dirty="0"/>
-              <a:t>팀장에 임수진</a:t>
+              <a:t>저희 버튼팀은 팀장에 임수진</a:t>
             </a:r>
             <a:r>
               <a:rPr lang="en-US" altLang="ko-KR" dirty="0"/>
@@ -860,7 +860,7 @@
             </a:r>
             <a:r>
               <a:rPr lang="ko-KR" altLang="en-US" dirty="0"/>
-              <a:t> 이벤트를 주어 함수를 조인체크라는</a:t>
+              <a:t> 이벤트를 주어 조인체크라는</a:t>
             </a:r>
             <a:endParaRPr lang="en-US" altLang="ko-KR" dirty="0"/>
           </a:p>
@@ -5011,7 +5011,7 @@
             </a:r>
             <a:r>
               <a:rPr lang="ko-KR" altLang="en-US" dirty="0"/>
-              <a:t>와 연결하기 위해서 써야하는 코드입니다</a:t>
+              <a:t>와 연결하기 위해서 쓴 코드입니다</a:t>
             </a:r>
             <a:r>
               <a:rPr lang="en-US" altLang="ko-KR" dirty="0"/>
@@ -21788,7 +21788,7 @@
         <p:spPr>
           <a:xfrm>
             <a:off x="4958862" y="1090246"/>
-            <a:ext cx="6013938" cy="3754874"/>
+            <a:ext cx="6013938" cy="3077766"/>
           </a:xfrm>
           <a:prstGeom prst="rect">
             <a:avLst/>
@@ -21817,19 +21817,16 @@
           </a:p>
           <a:p>
             <a:r>
-              <a:rPr lang="en-US" altLang="ko-KR" sz="4400" dirty="0"/>
-              <a:t>Form </a:t>
-            </a:r>
-            <a:r>
               <a:rPr lang="ko-KR" altLang="en-US" sz="4400" dirty="0"/>
-              <a:t>태그를 사용해</a:t>
-            </a:r>
-            <a:endParaRPr lang="en-US" altLang="ko-KR" sz="4400" dirty="0"/>
-          </a:p>
-          <a:p>
+              <a:t>사용자의 </a:t>
+            </a:r>
+            <a:r>
+              <a:rPr lang="ko-KR" altLang="en-US" sz="4400" dirty="0" err="1"/>
+              <a:t>입력값을</a:t>
+            </a:r>
             <a:r>
               <a:rPr lang="ko-KR" altLang="en-US" sz="4400" dirty="0"/>
-              <a:t>사용자 입력을 받아야 </a:t>
+              <a:t> 받아야 </a:t>
             </a:r>
             <a:r>
               <a:rPr lang="ko-KR" altLang="en-US" sz="4400" dirty="0" err="1"/>

--- a/Button.pptx
+++ b/Button.pptx
@@ -5,7 +5,7 @@
     <p:sldMasterId id="2147483648" r:id="rId1"/>
   </p:sldMasterIdLst>
   <p:notesMasterIdLst>
-    <p:notesMasterId r:id="rId33"/>
+    <p:notesMasterId r:id="rId31"/>
   </p:notesMasterIdLst>
   <p:sldIdLst>
     <p:sldId id="256" r:id="rId2"/>
@@ -31,14 +31,12 @@
     <p:sldId id="276" r:id="rId22"/>
     <p:sldId id="288" r:id="rId23"/>
     <p:sldId id="278" r:id="rId24"/>
-    <p:sldId id="277" r:id="rId25"/>
-    <p:sldId id="286" r:id="rId26"/>
-    <p:sldId id="283" r:id="rId27"/>
-    <p:sldId id="284" r:id="rId28"/>
-    <p:sldId id="287" r:id="rId29"/>
-    <p:sldId id="285" r:id="rId30"/>
-    <p:sldId id="282" r:id="rId31"/>
-    <p:sldId id="260" r:id="rId32"/>
+    <p:sldId id="283" r:id="rId25"/>
+    <p:sldId id="284" r:id="rId26"/>
+    <p:sldId id="287" r:id="rId27"/>
+    <p:sldId id="285" r:id="rId28"/>
+    <p:sldId id="282" r:id="rId29"/>
+    <p:sldId id="260" r:id="rId30"/>
   </p:sldIdLst>
   <p:sldSz cx="12192000" cy="6858000"/>
   <p:notesSz cx="6858000" cy="9144000"/>
@@ -227,7 +225,7 @@
           <a:p>
             <a:fld id="{51C7B43E-8F51-40E0-8A13-575D818A4947}" type="datetimeFigureOut">
               <a:rPr lang="ko-KR" altLang="en-US" smtClean="0"/>
-              <a:t>2023-05-10</a:t>
+              <a:t>2023-05-11</a:t>
             </a:fld>
             <a:endParaRPr lang="ko-KR" altLang="en-US"/>
           </a:p>
@@ -2801,7 +2799,15 @@
             </a:r>
             <a:r>
               <a:rPr lang="en-US" altLang="ko-KR" dirty="0"/>
-              <a:t>..</a:t>
+              <a:t>.. </a:t>
+            </a:r>
+            <a:r>
+              <a:rPr lang="ko-KR" altLang="en-US" dirty="0"/>
+              <a:t>저희 코드 리뷰는 여기까지 </a:t>
+            </a:r>
+            <a:r>
+              <a:rPr lang="ko-KR" altLang="en-US" dirty="0" err="1"/>
+              <a:t>였구요</a:t>
             </a:r>
             <a:endParaRPr lang="ko-KR" altLang="en-US" dirty="0"/>
           </a:p>
@@ -2889,7 +2895,101 @@
           <a:p>
             <a:r>
               <a:rPr lang="ko-KR" altLang="en-US" dirty="0"/>
-              <a:t>검색한 테이블을 결과로 사용자에게 보여줄 때 너무 길게 나오고 가독성도 안 좋아서 더보기를 클릭해서 나타낼 수 있도록 구현을 했습니다</a:t>
+              <a:t>그리고 저희가 이번에 버전관리를 </a:t>
+            </a:r>
+            <a:r>
+              <a:rPr lang="en-US" altLang="ko-KR" dirty="0"/>
+              <a:t>git</a:t>
+            </a:r>
+            <a:r>
+              <a:rPr lang="ko-KR" altLang="en-US" dirty="0"/>
+              <a:t>을 사용해 봤는데요 제 </a:t>
+            </a:r>
+            <a:r>
+              <a:rPr lang="ko-KR" altLang="en-US" dirty="0" err="1"/>
+              <a:t>레포지토리</a:t>
+            </a:r>
+            <a:r>
+              <a:rPr lang="ko-KR" altLang="en-US" dirty="0"/>
+              <a:t> 퍼스트콜라보에 이번 프로젝트를 저장해 </a:t>
+            </a:r>
+            <a:r>
+              <a:rPr lang="ko-KR" altLang="en-US" dirty="0" err="1"/>
+              <a:t>놨구요</a:t>
+            </a:r>
+            <a:r>
+              <a:rPr lang="en-US" altLang="ko-KR" dirty="0"/>
+              <a:t>,,, </a:t>
+            </a:r>
+            <a:r>
+              <a:rPr lang="ko-KR" altLang="en-US" dirty="0"/>
+              <a:t>깃을 사용하면서 기본적인 </a:t>
+            </a:r>
+            <a:r>
+              <a:rPr lang="ko-KR" altLang="en-US" dirty="0" err="1"/>
+              <a:t>스테이징</a:t>
+            </a:r>
+            <a:r>
+              <a:rPr lang="en-US" altLang="ko-KR" dirty="0"/>
+              <a:t>, </a:t>
+            </a:r>
+            <a:r>
+              <a:rPr lang="ko-KR" altLang="en-US" dirty="0" err="1"/>
+              <a:t>커밋</a:t>
+            </a:r>
+            <a:r>
+              <a:rPr lang="en-US" altLang="ko-KR" dirty="0"/>
+              <a:t>, </a:t>
+            </a:r>
+            <a:r>
+              <a:rPr lang="ko-KR" altLang="en-US" dirty="0"/>
+              <a:t>풀</a:t>
+            </a:r>
+            <a:r>
+              <a:rPr lang="en-US" altLang="ko-KR" dirty="0"/>
+              <a:t>, </a:t>
+            </a:r>
+            <a:r>
+              <a:rPr lang="ko-KR" altLang="en-US" dirty="0" err="1"/>
+              <a:t>푸쉬들은</a:t>
+            </a:r>
+            <a:r>
+              <a:rPr lang="ko-KR" altLang="en-US" dirty="0"/>
+              <a:t> 더 손에 익은 것 같고요</a:t>
+            </a:r>
+            <a:r>
+              <a:rPr lang="en-US" altLang="ko-KR" dirty="0"/>
+              <a:t>..</a:t>
+            </a:r>
+          </a:p>
+          <a:p>
+            <a:r>
+              <a:rPr lang="ko-KR" altLang="en-US" dirty="0" err="1"/>
+              <a:t>브랜치</a:t>
+            </a:r>
+            <a:r>
+              <a:rPr lang="en-US" altLang="ko-KR" dirty="0"/>
+              <a:t>, </a:t>
+            </a:r>
+            <a:r>
+              <a:rPr lang="ko-KR" altLang="en-US" dirty="0"/>
+              <a:t>풀 </a:t>
+            </a:r>
+            <a:r>
+              <a:rPr lang="ko-KR" altLang="en-US" dirty="0" err="1"/>
+              <a:t>리퀘스트도</a:t>
+            </a:r>
+            <a:r>
+              <a:rPr lang="ko-KR" altLang="en-US" dirty="0"/>
+              <a:t> 사용해 보면서 협업하기가 참 힘들구나</a:t>
+            </a:r>
+            <a:r>
+              <a:rPr lang="en-US" altLang="ko-KR" dirty="0"/>
+              <a:t>…..</a:t>
+            </a:r>
+            <a:r>
+              <a:rPr lang="ko-KR" altLang="en-US" dirty="0"/>
+              <a:t>생각을 했습니다</a:t>
             </a:r>
             <a:r>
               <a:rPr lang="en-US" altLang="ko-KR" dirty="0"/>
@@ -2925,7 +3025,7 @@
     </p:spTree>
     <p:extLst>
       <p:ext uri="{BB962C8B-B14F-4D97-AF65-F5344CB8AC3E}">
-        <p14:creationId xmlns:p14="http://schemas.microsoft.com/office/powerpoint/2010/main" val="2822924111"/>
+        <p14:creationId xmlns:p14="http://schemas.microsoft.com/office/powerpoint/2010/main" val="3304532026"/>
       </p:ext>
     </p:extLst>
   </p:cSld>
@@ -2981,7 +3081,117 @@
           <a:p>
             <a:r>
               <a:rPr lang="ko-KR" altLang="en-US" dirty="0"/>
-              <a:t>주요 코드의 설명으로는 여기까지 하도록 하겠습니다</a:t>
+              <a:t>저희가 깃에서 문제가 </a:t>
+            </a:r>
+            <a:r>
+              <a:rPr lang="ko-KR" altLang="en-US" dirty="0" err="1"/>
+              <a:t>됐던건</a:t>
+            </a:r>
+            <a:r>
+              <a:rPr lang="ko-KR" altLang="en-US" dirty="0"/>
+              <a:t> 처음에 </a:t>
+            </a:r>
+            <a:r>
+              <a:rPr lang="ko-KR" altLang="en-US" dirty="0" err="1"/>
+              <a:t>브랜치</a:t>
+            </a:r>
+            <a:r>
+              <a:rPr lang="ko-KR" altLang="en-US" dirty="0"/>
+              <a:t> 개념을 제대로 잡지 못했던 것입니다</a:t>
+            </a:r>
+            <a:r>
+              <a:rPr lang="en-US" altLang="ko-KR" dirty="0"/>
+              <a:t>….</a:t>
+            </a:r>
+            <a:r>
+              <a:rPr lang="ko-KR" altLang="en-US" dirty="0"/>
+              <a:t>처음에 저장소를 만들고 팀원들을 </a:t>
+            </a:r>
+            <a:r>
+              <a:rPr lang="ko-KR" altLang="en-US" dirty="0" err="1"/>
+              <a:t>초대했을때</a:t>
+            </a:r>
+            <a:r>
+              <a:rPr lang="ko-KR" altLang="en-US" dirty="0"/>
+              <a:t> 멍청하게 </a:t>
+            </a:r>
+            <a:r>
+              <a:rPr lang="ko-KR" altLang="en-US" dirty="0" err="1"/>
+              <a:t>브랜치를</a:t>
+            </a:r>
+            <a:r>
+              <a:rPr lang="ko-KR" altLang="en-US" dirty="0"/>
+              <a:t> 그 때 </a:t>
+            </a:r>
+            <a:r>
+              <a:rPr lang="ko-KR" altLang="en-US" dirty="0" err="1"/>
+              <a:t>만들어놔가지고</a:t>
+            </a:r>
+            <a:r>
+              <a:rPr lang="en-US" altLang="ko-KR" dirty="0"/>
+              <a:t>…</a:t>
+            </a:r>
+          </a:p>
+          <a:p>
+            <a:r>
+              <a:rPr lang="ko-KR" altLang="en-US" dirty="0"/>
+              <a:t>오른쪽 손그림에서 보듯이 한참 작업을 하다가 분기가 나눠져야 할 시점에 </a:t>
+            </a:r>
+            <a:r>
+              <a:rPr lang="ko-KR" altLang="en-US" dirty="0" err="1"/>
+              <a:t>브랜치를</a:t>
+            </a:r>
+            <a:r>
+              <a:rPr lang="ko-KR" altLang="en-US" dirty="0"/>
+              <a:t> 만들고 작업을 </a:t>
+            </a:r>
+            <a:r>
+              <a:rPr lang="ko-KR" altLang="en-US" dirty="0" err="1"/>
+              <a:t>했었어야</a:t>
+            </a:r>
+            <a:r>
+              <a:rPr lang="ko-KR" altLang="en-US" dirty="0"/>
+              <a:t> </a:t>
+            </a:r>
+            <a:r>
+              <a:rPr lang="ko-KR" altLang="en-US" dirty="0" err="1"/>
+              <a:t>헀는데</a:t>
+            </a:r>
+            <a:r>
+              <a:rPr lang="ko-KR" altLang="en-US" dirty="0"/>
+              <a:t> 전에 </a:t>
+            </a:r>
+            <a:r>
+              <a:rPr lang="ko-KR" altLang="en-US" dirty="0" err="1"/>
+              <a:t>만들어놨던</a:t>
+            </a:r>
+            <a:r>
+              <a:rPr lang="ko-KR" altLang="en-US" dirty="0"/>
+              <a:t> </a:t>
+            </a:r>
+            <a:r>
+              <a:rPr lang="ko-KR" altLang="en-US" dirty="0" err="1"/>
+              <a:t>브랜치를</a:t>
+            </a:r>
+            <a:r>
+              <a:rPr lang="ko-KR" altLang="en-US" dirty="0"/>
+              <a:t> 쓰니 우왕좌왕하게 되었습니다</a:t>
+            </a:r>
+            <a:r>
+              <a:rPr lang="en-US" altLang="ko-KR" dirty="0"/>
+              <a:t>…. </a:t>
+            </a:r>
+            <a:r>
+              <a:rPr lang="ko-KR" altLang="en-US" dirty="0"/>
+              <a:t>하지만 이렇게 하면서 </a:t>
+            </a:r>
+            <a:r>
+              <a:rPr lang="ko-KR" altLang="en-US" dirty="0" err="1"/>
+              <a:t>브랜치도</a:t>
+            </a:r>
+            <a:r>
+              <a:rPr lang="ko-KR" altLang="en-US" dirty="0"/>
+              <a:t> 어떻게 써야 하는지 배우게 되었습니다</a:t>
             </a:r>
             <a:r>
               <a:rPr lang="en-US" altLang="ko-KR" dirty="0"/>
@@ -3017,7 +3227,7 @@
     </p:spTree>
     <p:extLst>
       <p:ext uri="{BB962C8B-B14F-4D97-AF65-F5344CB8AC3E}">
-        <p14:creationId xmlns:p14="http://schemas.microsoft.com/office/powerpoint/2010/main" val="3701207297"/>
+        <p14:creationId xmlns:p14="http://schemas.microsoft.com/office/powerpoint/2010/main" val="2695841657"/>
       </p:ext>
     </p:extLst>
   </p:cSld>
@@ -3073,105 +3283,19 @@
           <a:p>
             <a:r>
               <a:rPr lang="ko-KR" altLang="en-US" dirty="0"/>
-              <a:t>그리고 저희가 이번에 버전관리를 </a:t>
+              <a:t>이렇게 </a:t>
+            </a:r>
+            <a:r>
+              <a:rPr lang="ko-KR" altLang="en-US" dirty="0" err="1"/>
+              <a:t>브랜치를</a:t>
+            </a:r>
+            <a:r>
+              <a:rPr lang="ko-KR" altLang="en-US" dirty="0"/>
+              <a:t> 나눠서 작업한 것을 깃에서 로그로 확인도 해봤습니다</a:t>
             </a:r>
             <a:r>
               <a:rPr lang="en-US" altLang="ko-KR" dirty="0"/>
-              <a:t>git</a:t>
-            </a:r>
-            <a:r>
-              <a:rPr lang="ko-KR" altLang="en-US" dirty="0"/>
-              <a:t>을 사용해 봤는데요 제 </a:t>
-            </a:r>
-            <a:r>
-              <a:rPr lang="ko-KR" altLang="en-US" dirty="0" err="1"/>
-              <a:t>레포지토리</a:t>
-            </a:r>
-            <a:r>
-              <a:rPr lang="ko-KR" altLang="en-US" dirty="0"/>
-              <a:t> 퍼스트콜라보에 이번 프로젝트를 저장해 </a:t>
-            </a:r>
-            <a:r>
-              <a:rPr lang="ko-KR" altLang="en-US" dirty="0" err="1"/>
-              <a:t>놨구요</a:t>
-            </a:r>
-            <a:r>
-              <a:rPr lang="en-US" altLang="ko-KR" dirty="0"/>
-              <a:t>,,, </a:t>
-            </a:r>
-            <a:r>
-              <a:rPr lang="ko-KR" altLang="en-US" dirty="0"/>
-              <a:t>깃을 사용하면서 기본적인 </a:t>
-            </a:r>
-            <a:r>
-              <a:rPr lang="ko-KR" altLang="en-US" dirty="0" err="1"/>
-              <a:t>스테이징</a:t>
-            </a:r>
-            <a:r>
-              <a:rPr lang="en-US" altLang="ko-KR" dirty="0"/>
-              <a:t>, </a:t>
-            </a:r>
-            <a:r>
-              <a:rPr lang="ko-KR" altLang="en-US" dirty="0" err="1"/>
-              <a:t>커밋</a:t>
-            </a:r>
-            <a:r>
-              <a:rPr lang="en-US" altLang="ko-KR" dirty="0"/>
-              <a:t>, </a:t>
-            </a:r>
-            <a:r>
-              <a:rPr lang="ko-KR" altLang="en-US" dirty="0"/>
-              <a:t>풀</a:t>
-            </a:r>
-            <a:r>
-              <a:rPr lang="en-US" altLang="ko-KR" dirty="0"/>
-              <a:t>, </a:t>
-            </a:r>
-            <a:r>
-              <a:rPr lang="ko-KR" altLang="en-US" dirty="0" err="1"/>
-              <a:t>푸쉬들은</a:t>
-            </a:r>
-            <a:r>
-              <a:rPr lang="ko-KR" altLang="en-US" dirty="0"/>
-              <a:t> 더 손에 익은 것 같고요</a:t>
-            </a:r>
-            <a:r>
-              <a:rPr lang="en-US" altLang="ko-KR" dirty="0"/>
-              <a:t>..</a:t>
-            </a:r>
-          </a:p>
-          <a:p>
-            <a:r>
-              <a:rPr lang="ko-KR" altLang="en-US" dirty="0" err="1"/>
-              <a:t>브랜치</a:t>
-            </a:r>
-            <a:r>
-              <a:rPr lang="en-US" altLang="ko-KR" dirty="0"/>
-              <a:t>, </a:t>
-            </a:r>
-            <a:r>
-              <a:rPr lang="ko-KR" altLang="en-US" dirty="0"/>
-              <a:t>풀 </a:t>
-            </a:r>
-            <a:r>
-              <a:rPr lang="ko-KR" altLang="en-US" dirty="0" err="1"/>
-              <a:t>리퀘스트도</a:t>
-            </a:r>
-            <a:r>
-              <a:rPr lang="ko-KR" altLang="en-US" dirty="0"/>
-              <a:t> 사용해 보면서 협업하기가 참 힘들구나</a:t>
-            </a:r>
-            <a:r>
-              <a:rPr lang="en-US" altLang="ko-KR" dirty="0"/>
-              <a:t>…..</a:t>
-            </a:r>
-            <a:r>
-              <a:rPr lang="ko-KR" altLang="en-US" dirty="0"/>
-              <a:t>생각을 했습니다</a:t>
-            </a:r>
-            <a:r>
-              <a:rPr lang="en-US" altLang="ko-KR" dirty="0"/>
-              <a:t>..</a:t>
+              <a:t>…</a:t>
             </a:r>
             <a:endParaRPr lang="ko-KR" altLang="en-US" dirty="0"/>
           </a:p>
@@ -3203,7 +3327,7 @@
     </p:spTree>
     <p:extLst>
       <p:ext uri="{BB962C8B-B14F-4D97-AF65-F5344CB8AC3E}">
-        <p14:creationId xmlns:p14="http://schemas.microsoft.com/office/powerpoint/2010/main" val="3304532026"/>
+        <p14:creationId xmlns:p14="http://schemas.microsoft.com/office/powerpoint/2010/main" val="2064116518"/>
       </p:ext>
     </p:extLst>
   </p:cSld>
@@ -3259,51 +3383,72 @@
           <a:p>
             <a:r>
               <a:rPr lang="ko-KR" altLang="en-US" dirty="0"/>
-              <a:t>저희가 깃에서 문제가 </a:t>
+              <a:t>이번 프로젝트를 하면서 </a:t>
+            </a:r>
+            <a:r>
+              <a:rPr lang="en-US" altLang="ko-KR" dirty="0" err="1"/>
+              <a:t>db</a:t>
+            </a:r>
+            <a:r>
+              <a:rPr lang="ko-KR" altLang="en-US" dirty="0"/>
+              <a:t>를 사용하게 됐는데 연결하는 것은 연결을 위한 패키지 추가와 두 줄 정도의 자바 코드를 추가해서 바로 연결이 되어서 쉬웠습니다</a:t>
+            </a:r>
+            <a:r>
+              <a:rPr lang="en-US" altLang="ko-KR" dirty="0"/>
+              <a:t>… </a:t>
             </a:r>
             <a:r>
               <a:rPr lang="ko-KR" altLang="en-US" dirty="0" err="1"/>
-              <a:t>됐던건</a:t>
-            </a:r>
-            <a:r>
-              <a:rPr lang="ko-KR" altLang="en-US" dirty="0"/>
-              <a:t> 처음에 </a:t>
+              <a:t>로컬호스트로</a:t>
+            </a:r>
+            <a:r>
+              <a:rPr lang="ko-KR" altLang="en-US" dirty="0"/>
+              <a:t> 자기 컴퓨터에 있는 </a:t>
+            </a:r>
+            <a:r>
+              <a:rPr lang="en-US" altLang="ko-KR" dirty="0" err="1"/>
+              <a:t>db</a:t>
+            </a:r>
+            <a:r>
+              <a:rPr lang="ko-KR" altLang="en-US" dirty="0"/>
+              <a:t>를 연결하는 것은 쉬웠지만</a:t>
+            </a:r>
+            <a:endParaRPr lang="en-US" altLang="ko-KR" dirty="0"/>
+          </a:p>
+          <a:p>
+            <a:r>
+              <a:rPr lang="ko-KR" altLang="en-US" dirty="0"/>
+              <a:t>저희가 처음에 한 컴퓨터에 서버컴퓨터를 만들어서 거기에만 테이블을 만들고 데이터를 넣어서 작업하려고 </a:t>
             </a:r>
             <a:r>
               <a:rPr lang="ko-KR" altLang="en-US" dirty="0" err="1"/>
-              <a:t>브랜치</a:t>
-            </a:r>
-            <a:r>
-              <a:rPr lang="ko-KR" altLang="en-US" dirty="0"/>
-              <a:t> 개념을 제대로 잡지 못했던 것입니다</a:t>
+              <a:t>헀는데</a:t>
+            </a:r>
+            <a:r>
+              <a:rPr lang="en-US" altLang="ko-KR" dirty="0"/>
+              <a:t>…</a:t>
+            </a:r>
+            <a:r>
+              <a:rPr lang="ko-KR" altLang="en-US" dirty="0"/>
+              <a:t>잘 안돼서 끝까지 못한 게 아쉽습니다</a:t>
             </a:r>
             <a:r>
               <a:rPr lang="en-US" altLang="ko-KR" dirty="0"/>
               <a:t>….</a:t>
             </a:r>
-            <a:r>
-              <a:rPr lang="ko-KR" altLang="en-US" dirty="0"/>
-              <a:t>처음에 저장소를 만들고 팀원들을 </a:t>
-            </a:r>
-            <a:r>
-              <a:rPr lang="ko-KR" altLang="en-US" dirty="0" err="1"/>
-              <a:t>초대했을때</a:t>
-            </a:r>
-            <a:r>
-              <a:rPr lang="ko-KR" altLang="en-US" dirty="0"/>
-              <a:t> 멍청하게 </a:t>
-            </a:r>
-            <a:r>
-              <a:rPr lang="ko-KR" altLang="en-US" dirty="0" err="1"/>
-              <a:t>브랜치를</a:t>
-            </a:r>
-            <a:r>
-              <a:rPr lang="ko-KR" altLang="en-US" dirty="0"/>
-              <a:t> 그 때 </a:t>
-            </a:r>
-            <a:r>
-              <a:rPr lang="ko-KR" altLang="en-US" dirty="0" err="1"/>
-              <a:t>만들어놔가지고</a:t>
+          </a:p>
+          <a:p>
+            <a:r>
+              <a:rPr lang="ko-KR" altLang="en-US" dirty="0"/>
+              <a:t>또한 이번에 쿼리문도 사용하게 됐는데 간단한 기능만 구현해서 그런지 </a:t>
+            </a:r>
+            <a:r>
+              <a:rPr lang="en-US" altLang="ko-KR" dirty="0"/>
+              <a:t>where</a:t>
+            </a:r>
+            <a:r>
+              <a:rPr lang="ko-KR" altLang="en-US" dirty="0"/>
+              <a:t>문만 썼고 그것도 굉장히 쉬운 문법으로만 작성해서 수업시간에 배웠던 것들을 사용하지 못해 조금 아쉬웠습니다</a:t>
             </a:r>
             <a:r>
               <a:rPr lang="en-US" altLang="ko-KR" dirty="0"/>
@@ -3313,67 +3458,61 @@
           <a:p>
             <a:r>
               <a:rPr lang="ko-KR" altLang="en-US" dirty="0"/>
-              <a:t>오른쪽 손그림에서 보듯이 한참 작업을 하다가 분기가 나눠져야 할 시점에 </a:t>
+              <a:t>또한 </a:t>
             </a:r>
             <a:r>
               <a:rPr lang="ko-KR" altLang="en-US" dirty="0" err="1"/>
-              <a:t>브랜치를</a:t>
-            </a:r>
-            <a:r>
-              <a:rPr lang="ko-KR" altLang="en-US" dirty="0"/>
-              <a:t> 만들고 작업을 </a:t>
+              <a:t>깃허브로</a:t>
+            </a:r>
+            <a:r>
+              <a:rPr lang="ko-KR" altLang="en-US" dirty="0"/>
+              <a:t> 협업은 처음이라 초반에 어렵고 헷갈렸었는데 이제 우리 팀은 잘 사용할 수 있을 것 같습니다</a:t>
+            </a:r>
+            <a:r>
+              <a:rPr lang="en-US" altLang="ko-KR" dirty="0"/>
+              <a:t>…..</a:t>
+            </a:r>
+            <a:r>
+              <a:rPr lang="ko-KR" altLang="en-US" dirty="0"/>
+              <a:t>제일 중요한 것은 뭘 하기 전에 무조건 </a:t>
+            </a:r>
+            <a:r>
+              <a:rPr lang="en-US" altLang="ko-KR" dirty="0"/>
+              <a:t>pull</a:t>
+            </a:r>
+            <a:r>
+              <a:rPr lang="ko-KR" altLang="en-US" dirty="0"/>
+              <a:t>을 </a:t>
             </a:r>
             <a:r>
               <a:rPr lang="ko-KR" altLang="en-US" dirty="0" err="1"/>
-              <a:t>했었어야</a:t>
-            </a:r>
-            <a:r>
-              <a:rPr lang="ko-KR" altLang="en-US" dirty="0"/>
-              <a:t> </a:t>
+              <a:t>해야한다</a:t>
+            </a:r>
+            <a:r>
+              <a:rPr lang="en-US" altLang="ko-KR" dirty="0"/>
+              <a:t>….</a:t>
+            </a:r>
+            <a:r>
+              <a:rPr lang="ko-KR" altLang="en-US" dirty="0"/>
+              <a:t>라는 것을 </a:t>
             </a:r>
             <a:r>
               <a:rPr lang="ko-KR" altLang="en-US" dirty="0" err="1"/>
-              <a:t>헀는데</a:t>
-            </a:r>
-            <a:r>
-              <a:rPr lang="ko-KR" altLang="en-US" dirty="0"/>
-              <a:t> 전에 </a:t>
-            </a:r>
-            <a:r>
-              <a:rPr lang="ko-KR" altLang="en-US" dirty="0" err="1"/>
-              <a:t>만들어놨던</a:t>
-            </a:r>
-            <a:r>
-              <a:rPr lang="ko-KR" altLang="en-US" dirty="0"/>
-              <a:t> </a:t>
-            </a:r>
-            <a:r>
-              <a:rPr lang="ko-KR" altLang="en-US" dirty="0" err="1"/>
-              <a:t>브랜치를</a:t>
-            </a:r>
-            <a:r>
-              <a:rPr lang="ko-KR" altLang="en-US" dirty="0"/>
-              <a:t> 쓰니 우왕좌왕하게 되었습니다</a:t>
+              <a:t>꺠달았습니다</a:t>
             </a:r>
             <a:r>
               <a:rPr lang="en-US" altLang="ko-KR" dirty="0"/>
-              <a:t>…. </a:t>
-            </a:r>
-            <a:r>
-              <a:rPr lang="ko-KR" altLang="en-US" dirty="0"/>
-              <a:t>하지만 이렇게 하면서 </a:t>
-            </a:r>
-            <a:r>
-              <a:rPr lang="ko-KR" altLang="en-US" dirty="0" err="1"/>
-              <a:t>브랜치도</a:t>
-            </a:r>
-            <a:r>
-              <a:rPr lang="ko-KR" altLang="en-US" dirty="0"/>
-              <a:t> 어떻게 써야 하는지 배우게 되었습니다</a:t>
+              <a:t>….</a:t>
+            </a:r>
+          </a:p>
+          <a:p>
+            <a:r>
+              <a:rPr lang="ko-KR" altLang="en-US" dirty="0"/>
+              <a:t>기능을 그렇게 많이 넣지 않아서 조금 아쉽지만 그래도 할 수 있는 선에서 했다고 생각해서 우리 팀에게 감사하다고 생각합니다</a:t>
             </a:r>
             <a:r>
               <a:rPr lang="en-US" altLang="ko-KR" dirty="0"/>
-              <a:t>..</a:t>
+              <a:t>…</a:t>
             </a:r>
             <a:endParaRPr lang="ko-KR" altLang="en-US" dirty="0"/>
           </a:p>
@@ -3405,7 +3544,7 @@
     </p:spTree>
     <p:extLst>
       <p:ext uri="{BB962C8B-B14F-4D97-AF65-F5344CB8AC3E}">
-        <p14:creationId xmlns:p14="http://schemas.microsoft.com/office/powerpoint/2010/main" val="2695841657"/>
+        <p14:creationId xmlns:p14="http://schemas.microsoft.com/office/powerpoint/2010/main" val="4025399745"/>
       </p:ext>
     </p:extLst>
   </p:cSld>
@@ -3461,19 +3600,19 @@
           <a:p>
             <a:r>
               <a:rPr lang="ko-KR" altLang="en-US" dirty="0"/>
-              <a:t>이렇게 </a:t>
-            </a:r>
-            <a:r>
-              <a:rPr lang="ko-KR" altLang="en-US" dirty="0" err="1"/>
-              <a:t>브랜치를</a:t>
-            </a:r>
-            <a:r>
-              <a:rPr lang="ko-KR" altLang="en-US" dirty="0"/>
-              <a:t> 나눠서 작업한 것을 깃에서 로그로 확인도 해봤습니다</a:t>
+              <a:t>저희 코드리뷰는 이렇게 마치고 혹시 질문사항이 있으시면 받겠습니다</a:t>
             </a:r>
             <a:r>
               <a:rPr lang="en-US" altLang="ko-KR" dirty="0"/>
-              <a:t>…</a:t>
+              <a:t>….</a:t>
+            </a:r>
+            <a:r>
+              <a:rPr lang="ko-KR" altLang="en-US" dirty="0"/>
+              <a:t>없겠지</a:t>
+            </a:r>
+            <a:r>
+              <a:rPr lang="en-US" altLang="ko-KR" dirty="0"/>
+              <a:t>??</a:t>
             </a:r>
             <a:endParaRPr lang="ko-KR" altLang="en-US" dirty="0"/>
           </a:p>
@@ -3505,7 +3644,7 @@
     </p:spTree>
     <p:extLst>
       <p:ext uri="{BB962C8B-B14F-4D97-AF65-F5344CB8AC3E}">
-        <p14:creationId xmlns:p14="http://schemas.microsoft.com/office/powerpoint/2010/main" val="2064116518"/>
+        <p14:creationId xmlns:p14="http://schemas.microsoft.com/office/powerpoint/2010/main" val="175983466"/>
       </p:ext>
     </p:extLst>
   </p:cSld>
@@ -3560,137 +3699,24 @@
           <a:lstStyle/>
           <a:p>
             <a:r>
-              <a:rPr lang="ko-KR" altLang="en-US" dirty="0"/>
-              <a:t>이번 프로젝트를 하면서 </a:t>
-            </a:r>
-            <a:r>
-              <a:rPr lang="en-US" altLang="ko-KR" dirty="0" err="1"/>
-              <a:t>db</a:t>
-            </a:r>
-            <a:r>
-              <a:rPr lang="ko-KR" altLang="en-US" dirty="0"/>
-              <a:t>를 사용하게 됐는데 연결하는 것은 연결을 위한 패키지 추가와 두 줄 정도의 자바 코드를 추가해서 바로 연결이 되어서 쉬웠습니다</a:t>
+              <a:rPr lang="ko-KR" altLang="en-US" dirty="0" err="1"/>
+              <a:t>버튼팀</a:t>
+            </a:r>
+            <a:r>
+              <a:rPr lang="ko-KR" altLang="en-US" dirty="0"/>
+              <a:t> 발표는 </a:t>
+            </a:r>
+            <a:r>
+              <a:rPr lang="ko-KR" altLang="en-US" dirty="0" err="1"/>
+              <a:t>여기까지였구요</a:t>
+            </a:r>
+            <a:r>
+              <a:rPr lang="ko-KR" altLang="en-US" dirty="0"/>
+              <a:t> 저는 발표의 버튼 팀 팀장 임수진이었습니다 감사합니다</a:t>
             </a:r>
             <a:r>
               <a:rPr lang="en-US" altLang="ko-KR" dirty="0"/>
-              <a:t>… </a:t>
-            </a:r>
-            <a:r>
-              <a:rPr lang="ko-KR" altLang="en-US" dirty="0" err="1"/>
-              <a:t>로컬호스트로</a:t>
-            </a:r>
-            <a:r>
-              <a:rPr lang="ko-KR" altLang="en-US" dirty="0"/>
-              <a:t> 자기 컴퓨터에 있는 </a:t>
-            </a:r>
-            <a:r>
-              <a:rPr lang="en-US" altLang="ko-KR" dirty="0" err="1"/>
-              <a:t>db</a:t>
-            </a:r>
-            <a:r>
-              <a:rPr lang="ko-KR" altLang="en-US" dirty="0"/>
-              <a:t>를 연결하는 것은 쉬웠지만</a:t>
-            </a:r>
-            <a:endParaRPr lang="en-US" altLang="ko-KR" dirty="0"/>
-          </a:p>
-          <a:p>
-            <a:r>
-              <a:rPr lang="ko-KR" altLang="en-US" dirty="0"/>
-              <a:t>저희가 처음에 한 컴퓨터에 서버컴퓨터를 만들어서 거기에만 테이블을 만들고 데이터를 넣어서 작업하려고 </a:t>
-            </a:r>
-            <a:r>
-              <a:rPr lang="ko-KR" altLang="en-US" dirty="0" err="1"/>
-              <a:t>헀는데</a:t>
-            </a:r>
-            <a:r>
-              <a:rPr lang="en-US" altLang="ko-KR" dirty="0"/>
-              <a:t>…</a:t>
-            </a:r>
-            <a:r>
-              <a:rPr lang="ko-KR" altLang="en-US" dirty="0"/>
-              <a:t>잘 안돼서 끝까지 못한 게 아쉽습니다</a:t>
-            </a:r>
-            <a:r>
-              <a:rPr lang="en-US" altLang="ko-KR" dirty="0"/>
-              <a:t>….</a:t>
-            </a:r>
-          </a:p>
-          <a:p>
-            <a:r>
-              <a:rPr lang="ko-KR" altLang="en-US" dirty="0"/>
-              <a:t>또한 이번에 쿼리문도 사용하게 됐는데 간단한 기능만 구현해서 그런지 </a:t>
-            </a:r>
-            <a:r>
-              <a:rPr lang="en-US" altLang="ko-KR" dirty="0"/>
-              <a:t>where</a:t>
-            </a:r>
-            <a:r>
-              <a:rPr lang="ko-KR" altLang="en-US" dirty="0"/>
-              <a:t>문만 썼고 그것도 굉장히 쉬운 문법으로만 작성해서 수업시간에 배웠던 것들을 사용하지 못해 조금 아쉬웠습니다</a:t>
-            </a:r>
-            <a:r>
-              <a:rPr lang="en-US" altLang="ko-KR" dirty="0"/>
-              <a:t>…</a:t>
-            </a:r>
-          </a:p>
-          <a:p>
-            <a:r>
-              <a:rPr lang="ko-KR" altLang="en-US" dirty="0"/>
-              <a:t>또한 </a:t>
-            </a:r>
-            <a:r>
-              <a:rPr lang="ko-KR" altLang="en-US" dirty="0" err="1"/>
-              <a:t>깃허브로</a:t>
-            </a:r>
-            <a:r>
-              <a:rPr lang="ko-KR" altLang="en-US" dirty="0"/>
-              <a:t> 협업은 처음이라 초반에 어렵고 헷갈렸었는데 이제 우리 팀은 잘 사용할 수 있을 것 같습니다</a:t>
-            </a:r>
-            <a:r>
-              <a:rPr lang="en-US" altLang="ko-KR" dirty="0"/>
-              <a:t>…..</a:t>
-            </a:r>
-            <a:r>
-              <a:rPr lang="ko-KR" altLang="en-US" dirty="0"/>
-              <a:t>제일 중요한 것은 뭘 하기 전에 무조건 </a:t>
-            </a:r>
-            <a:r>
-              <a:rPr lang="en-US" altLang="ko-KR" dirty="0"/>
-              <a:t>pull</a:t>
-            </a:r>
-            <a:r>
-              <a:rPr lang="ko-KR" altLang="en-US" dirty="0"/>
-              <a:t>을 </a:t>
-            </a:r>
-            <a:r>
-              <a:rPr lang="ko-KR" altLang="en-US" dirty="0" err="1"/>
-              <a:t>해야한다</a:t>
-            </a:r>
-            <a:r>
-              <a:rPr lang="en-US" altLang="ko-KR" dirty="0"/>
-              <a:t>….</a:t>
-            </a:r>
-            <a:r>
-              <a:rPr lang="ko-KR" altLang="en-US" dirty="0"/>
-              <a:t>라는 것을 </a:t>
-            </a:r>
-            <a:r>
-              <a:rPr lang="ko-KR" altLang="en-US" dirty="0" err="1"/>
-              <a:t>꺠달았습니다</a:t>
-            </a:r>
-            <a:r>
-              <a:rPr lang="en-US" altLang="ko-KR" dirty="0"/>
-              <a:t>….</a:t>
-            </a:r>
-          </a:p>
-          <a:p>
-            <a:r>
-              <a:rPr lang="ko-KR" altLang="en-US" dirty="0"/>
-              <a:t>기능을 그렇게 많이 넣지 않아서 조금 아쉽지만 그래도 할 수 있는 선에서 했다고 생각해서 우리 팀에게 감사하다고 생각합니다</a:t>
-            </a:r>
-            <a:r>
-              <a:rPr lang="en-US" altLang="ko-KR" dirty="0"/>
-              <a:t>…</a:t>
+              <a:t>..</a:t>
             </a:r>
             <a:endParaRPr lang="ko-KR" altLang="en-US" dirty="0"/>
           </a:p>
@@ -3722,7 +3748,7 @@
     </p:spTree>
     <p:extLst>
       <p:ext uri="{BB962C8B-B14F-4D97-AF65-F5344CB8AC3E}">
-        <p14:creationId xmlns:p14="http://schemas.microsoft.com/office/powerpoint/2010/main" val="4025399745"/>
+        <p14:creationId xmlns:p14="http://schemas.microsoft.com/office/powerpoint/2010/main" val="1948550848"/>
       </p:ext>
     </p:extLst>
   </p:cSld>
@@ -3840,210 +3866,6 @@
 </p:notes>
 </file>
 
-<file path=ppt/notesSlides/notesSlide30.xml><?xml version="1.0" encoding="utf-8"?>
-<p:notes xmlns:a="http://schemas.openxmlformats.org/drawingml/2006/main" xmlns:r="http://schemas.openxmlformats.org/officeDocument/2006/relationships" xmlns:p="http://schemas.openxmlformats.org/presentationml/2006/main">
-  <p:cSld>
-    <p:spTree>
-      <p:nvGrpSpPr>
-        <p:cNvPr id="1" name=""/>
-        <p:cNvGrpSpPr/>
-        <p:nvPr/>
-      </p:nvGrpSpPr>
-      <p:grpSpPr>
-        <a:xfrm>
-          <a:off x="0" y="0"/>
-          <a:ext cx="0" cy="0"/>
-          <a:chOff x="0" y="0"/>
-          <a:chExt cx="0" cy="0"/>
-        </a:xfrm>
-      </p:grpSpPr>
-      <p:sp>
-        <p:nvSpPr>
-          <p:cNvPr id="2" name="슬라이드 이미지 개체 틀 1"/>
-          <p:cNvSpPr>
-            <a:spLocks noGrp="1" noRot="1" noChangeAspect="1"/>
-          </p:cNvSpPr>
-          <p:nvPr>
-            <p:ph type="sldImg"/>
-          </p:nvPr>
-        </p:nvSpPr>
-        <p:spPr/>
-      </p:sp>
-      <p:sp>
-        <p:nvSpPr>
-          <p:cNvPr id="3" name="슬라이드 노트 개체 틀 2"/>
-          <p:cNvSpPr>
-            <a:spLocks noGrp="1"/>
-          </p:cNvSpPr>
-          <p:nvPr>
-            <p:ph type="body" idx="1"/>
-          </p:nvPr>
-        </p:nvSpPr>
-        <p:spPr/>
-        <p:txBody>
-          <a:bodyPr/>
-          <a:lstStyle/>
-          <a:p>
-            <a:r>
-              <a:rPr lang="ko-KR" altLang="en-US" dirty="0"/>
-              <a:t>저희 코드리뷰는 이렇게 마치고 혹시 질문사항이 있으시면 받겠습니다</a:t>
-            </a:r>
-            <a:r>
-              <a:rPr lang="en-US" altLang="ko-KR" dirty="0"/>
-              <a:t>….</a:t>
-            </a:r>
-            <a:r>
-              <a:rPr lang="ko-KR" altLang="en-US" dirty="0"/>
-              <a:t>없겠지</a:t>
-            </a:r>
-            <a:r>
-              <a:rPr lang="en-US" altLang="ko-KR" dirty="0"/>
-              <a:t>??</a:t>
-            </a:r>
-            <a:endParaRPr lang="ko-KR" altLang="en-US" dirty="0"/>
-          </a:p>
-        </p:txBody>
-      </p:sp>
-      <p:sp>
-        <p:nvSpPr>
-          <p:cNvPr id="4" name="슬라이드 번호 개체 틀 3"/>
-          <p:cNvSpPr>
-            <a:spLocks noGrp="1"/>
-          </p:cNvSpPr>
-          <p:nvPr>
-            <p:ph type="sldNum" sz="quarter" idx="5"/>
-          </p:nvPr>
-        </p:nvSpPr>
-        <p:spPr/>
-        <p:txBody>
-          <a:bodyPr/>
-          <a:lstStyle/>
-          <a:p>
-            <a:fld id="{4A3304FD-D8D1-402E-8714-21D8CC9FE3BF}" type="slidenum">
-              <a:rPr lang="ko-KR" altLang="en-US" smtClean="0"/>
-              <a:t>30</a:t>
-            </a:fld>
-            <a:endParaRPr lang="ko-KR" altLang="en-US"/>
-          </a:p>
-        </p:txBody>
-      </p:sp>
-    </p:spTree>
-    <p:extLst>
-      <p:ext uri="{BB962C8B-B14F-4D97-AF65-F5344CB8AC3E}">
-        <p14:creationId xmlns:p14="http://schemas.microsoft.com/office/powerpoint/2010/main" val="175983466"/>
-      </p:ext>
-    </p:extLst>
-  </p:cSld>
-  <p:clrMapOvr>
-    <a:masterClrMapping/>
-  </p:clrMapOvr>
-</p:notes>
-</file>
-
-<file path=ppt/notesSlides/notesSlide31.xml><?xml version="1.0" encoding="utf-8"?>
-<p:notes xmlns:a="http://schemas.openxmlformats.org/drawingml/2006/main" xmlns:r="http://schemas.openxmlformats.org/officeDocument/2006/relationships" xmlns:p="http://schemas.openxmlformats.org/presentationml/2006/main">
-  <p:cSld>
-    <p:spTree>
-      <p:nvGrpSpPr>
-        <p:cNvPr id="1" name=""/>
-        <p:cNvGrpSpPr/>
-        <p:nvPr/>
-      </p:nvGrpSpPr>
-      <p:grpSpPr>
-        <a:xfrm>
-          <a:off x="0" y="0"/>
-          <a:ext cx="0" cy="0"/>
-          <a:chOff x="0" y="0"/>
-          <a:chExt cx="0" cy="0"/>
-        </a:xfrm>
-      </p:grpSpPr>
-      <p:sp>
-        <p:nvSpPr>
-          <p:cNvPr id="2" name="슬라이드 이미지 개체 틀 1"/>
-          <p:cNvSpPr>
-            <a:spLocks noGrp="1" noRot="1" noChangeAspect="1"/>
-          </p:cNvSpPr>
-          <p:nvPr>
-            <p:ph type="sldImg"/>
-          </p:nvPr>
-        </p:nvSpPr>
-        <p:spPr/>
-      </p:sp>
-      <p:sp>
-        <p:nvSpPr>
-          <p:cNvPr id="3" name="슬라이드 노트 개체 틀 2"/>
-          <p:cNvSpPr>
-            <a:spLocks noGrp="1"/>
-          </p:cNvSpPr>
-          <p:nvPr>
-            <p:ph type="body" idx="1"/>
-          </p:nvPr>
-        </p:nvSpPr>
-        <p:spPr/>
-        <p:txBody>
-          <a:bodyPr/>
-          <a:lstStyle/>
-          <a:p>
-            <a:r>
-              <a:rPr lang="ko-KR" altLang="en-US" dirty="0" err="1"/>
-              <a:t>버튼팀</a:t>
-            </a:r>
-            <a:r>
-              <a:rPr lang="ko-KR" altLang="en-US" dirty="0"/>
-              <a:t> 발표는 </a:t>
-            </a:r>
-            <a:r>
-              <a:rPr lang="ko-KR" altLang="en-US" dirty="0" err="1"/>
-              <a:t>여기까지였구요</a:t>
-            </a:r>
-            <a:r>
-              <a:rPr lang="ko-KR" altLang="en-US" dirty="0"/>
-              <a:t> 저는 발표의 버튼 팀 팀장 임수진이었습니다 감사합니다</a:t>
-            </a:r>
-            <a:r>
-              <a:rPr lang="en-US" altLang="ko-KR" dirty="0"/>
-              <a:t>..</a:t>
-            </a:r>
-            <a:endParaRPr lang="ko-KR" altLang="en-US" dirty="0"/>
-          </a:p>
-        </p:txBody>
-      </p:sp>
-      <p:sp>
-        <p:nvSpPr>
-          <p:cNvPr id="4" name="슬라이드 번호 개체 틀 3"/>
-          <p:cNvSpPr>
-            <a:spLocks noGrp="1"/>
-          </p:cNvSpPr>
-          <p:nvPr>
-            <p:ph type="sldNum" sz="quarter" idx="5"/>
-          </p:nvPr>
-        </p:nvSpPr>
-        <p:spPr/>
-        <p:txBody>
-          <a:bodyPr/>
-          <a:lstStyle/>
-          <a:p>
-            <a:fld id="{4A3304FD-D8D1-402E-8714-21D8CC9FE3BF}" type="slidenum">
-              <a:rPr lang="ko-KR" altLang="en-US" smtClean="0"/>
-              <a:t>31</a:t>
-            </a:fld>
-            <a:endParaRPr lang="ko-KR" altLang="en-US"/>
-          </a:p>
-        </p:txBody>
-      </p:sp>
-    </p:spTree>
-    <p:extLst>
-      <p:ext uri="{BB962C8B-B14F-4D97-AF65-F5344CB8AC3E}">
-        <p14:creationId xmlns:p14="http://schemas.microsoft.com/office/powerpoint/2010/main" val="1948550848"/>
-      </p:ext>
-    </p:extLst>
-  </p:cSld>
-  <p:clrMapOvr>
-    <a:masterClrMapping/>
-  </p:clrMapOvr>
-</p:notes>
-</file>
-
 <file path=ppt/notesSlides/notesSlide4.xml><?xml version="1.0" encoding="utf-8"?>
 <p:notes xmlns:a="http://schemas.openxmlformats.org/drawingml/2006/main" xmlns:r="http://schemas.openxmlformats.org/officeDocument/2006/relationships" xmlns:p="http://schemas.openxmlformats.org/presentationml/2006/main">
   <p:cSld>
@@ -4114,11 +3936,31 @@
             </a:r>
             <a:r>
               <a:rPr lang="ko-KR" altLang="en-US" dirty="0"/>
+              <a:t>웹 서버는 </a:t>
+            </a:r>
+            <a:r>
+              <a:rPr lang="ko-KR" altLang="en-US" dirty="0" err="1"/>
+              <a:t>톰캣을</a:t>
+            </a:r>
+            <a:r>
+              <a:rPr lang="ko-KR" altLang="en-US" dirty="0"/>
+              <a:t> 사용했습니다</a:t>
+            </a:r>
+            <a:r>
+              <a:rPr lang="en-US" altLang="ko-KR" dirty="0"/>
+              <a:t>. </a:t>
+            </a:r>
+            <a:r>
+              <a:rPr lang="ko-KR" altLang="en-US" dirty="0"/>
               <a:t>사용 언어로는 </a:t>
             </a:r>
             <a:r>
+              <a:rPr lang="en-US" altLang="ko-KR" dirty="0"/>
+              <a:t>html, </a:t>
+            </a:r>
+            <a:r>
               <a:rPr lang="en-US" altLang="ko-KR" dirty="0" err="1"/>
-              <a:t>html,css</a:t>
+              <a:t>css</a:t>
             </a:r>
             <a:r>
               <a:rPr lang="en-US" altLang="ko-KR" dirty="0"/>
@@ -4134,7 +3976,7 @@
             </a:r>
             <a:r>
               <a:rPr lang="ko-KR" altLang="en-US" dirty="0"/>
-              <a:t>자바를 썼습니다</a:t>
+              <a:t>자바를 썼고 데이터베이스는 오라클을 사용했습니다</a:t>
             </a:r>
             <a:r>
               <a:rPr lang="en-US" altLang="ko-KR" dirty="0"/>
@@ -4142,14 +3984,6 @@
             </a:r>
             <a:r>
               <a:rPr lang="ko-KR" altLang="en-US" dirty="0"/>
-              <a:t>또한 데이터베이스는 오라클을 사용했습니다</a:t>
-            </a:r>
-            <a:r>
-              <a:rPr lang="en-US" altLang="ko-KR" dirty="0"/>
-              <a:t>. </a:t>
-            </a:r>
-            <a:r>
-              <a:rPr lang="ko-KR" altLang="en-US" dirty="0"/>
               <a:t>그리고 버전관리 도구에 </a:t>
             </a:r>
             <a:r>
@@ -4204,7 +4038,7 @@
             </a:r>
             <a:r>
               <a:rPr lang="ko-KR" altLang="en-US" dirty="0"/>
-              <a:t> 확장프로그램을 </a:t>
+              <a:t> 여러 확장프로그램을 </a:t>
             </a:r>
             <a:r>
               <a:rPr lang="ko-KR" altLang="en-US" dirty="0" err="1"/>
@@ -5290,7 +5124,7 @@
           <a:p>
             <a:fld id="{9247D3F8-F08B-43C2-9261-B1AE98FAEF07}" type="datetimeFigureOut">
               <a:rPr lang="ko-KR" altLang="en-US" smtClean="0"/>
-              <a:t>2023-05-10</a:t>
+              <a:t>2023-05-11</a:t>
             </a:fld>
             <a:endParaRPr lang="ko-KR" altLang="en-US"/>
           </a:p>
@@ -5488,7 +5322,7 @@
           <a:p>
             <a:fld id="{9247D3F8-F08B-43C2-9261-B1AE98FAEF07}" type="datetimeFigureOut">
               <a:rPr lang="ko-KR" altLang="en-US" smtClean="0"/>
-              <a:t>2023-05-10</a:t>
+              <a:t>2023-05-11</a:t>
             </a:fld>
             <a:endParaRPr lang="ko-KR" altLang="en-US"/>
           </a:p>
@@ -5696,7 +5530,7 @@
           <a:p>
             <a:fld id="{9247D3F8-F08B-43C2-9261-B1AE98FAEF07}" type="datetimeFigureOut">
               <a:rPr lang="ko-KR" altLang="en-US" smtClean="0"/>
-              <a:t>2023-05-10</a:t>
+              <a:t>2023-05-11</a:t>
             </a:fld>
             <a:endParaRPr lang="ko-KR" altLang="en-US"/>
           </a:p>
@@ -5894,7 +5728,7 @@
           <a:p>
             <a:fld id="{9247D3F8-F08B-43C2-9261-B1AE98FAEF07}" type="datetimeFigureOut">
               <a:rPr lang="ko-KR" altLang="en-US" smtClean="0"/>
-              <a:t>2023-05-10</a:t>
+              <a:t>2023-05-11</a:t>
             </a:fld>
             <a:endParaRPr lang="ko-KR" altLang="en-US"/>
           </a:p>
@@ -6169,7 +6003,7 @@
           <a:p>
             <a:fld id="{9247D3F8-F08B-43C2-9261-B1AE98FAEF07}" type="datetimeFigureOut">
               <a:rPr lang="ko-KR" altLang="en-US" smtClean="0"/>
-              <a:t>2023-05-10</a:t>
+              <a:t>2023-05-11</a:t>
             </a:fld>
             <a:endParaRPr lang="ko-KR" altLang="en-US"/>
           </a:p>
@@ -6434,7 +6268,7 @@
           <a:p>
             <a:fld id="{9247D3F8-F08B-43C2-9261-B1AE98FAEF07}" type="datetimeFigureOut">
               <a:rPr lang="ko-KR" altLang="en-US" smtClean="0"/>
-              <a:t>2023-05-10</a:t>
+              <a:t>2023-05-11</a:t>
             </a:fld>
             <a:endParaRPr lang="ko-KR" altLang="en-US"/>
           </a:p>
@@ -6846,7 +6680,7 @@
           <a:p>
             <a:fld id="{9247D3F8-F08B-43C2-9261-B1AE98FAEF07}" type="datetimeFigureOut">
               <a:rPr lang="ko-KR" altLang="en-US" smtClean="0"/>
-              <a:t>2023-05-10</a:t>
+              <a:t>2023-05-11</a:t>
             </a:fld>
             <a:endParaRPr lang="ko-KR" altLang="en-US"/>
           </a:p>
@@ -6987,7 +6821,7 @@
           <a:p>
             <a:fld id="{9247D3F8-F08B-43C2-9261-B1AE98FAEF07}" type="datetimeFigureOut">
               <a:rPr lang="ko-KR" altLang="en-US" smtClean="0"/>
-              <a:t>2023-05-10</a:t>
+              <a:t>2023-05-11</a:t>
             </a:fld>
             <a:endParaRPr lang="ko-KR" altLang="en-US"/>
           </a:p>
@@ -7100,7 +6934,7 @@
           <a:p>
             <a:fld id="{9247D3F8-F08B-43C2-9261-B1AE98FAEF07}" type="datetimeFigureOut">
               <a:rPr lang="ko-KR" altLang="en-US" smtClean="0"/>
-              <a:t>2023-05-10</a:t>
+              <a:t>2023-05-11</a:t>
             </a:fld>
             <a:endParaRPr lang="ko-KR" altLang="en-US"/>
           </a:p>
@@ -7411,7 +7245,7 @@
           <a:p>
             <a:fld id="{9247D3F8-F08B-43C2-9261-B1AE98FAEF07}" type="datetimeFigureOut">
               <a:rPr lang="ko-KR" altLang="en-US" smtClean="0"/>
-              <a:t>2023-05-10</a:t>
+              <a:t>2023-05-11</a:t>
             </a:fld>
             <a:endParaRPr lang="ko-KR" altLang="en-US"/>
           </a:p>
@@ -7699,7 +7533,7 @@
           <a:p>
             <a:fld id="{9247D3F8-F08B-43C2-9261-B1AE98FAEF07}" type="datetimeFigureOut">
               <a:rPr lang="ko-KR" altLang="en-US" smtClean="0"/>
-              <a:t>2023-05-10</a:t>
+              <a:t>2023-05-11</a:t>
             </a:fld>
             <a:endParaRPr lang="ko-KR" altLang="en-US"/>
           </a:p>
@@ -7940,7 +7774,7 @@
           <a:p>
             <a:fld id="{9247D3F8-F08B-43C2-9261-B1AE98FAEF07}" type="datetimeFigureOut">
               <a:rPr lang="ko-KR" altLang="en-US" smtClean="0"/>
-              <a:t>2023-05-10</a:t>
+              <a:t>2023-05-11</a:t>
             </a:fld>
             <a:endParaRPr lang="ko-KR" altLang="en-US"/>
           </a:p>
@@ -13952,6 +13786,58 @@
           </a:prstGeom>
         </p:spPr>
       </p:pic>
+      <p:sp>
+        <p:nvSpPr>
+          <p:cNvPr id="3" name="직사각형 2">
+            <a:extLst>
+              <a:ext uri="{FF2B5EF4-FFF2-40B4-BE49-F238E27FC236}">
+                <a16:creationId xmlns:a16="http://schemas.microsoft.com/office/drawing/2014/main" id="{0599F09E-6656-4FB5-8DCB-E1C03CF10727}"/>
+              </a:ext>
+            </a:extLst>
+          </p:cNvPr>
+          <p:cNvSpPr/>
+          <p:nvPr/>
+        </p:nvSpPr>
+        <p:spPr>
+          <a:xfrm>
+            <a:off x="2229491" y="3626778"/>
+            <a:ext cx="1510301" cy="195209"/>
+          </a:xfrm>
+          <a:prstGeom prst="rect">
+            <a:avLst/>
+          </a:prstGeom>
+          <a:noFill/>
+          <a:ln w="57150">
+            <a:solidFill>
+              <a:srgbClr val="FFD44B"/>
+            </a:solidFill>
+          </a:ln>
+        </p:spPr>
+        <p:style>
+          <a:lnRef idx="2">
+            <a:schemeClr val="accent1">
+              <a:shade val="50000"/>
+            </a:schemeClr>
+          </a:lnRef>
+          <a:fillRef idx="1">
+            <a:schemeClr val="accent1"/>
+          </a:fillRef>
+          <a:effectRef idx="0">
+            <a:schemeClr val="accent1"/>
+          </a:effectRef>
+          <a:fontRef idx="minor">
+            <a:schemeClr val="lt1"/>
+          </a:fontRef>
+        </p:style>
+        <p:txBody>
+          <a:bodyPr rtlCol="0" anchor="ctr"/>
+          <a:lstStyle/>
+          <a:p>
+            <a:pPr algn="ctr"/>
+            <a:endParaRPr lang="ko-KR" altLang="en-US"/>
+          </a:p>
+        </p:txBody>
+      </p:sp>
     </p:spTree>
     <p:extLst>
       <p:ext uri="{BB962C8B-B14F-4D97-AF65-F5344CB8AC3E}">
@@ -14472,6 +14358,36 @@
           </a:extLst>
         </p:spPr>
       </p:pic>
+      <p:pic>
+        <p:nvPicPr>
+          <p:cNvPr id="7" name="그림 6">
+            <a:extLst>
+              <a:ext uri="{FF2B5EF4-FFF2-40B4-BE49-F238E27FC236}">
+                <a16:creationId xmlns:a16="http://schemas.microsoft.com/office/drawing/2014/main" id="{FDBE4429-84DA-43BF-A495-549B55FEC6FE}"/>
+              </a:ext>
+            </a:extLst>
+          </p:cNvPr>
+          <p:cNvPicPr>
+            <a:picLocks noChangeAspect="1"/>
+          </p:cNvPicPr>
+          <p:nvPr/>
+        </p:nvPicPr>
+        <p:blipFill>
+          <a:blip r:embed="rId9"/>
+          <a:stretch>
+            <a:fillRect/>
+          </a:stretch>
+        </p:blipFill>
+        <p:spPr>
+          <a:xfrm>
+            <a:off x="4121928" y="2592581"/>
+            <a:ext cx="4238625" cy="533400"/>
+          </a:xfrm>
+          <a:prstGeom prst="rect">
+            <a:avLst/>
+          </a:prstGeom>
+        </p:spPr>
+      </p:pic>
     </p:spTree>
     <p:extLst>
       <p:ext uri="{BB962C8B-B14F-4D97-AF65-F5344CB8AC3E}">
@@ -16960,7 +16876,7 @@
           <a:lstStyle/>
           <a:p>
             <a:r>
-              <a:rPr lang="ko-KR" altLang="en-US" sz="2800" b="1" dirty="0" err="1">
+              <a:rPr lang="en-US" altLang="ko-KR" sz="2800" b="1" dirty="0" err="1">
                 <a:ln w="6600">
                   <a:solidFill>
                     <a:schemeClr val="tx1"/>
@@ -16968,7 +16884,7 @@
                   <a:prstDash val="solid"/>
                 </a:ln>
                 <a:solidFill>
-                  <a:srgbClr val="FF8585"/>
+                  <a:srgbClr val="008DF6"/>
                 </a:solidFill>
                 <a:effectLst>
                   <a:outerShdw dist="38100" dir="2700000" algn="tl" rotWithShape="0">
@@ -16976,10 +16892,10 @@
                   </a:outerShdw>
                 </a:effectLst>
               </a:rPr>
-              <a:t>코</a:t>
-            </a:r>
-            <a:r>
-              <a:rPr lang="ko-KR" altLang="en-US" sz="2800" b="1" dirty="0" err="1">
+              <a:t>Github</a:t>
+            </a:r>
+            <a:r>
+              <a:rPr lang="en-US" altLang="ko-KR" sz="2800" b="1" dirty="0">
                 <a:ln w="6600">
                   <a:solidFill>
                     <a:schemeClr val="tx1"/>
@@ -16987,7 +16903,7 @@
                   <a:prstDash val="solid"/>
                 </a:ln>
                 <a:solidFill>
-                  <a:srgbClr val="00B050"/>
+                  <a:srgbClr val="008DF6"/>
                 </a:solidFill>
                 <a:effectLst>
                   <a:outerShdw dist="38100" dir="2700000" algn="tl" rotWithShape="0">
@@ -16995,45 +16911,7 @@
                   </a:outerShdw>
                 </a:effectLst>
               </a:rPr>
-              <a:t>드</a:t>
-            </a:r>
-            <a:r>
-              <a:rPr lang="ko-KR" altLang="en-US" sz="2800" b="1" dirty="0" err="1">
-                <a:ln w="6600">
-                  <a:solidFill>
-                    <a:schemeClr val="tx1"/>
-                  </a:solidFill>
-                  <a:prstDash val="solid"/>
-                </a:ln>
-                <a:solidFill>
-                  <a:srgbClr val="FFC000"/>
-                </a:solidFill>
-                <a:effectLst>
-                  <a:outerShdw dist="38100" dir="2700000" algn="tl" rotWithShape="0">
-                    <a:schemeClr val="accent2"/>
-                  </a:outerShdw>
-                </a:effectLst>
-              </a:rPr>
-              <a:t>리</a:t>
-            </a:r>
-            <a:r>
-              <a:rPr lang="ko-KR" altLang="en-US" sz="2800" b="1" dirty="0" err="1">
-                <a:ln w="6600">
-                  <a:solidFill>
-                    <a:schemeClr val="tx1"/>
-                  </a:solidFill>
-                  <a:prstDash val="solid"/>
-                </a:ln>
-                <a:solidFill>
-                  <a:srgbClr val="008DF6"/>
-                </a:solidFill>
-                <a:effectLst>
-                  <a:outerShdw dist="38100" dir="2700000" algn="tl" rotWithShape="0">
-                    <a:schemeClr val="accent2"/>
-                  </a:outerShdw>
-                </a:effectLst>
-              </a:rPr>
-              <a:t>뷰</a:t>
+              <a:t> </a:t>
             </a:r>
             <a:r>
               <a:rPr lang="ko-KR" altLang="en-US" sz="2800" b="1" dirty="0">
@@ -17052,65 +16930,24 @@
                   </a:outerShdw>
                 </a:effectLst>
               </a:rPr>
-              <a:t> </a:t>
-            </a:r>
-            <a:r>
-              <a:rPr lang="en-US" altLang="ko-KR" sz="2800" b="1" dirty="0">
-                <a:ln w="6600">
-                  <a:solidFill>
-                    <a:schemeClr val="tx1"/>
-                  </a:solidFill>
-                  <a:prstDash val="solid"/>
-                </a:ln>
-                <a:solidFill>
-                  <a:srgbClr val="008DF6"/>
-                </a:solidFill>
-                <a:effectLst>
-                  <a:outerShdw dist="38100" dir="2700000" algn="tl" rotWithShape="0">
-                    <a:schemeClr val="accent2"/>
-                  </a:outerShdw>
-                </a:effectLst>
-              </a:rPr>
-              <a:t>– search </a:t>
-            </a:r>
-            <a:r>
-              <a:rPr lang="ko-KR" altLang="en-US" sz="2800" b="1" dirty="0" err="1">
-                <a:ln w="6600">
-                  <a:solidFill>
-                    <a:schemeClr val="tx1"/>
-                  </a:solidFill>
-                  <a:prstDash val="solid"/>
-                </a:ln>
-                <a:solidFill>
-                  <a:srgbClr val="008DF6"/>
-                </a:solidFill>
-                <a:effectLst>
-                  <a:outerShdw dist="38100" dir="2700000" algn="tl" rotWithShape="0">
-                    <a:schemeClr val="accent2"/>
-                  </a:outerShdw>
-                </a:effectLst>
-              </a:rPr>
-              <a:t>더보기</a:t>
-            </a:r>
-            <a:r>
-              <a:rPr lang="en-US" altLang="ko-KR" sz="2800" b="1" dirty="0">
-                <a:ln w="6600">
-                  <a:solidFill>
-                    <a:schemeClr val="tx1"/>
-                  </a:solidFill>
-                  <a:prstDash val="solid"/>
-                </a:ln>
-                <a:solidFill>
-                  <a:srgbClr val="008DF6"/>
-                </a:solidFill>
-                <a:effectLst>
-                  <a:outerShdw dist="38100" dir="2700000" algn="tl" rotWithShape="0">
-                    <a:schemeClr val="accent2"/>
-                  </a:outerShdw>
-                </a:effectLst>
-              </a:rPr>
-              <a:t>..</a:t>
-            </a:r>
+              <a:t>사용</a:t>
+            </a:r>
+            <a:endParaRPr lang="en-US" altLang="ko-KR" sz="2800" b="1" dirty="0">
+              <a:ln w="6600">
+                <a:solidFill>
+                  <a:schemeClr val="tx1"/>
+                </a:solidFill>
+                <a:prstDash val="solid"/>
+              </a:ln>
+              <a:solidFill>
+                <a:srgbClr val="008DF6"/>
+              </a:solidFill>
+              <a:effectLst>
+                <a:outerShdw dist="38100" dir="2700000" algn="tl" rotWithShape="0">
+                  <a:schemeClr val="accent2"/>
+                </a:outerShdw>
+              </a:effectLst>
+            </a:endParaRPr>
           </a:p>
         </p:txBody>
       </p:sp>
@@ -17204,9 +17041,101 @@
           </a:extLst>
         </p:spPr>
       </p:pic>
+      <p:sp>
+        <p:nvSpPr>
+          <p:cNvPr id="2" name="TextBox 1"/>
+          <p:cNvSpPr txBox="1"/>
+          <p:nvPr/>
+        </p:nvSpPr>
+        <p:spPr>
+          <a:xfrm>
+            <a:off x="914400" y="1165412"/>
+            <a:ext cx="9278471" cy="523220"/>
+          </a:xfrm>
+          <a:prstGeom prst="rect">
+            <a:avLst/>
+          </a:prstGeom>
+          <a:noFill/>
+        </p:spPr>
+        <p:txBody>
+          <a:bodyPr wrap="square" rtlCol="0">
+            <a:spAutoFit/>
+          </a:bodyPr>
+          <a:lstStyle/>
+          <a:p>
+            <a:r>
+              <a:rPr lang="en-US" altLang="ko-KR" sz="2800" dirty="0">
+                <a:solidFill>
+                  <a:srgbClr val="00B050"/>
+                </a:solidFill>
+              </a:rPr>
+              <a:t>https://github.com/Sujin-Lim/firstCollabor.git</a:t>
+            </a:r>
+            <a:endParaRPr lang="ko-KR" altLang="en-US" sz="2800" dirty="0">
+              <a:solidFill>
+                <a:srgbClr val="00B050"/>
+              </a:solidFill>
+            </a:endParaRPr>
+          </a:p>
+        </p:txBody>
+      </p:sp>
+      <p:sp>
+        <p:nvSpPr>
+          <p:cNvPr id="3" name="TextBox 2"/>
+          <p:cNvSpPr txBox="1"/>
+          <p:nvPr/>
+        </p:nvSpPr>
+        <p:spPr>
+          <a:xfrm>
+            <a:off x="1039906" y="2474259"/>
+            <a:ext cx="9861176" cy="369332"/>
+          </a:xfrm>
+          <a:prstGeom prst="rect">
+            <a:avLst/>
+          </a:prstGeom>
+          <a:noFill/>
+        </p:spPr>
+        <p:txBody>
+          <a:bodyPr wrap="square" rtlCol="0">
+            <a:spAutoFit/>
+          </a:bodyPr>
+          <a:lstStyle/>
+          <a:p>
+            <a:r>
+              <a:rPr lang="en-US" altLang="ko-KR" dirty="0" err="1"/>
+              <a:t>Git</a:t>
+            </a:r>
+            <a:r>
+              <a:rPr lang="ko-KR" altLang="en-US" dirty="0"/>
+              <a:t>을 사용하여 버전 관리 </a:t>
+            </a:r>
+            <a:r>
+              <a:rPr lang="en-US" altLang="ko-KR" dirty="0"/>
+              <a:t>-&gt; branch </a:t>
+            </a:r>
+            <a:r>
+              <a:rPr lang="ko-KR" altLang="en-US" dirty="0"/>
+              <a:t>개념</a:t>
+            </a:r>
+            <a:r>
+              <a:rPr lang="en-US" altLang="ko-KR" dirty="0"/>
+              <a:t>, merge, pull request </a:t>
+            </a:r>
+            <a:r>
+              <a:rPr lang="ko-KR" altLang="en-US" dirty="0"/>
+              <a:t>사용법 숙지</a:t>
+            </a:r>
+            <a:r>
+              <a:rPr lang="en-US" altLang="ko-KR" dirty="0"/>
+              <a:t>!</a:t>
+            </a:r>
+            <a:endParaRPr lang="ko-KR" altLang="en-US" dirty="0"/>
+          </a:p>
+        </p:txBody>
+      </p:sp>
       <p:pic>
         <p:nvPicPr>
-          <p:cNvPr id="2" name="그림 1"/>
+          <p:cNvPr id="4" name="그림 3"/>
           <p:cNvPicPr>
             <a:picLocks noChangeAspect="1"/>
           </p:cNvPicPr>
@@ -17220,8 +17149,8 @@
         </p:blipFill>
         <p:spPr>
           <a:xfrm>
-            <a:off x="300580" y="1183060"/>
-            <a:ext cx="7452927" cy="4231622"/>
+            <a:off x="1039906" y="3099554"/>
+            <a:ext cx="6276531" cy="3301247"/>
           </a:xfrm>
           <a:prstGeom prst="rect">
             <a:avLst/>
@@ -17231,7 +17160,7 @@
     </p:spTree>
     <p:extLst>
       <p:ext uri="{BB962C8B-B14F-4D97-AF65-F5344CB8AC3E}">
-        <p14:creationId xmlns:p14="http://schemas.microsoft.com/office/powerpoint/2010/main" val="2264599366"/>
+        <p14:creationId xmlns:p14="http://schemas.microsoft.com/office/powerpoint/2010/main" val="2150928006"/>
       </p:ext>
     </p:extLst>
   </p:cSld>
@@ -17318,7 +17247,7 @@
           <a:lstStyle/>
           <a:p>
             <a:r>
-              <a:rPr lang="ko-KR" altLang="en-US" sz="2800" b="1" dirty="0" err="1">
+              <a:rPr lang="en-US" altLang="ko-KR" sz="2800" b="1" dirty="0" err="1">
                 <a:ln w="6600">
                   <a:solidFill>
                     <a:schemeClr val="tx1"/>
@@ -17326,7 +17255,7 @@
                   <a:prstDash val="solid"/>
                 </a:ln>
                 <a:solidFill>
-                  <a:srgbClr val="FF8585"/>
+                  <a:srgbClr val="008DF6"/>
                 </a:solidFill>
                 <a:effectLst>
                   <a:outerShdw dist="38100" dir="2700000" algn="tl" rotWithShape="0">
@@ -17334,10 +17263,10 @@
                   </a:outerShdw>
                 </a:effectLst>
               </a:rPr>
-              <a:t>코</a:t>
-            </a:r>
-            <a:r>
-              <a:rPr lang="ko-KR" altLang="en-US" sz="2800" b="1" dirty="0" err="1">
+              <a:t>Github</a:t>
+            </a:r>
+            <a:r>
+              <a:rPr lang="en-US" altLang="ko-KR" sz="2800" b="1" dirty="0">
                 <a:ln w="6600">
                   <a:solidFill>
                     <a:schemeClr val="tx1"/>
@@ -17345,7 +17274,7 @@
                   <a:prstDash val="solid"/>
                 </a:ln>
                 <a:solidFill>
-                  <a:srgbClr val="00B050"/>
+                  <a:srgbClr val="008DF6"/>
                 </a:solidFill>
                 <a:effectLst>
                   <a:outerShdw dist="38100" dir="2700000" algn="tl" rotWithShape="0">
@@ -17353,45 +17282,7 @@
                   </a:outerShdw>
                 </a:effectLst>
               </a:rPr>
-              <a:t>드</a:t>
-            </a:r>
-            <a:r>
-              <a:rPr lang="ko-KR" altLang="en-US" sz="2800" b="1" dirty="0" err="1">
-                <a:ln w="6600">
-                  <a:solidFill>
-                    <a:schemeClr val="tx1"/>
-                  </a:solidFill>
-                  <a:prstDash val="solid"/>
-                </a:ln>
-                <a:solidFill>
-                  <a:srgbClr val="FFC000"/>
-                </a:solidFill>
-                <a:effectLst>
-                  <a:outerShdw dist="38100" dir="2700000" algn="tl" rotWithShape="0">
-                    <a:schemeClr val="accent2"/>
-                  </a:outerShdw>
-                </a:effectLst>
-              </a:rPr>
-              <a:t>리</a:t>
-            </a:r>
-            <a:r>
-              <a:rPr lang="ko-KR" altLang="en-US" sz="2800" b="1" dirty="0" err="1">
-                <a:ln w="6600">
-                  <a:solidFill>
-                    <a:schemeClr val="tx1"/>
-                  </a:solidFill>
-                  <a:prstDash val="solid"/>
-                </a:ln>
-                <a:solidFill>
-                  <a:srgbClr val="008DF6"/>
-                </a:solidFill>
-                <a:effectLst>
-                  <a:outerShdw dist="38100" dir="2700000" algn="tl" rotWithShape="0">
-                    <a:schemeClr val="accent2"/>
-                  </a:outerShdw>
-                </a:effectLst>
-              </a:rPr>
-              <a:t>뷰</a:t>
+              <a:t> </a:t>
             </a:r>
             <a:r>
               <a:rPr lang="ko-KR" altLang="en-US" sz="2800" b="1" dirty="0">
@@ -17410,7 +17301,7 @@
                   </a:outerShdw>
                 </a:effectLst>
               </a:rPr>
-              <a:t> </a:t>
+              <a:t>사용 </a:t>
             </a:r>
             <a:r>
               <a:rPr lang="en-US" altLang="ko-KR" sz="2800" b="1" dirty="0">
@@ -17429,10 +17320,10 @@
                   </a:outerShdw>
                 </a:effectLst>
               </a:rPr>
-              <a:t>– search </a:t>
-            </a:r>
-            <a:r>
-              <a:rPr lang="ko-KR" altLang="en-US" sz="2800" b="1" dirty="0" err="1">
+              <a:t>– branch </a:t>
+            </a:r>
+            <a:r>
+              <a:rPr lang="ko-KR" altLang="en-US" sz="2800" b="1" dirty="0">
                 <a:ln w="6600">
                   <a:solidFill>
                     <a:schemeClr val="tx1"/>
@@ -17448,27 +17339,24 @@
                   </a:outerShdw>
                 </a:effectLst>
               </a:rPr>
-              <a:t>더보기</a:t>
-            </a:r>
-            <a:r>
-              <a:rPr lang="en-US" altLang="ko-KR" sz="2800" b="1" dirty="0">
-                <a:ln w="6600">
-                  <a:solidFill>
-                    <a:schemeClr val="tx1"/>
-                  </a:solidFill>
-                  <a:prstDash val="solid"/>
-                </a:ln>
-                <a:solidFill>
-                  <a:srgbClr val="008DF6"/>
-                </a:solidFill>
-                <a:effectLst>
-                  <a:outerShdw dist="38100" dir="2700000" algn="tl" rotWithShape="0">
-                    <a:schemeClr val="accent2"/>
-                  </a:outerShdw>
-                </a:effectLst>
-              </a:rPr>
-              <a:t>..</a:t>
-            </a:r>
+              <a:t>개념</a:t>
+            </a:r>
+            <a:endParaRPr lang="en-US" altLang="ko-KR" sz="2800" b="1" dirty="0">
+              <a:ln w="6600">
+                <a:solidFill>
+                  <a:schemeClr val="tx1"/>
+                </a:solidFill>
+                <a:prstDash val="solid"/>
+              </a:ln>
+              <a:solidFill>
+                <a:srgbClr val="008DF6"/>
+              </a:solidFill>
+              <a:effectLst>
+                <a:outerShdw dist="38100" dir="2700000" algn="tl" rotWithShape="0">
+                  <a:schemeClr val="accent2"/>
+                </a:outerShdw>
+              </a:effectLst>
+            </a:endParaRPr>
           </a:p>
         </p:txBody>
       </p:sp>
@@ -17544,8 +17432,8 @@
         </p:blipFill>
         <p:spPr bwMode="auto">
           <a:xfrm>
-            <a:off x="9406881" y="5687650"/>
-            <a:ext cx="1033869" cy="1003889"/>
+            <a:off x="818693" y="5563440"/>
+            <a:ext cx="1323872" cy="1285483"/>
           </a:xfrm>
           <a:prstGeom prst="rect">
             <a:avLst/>
@@ -17564,7 +17452,7 @@
       </p:pic>
       <p:pic>
         <p:nvPicPr>
-          <p:cNvPr id="3" name="그림 2"/>
+          <p:cNvPr id="2" name="그림 1"/>
           <p:cNvPicPr>
             <a:picLocks noChangeAspect="1"/>
           </p:cNvPicPr>
@@ -17578,18 +17466,271 @@
         </p:blipFill>
         <p:spPr>
           <a:xfrm>
-            <a:off x="432117" y="1189829"/>
-            <a:ext cx="10350473" cy="1858171"/>
+            <a:off x="665630" y="1420065"/>
+            <a:ext cx="3886200" cy="4143375"/>
           </a:xfrm>
           <a:prstGeom prst="rect">
             <a:avLst/>
           </a:prstGeom>
         </p:spPr>
       </p:pic>
+      <p:sp>
+        <p:nvSpPr>
+          <p:cNvPr id="3" name="곱셈 기호 2"/>
+          <p:cNvSpPr/>
+          <p:nvPr/>
+        </p:nvSpPr>
+        <p:spPr>
+          <a:xfrm>
+            <a:off x="1653989" y="4787993"/>
+            <a:ext cx="1909482" cy="1550894"/>
+          </a:xfrm>
+          <a:prstGeom prst="mathMultiply">
+            <a:avLst/>
+          </a:prstGeom>
+          <a:solidFill>
+            <a:srgbClr val="FF0000"/>
+          </a:solidFill>
+        </p:spPr>
+        <p:style>
+          <a:lnRef idx="2">
+            <a:schemeClr val="accent1">
+              <a:shade val="50000"/>
+            </a:schemeClr>
+          </a:lnRef>
+          <a:fillRef idx="1">
+            <a:schemeClr val="accent1"/>
+          </a:fillRef>
+          <a:effectRef idx="0">
+            <a:schemeClr val="accent1"/>
+          </a:effectRef>
+          <a:fontRef idx="minor">
+            <a:schemeClr val="lt1"/>
+          </a:fontRef>
+        </p:style>
+        <p:txBody>
+          <a:bodyPr rtlCol="0" anchor="ctr"/>
+          <a:lstStyle/>
+          <a:p>
+            <a:pPr algn="ctr"/>
+            <a:endParaRPr lang="ko-KR" altLang="en-US"/>
+          </a:p>
+        </p:txBody>
+      </p:sp>
+      <p:pic>
+        <p:nvPicPr>
+          <p:cNvPr id="7" name="Picture 2" descr="D-171] 공부 끝 - 오르비">
+            <a:extLst>
+              <a:ext uri="{FF2B5EF4-FFF2-40B4-BE49-F238E27FC236}">
+                <a16:creationId xmlns:a16="http://schemas.microsoft.com/office/drawing/2014/main" id="{9D71B640-D03D-47B0-B7F4-A5926D65A3C8}"/>
+              </a:ext>
+            </a:extLst>
+          </p:cNvPr>
+          <p:cNvPicPr>
+            <a:picLocks noChangeAspect="1" noChangeArrowheads="1"/>
+          </p:cNvPicPr>
+          <p:nvPr/>
+        </p:nvPicPr>
+        <p:blipFill rotWithShape="1">
+          <a:blip r:embed="rId4" cstate="hqprint">
+            <a:extLst>
+              <a:ext uri="{28A0092B-C50C-407E-A947-70E740481C1C}">
+                <a14:useLocalDpi xmlns:a14="http://schemas.microsoft.com/office/drawing/2010/main" val="0"/>
+              </a:ext>
+            </a:extLst>
+          </a:blip>
+          <a:srcRect l="33059"/>
+          <a:stretch/>
+        </p:blipFill>
+        <p:spPr bwMode="auto">
+          <a:xfrm>
+            <a:off x="9571060" y="719936"/>
+            <a:ext cx="2044117" cy="1984843"/>
+          </a:xfrm>
+          <a:prstGeom prst="rect">
+            <a:avLst/>
+          </a:prstGeom>
+          <a:noFill/>
+          <a:extLst>
+            <a:ext uri="{909E8E84-426E-40DD-AFC4-6F175D3DCCD1}">
+              <a14:hiddenFill xmlns:a14="http://schemas.microsoft.com/office/drawing/2010/main">
+                <a:solidFill>
+                  <a:srgbClr val="FFFFFF"/>
+                </a:solidFill>
+              </a14:hiddenFill>
+            </a:ext>
+          </a:extLst>
+        </p:spPr>
+      </p:pic>
+      <p:pic>
+        <p:nvPicPr>
+          <p:cNvPr id="4" name="그림 3"/>
+          <p:cNvPicPr>
+            <a:picLocks noChangeAspect="1"/>
+          </p:cNvPicPr>
+          <p:nvPr/>
+        </p:nvPicPr>
+        <p:blipFill>
+          <a:blip r:embed="rId6"/>
+          <a:stretch>
+            <a:fillRect/>
+          </a:stretch>
+        </p:blipFill>
+        <p:spPr>
+          <a:xfrm>
+            <a:off x="5431949" y="3063128"/>
+            <a:ext cx="5838825" cy="1266825"/>
+          </a:xfrm>
+          <a:prstGeom prst="rect">
+            <a:avLst/>
+          </a:prstGeom>
+        </p:spPr>
+      </p:pic>
+      <p:sp>
+        <p:nvSpPr>
+          <p:cNvPr id="5" name="폭발 1 4"/>
+          <p:cNvSpPr/>
+          <p:nvPr/>
+        </p:nvSpPr>
+        <p:spPr>
+          <a:xfrm>
+            <a:off x="6750424" y="428071"/>
+            <a:ext cx="3505200" cy="1802866"/>
+          </a:xfrm>
+          <a:prstGeom prst="irregularSeal1">
+            <a:avLst/>
+          </a:prstGeom>
+          <a:solidFill>
+            <a:srgbClr val="FFFF00"/>
+          </a:solidFill>
+        </p:spPr>
+        <p:style>
+          <a:lnRef idx="2">
+            <a:schemeClr val="accent1">
+              <a:shade val="50000"/>
+            </a:schemeClr>
+          </a:lnRef>
+          <a:fillRef idx="1">
+            <a:schemeClr val="accent1"/>
+          </a:fillRef>
+          <a:effectRef idx="0">
+            <a:schemeClr val="accent1"/>
+          </a:effectRef>
+          <a:fontRef idx="minor">
+            <a:schemeClr val="lt1"/>
+          </a:fontRef>
+        </p:style>
+        <p:txBody>
+          <a:bodyPr rtlCol="0" anchor="ctr"/>
+          <a:lstStyle/>
+          <a:p>
+            <a:pPr algn="ctr"/>
+            <a:endParaRPr lang="ko-KR" altLang="en-US"/>
+          </a:p>
+        </p:txBody>
+      </p:sp>
+      <p:sp>
+        <p:nvSpPr>
+          <p:cNvPr id="6" name="TextBox 5"/>
+          <p:cNvSpPr txBox="1"/>
+          <p:nvPr/>
+        </p:nvSpPr>
+        <p:spPr>
+          <a:xfrm>
+            <a:off x="8262213" y="719936"/>
+            <a:ext cx="1308847" cy="1077218"/>
+          </a:xfrm>
+          <a:prstGeom prst="rect">
+            <a:avLst/>
+          </a:prstGeom>
+          <a:noFill/>
+        </p:spPr>
+        <p:txBody>
+          <a:bodyPr wrap="square" rtlCol="0">
+            <a:spAutoFit/>
+          </a:bodyPr>
+          <a:lstStyle/>
+          <a:p>
+            <a:r>
+              <a:rPr lang="ko-KR" altLang="en-US" sz="3200" dirty="0">
+                <a:solidFill>
+                  <a:srgbClr val="00B050"/>
+                </a:solidFill>
+              </a:rPr>
+              <a:t>아뿔싸</a:t>
+            </a:r>
+          </a:p>
+        </p:txBody>
+      </p:sp>
+      <p:sp>
+        <p:nvSpPr>
+          <p:cNvPr id="8" name="TextBox 7"/>
+          <p:cNvSpPr txBox="1"/>
+          <p:nvPr/>
+        </p:nvSpPr>
+        <p:spPr>
+          <a:xfrm>
+            <a:off x="5638800" y="4679576"/>
+            <a:ext cx="5818094" cy="646331"/>
+          </a:xfrm>
+          <a:prstGeom prst="rect">
+            <a:avLst/>
+          </a:prstGeom>
+          <a:noFill/>
+        </p:spPr>
+        <p:txBody>
+          <a:bodyPr wrap="square" rtlCol="0">
+            <a:spAutoFit/>
+          </a:bodyPr>
+          <a:lstStyle/>
+          <a:p>
+            <a:r>
+              <a:rPr lang="ko-KR" altLang="en-US" dirty="0"/>
+              <a:t>분기를 나누어야 할 때 </a:t>
+            </a:r>
+            <a:r>
+              <a:rPr lang="en-US" altLang="ko-KR" dirty="0"/>
+              <a:t>branch</a:t>
+            </a:r>
+            <a:r>
+              <a:rPr lang="ko-KR" altLang="en-US" dirty="0"/>
+              <a:t>를 </a:t>
+            </a:r>
+            <a:r>
+              <a:rPr lang="ko-KR" altLang="en-US" dirty="0" err="1"/>
+              <a:t>생성했어야</a:t>
+            </a:r>
+            <a:r>
+              <a:rPr lang="ko-KR" altLang="en-US" dirty="0"/>
+              <a:t> 했는데</a:t>
+            </a:r>
+            <a:endParaRPr lang="en-US" altLang="ko-KR" dirty="0"/>
+          </a:p>
+          <a:p>
+            <a:r>
+              <a:rPr lang="ko-KR" altLang="en-US" dirty="0"/>
+              <a:t>처음에 만들어 놨음</a:t>
+            </a:r>
+            <a:r>
+              <a:rPr lang="en-US" altLang="ko-KR" dirty="0"/>
+              <a:t>….</a:t>
+            </a:r>
+            <a:r>
+              <a:rPr lang="ko-KR" altLang="en-US" dirty="0"/>
+              <a:t>나의 </a:t>
+            </a:r>
+            <a:r>
+              <a:rPr lang="en-US" altLang="ko-KR" dirty="0"/>
+              <a:t>mistake</a:t>
+            </a:r>
+            <a:endParaRPr lang="ko-KR" altLang="en-US" dirty="0"/>
+          </a:p>
+        </p:txBody>
+      </p:sp>
     </p:spTree>
     <p:extLst>
       <p:ext uri="{BB962C8B-B14F-4D97-AF65-F5344CB8AC3E}">
-        <p14:creationId xmlns:p14="http://schemas.microsoft.com/office/powerpoint/2010/main" val="787830803"/>
+        <p14:creationId xmlns:p14="http://schemas.microsoft.com/office/powerpoint/2010/main" val="4117681466"/>
       </p:ext>
     </p:extLst>
   </p:cSld>
@@ -17730,7 +17871,45 @@
                   </a:outerShdw>
                 </a:effectLst>
               </a:rPr>
-              <a:t>사용</a:t>
+              <a:t>사용 </a:t>
+            </a:r>
+            <a:r>
+              <a:rPr lang="en-US" altLang="ko-KR" sz="2800" b="1" dirty="0">
+                <a:ln w="6600">
+                  <a:solidFill>
+                    <a:schemeClr val="tx1"/>
+                  </a:solidFill>
+                  <a:prstDash val="solid"/>
+                </a:ln>
+                <a:solidFill>
+                  <a:srgbClr val="008DF6"/>
+                </a:solidFill>
+                <a:effectLst>
+                  <a:outerShdw dist="38100" dir="2700000" algn="tl" rotWithShape="0">
+                    <a:schemeClr val="accent2"/>
+                  </a:outerShdw>
+                </a:effectLst>
+              </a:rPr>
+              <a:t>– branch </a:t>
+            </a:r>
+            <a:r>
+              <a:rPr lang="ko-KR" altLang="en-US" sz="2800" b="1" dirty="0">
+                <a:ln w="6600">
+                  <a:solidFill>
+                    <a:schemeClr val="tx1"/>
+                  </a:solidFill>
+                  <a:prstDash val="solid"/>
+                </a:ln>
+                <a:solidFill>
+                  <a:srgbClr val="008DF6"/>
+                </a:solidFill>
+                <a:effectLst>
+                  <a:outerShdw dist="38100" dir="2700000" algn="tl" rotWithShape="0">
+                    <a:schemeClr val="accent2"/>
+                  </a:outerShdw>
+                </a:effectLst>
+              </a:rPr>
+              <a:t>개념</a:t>
             </a:r>
             <a:endParaRPr lang="en-US" altLang="ko-KR" sz="2800" b="1" dirty="0">
               <a:ln w="6600">
@@ -17823,8 +18002,8 @@
         </p:blipFill>
         <p:spPr bwMode="auto">
           <a:xfrm>
-            <a:off x="9406881" y="5687650"/>
-            <a:ext cx="1033869" cy="1003889"/>
+            <a:off x="9328557" y="4112833"/>
+            <a:ext cx="2713017" cy="2634346"/>
           </a:xfrm>
           <a:prstGeom prst="rect">
             <a:avLst/>
@@ -17841,101 +18020,15 @@
           </a:extLst>
         </p:spPr>
       </p:pic>
-      <p:sp>
-        <p:nvSpPr>
-          <p:cNvPr id="2" name="TextBox 1"/>
-          <p:cNvSpPr txBox="1"/>
-          <p:nvPr/>
-        </p:nvSpPr>
-        <p:spPr>
-          <a:xfrm>
-            <a:off x="914400" y="1165412"/>
-            <a:ext cx="9278471" cy="523220"/>
-          </a:xfrm>
-          <a:prstGeom prst="rect">
-            <a:avLst/>
-          </a:prstGeom>
-          <a:noFill/>
-        </p:spPr>
-        <p:txBody>
-          <a:bodyPr wrap="square" rtlCol="0">
-            <a:spAutoFit/>
-          </a:bodyPr>
-          <a:lstStyle/>
-          <a:p>
-            <a:r>
-              <a:rPr lang="en-US" altLang="ko-KR" sz="2800" dirty="0">
-                <a:solidFill>
-                  <a:srgbClr val="00B050"/>
-                </a:solidFill>
-              </a:rPr>
-              <a:t>https://github.com/Sujin-Lim/firstCollabor.git</a:t>
-            </a:r>
-            <a:endParaRPr lang="ko-KR" altLang="en-US" sz="2800" dirty="0">
-              <a:solidFill>
-                <a:srgbClr val="00B050"/>
-              </a:solidFill>
-            </a:endParaRPr>
-          </a:p>
-        </p:txBody>
-      </p:sp>
-      <p:sp>
-        <p:nvSpPr>
-          <p:cNvPr id="3" name="TextBox 2"/>
-          <p:cNvSpPr txBox="1"/>
-          <p:nvPr/>
-        </p:nvSpPr>
-        <p:spPr>
-          <a:xfrm>
-            <a:off x="1039906" y="2474259"/>
-            <a:ext cx="9861176" cy="369332"/>
-          </a:xfrm>
-          <a:prstGeom prst="rect">
-            <a:avLst/>
-          </a:prstGeom>
-          <a:noFill/>
-        </p:spPr>
-        <p:txBody>
-          <a:bodyPr wrap="square" rtlCol="0">
-            <a:spAutoFit/>
-          </a:bodyPr>
-          <a:lstStyle/>
-          <a:p>
-            <a:r>
-              <a:rPr lang="en-US" altLang="ko-KR" dirty="0" err="1"/>
-              <a:t>Git</a:t>
-            </a:r>
-            <a:r>
-              <a:rPr lang="ko-KR" altLang="en-US" dirty="0"/>
-              <a:t>을 사용하여 버전 관리 </a:t>
-            </a:r>
-            <a:r>
-              <a:rPr lang="en-US" altLang="ko-KR" dirty="0"/>
-              <a:t>-&gt; branch </a:t>
-            </a:r>
-            <a:r>
-              <a:rPr lang="ko-KR" altLang="en-US" dirty="0"/>
-              <a:t>개념</a:t>
-            </a:r>
-            <a:r>
-              <a:rPr lang="en-US" altLang="ko-KR" dirty="0"/>
-              <a:t>, merge, pull request </a:t>
-            </a:r>
-            <a:r>
-              <a:rPr lang="ko-KR" altLang="en-US" dirty="0"/>
-              <a:t>사용법 숙지</a:t>
-            </a:r>
-            <a:r>
-              <a:rPr lang="en-US" altLang="ko-KR" dirty="0"/>
-              <a:t>!</a:t>
-            </a:r>
-            <a:endParaRPr lang="ko-KR" altLang="en-US" dirty="0"/>
-          </a:p>
-        </p:txBody>
-      </p:sp>
       <p:pic>
         <p:nvPicPr>
-          <p:cNvPr id="4" name="그림 3"/>
+          <p:cNvPr id="10" name="그림 9">
+            <a:extLst>
+              <a:ext uri="{FF2B5EF4-FFF2-40B4-BE49-F238E27FC236}">
+                <a16:creationId xmlns:a16="http://schemas.microsoft.com/office/drawing/2014/main" id="{4FE5D755-5CFC-4119-86A1-B5371B962CF5}"/>
+              </a:ext>
+            </a:extLst>
+          </p:cNvPr>
           <p:cNvPicPr>
             <a:picLocks noChangeAspect="1"/>
           </p:cNvPicPr>
@@ -17949,8 +18042,8 @@
         </p:blipFill>
         <p:spPr>
           <a:xfrm>
-            <a:off x="1039906" y="3099554"/>
-            <a:ext cx="6276531" cy="3301247"/>
+            <a:off x="1797079" y="952413"/>
+            <a:ext cx="7917372" cy="4639626"/>
           </a:xfrm>
           <a:prstGeom prst="rect">
             <a:avLst/>
@@ -17960,7 +18053,7 @@
     </p:spTree>
     <p:extLst>
       <p:ext uri="{BB962C8B-B14F-4D97-AF65-F5344CB8AC3E}">
-        <p14:creationId xmlns:p14="http://schemas.microsoft.com/office/powerpoint/2010/main" val="2150928006"/>
+        <p14:creationId xmlns:p14="http://schemas.microsoft.com/office/powerpoint/2010/main" val="3488513105"/>
       </p:ext>
     </p:extLst>
   </p:cSld>
@@ -18047,7 +18140,7 @@
           <a:lstStyle/>
           <a:p>
             <a:r>
-              <a:rPr lang="en-US" altLang="ko-KR" sz="2800" b="1" dirty="0" err="1">
+              <a:rPr lang="ko-KR" altLang="en-US" sz="2800" b="1" dirty="0" err="1">
                 <a:ln w="6600">
                   <a:solidFill>
                     <a:schemeClr val="tx1"/>
@@ -18063,83 +18156,7 @@
                   </a:outerShdw>
                 </a:effectLst>
               </a:rPr>
-              <a:t>Github</a:t>
-            </a:r>
-            <a:r>
-              <a:rPr lang="en-US" altLang="ko-KR" sz="2800" b="1" dirty="0">
-                <a:ln w="6600">
-                  <a:solidFill>
-                    <a:schemeClr val="tx1"/>
-                  </a:solidFill>
-                  <a:prstDash val="solid"/>
-                </a:ln>
-                <a:solidFill>
-                  <a:srgbClr val="008DF6"/>
-                </a:solidFill>
-                <a:effectLst>
-                  <a:outerShdw dist="38100" dir="2700000" algn="tl" rotWithShape="0">
-                    <a:schemeClr val="accent2"/>
-                  </a:outerShdw>
-                </a:effectLst>
-              </a:rPr>
-              <a:t> </a:t>
-            </a:r>
-            <a:r>
-              <a:rPr lang="ko-KR" altLang="en-US" sz="2800" b="1" dirty="0">
-                <a:ln w="6600">
-                  <a:solidFill>
-                    <a:schemeClr val="tx1"/>
-                  </a:solidFill>
-                  <a:prstDash val="solid"/>
-                </a:ln>
-                <a:solidFill>
-                  <a:srgbClr val="008DF6"/>
-                </a:solidFill>
-                <a:effectLst>
-                  <a:outerShdw dist="38100" dir="2700000" algn="tl" rotWithShape="0">
-                    <a:schemeClr val="accent2"/>
-                  </a:outerShdw>
-                </a:effectLst>
-              </a:rPr>
-              <a:t>사용 </a:t>
-            </a:r>
-            <a:r>
-              <a:rPr lang="en-US" altLang="ko-KR" sz="2800" b="1" dirty="0">
-                <a:ln w="6600">
-                  <a:solidFill>
-                    <a:schemeClr val="tx1"/>
-                  </a:solidFill>
-                  <a:prstDash val="solid"/>
-                </a:ln>
-                <a:solidFill>
-                  <a:srgbClr val="008DF6"/>
-                </a:solidFill>
-                <a:effectLst>
-                  <a:outerShdw dist="38100" dir="2700000" algn="tl" rotWithShape="0">
-                    <a:schemeClr val="accent2"/>
-                  </a:outerShdw>
-                </a:effectLst>
-              </a:rPr>
-              <a:t>– branch </a:t>
-            </a:r>
-            <a:r>
-              <a:rPr lang="ko-KR" altLang="en-US" sz="2800" b="1" dirty="0">
-                <a:ln w="6600">
-                  <a:solidFill>
-                    <a:schemeClr val="tx1"/>
-                  </a:solidFill>
-                  <a:prstDash val="solid"/>
-                </a:ln>
-                <a:solidFill>
-                  <a:srgbClr val="008DF6"/>
-                </a:solidFill>
-                <a:effectLst>
-                  <a:outerShdw dist="38100" dir="2700000" algn="tl" rotWithShape="0">
-                    <a:schemeClr val="accent2"/>
-                  </a:outerShdw>
-                </a:effectLst>
-              </a:rPr>
-              <a:t>개념</a:t>
+              <a:t>느낀점</a:t>
             </a:r>
             <a:endParaRPr lang="en-US" altLang="ko-KR" sz="2800" b="1" dirty="0">
               <a:ln w="6600">
@@ -18232,8 +18249,8 @@
         </p:blipFill>
         <p:spPr bwMode="auto">
           <a:xfrm>
-            <a:off x="818693" y="5563440"/>
-            <a:ext cx="1323872" cy="1285483"/>
+            <a:off x="9406881" y="5687650"/>
+            <a:ext cx="1033869" cy="1003889"/>
           </a:xfrm>
           <a:prstGeom prst="rect">
             <a:avLst/>
@@ -18250,195 +18267,16 @@
           </a:extLst>
         </p:spPr>
       </p:pic>
-      <p:pic>
-        <p:nvPicPr>
-          <p:cNvPr id="2" name="그림 1"/>
-          <p:cNvPicPr>
-            <a:picLocks noChangeAspect="1"/>
-          </p:cNvPicPr>
+      <p:sp>
+        <p:nvSpPr>
+          <p:cNvPr id="2" name="TextBox 1"/>
+          <p:cNvSpPr txBox="1"/>
           <p:nvPr/>
-        </p:nvPicPr>
-        <p:blipFill>
-          <a:blip r:embed="rId5"/>
-          <a:stretch>
-            <a:fillRect/>
-          </a:stretch>
-        </p:blipFill>
+        </p:nvSpPr>
         <p:spPr>
           <a:xfrm>
-            <a:off x="665630" y="1420065"/>
-            <a:ext cx="3886200" cy="4143375"/>
-          </a:xfrm>
-          <a:prstGeom prst="rect">
-            <a:avLst/>
-          </a:prstGeom>
-        </p:spPr>
-      </p:pic>
-      <p:sp>
-        <p:nvSpPr>
-          <p:cNvPr id="3" name="곱셈 기호 2"/>
-          <p:cNvSpPr/>
-          <p:nvPr/>
-        </p:nvSpPr>
-        <p:spPr>
-          <a:xfrm>
-            <a:off x="1653989" y="4787993"/>
-            <a:ext cx="1909482" cy="1550894"/>
-          </a:xfrm>
-          <a:prstGeom prst="mathMultiply">
-            <a:avLst/>
-          </a:prstGeom>
-          <a:solidFill>
-            <a:srgbClr val="FF0000"/>
-          </a:solidFill>
-        </p:spPr>
-        <p:style>
-          <a:lnRef idx="2">
-            <a:schemeClr val="accent1">
-              <a:shade val="50000"/>
-            </a:schemeClr>
-          </a:lnRef>
-          <a:fillRef idx="1">
-            <a:schemeClr val="accent1"/>
-          </a:fillRef>
-          <a:effectRef idx="0">
-            <a:schemeClr val="accent1"/>
-          </a:effectRef>
-          <a:fontRef idx="minor">
-            <a:schemeClr val="lt1"/>
-          </a:fontRef>
-        </p:style>
-        <p:txBody>
-          <a:bodyPr rtlCol="0" anchor="ctr"/>
-          <a:lstStyle/>
-          <a:p>
-            <a:pPr algn="ctr"/>
-            <a:endParaRPr lang="ko-KR" altLang="en-US"/>
-          </a:p>
-        </p:txBody>
-      </p:sp>
-      <p:pic>
-        <p:nvPicPr>
-          <p:cNvPr id="7" name="Picture 2" descr="D-171] 공부 끝 - 오르비">
-            <a:extLst>
-              <a:ext uri="{FF2B5EF4-FFF2-40B4-BE49-F238E27FC236}">
-                <a16:creationId xmlns:a16="http://schemas.microsoft.com/office/drawing/2014/main" id="{9D71B640-D03D-47B0-B7F4-A5926D65A3C8}"/>
-              </a:ext>
-            </a:extLst>
-          </p:cNvPr>
-          <p:cNvPicPr>
-            <a:picLocks noChangeAspect="1" noChangeArrowheads="1"/>
-          </p:cNvPicPr>
-          <p:nvPr/>
-        </p:nvPicPr>
-        <p:blipFill rotWithShape="1">
-          <a:blip r:embed="rId4" cstate="hqprint">
-            <a:extLst>
-              <a:ext uri="{28A0092B-C50C-407E-A947-70E740481C1C}">
-                <a14:useLocalDpi xmlns:a14="http://schemas.microsoft.com/office/drawing/2010/main" val="0"/>
-              </a:ext>
-            </a:extLst>
-          </a:blip>
-          <a:srcRect l="33059"/>
-          <a:stretch/>
-        </p:blipFill>
-        <p:spPr bwMode="auto">
-          <a:xfrm>
-            <a:off x="9571060" y="719936"/>
-            <a:ext cx="2044117" cy="1984843"/>
-          </a:xfrm>
-          <a:prstGeom prst="rect">
-            <a:avLst/>
-          </a:prstGeom>
-          <a:noFill/>
-          <a:extLst>
-            <a:ext uri="{909E8E84-426E-40DD-AFC4-6F175D3DCCD1}">
-              <a14:hiddenFill xmlns:a14="http://schemas.microsoft.com/office/drawing/2010/main">
-                <a:solidFill>
-                  <a:srgbClr val="FFFFFF"/>
-                </a:solidFill>
-              </a14:hiddenFill>
-            </a:ext>
-          </a:extLst>
-        </p:spPr>
-      </p:pic>
-      <p:pic>
-        <p:nvPicPr>
-          <p:cNvPr id="4" name="그림 3"/>
-          <p:cNvPicPr>
-            <a:picLocks noChangeAspect="1"/>
-          </p:cNvPicPr>
-          <p:nvPr/>
-        </p:nvPicPr>
-        <p:blipFill>
-          <a:blip r:embed="rId6"/>
-          <a:stretch>
-            <a:fillRect/>
-          </a:stretch>
-        </p:blipFill>
-        <p:spPr>
-          <a:xfrm>
-            <a:off x="5431949" y="3063128"/>
-            <a:ext cx="5838825" cy="1266825"/>
-          </a:xfrm>
-          <a:prstGeom prst="rect">
-            <a:avLst/>
-          </a:prstGeom>
-        </p:spPr>
-      </p:pic>
-      <p:sp>
-        <p:nvSpPr>
-          <p:cNvPr id="5" name="폭발 1 4"/>
-          <p:cNvSpPr/>
-          <p:nvPr/>
-        </p:nvSpPr>
-        <p:spPr>
-          <a:xfrm>
-            <a:off x="6750424" y="428071"/>
-            <a:ext cx="3505200" cy="1802866"/>
-          </a:xfrm>
-          <a:prstGeom prst="irregularSeal1">
-            <a:avLst/>
-          </a:prstGeom>
-          <a:solidFill>
-            <a:srgbClr val="FFFF00"/>
-          </a:solidFill>
-        </p:spPr>
-        <p:style>
-          <a:lnRef idx="2">
-            <a:schemeClr val="accent1">
-              <a:shade val="50000"/>
-            </a:schemeClr>
-          </a:lnRef>
-          <a:fillRef idx="1">
-            <a:schemeClr val="accent1"/>
-          </a:fillRef>
-          <a:effectRef idx="0">
-            <a:schemeClr val="accent1"/>
-          </a:effectRef>
-          <a:fontRef idx="minor">
-            <a:schemeClr val="lt1"/>
-          </a:fontRef>
-        </p:style>
-        <p:txBody>
-          <a:bodyPr rtlCol="0" anchor="ctr"/>
-          <a:lstStyle/>
-          <a:p>
-            <a:pPr algn="ctr"/>
-            <a:endParaRPr lang="ko-KR" altLang="en-US"/>
-          </a:p>
-        </p:txBody>
-      </p:sp>
-      <p:sp>
-        <p:nvSpPr>
-          <p:cNvPr id="6" name="TextBox 5"/>
-          <p:cNvSpPr txBox="1"/>
-          <p:nvPr/>
-        </p:nvSpPr>
-        <p:spPr>
-          <a:xfrm>
-            <a:off x="8262213" y="719936"/>
-            <a:ext cx="1308847" cy="1077218"/>
+            <a:off x="833718" y="1165412"/>
+            <a:ext cx="9607032" cy="2862322"/>
           </a:xfrm>
           <a:prstGeom prst="rect">
             <a:avLst/>
@@ -18451,86 +18289,159 @@
           </a:bodyPr>
           <a:lstStyle/>
           <a:p>
-            <a:r>
-              <a:rPr lang="ko-KR" altLang="en-US" sz="3200" dirty="0">
-                <a:solidFill>
-                  <a:srgbClr val="00B050"/>
-                </a:solidFill>
-              </a:rPr>
-              <a:t>아뿔싸</a:t>
-            </a:r>
-          </a:p>
-        </p:txBody>
-      </p:sp>
-      <p:sp>
-        <p:nvSpPr>
-          <p:cNvPr id="8" name="TextBox 7"/>
-          <p:cNvSpPr txBox="1"/>
-          <p:nvPr/>
-        </p:nvSpPr>
-        <p:spPr>
-          <a:xfrm>
-            <a:off x="5638800" y="4679576"/>
-            <a:ext cx="5818094" cy="646331"/>
-          </a:xfrm>
-          <a:prstGeom prst="rect">
-            <a:avLst/>
-          </a:prstGeom>
-          <a:noFill/>
-        </p:spPr>
-        <p:txBody>
-          <a:bodyPr wrap="square" rtlCol="0">
-            <a:spAutoFit/>
-          </a:bodyPr>
-          <a:lstStyle/>
-          <a:p>
-            <a:r>
-              <a:rPr lang="ko-KR" altLang="en-US" dirty="0"/>
-              <a:t>분기를 나누어야 할 때 </a:t>
-            </a:r>
+            <a:pPr marL="285750" indent="-285750">
+              <a:buFontTx/>
+              <a:buChar char="-"/>
+            </a:pPr>
             <a:r>
               <a:rPr lang="en-US" altLang="ko-KR" dirty="0"/>
-              <a:t>branch</a:t>
-            </a:r>
-            <a:r>
-              <a:rPr lang="ko-KR" altLang="en-US" dirty="0"/>
-              <a:t>를 </a:t>
+              <a:t>DB </a:t>
+            </a:r>
+            <a:r>
+              <a:rPr lang="ko-KR" altLang="en-US" dirty="0"/>
+              <a:t>연결은 연결을 위한 패키지 추가와 간단한 </a:t>
+            </a:r>
+            <a:r>
+              <a:rPr lang="en-US" altLang="ko-KR" dirty="0"/>
+              <a:t>JAVA </a:t>
+            </a:r>
+            <a:r>
+              <a:rPr lang="ko-KR" altLang="en-US" dirty="0"/>
+              <a:t>코드로 구현이 가능해서 쉬웠다</a:t>
+            </a:r>
+            <a:endParaRPr lang="en-US" altLang="ko-KR" dirty="0"/>
+          </a:p>
+          <a:p>
+            <a:r>
+              <a:rPr lang="en-US" altLang="ko-KR" dirty="0"/>
+              <a:t>    &gt; localhost</a:t>
+            </a:r>
+            <a:r>
+              <a:rPr lang="ko-KR" altLang="en-US" dirty="0"/>
+              <a:t>의 연결은 쉬웠으나 외부에 </a:t>
+            </a:r>
+            <a:r>
+              <a:rPr lang="en-US" altLang="ko-KR" dirty="0"/>
+              <a:t>server</a:t>
+            </a:r>
+            <a:r>
+              <a:rPr lang="ko-KR" altLang="en-US" dirty="0"/>
+              <a:t>를 만든다고 가정했을 때 연결하기가 </a:t>
+            </a:r>
+            <a:endParaRPr lang="en-US" altLang="ko-KR" dirty="0"/>
+          </a:p>
+          <a:p>
+            <a:r>
+              <a:rPr lang="en-US" altLang="ko-KR" dirty="0"/>
+              <a:t>      </a:t>
+            </a:r>
+            <a:r>
+              <a:rPr lang="ko-KR" altLang="en-US" dirty="0"/>
+              <a:t>어려웠음</a:t>
+            </a:r>
+            <a:r>
+              <a:rPr lang="en-US" altLang="ko-KR" dirty="0"/>
+              <a:t>.</a:t>
+            </a:r>
+          </a:p>
+          <a:p>
+            <a:endParaRPr lang="en-US" altLang="ko-KR" dirty="0"/>
+          </a:p>
+          <a:p>
+            <a:r>
+              <a:rPr lang="en-US" altLang="ko-KR" dirty="0"/>
+              <a:t>- </a:t>
             </a:r>
             <a:r>
               <a:rPr lang="ko-KR" altLang="en-US" dirty="0" err="1"/>
-              <a:t>생성했어야</a:t>
-            </a:r>
-            <a:r>
-              <a:rPr lang="ko-KR" altLang="en-US" dirty="0"/>
-              <a:t> 했는데</a:t>
+              <a:t>쿼리문은</a:t>
+            </a:r>
+            <a:r>
+              <a:rPr lang="ko-KR" altLang="en-US" dirty="0"/>
+              <a:t> 조인</a:t>
+            </a:r>
+            <a:r>
+              <a:rPr lang="en-US" altLang="ko-KR" dirty="0"/>
+              <a:t>, group by, having </a:t>
+            </a:r>
+            <a:r>
+              <a:rPr lang="ko-KR" altLang="en-US" dirty="0"/>
+              <a:t>같은 옵션은 쓰지 않고 간단하게 </a:t>
+            </a:r>
+            <a:r>
+              <a:rPr lang="en-US" altLang="ko-KR" dirty="0"/>
+              <a:t>where </a:t>
+            </a:r>
+            <a:r>
+              <a:rPr lang="ko-KR" altLang="en-US" dirty="0"/>
+              <a:t>절만 사용했기  </a:t>
             </a:r>
             <a:endParaRPr lang="en-US" altLang="ko-KR" dirty="0"/>
           </a:p>
           <a:p>
             <a:r>
-              <a:rPr lang="ko-KR" altLang="en-US" dirty="0"/>
-              <a:t>처음에 만들어 놨음</a:t>
-            </a:r>
-            <a:r>
               <a:rPr lang="en-US" altLang="ko-KR" dirty="0"/>
-              <a:t>….</a:t>
-            </a:r>
-            <a:r>
-              <a:rPr lang="ko-KR" altLang="en-US" dirty="0"/>
-              <a:t>나의 </a:t>
+              <a:t>  </a:t>
+            </a:r>
+            <a:r>
+              <a:rPr lang="ko-KR" altLang="en-US" dirty="0"/>
+              <a:t>때문에 다른 옵션은 언제 사용하는지 모르겠음</a:t>
+            </a:r>
+            <a:endParaRPr lang="en-US" altLang="ko-KR" dirty="0"/>
+          </a:p>
+          <a:p>
+            <a:endParaRPr lang="en-US" altLang="ko-KR" dirty="0"/>
+          </a:p>
+          <a:p>
+            <a:pPr marL="285750" indent="-285750">
+              <a:buFontTx/>
+              <a:buChar char="-"/>
+            </a:pPr>
+            <a:r>
+              <a:rPr lang="en-US" altLang="ko-KR" dirty="0" err="1"/>
+              <a:t>Github</a:t>
             </a:r>
             <a:r>
               <a:rPr lang="en-US" altLang="ko-KR" dirty="0"/>
-              <a:t>mistake</a:t>
-            </a:r>
-            <a:endParaRPr lang="ko-KR" altLang="en-US" dirty="0"/>
+              <a:t> </a:t>
+            </a:r>
+            <a:r>
+              <a:rPr lang="ko-KR" altLang="en-US" dirty="0"/>
+              <a:t>협업은 처음이라 초반에 어려웠었음</a:t>
+            </a:r>
+            <a:endParaRPr lang="en-US" altLang="ko-KR" dirty="0"/>
+          </a:p>
+          <a:p>
+            <a:r>
+              <a:rPr lang="en-US" altLang="ko-KR" dirty="0"/>
+              <a:t>     -&gt; pull</a:t>
+            </a:r>
+            <a:r>
+              <a:rPr lang="ko-KR" altLang="en-US" dirty="0"/>
+              <a:t>의 중요성</a:t>
+            </a:r>
+            <a:r>
+              <a:rPr lang="en-US" altLang="ko-KR" dirty="0"/>
+              <a:t>, branch </a:t>
+            </a:r>
+            <a:r>
+              <a:rPr lang="ko-KR" altLang="en-US" dirty="0"/>
+              <a:t>나눠서 사용하기</a:t>
+            </a:r>
+            <a:endParaRPr lang="en-US" altLang="ko-KR" dirty="0"/>
+          </a:p>
+          <a:p>
+            <a:r>
+              <a:rPr lang="ko-KR" altLang="en-US" dirty="0"/>
+              <a:t> </a:t>
+            </a:r>
           </a:p>
         </p:txBody>
       </p:sp>
     </p:spTree>
     <p:extLst>
       <p:ext uri="{BB962C8B-B14F-4D97-AF65-F5344CB8AC3E}">
-        <p14:creationId xmlns:p14="http://schemas.microsoft.com/office/powerpoint/2010/main" val="4117681466"/>
+        <p14:creationId xmlns:p14="http://schemas.microsoft.com/office/powerpoint/2010/main" val="1081975947"/>
       </p:ext>
     </p:extLst>
   </p:cSld>
@@ -18617,44 +18528,6 @@
           <a:lstStyle/>
           <a:p>
             <a:r>
-              <a:rPr lang="en-US" altLang="ko-KR" sz="2800" b="1" dirty="0" err="1">
-                <a:ln w="6600">
-                  <a:solidFill>
-                    <a:schemeClr val="tx1"/>
-                  </a:solidFill>
-                  <a:prstDash val="solid"/>
-                </a:ln>
-                <a:solidFill>
-                  <a:srgbClr val="008DF6"/>
-                </a:solidFill>
-                <a:effectLst>
-                  <a:outerShdw dist="38100" dir="2700000" algn="tl" rotWithShape="0">
-                    <a:schemeClr val="accent2"/>
-                  </a:outerShdw>
-                </a:effectLst>
-              </a:rPr>
-              <a:t>Github</a:t>
-            </a:r>
-            <a:r>
-              <a:rPr lang="en-US" altLang="ko-KR" sz="2800" b="1" dirty="0">
-                <a:ln w="6600">
-                  <a:solidFill>
-                    <a:schemeClr val="tx1"/>
-                  </a:solidFill>
-                  <a:prstDash val="solid"/>
-                </a:ln>
-                <a:solidFill>
-                  <a:srgbClr val="008DF6"/>
-                </a:solidFill>
-                <a:effectLst>
-                  <a:outerShdw dist="38100" dir="2700000" algn="tl" rotWithShape="0">
-                    <a:schemeClr val="accent2"/>
-                  </a:outerShdw>
-                </a:effectLst>
-              </a:rPr>
-              <a:t> </a:t>
-            </a:r>
-            <a:r>
               <a:rPr lang="ko-KR" altLang="en-US" sz="2800" b="1" dirty="0">
                 <a:ln w="6600">
                   <a:solidFill>
@@ -18663,7 +18536,7 @@
                   <a:prstDash val="solid"/>
                 </a:ln>
                 <a:solidFill>
-                  <a:srgbClr val="008DF6"/>
+                  <a:srgbClr val="FF8585"/>
                 </a:solidFill>
                 <a:effectLst>
                   <a:outerShdw dist="38100" dir="2700000" algn="tl" rotWithShape="0">
@@ -18671,45 +18544,7 @@
                   </a:outerShdw>
                 </a:effectLst>
               </a:rPr>
-              <a:t>사용 </a:t>
-            </a:r>
-            <a:r>
-              <a:rPr lang="en-US" altLang="ko-KR" sz="2800" b="1" dirty="0">
-                <a:ln w="6600">
-                  <a:solidFill>
-                    <a:schemeClr val="tx1"/>
-                  </a:solidFill>
-                  <a:prstDash val="solid"/>
-                </a:ln>
-                <a:solidFill>
-                  <a:srgbClr val="008DF6"/>
-                </a:solidFill>
-                <a:effectLst>
-                  <a:outerShdw dist="38100" dir="2700000" algn="tl" rotWithShape="0">
-                    <a:schemeClr val="accent2"/>
-                  </a:outerShdw>
-                </a:effectLst>
-              </a:rPr>
-              <a:t>– branch </a:t>
-            </a:r>
-            <a:r>
-              <a:rPr lang="ko-KR" altLang="en-US" sz="2800" b="1" dirty="0">
-                <a:ln w="6600">
-                  <a:solidFill>
-                    <a:schemeClr val="tx1"/>
-                  </a:solidFill>
-                  <a:prstDash val="solid"/>
-                </a:ln>
-                <a:solidFill>
-                  <a:srgbClr val="008DF6"/>
-                </a:solidFill>
-                <a:effectLst>
-                  <a:outerShdw dist="38100" dir="2700000" algn="tl" rotWithShape="0">
-                    <a:schemeClr val="accent2"/>
-                  </a:outerShdw>
-                </a:effectLst>
-              </a:rPr>
-              <a:t>개념</a:t>
+              <a:t>질문</a:t>
             </a:r>
             <a:endParaRPr lang="en-US" altLang="ko-KR" sz="2800" b="1" dirty="0">
               <a:ln w="6600">
@@ -18719,7 +18554,7 @@
                 <a:prstDash val="solid"/>
               </a:ln>
               <a:solidFill>
-                <a:srgbClr val="008DF6"/>
+                <a:srgbClr val="FF8585"/>
               </a:solidFill>
               <a:effectLst>
                 <a:outerShdw dist="38100" dir="2700000" algn="tl" rotWithShape="0">
@@ -18802,8 +18637,8 @@
         </p:blipFill>
         <p:spPr bwMode="auto">
           <a:xfrm>
-            <a:off x="9328557" y="4112833"/>
-            <a:ext cx="2713017" cy="2634346"/>
+            <a:off x="4661647" y="1080019"/>
+            <a:ext cx="5779103" cy="5611521"/>
           </a:xfrm>
           <a:prstGeom prst="rect">
             <a:avLst/>
@@ -18820,40 +18655,155 @@
           </a:extLst>
         </p:spPr>
       </p:pic>
-      <p:pic>
-        <p:nvPicPr>
-          <p:cNvPr id="10" name="그림 9">
-            <a:extLst>
-              <a:ext uri="{FF2B5EF4-FFF2-40B4-BE49-F238E27FC236}">
-                <a16:creationId xmlns:a16="http://schemas.microsoft.com/office/drawing/2014/main" id="{4FE5D755-5CFC-4119-86A1-B5371B962CF5}"/>
-              </a:ext>
-            </a:extLst>
-          </p:cNvPr>
-          <p:cNvPicPr>
-            <a:picLocks noChangeAspect="1"/>
-          </p:cNvPicPr>
+      <p:sp>
+        <p:nvSpPr>
+          <p:cNvPr id="2" name="TextBox 1"/>
+          <p:cNvSpPr txBox="1"/>
           <p:nvPr/>
-        </p:nvPicPr>
-        <p:blipFill>
-          <a:blip r:embed="rId5"/>
-          <a:stretch>
-            <a:fillRect/>
-          </a:stretch>
-        </p:blipFill>
+        </p:nvSpPr>
         <p:spPr>
           <a:xfrm>
-            <a:off x="1797079" y="952413"/>
-            <a:ext cx="7917372" cy="4639626"/>
+            <a:off x="1649506" y="1210235"/>
+            <a:ext cx="9395012" cy="2308324"/>
           </a:xfrm>
           <a:prstGeom prst="rect">
             <a:avLst/>
           </a:prstGeom>
+          <a:noFill/>
         </p:spPr>
-      </p:pic>
+        <p:txBody>
+          <a:bodyPr wrap="square" rtlCol="0">
+            <a:spAutoFit/>
+          </a:bodyPr>
+          <a:lstStyle/>
+          <a:p>
+            <a:r>
+              <a:rPr lang="ko-KR" altLang="en-US" dirty="0"/>
+              <a:t>  </a:t>
+            </a:r>
+            <a:r>
+              <a:rPr lang="ko-KR" altLang="en-US" sz="7200" dirty="0">
+                <a:solidFill>
+                  <a:srgbClr val="FF0000"/>
+                </a:solidFill>
+                <a:latin typeface="휴먼매직체" panose="02030504000101010101" pitchFamily="18" charset="-127"/>
+                <a:ea typeface="휴먼매직체" panose="02030504000101010101" pitchFamily="18" charset="-127"/>
+              </a:rPr>
+              <a:t>질</a:t>
+            </a:r>
+            <a:r>
+              <a:rPr lang="ko-KR" altLang="en-US" sz="7200" dirty="0">
+                <a:solidFill>
+                  <a:srgbClr val="FFC000"/>
+                </a:solidFill>
+                <a:latin typeface="휴먼매직체" panose="02030504000101010101" pitchFamily="18" charset="-127"/>
+                <a:ea typeface="휴먼매직체" panose="02030504000101010101" pitchFamily="18" charset="-127"/>
+              </a:rPr>
+              <a:t>문</a:t>
+            </a:r>
+            <a:r>
+              <a:rPr lang="ko-KR" altLang="en-US" sz="7200" dirty="0">
+                <a:solidFill>
+                  <a:srgbClr val="FFFF00"/>
+                </a:solidFill>
+                <a:latin typeface="휴먼매직체" panose="02030504000101010101" pitchFamily="18" charset="-127"/>
+                <a:ea typeface="휴먼매직체" panose="02030504000101010101" pitchFamily="18" charset="-127"/>
+              </a:rPr>
+              <a:t>이</a:t>
+            </a:r>
+            <a:r>
+              <a:rPr lang="ko-KR" altLang="en-US" sz="7200" dirty="0">
+                <a:latin typeface="휴먼매직체" panose="02030504000101010101" pitchFamily="18" charset="-127"/>
+                <a:ea typeface="휴먼매직체" panose="02030504000101010101" pitchFamily="18" charset="-127"/>
+              </a:rPr>
+              <a:t> </a:t>
+            </a:r>
+            <a:endParaRPr lang="en-US" altLang="ko-KR" sz="7200" dirty="0">
+              <a:latin typeface="휴먼매직체" panose="02030504000101010101" pitchFamily="18" charset="-127"/>
+              <a:ea typeface="휴먼매직체" panose="02030504000101010101" pitchFamily="18" charset="-127"/>
+            </a:endParaRPr>
+          </a:p>
+          <a:p>
+            <a:r>
+              <a:rPr lang="en-US" altLang="ko-KR" sz="7200" dirty="0">
+                <a:latin typeface="휴먼매직체" panose="02030504000101010101" pitchFamily="18" charset="-127"/>
+                <a:ea typeface="휴먼매직체" panose="02030504000101010101" pitchFamily="18" charset="-127"/>
+              </a:rPr>
+              <a:t> </a:t>
+            </a:r>
+            <a:r>
+              <a:rPr lang="ko-KR" altLang="en-US" sz="7200" dirty="0" err="1">
+                <a:solidFill>
+                  <a:srgbClr val="00B050"/>
+                </a:solidFill>
+                <a:latin typeface="휴먼매직체" panose="02030504000101010101" pitchFamily="18" charset="-127"/>
+                <a:ea typeface="휴먼매직체" panose="02030504000101010101" pitchFamily="18" charset="-127"/>
+              </a:rPr>
+              <a:t>잇</a:t>
+            </a:r>
+            <a:r>
+              <a:rPr lang="ko-KR" altLang="en-US" sz="7200" dirty="0" err="1">
+                <a:solidFill>
+                  <a:srgbClr val="008DF6"/>
+                </a:solidFill>
+                <a:latin typeface="휴먼매직체" panose="02030504000101010101" pitchFamily="18" charset="-127"/>
+                <a:ea typeface="휴먼매직체" panose="02030504000101010101" pitchFamily="18" charset="-127"/>
+              </a:rPr>
+              <a:t>으</a:t>
+            </a:r>
+            <a:r>
+              <a:rPr lang="ko-KR" altLang="en-US" sz="7200" dirty="0" err="1">
+                <a:solidFill>
+                  <a:schemeClr val="accent1">
+                    <a:lumMod val="75000"/>
+                  </a:schemeClr>
+                </a:solidFill>
+                <a:latin typeface="휴먼매직체" panose="02030504000101010101" pitchFamily="18" charset="-127"/>
+                <a:ea typeface="휴먼매직체" panose="02030504000101010101" pitchFamily="18" charset="-127"/>
+              </a:rPr>
+              <a:t>실</a:t>
+            </a:r>
+            <a:r>
+              <a:rPr lang="ko-KR" altLang="en-US" sz="7200" dirty="0" err="1">
+                <a:solidFill>
+                  <a:srgbClr val="9148C8"/>
+                </a:solidFill>
+                <a:latin typeface="휴먼매직체" panose="02030504000101010101" pitchFamily="18" charset="-127"/>
+                <a:ea typeface="휴먼매직체" panose="02030504000101010101" pitchFamily="18" charset="-127"/>
+              </a:rPr>
+              <a:t>가</a:t>
+            </a:r>
+            <a:r>
+              <a:rPr lang="ko-KR" altLang="en-US" sz="7200" dirty="0" err="1">
+                <a:solidFill>
+                  <a:schemeClr val="bg1"/>
+                </a:solidFill>
+                <a:latin typeface="휴먼매직체" panose="02030504000101010101" pitchFamily="18" charset="-127"/>
+                <a:ea typeface="휴먼매직체" panose="02030504000101010101" pitchFamily="18" charset="-127"/>
+              </a:rPr>
+              <a:t>요</a:t>
+            </a:r>
+            <a:r>
+              <a:rPr lang="en-US" altLang="ko-KR" sz="7200" dirty="0">
+                <a:solidFill>
+                  <a:srgbClr val="FF8585"/>
+                </a:solidFill>
+                <a:latin typeface="휴먼매직체" panose="02030504000101010101" pitchFamily="18" charset="-127"/>
+                <a:ea typeface="휴먼매직체" panose="02030504000101010101" pitchFamily="18" charset="-127"/>
+              </a:rPr>
+              <a:t>?</a:t>
+            </a:r>
+            <a:endParaRPr lang="ko-KR" altLang="en-US" sz="7200" dirty="0">
+              <a:latin typeface="휴먼매직체" panose="02030504000101010101" pitchFamily="18" charset="-127"/>
+              <a:ea typeface="휴먼매직체" panose="02030504000101010101" pitchFamily="18" charset="-127"/>
+            </a:endParaRPr>
+          </a:p>
+        </p:txBody>
+      </p:sp>
     </p:spTree>
     <p:extLst>
       <p:ext uri="{BB962C8B-B14F-4D97-AF65-F5344CB8AC3E}">
-        <p14:creationId xmlns:p14="http://schemas.microsoft.com/office/powerpoint/2010/main" val="3488513105"/>
+        <p14:creationId xmlns:p14="http://schemas.microsoft.com/office/powerpoint/2010/main" val="3786529058"/>
       </p:ext>
     </p:extLst>
   </p:cSld>
@@ -18911,12 +18861,57 @@
           <a:chExt cx="0" cy="0"/>
         </a:xfrm>
       </p:grpSpPr>
-      <p:sp>
-        <p:nvSpPr>
-          <p:cNvPr id="11" name="직사각형 10">
+      <p:pic>
+        <p:nvPicPr>
+          <p:cNvPr id="5" name="Picture 2" descr="D-171] 공부 끝 - 오르비">
             <a:extLst>
               <a:ext uri="{FF2B5EF4-FFF2-40B4-BE49-F238E27FC236}">
-                <a16:creationId xmlns:a16="http://schemas.microsoft.com/office/drawing/2014/main" id="{3E4B6B90-A726-4C19-9DAC-AF5587662B6A}"/>
+                <a16:creationId xmlns:a16="http://schemas.microsoft.com/office/drawing/2014/main" id="{42FA632A-B4C0-4E7E-8207-77A7E583B9F2}"/>
+              </a:ext>
+            </a:extLst>
+          </p:cNvPr>
+          <p:cNvPicPr>
+            <a:picLocks noChangeAspect="1" noChangeArrowheads="1"/>
+          </p:cNvPicPr>
+          <p:nvPr/>
+        </p:nvPicPr>
+        <p:blipFill rotWithShape="1">
+          <a:blip r:embed="rId3" cstate="hqprint">
+            <a:extLst>
+              <a:ext uri="{28A0092B-C50C-407E-A947-70E740481C1C}">
+                <a14:useLocalDpi xmlns:a14="http://schemas.microsoft.com/office/drawing/2010/main" val="0"/>
+              </a:ext>
+            </a:extLst>
+          </a:blip>
+          <a:srcRect l="33059"/>
+          <a:stretch/>
+        </p:blipFill>
+        <p:spPr bwMode="auto">
+          <a:xfrm>
+            <a:off x="3446247" y="5109029"/>
+            <a:ext cx="1801203" cy="1748971"/>
+          </a:xfrm>
+          <a:prstGeom prst="rect">
+            <a:avLst/>
+          </a:prstGeom>
+          <a:noFill/>
+          <a:extLst>
+            <a:ext uri="{909E8E84-426E-40DD-AFC4-6F175D3DCCD1}">
+              <a14:hiddenFill xmlns:a14="http://schemas.microsoft.com/office/drawing/2010/main">
+                <a:solidFill>
+                  <a:srgbClr val="FFFFFF"/>
+                </a:solidFill>
+              </a14:hiddenFill>
+            </a:ext>
+          </a:extLst>
+        </p:spPr>
+      </p:pic>
+      <p:sp>
+        <p:nvSpPr>
+          <p:cNvPr id="8" name="직사각형 7">
+            <a:extLst>
+              <a:ext uri="{FF2B5EF4-FFF2-40B4-BE49-F238E27FC236}">
+                <a16:creationId xmlns:a16="http://schemas.microsoft.com/office/drawing/2014/main" id="{8ED3D09B-9144-4B60-B89F-C47EAD8D985B}"/>
               </a:ext>
             </a:extLst>
           </p:cNvPr>
@@ -18925,8 +18920,8 @@
         </p:nvSpPr>
         <p:spPr>
           <a:xfrm>
-            <a:off x="601162" y="166461"/>
-            <a:ext cx="6858000" cy="523220"/>
+            <a:off x="2667000" y="3075057"/>
+            <a:ext cx="6858000" cy="707886"/>
           </a:xfrm>
           <a:prstGeom prst="rect">
             <a:avLst/>
@@ -18939,8 +18934,9 @@
           </a:bodyPr>
           <a:lstStyle/>
           <a:p>
-            <a:r>
-              <a:rPr lang="ko-KR" altLang="en-US" sz="2800" b="1" dirty="0" err="1">
+            <a:pPr algn="ctr"/>
+            <a:r>
+              <a:rPr lang="en-US" altLang="ko-KR" sz="4000" b="1">
                 <a:ln w="6600">
                   <a:solidFill>
                     <a:schemeClr val="tx1"/>
@@ -18948,7 +18944,7 @@
                   <a:prstDash val="solid"/>
                 </a:ln>
                 <a:solidFill>
-                  <a:srgbClr val="008DF6"/>
+                  <a:srgbClr val="FF8585"/>
                 </a:solidFill>
                 <a:effectLst>
                   <a:outerShdw dist="38100" dir="2700000" algn="tl" rotWithShape="0">
@@ -18956,18 +18952,148 @@
                   </a:outerShdw>
                 </a:effectLst>
               </a:rPr>
-              <a:t>느낀점</a:t>
-            </a:r>
-            <a:endParaRPr lang="en-US" altLang="ko-KR" sz="2800" b="1" dirty="0">
+              <a:t>T</a:t>
+            </a:r>
+            <a:r>
+              <a:rPr lang="en-US" altLang="ko-KR" sz="4000" b="1">
+                <a:ln w="6600">
+                  <a:solidFill>
+                    <a:schemeClr val="tx1"/>
+                  </a:solidFill>
+                  <a:prstDash val="solid"/>
+                </a:ln>
+                <a:solidFill>
+                  <a:srgbClr val="FFD44B"/>
+                </a:solidFill>
+                <a:effectLst>
+                  <a:outerShdw dist="38100" dir="2700000" algn="tl" rotWithShape="0">
+                    <a:schemeClr val="accent2"/>
+                  </a:outerShdw>
+                </a:effectLst>
+              </a:rPr>
+              <a:t>H</a:t>
+            </a:r>
+            <a:r>
+              <a:rPr lang="en-US" altLang="ko-KR" sz="4000" b="1">
+                <a:ln w="6600">
+                  <a:solidFill>
+                    <a:schemeClr val="tx1"/>
+                  </a:solidFill>
+                  <a:prstDash val="solid"/>
+                </a:ln>
+                <a:solidFill>
+                  <a:srgbClr val="FFFFA7"/>
+                </a:solidFill>
+                <a:effectLst>
+                  <a:outerShdw dist="38100" dir="2700000" algn="tl" rotWithShape="0">
+                    <a:schemeClr val="accent2"/>
+                  </a:outerShdw>
+                </a:effectLst>
+              </a:rPr>
+              <a:t>A</a:t>
+            </a:r>
+            <a:r>
+              <a:rPr lang="en-US" altLang="ko-KR" sz="4000" b="1">
+                <a:ln w="6600">
+                  <a:solidFill>
+                    <a:schemeClr val="tx1"/>
+                  </a:solidFill>
+                  <a:prstDash val="solid"/>
+                </a:ln>
+                <a:solidFill>
+                  <a:srgbClr val="AFDC7E"/>
+                </a:solidFill>
+                <a:effectLst>
+                  <a:outerShdw dist="38100" dir="2700000" algn="tl" rotWithShape="0">
+                    <a:schemeClr val="accent2"/>
+                  </a:outerShdw>
+                </a:effectLst>
+              </a:rPr>
+              <a:t>N</a:t>
+            </a:r>
+            <a:r>
+              <a:rPr lang="en-US" altLang="ko-KR" sz="4000" b="1">
+                <a:ln w="6600">
+                  <a:solidFill>
+                    <a:schemeClr val="tx1"/>
+                  </a:solidFill>
+                  <a:prstDash val="solid"/>
+                </a:ln>
+                <a:solidFill>
+                  <a:srgbClr val="2DFF8C"/>
+                </a:solidFill>
+                <a:effectLst>
+                  <a:outerShdw dist="38100" dir="2700000" algn="tl" rotWithShape="0">
+                    <a:schemeClr val="accent2"/>
+                  </a:outerShdw>
+                </a:effectLst>
+              </a:rPr>
+              <a:t>K </a:t>
+            </a:r>
+            <a:r>
+              <a:rPr lang="en-US" altLang="ko-KR" sz="4000" b="1">
+                <a:ln w="6600">
+                  <a:solidFill>
+                    <a:schemeClr val="tx1"/>
+                  </a:solidFill>
+                  <a:prstDash val="solid"/>
+                </a:ln>
+                <a:solidFill>
+                  <a:srgbClr val="3FCDFF"/>
+                </a:solidFill>
+                <a:effectLst>
+                  <a:outerShdw dist="38100" dir="2700000" algn="tl" rotWithShape="0">
+                    <a:schemeClr val="accent2"/>
+                  </a:outerShdw>
+                </a:effectLst>
+              </a:rPr>
+              <a:t>Y</a:t>
+            </a:r>
+            <a:r>
+              <a:rPr lang="en-US" altLang="ko-KR" sz="4000" b="1">
+                <a:ln w="6600">
+                  <a:solidFill>
+                    <a:schemeClr val="tx1"/>
+                  </a:solidFill>
+                  <a:prstDash val="solid"/>
+                </a:ln>
+                <a:solidFill>
+                  <a:srgbClr val="008DF6"/>
+                </a:solidFill>
+                <a:effectLst>
+                  <a:outerShdw dist="38100" dir="2700000" algn="tl" rotWithShape="0">
+                    <a:schemeClr val="accent2"/>
+                  </a:outerShdw>
+                </a:effectLst>
+              </a:rPr>
+              <a:t>O</a:t>
+            </a:r>
+            <a:r>
+              <a:rPr lang="en-US" altLang="ko-KR" sz="4000" b="1">
+                <a:ln w="6600">
+                  <a:solidFill>
+                    <a:schemeClr val="tx1"/>
+                  </a:solidFill>
+                  <a:prstDash val="solid"/>
+                </a:ln>
+                <a:solidFill>
+                  <a:srgbClr val="9148C8"/>
+                </a:solidFill>
+                <a:effectLst>
+                  <a:outerShdw dist="38100" dir="2700000" algn="tl" rotWithShape="0">
+                    <a:schemeClr val="accent2"/>
+                  </a:outerShdw>
+                </a:effectLst>
+              </a:rPr>
+              <a:t>U</a:t>
+            </a:r>
+            <a:endParaRPr lang="en-US" altLang="ko-KR" sz="4000" b="1">
               <a:ln w="6600">
                 <a:solidFill>
                   <a:schemeClr val="tx1"/>
                 </a:solidFill>
                 <a:prstDash val="solid"/>
               </a:ln>
-              <a:solidFill>
-                <a:srgbClr val="008DF6"/>
-              </a:solidFill>
               <a:effectLst>
                 <a:outerShdw dist="38100" dir="2700000" algn="tl" rotWithShape="0">
                   <a:schemeClr val="accent2"/>
@@ -18979,10 +19105,10 @@
       </p:sp>
       <p:pic>
         <p:nvPicPr>
-          <p:cNvPr id="12" name="Picture 2" descr="D-171] 공부 끝 - 오르비">
+          <p:cNvPr id="9" name="Picture 2" descr="D-171] 공부 끝 - 오르비">
             <a:extLst>
               <a:ext uri="{FF2B5EF4-FFF2-40B4-BE49-F238E27FC236}">
-                <a16:creationId xmlns:a16="http://schemas.microsoft.com/office/drawing/2014/main" id="{C262696C-9B37-4A14-874E-2DF20C13730D}"/>
+                <a16:creationId xmlns:a16="http://schemas.microsoft.com/office/drawing/2014/main" id="{BE160E03-C2AA-4700-B86E-1BF26BFCE24A}"/>
               </a:ext>
             </a:extLst>
           </p:cNvPr>
@@ -19004,8 +19130,8 @@
         </p:blipFill>
         <p:spPr bwMode="auto">
           <a:xfrm>
-            <a:off x="0" y="136207"/>
-            <a:ext cx="601162" cy="583729"/>
+            <a:off x="0" y="5109028"/>
+            <a:ext cx="1801203" cy="1748971"/>
           </a:xfrm>
           <a:prstGeom prst="rect">
             <a:avLst/>
@@ -19024,10 +19150,10 @@
       </p:pic>
       <p:pic>
         <p:nvPicPr>
-          <p:cNvPr id="13" name="Picture 2" descr="D-171] 공부 끝 - 오르비">
+          <p:cNvPr id="10" name="Picture 2" descr="D-171] 공부 끝 - 오르비">
             <a:extLst>
               <a:ext uri="{FF2B5EF4-FFF2-40B4-BE49-F238E27FC236}">
-                <a16:creationId xmlns:a16="http://schemas.microsoft.com/office/drawing/2014/main" id="{9D71B640-D03D-47B0-B7F4-A5926D65A3C8}"/>
+                <a16:creationId xmlns:a16="http://schemas.microsoft.com/office/drawing/2014/main" id="{42FA632A-B4C0-4E7E-8207-77A7E583B9F2}"/>
               </a:ext>
             </a:extLst>
           </p:cNvPr>
@@ -19037,7 +19163,7 @@
           <p:nvPr/>
         </p:nvPicPr>
         <p:blipFill rotWithShape="1">
-          <a:blip r:embed="rId4" cstate="hqprint">
+          <a:blip r:embed="rId3" cstate="hqprint">
             <a:extLst>
               <a:ext uri="{28A0092B-C50C-407E-A947-70E740481C1C}">
                 <a14:useLocalDpi xmlns:a14="http://schemas.microsoft.com/office/drawing/2010/main" val="0"/>
@@ -19049,8 +19175,8 @@
         </p:blipFill>
         <p:spPr bwMode="auto">
           <a:xfrm>
-            <a:off x="9406881" y="5687650"/>
-            <a:ext cx="1033869" cy="1003889"/>
+            <a:off x="1662463" y="5109027"/>
+            <a:ext cx="1801203" cy="1748971"/>
           </a:xfrm>
           <a:prstGeom prst="rect">
             <a:avLst/>
@@ -19067,181 +19193,505 @@
           </a:extLst>
         </p:spPr>
       </p:pic>
-      <p:sp>
-        <p:nvSpPr>
-          <p:cNvPr id="2" name="TextBox 1"/>
-          <p:cNvSpPr txBox="1"/>
+      <p:pic>
+        <p:nvPicPr>
+          <p:cNvPr id="11" name="Picture 2" descr="D-171] 공부 끝 - 오르비">
+            <a:extLst>
+              <a:ext uri="{FF2B5EF4-FFF2-40B4-BE49-F238E27FC236}">
+                <a16:creationId xmlns:a16="http://schemas.microsoft.com/office/drawing/2014/main" id="{EF856253-1BC9-43B0-AB51-04437CC7980F}"/>
+              </a:ext>
+            </a:extLst>
+          </p:cNvPr>
+          <p:cNvPicPr>
+            <a:picLocks noChangeAspect="1" noChangeArrowheads="1"/>
+          </p:cNvPicPr>
           <p:nvPr/>
-        </p:nvSpPr>
-        <p:spPr>
+        </p:nvPicPr>
+        <p:blipFill rotWithShape="1">
+          <a:blip r:embed="rId3" cstate="hqprint">
+            <a:extLst>
+              <a:ext uri="{28A0092B-C50C-407E-A947-70E740481C1C}">
+                <a14:useLocalDpi xmlns:a14="http://schemas.microsoft.com/office/drawing/2010/main" val="0"/>
+              </a:ext>
+            </a:extLst>
+          </a:blip>
+          <a:srcRect l="33059"/>
+          <a:stretch/>
+        </p:blipFill>
+        <p:spPr bwMode="auto">
           <a:xfrm>
-            <a:off x="833718" y="1165412"/>
-            <a:ext cx="9607032" cy="2862322"/>
+            <a:off x="8745752" y="5109029"/>
+            <a:ext cx="1801203" cy="1748971"/>
           </a:xfrm>
           <a:prstGeom prst="rect">
             <a:avLst/>
           </a:prstGeom>
           <a:noFill/>
+          <a:extLst>
+            <a:ext uri="{909E8E84-426E-40DD-AFC4-6F175D3DCCD1}">
+              <a14:hiddenFill xmlns:a14="http://schemas.microsoft.com/office/drawing/2010/main">
+                <a:solidFill>
+                  <a:srgbClr val="FFFFFF"/>
+                </a:solidFill>
+              </a14:hiddenFill>
+            </a:ext>
+          </a:extLst>
         </p:spPr>
-        <p:txBody>
-          <a:bodyPr wrap="square" rtlCol="0">
-            <a:spAutoFit/>
-          </a:bodyPr>
-          <a:lstStyle/>
-          <a:p>
-            <a:pPr marL="285750" indent="-285750">
-              <a:buFontTx/>
-              <a:buChar char="-"/>
-            </a:pPr>
-            <a:r>
-              <a:rPr lang="en-US" altLang="ko-KR" dirty="0"/>
-              <a:t>DB </a:t>
-            </a:r>
-            <a:r>
-              <a:rPr lang="ko-KR" altLang="en-US" dirty="0"/>
-              <a:t>연결은 연결을 위한 패키지 추가와 간단한 </a:t>
-            </a:r>
-            <a:r>
-              <a:rPr lang="en-US" altLang="ko-KR" dirty="0"/>
-              <a:t>JAVA </a:t>
-            </a:r>
-            <a:r>
-              <a:rPr lang="ko-KR" altLang="en-US" dirty="0"/>
-              <a:t>코드로 구현이 가능해서 쉬웠다</a:t>
-            </a:r>
-            <a:endParaRPr lang="en-US" altLang="ko-KR" dirty="0"/>
-          </a:p>
-          <a:p>
-            <a:r>
-              <a:rPr lang="en-US" altLang="ko-KR" dirty="0"/>
-              <a:t>    &gt; localhost</a:t>
-            </a:r>
-            <a:r>
-              <a:rPr lang="ko-KR" altLang="en-US" dirty="0"/>
-              <a:t>의 연결은 쉬웠으나 외부에 </a:t>
-            </a:r>
-            <a:r>
-              <a:rPr lang="en-US" altLang="ko-KR" dirty="0"/>
-              <a:t>server</a:t>
-            </a:r>
-            <a:r>
-              <a:rPr lang="ko-KR" altLang="en-US" dirty="0"/>
-              <a:t>를 만든다고 가정했을 때 연결하기가 </a:t>
-            </a:r>
-            <a:endParaRPr lang="en-US" altLang="ko-KR" dirty="0"/>
-          </a:p>
-          <a:p>
-            <a:r>
-              <a:rPr lang="en-US" altLang="ko-KR" dirty="0"/>
-              <a:t>      </a:t>
-            </a:r>
-            <a:r>
-              <a:rPr lang="ko-KR" altLang="en-US" dirty="0"/>
-              <a:t>어려웠음</a:t>
-            </a:r>
-            <a:r>
-              <a:rPr lang="en-US" altLang="ko-KR" dirty="0"/>
-              <a:t>.</a:t>
-            </a:r>
-          </a:p>
-          <a:p>
-            <a:endParaRPr lang="en-US" altLang="ko-KR" dirty="0"/>
-          </a:p>
-          <a:p>
-            <a:r>
-              <a:rPr lang="en-US" altLang="ko-KR" dirty="0"/>
-              <a:t>- </a:t>
-            </a:r>
-            <a:r>
-              <a:rPr lang="ko-KR" altLang="en-US" dirty="0" err="1"/>
-              <a:t>쿼리문은</a:t>
-            </a:r>
-            <a:r>
-              <a:rPr lang="ko-KR" altLang="en-US" dirty="0"/>
-              <a:t> 조인</a:t>
-            </a:r>
-            <a:r>
-              <a:rPr lang="en-US" altLang="ko-KR" dirty="0"/>
-              <a:t>, group by, having </a:t>
-            </a:r>
-            <a:r>
-              <a:rPr lang="ko-KR" altLang="en-US" dirty="0"/>
-              <a:t>같은 옵션은 쓰지 않고 간단하게 </a:t>
-            </a:r>
-            <a:r>
-              <a:rPr lang="en-US" altLang="ko-KR" dirty="0"/>
-              <a:t>where </a:t>
-            </a:r>
-            <a:r>
-              <a:rPr lang="ko-KR" altLang="en-US" dirty="0"/>
-              <a:t>절만 사용했기  </a:t>
-            </a:r>
-            <a:endParaRPr lang="en-US" altLang="ko-KR" dirty="0"/>
-          </a:p>
-          <a:p>
-            <a:r>
-              <a:rPr lang="en-US" altLang="ko-KR" dirty="0"/>
-              <a:t>  </a:t>
-            </a:r>
-            <a:r>
-              <a:rPr lang="ko-KR" altLang="en-US" dirty="0"/>
-              <a:t>때문에 다른 옵션은 언제 사용하는지 모르겠음</a:t>
-            </a:r>
-            <a:endParaRPr lang="en-US" altLang="ko-KR" dirty="0"/>
-          </a:p>
-          <a:p>
-            <a:endParaRPr lang="en-US" altLang="ko-KR" dirty="0"/>
-          </a:p>
-          <a:p>
-            <a:pPr marL="285750" indent="-285750">
-              <a:buFontTx/>
-              <a:buChar char="-"/>
-            </a:pPr>
-            <a:r>
-              <a:rPr lang="en-US" altLang="ko-KR" dirty="0" err="1"/>
-              <a:t>Github</a:t>
-            </a:r>
-            <a:r>
-              <a:rPr lang="en-US" altLang="ko-KR" dirty="0"/>
-              <a:t> </a:t>
-            </a:r>
-            <a:r>
-              <a:rPr lang="ko-KR" altLang="en-US" dirty="0"/>
-              <a:t>협업은 처음이라 초반에 어려웠었음</a:t>
-            </a:r>
-            <a:endParaRPr lang="en-US" altLang="ko-KR" dirty="0"/>
-          </a:p>
-          <a:p>
-            <a:r>
-              <a:rPr lang="en-US" altLang="ko-KR" dirty="0"/>
-              <a:t>     -&gt; pull</a:t>
-            </a:r>
-            <a:r>
-              <a:rPr lang="ko-KR" altLang="en-US" dirty="0"/>
-              <a:t>의 중요성</a:t>
-            </a:r>
-            <a:r>
-              <a:rPr lang="en-US" altLang="ko-KR" dirty="0"/>
-              <a:t>, branch </a:t>
-            </a:r>
-            <a:r>
-              <a:rPr lang="ko-KR" altLang="en-US" dirty="0"/>
-              <a:t>나눠서 사용하기</a:t>
-            </a:r>
-            <a:endParaRPr lang="en-US" altLang="ko-KR" dirty="0"/>
-          </a:p>
-          <a:p>
-            <a:r>
-              <a:rPr lang="ko-KR" altLang="en-US" dirty="0"/>
-              <a:t> </a:t>
-            </a:r>
-          </a:p>
-        </p:txBody>
-      </p:sp>
+      </p:pic>
+      <p:pic>
+        <p:nvPicPr>
+          <p:cNvPr id="12" name="Picture 2" descr="D-171] 공부 끝 - 오르비">
+            <a:extLst>
+              <a:ext uri="{FF2B5EF4-FFF2-40B4-BE49-F238E27FC236}">
+                <a16:creationId xmlns:a16="http://schemas.microsoft.com/office/drawing/2014/main" id="{B420C325-FBF8-4837-954B-473865AAD2A6}"/>
+              </a:ext>
+            </a:extLst>
+          </p:cNvPr>
+          <p:cNvPicPr>
+            <a:picLocks noChangeAspect="1" noChangeArrowheads="1"/>
+          </p:cNvPicPr>
+          <p:nvPr/>
+        </p:nvPicPr>
+        <p:blipFill rotWithShape="1">
+          <a:blip r:embed="rId3" cstate="hqprint">
+            <a:extLst>
+              <a:ext uri="{28A0092B-C50C-407E-A947-70E740481C1C}">
+                <a14:useLocalDpi xmlns:a14="http://schemas.microsoft.com/office/drawing/2010/main" val="0"/>
+              </a:ext>
+            </a:extLst>
+          </a:blip>
+          <a:srcRect l="33059"/>
+          <a:stretch/>
+        </p:blipFill>
+        <p:spPr bwMode="auto">
+          <a:xfrm>
+            <a:off x="5195398" y="5109028"/>
+            <a:ext cx="1801203" cy="1748971"/>
+          </a:xfrm>
+          <a:prstGeom prst="rect">
+            <a:avLst/>
+          </a:prstGeom>
+          <a:noFill/>
+          <a:extLst>
+            <a:ext uri="{909E8E84-426E-40DD-AFC4-6F175D3DCCD1}">
+              <a14:hiddenFill xmlns:a14="http://schemas.microsoft.com/office/drawing/2010/main">
+                <a:solidFill>
+                  <a:srgbClr val="FFFFFF"/>
+                </a:solidFill>
+              </a14:hiddenFill>
+            </a:ext>
+          </a:extLst>
+        </p:spPr>
+      </p:pic>
+      <p:pic>
+        <p:nvPicPr>
+          <p:cNvPr id="13" name="Picture 2" descr="D-171] 공부 끝 - 오르비">
+            <a:extLst>
+              <a:ext uri="{FF2B5EF4-FFF2-40B4-BE49-F238E27FC236}">
+                <a16:creationId xmlns:a16="http://schemas.microsoft.com/office/drawing/2014/main" id="{EF1928FA-B098-4524-827A-4204E11F5002}"/>
+              </a:ext>
+            </a:extLst>
+          </p:cNvPr>
+          <p:cNvPicPr>
+            <a:picLocks noChangeAspect="1" noChangeArrowheads="1"/>
+          </p:cNvPicPr>
+          <p:nvPr/>
+        </p:nvPicPr>
+        <p:blipFill rotWithShape="1">
+          <a:blip r:embed="rId3" cstate="hqprint">
+            <a:extLst>
+              <a:ext uri="{28A0092B-C50C-407E-A947-70E740481C1C}">
+                <a14:useLocalDpi xmlns:a14="http://schemas.microsoft.com/office/drawing/2010/main" val="0"/>
+              </a:ext>
+            </a:extLst>
+          </a:blip>
+          <a:srcRect l="33059"/>
+          <a:stretch/>
+        </p:blipFill>
+        <p:spPr bwMode="auto">
+          <a:xfrm>
+            <a:off x="7048654" y="5109029"/>
+            <a:ext cx="1801203" cy="1748971"/>
+          </a:xfrm>
+          <a:prstGeom prst="rect">
+            <a:avLst/>
+          </a:prstGeom>
+          <a:noFill/>
+          <a:extLst>
+            <a:ext uri="{909E8E84-426E-40DD-AFC4-6F175D3DCCD1}">
+              <a14:hiddenFill xmlns:a14="http://schemas.microsoft.com/office/drawing/2010/main">
+                <a:solidFill>
+                  <a:srgbClr val="FFFFFF"/>
+                </a:solidFill>
+              </a14:hiddenFill>
+            </a:ext>
+          </a:extLst>
+        </p:spPr>
+      </p:pic>
+      <p:pic>
+        <p:nvPicPr>
+          <p:cNvPr id="17" name="Picture 2" descr="D-171] 공부 끝 - 오르비">
+            <a:extLst>
+              <a:ext uri="{FF2B5EF4-FFF2-40B4-BE49-F238E27FC236}">
+                <a16:creationId xmlns:a16="http://schemas.microsoft.com/office/drawing/2014/main" id="{BE65B58F-FF4C-4EA3-AAE0-BE2A6AB870E9}"/>
+              </a:ext>
+            </a:extLst>
+          </p:cNvPr>
+          <p:cNvPicPr>
+            <a:picLocks noChangeAspect="1" noChangeArrowheads="1"/>
+          </p:cNvPicPr>
+          <p:nvPr/>
+        </p:nvPicPr>
+        <p:blipFill rotWithShape="1">
+          <a:blip r:embed="rId3" cstate="hqprint">
+            <a:extLst>
+              <a:ext uri="{28A0092B-C50C-407E-A947-70E740481C1C}">
+                <a14:useLocalDpi xmlns:a14="http://schemas.microsoft.com/office/drawing/2010/main" val="0"/>
+              </a:ext>
+            </a:extLst>
+          </a:blip>
+          <a:srcRect l="33059"/>
+          <a:stretch/>
+        </p:blipFill>
+        <p:spPr bwMode="auto">
+          <a:xfrm>
+            <a:off x="10390797" y="5109029"/>
+            <a:ext cx="1801203" cy="1748971"/>
+          </a:xfrm>
+          <a:prstGeom prst="rect">
+            <a:avLst/>
+          </a:prstGeom>
+          <a:noFill/>
+          <a:extLst>
+            <a:ext uri="{909E8E84-426E-40DD-AFC4-6F175D3DCCD1}">
+              <a14:hiddenFill xmlns:a14="http://schemas.microsoft.com/office/drawing/2010/main">
+                <a:solidFill>
+                  <a:srgbClr val="FFFFFF"/>
+                </a:solidFill>
+              </a14:hiddenFill>
+            </a:ext>
+          </a:extLst>
+        </p:spPr>
+      </p:pic>
+      <p:pic>
+        <p:nvPicPr>
+          <p:cNvPr id="25" name="Picture 2" descr="D-171] 공부 끝 - 오르비">
+            <a:extLst>
+              <a:ext uri="{FF2B5EF4-FFF2-40B4-BE49-F238E27FC236}">
+                <a16:creationId xmlns:a16="http://schemas.microsoft.com/office/drawing/2014/main" id="{2005B0A6-EE5B-48FA-8B52-49373A8CF663}"/>
+              </a:ext>
+            </a:extLst>
+          </p:cNvPr>
+          <p:cNvPicPr>
+            <a:picLocks noChangeAspect="1" noChangeArrowheads="1"/>
+          </p:cNvPicPr>
+          <p:nvPr/>
+        </p:nvPicPr>
+        <p:blipFill rotWithShape="1">
+          <a:blip r:embed="rId3" cstate="hqprint">
+            <a:extLst>
+              <a:ext uri="{28A0092B-C50C-407E-A947-70E740481C1C}">
+                <a14:useLocalDpi xmlns:a14="http://schemas.microsoft.com/office/drawing/2010/main" val="0"/>
+              </a:ext>
+            </a:extLst>
+          </a:blip>
+          <a:srcRect l="33059"/>
+          <a:stretch/>
+        </p:blipFill>
+        <p:spPr bwMode="auto">
+          <a:xfrm rot="10800000">
+            <a:off x="3446247" y="0"/>
+            <a:ext cx="1801203" cy="1748971"/>
+          </a:xfrm>
+          <a:prstGeom prst="rect">
+            <a:avLst/>
+          </a:prstGeom>
+          <a:noFill/>
+          <a:extLst>
+            <a:ext uri="{909E8E84-426E-40DD-AFC4-6F175D3DCCD1}">
+              <a14:hiddenFill xmlns:a14="http://schemas.microsoft.com/office/drawing/2010/main">
+                <a:solidFill>
+                  <a:srgbClr val="FFFFFF"/>
+                </a:solidFill>
+              </a14:hiddenFill>
+            </a:ext>
+          </a:extLst>
+        </p:spPr>
+      </p:pic>
+      <p:pic>
+        <p:nvPicPr>
+          <p:cNvPr id="26" name="Picture 2" descr="D-171] 공부 끝 - 오르비">
+            <a:extLst>
+              <a:ext uri="{FF2B5EF4-FFF2-40B4-BE49-F238E27FC236}">
+                <a16:creationId xmlns:a16="http://schemas.microsoft.com/office/drawing/2014/main" id="{49DFC296-E321-40F7-A920-488F574C0F3A}"/>
+              </a:ext>
+            </a:extLst>
+          </p:cNvPr>
+          <p:cNvPicPr>
+            <a:picLocks noChangeAspect="1" noChangeArrowheads="1"/>
+          </p:cNvPicPr>
+          <p:nvPr/>
+        </p:nvPicPr>
+        <p:blipFill rotWithShape="1">
+          <a:blip r:embed="rId3" cstate="hqprint">
+            <a:extLst>
+              <a:ext uri="{28A0092B-C50C-407E-A947-70E740481C1C}">
+                <a14:useLocalDpi xmlns:a14="http://schemas.microsoft.com/office/drawing/2010/main" val="0"/>
+              </a:ext>
+            </a:extLst>
+          </a:blip>
+          <a:srcRect l="33059"/>
+          <a:stretch/>
+        </p:blipFill>
+        <p:spPr bwMode="auto">
+          <a:xfrm rot="10800000">
+            <a:off x="0" y="-1"/>
+            <a:ext cx="1801203" cy="1748971"/>
+          </a:xfrm>
+          <a:prstGeom prst="rect">
+            <a:avLst/>
+          </a:prstGeom>
+          <a:noFill/>
+          <a:extLst>
+            <a:ext uri="{909E8E84-426E-40DD-AFC4-6F175D3DCCD1}">
+              <a14:hiddenFill xmlns:a14="http://schemas.microsoft.com/office/drawing/2010/main">
+                <a:solidFill>
+                  <a:srgbClr val="FFFFFF"/>
+                </a:solidFill>
+              </a14:hiddenFill>
+            </a:ext>
+          </a:extLst>
+        </p:spPr>
+      </p:pic>
+      <p:pic>
+        <p:nvPicPr>
+          <p:cNvPr id="27" name="Picture 2" descr="D-171] 공부 끝 - 오르비">
+            <a:extLst>
+              <a:ext uri="{FF2B5EF4-FFF2-40B4-BE49-F238E27FC236}">
+                <a16:creationId xmlns:a16="http://schemas.microsoft.com/office/drawing/2014/main" id="{E9987C45-D609-4665-8872-4375E45E3356}"/>
+              </a:ext>
+            </a:extLst>
+          </p:cNvPr>
+          <p:cNvPicPr>
+            <a:picLocks noChangeAspect="1" noChangeArrowheads="1"/>
+          </p:cNvPicPr>
+          <p:nvPr/>
+        </p:nvPicPr>
+        <p:blipFill rotWithShape="1">
+          <a:blip r:embed="rId3" cstate="hqprint">
+            <a:extLst>
+              <a:ext uri="{28A0092B-C50C-407E-A947-70E740481C1C}">
+                <a14:useLocalDpi xmlns:a14="http://schemas.microsoft.com/office/drawing/2010/main" val="0"/>
+              </a:ext>
+            </a:extLst>
+          </a:blip>
+          <a:srcRect l="33059"/>
+          <a:stretch/>
+        </p:blipFill>
+        <p:spPr bwMode="auto">
+          <a:xfrm rot="10800000">
+            <a:off x="1662463" y="-2"/>
+            <a:ext cx="1801203" cy="1748971"/>
+          </a:xfrm>
+          <a:prstGeom prst="rect">
+            <a:avLst/>
+          </a:prstGeom>
+          <a:noFill/>
+          <a:extLst>
+            <a:ext uri="{909E8E84-426E-40DD-AFC4-6F175D3DCCD1}">
+              <a14:hiddenFill xmlns:a14="http://schemas.microsoft.com/office/drawing/2010/main">
+                <a:solidFill>
+                  <a:srgbClr val="FFFFFF"/>
+                </a:solidFill>
+              </a14:hiddenFill>
+            </a:ext>
+          </a:extLst>
+        </p:spPr>
+      </p:pic>
+      <p:pic>
+        <p:nvPicPr>
+          <p:cNvPr id="28" name="Picture 2" descr="D-171] 공부 끝 - 오르비">
+            <a:extLst>
+              <a:ext uri="{FF2B5EF4-FFF2-40B4-BE49-F238E27FC236}">
+                <a16:creationId xmlns:a16="http://schemas.microsoft.com/office/drawing/2014/main" id="{9A1F2027-16A0-4559-A2FA-B667F7293639}"/>
+              </a:ext>
+            </a:extLst>
+          </p:cNvPr>
+          <p:cNvPicPr>
+            <a:picLocks noChangeAspect="1" noChangeArrowheads="1"/>
+          </p:cNvPicPr>
+          <p:nvPr/>
+        </p:nvPicPr>
+        <p:blipFill rotWithShape="1">
+          <a:blip r:embed="rId3" cstate="hqprint">
+            <a:extLst>
+              <a:ext uri="{28A0092B-C50C-407E-A947-70E740481C1C}">
+                <a14:useLocalDpi xmlns:a14="http://schemas.microsoft.com/office/drawing/2010/main" val="0"/>
+              </a:ext>
+            </a:extLst>
+          </a:blip>
+          <a:srcRect l="33059"/>
+          <a:stretch/>
+        </p:blipFill>
+        <p:spPr bwMode="auto">
+          <a:xfrm rot="10800000">
+            <a:off x="8745752" y="0"/>
+            <a:ext cx="1801203" cy="1748971"/>
+          </a:xfrm>
+          <a:prstGeom prst="rect">
+            <a:avLst/>
+          </a:prstGeom>
+          <a:noFill/>
+          <a:extLst>
+            <a:ext uri="{909E8E84-426E-40DD-AFC4-6F175D3DCCD1}">
+              <a14:hiddenFill xmlns:a14="http://schemas.microsoft.com/office/drawing/2010/main">
+                <a:solidFill>
+                  <a:srgbClr val="FFFFFF"/>
+                </a:solidFill>
+              </a14:hiddenFill>
+            </a:ext>
+          </a:extLst>
+        </p:spPr>
+      </p:pic>
+      <p:pic>
+        <p:nvPicPr>
+          <p:cNvPr id="29" name="Picture 2" descr="D-171] 공부 끝 - 오르비">
+            <a:extLst>
+              <a:ext uri="{FF2B5EF4-FFF2-40B4-BE49-F238E27FC236}">
+                <a16:creationId xmlns:a16="http://schemas.microsoft.com/office/drawing/2014/main" id="{1AB83FF9-8927-464B-AFD8-66B4BB2F38CB}"/>
+              </a:ext>
+            </a:extLst>
+          </p:cNvPr>
+          <p:cNvPicPr>
+            <a:picLocks noChangeAspect="1" noChangeArrowheads="1"/>
+          </p:cNvPicPr>
+          <p:nvPr/>
+        </p:nvPicPr>
+        <p:blipFill rotWithShape="1">
+          <a:blip r:embed="rId3" cstate="hqprint">
+            <a:extLst>
+              <a:ext uri="{28A0092B-C50C-407E-A947-70E740481C1C}">
+                <a14:useLocalDpi xmlns:a14="http://schemas.microsoft.com/office/drawing/2010/main" val="0"/>
+              </a:ext>
+            </a:extLst>
+          </a:blip>
+          <a:srcRect l="33059"/>
+          <a:stretch/>
+        </p:blipFill>
+        <p:spPr bwMode="auto">
+          <a:xfrm rot="10800000">
+            <a:off x="5195398" y="-1"/>
+            <a:ext cx="1801203" cy="1748971"/>
+          </a:xfrm>
+          <a:prstGeom prst="rect">
+            <a:avLst/>
+          </a:prstGeom>
+          <a:noFill/>
+          <a:extLst>
+            <a:ext uri="{909E8E84-426E-40DD-AFC4-6F175D3DCCD1}">
+              <a14:hiddenFill xmlns:a14="http://schemas.microsoft.com/office/drawing/2010/main">
+                <a:solidFill>
+                  <a:srgbClr val="FFFFFF"/>
+                </a:solidFill>
+              </a14:hiddenFill>
+            </a:ext>
+          </a:extLst>
+        </p:spPr>
+      </p:pic>
+      <p:pic>
+        <p:nvPicPr>
+          <p:cNvPr id="30" name="Picture 2" descr="D-171] 공부 끝 - 오르비">
+            <a:extLst>
+              <a:ext uri="{FF2B5EF4-FFF2-40B4-BE49-F238E27FC236}">
+                <a16:creationId xmlns:a16="http://schemas.microsoft.com/office/drawing/2014/main" id="{10AF797D-C14E-4584-9CD4-9591F8F818E3}"/>
+              </a:ext>
+            </a:extLst>
+          </p:cNvPr>
+          <p:cNvPicPr>
+            <a:picLocks noChangeAspect="1" noChangeArrowheads="1"/>
+          </p:cNvPicPr>
+          <p:nvPr/>
+        </p:nvPicPr>
+        <p:blipFill rotWithShape="1">
+          <a:blip r:embed="rId3" cstate="hqprint">
+            <a:extLst>
+              <a:ext uri="{28A0092B-C50C-407E-A947-70E740481C1C}">
+                <a14:useLocalDpi xmlns:a14="http://schemas.microsoft.com/office/drawing/2010/main" val="0"/>
+              </a:ext>
+            </a:extLst>
+          </a:blip>
+          <a:srcRect l="33059"/>
+          <a:stretch/>
+        </p:blipFill>
+        <p:spPr bwMode="auto">
+          <a:xfrm rot="10800000">
+            <a:off x="7048654" y="0"/>
+            <a:ext cx="1801203" cy="1748971"/>
+          </a:xfrm>
+          <a:prstGeom prst="rect">
+            <a:avLst/>
+          </a:prstGeom>
+          <a:noFill/>
+          <a:extLst>
+            <a:ext uri="{909E8E84-426E-40DD-AFC4-6F175D3DCCD1}">
+              <a14:hiddenFill xmlns:a14="http://schemas.microsoft.com/office/drawing/2010/main">
+                <a:solidFill>
+                  <a:srgbClr val="FFFFFF"/>
+                </a:solidFill>
+              </a14:hiddenFill>
+            </a:ext>
+          </a:extLst>
+        </p:spPr>
+      </p:pic>
+      <p:pic>
+        <p:nvPicPr>
+          <p:cNvPr id="31" name="Picture 2" descr="D-171] 공부 끝 - 오르비">
+            <a:extLst>
+              <a:ext uri="{FF2B5EF4-FFF2-40B4-BE49-F238E27FC236}">
+                <a16:creationId xmlns:a16="http://schemas.microsoft.com/office/drawing/2014/main" id="{C592A194-0E61-455E-BB24-188A1D3824BD}"/>
+              </a:ext>
+            </a:extLst>
+          </p:cNvPr>
+          <p:cNvPicPr>
+            <a:picLocks noChangeAspect="1" noChangeArrowheads="1"/>
+          </p:cNvPicPr>
+          <p:nvPr/>
+        </p:nvPicPr>
+        <p:blipFill rotWithShape="1">
+          <a:blip r:embed="rId3" cstate="hqprint">
+            <a:extLst>
+              <a:ext uri="{28A0092B-C50C-407E-A947-70E740481C1C}">
+                <a14:useLocalDpi xmlns:a14="http://schemas.microsoft.com/office/drawing/2010/main" val="0"/>
+              </a:ext>
+            </a:extLst>
+          </a:blip>
+          <a:srcRect l="33059"/>
+          <a:stretch/>
+        </p:blipFill>
+        <p:spPr bwMode="auto">
+          <a:xfrm rot="10800000">
+            <a:off x="10390797" y="0"/>
+            <a:ext cx="1801203" cy="1748971"/>
+          </a:xfrm>
+          <a:prstGeom prst="rect">
+            <a:avLst/>
+          </a:prstGeom>
+          <a:noFill/>
+          <a:extLst>
+            <a:ext uri="{909E8E84-426E-40DD-AFC4-6F175D3DCCD1}">
+              <a14:hiddenFill xmlns:a14="http://schemas.microsoft.com/office/drawing/2010/main">
+                <a:solidFill>
+                  <a:srgbClr val="FFFFFF"/>
+                </a:solidFill>
+              </a14:hiddenFill>
+            </a:ext>
+          </a:extLst>
+        </p:spPr>
+      </p:pic>
     </p:spTree>
     <p:extLst>
       <p:ext uri="{BB962C8B-B14F-4D97-AF65-F5344CB8AC3E}">
-        <p14:creationId xmlns:p14="http://schemas.microsoft.com/office/powerpoint/2010/main" val="1081975947"/>
+        <p14:creationId xmlns:p14="http://schemas.microsoft.com/office/powerpoint/2010/main" val="3072037884"/>
       </p:ext>
     </p:extLst>
   </p:cSld>
@@ -19846,1256 +20296,6 @@
 </p:sld>
 </file>
 
-<file path=ppt/slides/slide30.xml><?xml version="1.0" encoding="utf-8"?>
-<p:sld xmlns:a="http://schemas.openxmlformats.org/drawingml/2006/main" xmlns:r="http://schemas.openxmlformats.org/officeDocument/2006/relationships" xmlns:p="http://schemas.openxmlformats.org/presentationml/2006/main">
-  <p:cSld>
-    <p:bg>
-      <p:bgPr>
-        <a:gradFill>
-          <a:gsLst>
-            <a:gs pos="18000">
-              <a:srgbClr val="FFC95D"/>
-            </a:gs>
-            <a:gs pos="0">
-              <a:srgbClr val="F5856F"/>
-            </a:gs>
-            <a:gs pos="35000">
-              <a:srgbClr val="FEFE6E"/>
-            </a:gs>
-            <a:gs pos="67000">
-              <a:srgbClr val="72D6FA"/>
-            </a:gs>
-            <a:gs pos="52000">
-              <a:srgbClr val="B4F999"/>
-            </a:gs>
-            <a:gs pos="100000">
-              <a:srgbClr val="FB71B6"/>
-            </a:gs>
-            <a:gs pos="83000">
-              <a:srgbClr val="6D7BFF"/>
-            </a:gs>
-          </a:gsLst>
-          <a:lin ang="2700000" scaled="1"/>
-        </a:gradFill>
-        <a:effectLst/>
-      </p:bgPr>
-    </p:bg>
-    <p:spTree>
-      <p:nvGrpSpPr>
-        <p:cNvPr id="1" name=""/>
-        <p:cNvGrpSpPr/>
-        <p:nvPr/>
-      </p:nvGrpSpPr>
-      <p:grpSpPr>
-        <a:xfrm>
-          <a:off x="0" y="0"/>
-          <a:ext cx="0" cy="0"/>
-          <a:chOff x="0" y="0"/>
-          <a:chExt cx="0" cy="0"/>
-        </a:xfrm>
-      </p:grpSpPr>
-      <p:sp>
-        <p:nvSpPr>
-          <p:cNvPr id="11" name="직사각형 10">
-            <a:extLst>
-              <a:ext uri="{FF2B5EF4-FFF2-40B4-BE49-F238E27FC236}">
-                <a16:creationId xmlns:a16="http://schemas.microsoft.com/office/drawing/2014/main" id="{3E4B6B90-A726-4C19-9DAC-AF5587662B6A}"/>
-              </a:ext>
-            </a:extLst>
-          </p:cNvPr>
-          <p:cNvSpPr/>
-          <p:nvPr/>
-        </p:nvSpPr>
-        <p:spPr>
-          <a:xfrm>
-            <a:off x="601162" y="166461"/>
-            <a:ext cx="6858000" cy="523220"/>
-          </a:xfrm>
-          <a:prstGeom prst="rect">
-            <a:avLst/>
-          </a:prstGeom>
-          <a:noFill/>
-        </p:spPr>
-        <p:txBody>
-          <a:bodyPr wrap="square" lIns="91440" tIns="45720" rIns="91440" bIns="45720">
-            <a:spAutoFit/>
-          </a:bodyPr>
-          <a:lstStyle/>
-          <a:p>
-            <a:r>
-              <a:rPr lang="ko-KR" altLang="en-US" sz="2800" b="1" dirty="0">
-                <a:ln w="6600">
-                  <a:solidFill>
-                    <a:schemeClr val="tx1"/>
-                  </a:solidFill>
-                  <a:prstDash val="solid"/>
-                </a:ln>
-                <a:solidFill>
-                  <a:srgbClr val="FF8585"/>
-                </a:solidFill>
-                <a:effectLst>
-                  <a:outerShdw dist="38100" dir="2700000" algn="tl" rotWithShape="0">
-                    <a:schemeClr val="accent2"/>
-                  </a:outerShdw>
-                </a:effectLst>
-              </a:rPr>
-              <a:t>질문</a:t>
-            </a:r>
-            <a:endParaRPr lang="en-US" altLang="ko-KR" sz="2800" b="1" dirty="0">
-              <a:ln w="6600">
-                <a:solidFill>
-                  <a:schemeClr val="tx1"/>
-                </a:solidFill>
-                <a:prstDash val="solid"/>
-              </a:ln>
-              <a:solidFill>
-                <a:srgbClr val="FF8585"/>
-              </a:solidFill>
-              <a:effectLst>
-                <a:outerShdw dist="38100" dir="2700000" algn="tl" rotWithShape="0">
-                  <a:schemeClr val="accent2"/>
-                </a:outerShdw>
-              </a:effectLst>
-            </a:endParaRPr>
-          </a:p>
-        </p:txBody>
-      </p:sp>
-      <p:pic>
-        <p:nvPicPr>
-          <p:cNvPr id="12" name="Picture 2" descr="D-171] 공부 끝 - 오르비">
-            <a:extLst>
-              <a:ext uri="{FF2B5EF4-FFF2-40B4-BE49-F238E27FC236}">
-                <a16:creationId xmlns:a16="http://schemas.microsoft.com/office/drawing/2014/main" id="{C262696C-9B37-4A14-874E-2DF20C13730D}"/>
-              </a:ext>
-            </a:extLst>
-          </p:cNvPr>
-          <p:cNvPicPr>
-            <a:picLocks noChangeAspect="1" noChangeArrowheads="1"/>
-          </p:cNvPicPr>
-          <p:nvPr/>
-        </p:nvPicPr>
-        <p:blipFill rotWithShape="1">
-          <a:blip r:embed="rId3" cstate="hqprint">
-            <a:extLst>
-              <a:ext uri="{28A0092B-C50C-407E-A947-70E740481C1C}">
-                <a14:useLocalDpi xmlns:a14="http://schemas.microsoft.com/office/drawing/2010/main" val="0"/>
-              </a:ext>
-            </a:extLst>
-          </a:blip>
-          <a:srcRect l="33059"/>
-          <a:stretch/>
-        </p:blipFill>
-        <p:spPr bwMode="auto">
-          <a:xfrm>
-            <a:off x="0" y="136207"/>
-            <a:ext cx="601162" cy="583729"/>
-          </a:xfrm>
-          <a:prstGeom prst="rect">
-            <a:avLst/>
-          </a:prstGeom>
-          <a:noFill/>
-          <a:extLst>
-            <a:ext uri="{909E8E84-426E-40DD-AFC4-6F175D3DCCD1}">
-              <a14:hiddenFill xmlns:a14="http://schemas.microsoft.com/office/drawing/2010/main">
-                <a:solidFill>
-                  <a:srgbClr val="FFFFFF"/>
-                </a:solidFill>
-              </a14:hiddenFill>
-            </a:ext>
-          </a:extLst>
-        </p:spPr>
-      </p:pic>
-      <p:pic>
-        <p:nvPicPr>
-          <p:cNvPr id="13" name="Picture 2" descr="D-171] 공부 끝 - 오르비">
-            <a:extLst>
-              <a:ext uri="{FF2B5EF4-FFF2-40B4-BE49-F238E27FC236}">
-                <a16:creationId xmlns:a16="http://schemas.microsoft.com/office/drawing/2014/main" id="{9D71B640-D03D-47B0-B7F4-A5926D65A3C8}"/>
-              </a:ext>
-            </a:extLst>
-          </p:cNvPr>
-          <p:cNvPicPr>
-            <a:picLocks noChangeAspect="1" noChangeArrowheads="1"/>
-          </p:cNvPicPr>
-          <p:nvPr/>
-        </p:nvPicPr>
-        <p:blipFill rotWithShape="1">
-          <a:blip r:embed="rId4" cstate="hqprint">
-            <a:extLst>
-              <a:ext uri="{28A0092B-C50C-407E-A947-70E740481C1C}">
-                <a14:useLocalDpi xmlns:a14="http://schemas.microsoft.com/office/drawing/2010/main" val="0"/>
-              </a:ext>
-            </a:extLst>
-          </a:blip>
-          <a:srcRect l="33059"/>
-          <a:stretch/>
-        </p:blipFill>
-        <p:spPr bwMode="auto">
-          <a:xfrm>
-            <a:off x="4661647" y="1080019"/>
-            <a:ext cx="5779103" cy="5611521"/>
-          </a:xfrm>
-          <a:prstGeom prst="rect">
-            <a:avLst/>
-          </a:prstGeom>
-          <a:noFill/>
-          <a:extLst>
-            <a:ext uri="{909E8E84-426E-40DD-AFC4-6F175D3DCCD1}">
-              <a14:hiddenFill xmlns:a14="http://schemas.microsoft.com/office/drawing/2010/main">
-                <a:solidFill>
-                  <a:srgbClr val="FFFFFF"/>
-                </a:solidFill>
-              </a14:hiddenFill>
-            </a:ext>
-          </a:extLst>
-        </p:spPr>
-      </p:pic>
-      <p:sp>
-        <p:nvSpPr>
-          <p:cNvPr id="2" name="TextBox 1"/>
-          <p:cNvSpPr txBox="1"/>
-          <p:nvPr/>
-        </p:nvSpPr>
-        <p:spPr>
-          <a:xfrm>
-            <a:off x="1649506" y="1210235"/>
-            <a:ext cx="9395012" cy="2308324"/>
-          </a:xfrm>
-          <a:prstGeom prst="rect">
-            <a:avLst/>
-          </a:prstGeom>
-          <a:noFill/>
-        </p:spPr>
-        <p:txBody>
-          <a:bodyPr wrap="square" rtlCol="0">
-            <a:spAutoFit/>
-          </a:bodyPr>
-          <a:lstStyle/>
-          <a:p>
-            <a:r>
-              <a:rPr lang="ko-KR" altLang="en-US" dirty="0"/>
-              <a:t>  </a:t>
-            </a:r>
-            <a:r>
-              <a:rPr lang="ko-KR" altLang="en-US" sz="7200" dirty="0">
-                <a:solidFill>
-                  <a:srgbClr val="FF0000"/>
-                </a:solidFill>
-                <a:latin typeface="휴먼매직체" panose="02030504000101010101" pitchFamily="18" charset="-127"/>
-                <a:ea typeface="휴먼매직체" panose="02030504000101010101" pitchFamily="18" charset="-127"/>
-              </a:rPr>
-              <a:t>질</a:t>
-            </a:r>
-            <a:r>
-              <a:rPr lang="ko-KR" altLang="en-US" sz="7200" dirty="0">
-                <a:solidFill>
-                  <a:srgbClr val="FFC000"/>
-                </a:solidFill>
-                <a:latin typeface="휴먼매직체" panose="02030504000101010101" pitchFamily="18" charset="-127"/>
-                <a:ea typeface="휴먼매직체" panose="02030504000101010101" pitchFamily="18" charset="-127"/>
-              </a:rPr>
-              <a:t>문</a:t>
-            </a:r>
-            <a:r>
-              <a:rPr lang="ko-KR" altLang="en-US" sz="7200" dirty="0">
-                <a:solidFill>
-                  <a:srgbClr val="FFFF00"/>
-                </a:solidFill>
-                <a:latin typeface="휴먼매직체" panose="02030504000101010101" pitchFamily="18" charset="-127"/>
-                <a:ea typeface="휴먼매직체" panose="02030504000101010101" pitchFamily="18" charset="-127"/>
-              </a:rPr>
-              <a:t>이</a:t>
-            </a:r>
-            <a:r>
-              <a:rPr lang="ko-KR" altLang="en-US" sz="7200" dirty="0">
-                <a:latin typeface="휴먼매직체" panose="02030504000101010101" pitchFamily="18" charset="-127"/>
-                <a:ea typeface="휴먼매직체" panose="02030504000101010101" pitchFamily="18" charset="-127"/>
-              </a:rPr>
-              <a:t> </a:t>
-            </a:r>
-            <a:endParaRPr lang="en-US" altLang="ko-KR" sz="7200" dirty="0">
-              <a:latin typeface="휴먼매직체" panose="02030504000101010101" pitchFamily="18" charset="-127"/>
-              <a:ea typeface="휴먼매직체" panose="02030504000101010101" pitchFamily="18" charset="-127"/>
-            </a:endParaRPr>
-          </a:p>
-          <a:p>
-            <a:r>
-              <a:rPr lang="en-US" altLang="ko-KR" sz="7200" dirty="0">
-                <a:latin typeface="휴먼매직체" panose="02030504000101010101" pitchFamily="18" charset="-127"/>
-                <a:ea typeface="휴먼매직체" panose="02030504000101010101" pitchFamily="18" charset="-127"/>
-              </a:rPr>
-              <a:t> </a:t>
-            </a:r>
-            <a:r>
-              <a:rPr lang="ko-KR" altLang="en-US" sz="7200" dirty="0" err="1">
-                <a:solidFill>
-                  <a:srgbClr val="00B050"/>
-                </a:solidFill>
-                <a:latin typeface="휴먼매직체" panose="02030504000101010101" pitchFamily="18" charset="-127"/>
-                <a:ea typeface="휴먼매직체" panose="02030504000101010101" pitchFamily="18" charset="-127"/>
-              </a:rPr>
-              <a:t>잇</a:t>
-            </a:r>
-            <a:r>
-              <a:rPr lang="ko-KR" altLang="en-US" sz="7200" dirty="0" err="1">
-                <a:solidFill>
-                  <a:srgbClr val="008DF6"/>
-                </a:solidFill>
-                <a:latin typeface="휴먼매직체" panose="02030504000101010101" pitchFamily="18" charset="-127"/>
-                <a:ea typeface="휴먼매직체" panose="02030504000101010101" pitchFamily="18" charset="-127"/>
-              </a:rPr>
-              <a:t>으</a:t>
-            </a:r>
-            <a:r>
-              <a:rPr lang="ko-KR" altLang="en-US" sz="7200" dirty="0" err="1">
-                <a:solidFill>
-                  <a:schemeClr val="accent1">
-                    <a:lumMod val="75000"/>
-                  </a:schemeClr>
-                </a:solidFill>
-                <a:latin typeface="휴먼매직체" panose="02030504000101010101" pitchFamily="18" charset="-127"/>
-                <a:ea typeface="휴먼매직체" panose="02030504000101010101" pitchFamily="18" charset="-127"/>
-              </a:rPr>
-              <a:t>실</a:t>
-            </a:r>
-            <a:r>
-              <a:rPr lang="ko-KR" altLang="en-US" sz="7200" dirty="0" err="1">
-                <a:solidFill>
-                  <a:srgbClr val="9148C8"/>
-                </a:solidFill>
-                <a:latin typeface="휴먼매직체" panose="02030504000101010101" pitchFamily="18" charset="-127"/>
-                <a:ea typeface="휴먼매직체" panose="02030504000101010101" pitchFamily="18" charset="-127"/>
-              </a:rPr>
-              <a:t>가</a:t>
-            </a:r>
-            <a:r>
-              <a:rPr lang="ko-KR" altLang="en-US" sz="7200" dirty="0" err="1">
-                <a:solidFill>
-                  <a:schemeClr val="bg1"/>
-                </a:solidFill>
-                <a:latin typeface="휴먼매직체" panose="02030504000101010101" pitchFamily="18" charset="-127"/>
-                <a:ea typeface="휴먼매직체" panose="02030504000101010101" pitchFamily="18" charset="-127"/>
-              </a:rPr>
-              <a:t>요</a:t>
-            </a:r>
-            <a:r>
-              <a:rPr lang="en-US" altLang="ko-KR" sz="7200" dirty="0">
-                <a:solidFill>
-                  <a:srgbClr val="FF8585"/>
-                </a:solidFill>
-                <a:latin typeface="휴먼매직체" panose="02030504000101010101" pitchFamily="18" charset="-127"/>
-                <a:ea typeface="휴먼매직체" panose="02030504000101010101" pitchFamily="18" charset="-127"/>
-              </a:rPr>
-              <a:t>?</a:t>
-            </a:r>
-            <a:endParaRPr lang="ko-KR" altLang="en-US" sz="7200" dirty="0">
-              <a:latin typeface="휴먼매직체" panose="02030504000101010101" pitchFamily="18" charset="-127"/>
-              <a:ea typeface="휴먼매직체" panose="02030504000101010101" pitchFamily="18" charset="-127"/>
-            </a:endParaRPr>
-          </a:p>
-        </p:txBody>
-      </p:sp>
-    </p:spTree>
-    <p:extLst>
-      <p:ext uri="{BB962C8B-B14F-4D97-AF65-F5344CB8AC3E}">
-        <p14:creationId xmlns:p14="http://schemas.microsoft.com/office/powerpoint/2010/main" val="3786529058"/>
-      </p:ext>
-    </p:extLst>
-  </p:cSld>
-  <p:clrMapOvr>
-    <a:masterClrMapping/>
-  </p:clrMapOvr>
-</p:sld>
-</file>
-
-<file path=ppt/slides/slide31.xml><?xml version="1.0" encoding="utf-8"?>
-<p:sld xmlns:a="http://schemas.openxmlformats.org/drawingml/2006/main" xmlns:r="http://schemas.openxmlformats.org/officeDocument/2006/relationships" xmlns:p="http://schemas.openxmlformats.org/presentationml/2006/main">
-  <p:cSld>
-    <p:bg>
-      <p:bgPr>
-        <a:gradFill>
-          <a:gsLst>
-            <a:gs pos="18000">
-              <a:srgbClr val="FFC95D"/>
-            </a:gs>
-            <a:gs pos="0">
-              <a:srgbClr val="F5856F"/>
-            </a:gs>
-            <a:gs pos="35000">
-              <a:srgbClr val="FEFE6E"/>
-            </a:gs>
-            <a:gs pos="67000">
-              <a:srgbClr val="72D6FA"/>
-            </a:gs>
-            <a:gs pos="52000">
-              <a:srgbClr val="B4F999"/>
-            </a:gs>
-            <a:gs pos="100000">
-              <a:srgbClr val="FB71B6"/>
-            </a:gs>
-            <a:gs pos="83000">
-              <a:srgbClr val="6D7BFF"/>
-            </a:gs>
-          </a:gsLst>
-          <a:lin ang="2700000" scaled="1"/>
-        </a:gradFill>
-        <a:effectLst/>
-      </p:bgPr>
-    </p:bg>
-    <p:spTree>
-      <p:nvGrpSpPr>
-        <p:cNvPr id="1" name=""/>
-        <p:cNvGrpSpPr/>
-        <p:nvPr/>
-      </p:nvGrpSpPr>
-      <p:grpSpPr>
-        <a:xfrm>
-          <a:off x="0" y="0"/>
-          <a:ext cx="0" cy="0"/>
-          <a:chOff x="0" y="0"/>
-          <a:chExt cx="0" cy="0"/>
-        </a:xfrm>
-      </p:grpSpPr>
-      <p:pic>
-        <p:nvPicPr>
-          <p:cNvPr id="5" name="Picture 2" descr="D-171] 공부 끝 - 오르비">
-            <a:extLst>
-              <a:ext uri="{FF2B5EF4-FFF2-40B4-BE49-F238E27FC236}">
-                <a16:creationId xmlns:a16="http://schemas.microsoft.com/office/drawing/2014/main" id="{42FA632A-B4C0-4E7E-8207-77A7E583B9F2}"/>
-              </a:ext>
-            </a:extLst>
-          </p:cNvPr>
-          <p:cNvPicPr>
-            <a:picLocks noChangeAspect="1" noChangeArrowheads="1"/>
-          </p:cNvPicPr>
-          <p:nvPr/>
-        </p:nvPicPr>
-        <p:blipFill rotWithShape="1">
-          <a:blip r:embed="rId3" cstate="hqprint">
-            <a:extLst>
-              <a:ext uri="{28A0092B-C50C-407E-A947-70E740481C1C}">
-                <a14:useLocalDpi xmlns:a14="http://schemas.microsoft.com/office/drawing/2010/main" val="0"/>
-              </a:ext>
-            </a:extLst>
-          </a:blip>
-          <a:srcRect l="33059"/>
-          <a:stretch/>
-        </p:blipFill>
-        <p:spPr bwMode="auto">
-          <a:xfrm>
-            <a:off x="3446247" y="5109029"/>
-            <a:ext cx="1801203" cy="1748971"/>
-          </a:xfrm>
-          <a:prstGeom prst="rect">
-            <a:avLst/>
-          </a:prstGeom>
-          <a:noFill/>
-          <a:extLst>
-            <a:ext uri="{909E8E84-426E-40DD-AFC4-6F175D3DCCD1}">
-              <a14:hiddenFill xmlns:a14="http://schemas.microsoft.com/office/drawing/2010/main">
-                <a:solidFill>
-                  <a:srgbClr val="FFFFFF"/>
-                </a:solidFill>
-              </a14:hiddenFill>
-            </a:ext>
-          </a:extLst>
-        </p:spPr>
-      </p:pic>
-      <p:sp>
-        <p:nvSpPr>
-          <p:cNvPr id="8" name="직사각형 7">
-            <a:extLst>
-              <a:ext uri="{FF2B5EF4-FFF2-40B4-BE49-F238E27FC236}">
-                <a16:creationId xmlns:a16="http://schemas.microsoft.com/office/drawing/2014/main" id="{8ED3D09B-9144-4B60-B89F-C47EAD8D985B}"/>
-              </a:ext>
-            </a:extLst>
-          </p:cNvPr>
-          <p:cNvSpPr/>
-          <p:nvPr/>
-        </p:nvSpPr>
-        <p:spPr>
-          <a:xfrm>
-            <a:off x="2667000" y="3075057"/>
-            <a:ext cx="6858000" cy="707886"/>
-          </a:xfrm>
-          <a:prstGeom prst="rect">
-            <a:avLst/>
-          </a:prstGeom>
-          <a:noFill/>
-        </p:spPr>
-        <p:txBody>
-          <a:bodyPr wrap="square" lIns="91440" tIns="45720" rIns="91440" bIns="45720">
-            <a:spAutoFit/>
-          </a:bodyPr>
-          <a:lstStyle/>
-          <a:p>
-            <a:pPr algn="ctr"/>
-            <a:r>
-              <a:rPr lang="en-US" altLang="ko-KR" sz="4000" b="1">
-                <a:ln w="6600">
-                  <a:solidFill>
-                    <a:schemeClr val="tx1"/>
-                  </a:solidFill>
-                  <a:prstDash val="solid"/>
-                </a:ln>
-                <a:solidFill>
-                  <a:srgbClr val="FF8585"/>
-                </a:solidFill>
-                <a:effectLst>
-                  <a:outerShdw dist="38100" dir="2700000" algn="tl" rotWithShape="0">
-                    <a:schemeClr val="accent2"/>
-                  </a:outerShdw>
-                </a:effectLst>
-              </a:rPr>
-              <a:t>T</a:t>
-            </a:r>
-            <a:r>
-              <a:rPr lang="en-US" altLang="ko-KR" sz="4000" b="1">
-                <a:ln w="6600">
-                  <a:solidFill>
-                    <a:schemeClr val="tx1"/>
-                  </a:solidFill>
-                  <a:prstDash val="solid"/>
-                </a:ln>
-                <a:solidFill>
-                  <a:srgbClr val="FFD44B"/>
-                </a:solidFill>
-                <a:effectLst>
-                  <a:outerShdw dist="38100" dir="2700000" algn="tl" rotWithShape="0">
-                    <a:schemeClr val="accent2"/>
-                  </a:outerShdw>
-                </a:effectLst>
-              </a:rPr>
-              <a:t>H</a:t>
-            </a:r>
-            <a:r>
-              <a:rPr lang="en-US" altLang="ko-KR" sz="4000" b="1">
-                <a:ln w="6600">
-                  <a:solidFill>
-                    <a:schemeClr val="tx1"/>
-                  </a:solidFill>
-                  <a:prstDash val="solid"/>
-                </a:ln>
-                <a:solidFill>
-                  <a:srgbClr val="FFFFA7"/>
-                </a:solidFill>
-                <a:effectLst>
-                  <a:outerShdw dist="38100" dir="2700000" algn="tl" rotWithShape="0">
-                    <a:schemeClr val="accent2"/>
-                  </a:outerShdw>
-                </a:effectLst>
-              </a:rPr>
-              <a:t>A</a:t>
-            </a:r>
-            <a:r>
-              <a:rPr lang="en-US" altLang="ko-KR" sz="4000" b="1">
-                <a:ln w="6600">
-                  <a:solidFill>
-                    <a:schemeClr val="tx1"/>
-                  </a:solidFill>
-                  <a:prstDash val="solid"/>
-                </a:ln>
-                <a:solidFill>
-                  <a:srgbClr val="AFDC7E"/>
-                </a:solidFill>
-                <a:effectLst>
-                  <a:outerShdw dist="38100" dir="2700000" algn="tl" rotWithShape="0">
-                    <a:schemeClr val="accent2"/>
-                  </a:outerShdw>
-                </a:effectLst>
-              </a:rPr>
-              <a:t>N</a:t>
-            </a:r>
-            <a:r>
-              <a:rPr lang="en-US" altLang="ko-KR" sz="4000" b="1">
-                <a:ln w="6600">
-                  <a:solidFill>
-                    <a:schemeClr val="tx1"/>
-                  </a:solidFill>
-                  <a:prstDash val="solid"/>
-                </a:ln>
-                <a:solidFill>
-                  <a:srgbClr val="2DFF8C"/>
-                </a:solidFill>
-                <a:effectLst>
-                  <a:outerShdw dist="38100" dir="2700000" algn="tl" rotWithShape="0">
-                    <a:schemeClr val="accent2"/>
-                  </a:outerShdw>
-                </a:effectLst>
-              </a:rPr>
-              <a:t>K </a:t>
-            </a:r>
-            <a:r>
-              <a:rPr lang="en-US" altLang="ko-KR" sz="4000" b="1">
-                <a:ln w="6600">
-                  <a:solidFill>
-                    <a:schemeClr val="tx1"/>
-                  </a:solidFill>
-                  <a:prstDash val="solid"/>
-                </a:ln>
-                <a:solidFill>
-                  <a:srgbClr val="3FCDFF"/>
-                </a:solidFill>
-                <a:effectLst>
-                  <a:outerShdw dist="38100" dir="2700000" algn="tl" rotWithShape="0">
-                    <a:schemeClr val="accent2"/>
-                  </a:outerShdw>
-                </a:effectLst>
-              </a:rPr>
-              <a:t>Y</a:t>
-            </a:r>
-            <a:r>
-              <a:rPr lang="en-US" altLang="ko-KR" sz="4000" b="1">
-                <a:ln w="6600">
-                  <a:solidFill>
-                    <a:schemeClr val="tx1"/>
-                  </a:solidFill>
-                  <a:prstDash val="solid"/>
-                </a:ln>
-                <a:solidFill>
-                  <a:srgbClr val="008DF6"/>
-                </a:solidFill>
-                <a:effectLst>
-                  <a:outerShdw dist="38100" dir="2700000" algn="tl" rotWithShape="0">
-                    <a:schemeClr val="accent2"/>
-                  </a:outerShdw>
-                </a:effectLst>
-              </a:rPr>
-              <a:t>O</a:t>
-            </a:r>
-            <a:r>
-              <a:rPr lang="en-US" altLang="ko-KR" sz="4000" b="1">
-                <a:ln w="6600">
-                  <a:solidFill>
-                    <a:schemeClr val="tx1"/>
-                  </a:solidFill>
-                  <a:prstDash val="solid"/>
-                </a:ln>
-                <a:solidFill>
-                  <a:srgbClr val="9148C8"/>
-                </a:solidFill>
-                <a:effectLst>
-                  <a:outerShdw dist="38100" dir="2700000" algn="tl" rotWithShape="0">
-                    <a:schemeClr val="accent2"/>
-                  </a:outerShdw>
-                </a:effectLst>
-              </a:rPr>
-              <a:t>U</a:t>
-            </a:r>
-            <a:endParaRPr lang="en-US" altLang="ko-KR" sz="4000" b="1">
-              <a:ln w="6600">
-                <a:solidFill>
-                  <a:schemeClr val="tx1"/>
-                </a:solidFill>
-                <a:prstDash val="solid"/>
-              </a:ln>
-              <a:effectLst>
-                <a:outerShdw dist="38100" dir="2700000" algn="tl" rotWithShape="0">
-                  <a:schemeClr val="accent2"/>
-                </a:outerShdw>
-              </a:effectLst>
-            </a:endParaRPr>
-          </a:p>
-        </p:txBody>
-      </p:sp>
-      <p:pic>
-        <p:nvPicPr>
-          <p:cNvPr id="9" name="Picture 2" descr="D-171] 공부 끝 - 오르비">
-            <a:extLst>
-              <a:ext uri="{FF2B5EF4-FFF2-40B4-BE49-F238E27FC236}">
-                <a16:creationId xmlns:a16="http://schemas.microsoft.com/office/drawing/2014/main" id="{BE160E03-C2AA-4700-B86E-1BF26BFCE24A}"/>
-              </a:ext>
-            </a:extLst>
-          </p:cNvPr>
-          <p:cNvPicPr>
-            <a:picLocks noChangeAspect="1" noChangeArrowheads="1"/>
-          </p:cNvPicPr>
-          <p:nvPr/>
-        </p:nvPicPr>
-        <p:blipFill rotWithShape="1">
-          <a:blip r:embed="rId3" cstate="hqprint">
-            <a:extLst>
-              <a:ext uri="{28A0092B-C50C-407E-A947-70E740481C1C}">
-                <a14:useLocalDpi xmlns:a14="http://schemas.microsoft.com/office/drawing/2010/main" val="0"/>
-              </a:ext>
-            </a:extLst>
-          </a:blip>
-          <a:srcRect l="33059"/>
-          <a:stretch/>
-        </p:blipFill>
-        <p:spPr bwMode="auto">
-          <a:xfrm>
-            <a:off x="0" y="5109028"/>
-            <a:ext cx="1801203" cy="1748971"/>
-          </a:xfrm>
-          <a:prstGeom prst="rect">
-            <a:avLst/>
-          </a:prstGeom>
-          <a:noFill/>
-          <a:extLst>
-            <a:ext uri="{909E8E84-426E-40DD-AFC4-6F175D3DCCD1}">
-              <a14:hiddenFill xmlns:a14="http://schemas.microsoft.com/office/drawing/2010/main">
-                <a:solidFill>
-                  <a:srgbClr val="FFFFFF"/>
-                </a:solidFill>
-              </a14:hiddenFill>
-            </a:ext>
-          </a:extLst>
-        </p:spPr>
-      </p:pic>
-      <p:pic>
-        <p:nvPicPr>
-          <p:cNvPr id="10" name="Picture 2" descr="D-171] 공부 끝 - 오르비">
-            <a:extLst>
-              <a:ext uri="{FF2B5EF4-FFF2-40B4-BE49-F238E27FC236}">
-                <a16:creationId xmlns:a16="http://schemas.microsoft.com/office/drawing/2014/main" id="{42FA632A-B4C0-4E7E-8207-77A7E583B9F2}"/>
-              </a:ext>
-            </a:extLst>
-          </p:cNvPr>
-          <p:cNvPicPr>
-            <a:picLocks noChangeAspect="1" noChangeArrowheads="1"/>
-          </p:cNvPicPr>
-          <p:nvPr/>
-        </p:nvPicPr>
-        <p:blipFill rotWithShape="1">
-          <a:blip r:embed="rId3" cstate="hqprint">
-            <a:extLst>
-              <a:ext uri="{28A0092B-C50C-407E-A947-70E740481C1C}">
-                <a14:useLocalDpi xmlns:a14="http://schemas.microsoft.com/office/drawing/2010/main" val="0"/>
-              </a:ext>
-            </a:extLst>
-          </a:blip>
-          <a:srcRect l="33059"/>
-          <a:stretch/>
-        </p:blipFill>
-        <p:spPr bwMode="auto">
-          <a:xfrm>
-            <a:off x="1662463" y="5109027"/>
-            <a:ext cx="1801203" cy="1748971"/>
-          </a:xfrm>
-          <a:prstGeom prst="rect">
-            <a:avLst/>
-          </a:prstGeom>
-          <a:noFill/>
-          <a:extLst>
-            <a:ext uri="{909E8E84-426E-40DD-AFC4-6F175D3DCCD1}">
-              <a14:hiddenFill xmlns:a14="http://schemas.microsoft.com/office/drawing/2010/main">
-                <a:solidFill>
-                  <a:srgbClr val="FFFFFF"/>
-                </a:solidFill>
-              </a14:hiddenFill>
-            </a:ext>
-          </a:extLst>
-        </p:spPr>
-      </p:pic>
-      <p:pic>
-        <p:nvPicPr>
-          <p:cNvPr id="11" name="Picture 2" descr="D-171] 공부 끝 - 오르비">
-            <a:extLst>
-              <a:ext uri="{FF2B5EF4-FFF2-40B4-BE49-F238E27FC236}">
-                <a16:creationId xmlns:a16="http://schemas.microsoft.com/office/drawing/2014/main" id="{EF856253-1BC9-43B0-AB51-04437CC7980F}"/>
-              </a:ext>
-            </a:extLst>
-          </p:cNvPr>
-          <p:cNvPicPr>
-            <a:picLocks noChangeAspect="1" noChangeArrowheads="1"/>
-          </p:cNvPicPr>
-          <p:nvPr/>
-        </p:nvPicPr>
-        <p:blipFill rotWithShape="1">
-          <a:blip r:embed="rId3" cstate="hqprint">
-            <a:extLst>
-              <a:ext uri="{28A0092B-C50C-407E-A947-70E740481C1C}">
-                <a14:useLocalDpi xmlns:a14="http://schemas.microsoft.com/office/drawing/2010/main" val="0"/>
-              </a:ext>
-            </a:extLst>
-          </a:blip>
-          <a:srcRect l="33059"/>
-          <a:stretch/>
-        </p:blipFill>
-        <p:spPr bwMode="auto">
-          <a:xfrm>
-            <a:off x="8745752" y="5109029"/>
-            <a:ext cx="1801203" cy="1748971"/>
-          </a:xfrm>
-          <a:prstGeom prst="rect">
-            <a:avLst/>
-          </a:prstGeom>
-          <a:noFill/>
-          <a:extLst>
-            <a:ext uri="{909E8E84-426E-40DD-AFC4-6F175D3DCCD1}">
-              <a14:hiddenFill xmlns:a14="http://schemas.microsoft.com/office/drawing/2010/main">
-                <a:solidFill>
-                  <a:srgbClr val="FFFFFF"/>
-                </a:solidFill>
-              </a14:hiddenFill>
-            </a:ext>
-          </a:extLst>
-        </p:spPr>
-      </p:pic>
-      <p:pic>
-        <p:nvPicPr>
-          <p:cNvPr id="12" name="Picture 2" descr="D-171] 공부 끝 - 오르비">
-            <a:extLst>
-              <a:ext uri="{FF2B5EF4-FFF2-40B4-BE49-F238E27FC236}">
-                <a16:creationId xmlns:a16="http://schemas.microsoft.com/office/drawing/2014/main" id="{B420C325-FBF8-4837-954B-473865AAD2A6}"/>
-              </a:ext>
-            </a:extLst>
-          </p:cNvPr>
-          <p:cNvPicPr>
-            <a:picLocks noChangeAspect="1" noChangeArrowheads="1"/>
-          </p:cNvPicPr>
-          <p:nvPr/>
-        </p:nvPicPr>
-        <p:blipFill rotWithShape="1">
-          <a:blip r:embed="rId3" cstate="hqprint">
-            <a:extLst>
-              <a:ext uri="{28A0092B-C50C-407E-A947-70E740481C1C}">
-                <a14:useLocalDpi xmlns:a14="http://schemas.microsoft.com/office/drawing/2010/main" val="0"/>
-              </a:ext>
-            </a:extLst>
-          </a:blip>
-          <a:srcRect l="33059"/>
-          <a:stretch/>
-        </p:blipFill>
-        <p:spPr bwMode="auto">
-          <a:xfrm>
-            <a:off x="5195398" y="5109028"/>
-            <a:ext cx="1801203" cy="1748971"/>
-          </a:xfrm>
-          <a:prstGeom prst="rect">
-            <a:avLst/>
-          </a:prstGeom>
-          <a:noFill/>
-          <a:extLst>
-            <a:ext uri="{909E8E84-426E-40DD-AFC4-6F175D3DCCD1}">
-              <a14:hiddenFill xmlns:a14="http://schemas.microsoft.com/office/drawing/2010/main">
-                <a:solidFill>
-                  <a:srgbClr val="FFFFFF"/>
-                </a:solidFill>
-              </a14:hiddenFill>
-            </a:ext>
-          </a:extLst>
-        </p:spPr>
-      </p:pic>
-      <p:pic>
-        <p:nvPicPr>
-          <p:cNvPr id="13" name="Picture 2" descr="D-171] 공부 끝 - 오르비">
-            <a:extLst>
-              <a:ext uri="{FF2B5EF4-FFF2-40B4-BE49-F238E27FC236}">
-                <a16:creationId xmlns:a16="http://schemas.microsoft.com/office/drawing/2014/main" id="{EF1928FA-B098-4524-827A-4204E11F5002}"/>
-              </a:ext>
-            </a:extLst>
-          </p:cNvPr>
-          <p:cNvPicPr>
-            <a:picLocks noChangeAspect="1" noChangeArrowheads="1"/>
-          </p:cNvPicPr>
-          <p:nvPr/>
-        </p:nvPicPr>
-        <p:blipFill rotWithShape="1">
-          <a:blip r:embed="rId3" cstate="hqprint">
-            <a:extLst>
-              <a:ext uri="{28A0092B-C50C-407E-A947-70E740481C1C}">
-                <a14:useLocalDpi xmlns:a14="http://schemas.microsoft.com/office/drawing/2010/main" val="0"/>
-              </a:ext>
-            </a:extLst>
-          </a:blip>
-          <a:srcRect l="33059"/>
-          <a:stretch/>
-        </p:blipFill>
-        <p:spPr bwMode="auto">
-          <a:xfrm>
-            <a:off x="7048654" y="5109029"/>
-            <a:ext cx="1801203" cy="1748971"/>
-          </a:xfrm>
-          <a:prstGeom prst="rect">
-            <a:avLst/>
-          </a:prstGeom>
-          <a:noFill/>
-          <a:extLst>
-            <a:ext uri="{909E8E84-426E-40DD-AFC4-6F175D3DCCD1}">
-              <a14:hiddenFill xmlns:a14="http://schemas.microsoft.com/office/drawing/2010/main">
-                <a:solidFill>
-                  <a:srgbClr val="FFFFFF"/>
-                </a:solidFill>
-              </a14:hiddenFill>
-            </a:ext>
-          </a:extLst>
-        </p:spPr>
-      </p:pic>
-      <p:pic>
-        <p:nvPicPr>
-          <p:cNvPr id="17" name="Picture 2" descr="D-171] 공부 끝 - 오르비">
-            <a:extLst>
-              <a:ext uri="{FF2B5EF4-FFF2-40B4-BE49-F238E27FC236}">
-                <a16:creationId xmlns:a16="http://schemas.microsoft.com/office/drawing/2014/main" id="{BE65B58F-FF4C-4EA3-AAE0-BE2A6AB870E9}"/>
-              </a:ext>
-            </a:extLst>
-          </p:cNvPr>
-          <p:cNvPicPr>
-            <a:picLocks noChangeAspect="1" noChangeArrowheads="1"/>
-          </p:cNvPicPr>
-          <p:nvPr/>
-        </p:nvPicPr>
-        <p:blipFill rotWithShape="1">
-          <a:blip r:embed="rId3" cstate="hqprint">
-            <a:extLst>
-              <a:ext uri="{28A0092B-C50C-407E-A947-70E740481C1C}">
-                <a14:useLocalDpi xmlns:a14="http://schemas.microsoft.com/office/drawing/2010/main" val="0"/>
-              </a:ext>
-            </a:extLst>
-          </a:blip>
-          <a:srcRect l="33059"/>
-          <a:stretch/>
-        </p:blipFill>
-        <p:spPr bwMode="auto">
-          <a:xfrm>
-            <a:off x="10390797" y="5109029"/>
-            <a:ext cx="1801203" cy="1748971"/>
-          </a:xfrm>
-          <a:prstGeom prst="rect">
-            <a:avLst/>
-          </a:prstGeom>
-          <a:noFill/>
-          <a:extLst>
-            <a:ext uri="{909E8E84-426E-40DD-AFC4-6F175D3DCCD1}">
-              <a14:hiddenFill xmlns:a14="http://schemas.microsoft.com/office/drawing/2010/main">
-                <a:solidFill>
-                  <a:srgbClr val="FFFFFF"/>
-                </a:solidFill>
-              </a14:hiddenFill>
-            </a:ext>
-          </a:extLst>
-        </p:spPr>
-      </p:pic>
-      <p:pic>
-        <p:nvPicPr>
-          <p:cNvPr id="25" name="Picture 2" descr="D-171] 공부 끝 - 오르비">
-            <a:extLst>
-              <a:ext uri="{FF2B5EF4-FFF2-40B4-BE49-F238E27FC236}">
-                <a16:creationId xmlns:a16="http://schemas.microsoft.com/office/drawing/2014/main" id="{2005B0A6-EE5B-48FA-8B52-49373A8CF663}"/>
-              </a:ext>
-            </a:extLst>
-          </p:cNvPr>
-          <p:cNvPicPr>
-            <a:picLocks noChangeAspect="1" noChangeArrowheads="1"/>
-          </p:cNvPicPr>
-          <p:nvPr/>
-        </p:nvPicPr>
-        <p:blipFill rotWithShape="1">
-          <a:blip r:embed="rId3" cstate="hqprint">
-            <a:extLst>
-              <a:ext uri="{28A0092B-C50C-407E-A947-70E740481C1C}">
-                <a14:useLocalDpi xmlns:a14="http://schemas.microsoft.com/office/drawing/2010/main" val="0"/>
-              </a:ext>
-            </a:extLst>
-          </a:blip>
-          <a:srcRect l="33059"/>
-          <a:stretch/>
-        </p:blipFill>
-        <p:spPr bwMode="auto">
-          <a:xfrm rot="10800000">
-            <a:off x="3446247" y="0"/>
-            <a:ext cx="1801203" cy="1748971"/>
-          </a:xfrm>
-          <a:prstGeom prst="rect">
-            <a:avLst/>
-          </a:prstGeom>
-          <a:noFill/>
-          <a:extLst>
-            <a:ext uri="{909E8E84-426E-40DD-AFC4-6F175D3DCCD1}">
-              <a14:hiddenFill xmlns:a14="http://schemas.microsoft.com/office/drawing/2010/main">
-                <a:solidFill>
-                  <a:srgbClr val="FFFFFF"/>
-                </a:solidFill>
-              </a14:hiddenFill>
-            </a:ext>
-          </a:extLst>
-        </p:spPr>
-      </p:pic>
-      <p:pic>
-        <p:nvPicPr>
-          <p:cNvPr id="26" name="Picture 2" descr="D-171] 공부 끝 - 오르비">
-            <a:extLst>
-              <a:ext uri="{FF2B5EF4-FFF2-40B4-BE49-F238E27FC236}">
-                <a16:creationId xmlns:a16="http://schemas.microsoft.com/office/drawing/2014/main" id="{49DFC296-E321-40F7-A920-488F574C0F3A}"/>
-              </a:ext>
-            </a:extLst>
-          </p:cNvPr>
-          <p:cNvPicPr>
-            <a:picLocks noChangeAspect="1" noChangeArrowheads="1"/>
-          </p:cNvPicPr>
-          <p:nvPr/>
-        </p:nvPicPr>
-        <p:blipFill rotWithShape="1">
-          <a:blip r:embed="rId3" cstate="hqprint">
-            <a:extLst>
-              <a:ext uri="{28A0092B-C50C-407E-A947-70E740481C1C}">
-                <a14:useLocalDpi xmlns:a14="http://schemas.microsoft.com/office/drawing/2010/main" val="0"/>
-              </a:ext>
-            </a:extLst>
-          </a:blip>
-          <a:srcRect l="33059"/>
-          <a:stretch/>
-        </p:blipFill>
-        <p:spPr bwMode="auto">
-          <a:xfrm rot="10800000">
-            <a:off x="0" y="-1"/>
-            <a:ext cx="1801203" cy="1748971"/>
-          </a:xfrm>
-          <a:prstGeom prst="rect">
-            <a:avLst/>
-          </a:prstGeom>
-          <a:noFill/>
-          <a:extLst>
-            <a:ext uri="{909E8E84-426E-40DD-AFC4-6F175D3DCCD1}">
-              <a14:hiddenFill xmlns:a14="http://schemas.microsoft.com/office/drawing/2010/main">
-                <a:solidFill>
-                  <a:srgbClr val="FFFFFF"/>
-                </a:solidFill>
-              </a14:hiddenFill>
-            </a:ext>
-          </a:extLst>
-        </p:spPr>
-      </p:pic>
-      <p:pic>
-        <p:nvPicPr>
-          <p:cNvPr id="27" name="Picture 2" descr="D-171] 공부 끝 - 오르비">
-            <a:extLst>
-              <a:ext uri="{FF2B5EF4-FFF2-40B4-BE49-F238E27FC236}">
-                <a16:creationId xmlns:a16="http://schemas.microsoft.com/office/drawing/2014/main" id="{E9987C45-D609-4665-8872-4375E45E3356}"/>
-              </a:ext>
-            </a:extLst>
-          </p:cNvPr>
-          <p:cNvPicPr>
-            <a:picLocks noChangeAspect="1" noChangeArrowheads="1"/>
-          </p:cNvPicPr>
-          <p:nvPr/>
-        </p:nvPicPr>
-        <p:blipFill rotWithShape="1">
-          <a:blip r:embed="rId3" cstate="hqprint">
-            <a:extLst>
-              <a:ext uri="{28A0092B-C50C-407E-A947-70E740481C1C}">
-                <a14:useLocalDpi xmlns:a14="http://schemas.microsoft.com/office/drawing/2010/main" val="0"/>
-              </a:ext>
-            </a:extLst>
-          </a:blip>
-          <a:srcRect l="33059"/>
-          <a:stretch/>
-        </p:blipFill>
-        <p:spPr bwMode="auto">
-          <a:xfrm rot="10800000">
-            <a:off x="1662463" y="-2"/>
-            <a:ext cx="1801203" cy="1748971"/>
-          </a:xfrm>
-          <a:prstGeom prst="rect">
-            <a:avLst/>
-          </a:prstGeom>
-          <a:noFill/>
-          <a:extLst>
-            <a:ext uri="{909E8E84-426E-40DD-AFC4-6F175D3DCCD1}">
-              <a14:hiddenFill xmlns:a14="http://schemas.microsoft.com/office/drawing/2010/main">
-                <a:solidFill>
-                  <a:srgbClr val="FFFFFF"/>
-                </a:solidFill>
-              </a14:hiddenFill>
-            </a:ext>
-          </a:extLst>
-        </p:spPr>
-      </p:pic>
-      <p:pic>
-        <p:nvPicPr>
-          <p:cNvPr id="28" name="Picture 2" descr="D-171] 공부 끝 - 오르비">
-            <a:extLst>
-              <a:ext uri="{FF2B5EF4-FFF2-40B4-BE49-F238E27FC236}">
-                <a16:creationId xmlns:a16="http://schemas.microsoft.com/office/drawing/2014/main" id="{9A1F2027-16A0-4559-A2FA-B667F7293639}"/>
-              </a:ext>
-            </a:extLst>
-          </p:cNvPr>
-          <p:cNvPicPr>
-            <a:picLocks noChangeAspect="1" noChangeArrowheads="1"/>
-          </p:cNvPicPr>
-          <p:nvPr/>
-        </p:nvPicPr>
-        <p:blipFill rotWithShape="1">
-          <a:blip r:embed="rId3" cstate="hqprint">
-            <a:extLst>
-              <a:ext uri="{28A0092B-C50C-407E-A947-70E740481C1C}">
-                <a14:useLocalDpi xmlns:a14="http://schemas.microsoft.com/office/drawing/2010/main" val="0"/>
-              </a:ext>
-            </a:extLst>
-          </a:blip>
-          <a:srcRect l="33059"/>
-          <a:stretch/>
-        </p:blipFill>
-        <p:spPr bwMode="auto">
-          <a:xfrm rot="10800000">
-            <a:off x="8745752" y="0"/>
-            <a:ext cx="1801203" cy="1748971"/>
-          </a:xfrm>
-          <a:prstGeom prst="rect">
-            <a:avLst/>
-          </a:prstGeom>
-          <a:noFill/>
-          <a:extLst>
-            <a:ext uri="{909E8E84-426E-40DD-AFC4-6F175D3DCCD1}">
-              <a14:hiddenFill xmlns:a14="http://schemas.microsoft.com/office/drawing/2010/main">
-                <a:solidFill>
-                  <a:srgbClr val="FFFFFF"/>
-                </a:solidFill>
-              </a14:hiddenFill>
-            </a:ext>
-          </a:extLst>
-        </p:spPr>
-      </p:pic>
-      <p:pic>
-        <p:nvPicPr>
-          <p:cNvPr id="29" name="Picture 2" descr="D-171] 공부 끝 - 오르비">
-            <a:extLst>
-              <a:ext uri="{FF2B5EF4-FFF2-40B4-BE49-F238E27FC236}">
-                <a16:creationId xmlns:a16="http://schemas.microsoft.com/office/drawing/2014/main" id="{1AB83FF9-8927-464B-AFD8-66B4BB2F38CB}"/>
-              </a:ext>
-            </a:extLst>
-          </p:cNvPr>
-          <p:cNvPicPr>
-            <a:picLocks noChangeAspect="1" noChangeArrowheads="1"/>
-          </p:cNvPicPr>
-          <p:nvPr/>
-        </p:nvPicPr>
-        <p:blipFill rotWithShape="1">
-          <a:blip r:embed="rId3" cstate="hqprint">
-            <a:extLst>
-              <a:ext uri="{28A0092B-C50C-407E-A947-70E740481C1C}">
-                <a14:useLocalDpi xmlns:a14="http://schemas.microsoft.com/office/drawing/2010/main" val="0"/>
-              </a:ext>
-            </a:extLst>
-          </a:blip>
-          <a:srcRect l="33059"/>
-          <a:stretch/>
-        </p:blipFill>
-        <p:spPr bwMode="auto">
-          <a:xfrm rot="10800000">
-            <a:off x="5195398" y="-1"/>
-            <a:ext cx="1801203" cy="1748971"/>
-          </a:xfrm>
-          <a:prstGeom prst="rect">
-            <a:avLst/>
-          </a:prstGeom>
-          <a:noFill/>
-          <a:extLst>
-            <a:ext uri="{909E8E84-426E-40DD-AFC4-6F175D3DCCD1}">
-              <a14:hiddenFill xmlns:a14="http://schemas.microsoft.com/office/drawing/2010/main">
-                <a:solidFill>
-                  <a:srgbClr val="FFFFFF"/>
-                </a:solidFill>
-              </a14:hiddenFill>
-            </a:ext>
-          </a:extLst>
-        </p:spPr>
-      </p:pic>
-      <p:pic>
-        <p:nvPicPr>
-          <p:cNvPr id="30" name="Picture 2" descr="D-171] 공부 끝 - 오르비">
-            <a:extLst>
-              <a:ext uri="{FF2B5EF4-FFF2-40B4-BE49-F238E27FC236}">
-                <a16:creationId xmlns:a16="http://schemas.microsoft.com/office/drawing/2014/main" id="{10AF797D-C14E-4584-9CD4-9591F8F818E3}"/>
-              </a:ext>
-            </a:extLst>
-          </p:cNvPr>
-          <p:cNvPicPr>
-            <a:picLocks noChangeAspect="1" noChangeArrowheads="1"/>
-          </p:cNvPicPr>
-          <p:nvPr/>
-        </p:nvPicPr>
-        <p:blipFill rotWithShape="1">
-          <a:blip r:embed="rId3" cstate="hqprint">
-            <a:extLst>
-              <a:ext uri="{28A0092B-C50C-407E-A947-70E740481C1C}">
-                <a14:useLocalDpi xmlns:a14="http://schemas.microsoft.com/office/drawing/2010/main" val="0"/>
-              </a:ext>
-            </a:extLst>
-          </a:blip>
-          <a:srcRect l="33059"/>
-          <a:stretch/>
-        </p:blipFill>
-        <p:spPr bwMode="auto">
-          <a:xfrm rot="10800000">
-            <a:off x="7048654" y="0"/>
-            <a:ext cx="1801203" cy="1748971"/>
-          </a:xfrm>
-          <a:prstGeom prst="rect">
-            <a:avLst/>
-          </a:prstGeom>
-          <a:noFill/>
-          <a:extLst>
-            <a:ext uri="{909E8E84-426E-40DD-AFC4-6F175D3DCCD1}">
-              <a14:hiddenFill xmlns:a14="http://schemas.microsoft.com/office/drawing/2010/main">
-                <a:solidFill>
-                  <a:srgbClr val="FFFFFF"/>
-                </a:solidFill>
-              </a14:hiddenFill>
-            </a:ext>
-          </a:extLst>
-        </p:spPr>
-      </p:pic>
-      <p:pic>
-        <p:nvPicPr>
-          <p:cNvPr id="31" name="Picture 2" descr="D-171] 공부 끝 - 오르비">
-            <a:extLst>
-              <a:ext uri="{FF2B5EF4-FFF2-40B4-BE49-F238E27FC236}">
-                <a16:creationId xmlns:a16="http://schemas.microsoft.com/office/drawing/2014/main" id="{C592A194-0E61-455E-BB24-188A1D3824BD}"/>
-              </a:ext>
-            </a:extLst>
-          </p:cNvPr>
-          <p:cNvPicPr>
-            <a:picLocks noChangeAspect="1" noChangeArrowheads="1"/>
-          </p:cNvPicPr>
-          <p:nvPr/>
-        </p:nvPicPr>
-        <p:blipFill rotWithShape="1">
-          <a:blip r:embed="rId3" cstate="hqprint">
-            <a:extLst>
-              <a:ext uri="{28A0092B-C50C-407E-A947-70E740481C1C}">
-                <a14:useLocalDpi xmlns:a14="http://schemas.microsoft.com/office/drawing/2010/main" val="0"/>
-              </a:ext>
-            </a:extLst>
-          </a:blip>
-          <a:srcRect l="33059"/>
-          <a:stretch/>
-        </p:blipFill>
-        <p:spPr bwMode="auto">
-          <a:xfrm rot="10800000">
-            <a:off x="10390797" y="0"/>
-            <a:ext cx="1801203" cy="1748971"/>
-          </a:xfrm>
-          <a:prstGeom prst="rect">
-            <a:avLst/>
-          </a:prstGeom>
-          <a:noFill/>
-          <a:extLst>
-            <a:ext uri="{909E8E84-426E-40DD-AFC4-6F175D3DCCD1}">
-              <a14:hiddenFill xmlns:a14="http://schemas.microsoft.com/office/drawing/2010/main">
-                <a:solidFill>
-                  <a:srgbClr val="FFFFFF"/>
-                </a:solidFill>
-              </a14:hiddenFill>
-            </a:ext>
-          </a:extLst>
-        </p:spPr>
-      </p:pic>
-    </p:spTree>
-    <p:extLst>
-      <p:ext uri="{BB962C8B-B14F-4D97-AF65-F5344CB8AC3E}">
-        <p14:creationId xmlns:p14="http://schemas.microsoft.com/office/powerpoint/2010/main" val="3072037884"/>
-      </p:ext>
-    </p:extLst>
-  </p:cSld>
-  <p:clrMapOvr>
-    <a:masterClrMapping/>
-  </p:clrMapOvr>
-</p:sld>
-</file>
-
 <file path=ppt/slides/slide4.xml><?xml version="1.0" encoding="utf-8"?>
 <p:sld xmlns:a="http://schemas.openxmlformats.org/drawingml/2006/main" xmlns:r="http://schemas.openxmlformats.org/officeDocument/2006/relationships" xmlns:p="http://schemas.openxmlformats.org/presentationml/2006/main">
   <p:cSld>
@@ -21472,6 +20672,42 @@
           <a:p>
             <a:pPr algn="ctr"/>
             <a:endParaRPr lang="ko-KR" altLang="en-US"/>
+          </a:p>
+        </p:txBody>
+      </p:sp>
+      <p:sp>
+        <p:nvSpPr>
+          <p:cNvPr id="5" name="TextBox 4">
+            <a:extLst>
+              <a:ext uri="{FF2B5EF4-FFF2-40B4-BE49-F238E27FC236}">
+                <a16:creationId xmlns:a16="http://schemas.microsoft.com/office/drawing/2014/main" id="{DC962050-F7AA-4388-BE81-B4646030A678}"/>
+              </a:ext>
+            </a:extLst>
+          </p:cNvPr>
+          <p:cNvSpPr txBox="1"/>
+          <p:nvPr/>
+        </p:nvSpPr>
+        <p:spPr>
+          <a:xfrm>
+            <a:off x="5948737" y="3209365"/>
+            <a:ext cx="1828800" cy="369332"/>
+          </a:xfrm>
+          <a:prstGeom prst="rect">
+            <a:avLst/>
+          </a:prstGeom>
+          <a:noFill/>
+        </p:spPr>
+        <p:txBody>
+          <a:bodyPr wrap="square" rtlCol="0">
+            <a:spAutoFit/>
+          </a:bodyPr>
+          <a:lstStyle/>
+          <a:p>
+            <a:r>
+              <a:rPr lang="en-US" altLang="ko-KR" dirty="0"/>
+              <a:t>+tomcat</a:t>
+            </a:r>
+            <a:endParaRPr lang="ko-KR" altLang="en-US" dirty="0"/>
           </a:p>
         </p:txBody>
       </p:sp>
